--- a/ONIP/onip_b3_traitement_1D/B3_0_Deroulement.pptx
+++ b/ONIP/onip_b3_traitement_1D/B3_0_Deroulement.pptx
@@ -8,11 +8,13 @@
     <p:sldId id="256" r:id="rId2"/>
     <p:sldId id="272" r:id="rId3"/>
     <p:sldId id="273" r:id="rId4"/>
-    <p:sldId id="274" r:id="rId5"/>
-    <p:sldId id="277" r:id="rId6"/>
-    <p:sldId id="275" r:id="rId7"/>
-    <p:sldId id="276" r:id="rId8"/>
-    <p:sldId id="278" r:id="rId9"/>
+    <p:sldId id="279" r:id="rId5"/>
+    <p:sldId id="280" r:id="rId6"/>
+    <p:sldId id="274" r:id="rId7"/>
+    <p:sldId id="277" r:id="rId8"/>
+    <p:sldId id="275" r:id="rId9"/>
+    <p:sldId id="276" r:id="rId10"/>
+    <p:sldId id="278" r:id="rId11"/>
   </p:sldIdLst>
   <p:sldSz cx="12192000" cy="6858000"/>
   <p:notesSz cx="6858000" cy="9144000"/>
@@ -275,7 +277,7 @@
           <a:p>
             <a:fld id="{02AC24A9-CCB6-4F8D-B8DB-C2F3692CFA5A}" type="datetimeFigureOut">
               <a:rPr lang="en-US" smtClean="0"/>
-              <a:t>6/21/2023</a:t>
+              <a:t>7/21/2023</a:t>
             </a:fld>
             <a:endParaRPr lang="en-US" dirty="0"/>
           </a:p>
@@ -645,7 +647,7 @@
           <a:p>
             <a:fld id="{02AC24A9-CCB6-4F8D-B8DB-C2F3692CFA5A}" type="datetimeFigureOut">
               <a:rPr lang="en-US" smtClean="0"/>
-              <a:t>6/21/2023</a:t>
+              <a:t>7/21/2023</a:t>
             </a:fld>
             <a:endParaRPr lang="en-US"/>
           </a:p>
@@ -854,7 +856,7 @@
           <a:p>
             <a:fld id="{02AC24A9-CCB6-4F8D-B8DB-C2F3692CFA5A}" type="datetimeFigureOut">
               <a:rPr lang="en-US" smtClean="0"/>
-              <a:t>6/21/2023</a:t>
+              <a:t>7/21/2023</a:t>
             </a:fld>
             <a:endParaRPr lang="en-US"/>
           </a:p>
@@ -1324,7 +1326,7 @@
           <a:p>
             <a:fld id="{02AC24A9-CCB6-4F8D-B8DB-C2F3692CFA5A}" type="datetimeFigureOut">
               <a:rPr lang="en-US" smtClean="0"/>
-              <a:t>6/21/2023</a:t>
+              <a:t>7/21/2023</a:t>
             </a:fld>
             <a:endParaRPr lang="en-US"/>
           </a:p>
@@ -1778,7 +1780,7 @@
           <a:p>
             <a:fld id="{02AC24A9-CCB6-4F8D-B8DB-C2F3692CFA5A}" type="datetimeFigureOut">
               <a:rPr lang="en-US" smtClean="0"/>
-              <a:t>6/21/2023</a:t>
+              <a:t>7/21/2023</a:t>
             </a:fld>
             <a:endParaRPr lang="en-US"/>
           </a:p>
@@ -2310,7 +2312,7 @@
           <a:p>
             <a:fld id="{02AC24A9-CCB6-4F8D-B8DB-C2F3692CFA5A}" type="datetimeFigureOut">
               <a:rPr lang="en-US" smtClean="0"/>
-              <a:t>6/21/2023</a:t>
+              <a:t>7/21/2023</a:t>
             </a:fld>
             <a:endParaRPr lang="en-US"/>
           </a:p>
@@ -3009,7 +3011,7 @@
           <a:p>
             <a:fld id="{02AC24A9-CCB6-4F8D-B8DB-C2F3692CFA5A}" type="datetimeFigureOut">
               <a:rPr lang="en-US" smtClean="0"/>
-              <a:t>6/21/2023</a:t>
+              <a:t>7/21/2023</a:t>
             </a:fld>
             <a:endParaRPr lang="en-US"/>
           </a:p>
@@ -3338,7 +3340,7 @@
           <a:p>
             <a:fld id="{02AC24A9-CCB6-4F8D-B8DB-C2F3692CFA5A}" type="datetimeFigureOut">
               <a:rPr lang="en-US" smtClean="0"/>
-              <a:t>6/21/2023</a:t>
+              <a:t>7/21/2023</a:t>
             </a:fld>
             <a:endParaRPr lang="en-US"/>
           </a:p>
@@ -3451,7 +3453,7 @@
           <a:p>
             <a:fld id="{02AC24A9-CCB6-4F8D-B8DB-C2F3692CFA5A}" type="datetimeFigureOut">
               <a:rPr lang="en-US" smtClean="0"/>
-              <a:t>6/21/2023</a:t>
+              <a:t>7/21/2023</a:t>
             </a:fld>
             <a:endParaRPr lang="en-US"/>
           </a:p>
@@ -3946,7 +3948,7 @@
           <a:p>
             <a:fld id="{02AC24A9-CCB6-4F8D-B8DB-C2F3692CFA5A}" type="datetimeFigureOut">
               <a:rPr lang="en-US" smtClean="0"/>
-              <a:t>6/21/2023</a:t>
+              <a:t>7/21/2023</a:t>
             </a:fld>
             <a:endParaRPr lang="en-US" dirty="0"/>
           </a:p>
@@ -4423,7 +4425,7 @@
           <a:p>
             <a:fld id="{02AC24A9-CCB6-4F8D-B8DB-C2F3692CFA5A}" type="datetimeFigureOut">
               <a:rPr lang="en-US" smtClean="0"/>
-              <a:t>6/21/2023</a:t>
+              <a:t>7/21/2023</a:t>
             </a:fld>
             <a:endParaRPr lang="en-US"/>
           </a:p>
@@ -4666,7 +4668,7 @@
           <a:p>
             <a:fld id="{02AC24A9-CCB6-4F8D-B8DB-C2F3692CFA5A}" type="datetimeFigureOut">
               <a:rPr lang="en-US" smtClean="0"/>
-              <a:t>6/21/2023</a:t>
+              <a:t>7/21/2023</a:t>
             </a:fld>
             <a:endParaRPr lang="en-US"/>
           </a:p>
@@ -5585,6 +5587,723 @@
 </p:sld>
 </file>
 
+<file path=ppt/slides/slide10.xml><?xml version="1.0" encoding="utf-8"?>
+<p:sld xmlns:a="http://schemas.openxmlformats.org/drawingml/2006/main" xmlns:r="http://schemas.openxmlformats.org/officeDocument/2006/relationships" xmlns:p="http://schemas.openxmlformats.org/presentationml/2006/main">
+  <p:cSld>
+    <p:spTree>
+      <p:nvGrpSpPr>
+        <p:cNvPr id="1" name=""/>
+        <p:cNvGrpSpPr/>
+        <p:nvPr/>
+      </p:nvGrpSpPr>
+      <p:grpSpPr>
+        <a:xfrm>
+          <a:off x="0" y="0"/>
+          <a:ext cx="0" cy="0"/>
+          <a:chOff x="0" y="0"/>
+          <a:chExt cx="0" cy="0"/>
+        </a:xfrm>
+      </p:grpSpPr>
+      <p:sp>
+        <p:nvSpPr>
+          <p:cNvPr id="2" name="Titre 1">
+            <a:extLst>
+              <a:ext uri="{FF2B5EF4-FFF2-40B4-BE49-F238E27FC236}">
+                <a16:creationId xmlns:a16="http://schemas.microsoft.com/office/drawing/2014/main" id="{90162AE8-C1B0-5C56-8313-DEE494F38273}"/>
+              </a:ext>
+            </a:extLst>
+          </p:cNvPr>
+          <p:cNvSpPr>
+            <a:spLocks noGrp="1"/>
+          </p:cNvSpPr>
+          <p:nvPr>
+            <p:ph type="title"/>
+          </p:nvPr>
+        </p:nvSpPr>
+        <p:spPr/>
+        <p:txBody>
+          <a:bodyPr/>
+          <a:lstStyle/>
+          <a:p>
+            <a:r>
+              <a:rPr lang="fr-FR" dirty="0"/>
+              <a:t>Rappels sur la modulation d’amplitude</a:t>
+            </a:r>
+          </a:p>
+        </p:txBody>
+      </p:sp>
+      <p:pic>
+        <p:nvPicPr>
+          <p:cNvPr id="5" name="Image 4" descr="Une image contenant texte&#10;&#10;Description générée automatiquement">
+            <a:extLst>
+              <a:ext uri="{FF2B5EF4-FFF2-40B4-BE49-F238E27FC236}">
+                <a16:creationId xmlns:a16="http://schemas.microsoft.com/office/drawing/2014/main" id="{204ADC40-1D61-539F-22ED-6B21D67FBDE6}"/>
+              </a:ext>
+            </a:extLst>
+          </p:cNvPr>
+          <p:cNvPicPr>
+            <a:picLocks noChangeAspect="1"/>
+          </p:cNvPicPr>
+          <p:nvPr/>
+        </p:nvPicPr>
+        <p:blipFill>
+          <a:blip r:embed="rId2">
+            <a:extLst>
+              <a:ext uri="{28A0092B-C50C-407E-A947-70E740481C1C}">
+                <a14:useLocalDpi xmlns:a14="http://schemas.microsoft.com/office/drawing/2010/main" val="0"/>
+              </a:ext>
+            </a:extLst>
+          </a:blip>
+          <a:stretch>
+            <a:fillRect/>
+          </a:stretch>
+        </p:blipFill>
+        <p:spPr>
+          <a:xfrm>
+            <a:off x="202922" y="5934456"/>
+            <a:ext cx="1825291" cy="749808"/>
+          </a:xfrm>
+          <a:prstGeom prst="rect">
+            <a:avLst/>
+          </a:prstGeom>
+        </p:spPr>
+      </p:pic>
+      <p:sp>
+        <p:nvSpPr>
+          <p:cNvPr id="17" name="ZoneTexte 16">
+            <a:extLst>
+              <a:ext uri="{FF2B5EF4-FFF2-40B4-BE49-F238E27FC236}">
+                <a16:creationId xmlns:a16="http://schemas.microsoft.com/office/drawing/2014/main" id="{2FE2EFB8-5223-2DB3-AC55-87C8590EB7A6}"/>
+              </a:ext>
+            </a:extLst>
+          </p:cNvPr>
+          <p:cNvSpPr txBox="1"/>
+          <p:nvPr/>
+        </p:nvSpPr>
+        <p:spPr>
+          <a:xfrm>
+            <a:off x="757084" y="2317643"/>
+            <a:ext cx="6096000" cy="369332"/>
+          </a:xfrm>
+          <a:prstGeom prst="rect">
+            <a:avLst/>
+          </a:prstGeom>
+          <a:noFill/>
+        </p:spPr>
+        <p:txBody>
+          <a:bodyPr wrap="square">
+            <a:spAutoFit/>
+          </a:bodyPr>
+          <a:lstStyle/>
+          <a:p>
+            <a:r>
+              <a:rPr lang="fr-FR" sz="1800" b="1" dirty="0">
+                <a:solidFill>
+                  <a:schemeClr val="accent4"/>
+                </a:solidFill>
+                <a:effectLst/>
+                <a:latin typeface="Arial" panose="020B0604020202020204" pitchFamily="34" charset="0"/>
+                <a:ea typeface="Arial" panose="020B0604020202020204" pitchFamily="34" charset="0"/>
+              </a:rPr>
+              <a:t>m(t) = A</a:t>
+            </a:r>
+            <a:r>
+              <a:rPr lang="fr-FR" sz="1800" b="1" baseline="-25000" dirty="0">
+                <a:solidFill>
+                  <a:schemeClr val="accent4"/>
+                </a:solidFill>
+                <a:effectLst/>
+                <a:latin typeface="Arial" panose="020B0604020202020204" pitchFamily="34" charset="0"/>
+                <a:ea typeface="Arial" panose="020B0604020202020204" pitchFamily="34" charset="0"/>
+              </a:rPr>
+              <a:t>m</a:t>
+            </a:r>
+            <a:r>
+              <a:rPr lang="fr-FR" sz="1800" b="1" dirty="0">
+                <a:solidFill>
+                  <a:schemeClr val="accent4"/>
+                </a:solidFill>
+                <a:effectLst/>
+                <a:latin typeface="Arial" panose="020B0604020202020204" pitchFamily="34" charset="0"/>
+                <a:ea typeface="Arial" panose="020B0604020202020204" pitchFamily="34" charset="0"/>
+              </a:rPr>
+              <a:t> . sin(</a:t>
+            </a:r>
+            <a:r>
+              <a:rPr lang="fr-FR" sz="1800" b="1" dirty="0" err="1">
+                <a:solidFill>
+                  <a:schemeClr val="accent4"/>
+                </a:solidFill>
+                <a:effectLst/>
+                <a:latin typeface="Arial" panose="020B0604020202020204" pitchFamily="34" charset="0"/>
+                <a:ea typeface="Arial" panose="020B0604020202020204" pitchFamily="34" charset="0"/>
+              </a:rPr>
+              <a:t>ω</a:t>
+            </a:r>
+            <a:r>
+              <a:rPr lang="fr-FR" sz="1800" b="1" baseline="-25000" dirty="0" err="1">
+                <a:solidFill>
+                  <a:schemeClr val="accent4"/>
+                </a:solidFill>
+                <a:effectLst/>
+                <a:latin typeface="Arial" panose="020B0604020202020204" pitchFamily="34" charset="0"/>
+                <a:ea typeface="Arial" panose="020B0604020202020204" pitchFamily="34" charset="0"/>
+              </a:rPr>
+              <a:t>m</a:t>
+            </a:r>
+            <a:r>
+              <a:rPr lang="fr-FR" sz="1800" b="1" dirty="0">
+                <a:solidFill>
+                  <a:schemeClr val="accent4"/>
+                </a:solidFill>
+                <a:effectLst/>
+                <a:latin typeface="Arial" panose="020B0604020202020204" pitchFamily="34" charset="0"/>
+                <a:ea typeface="Arial" panose="020B0604020202020204" pitchFamily="34" charset="0"/>
+              </a:rPr>
+              <a:t> .t)</a:t>
+            </a:r>
+            <a:r>
+              <a:rPr lang="fr-FR" sz="1800" dirty="0">
+                <a:solidFill>
+                  <a:schemeClr val="accent4"/>
+                </a:solidFill>
+                <a:effectLst/>
+                <a:latin typeface="Arial" panose="020B0604020202020204" pitchFamily="34" charset="0"/>
+                <a:ea typeface="Arial" panose="020B0604020202020204" pitchFamily="34" charset="0"/>
+              </a:rPr>
+              <a:t> </a:t>
+            </a:r>
+            <a:r>
+              <a:rPr lang="fr-FR" dirty="0">
+                <a:solidFill>
+                  <a:schemeClr val="accent4"/>
+                </a:solidFill>
+                <a:latin typeface="Arial" panose="020B0604020202020204" pitchFamily="34" charset="0"/>
+                <a:ea typeface="Arial" panose="020B0604020202020204" pitchFamily="34" charset="0"/>
+              </a:rPr>
+              <a:t>                  </a:t>
+            </a:r>
+            <a:r>
+              <a:rPr lang="fr-FR" sz="1800" b="1" dirty="0">
+                <a:solidFill>
+                  <a:srgbClr val="0070C0"/>
+                </a:solidFill>
+                <a:effectLst/>
+                <a:latin typeface="Arial" panose="020B0604020202020204" pitchFamily="34" charset="0"/>
+                <a:ea typeface="Arial" panose="020B0604020202020204" pitchFamily="34" charset="0"/>
+              </a:rPr>
+              <a:t>p(t) = </a:t>
+            </a:r>
+            <a:r>
+              <a:rPr lang="fr-FR" sz="1800" b="1" dirty="0" err="1">
+                <a:solidFill>
+                  <a:srgbClr val="0070C0"/>
+                </a:solidFill>
+                <a:effectLst/>
+                <a:latin typeface="Arial" panose="020B0604020202020204" pitchFamily="34" charset="0"/>
+                <a:ea typeface="Arial" panose="020B0604020202020204" pitchFamily="34" charset="0"/>
+              </a:rPr>
+              <a:t>A</a:t>
+            </a:r>
+            <a:r>
+              <a:rPr lang="fr-FR" b="1" baseline="-25000" dirty="0" err="1">
+                <a:solidFill>
+                  <a:srgbClr val="0070C0"/>
+                </a:solidFill>
+                <a:latin typeface="Arial" panose="020B0604020202020204" pitchFamily="34" charset="0"/>
+                <a:ea typeface="Arial" panose="020B0604020202020204" pitchFamily="34" charset="0"/>
+              </a:rPr>
+              <a:t>c</a:t>
+            </a:r>
+            <a:r>
+              <a:rPr lang="fr-FR" sz="1800" b="1" dirty="0">
+                <a:solidFill>
+                  <a:srgbClr val="0070C0"/>
+                </a:solidFill>
+                <a:effectLst/>
+                <a:latin typeface="Arial" panose="020B0604020202020204" pitchFamily="34" charset="0"/>
+                <a:ea typeface="Arial" panose="020B0604020202020204" pitchFamily="34" charset="0"/>
+              </a:rPr>
+              <a:t> . sin (</a:t>
+            </a:r>
+            <a:r>
+              <a:rPr lang="fr-FR" sz="1800" b="1" dirty="0" err="1">
+                <a:solidFill>
+                  <a:srgbClr val="0070C0"/>
+                </a:solidFill>
+                <a:effectLst/>
+                <a:latin typeface="Arial" panose="020B0604020202020204" pitchFamily="34" charset="0"/>
+                <a:ea typeface="Arial" panose="020B0604020202020204" pitchFamily="34" charset="0"/>
+              </a:rPr>
+              <a:t>ω</a:t>
+            </a:r>
+            <a:r>
+              <a:rPr lang="fr-FR" sz="1800" b="1" baseline="-25000" dirty="0" err="1">
+                <a:solidFill>
+                  <a:srgbClr val="0070C0"/>
+                </a:solidFill>
+                <a:effectLst/>
+                <a:latin typeface="Arial" panose="020B0604020202020204" pitchFamily="34" charset="0"/>
+                <a:ea typeface="Arial" panose="020B0604020202020204" pitchFamily="34" charset="0"/>
+              </a:rPr>
+              <a:t>c</a:t>
+            </a:r>
+            <a:r>
+              <a:rPr lang="fr-FR" sz="1800" b="1" dirty="0">
+                <a:solidFill>
+                  <a:srgbClr val="0070C0"/>
+                </a:solidFill>
+                <a:effectLst/>
+                <a:latin typeface="Arial" panose="020B0604020202020204" pitchFamily="34" charset="0"/>
+                <a:ea typeface="Arial" panose="020B0604020202020204" pitchFamily="34" charset="0"/>
+              </a:rPr>
+              <a:t> . t)</a:t>
+            </a:r>
+            <a:endParaRPr lang="fr-FR" dirty="0">
+              <a:solidFill>
+                <a:srgbClr val="0070C0"/>
+              </a:solidFill>
+            </a:endParaRPr>
+          </a:p>
+        </p:txBody>
+      </p:sp>
+      <p:sp>
+        <p:nvSpPr>
+          <p:cNvPr id="19" name="ZoneTexte 18">
+            <a:extLst>
+              <a:ext uri="{FF2B5EF4-FFF2-40B4-BE49-F238E27FC236}">
+                <a16:creationId xmlns:a16="http://schemas.microsoft.com/office/drawing/2014/main" id="{813663FB-4E81-1D60-66FC-80DE8402CD7F}"/>
+              </a:ext>
+            </a:extLst>
+          </p:cNvPr>
+          <p:cNvSpPr txBox="1"/>
+          <p:nvPr/>
+        </p:nvSpPr>
+        <p:spPr>
+          <a:xfrm>
+            <a:off x="2596844" y="6098600"/>
+            <a:ext cx="3074012" cy="369332"/>
+          </a:xfrm>
+          <a:prstGeom prst="rect">
+            <a:avLst/>
+          </a:prstGeom>
+          <a:solidFill>
+            <a:schemeClr val="bg2"/>
+          </a:solidFill>
+        </p:spPr>
+        <p:txBody>
+          <a:bodyPr wrap="square">
+            <a:spAutoFit/>
+          </a:bodyPr>
+          <a:lstStyle/>
+          <a:p>
+            <a:pPr algn="ctr"/>
+            <a:r>
+              <a:rPr lang="fr-FR" sz="1800" b="1" i="1" dirty="0">
+                <a:effectLst/>
+                <a:latin typeface="Arial" panose="020B0604020202020204" pitchFamily="34" charset="0"/>
+                <a:ea typeface="Arial" panose="020B0604020202020204" pitchFamily="34" charset="0"/>
+              </a:rPr>
+              <a:t>s(t) = ( K . </a:t>
+            </a:r>
+            <a:r>
+              <a:rPr lang="fr-FR" sz="1800" b="1" i="1" dirty="0">
+                <a:solidFill>
+                  <a:schemeClr val="accent4"/>
+                </a:solidFill>
+                <a:effectLst/>
+                <a:latin typeface="Arial" panose="020B0604020202020204" pitchFamily="34" charset="0"/>
+                <a:ea typeface="Arial" panose="020B0604020202020204" pitchFamily="34" charset="0"/>
+              </a:rPr>
+              <a:t>m(t)</a:t>
+            </a:r>
+            <a:r>
+              <a:rPr lang="fr-FR" sz="1800" b="1" i="1" dirty="0">
+                <a:effectLst/>
+                <a:latin typeface="Arial" panose="020B0604020202020204" pitchFamily="34" charset="0"/>
+                <a:ea typeface="Arial" panose="020B0604020202020204" pitchFamily="34" charset="0"/>
+              </a:rPr>
+              <a:t> + 1 ) . </a:t>
+            </a:r>
+            <a:r>
+              <a:rPr lang="fr-FR" sz="1800" b="1" i="1" dirty="0">
+                <a:solidFill>
+                  <a:srgbClr val="0070C0"/>
+                </a:solidFill>
+                <a:effectLst/>
+                <a:latin typeface="Arial" panose="020B0604020202020204" pitchFamily="34" charset="0"/>
+                <a:ea typeface="Arial" panose="020B0604020202020204" pitchFamily="34" charset="0"/>
+              </a:rPr>
+              <a:t>p(t)</a:t>
+            </a:r>
+            <a:r>
+              <a:rPr lang="fr-FR" sz="1800" dirty="0">
+                <a:effectLst/>
+                <a:latin typeface="Arial" panose="020B0604020202020204" pitchFamily="34" charset="0"/>
+                <a:ea typeface="Arial" panose="020B0604020202020204" pitchFamily="34" charset="0"/>
+              </a:rPr>
+              <a:t> </a:t>
+            </a:r>
+            <a:endParaRPr lang="fr-FR" dirty="0"/>
+          </a:p>
+        </p:txBody>
+      </p:sp>
+      <p:sp>
+        <p:nvSpPr>
+          <p:cNvPr id="20" name="Signe de multiplication 19">
+            <a:extLst>
+              <a:ext uri="{FF2B5EF4-FFF2-40B4-BE49-F238E27FC236}">
+                <a16:creationId xmlns:a16="http://schemas.microsoft.com/office/drawing/2014/main" id="{3683F43E-BB88-9A77-7A6A-950374FBB650}"/>
+              </a:ext>
+            </a:extLst>
+          </p:cNvPr>
+          <p:cNvSpPr/>
+          <p:nvPr/>
+        </p:nvSpPr>
+        <p:spPr>
+          <a:xfrm>
+            <a:off x="3392129" y="2122567"/>
+            <a:ext cx="639097" cy="744794"/>
+          </a:xfrm>
+          <a:prstGeom prst="mathMultiply">
+            <a:avLst>
+              <a:gd name="adj1" fmla="val 17366"/>
+            </a:avLst>
+          </a:prstGeom>
+        </p:spPr>
+        <p:style>
+          <a:lnRef idx="2">
+            <a:schemeClr val="accent1">
+              <a:shade val="15000"/>
+            </a:schemeClr>
+          </a:lnRef>
+          <a:fillRef idx="1">
+            <a:schemeClr val="accent1"/>
+          </a:fillRef>
+          <a:effectRef idx="0">
+            <a:schemeClr val="accent1"/>
+          </a:effectRef>
+          <a:fontRef idx="minor">
+            <a:schemeClr val="lt1"/>
+          </a:fontRef>
+        </p:style>
+        <p:txBody>
+          <a:bodyPr rtlCol="0" anchor="ctr"/>
+          <a:lstStyle/>
+          <a:p>
+            <a:pPr algn="ctr"/>
+            <a:endParaRPr lang="fr-FR"/>
+          </a:p>
+        </p:txBody>
+      </p:sp>
+      <p:pic>
+        <p:nvPicPr>
+          <p:cNvPr id="21" name="image4.png">
+            <a:extLst>
+              <a:ext uri="{FF2B5EF4-FFF2-40B4-BE49-F238E27FC236}">
+                <a16:creationId xmlns:a16="http://schemas.microsoft.com/office/drawing/2014/main" id="{F449CC9F-7226-A6E5-A262-ECFCD3E55C11}"/>
+              </a:ext>
+            </a:extLst>
+          </p:cNvPr>
+          <p:cNvPicPr/>
+          <p:nvPr/>
+        </p:nvPicPr>
+        <p:blipFill>
+          <a:blip r:embed="rId3"/>
+          <a:srcRect/>
+          <a:stretch>
+            <a:fillRect/>
+          </a:stretch>
+        </p:blipFill>
+        <p:spPr>
+          <a:xfrm>
+            <a:off x="1034438" y="3144855"/>
+            <a:ext cx="1987550" cy="1165860"/>
+          </a:xfrm>
+          <a:prstGeom prst="rect">
+            <a:avLst/>
+          </a:prstGeom>
+          <a:ln/>
+        </p:spPr>
+      </p:pic>
+      <p:pic>
+        <p:nvPicPr>
+          <p:cNvPr id="22" name="image2.png">
+            <a:extLst>
+              <a:ext uri="{FF2B5EF4-FFF2-40B4-BE49-F238E27FC236}">
+                <a16:creationId xmlns:a16="http://schemas.microsoft.com/office/drawing/2014/main" id="{7A2C245E-CD2E-66F0-6224-3C921E14C76F}"/>
+              </a:ext>
+            </a:extLst>
+          </p:cNvPr>
+          <p:cNvPicPr/>
+          <p:nvPr/>
+        </p:nvPicPr>
+        <p:blipFill>
+          <a:blip r:embed="rId4"/>
+          <a:srcRect/>
+          <a:stretch>
+            <a:fillRect/>
+          </a:stretch>
+        </p:blipFill>
+        <p:spPr>
+          <a:xfrm>
+            <a:off x="3839527" y="3042914"/>
+            <a:ext cx="4512945" cy="1306830"/>
+          </a:xfrm>
+          <a:prstGeom prst="rect">
+            <a:avLst/>
+          </a:prstGeom>
+          <a:ln/>
+        </p:spPr>
+      </p:pic>
+      <p:pic>
+        <p:nvPicPr>
+          <p:cNvPr id="23" name="image7.png">
+            <a:extLst>
+              <a:ext uri="{FF2B5EF4-FFF2-40B4-BE49-F238E27FC236}">
+                <a16:creationId xmlns:a16="http://schemas.microsoft.com/office/drawing/2014/main" id="{0A18A1F5-13D1-ACCE-0891-5B57837BAC45}"/>
+              </a:ext>
+            </a:extLst>
+          </p:cNvPr>
+          <p:cNvPicPr/>
+          <p:nvPr/>
+        </p:nvPicPr>
+        <p:blipFill>
+          <a:blip r:embed="rId5"/>
+          <a:srcRect/>
+          <a:stretch>
+            <a:fillRect/>
+          </a:stretch>
+        </p:blipFill>
+        <p:spPr>
+          <a:xfrm>
+            <a:off x="8058151" y="5086248"/>
+            <a:ext cx="3854450" cy="1395730"/>
+          </a:xfrm>
+          <a:prstGeom prst="rect">
+            <a:avLst/>
+          </a:prstGeom>
+          <a:ln/>
+        </p:spPr>
+      </p:pic>
+      <p:sp>
+        <p:nvSpPr>
+          <p:cNvPr id="24" name="ZoneTexte 23">
+            <a:extLst>
+              <a:ext uri="{FF2B5EF4-FFF2-40B4-BE49-F238E27FC236}">
+                <a16:creationId xmlns:a16="http://schemas.microsoft.com/office/drawing/2014/main" id="{D2BB8ACD-5D25-BB60-FE4B-E7F088EE366A}"/>
+              </a:ext>
+            </a:extLst>
+          </p:cNvPr>
+          <p:cNvSpPr txBox="1"/>
+          <p:nvPr/>
+        </p:nvSpPr>
+        <p:spPr>
+          <a:xfrm>
+            <a:off x="3316956" y="4985549"/>
+            <a:ext cx="6096000" cy="369332"/>
+          </a:xfrm>
+          <a:prstGeom prst="rect">
+            <a:avLst/>
+          </a:prstGeom>
+          <a:noFill/>
+        </p:spPr>
+        <p:txBody>
+          <a:bodyPr wrap="square">
+            <a:spAutoFit/>
+          </a:bodyPr>
+          <a:lstStyle/>
+          <a:p>
+            <a:pPr lvl="3"/>
+            <a:r>
+              <a:rPr lang="fr-FR" b="1" dirty="0">
+                <a:solidFill>
+                  <a:srgbClr val="0070C0"/>
+                </a:solidFill>
+                <a:effectLst/>
+                <a:latin typeface="Arial" panose="020B0604020202020204" pitchFamily="34" charset="0"/>
+                <a:ea typeface="Arial" panose="020B0604020202020204" pitchFamily="34" charset="0"/>
+              </a:rPr>
+              <a:t>					p(t) = </a:t>
+            </a:r>
+            <a:r>
+              <a:rPr lang="fr-FR" b="1" dirty="0" err="1">
+                <a:solidFill>
+                  <a:srgbClr val="0070C0"/>
+                </a:solidFill>
+                <a:effectLst/>
+                <a:latin typeface="Arial" panose="020B0604020202020204" pitchFamily="34" charset="0"/>
+                <a:ea typeface="Arial" panose="020B0604020202020204" pitchFamily="34" charset="0"/>
+              </a:rPr>
+              <a:t>A</a:t>
+            </a:r>
+            <a:r>
+              <a:rPr lang="fr-FR" b="1" baseline="-25000" dirty="0" err="1">
+                <a:solidFill>
+                  <a:srgbClr val="0070C0"/>
+                </a:solidFill>
+                <a:latin typeface="Arial" panose="020B0604020202020204" pitchFamily="34" charset="0"/>
+                <a:ea typeface="Arial" panose="020B0604020202020204" pitchFamily="34" charset="0"/>
+              </a:rPr>
+              <a:t>c</a:t>
+            </a:r>
+            <a:r>
+              <a:rPr lang="fr-FR" b="1" dirty="0">
+                <a:solidFill>
+                  <a:srgbClr val="0070C0"/>
+                </a:solidFill>
+                <a:effectLst/>
+                <a:latin typeface="Arial" panose="020B0604020202020204" pitchFamily="34" charset="0"/>
+                <a:ea typeface="Arial" panose="020B0604020202020204" pitchFamily="34" charset="0"/>
+              </a:rPr>
+              <a:t> . sin (</a:t>
+            </a:r>
+            <a:r>
+              <a:rPr lang="fr-FR" b="1" dirty="0" err="1">
+                <a:solidFill>
+                  <a:srgbClr val="0070C0"/>
+                </a:solidFill>
+                <a:effectLst/>
+                <a:latin typeface="Arial" panose="020B0604020202020204" pitchFamily="34" charset="0"/>
+                <a:ea typeface="Arial" panose="020B0604020202020204" pitchFamily="34" charset="0"/>
+              </a:rPr>
+              <a:t>ω</a:t>
+            </a:r>
+            <a:r>
+              <a:rPr lang="fr-FR" b="1" baseline="-25000" dirty="0" err="1">
+                <a:solidFill>
+                  <a:srgbClr val="0070C0"/>
+                </a:solidFill>
+                <a:effectLst/>
+                <a:latin typeface="Arial" panose="020B0604020202020204" pitchFamily="34" charset="0"/>
+                <a:ea typeface="Arial" panose="020B0604020202020204" pitchFamily="34" charset="0"/>
+              </a:rPr>
+              <a:t>c</a:t>
+            </a:r>
+            <a:r>
+              <a:rPr lang="fr-FR" b="1" dirty="0">
+                <a:solidFill>
+                  <a:srgbClr val="0070C0"/>
+                </a:solidFill>
+                <a:effectLst/>
+                <a:latin typeface="Arial" panose="020B0604020202020204" pitchFamily="34" charset="0"/>
+                <a:ea typeface="Arial" panose="020B0604020202020204" pitchFamily="34" charset="0"/>
+              </a:rPr>
+              <a:t> . t)</a:t>
+            </a:r>
+            <a:endParaRPr lang="fr-FR" dirty="0">
+              <a:solidFill>
+                <a:srgbClr val="0070C0"/>
+              </a:solidFill>
+            </a:endParaRPr>
+          </a:p>
+        </p:txBody>
+      </p:sp>
+      <p:sp>
+        <p:nvSpPr>
+          <p:cNvPr id="25" name="Signe de multiplication 24">
+            <a:extLst>
+              <a:ext uri="{FF2B5EF4-FFF2-40B4-BE49-F238E27FC236}">
+                <a16:creationId xmlns:a16="http://schemas.microsoft.com/office/drawing/2014/main" id="{D182780B-D8A8-FD8E-F6C0-CE26F37D6640}"/>
+              </a:ext>
+            </a:extLst>
+          </p:cNvPr>
+          <p:cNvSpPr/>
+          <p:nvPr/>
+        </p:nvSpPr>
+        <p:spPr>
+          <a:xfrm>
+            <a:off x="5952001" y="4790473"/>
+            <a:ext cx="639097" cy="744794"/>
+          </a:xfrm>
+          <a:prstGeom prst="mathMultiply">
+            <a:avLst>
+              <a:gd name="adj1" fmla="val 17366"/>
+            </a:avLst>
+          </a:prstGeom>
+        </p:spPr>
+        <p:style>
+          <a:lnRef idx="2">
+            <a:schemeClr val="accent1">
+              <a:shade val="15000"/>
+            </a:schemeClr>
+          </a:lnRef>
+          <a:fillRef idx="1">
+            <a:schemeClr val="accent1"/>
+          </a:fillRef>
+          <a:effectRef idx="0">
+            <a:schemeClr val="accent1"/>
+          </a:effectRef>
+          <a:fontRef idx="minor">
+            <a:schemeClr val="lt1"/>
+          </a:fontRef>
+        </p:style>
+        <p:txBody>
+          <a:bodyPr rtlCol="0" anchor="ctr"/>
+          <a:lstStyle/>
+          <a:p>
+            <a:pPr algn="ctr"/>
+            <a:endParaRPr lang="fr-FR"/>
+          </a:p>
+        </p:txBody>
+      </p:sp>
+      <p:sp>
+        <p:nvSpPr>
+          <p:cNvPr id="27" name="ZoneTexte 26">
+            <a:extLst>
+              <a:ext uri="{FF2B5EF4-FFF2-40B4-BE49-F238E27FC236}">
+                <a16:creationId xmlns:a16="http://schemas.microsoft.com/office/drawing/2014/main" id="{9D17E7CD-1E59-F5A2-A692-ED61EF2C175D}"/>
+              </a:ext>
+            </a:extLst>
+          </p:cNvPr>
+          <p:cNvSpPr txBox="1"/>
+          <p:nvPr/>
+        </p:nvSpPr>
+        <p:spPr>
+          <a:xfrm>
+            <a:off x="6853084" y="2022196"/>
+            <a:ext cx="6096000" cy="276999"/>
+          </a:xfrm>
+          <a:prstGeom prst="rect">
+            <a:avLst/>
+          </a:prstGeom>
+          <a:noFill/>
+        </p:spPr>
+        <p:txBody>
+          <a:bodyPr wrap="square">
+            <a:spAutoFit/>
+          </a:bodyPr>
+          <a:lstStyle/>
+          <a:p>
+            <a:r>
+              <a:rPr lang="fr-FR" sz="1200" u="sng" dirty="0">
+                <a:solidFill>
+                  <a:srgbClr val="1155CC"/>
+                </a:solidFill>
+                <a:effectLst/>
+                <a:latin typeface="Arial" panose="020B0604020202020204" pitchFamily="34" charset="0"/>
+                <a:ea typeface="Arial" panose="020B0604020202020204" pitchFamily="34" charset="0"/>
+                <a:hlinkClick r:id="rId6"/>
+              </a:rPr>
+              <a:t>http://wcours.gel.ulaval.ca/2017/a/GEL3006/default/5notes/index.chtml</a:t>
+            </a:r>
+            <a:endParaRPr lang="fr-FR" sz="1200" dirty="0"/>
+          </a:p>
+        </p:txBody>
+      </p:sp>
+    </p:spTree>
+    <p:extLst>
+      <p:ext uri="{BB962C8B-B14F-4D97-AF65-F5344CB8AC3E}">
+        <p14:creationId xmlns:p14="http://schemas.microsoft.com/office/powerpoint/2010/main" val="2707120733"/>
+      </p:ext>
+    </p:extLst>
+  </p:cSld>
+  <p:clrMapOvr>
+    <a:masterClrMapping/>
+  </p:clrMapOvr>
+</p:sld>
+</file>
+
 <file path=ppt/slides/slide2.xml><?xml version="1.0" encoding="utf-8"?>
 <p:sld xmlns:a="http://schemas.openxmlformats.org/drawingml/2006/main" xmlns:r="http://schemas.openxmlformats.org/officeDocument/2006/relationships" xmlns:p="http://schemas.openxmlformats.org/presentationml/2006/main">
   <p:cSld>
@@ -6674,6 +7393,53 @@
           <a:chExt cx="0" cy="0"/>
         </a:xfrm>
       </p:grpSpPr>
+      <p:cxnSp>
+        <p:nvCxnSpPr>
+          <p:cNvPr id="65" name="Connecteur : en angle 64">
+            <a:extLst>
+              <a:ext uri="{FF2B5EF4-FFF2-40B4-BE49-F238E27FC236}">
+                <a16:creationId xmlns:a16="http://schemas.microsoft.com/office/drawing/2014/main" id="{F4875C97-EAB6-0241-077C-C02F4408C237}"/>
+              </a:ext>
+            </a:extLst>
+          </p:cNvPr>
+          <p:cNvCxnSpPr>
+            <a:stCxn id="58" idx="3"/>
+            <a:endCxn id="22" idx="1"/>
+          </p:cNvCxnSpPr>
+          <p:nvPr/>
+        </p:nvCxnSpPr>
+        <p:spPr>
+          <a:xfrm flipH="1" flipV="1">
+            <a:off x="6662995" y="3808863"/>
+            <a:ext cx="2723379" cy="914013"/>
+          </a:xfrm>
+          <a:prstGeom prst="bentConnector5">
+            <a:avLst>
+              <a:gd name="adj1" fmla="val -8394"/>
+              <a:gd name="adj2" fmla="val 51176"/>
+              <a:gd name="adj3" fmla="val 108394"/>
+            </a:avLst>
+          </a:prstGeom>
+          <a:ln w="28575">
+            <a:prstDash val="dashDot"/>
+            <a:tailEnd type="triangle"/>
+          </a:ln>
+        </p:spPr>
+        <p:style>
+          <a:lnRef idx="1">
+            <a:schemeClr val="accent1"/>
+          </a:lnRef>
+          <a:fillRef idx="0">
+            <a:schemeClr val="accent1"/>
+          </a:fillRef>
+          <a:effectRef idx="0">
+            <a:schemeClr val="accent1"/>
+          </a:effectRef>
+          <a:fontRef idx="minor">
+            <a:schemeClr val="tx1"/>
+          </a:fontRef>
+        </p:style>
+      </p:cxnSp>
       <p:sp>
         <p:nvSpPr>
           <p:cNvPr id="2" name="Titre 1">
@@ -6697,7 +7463,7 @@
           <a:p>
             <a:r>
               <a:rPr lang="fr-FR" dirty="0"/>
-              <a:t>Travail à réaliser</a:t>
+              <a:t>Etapes pour l’analyse</a:t>
             </a:r>
           </a:p>
         </p:txBody>
@@ -6740,120 +7506,1281 @@
       </p:pic>
       <p:sp>
         <p:nvSpPr>
-          <p:cNvPr id="7" name="Espace réservé du contenu 6">
-            <a:extLst>
-              <a:ext uri="{FF2B5EF4-FFF2-40B4-BE49-F238E27FC236}">
-                <a16:creationId xmlns:a16="http://schemas.microsoft.com/office/drawing/2014/main" id="{96119062-CBB4-87F4-D29F-DBE631A23655}"/>
-              </a:ext>
-            </a:extLst>
-          </p:cNvPr>
-          <p:cNvSpPr>
-            <a:spLocks noGrp="1"/>
-          </p:cNvSpPr>
-          <p:nvPr>
-            <p:ph sz="half" idx="1"/>
-          </p:nvPr>
-        </p:nvSpPr>
-        <p:spPr>
-          <a:xfrm>
-            <a:off x="1115567" y="2478024"/>
-            <a:ext cx="10584820" cy="3694176"/>
-          </a:xfrm>
-        </p:spPr>
-        <p:txBody>
-          <a:bodyPr>
-            <a:normAutofit/>
+          <p:cNvPr id="6" name="Organigramme : Document 5">
+            <a:extLst>
+              <a:ext uri="{FF2B5EF4-FFF2-40B4-BE49-F238E27FC236}">
+                <a16:creationId xmlns:a16="http://schemas.microsoft.com/office/drawing/2014/main" id="{8F026908-39A6-3866-FBED-562D4E2EB325}"/>
+              </a:ext>
+            </a:extLst>
+          </p:cNvPr>
+          <p:cNvSpPr/>
+          <p:nvPr/>
+        </p:nvSpPr>
+        <p:spPr>
+          <a:xfrm>
+            <a:off x="810768" y="2615381"/>
+            <a:ext cx="1509645" cy="813619"/>
+          </a:xfrm>
+          <a:prstGeom prst="flowChartDocument">
+            <a:avLst/>
+          </a:prstGeom>
+        </p:spPr>
+        <p:style>
+          <a:lnRef idx="2">
+            <a:schemeClr val="accent1">
+              <a:shade val="15000"/>
+            </a:schemeClr>
+          </a:lnRef>
+          <a:fillRef idx="1">
+            <a:schemeClr val="accent1"/>
+          </a:fillRef>
+          <a:effectRef idx="0">
+            <a:schemeClr val="accent1"/>
+          </a:effectRef>
+          <a:fontRef idx="minor">
+            <a:schemeClr val="lt1"/>
+          </a:fontRef>
+        </p:style>
+        <p:txBody>
+          <a:bodyPr rtlCol="0" anchor="ctr"/>
+          <a:lstStyle/>
+          <a:p>
+            <a:pPr algn="ctr"/>
+            <a:r>
+              <a:rPr lang="fr-FR" dirty="0"/>
+              <a:t>Fichier</a:t>
+            </a:r>
+          </a:p>
+          <a:p>
+            <a:pPr algn="ctr"/>
+            <a:r>
+              <a:rPr lang="fr-FR" dirty="0"/>
+              <a:t>(CSV)</a:t>
+            </a:r>
+          </a:p>
+        </p:txBody>
+      </p:sp>
+      <p:sp>
+        <p:nvSpPr>
+          <p:cNvPr id="8" name="Organigramme : Document 7">
+            <a:extLst>
+              <a:ext uri="{FF2B5EF4-FFF2-40B4-BE49-F238E27FC236}">
+                <a16:creationId xmlns:a16="http://schemas.microsoft.com/office/drawing/2014/main" id="{6F7AFBE7-D89F-D9CB-8A84-D493FF5ACF51}"/>
+              </a:ext>
+            </a:extLst>
+          </p:cNvPr>
+          <p:cNvSpPr/>
+          <p:nvPr/>
+        </p:nvSpPr>
+        <p:spPr>
+          <a:xfrm>
+            <a:off x="3607610" y="2615380"/>
+            <a:ext cx="1509645" cy="813619"/>
+          </a:xfrm>
+          <a:prstGeom prst="flowChartDocument">
+            <a:avLst/>
+          </a:prstGeom>
+          <a:solidFill>
+            <a:srgbClr val="00B0F0"/>
+          </a:solidFill>
+        </p:spPr>
+        <p:style>
+          <a:lnRef idx="2">
+            <a:schemeClr val="accent1">
+              <a:shade val="15000"/>
+            </a:schemeClr>
+          </a:lnRef>
+          <a:fillRef idx="1">
+            <a:schemeClr val="accent1"/>
+          </a:fillRef>
+          <a:effectRef idx="0">
+            <a:schemeClr val="accent1"/>
+          </a:effectRef>
+          <a:fontRef idx="minor">
+            <a:schemeClr val="lt1"/>
+          </a:fontRef>
+        </p:style>
+        <p:txBody>
+          <a:bodyPr rtlCol="0" anchor="ctr"/>
+          <a:lstStyle/>
+          <a:p>
+            <a:pPr algn="ctr"/>
+            <a:r>
+              <a:rPr lang="fr-FR" dirty="0"/>
+              <a:t>Données</a:t>
+            </a:r>
+          </a:p>
+          <a:p>
+            <a:pPr algn="ctr"/>
+            <a:r>
+              <a:rPr lang="fr-FR" dirty="0"/>
+              <a:t>(matrices)</a:t>
+            </a:r>
+          </a:p>
+        </p:txBody>
+      </p:sp>
+      <p:cxnSp>
+        <p:nvCxnSpPr>
+          <p:cNvPr id="10" name="Connecteur droit avec flèche 9">
+            <a:extLst>
+              <a:ext uri="{FF2B5EF4-FFF2-40B4-BE49-F238E27FC236}">
+                <a16:creationId xmlns:a16="http://schemas.microsoft.com/office/drawing/2014/main" id="{54D34BF9-8D24-017A-317A-6048E3CD4558}"/>
+              </a:ext>
+            </a:extLst>
+          </p:cNvPr>
+          <p:cNvCxnSpPr>
+            <a:stCxn id="6" idx="3"/>
+            <a:endCxn id="8" idx="1"/>
+          </p:cNvCxnSpPr>
+          <p:nvPr/>
+        </p:nvCxnSpPr>
+        <p:spPr>
+          <a:xfrm flipV="1">
+            <a:off x="2320413" y="3022190"/>
+            <a:ext cx="1287197" cy="1"/>
+          </a:xfrm>
+          <a:prstGeom prst="straightConnector1">
+            <a:avLst/>
+          </a:prstGeom>
+          <a:ln w="38100">
+            <a:solidFill>
+              <a:srgbClr val="002060"/>
+            </a:solidFill>
+            <a:tailEnd type="triangle"/>
+          </a:ln>
+        </p:spPr>
+        <p:style>
+          <a:lnRef idx="1">
+            <a:schemeClr val="accent1"/>
+          </a:lnRef>
+          <a:fillRef idx="0">
+            <a:schemeClr val="accent1"/>
+          </a:fillRef>
+          <a:effectRef idx="0">
+            <a:schemeClr val="accent1"/>
+          </a:effectRef>
+          <a:fontRef idx="minor">
+            <a:schemeClr val="tx1"/>
+          </a:fontRef>
+        </p:style>
+      </p:cxnSp>
+      <p:sp>
+        <p:nvSpPr>
+          <p:cNvPr id="12" name="ZoneTexte 11">
+            <a:extLst>
+              <a:ext uri="{FF2B5EF4-FFF2-40B4-BE49-F238E27FC236}">
+                <a16:creationId xmlns:a16="http://schemas.microsoft.com/office/drawing/2014/main" id="{C6F0AF21-34D8-55B1-83AE-4D73F3F4E2D8}"/>
+              </a:ext>
+            </a:extLst>
+          </p:cNvPr>
+          <p:cNvSpPr txBox="1"/>
+          <p:nvPr/>
+        </p:nvSpPr>
+        <p:spPr>
+          <a:xfrm>
+            <a:off x="2509880" y="2615380"/>
+            <a:ext cx="908262" cy="369332"/>
+          </a:xfrm>
+          <a:prstGeom prst="rect">
+            <a:avLst/>
+          </a:prstGeom>
+          <a:noFill/>
+        </p:spPr>
+        <p:txBody>
+          <a:bodyPr wrap="none" rtlCol="0">
+            <a:spAutoFit/>
           </a:bodyPr>
           <a:lstStyle/>
           <a:p>
             <a:r>
-              <a:rPr lang="fr-FR" sz="2000" b="1" dirty="0">
+              <a:rPr lang="fr-FR" dirty="0"/>
+              <a:t>lecture</a:t>
+            </a:r>
+          </a:p>
+        </p:txBody>
+      </p:sp>
+      <p:cxnSp>
+        <p:nvCxnSpPr>
+          <p:cNvPr id="13" name="Connecteur droit avec flèche 12">
+            <a:extLst>
+              <a:ext uri="{FF2B5EF4-FFF2-40B4-BE49-F238E27FC236}">
+                <a16:creationId xmlns:a16="http://schemas.microsoft.com/office/drawing/2014/main" id="{425E542E-83AA-38CF-4B99-DF1F252729AA}"/>
+              </a:ext>
+            </a:extLst>
+          </p:cNvPr>
+          <p:cNvCxnSpPr>
+            <a:cxnSpLocks/>
+            <a:stCxn id="8" idx="3"/>
+            <a:endCxn id="16" idx="1"/>
+          </p:cNvCxnSpPr>
+          <p:nvPr/>
+        </p:nvCxnSpPr>
+        <p:spPr>
+          <a:xfrm flipV="1">
+            <a:off x="5117255" y="3022189"/>
+            <a:ext cx="1545740" cy="1"/>
+          </a:xfrm>
+          <a:prstGeom prst="straightConnector1">
+            <a:avLst/>
+          </a:prstGeom>
+          <a:ln w="38100">
+            <a:solidFill>
+              <a:srgbClr val="002060"/>
+            </a:solidFill>
+            <a:tailEnd type="triangle"/>
+          </a:ln>
+        </p:spPr>
+        <p:style>
+          <a:lnRef idx="1">
+            <a:schemeClr val="accent1"/>
+          </a:lnRef>
+          <a:fillRef idx="0">
+            <a:schemeClr val="accent1"/>
+          </a:fillRef>
+          <a:effectRef idx="0">
+            <a:schemeClr val="accent1"/>
+          </a:effectRef>
+          <a:fontRef idx="minor">
+            <a:schemeClr val="tx1"/>
+          </a:fontRef>
+        </p:style>
+      </p:cxnSp>
+      <p:sp>
+        <p:nvSpPr>
+          <p:cNvPr id="16" name="Cadre 15">
+            <a:extLst>
+              <a:ext uri="{FF2B5EF4-FFF2-40B4-BE49-F238E27FC236}">
+                <a16:creationId xmlns:a16="http://schemas.microsoft.com/office/drawing/2014/main" id="{7C651624-7052-4B20-CFA4-78A3D294252E}"/>
+              </a:ext>
+            </a:extLst>
+          </p:cNvPr>
+          <p:cNvSpPr/>
+          <p:nvPr/>
+        </p:nvSpPr>
+        <p:spPr>
+          <a:xfrm>
+            <a:off x="6662995" y="2692811"/>
+            <a:ext cx="1396180" cy="658756"/>
+          </a:xfrm>
+          <a:prstGeom prst="frame">
+            <a:avLst/>
+          </a:prstGeom>
+          <a:solidFill>
+            <a:srgbClr val="0070C0"/>
+          </a:solidFill>
+        </p:spPr>
+        <p:style>
+          <a:lnRef idx="2">
+            <a:schemeClr val="accent1">
+              <a:shade val="15000"/>
+            </a:schemeClr>
+          </a:lnRef>
+          <a:fillRef idx="1">
+            <a:schemeClr val="accent1"/>
+          </a:fillRef>
+          <a:effectRef idx="0">
+            <a:schemeClr val="accent1"/>
+          </a:effectRef>
+          <a:fontRef idx="minor">
+            <a:schemeClr val="lt1"/>
+          </a:fontRef>
+        </p:style>
+        <p:txBody>
+          <a:bodyPr rtlCol="0" anchor="ctr"/>
+          <a:lstStyle/>
+          <a:p>
+            <a:pPr algn="ctr"/>
+            <a:r>
+              <a:rPr lang="fr-FR" dirty="0">
                 <a:solidFill>
-                  <a:srgbClr val="00B0F0"/>
+                  <a:schemeClr val="tx1"/>
                 </a:solidFill>
               </a:rPr>
-              <a:t>Etape 1 </a:t>
-            </a:r>
-            <a:r>
-              <a:rPr lang="fr-FR" sz="2000" b="1" dirty="0"/>
-              <a:t>: Afficher des données provenant d’un fichier</a:t>
-            </a:r>
-          </a:p>
-          <a:p>
-            <a:pPr lvl="1"/>
-            <a:r>
-              <a:rPr lang="fr-FR" sz="1600" dirty="0"/>
-              <a:t>Lire un fichier texte / tableur</a:t>
-            </a:r>
-          </a:p>
-          <a:p>
-            <a:pPr lvl="1"/>
-            <a:r>
-              <a:rPr lang="fr-FR" sz="1600" dirty="0"/>
-              <a:t>Afficher les signaux contenus dans le fichier</a:t>
-            </a:r>
-          </a:p>
-          <a:p>
-            <a:r>
-              <a:rPr lang="fr-FR" sz="2000" b="1" dirty="0">
+              <a:t>Figure</a:t>
+            </a:r>
+          </a:p>
+        </p:txBody>
+      </p:sp>
+      <p:sp>
+        <p:nvSpPr>
+          <p:cNvPr id="20" name="ZoneTexte 19">
+            <a:extLst>
+              <a:ext uri="{FF2B5EF4-FFF2-40B4-BE49-F238E27FC236}">
+                <a16:creationId xmlns:a16="http://schemas.microsoft.com/office/drawing/2014/main" id="{A9548BC3-3954-8D9D-280A-6ECBED1115F0}"/>
+              </a:ext>
+            </a:extLst>
+          </p:cNvPr>
+          <p:cNvSpPr txBox="1"/>
+          <p:nvPr/>
+        </p:nvSpPr>
+        <p:spPr>
+          <a:xfrm>
+            <a:off x="5388478" y="2615380"/>
+            <a:ext cx="1147109" cy="369332"/>
+          </a:xfrm>
+          <a:prstGeom prst="rect">
+            <a:avLst/>
+          </a:prstGeom>
+          <a:noFill/>
+        </p:spPr>
+        <p:txBody>
+          <a:bodyPr wrap="none" rtlCol="0">
+            <a:spAutoFit/>
+          </a:bodyPr>
+          <a:lstStyle/>
+          <a:p>
+            <a:r>
+              <a:rPr lang="fr-FR" dirty="0"/>
+              <a:t>affichage</a:t>
+            </a:r>
+          </a:p>
+        </p:txBody>
+      </p:sp>
+      <p:sp>
+        <p:nvSpPr>
+          <p:cNvPr id="21" name="Cadre 20">
+            <a:extLst>
+              <a:ext uri="{FF2B5EF4-FFF2-40B4-BE49-F238E27FC236}">
+                <a16:creationId xmlns:a16="http://schemas.microsoft.com/office/drawing/2014/main" id="{0D969456-9D55-B1A4-0D13-483E30CF1961}"/>
+              </a:ext>
+            </a:extLst>
+          </p:cNvPr>
+          <p:cNvSpPr/>
+          <p:nvPr/>
+        </p:nvSpPr>
+        <p:spPr>
+          <a:xfrm>
+            <a:off x="10328133" y="3479484"/>
+            <a:ext cx="1396180" cy="658756"/>
+          </a:xfrm>
+          <a:prstGeom prst="frame">
+            <a:avLst/>
+          </a:prstGeom>
+          <a:solidFill>
+            <a:srgbClr val="0070C0"/>
+          </a:solidFill>
+        </p:spPr>
+        <p:style>
+          <a:lnRef idx="2">
+            <a:schemeClr val="accent1">
+              <a:shade val="15000"/>
+            </a:schemeClr>
+          </a:lnRef>
+          <a:fillRef idx="1">
+            <a:schemeClr val="accent1"/>
+          </a:fillRef>
+          <a:effectRef idx="0">
+            <a:schemeClr val="accent1"/>
+          </a:effectRef>
+          <a:fontRef idx="minor">
+            <a:schemeClr val="lt1"/>
+          </a:fontRef>
+        </p:style>
+        <p:txBody>
+          <a:bodyPr rtlCol="0" anchor="ctr"/>
+          <a:lstStyle/>
+          <a:p>
+            <a:pPr algn="ctr"/>
+            <a:r>
+              <a:rPr lang="fr-FR" dirty="0">
                 <a:solidFill>
-                  <a:srgbClr val="00B0F0"/>
+                  <a:schemeClr val="tx1"/>
                 </a:solidFill>
               </a:rPr>
-              <a:t>Etape 2 </a:t>
-            </a:r>
-            <a:r>
-              <a:rPr lang="fr-FR" sz="2000" b="1" dirty="0"/>
-              <a:t>: Calculer, afficher et analyser le spectre du signal</a:t>
-            </a:r>
-          </a:p>
-          <a:p>
-            <a:pPr lvl="1"/>
-            <a:r>
-              <a:rPr lang="fr-FR" sz="1600" dirty="0"/>
-              <a:t>Comprendre les données obtenues par le calcul</a:t>
-            </a:r>
-          </a:p>
-          <a:p>
-            <a:pPr lvl="1"/>
-            <a:r>
-              <a:rPr lang="fr-FR" sz="1600" dirty="0"/>
-              <a:t>Afficher le spectre en recréant les axes fréquentiels</a:t>
-            </a:r>
-          </a:p>
-          <a:p>
-            <a:r>
-              <a:rPr lang="fr-FR" sz="2000" b="1" dirty="0">
+              <a:t>Figure</a:t>
+            </a:r>
+          </a:p>
+        </p:txBody>
+      </p:sp>
+      <p:sp>
+        <p:nvSpPr>
+          <p:cNvPr id="22" name="Flèche : pentagone 21">
+            <a:extLst>
+              <a:ext uri="{FF2B5EF4-FFF2-40B4-BE49-F238E27FC236}">
+                <a16:creationId xmlns:a16="http://schemas.microsoft.com/office/drawing/2014/main" id="{66FD52B4-BAA3-5572-D88F-70B0CF354B7A}"/>
+              </a:ext>
+            </a:extLst>
+          </p:cNvPr>
+          <p:cNvSpPr/>
+          <p:nvPr/>
+        </p:nvSpPr>
+        <p:spPr>
+          <a:xfrm>
+            <a:off x="6662995" y="3529970"/>
+            <a:ext cx="1292942" cy="557785"/>
+          </a:xfrm>
+          <a:prstGeom prst="homePlate">
+            <a:avLst/>
+          </a:prstGeom>
+          <a:solidFill>
+            <a:srgbClr val="7030A0"/>
+          </a:solidFill>
+        </p:spPr>
+        <p:style>
+          <a:lnRef idx="2">
+            <a:schemeClr val="accent1">
+              <a:shade val="15000"/>
+            </a:schemeClr>
+          </a:lnRef>
+          <a:fillRef idx="1">
+            <a:schemeClr val="accent1"/>
+          </a:fillRef>
+          <a:effectRef idx="0">
+            <a:schemeClr val="accent1"/>
+          </a:effectRef>
+          <a:fontRef idx="minor">
+            <a:schemeClr val="lt1"/>
+          </a:fontRef>
+        </p:style>
+        <p:txBody>
+          <a:bodyPr rtlCol="0" anchor="ctr"/>
+          <a:lstStyle/>
+          <a:p>
+            <a:pPr algn="ctr"/>
+            <a:r>
+              <a:rPr lang="fr-FR" dirty="0"/>
+              <a:t>FFT</a:t>
+            </a:r>
+          </a:p>
+        </p:txBody>
+      </p:sp>
+      <p:cxnSp>
+        <p:nvCxnSpPr>
+          <p:cNvPr id="23" name="Connecteur droit avec flèche 22">
+            <a:extLst>
+              <a:ext uri="{FF2B5EF4-FFF2-40B4-BE49-F238E27FC236}">
+                <a16:creationId xmlns:a16="http://schemas.microsoft.com/office/drawing/2014/main" id="{37E4C651-0EB9-D770-E365-94910465FED6}"/>
+              </a:ext>
+            </a:extLst>
+          </p:cNvPr>
+          <p:cNvCxnSpPr>
+            <a:cxnSpLocks/>
+            <a:stCxn id="22" idx="3"/>
+            <a:endCxn id="46" idx="1"/>
+          </p:cNvCxnSpPr>
+          <p:nvPr/>
+        </p:nvCxnSpPr>
+        <p:spPr>
+          <a:xfrm flipV="1">
+            <a:off x="7955937" y="3808862"/>
+            <a:ext cx="460299" cy="1"/>
+          </a:xfrm>
+          <a:prstGeom prst="straightConnector1">
+            <a:avLst/>
+          </a:prstGeom>
+          <a:ln w="38100">
+            <a:solidFill>
+              <a:srgbClr val="002060"/>
+            </a:solidFill>
+            <a:tailEnd type="triangle"/>
+          </a:ln>
+        </p:spPr>
+        <p:style>
+          <a:lnRef idx="1">
+            <a:schemeClr val="accent1"/>
+          </a:lnRef>
+          <a:fillRef idx="0">
+            <a:schemeClr val="accent1"/>
+          </a:fillRef>
+          <a:effectRef idx="0">
+            <a:schemeClr val="accent1"/>
+          </a:effectRef>
+          <a:fontRef idx="minor">
+            <a:schemeClr val="tx1"/>
+          </a:fontRef>
+        </p:style>
+      </p:cxnSp>
+      <p:cxnSp>
+        <p:nvCxnSpPr>
+          <p:cNvPr id="27" name="Connecteur droit avec flèche 26">
+            <a:extLst>
+              <a:ext uri="{FF2B5EF4-FFF2-40B4-BE49-F238E27FC236}">
+                <a16:creationId xmlns:a16="http://schemas.microsoft.com/office/drawing/2014/main" id="{A9B0ED8E-3D53-A766-89F3-968B58FA8179}"/>
+              </a:ext>
+            </a:extLst>
+          </p:cNvPr>
+          <p:cNvCxnSpPr>
+            <a:cxnSpLocks/>
+            <a:endCxn id="22" idx="1"/>
+          </p:cNvCxnSpPr>
+          <p:nvPr/>
+        </p:nvCxnSpPr>
+        <p:spPr>
+          <a:xfrm>
+            <a:off x="5261072" y="3808863"/>
+            <a:ext cx="1401923" cy="0"/>
+          </a:xfrm>
+          <a:prstGeom prst="straightConnector1">
+            <a:avLst/>
+          </a:prstGeom>
+          <a:ln w="38100">
+            <a:solidFill>
+              <a:srgbClr val="002060"/>
+            </a:solidFill>
+            <a:tailEnd type="triangle"/>
+          </a:ln>
+        </p:spPr>
+        <p:style>
+          <a:lnRef idx="1">
+            <a:schemeClr val="accent1"/>
+          </a:lnRef>
+          <a:fillRef idx="0">
+            <a:schemeClr val="accent1"/>
+          </a:fillRef>
+          <a:effectRef idx="0">
+            <a:schemeClr val="accent1"/>
+          </a:effectRef>
+          <a:fontRef idx="minor">
+            <a:schemeClr val="tx1"/>
+          </a:fontRef>
+        </p:style>
+      </p:cxnSp>
+      <p:cxnSp>
+        <p:nvCxnSpPr>
+          <p:cNvPr id="30" name="Connecteur droit avec flèche 29">
+            <a:extLst>
+              <a:ext uri="{FF2B5EF4-FFF2-40B4-BE49-F238E27FC236}">
+                <a16:creationId xmlns:a16="http://schemas.microsoft.com/office/drawing/2014/main" id="{ED7520D8-0D8D-1979-B800-38B220A6F1B3}"/>
+              </a:ext>
+            </a:extLst>
+          </p:cNvPr>
+          <p:cNvCxnSpPr>
+            <a:cxnSpLocks/>
+          </p:cNvCxnSpPr>
+          <p:nvPr/>
+        </p:nvCxnSpPr>
+        <p:spPr>
+          <a:xfrm>
+            <a:off x="5261072" y="3022189"/>
+            <a:ext cx="0" cy="786673"/>
+          </a:xfrm>
+          <a:prstGeom prst="straightConnector1">
+            <a:avLst/>
+          </a:prstGeom>
+          <a:ln w="38100">
+            <a:solidFill>
+              <a:srgbClr val="002060"/>
+            </a:solidFill>
+            <a:headEnd type="none" w="med" len="med"/>
+            <a:tailEnd type="none" w="med" len="med"/>
+          </a:ln>
+        </p:spPr>
+        <p:style>
+          <a:lnRef idx="1">
+            <a:schemeClr val="accent1"/>
+          </a:lnRef>
+          <a:fillRef idx="0">
+            <a:schemeClr val="accent1"/>
+          </a:fillRef>
+          <a:effectRef idx="0">
+            <a:schemeClr val="accent1"/>
+          </a:effectRef>
+          <a:fontRef idx="minor">
+            <a:schemeClr val="tx1"/>
+          </a:fontRef>
+        </p:style>
+      </p:cxnSp>
+      <p:sp>
+        <p:nvSpPr>
+          <p:cNvPr id="34" name="ZoneTexte 33">
+            <a:extLst>
+              <a:ext uri="{FF2B5EF4-FFF2-40B4-BE49-F238E27FC236}">
+                <a16:creationId xmlns:a16="http://schemas.microsoft.com/office/drawing/2014/main" id="{59D9FFD0-CB96-4A9B-0F5C-9D2A9E0C088B}"/>
+              </a:ext>
+            </a:extLst>
+          </p:cNvPr>
+          <p:cNvSpPr txBox="1"/>
+          <p:nvPr/>
+        </p:nvSpPr>
+        <p:spPr>
+          <a:xfrm>
+            <a:off x="5476963" y="3415525"/>
+            <a:ext cx="970137" cy="369332"/>
+          </a:xfrm>
+          <a:prstGeom prst="rect">
+            <a:avLst/>
+          </a:prstGeom>
+          <a:noFill/>
+        </p:spPr>
+        <p:txBody>
+          <a:bodyPr wrap="none" rtlCol="0">
+            <a:spAutoFit/>
+          </a:bodyPr>
+          <a:lstStyle/>
+          <a:p>
+            <a:r>
+              <a:rPr lang="fr-FR" dirty="0"/>
+              <a:t>analyse</a:t>
+            </a:r>
+          </a:p>
+        </p:txBody>
+      </p:sp>
+      <p:sp>
+        <p:nvSpPr>
+          <p:cNvPr id="35" name="Flèche : pentagone 34">
+            <a:extLst>
+              <a:ext uri="{FF2B5EF4-FFF2-40B4-BE49-F238E27FC236}">
+                <a16:creationId xmlns:a16="http://schemas.microsoft.com/office/drawing/2014/main" id="{E3C117F7-6E9C-8FC9-A1D3-B231EB40CCDE}"/>
+              </a:ext>
+            </a:extLst>
+          </p:cNvPr>
+          <p:cNvSpPr/>
+          <p:nvPr/>
+        </p:nvSpPr>
+        <p:spPr>
+          <a:xfrm>
+            <a:off x="6662995" y="4443983"/>
+            <a:ext cx="1292942" cy="557785"/>
+          </a:xfrm>
+          <a:prstGeom prst="homePlate">
+            <a:avLst/>
+          </a:prstGeom>
+          <a:solidFill>
+            <a:srgbClr val="7030A0"/>
+          </a:solidFill>
+        </p:spPr>
+        <p:style>
+          <a:lnRef idx="2">
+            <a:schemeClr val="accent1">
+              <a:shade val="15000"/>
+            </a:schemeClr>
+          </a:lnRef>
+          <a:fillRef idx="1">
+            <a:schemeClr val="accent1"/>
+          </a:fillRef>
+          <a:effectRef idx="0">
+            <a:schemeClr val="accent1"/>
+          </a:effectRef>
+          <a:fontRef idx="minor">
+            <a:schemeClr val="lt1"/>
+          </a:fontRef>
+        </p:style>
+        <p:txBody>
+          <a:bodyPr rtlCol="0" anchor="ctr"/>
+          <a:lstStyle/>
+          <a:p>
+            <a:pPr algn="ctr"/>
+            <a:r>
+              <a:rPr lang="fr-FR" sz="1100" dirty="0"/>
+              <a:t>Démodulation</a:t>
+            </a:r>
+          </a:p>
+        </p:txBody>
+      </p:sp>
+      <p:cxnSp>
+        <p:nvCxnSpPr>
+          <p:cNvPr id="36" name="Connecteur droit avec flèche 35">
+            <a:extLst>
+              <a:ext uri="{FF2B5EF4-FFF2-40B4-BE49-F238E27FC236}">
+                <a16:creationId xmlns:a16="http://schemas.microsoft.com/office/drawing/2014/main" id="{7A6ED4DC-FFDF-949B-9CF7-DF653E87B7A6}"/>
+              </a:ext>
+            </a:extLst>
+          </p:cNvPr>
+          <p:cNvCxnSpPr>
+            <a:cxnSpLocks/>
+            <a:endCxn id="35" idx="1"/>
+          </p:cNvCxnSpPr>
+          <p:nvPr/>
+        </p:nvCxnSpPr>
+        <p:spPr>
+          <a:xfrm>
+            <a:off x="5261072" y="4722876"/>
+            <a:ext cx="1401923" cy="0"/>
+          </a:xfrm>
+          <a:prstGeom prst="straightConnector1">
+            <a:avLst/>
+          </a:prstGeom>
+          <a:ln w="38100">
+            <a:solidFill>
+              <a:srgbClr val="002060"/>
+            </a:solidFill>
+            <a:tailEnd type="triangle"/>
+          </a:ln>
+        </p:spPr>
+        <p:style>
+          <a:lnRef idx="1">
+            <a:schemeClr val="accent1"/>
+          </a:lnRef>
+          <a:fillRef idx="0">
+            <a:schemeClr val="accent1"/>
+          </a:fillRef>
+          <a:effectRef idx="0">
+            <a:schemeClr val="accent1"/>
+          </a:effectRef>
+          <a:fontRef idx="minor">
+            <a:schemeClr val="tx1"/>
+          </a:fontRef>
+        </p:style>
+      </p:cxnSp>
+      <p:sp>
+        <p:nvSpPr>
+          <p:cNvPr id="37" name="ZoneTexte 36">
+            <a:extLst>
+              <a:ext uri="{FF2B5EF4-FFF2-40B4-BE49-F238E27FC236}">
+                <a16:creationId xmlns:a16="http://schemas.microsoft.com/office/drawing/2014/main" id="{3013DB62-C06F-23EE-2233-7B7FBD989EFF}"/>
+              </a:ext>
+            </a:extLst>
+          </p:cNvPr>
+          <p:cNvSpPr txBox="1"/>
+          <p:nvPr/>
+        </p:nvSpPr>
+        <p:spPr>
+          <a:xfrm>
+            <a:off x="5327693" y="4329537"/>
+            <a:ext cx="1268681" cy="369332"/>
+          </a:xfrm>
+          <a:prstGeom prst="rect">
+            <a:avLst/>
+          </a:prstGeom>
+          <a:noFill/>
+        </p:spPr>
+        <p:txBody>
+          <a:bodyPr wrap="none" rtlCol="0">
+            <a:spAutoFit/>
+          </a:bodyPr>
+          <a:lstStyle/>
+          <a:p>
+            <a:r>
+              <a:rPr lang="fr-FR" dirty="0"/>
+              <a:t>traitement</a:t>
+            </a:r>
+          </a:p>
+        </p:txBody>
+      </p:sp>
+      <p:cxnSp>
+        <p:nvCxnSpPr>
+          <p:cNvPr id="38" name="Connecteur droit avec flèche 37">
+            <a:extLst>
+              <a:ext uri="{FF2B5EF4-FFF2-40B4-BE49-F238E27FC236}">
+                <a16:creationId xmlns:a16="http://schemas.microsoft.com/office/drawing/2014/main" id="{E81A72B4-B502-7443-9918-6C0713B302D4}"/>
+              </a:ext>
+            </a:extLst>
+          </p:cNvPr>
+          <p:cNvCxnSpPr>
+            <a:cxnSpLocks/>
+          </p:cNvCxnSpPr>
+          <p:nvPr/>
+        </p:nvCxnSpPr>
+        <p:spPr>
+          <a:xfrm>
+            <a:off x="5261072" y="3808862"/>
+            <a:ext cx="0" cy="914013"/>
+          </a:xfrm>
+          <a:prstGeom prst="straightConnector1">
+            <a:avLst/>
+          </a:prstGeom>
+          <a:ln w="38100">
+            <a:solidFill>
+              <a:srgbClr val="002060"/>
+            </a:solidFill>
+            <a:headEnd type="none" w="med" len="med"/>
+            <a:tailEnd type="none" w="med" len="med"/>
+          </a:ln>
+        </p:spPr>
+        <p:style>
+          <a:lnRef idx="1">
+            <a:schemeClr val="accent1"/>
+          </a:lnRef>
+          <a:fillRef idx="0">
+            <a:schemeClr val="accent1"/>
+          </a:fillRef>
+          <a:effectRef idx="0">
+            <a:schemeClr val="accent1"/>
+          </a:effectRef>
+          <a:fontRef idx="minor">
+            <a:schemeClr val="tx1"/>
+          </a:fontRef>
+        </p:style>
+      </p:cxnSp>
+      <p:sp>
+        <p:nvSpPr>
+          <p:cNvPr id="39" name="Organigramme : Document 38">
+            <a:extLst>
+              <a:ext uri="{FF2B5EF4-FFF2-40B4-BE49-F238E27FC236}">
+                <a16:creationId xmlns:a16="http://schemas.microsoft.com/office/drawing/2014/main" id="{5A4A1EDA-5AFD-48EA-75C8-7A9963831305}"/>
+              </a:ext>
+            </a:extLst>
+          </p:cNvPr>
+          <p:cNvSpPr/>
+          <p:nvPr/>
+        </p:nvSpPr>
+        <p:spPr>
+          <a:xfrm>
+            <a:off x="10768750" y="5249794"/>
+            <a:ext cx="955563" cy="627643"/>
+          </a:xfrm>
+          <a:prstGeom prst="flowChartDocument">
+            <a:avLst/>
+          </a:prstGeom>
+        </p:spPr>
+        <p:style>
+          <a:lnRef idx="2">
+            <a:schemeClr val="accent1">
+              <a:shade val="15000"/>
+            </a:schemeClr>
+          </a:lnRef>
+          <a:fillRef idx="1">
+            <a:schemeClr val="accent1"/>
+          </a:fillRef>
+          <a:effectRef idx="0">
+            <a:schemeClr val="accent1"/>
+          </a:effectRef>
+          <a:fontRef idx="minor">
+            <a:schemeClr val="lt1"/>
+          </a:fontRef>
+        </p:style>
+        <p:txBody>
+          <a:bodyPr rtlCol="0" anchor="ctr"/>
+          <a:lstStyle/>
+          <a:p>
+            <a:pPr algn="ctr"/>
+            <a:r>
+              <a:rPr lang="fr-FR" sz="1400" dirty="0"/>
+              <a:t>Fichier</a:t>
+            </a:r>
+          </a:p>
+          <a:p>
+            <a:pPr algn="ctr"/>
+            <a:r>
+              <a:rPr lang="fr-FR" sz="1400" dirty="0"/>
+              <a:t>(CSV)</a:t>
+            </a:r>
+          </a:p>
+        </p:txBody>
+      </p:sp>
+      <p:sp>
+        <p:nvSpPr>
+          <p:cNvPr id="40" name="Cadre 39">
+            <a:extLst>
+              <a:ext uri="{FF2B5EF4-FFF2-40B4-BE49-F238E27FC236}">
+                <a16:creationId xmlns:a16="http://schemas.microsoft.com/office/drawing/2014/main" id="{206148B6-ADB6-00C7-8011-285975261F58}"/>
+              </a:ext>
+            </a:extLst>
+          </p:cNvPr>
+          <p:cNvSpPr/>
+          <p:nvPr/>
+        </p:nvSpPr>
+        <p:spPr>
+          <a:xfrm>
+            <a:off x="10328133" y="4393498"/>
+            <a:ext cx="1396180" cy="658756"/>
+          </a:xfrm>
+          <a:prstGeom prst="frame">
+            <a:avLst/>
+          </a:prstGeom>
+          <a:solidFill>
+            <a:srgbClr val="0070C0"/>
+          </a:solidFill>
+        </p:spPr>
+        <p:style>
+          <a:lnRef idx="2">
+            <a:schemeClr val="accent1">
+              <a:shade val="15000"/>
+            </a:schemeClr>
+          </a:lnRef>
+          <a:fillRef idx="1">
+            <a:schemeClr val="accent1"/>
+          </a:fillRef>
+          <a:effectRef idx="0">
+            <a:schemeClr val="accent1"/>
+          </a:effectRef>
+          <a:fontRef idx="minor">
+            <a:schemeClr val="lt1"/>
+          </a:fontRef>
+        </p:style>
+        <p:txBody>
+          <a:bodyPr rtlCol="0" anchor="ctr"/>
+          <a:lstStyle/>
+          <a:p>
+            <a:pPr algn="ctr"/>
+            <a:r>
+              <a:rPr lang="fr-FR" dirty="0">
                 <a:solidFill>
-                  <a:srgbClr val="00B0F0"/>
+                  <a:schemeClr val="tx1"/>
                 </a:solidFill>
               </a:rPr>
-              <a:t>Etape 3</a:t>
-            </a:r>
-            <a:r>
-              <a:rPr lang="fr-FR" sz="2000" b="1" dirty="0"/>
-              <a:t> : Simuler le phénomène de modulation d’amplitude et sa démodulation</a:t>
-            </a:r>
-          </a:p>
-          <a:p>
-            <a:pPr lvl="1"/>
-            <a:r>
-              <a:rPr lang="fr-FR" sz="1600" dirty="0"/>
-              <a:t>Générer des signaux de tests et valider les étapes de démodulation</a:t>
-            </a:r>
-          </a:p>
-          <a:p>
-            <a:r>
-              <a:rPr lang="fr-FR" sz="2000" b="1" dirty="0">
-                <a:solidFill>
-                  <a:srgbClr val="00B0F0"/>
-                </a:solidFill>
-              </a:rPr>
-              <a:t>Etape 4</a:t>
-            </a:r>
-            <a:r>
-              <a:rPr lang="fr-FR" sz="2000" b="1" dirty="0"/>
-              <a:t> : Démoduler un signal quelconque</a:t>
+              <a:t>Figure</a:t>
+            </a:r>
+          </a:p>
+        </p:txBody>
+      </p:sp>
+      <p:sp>
+        <p:nvSpPr>
+          <p:cNvPr id="46" name="Organigramme : Document 45">
+            <a:extLst>
+              <a:ext uri="{FF2B5EF4-FFF2-40B4-BE49-F238E27FC236}">
+                <a16:creationId xmlns:a16="http://schemas.microsoft.com/office/drawing/2014/main" id="{B52545CA-F38A-B2F9-4FFA-D70838EBC489}"/>
+              </a:ext>
+            </a:extLst>
+          </p:cNvPr>
+          <p:cNvSpPr/>
+          <p:nvPr/>
+        </p:nvSpPr>
+        <p:spPr>
+          <a:xfrm>
+            <a:off x="8416236" y="3447505"/>
+            <a:ext cx="970138" cy="722714"/>
+          </a:xfrm>
+          <a:prstGeom prst="flowChartDocument">
+            <a:avLst/>
+          </a:prstGeom>
+          <a:solidFill>
+            <a:srgbClr val="00B0F0"/>
+          </a:solidFill>
+        </p:spPr>
+        <p:style>
+          <a:lnRef idx="2">
+            <a:schemeClr val="accent1">
+              <a:shade val="15000"/>
+            </a:schemeClr>
+          </a:lnRef>
+          <a:fillRef idx="1">
+            <a:schemeClr val="accent1"/>
+          </a:fillRef>
+          <a:effectRef idx="0">
+            <a:schemeClr val="accent1"/>
+          </a:effectRef>
+          <a:fontRef idx="minor">
+            <a:schemeClr val="lt1"/>
+          </a:fontRef>
+        </p:style>
+        <p:txBody>
+          <a:bodyPr rtlCol="0" anchor="ctr"/>
+          <a:lstStyle/>
+          <a:p>
+            <a:pPr algn="ctr"/>
+            <a:r>
+              <a:rPr lang="fr-FR" sz="1400" dirty="0"/>
+              <a:t>Données</a:t>
+            </a:r>
+          </a:p>
+          <a:p>
+            <a:pPr algn="ctr"/>
+            <a:r>
+              <a:rPr lang="fr-FR" sz="1200" dirty="0"/>
+              <a:t>(matrices)</a:t>
+            </a:r>
+          </a:p>
+        </p:txBody>
+      </p:sp>
+      <p:cxnSp>
+        <p:nvCxnSpPr>
+          <p:cNvPr id="52" name="Connecteur droit avec flèche 51">
+            <a:extLst>
+              <a:ext uri="{FF2B5EF4-FFF2-40B4-BE49-F238E27FC236}">
+                <a16:creationId xmlns:a16="http://schemas.microsoft.com/office/drawing/2014/main" id="{8943895B-B2A7-B9A0-E4AE-FB9BDCE9B87E}"/>
+              </a:ext>
+            </a:extLst>
+          </p:cNvPr>
+          <p:cNvCxnSpPr>
+            <a:cxnSpLocks/>
+            <a:stCxn id="46" idx="3"/>
+            <a:endCxn id="21" idx="1"/>
+          </p:cNvCxnSpPr>
+          <p:nvPr/>
+        </p:nvCxnSpPr>
+        <p:spPr>
+          <a:xfrm>
+            <a:off x="9386374" y="3808862"/>
+            <a:ext cx="941759" cy="0"/>
+          </a:xfrm>
+          <a:prstGeom prst="straightConnector1">
+            <a:avLst/>
+          </a:prstGeom>
+          <a:ln w="38100">
+            <a:solidFill>
+              <a:srgbClr val="002060"/>
+            </a:solidFill>
+            <a:tailEnd type="triangle"/>
+          </a:ln>
+        </p:spPr>
+        <p:style>
+          <a:lnRef idx="1">
+            <a:schemeClr val="accent1"/>
+          </a:lnRef>
+          <a:fillRef idx="0">
+            <a:schemeClr val="accent1"/>
+          </a:fillRef>
+          <a:effectRef idx="0">
+            <a:schemeClr val="accent1"/>
+          </a:effectRef>
+          <a:fontRef idx="minor">
+            <a:schemeClr val="tx1"/>
+          </a:fontRef>
+        </p:style>
+      </p:cxnSp>
+      <p:cxnSp>
+        <p:nvCxnSpPr>
+          <p:cNvPr id="57" name="Connecteur droit avec flèche 56">
+            <a:extLst>
+              <a:ext uri="{FF2B5EF4-FFF2-40B4-BE49-F238E27FC236}">
+                <a16:creationId xmlns:a16="http://schemas.microsoft.com/office/drawing/2014/main" id="{2EB27CA6-0DD4-BE06-A69C-B62F7FF293A6}"/>
+              </a:ext>
+            </a:extLst>
+          </p:cNvPr>
+          <p:cNvCxnSpPr>
+            <a:cxnSpLocks/>
+            <a:stCxn id="35" idx="3"/>
+            <a:endCxn id="58" idx="1"/>
+          </p:cNvCxnSpPr>
+          <p:nvPr/>
+        </p:nvCxnSpPr>
+        <p:spPr>
+          <a:xfrm>
+            <a:off x="7955937" y="4722876"/>
+            <a:ext cx="460299" cy="0"/>
+          </a:xfrm>
+          <a:prstGeom prst="straightConnector1">
+            <a:avLst/>
+          </a:prstGeom>
+          <a:ln w="38100">
+            <a:solidFill>
+              <a:srgbClr val="002060"/>
+            </a:solidFill>
+            <a:tailEnd type="triangle"/>
+          </a:ln>
+        </p:spPr>
+        <p:style>
+          <a:lnRef idx="1">
+            <a:schemeClr val="accent1"/>
+          </a:lnRef>
+          <a:fillRef idx="0">
+            <a:schemeClr val="accent1"/>
+          </a:fillRef>
+          <a:effectRef idx="0">
+            <a:schemeClr val="accent1"/>
+          </a:effectRef>
+          <a:fontRef idx="minor">
+            <a:schemeClr val="tx1"/>
+          </a:fontRef>
+        </p:style>
+      </p:cxnSp>
+      <p:sp>
+        <p:nvSpPr>
+          <p:cNvPr id="58" name="Organigramme : Document 57">
+            <a:extLst>
+              <a:ext uri="{FF2B5EF4-FFF2-40B4-BE49-F238E27FC236}">
+                <a16:creationId xmlns:a16="http://schemas.microsoft.com/office/drawing/2014/main" id="{250D2139-92A6-4954-1A24-50A4301A2AFC}"/>
+              </a:ext>
+            </a:extLst>
+          </p:cNvPr>
+          <p:cNvSpPr/>
+          <p:nvPr/>
+        </p:nvSpPr>
+        <p:spPr>
+          <a:xfrm>
+            <a:off x="8416236" y="4361519"/>
+            <a:ext cx="970138" cy="722714"/>
+          </a:xfrm>
+          <a:prstGeom prst="flowChartDocument">
+            <a:avLst/>
+          </a:prstGeom>
+          <a:solidFill>
+            <a:srgbClr val="00B0F0"/>
+          </a:solidFill>
+        </p:spPr>
+        <p:style>
+          <a:lnRef idx="2">
+            <a:schemeClr val="accent1">
+              <a:shade val="15000"/>
+            </a:schemeClr>
+          </a:lnRef>
+          <a:fillRef idx="1">
+            <a:schemeClr val="accent1"/>
+          </a:fillRef>
+          <a:effectRef idx="0">
+            <a:schemeClr val="accent1"/>
+          </a:effectRef>
+          <a:fontRef idx="minor">
+            <a:schemeClr val="lt1"/>
+          </a:fontRef>
+        </p:style>
+        <p:txBody>
+          <a:bodyPr rtlCol="0" anchor="ctr"/>
+          <a:lstStyle/>
+          <a:p>
+            <a:pPr algn="ctr"/>
+            <a:r>
+              <a:rPr lang="fr-FR" sz="1400" dirty="0"/>
+              <a:t>Données</a:t>
+            </a:r>
+          </a:p>
+          <a:p>
+            <a:pPr algn="ctr"/>
+            <a:r>
+              <a:rPr lang="fr-FR" sz="1200" dirty="0"/>
+              <a:t>(matrices)</a:t>
+            </a:r>
+          </a:p>
+        </p:txBody>
+      </p:sp>
+      <p:cxnSp>
+        <p:nvCxnSpPr>
+          <p:cNvPr id="59" name="Connecteur droit avec flèche 58">
+            <a:extLst>
+              <a:ext uri="{FF2B5EF4-FFF2-40B4-BE49-F238E27FC236}">
+                <a16:creationId xmlns:a16="http://schemas.microsoft.com/office/drawing/2014/main" id="{17D6D604-A82D-2D36-332E-B182EB331B47}"/>
+              </a:ext>
+            </a:extLst>
+          </p:cNvPr>
+          <p:cNvCxnSpPr>
+            <a:cxnSpLocks/>
+            <a:stCxn id="58" idx="3"/>
+            <a:endCxn id="40" idx="1"/>
+          </p:cNvCxnSpPr>
+          <p:nvPr/>
+        </p:nvCxnSpPr>
+        <p:spPr>
+          <a:xfrm>
+            <a:off x="9386374" y="4722876"/>
+            <a:ext cx="941759" cy="0"/>
+          </a:xfrm>
+          <a:prstGeom prst="straightConnector1">
+            <a:avLst/>
+          </a:prstGeom>
+          <a:ln w="38100">
+            <a:solidFill>
+              <a:srgbClr val="002060"/>
+            </a:solidFill>
+            <a:tailEnd type="triangle"/>
+          </a:ln>
+        </p:spPr>
+        <p:style>
+          <a:lnRef idx="1">
+            <a:schemeClr val="accent1"/>
+          </a:lnRef>
+          <a:fillRef idx="0">
+            <a:schemeClr val="accent1"/>
+          </a:fillRef>
+          <a:effectRef idx="0">
+            <a:schemeClr val="accent1"/>
+          </a:effectRef>
+          <a:fontRef idx="minor">
+            <a:schemeClr val="tx1"/>
+          </a:fontRef>
+        </p:style>
+      </p:cxnSp>
+      <p:cxnSp>
+        <p:nvCxnSpPr>
+          <p:cNvPr id="72" name="Connecteur droit avec flèche 71">
+            <a:extLst>
+              <a:ext uri="{FF2B5EF4-FFF2-40B4-BE49-F238E27FC236}">
+                <a16:creationId xmlns:a16="http://schemas.microsoft.com/office/drawing/2014/main" id="{EB3E3197-6785-408E-7A2F-3888F0625C6C}"/>
+              </a:ext>
+            </a:extLst>
+          </p:cNvPr>
+          <p:cNvCxnSpPr>
+            <a:cxnSpLocks/>
+          </p:cNvCxnSpPr>
+          <p:nvPr/>
+        </p:nvCxnSpPr>
+        <p:spPr>
+          <a:xfrm>
+            <a:off x="9609552" y="4722875"/>
+            <a:ext cx="0" cy="840741"/>
+          </a:xfrm>
+          <a:prstGeom prst="straightConnector1">
+            <a:avLst/>
+          </a:prstGeom>
+          <a:ln w="38100">
+            <a:solidFill>
+              <a:srgbClr val="002060"/>
+            </a:solidFill>
+            <a:headEnd type="none" w="med" len="med"/>
+            <a:tailEnd type="none" w="med" len="med"/>
+          </a:ln>
+        </p:spPr>
+        <p:style>
+          <a:lnRef idx="1">
+            <a:schemeClr val="accent1"/>
+          </a:lnRef>
+          <a:fillRef idx="0">
+            <a:schemeClr val="accent1"/>
+          </a:fillRef>
+          <a:effectRef idx="0">
+            <a:schemeClr val="accent1"/>
+          </a:effectRef>
+          <a:fontRef idx="minor">
+            <a:schemeClr val="tx1"/>
+          </a:fontRef>
+        </p:style>
+      </p:cxnSp>
+      <p:cxnSp>
+        <p:nvCxnSpPr>
+          <p:cNvPr id="73" name="Connecteur droit avec flèche 72">
+            <a:extLst>
+              <a:ext uri="{FF2B5EF4-FFF2-40B4-BE49-F238E27FC236}">
+                <a16:creationId xmlns:a16="http://schemas.microsoft.com/office/drawing/2014/main" id="{000541C6-A061-07FF-D4CC-0DFB4B405F5B}"/>
+              </a:ext>
+            </a:extLst>
+          </p:cNvPr>
+          <p:cNvCxnSpPr>
+            <a:cxnSpLocks/>
+            <a:endCxn id="39" idx="1"/>
+          </p:cNvCxnSpPr>
+          <p:nvPr/>
+        </p:nvCxnSpPr>
+        <p:spPr>
+          <a:xfrm>
+            <a:off x="9609552" y="5563616"/>
+            <a:ext cx="1159198" cy="0"/>
+          </a:xfrm>
+          <a:prstGeom prst="straightConnector1">
+            <a:avLst/>
+          </a:prstGeom>
+          <a:ln w="38100">
+            <a:solidFill>
+              <a:srgbClr val="002060"/>
+            </a:solidFill>
+            <a:tailEnd type="triangle"/>
+          </a:ln>
+        </p:spPr>
+        <p:style>
+          <a:lnRef idx="1">
+            <a:schemeClr val="accent1"/>
+          </a:lnRef>
+          <a:fillRef idx="0">
+            <a:schemeClr val="accent1"/>
+          </a:fillRef>
+          <a:effectRef idx="0">
+            <a:schemeClr val="accent1"/>
+          </a:effectRef>
+          <a:fontRef idx="minor">
+            <a:schemeClr val="tx1"/>
+          </a:fontRef>
+        </p:style>
+      </p:cxnSp>
+      <p:sp>
+        <p:nvSpPr>
+          <p:cNvPr id="78" name="ZoneTexte 77">
+            <a:extLst>
+              <a:ext uri="{FF2B5EF4-FFF2-40B4-BE49-F238E27FC236}">
+                <a16:creationId xmlns:a16="http://schemas.microsoft.com/office/drawing/2014/main" id="{A13E9A33-D392-67E3-5EE7-DE4FC74A4572}"/>
+              </a:ext>
+            </a:extLst>
+          </p:cNvPr>
+          <p:cNvSpPr txBox="1"/>
+          <p:nvPr/>
+        </p:nvSpPr>
+        <p:spPr>
+          <a:xfrm>
+            <a:off x="9634850" y="5143245"/>
+            <a:ext cx="1133900" cy="369332"/>
+          </a:xfrm>
+          <a:prstGeom prst="rect">
+            <a:avLst/>
+          </a:prstGeom>
+          <a:noFill/>
+        </p:spPr>
+        <p:txBody>
+          <a:bodyPr wrap="none" rtlCol="0">
+            <a:spAutoFit/>
+          </a:bodyPr>
+          <a:lstStyle/>
+          <a:p>
+            <a:r>
+              <a:rPr lang="fr-FR" dirty="0"/>
+              <a:t>stockage</a:t>
             </a:r>
           </a:p>
         </p:txBody>
@@ -6861,7 +8788,7 @@
     </p:spTree>
     <p:extLst>
       <p:ext uri="{BB962C8B-B14F-4D97-AF65-F5344CB8AC3E}">
-        <p14:creationId xmlns:p14="http://schemas.microsoft.com/office/powerpoint/2010/main" val="2689497116"/>
+        <p14:creationId xmlns:p14="http://schemas.microsoft.com/office/powerpoint/2010/main" val="2349734445"/>
       </p:ext>
     </p:extLst>
   </p:cSld>
@@ -6888,6 +8815,53 @@
           <a:chExt cx="0" cy="0"/>
         </a:xfrm>
       </p:grpSpPr>
+      <p:cxnSp>
+        <p:nvCxnSpPr>
+          <p:cNvPr id="65" name="Connecteur : en angle 64">
+            <a:extLst>
+              <a:ext uri="{FF2B5EF4-FFF2-40B4-BE49-F238E27FC236}">
+                <a16:creationId xmlns:a16="http://schemas.microsoft.com/office/drawing/2014/main" id="{F4875C97-EAB6-0241-077C-C02F4408C237}"/>
+              </a:ext>
+            </a:extLst>
+          </p:cNvPr>
+          <p:cNvCxnSpPr>
+            <a:stCxn id="58" idx="3"/>
+            <a:endCxn id="22" idx="1"/>
+          </p:cNvCxnSpPr>
+          <p:nvPr/>
+        </p:nvCxnSpPr>
+        <p:spPr>
+          <a:xfrm flipH="1" flipV="1">
+            <a:off x="6662995" y="3808863"/>
+            <a:ext cx="2723379" cy="914013"/>
+          </a:xfrm>
+          <a:prstGeom prst="bentConnector5">
+            <a:avLst>
+              <a:gd name="adj1" fmla="val -8394"/>
+              <a:gd name="adj2" fmla="val 51176"/>
+              <a:gd name="adj3" fmla="val 108394"/>
+            </a:avLst>
+          </a:prstGeom>
+          <a:ln w="28575">
+            <a:prstDash val="dashDot"/>
+            <a:tailEnd type="triangle"/>
+          </a:ln>
+        </p:spPr>
+        <p:style>
+          <a:lnRef idx="1">
+            <a:schemeClr val="accent1"/>
+          </a:lnRef>
+          <a:fillRef idx="0">
+            <a:schemeClr val="accent1"/>
+          </a:fillRef>
+          <a:effectRef idx="0">
+            <a:schemeClr val="accent1"/>
+          </a:effectRef>
+          <a:fontRef idx="minor">
+            <a:schemeClr val="tx1"/>
+          </a:fontRef>
+        </p:style>
+      </p:cxnSp>
       <p:sp>
         <p:nvSpPr>
           <p:cNvPr id="2" name="Titre 1">
@@ -6911,7 +8885,7 @@
           <a:p>
             <a:r>
               <a:rPr lang="fr-FR" dirty="0"/>
-              <a:t>Evaluation</a:t>
+              <a:t>Etapes pour l’analyse</a:t>
             </a:r>
           </a:p>
         </p:txBody>
@@ -6954,75 +8928,10 @@
       </p:pic>
       <p:sp>
         <p:nvSpPr>
-          <p:cNvPr id="7" name="Espace réservé du contenu 6">
-            <a:extLst>
-              <a:ext uri="{FF2B5EF4-FFF2-40B4-BE49-F238E27FC236}">
-                <a16:creationId xmlns:a16="http://schemas.microsoft.com/office/drawing/2014/main" id="{96119062-CBB4-87F4-D29F-DBE631A23655}"/>
-              </a:ext>
-            </a:extLst>
-          </p:cNvPr>
-          <p:cNvSpPr>
-            <a:spLocks noGrp="1"/>
-          </p:cNvSpPr>
-          <p:nvPr>
-            <p:ph sz="half" idx="1"/>
-          </p:nvPr>
-        </p:nvSpPr>
-        <p:spPr>
-          <a:xfrm>
-            <a:off x="1115567" y="2478024"/>
-            <a:ext cx="10584820" cy="3694176"/>
-          </a:xfrm>
-        </p:spPr>
-        <p:txBody>
-          <a:bodyPr>
-            <a:normAutofit/>
-          </a:bodyPr>
-          <a:lstStyle/>
-          <a:p>
-            <a:r>
-              <a:rPr lang="fr-FR" sz="2000" b="1" dirty="0"/>
-              <a:t>Auto-Evaluation du travail</a:t>
-            </a:r>
-          </a:p>
-        </p:txBody>
-      </p:sp>
-      <p:pic>
-        <p:nvPicPr>
-          <p:cNvPr id="10" name="Image 9">
-            <a:extLst>
-              <a:ext uri="{FF2B5EF4-FFF2-40B4-BE49-F238E27FC236}">
-                <a16:creationId xmlns:a16="http://schemas.microsoft.com/office/drawing/2014/main" id="{1D06E8E0-9D1D-812E-12DC-DA74680A575B}"/>
-              </a:ext>
-            </a:extLst>
-          </p:cNvPr>
-          <p:cNvPicPr>
-            <a:picLocks noChangeAspect="1"/>
-          </p:cNvPicPr>
-          <p:nvPr/>
-        </p:nvPicPr>
-        <p:blipFill>
-          <a:blip r:embed="rId3"/>
-          <a:stretch>
-            <a:fillRect/>
-          </a:stretch>
-        </p:blipFill>
-        <p:spPr>
-          <a:xfrm>
-            <a:off x="1115567" y="2880662"/>
-            <a:ext cx="2083920" cy="2936255"/>
-          </a:xfrm>
-          <a:prstGeom prst="rect">
-            <a:avLst/>
-          </a:prstGeom>
-        </p:spPr>
-      </p:pic>
-      <p:sp>
-        <p:nvSpPr>
-          <p:cNvPr id="11" name="CustomShape 3">
-            <a:extLst>
-              <a:ext uri="{FF2B5EF4-FFF2-40B4-BE49-F238E27FC236}">
-                <a16:creationId xmlns:a16="http://schemas.microsoft.com/office/drawing/2014/main" id="{899C94FC-10AB-E4B3-84B0-AABE54FA3D33}"/>
+          <p:cNvPr id="6" name="Organigramme : Document 5">
+            <a:extLst>
+              <a:ext uri="{FF2B5EF4-FFF2-40B4-BE49-F238E27FC236}">
+                <a16:creationId xmlns:a16="http://schemas.microsoft.com/office/drawing/2014/main" id="{8F026908-39A6-3866-FBED-562D4E2EB325}"/>
               </a:ext>
             </a:extLst>
           </p:cNvPr>
@@ -7031,8 +8940,1289 @@
         </p:nvSpPr>
         <p:spPr>
           <a:xfrm>
-            <a:off x="4561181" y="4668160"/>
-            <a:ext cx="2459052" cy="677108"/>
+            <a:off x="810768" y="2615381"/>
+            <a:ext cx="1509645" cy="813619"/>
+          </a:xfrm>
+          <a:prstGeom prst="flowChartDocument">
+            <a:avLst/>
+          </a:prstGeom>
+        </p:spPr>
+        <p:style>
+          <a:lnRef idx="2">
+            <a:schemeClr val="accent1">
+              <a:shade val="15000"/>
+            </a:schemeClr>
+          </a:lnRef>
+          <a:fillRef idx="1">
+            <a:schemeClr val="accent1"/>
+          </a:fillRef>
+          <a:effectRef idx="0">
+            <a:schemeClr val="accent1"/>
+          </a:effectRef>
+          <a:fontRef idx="minor">
+            <a:schemeClr val="lt1"/>
+          </a:fontRef>
+        </p:style>
+        <p:txBody>
+          <a:bodyPr rtlCol="0" anchor="ctr"/>
+          <a:lstStyle/>
+          <a:p>
+            <a:pPr algn="ctr"/>
+            <a:r>
+              <a:rPr lang="fr-FR" dirty="0"/>
+              <a:t>Fichier</a:t>
+            </a:r>
+          </a:p>
+          <a:p>
+            <a:pPr algn="ctr"/>
+            <a:r>
+              <a:rPr lang="fr-FR" dirty="0"/>
+              <a:t>(CSV)</a:t>
+            </a:r>
+          </a:p>
+        </p:txBody>
+      </p:sp>
+      <p:sp>
+        <p:nvSpPr>
+          <p:cNvPr id="8" name="Organigramme : Document 7">
+            <a:extLst>
+              <a:ext uri="{FF2B5EF4-FFF2-40B4-BE49-F238E27FC236}">
+                <a16:creationId xmlns:a16="http://schemas.microsoft.com/office/drawing/2014/main" id="{6F7AFBE7-D89F-D9CB-8A84-D493FF5ACF51}"/>
+              </a:ext>
+            </a:extLst>
+          </p:cNvPr>
+          <p:cNvSpPr/>
+          <p:nvPr/>
+        </p:nvSpPr>
+        <p:spPr>
+          <a:xfrm>
+            <a:off x="3607610" y="2615380"/>
+            <a:ext cx="1509645" cy="813619"/>
+          </a:xfrm>
+          <a:prstGeom prst="flowChartDocument">
+            <a:avLst/>
+          </a:prstGeom>
+          <a:solidFill>
+            <a:srgbClr val="00B0F0"/>
+          </a:solidFill>
+        </p:spPr>
+        <p:style>
+          <a:lnRef idx="2">
+            <a:schemeClr val="accent1">
+              <a:shade val="15000"/>
+            </a:schemeClr>
+          </a:lnRef>
+          <a:fillRef idx="1">
+            <a:schemeClr val="accent1"/>
+          </a:fillRef>
+          <a:effectRef idx="0">
+            <a:schemeClr val="accent1"/>
+          </a:effectRef>
+          <a:fontRef idx="minor">
+            <a:schemeClr val="lt1"/>
+          </a:fontRef>
+        </p:style>
+        <p:txBody>
+          <a:bodyPr rtlCol="0" anchor="ctr"/>
+          <a:lstStyle/>
+          <a:p>
+            <a:pPr algn="ctr"/>
+            <a:r>
+              <a:rPr lang="fr-FR" dirty="0"/>
+              <a:t>Données</a:t>
+            </a:r>
+          </a:p>
+          <a:p>
+            <a:pPr algn="ctr"/>
+            <a:r>
+              <a:rPr lang="fr-FR" dirty="0"/>
+              <a:t>(matrices)</a:t>
+            </a:r>
+          </a:p>
+        </p:txBody>
+      </p:sp>
+      <p:cxnSp>
+        <p:nvCxnSpPr>
+          <p:cNvPr id="10" name="Connecteur droit avec flèche 9">
+            <a:extLst>
+              <a:ext uri="{FF2B5EF4-FFF2-40B4-BE49-F238E27FC236}">
+                <a16:creationId xmlns:a16="http://schemas.microsoft.com/office/drawing/2014/main" id="{54D34BF9-8D24-017A-317A-6048E3CD4558}"/>
+              </a:ext>
+            </a:extLst>
+          </p:cNvPr>
+          <p:cNvCxnSpPr>
+            <a:stCxn id="6" idx="3"/>
+            <a:endCxn id="8" idx="1"/>
+          </p:cNvCxnSpPr>
+          <p:nvPr/>
+        </p:nvCxnSpPr>
+        <p:spPr>
+          <a:xfrm flipV="1">
+            <a:off x="2320413" y="3022190"/>
+            <a:ext cx="1287197" cy="1"/>
+          </a:xfrm>
+          <a:prstGeom prst="straightConnector1">
+            <a:avLst/>
+          </a:prstGeom>
+          <a:ln w="38100">
+            <a:solidFill>
+              <a:srgbClr val="002060"/>
+            </a:solidFill>
+            <a:tailEnd type="triangle"/>
+          </a:ln>
+        </p:spPr>
+        <p:style>
+          <a:lnRef idx="1">
+            <a:schemeClr val="accent1"/>
+          </a:lnRef>
+          <a:fillRef idx="0">
+            <a:schemeClr val="accent1"/>
+          </a:fillRef>
+          <a:effectRef idx="0">
+            <a:schemeClr val="accent1"/>
+          </a:effectRef>
+          <a:fontRef idx="minor">
+            <a:schemeClr val="tx1"/>
+          </a:fontRef>
+        </p:style>
+      </p:cxnSp>
+      <p:sp>
+        <p:nvSpPr>
+          <p:cNvPr id="12" name="ZoneTexte 11">
+            <a:extLst>
+              <a:ext uri="{FF2B5EF4-FFF2-40B4-BE49-F238E27FC236}">
+                <a16:creationId xmlns:a16="http://schemas.microsoft.com/office/drawing/2014/main" id="{C6F0AF21-34D8-55B1-83AE-4D73F3F4E2D8}"/>
+              </a:ext>
+            </a:extLst>
+          </p:cNvPr>
+          <p:cNvSpPr txBox="1"/>
+          <p:nvPr/>
+        </p:nvSpPr>
+        <p:spPr>
+          <a:xfrm>
+            <a:off x="2509880" y="2615380"/>
+            <a:ext cx="908262" cy="369332"/>
+          </a:xfrm>
+          <a:prstGeom prst="rect">
+            <a:avLst/>
+          </a:prstGeom>
+          <a:noFill/>
+        </p:spPr>
+        <p:txBody>
+          <a:bodyPr wrap="none" rtlCol="0">
+            <a:spAutoFit/>
+          </a:bodyPr>
+          <a:lstStyle/>
+          <a:p>
+            <a:r>
+              <a:rPr lang="fr-FR" dirty="0"/>
+              <a:t>lecture</a:t>
+            </a:r>
+          </a:p>
+        </p:txBody>
+      </p:sp>
+      <p:cxnSp>
+        <p:nvCxnSpPr>
+          <p:cNvPr id="13" name="Connecteur droit avec flèche 12">
+            <a:extLst>
+              <a:ext uri="{FF2B5EF4-FFF2-40B4-BE49-F238E27FC236}">
+                <a16:creationId xmlns:a16="http://schemas.microsoft.com/office/drawing/2014/main" id="{425E542E-83AA-38CF-4B99-DF1F252729AA}"/>
+              </a:ext>
+            </a:extLst>
+          </p:cNvPr>
+          <p:cNvCxnSpPr>
+            <a:cxnSpLocks/>
+            <a:stCxn id="8" idx="3"/>
+            <a:endCxn id="16" idx="1"/>
+          </p:cNvCxnSpPr>
+          <p:nvPr/>
+        </p:nvCxnSpPr>
+        <p:spPr>
+          <a:xfrm flipV="1">
+            <a:off x="5117255" y="3022189"/>
+            <a:ext cx="1545740" cy="1"/>
+          </a:xfrm>
+          <a:prstGeom prst="straightConnector1">
+            <a:avLst/>
+          </a:prstGeom>
+          <a:ln w="38100">
+            <a:solidFill>
+              <a:srgbClr val="002060"/>
+            </a:solidFill>
+            <a:tailEnd type="triangle"/>
+          </a:ln>
+        </p:spPr>
+        <p:style>
+          <a:lnRef idx="1">
+            <a:schemeClr val="accent1"/>
+          </a:lnRef>
+          <a:fillRef idx="0">
+            <a:schemeClr val="accent1"/>
+          </a:fillRef>
+          <a:effectRef idx="0">
+            <a:schemeClr val="accent1"/>
+          </a:effectRef>
+          <a:fontRef idx="minor">
+            <a:schemeClr val="tx1"/>
+          </a:fontRef>
+        </p:style>
+      </p:cxnSp>
+      <p:sp>
+        <p:nvSpPr>
+          <p:cNvPr id="16" name="Cadre 15">
+            <a:extLst>
+              <a:ext uri="{FF2B5EF4-FFF2-40B4-BE49-F238E27FC236}">
+                <a16:creationId xmlns:a16="http://schemas.microsoft.com/office/drawing/2014/main" id="{7C651624-7052-4B20-CFA4-78A3D294252E}"/>
+              </a:ext>
+            </a:extLst>
+          </p:cNvPr>
+          <p:cNvSpPr/>
+          <p:nvPr/>
+        </p:nvSpPr>
+        <p:spPr>
+          <a:xfrm>
+            <a:off x="6662995" y="2692811"/>
+            <a:ext cx="1396180" cy="658756"/>
+          </a:xfrm>
+          <a:prstGeom prst="frame">
+            <a:avLst/>
+          </a:prstGeom>
+          <a:solidFill>
+            <a:srgbClr val="0070C0"/>
+          </a:solidFill>
+        </p:spPr>
+        <p:style>
+          <a:lnRef idx="2">
+            <a:schemeClr val="accent1">
+              <a:shade val="15000"/>
+            </a:schemeClr>
+          </a:lnRef>
+          <a:fillRef idx="1">
+            <a:schemeClr val="accent1"/>
+          </a:fillRef>
+          <a:effectRef idx="0">
+            <a:schemeClr val="accent1"/>
+          </a:effectRef>
+          <a:fontRef idx="minor">
+            <a:schemeClr val="lt1"/>
+          </a:fontRef>
+        </p:style>
+        <p:txBody>
+          <a:bodyPr rtlCol="0" anchor="ctr"/>
+          <a:lstStyle/>
+          <a:p>
+            <a:pPr algn="ctr"/>
+            <a:r>
+              <a:rPr lang="fr-FR" dirty="0">
+                <a:solidFill>
+                  <a:schemeClr val="tx1"/>
+                </a:solidFill>
+              </a:rPr>
+              <a:t>Figure</a:t>
+            </a:r>
+          </a:p>
+        </p:txBody>
+      </p:sp>
+      <p:sp>
+        <p:nvSpPr>
+          <p:cNvPr id="20" name="ZoneTexte 19">
+            <a:extLst>
+              <a:ext uri="{FF2B5EF4-FFF2-40B4-BE49-F238E27FC236}">
+                <a16:creationId xmlns:a16="http://schemas.microsoft.com/office/drawing/2014/main" id="{A9548BC3-3954-8D9D-280A-6ECBED1115F0}"/>
+              </a:ext>
+            </a:extLst>
+          </p:cNvPr>
+          <p:cNvSpPr txBox="1"/>
+          <p:nvPr/>
+        </p:nvSpPr>
+        <p:spPr>
+          <a:xfrm>
+            <a:off x="5388478" y="2615380"/>
+            <a:ext cx="1147109" cy="369332"/>
+          </a:xfrm>
+          <a:prstGeom prst="rect">
+            <a:avLst/>
+          </a:prstGeom>
+          <a:noFill/>
+        </p:spPr>
+        <p:txBody>
+          <a:bodyPr wrap="none" rtlCol="0">
+            <a:spAutoFit/>
+          </a:bodyPr>
+          <a:lstStyle/>
+          <a:p>
+            <a:r>
+              <a:rPr lang="fr-FR" dirty="0"/>
+              <a:t>affichage</a:t>
+            </a:r>
+          </a:p>
+        </p:txBody>
+      </p:sp>
+      <p:sp>
+        <p:nvSpPr>
+          <p:cNvPr id="21" name="Cadre 20">
+            <a:extLst>
+              <a:ext uri="{FF2B5EF4-FFF2-40B4-BE49-F238E27FC236}">
+                <a16:creationId xmlns:a16="http://schemas.microsoft.com/office/drawing/2014/main" id="{0D969456-9D55-B1A4-0D13-483E30CF1961}"/>
+              </a:ext>
+            </a:extLst>
+          </p:cNvPr>
+          <p:cNvSpPr/>
+          <p:nvPr/>
+        </p:nvSpPr>
+        <p:spPr>
+          <a:xfrm>
+            <a:off x="10328133" y="3479484"/>
+            <a:ext cx="1396180" cy="658756"/>
+          </a:xfrm>
+          <a:prstGeom prst="frame">
+            <a:avLst/>
+          </a:prstGeom>
+          <a:solidFill>
+            <a:srgbClr val="0070C0"/>
+          </a:solidFill>
+        </p:spPr>
+        <p:style>
+          <a:lnRef idx="2">
+            <a:schemeClr val="accent1">
+              <a:shade val="15000"/>
+            </a:schemeClr>
+          </a:lnRef>
+          <a:fillRef idx="1">
+            <a:schemeClr val="accent1"/>
+          </a:fillRef>
+          <a:effectRef idx="0">
+            <a:schemeClr val="accent1"/>
+          </a:effectRef>
+          <a:fontRef idx="minor">
+            <a:schemeClr val="lt1"/>
+          </a:fontRef>
+        </p:style>
+        <p:txBody>
+          <a:bodyPr rtlCol="0" anchor="ctr"/>
+          <a:lstStyle/>
+          <a:p>
+            <a:pPr algn="ctr"/>
+            <a:r>
+              <a:rPr lang="fr-FR" dirty="0">
+                <a:solidFill>
+                  <a:schemeClr val="tx1"/>
+                </a:solidFill>
+              </a:rPr>
+              <a:t>Figure</a:t>
+            </a:r>
+          </a:p>
+        </p:txBody>
+      </p:sp>
+      <p:sp>
+        <p:nvSpPr>
+          <p:cNvPr id="22" name="Flèche : pentagone 21">
+            <a:extLst>
+              <a:ext uri="{FF2B5EF4-FFF2-40B4-BE49-F238E27FC236}">
+                <a16:creationId xmlns:a16="http://schemas.microsoft.com/office/drawing/2014/main" id="{66FD52B4-BAA3-5572-D88F-70B0CF354B7A}"/>
+              </a:ext>
+            </a:extLst>
+          </p:cNvPr>
+          <p:cNvSpPr/>
+          <p:nvPr/>
+        </p:nvSpPr>
+        <p:spPr>
+          <a:xfrm>
+            <a:off x="6662995" y="3529970"/>
+            <a:ext cx="1292942" cy="557785"/>
+          </a:xfrm>
+          <a:prstGeom prst="homePlate">
+            <a:avLst/>
+          </a:prstGeom>
+          <a:solidFill>
+            <a:srgbClr val="7030A0"/>
+          </a:solidFill>
+        </p:spPr>
+        <p:style>
+          <a:lnRef idx="2">
+            <a:schemeClr val="accent1">
+              <a:shade val="15000"/>
+            </a:schemeClr>
+          </a:lnRef>
+          <a:fillRef idx="1">
+            <a:schemeClr val="accent1"/>
+          </a:fillRef>
+          <a:effectRef idx="0">
+            <a:schemeClr val="accent1"/>
+          </a:effectRef>
+          <a:fontRef idx="minor">
+            <a:schemeClr val="lt1"/>
+          </a:fontRef>
+        </p:style>
+        <p:txBody>
+          <a:bodyPr rtlCol="0" anchor="ctr"/>
+          <a:lstStyle/>
+          <a:p>
+            <a:pPr algn="ctr"/>
+            <a:r>
+              <a:rPr lang="fr-FR" dirty="0"/>
+              <a:t>FFT</a:t>
+            </a:r>
+          </a:p>
+        </p:txBody>
+      </p:sp>
+      <p:cxnSp>
+        <p:nvCxnSpPr>
+          <p:cNvPr id="23" name="Connecteur droit avec flèche 22">
+            <a:extLst>
+              <a:ext uri="{FF2B5EF4-FFF2-40B4-BE49-F238E27FC236}">
+                <a16:creationId xmlns:a16="http://schemas.microsoft.com/office/drawing/2014/main" id="{37E4C651-0EB9-D770-E365-94910465FED6}"/>
+              </a:ext>
+            </a:extLst>
+          </p:cNvPr>
+          <p:cNvCxnSpPr>
+            <a:cxnSpLocks/>
+            <a:stCxn id="22" idx="3"/>
+            <a:endCxn id="46" idx="1"/>
+          </p:cNvCxnSpPr>
+          <p:nvPr/>
+        </p:nvCxnSpPr>
+        <p:spPr>
+          <a:xfrm flipV="1">
+            <a:off x="7955937" y="3808862"/>
+            <a:ext cx="460299" cy="1"/>
+          </a:xfrm>
+          <a:prstGeom prst="straightConnector1">
+            <a:avLst/>
+          </a:prstGeom>
+          <a:ln w="38100">
+            <a:solidFill>
+              <a:srgbClr val="002060"/>
+            </a:solidFill>
+            <a:tailEnd type="triangle"/>
+          </a:ln>
+        </p:spPr>
+        <p:style>
+          <a:lnRef idx="1">
+            <a:schemeClr val="accent1"/>
+          </a:lnRef>
+          <a:fillRef idx="0">
+            <a:schemeClr val="accent1"/>
+          </a:fillRef>
+          <a:effectRef idx="0">
+            <a:schemeClr val="accent1"/>
+          </a:effectRef>
+          <a:fontRef idx="minor">
+            <a:schemeClr val="tx1"/>
+          </a:fontRef>
+        </p:style>
+      </p:cxnSp>
+      <p:cxnSp>
+        <p:nvCxnSpPr>
+          <p:cNvPr id="27" name="Connecteur droit avec flèche 26">
+            <a:extLst>
+              <a:ext uri="{FF2B5EF4-FFF2-40B4-BE49-F238E27FC236}">
+                <a16:creationId xmlns:a16="http://schemas.microsoft.com/office/drawing/2014/main" id="{A9B0ED8E-3D53-A766-89F3-968B58FA8179}"/>
+              </a:ext>
+            </a:extLst>
+          </p:cNvPr>
+          <p:cNvCxnSpPr>
+            <a:cxnSpLocks/>
+            <a:endCxn id="22" idx="1"/>
+          </p:cNvCxnSpPr>
+          <p:nvPr/>
+        </p:nvCxnSpPr>
+        <p:spPr>
+          <a:xfrm>
+            <a:off x="5261072" y="3808863"/>
+            <a:ext cx="1401923" cy="0"/>
+          </a:xfrm>
+          <a:prstGeom prst="straightConnector1">
+            <a:avLst/>
+          </a:prstGeom>
+          <a:ln w="38100">
+            <a:solidFill>
+              <a:srgbClr val="002060"/>
+            </a:solidFill>
+            <a:tailEnd type="triangle"/>
+          </a:ln>
+        </p:spPr>
+        <p:style>
+          <a:lnRef idx="1">
+            <a:schemeClr val="accent1"/>
+          </a:lnRef>
+          <a:fillRef idx="0">
+            <a:schemeClr val="accent1"/>
+          </a:fillRef>
+          <a:effectRef idx="0">
+            <a:schemeClr val="accent1"/>
+          </a:effectRef>
+          <a:fontRef idx="minor">
+            <a:schemeClr val="tx1"/>
+          </a:fontRef>
+        </p:style>
+      </p:cxnSp>
+      <p:cxnSp>
+        <p:nvCxnSpPr>
+          <p:cNvPr id="30" name="Connecteur droit avec flèche 29">
+            <a:extLst>
+              <a:ext uri="{FF2B5EF4-FFF2-40B4-BE49-F238E27FC236}">
+                <a16:creationId xmlns:a16="http://schemas.microsoft.com/office/drawing/2014/main" id="{ED7520D8-0D8D-1979-B800-38B220A6F1B3}"/>
+              </a:ext>
+            </a:extLst>
+          </p:cNvPr>
+          <p:cNvCxnSpPr>
+            <a:cxnSpLocks/>
+          </p:cNvCxnSpPr>
+          <p:nvPr/>
+        </p:nvCxnSpPr>
+        <p:spPr>
+          <a:xfrm>
+            <a:off x="5261072" y="3022189"/>
+            <a:ext cx="0" cy="786673"/>
+          </a:xfrm>
+          <a:prstGeom prst="straightConnector1">
+            <a:avLst/>
+          </a:prstGeom>
+          <a:ln w="38100">
+            <a:solidFill>
+              <a:srgbClr val="002060"/>
+            </a:solidFill>
+            <a:headEnd type="none" w="med" len="med"/>
+            <a:tailEnd type="none" w="med" len="med"/>
+          </a:ln>
+        </p:spPr>
+        <p:style>
+          <a:lnRef idx="1">
+            <a:schemeClr val="accent1"/>
+          </a:lnRef>
+          <a:fillRef idx="0">
+            <a:schemeClr val="accent1"/>
+          </a:fillRef>
+          <a:effectRef idx="0">
+            <a:schemeClr val="accent1"/>
+          </a:effectRef>
+          <a:fontRef idx="minor">
+            <a:schemeClr val="tx1"/>
+          </a:fontRef>
+        </p:style>
+      </p:cxnSp>
+      <p:sp>
+        <p:nvSpPr>
+          <p:cNvPr id="34" name="ZoneTexte 33">
+            <a:extLst>
+              <a:ext uri="{FF2B5EF4-FFF2-40B4-BE49-F238E27FC236}">
+                <a16:creationId xmlns:a16="http://schemas.microsoft.com/office/drawing/2014/main" id="{59D9FFD0-CB96-4A9B-0F5C-9D2A9E0C088B}"/>
+              </a:ext>
+            </a:extLst>
+          </p:cNvPr>
+          <p:cNvSpPr txBox="1"/>
+          <p:nvPr/>
+        </p:nvSpPr>
+        <p:spPr>
+          <a:xfrm>
+            <a:off x="5476963" y="3415525"/>
+            <a:ext cx="970137" cy="369332"/>
+          </a:xfrm>
+          <a:prstGeom prst="rect">
+            <a:avLst/>
+          </a:prstGeom>
+          <a:noFill/>
+        </p:spPr>
+        <p:txBody>
+          <a:bodyPr wrap="none" rtlCol="0">
+            <a:spAutoFit/>
+          </a:bodyPr>
+          <a:lstStyle/>
+          <a:p>
+            <a:r>
+              <a:rPr lang="fr-FR" dirty="0"/>
+              <a:t>analyse</a:t>
+            </a:r>
+          </a:p>
+        </p:txBody>
+      </p:sp>
+      <p:sp>
+        <p:nvSpPr>
+          <p:cNvPr id="35" name="Flèche : pentagone 34">
+            <a:extLst>
+              <a:ext uri="{FF2B5EF4-FFF2-40B4-BE49-F238E27FC236}">
+                <a16:creationId xmlns:a16="http://schemas.microsoft.com/office/drawing/2014/main" id="{E3C117F7-6E9C-8FC9-A1D3-B231EB40CCDE}"/>
+              </a:ext>
+            </a:extLst>
+          </p:cNvPr>
+          <p:cNvSpPr/>
+          <p:nvPr/>
+        </p:nvSpPr>
+        <p:spPr>
+          <a:xfrm>
+            <a:off x="6662995" y="4443983"/>
+            <a:ext cx="1292942" cy="557785"/>
+          </a:xfrm>
+          <a:prstGeom prst="homePlate">
+            <a:avLst/>
+          </a:prstGeom>
+          <a:solidFill>
+            <a:srgbClr val="7030A0"/>
+          </a:solidFill>
+        </p:spPr>
+        <p:style>
+          <a:lnRef idx="2">
+            <a:schemeClr val="accent1">
+              <a:shade val="15000"/>
+            </a:schemeClr>
+          </a:lnRef>
+          <a:fillRef idx="1">
+            <a:schemeClr val="accent1"/>
+          </a:fillRef>
+          <a:effectRef idx="0">
+            <a:schemeClr val="accent1"/>
+          </a:effectRef>
+          <a:fontRef idx="minor">
+            <a:schemeClr val="lt1"/>
+          </a:fontRef>
+        </p:style>
+        <p:txBody>
+          <a:bodyPr rtlCol="0" anchor="ctr"/>
+          <a:lstStyle/>
+          <a:p>
+            <a:pPr algn="ctr"/>
+            <a:r>
+              <a:rPr lang="fr-FR" sz="1100" dirty="0"/>
+              <a:t>Démodulation</a:t>
+            </a:r>
+          </a:p>
+        </p:txBody>
+      </p:sp>
+      <p:cxnSp>
+        <p:nvCxnSpPr>
+          <p:cNvPr id="36" name="Connecteur droit avec flèche 35">
+            <a:extLst>
+              <a:ext uri="{FF2B5EF4-FFF2-40B4-BE49-F238E27FC236}">
+                <a16:creationId xmlns:a16="http://schemas.microsoft.com/office/drawing/2014/main" id="{7A6ED4DC-FFDF-949B-9CF7-DF653E87B7A6}"/>
+              </a:ext>
+            </a:extLst>
+          </p:cNvPr>
+          <p:cNvCxnSpPr>
+            <a:cxnSpLocks/>
+            <a:endCxn id="35" idx="1"/>
+          </p:cNvCxnSpPr>
+          <p:nvPr/>
+        </p:nvCxnSpPr>
+        <p:spPr>
+          <a:xfrm>
+            <a:off x="5261072" y="4722876"/>
+            <a:ext cx="1401923" cy="0"/>
+          </a:xfrm>
+          <a:prstGeom prst="straightConnector1">
+            <a:avLst/>
+          </a:prstGeom>
+          <a:ln w="38100">
+            <a:solidFill>
+              <a:srgbClr val="002060"/>
+            </a:solidFill>
+            <a:tailEnd type="triangle"/>
+          </a:ln>
+        </p:spPr>
+        <p:style>
+          <a:lnRef idx="1">
+            <a:schemeClr val="accent1"/>
+          </a:lnRef>
+          <a:fillRef idx="0">
+            <a:schemeClr val="accent1"/>
+          </a:fillRef>
+          <a:effectRef idx="0">
+            <a:schemeClr val="accent1"/>
+          </a:effectRef>
+          <a:fontRef idx="minor">
+            <a:schemeClr val="tx1"/>
+          </a:fontRef>
+        </p:style>
+      </p:cxnSp>
+      <p:sp>
+        <p:nvSpPr>
+          <p:cNvPr id="37" name="ZoneTexte 36">
+            <a:extLst>
+              <a:ext uri="{FF2B5EF4-FFF2-40B4-BE49-F238E27FC236}">
+                <a16:creationId xmlns:a16="http://schemas.microsoft.com/office/drawing/2014/main" id="{3013DB62-C06F-23EE-2233-7B7FBD989EFF}"/>
+              </a:ext>
+            </a:extLst>
+          </p:cNvPr>
+          <p:cNvSpPr txBox="1"/>
+          <p:nvPr/>
+        </p:nvSpPr>
+        <p:spPr>
+          <a:xfrm>
+            <a:off x="5327693" y="4329537"/>
+            <a:ext cx="1268681" cy="369332"/>
+          </a:xfrm>
+          <a:prstGeom prst="rect">
+            <a:avLst/>
+          </a:prstGeom>
+          <a:noFill/>
+        </p:spPr>
+        <p:txBody>
+          <a:bodyPr wrap="none" rtlCol="0">
+            <a:spAutoFit/>
+          </a:bodyPr>
+          <a:lstStyle/>
+          <a:p>
+            <a:r>
+              <a:rPr lang="fr-FR" dirty="0"/>
+              <a:t>traitement</a:t>
+            </a:r>
+          </a:p>
+        </p:txBody>
+      </p:sp>
+      <p:cxnSp>
+        <p:nvCxnSpPr>
+          <p:cNvPr id="38" name="Connecteur droit avec flèche 37">
+            <a:extLst>
+              <a:ext uri="{FF2B5EF4-FFF2-40B4-BE49-F238E27FC236}">
+                <a16:creationId xmlns:a16="http://schemas.microsoft.com/office/drawing/2014/main" id="{E81A72B4-B502-7443-9918-6C0713B302D4}"/>
+              </a:ext>
+            </a:extLst>
+          </p:cNvPr>
+          <p:cNvCxnSpPr>
+            <a:cxnSpLocks/>
+          </p:cNvCxnSpPr>
+          <p:nvPr/>
+        </p:nvCxnSpPr>
+        <p:spPr>
+          <a:xfrm>
+            <a:off x="5261072" y="3808862"/>
+            <a:ext cx="0" cy="914013"/>
+          </a:xfrm>
+          <a:prstGeom prst="straightConnector1">
+            <a:avLst/>
+          </a:prstGeom>
+          <a:ln w="38100">
+            <a:solidFill>
+              <a:srgbClr val="002060"/>
+            </a:solidFill>
+            <a:headEnd type="none" w="med" len="med"/>
+            <a:tailEnd type="none" w="med" len="med"/>
+          </a:ln>
+        </p:spPr>
+        <p:style>
+          <a:lnRef idx="1">
+            <a:schemeClr val="accent1"/>
+          </a:lnRef>
+          <a:fillRef idx="0">
+            <a:schemeClr val="accent1"/>
+          </a:fillRef>
+          <a:effectRef idx="0">
+            <a:schemeClr val="accent1"/>
+          </a:effectRef>
+          <a:fontRef idx="minor">
+            <a:schemeClr val="tx1"/>
+          </a:fontRef>
+        </p:style>
+      </p:cxnSp>
+      <p:sp>
+        <p:nvSpPr>
+          <p:cNvPr id="39" name="Organigramme : Document 38">
+            <a:extLst>
+              <a:ext uri="{FF2B5EF4-FFF2-40B4-BE49-F238E27FC236}">
+                <a16:creationId xmlns:a16="http://schemas.microsoft.com/office/drawing/2014/main" id="{5A4A1EDA-5AFD-48EA-75C8-7A9963831305}"/>
+              </a:ext>
+            </a:extLst>
+          </p:cNvPr>
+          <p:cNvSpPr/>
+          <p:nvPr/>
+        </p:nvSpPr>
+        <p:spPr>
+          <a:xfrm>
+            <a:off x="10768750" y="5249794"/>
+            <a:ext cx="955563" cy="627643"/>
+          </a:xfrm>
+          <a:prstGeom prst="flowChartDocument">
+            <a:avLst/>
+          </a:prstGeom>
+        </p:spPr>
+        <p:style>
+          <a:lnRef idx="2">
+            <a:schemeClr val="accent1">
+              <a:shade val="15000"/>
+            </a:schemeClr>
+          </a:lnRef>
+          <a:fillRef idx="1">
+            <a:schemeClr val="accent1"/>
+          </a:fillRef>
+          <a:effectRef idx="0">
+            <a:schemeClr val="accent1"/>
+          </a:effectRef>
+          <a:fontRef idx="minor">
+            <a:schemeClr val="lt1"/>
+          </a:fontRef>
+        </p:style>
+        <p:txBody>
+          <a:bodyPr rtlCol="0" anchor="ctr"/>
+          <a:lstStyle/>
+          <a:p>
+            <a:pPr algn="ctr"/>
+            <a:r>
+              <a:rPr lang="fr-FR" sz="1400" dirty="0"/>
+              <a:t>Fichier</a:t>
+            </a:r>
+          </a:p>
+          <a:p>
+            <a:pPr algn="ctr"/>
+            <a:r>
+              <a:rPr lang="fr-FR" sz="1400" dirty="0"/>
+              <a:t>(CSV)</a:t>
+            </a:r>
+          </a:p>
+        </p:txBody>
+      </p:sp>
+      <p:sp>
+        <p:nvSpPr>
+          <p:cNvPr id="40" name="Cadre 39">
+            <a:extLst>
+              <a:ext uri="{FF2B5EF4-FFF2-40B4-BE49-F238E27FC236}">
+                <a16:creationId xmlns:a16="http://schemas.microsoft.com/office/drawing/2014/main" id="{206148B6-ADB6-00C7-8011-285975261F58}"/>
+              </a:ext>
+            </a:extLst>
+          </p:cNvPr>
+          <p:cNvSpPr/>
+          <p:nvPr/>
+        </p:nvSpPr>
+        <p:spPr>
+          <a:xfrm>
+            <a:off x="10328133" y="4393498"/>
+            <a:ext cx="1396180" cy="658756"/>
+          </a:xfrm>
+          <a:prstGeom prst="frame">
+            <a:avLst/>
+          </a:prstGeom>
+          <a:solidFill>
+            <a:srgbClr val="0070C0"/>
+          </a:solidFill>
+        </p:spPr>
+        <p:style>
+          <a:lnRef idx="2">
+            <a:schemeClr val="accent1">
+              <a:shade val="15000"/>
+            </a:schemeClr>
+          </a:lnRef>
+          <a:fillRef idx="1">
+            <a:schemeClr val="accent1"/>
+          </a:fillRef>
+          <a:effectRef idx="0">
+            <a:schemeClr val="accent1"/>
+          </a:effectRef>
+          <a:fontRef idx="minor">
+            <a:schemeClr val="lt1"/>
+          </a:fontRef>
+        </p:style>
+        <p:txBody>
+          <a:bodyPr rtlCol="0" anchor="ctr"/>
+          <a:lstStyle/>
+          <a:p>
+            <a:pPr algn="ctr"/>
+            <a:r>
+              <a:rPr lang="fr-FR" dirty="0">
+                <a:solidFill>
+                  <a:schemeClr val="tx1"/>
+                </a:solidFill>
+              </a:rPr>
+              <a:t>Figure</a:t>
+            </a:r>
+          </a:p>
+        </p:txBody>
+      </p:sp>
+      <p:sp>
+        <p:nvSpPr>
+          <p:cNvPr id="46" name="Organigramme : Document 45">
+            <a:extLst>
+              <a:ext uri="{FF2B5EF4-FFF2-40B4-BE49-F238E27FC236}">
+                <a16:creationId xmlns:a16="http://schemas.microsoft.com/office/drawing/2014/main" id="{B52545CA-F38A-B2F9-4FFA-D70838EBC489}"/>
+              </a:ext>
+            </a:extLst>
+          </p:cNvPr>
+          <p:cNvSpPr/>
+          <p:nvPr/>
+        </p:nvSpPr>
+        <p:spPr>
+          <a:xfrm>
+            <a:off x="8416236" y="3447505"/>
+            <a:ext cx="970138" cy="722714"/>
+          </a:xfrm>
+          <a:prstGeom prst="flowChartDocument">
+            <a:avLst/>
+          </a:prstGeom>
+          <a:solidFill>
+            <a:srgbClr val="00B0F0"/>
+          </a:solidFill>
+        </p:spPr>
+        <p:style>
+          <a:lnRef idx="2">
+            <a:schemeClr val="accent1">
+              <a:shade val="15000"/>
+            </a:schemeClr>
+          </a:lnRef>
+          <a:fillRef idx="1">
+            <a:schemeClr val="accent1"/>
+          </a:fillRef>
+          <a:effectRef idx="0">
+            <a:schemeClr val="accent1"/>
+          </a:effectRef>
+          <a:fontRef idx="minor">
+            <a:schemeClr val="lt1"/>
+          </a:fontRef>
+        </p:style>
+        <p:txBody>
+          <a:bodyPr rtlCol="0" anchor="ctr"/>
+          <a:lstStyle/>
+          <a:p>
+            <a:pPr algn="ctr"/>
+            <a:r>
+              <a:rPr lang="fr-FR" sz="1400" dirty="0"/>
+              <a:t>Données</a:t>
+            </a:r>
+          </a:p>
+          <a:p>
+            <a:pPr algn="ctr"/>
+            <a:r>
+              <a:rPr lang="fr-FR" sz="1200" dirty="0"/>
+              <a:t>(matrices)</a:t>
+            </a:r>
+          </a:p>
+        </p:txBody>
+      </p:sp>
+      <p:cxnSp>
+        <p:nvCxnSpPr>
+          <p:cNvPr id="52" name="Connecteur droit avec flèche 51">
+            <a:extLst>
+              <a:ext uri="{FF2B5EF4-FFF2-40B4-BE49-F238E27FC236}">
+                <a16:creationId xmlns:a16="http://schemas.microsoft.com/office/drawing/2014/main" id="{8943895B-B2A7-B9A0-E4AE-FB9BDCE9B87E}"/>
+              </a:ext>
+            </a:extLst>
+          </p:cNvPr>
+          <p:cNvCxnSpPr>
+            <a:cxnSpLocks/>
+            <a:stCxn id="46" idx="3"/>
+            <a:endCxn id="21" idx="1"/>
+          </p:cNvCxnSpPr>
+          <p:nvPr/>
+        </p:nvCxnSpPr>
+        <p:spPr>
+          <a:xfrm>
+            <a:off x="9386374" y="3808862"/>
+            <a:ext cx="941759" cy="0"/>
+          </a:xfrm>
+          <a:prstGeom prst="straightConnector1">
+            <a:avLst/>
+          </a:prstGeom>
+          <a:ln w="38100">
+            <a:solidFill>
+              <a:srgbClr val="002060"/>
+            </a:solidFill>
+            <a:tailEnd type="triangle"/>
+          </a:ln>
+        </p:spPr>
+        <p:style>
+          <a:lnRef idx="1">
+            <a:schemeClr val="accent1"/>
+          </a:lnRef>
+          <a:fillRef idx="0">
+            <a:schemeClr val="accent1"/>
+          </a:fillRef>
+          <a:effectRef idx="0">
+            <a:schemeClr val="accent1"/>
+          </a:effectRef>
+          <a:fontRef idx="minor">
+            <a:schemeClr val="tx1"/>
+          </a:fontRef>
+        </p:style>
+      </p:cxnSp>
+      <p:cxnSp>
+        <p:nvCxnSpPr>
+          <p:cNvPr id="57" name="Connecteur droit avec flèche 56">
+            <a:extLst>
+              <a:ext uri="{FF2B5EF4-FFF2-40B4-BE49-F238E27FC236}">
+                <a16:creationId xmlns:a16="http://schemas.microsoft.com/office/drawing/2014/main" id="{2EB27CA6-0DD4-BE06-A69C-B62F7FF293A6}"/>
+              </a:ext>
+            </a:extLst>
+          </p:cNvPr>
+          <p:cNvCxnSpPr>
+            <a:cxnSpLocks/>
+            <a:stCxn id="35" idx="3"/>
+            <a:endCxn id="58" idx="1"/>
+          </p:cNvCxnSpPr>
+          <p:nvPr/>
+        </p:nvCxnSpPr>
+        <p:spPr>
+          <a:xfrm>
+            <a:off x="7955937" y="4722876"/>
+            <a:ext cx="460299" cy="0"/>
+          </a:xfrm>
+          <a:prstGeom prst="straightConnector1">
+            <a:avLst/>
+          </a:prstGeom>
+          <a:ln w="38100">
+            <a:solidFill>
+              <a:srgbClr val="002060"/>
+            </a:solidFill>
+            <a:tailEnd type="triangle"/>
+          </a:ln>
+        </p:spPr>
+        <p:style>
+          <a:lnRef idx="1">
+            <a:schemeClr val="accent1"/>
+          </a:lnRef>
+          <a:fillRef idx="0">
+            <a:schemeClr val="accent1"/>
+          </a:fillRef>
+          <a:effectRef idx="0">
+            <a:schemeClr val="accent1"/>
+          </a:effectRef>
+          <a:fontRef idx="minor">
+            <a:schemeClr val="tx1"/>
+          </a:fontRef>
+        </p:style>
+      </p:cxnSp>
+      <p:sp>
+        <p:nvSpPr>
+          <p:cNvPr id="58" name="Organigramme : Document 57">
+            <a:extLst>
+              <a:ext uri="{FF2B5EF4-FFF2-40B4-BE49-F238E27FC236}">
+                <a16:creationId xmlns:a16="http://schemas.microsoft.com/office/drawing/2014/main" id="{250D2139-92A6-4954-1A24-50A4301A2AFC}"/>
+              </a:ext>
+            </a:extLst>
+          </p:cNvPr>
+          <p:cNvSpPr/>
+          <p:nvPr/>
+        </p:nvSpPr>
+        <p:spPr>
+          <a:xfrm>
+            <a:off x="8416236" y="4361519"/>
+            <a:ext cx="970138" cy="722714"/>
+          </a:xfrm>
+          <a:prstGeom prst="flowChartDocument">
+            <a:avLst/>
+          </a:prstGeom>
+          <a:solidFill>
+            <a:srgbClr val="00B0F0"/>
+          </a:solidFill>
+        </p:spPr>
+        <p:style>
+          <a:lnRef idx="2">
+            <a:schemeClr val="accent1">
+              <a:shade val="15000"/>
+            </a:schemeClr>
+          </a:lnRef>
+          <a:fillRef idx="1">
+            <a:schemeClr val="accent1"/>
+          </a:fillRef>
+          <a:effectRef idx="0">
+            <a:schemeClr val="accent1"/>
+          </a:effectRef>
+          <a:fontRef idx="minor">
+            <a:schemeClr val="lt1"/>
+          </a:fontRef>
+        </p:style>
+        <p:txBody>
+          <a:bodyPr rtlCol="0" anchor="ctr"/>
+          <a:lstStyle/>
+          <a:p>
+            <a:pPr algn="ctr"/>
+            <a:r>
+              <a:rPr lang="fr-FR" sz="1400" dirty="0"/>
+              <a:t>Données</a:t>
+            </a:r>
+          </a:p>
+          <a:p>
+            <a:pPr algn="ctr"/>
+            <a:r>
+              <a:rPr lang="fr-FR" sz="1200" dirty="0"/>
+              <a:t>(matrices)</a:t>
+            </a:r>
+          </a:p>
+        </p:txBody>
+      </p:sp>
+      <p:cxnSp>
+        <p:nvCxnSpPr>
+          <p:cNvPr id="59" name="Connecteur droit avec flèche 58">
+            <a:extLst>
+              <a:ext uri="{FF2B5EF4-FFF2-40B4-BE49-F238E27FC236}">
+                <a16:creationId xmlns:a16="http://schemas.microsoft.com/office/drawing/2014/main" id="{17D6D604-A82D-2D36-332E-B182EB331B47}"/>
+              </a:ext>
+            </a:extLst>
+          </p:cNvPr>
+          <p:cNvCxnSpPr>
+            <a:cxnSpLocks/>
+            <a:stCxn id="58" idx="3"/>
+            <a:endCxn id="40" idx="1"/>
+          </p:cNvCxnSpPr>
+          <p:nvPr/>
+        </p:nvCxnSpPr>
+        <p:spPr>
+          <a:xfrm>
+            <a:off x="9386374" y="4722876"/>
+            <a:ext cx="941759" cy="0"/>
+          </a:xfrm>
+          <a:prstGeom prst="straightConnector1">
+            <a:avLst/>
+          </a:prstGeom>
+          <a:ln w="38100">
+            <a:solidFill>
+              <a:srgbClr val="002060"/>
+            </a:solidFill>
+            <a:tailEnd type="triangle"/>
+          </a:ln>
+        </p:spPr>
+        <p:style>
+          <a:lnRef idx="1">
+            <a:schemeClr val="accent1"/>
+          </a:lnRef>
+          <a:fillRef idx="0">
+            <a:schemeClr val="accent1"/>
+          </a:fillRef>
+          <a:effectRef idx="0">
+            <a:schemeClr val="accent1"/>
+          </a:effectRef>
+          <a:fontRef idx="minor">
+            <a:schemeClr val="tx1"/>
+          </a:fontRef>
+        </p:style>
+      </p:cxnSp>
+      <p:cxnSp>
+        <p:nvCxnSpPr>
+          <p:cNvPr id="72" name="Connecteur droit avec flèche 71">
+            <a:extLst>
+              <a:ext uri="{FF2B5EF4-FFF2-40B4-BE49-F238E27FC236}">
+                <a16:creationId xmlns:a16="http://schemas.microsoft.com/office/drawing/2014/main" id="{EB3E3197-6785-408E-7A2F-3888F0625C6C}"/>
+              </a:ext>
+            </a:extLst>
+          </p:cNvPr>
+          <p:cNvCxnSpPr>
+            <a:cxnSpLocks/>
+          </p:cNvCxnSpPr>
+          <p:nvPr/>
+        </p:nvCxnSpPr>
+        <p:spPr>
+          <a:xfrm>
+            <a:off x="9609552" y="4722875"/>
+            <a:ext cx="0" cy="840741"/>
+          </a:xfrm>
+          <a:prstGeom prst="straightConnector1">
+            <a:avLst/>
+          </a:prstGeom>
+          <a:ln w="38100">
+            <a:solidFill>
+              <a:srgbClr val="002060"/>
+            </a:solidFill>
+            <a:headEnd type="none" w="med" len="med"/>
+            <a:tailEnd type="none" w="med" len="med"/>
+          </a:ln>
+        </p:spPr>
+        <p:style>
+          <a:lnRef idx="1">
+            <a:schemeClr val="accent1"/>
+          </a:lnRef>
+          <a:fillRef idx="0">
+            <a:schemeClr val="accent1"/>
+          </a:fillRef>
+          <a:effectRef idx="0">
+            <a:schemeClr val="accent1"/>
+          </a:effectRef>
+          <a:fontRef idx="minor">
+            <a:schemeClr val="tx1"/>
+          </a:fontRef>
+        </p:style>
+      </p:cxnSp>
+      <p:cxnSp>
+        <p:nvCxnSpPr>
+          <p:cNvPr id="73" name="Connecteur droit avec flèche 72">
+            <a:extLst>
+              <a:ext uri="{FF2B5EF4-FFF2-40B4-BE49-F238E27FC236}">
+                <a16:creationId xmlns:a16="http://schemas.microsoft.com/office/drawing/2014/main" id="{000541C6-A061-07FF-D4CC-0DFB4B405F5B}"/>
+              </a:ext>
+            </a:extLst>
+          </p:cNvPr>
+          <p:cNvCxnSpPr>
+            <a:cxnSpLocks/>
+            <a:endCxn id="39" idx="1"/>
+          </p:cNvCxnSpPr>
+          <p:nvPr/>
+        </p:nvCxnSpPr>
+        <p:spPr>
+          <a:xfrm>
+            <a:off x="9609552" y="5563616"/>
+            <a:ext cx="1159198" cy="0"/>
+          </a:xfrm>
+          <a:prstGeom prst="straightConnector1">
+            <a:avLst/>
+          </a:prstGeom>
+          <a:ln w="38100">
+            <a:solidFill>
+              <a:srgbClr val="002060"/>
+            </a:solidFill>
+            <a:tailEnd type="triangle"/>
+          </a:ln>
+        </p:spPr>
+        <p:style>
+          <a:lnRef idx="1">
+            <a:schemeClr val="accent1"/>
+          </a:lnRef>
+          <a:fillRef idx="0">
+            <a:schemeClr val="accent1"/>
+          </a:fillRef>
+          <a:effectRef idx="0">
+            <a:schemeClr val="accent1"/>
+          </a:effectRef>
+          <a:fontRef idx="minor">
+            <a:schemeClr val="tx1"/>
+          </a:fontRef>
+        </p:style>
+      </p:cxnSp>
+      <p:sp>
+        <p:nvSpPr>
+          <p:cNvPr id="78" name="ZoneTexte 77">
+            <a:extLst>
+              <a:ext uri="{FF2B5EF4-FFF2-40B4-BE49-F238E27FC236}">
+                <a16:creationId xmlns:a16="http://schemas.microsoft.com/office/drawing/2014/main" id="{A13E9A33-D392-67E3-5EE7-DE4FC74A4572}"/>
+              </a:ext>
+            </a:extLst>
+          </p:cNvPr>
+          <p:cNvSpPr txBox="1"/>
+          <p:nvPr/>
+        </p:nvSpPr>
+        <p:spPr>
+          <a:xfrm>
+            <a:off x="9634850" y="5143245"/>
+            <a:ext cx="1133900" cy="369332"/>
+          </a:xfrm>
+          <a:prstGeom prst="rect">
+            <a:avLst/>
+          </a:prstGeom>
+          <a:noFill/>
+        </p:spPr>
+        <p:txBody>
+          <a:bodyPr wrap="none" rtlCol="0">
+            <a:spAutoFit/>
+          </a:bodyPr>
+          <a:lstStyle/>
+          <a:p>
+            <a:r>
+              <a:rPr lang="fr-FR" dirty="0"/>
+              <a:t>stockage</a:t>
+            </a:r>
+          </a:p>
+        </p:txBody>
+      </p:sp>
+      <p:sp>
+        <p:nvSpPr>
+          <p:cNvPr id="3" name="CustomShape 3">
+            <a:extLst>
+              <a:ext uri="{FF2B5EF4-FFF2-40B4-BE49-F238E27FC236}">
+                <a16:creationId xmlns:a16="http://schemas.microsoft.com/office/drawing/2014/main" id="{9A824087-261C-3CC4-6A43-48B79EE622EF}"/>
+              </a:ext>
+            </a:extLst>
+          </p:cNvPr>
+          <p:cNvSpPr/>
+          <p:nvPr/>
+        </p:nvSpPr>
+        <p:spPr>
+          <a:xfrm>
+            <a:off x="1311149" y="3728666"/>
+            <a:ext cx="3474207" cy="677108"/>
           </a:xfrm>
           <a:prstGeom prst="rect">
             <a:avLst/>
@@ -7080,17 +10270,17 @@
                 </a:solidFill>
                 <a:latin typeface="Arial"/>
               </a:rPr>
-              <a:t>Mise en œuvre numérique</a:t>
-            </a:r>
-          </a:p>
-        </p:txBody>
-      </p:sp>
-      <p:sp>
-        <p:nvSpPr>
-          <p:cNvPr id="12" name="CustomShape 3">
-            <a:extLst>
-              <a:ext uri="{FF2B5EF4-FFF2-40B4-BE49-F238E27FC236}">
-                <a16:creationId xmlns:a16="http://schemas.microsoft.com/office/drawing/2014/main" id="{C05628E1-986A-6E67-5CCF-5CD8338258BD}"/>
+              <a:t>Analyse d’un fichier contenant un signal simple modulé AM</a:t>
+            </a:r>
+          </a:p>
+        </p:txBody>
+      </p:sp>
+      <p:sp>
+        <p:nvSpPr>
+          <p:cNvPr id="4" name="CustomShape 3">
+            <a:extLst>
+              <a:ext uri="{FF2B5EF4-FFF2-40B4-BE49-F238E27FC236}">
+                <a16:creationId xmlns:a16="http://schemas.microsoft.com/office/drawing/2014/main" id="{47043317-3FE0-42AF-673E-5CC9A9933783}"/>
               </a:ext>
             </a:extLst>
           </p:cNvPr>
@@ -7099,8 +10289,8 @@
         </p:nvSpPr>
         <p:spPr>
           <a:xfrm>
-            <a:off x="4561181" y="5465697"/>
-            <a:ext cx="2459052" cy="430887"/>
+            <a:off x="1311148" y="4476495"/>
+            <a:ext cx="3474208" cy="677108"/>
           </a:xfrm>
           <a:prstGeom prst="rect">
             <a:avLst/>
@@ -7148,17 +10338,17 @@
                 </a:solidFill>
                 <a:latin typeface="Arial"/>
               </a:rPr>
-              <a:t>Lien avec la physique</a:t>
-            </a:r>
-          </a:p>
-        </p:txBody>
-      </p:sp>
-      <p:sp>
-        <p:nvSpPr>
-          <p:cNvPr id="13" name="CustomShape 3">
-            <a:extLst>
-              <a:ext uri="{FF2B5EF4-FFF2-40B4-BE49-F238E27FC236}">
-                <a16:creationId xmlns:a16="http://schemas.microsoft.com/office/drawing/2014/main" id="{E39A9320-7D0B-6D7F-A05C-3B25041AF98E}"/>
+              <a:t>Analyse d’un fichier contenant un signal complexe modulé AM</a:t>
+            </a:r>
+          </a:p>
+        </p:txBody>
+      </p:sp>
+      <p:sp>
+        <p:nvSpPr>
+          <p:cNvPr id="7" name="CustomShape 3">
+            <a:extLst>
+              <a:ext uri="{FF2B5EF4-FFF2-40B4-BE49-F238E27FC236}">
+                <a16:creationId xmlns:a16="http://schemas.microsoft.com/office/drawing/2014/main" id="{9E7F5ABE-9BFF-546C-290B-E6842DCE8C44}"/>
               </a:ext>
             </a:extLst>
           </p:cNvPr>
@@ -7167,8 +10357,8 @@
         </p:nvSpPr>
         <p:spPr>
           <a:xfrm>
-            <a:off x="4561181" y="4116844"/>
-            <a:ext cx="2459052" cy="430887"/>
+            <a:off x="1323127" y="5225061"/>
+            <a:ext cx="3474211" cy="677108"/>
           </a:xfrm>
           <a:prstGeom prst="rect">
             <a:avLst/>
@@ -7216,91 +10406,15 @@
                 </a:solidFill>
                 <a:latin typeface="Arial"/>
               </a:rPr>
-              <a:t>Analyse du sujet</a:t>
-            </a:r>
-          </a:p>
-        </p:txBody>
-      </p:sp>
-      <p:pic>
-        <p:nvPicPr>
-          <p:cNvPr id="4" name="Image 3">
-            <a:extLst>
-              <a:ext uri="{FF2B5EF4-FFF2-40B4-BE49-F238E27FC236}">
-                <a16:creationId xmlns:a16="http://schemas.microsoft.com/office/drawing/2014/main" id="{BE59BF61-868F-680B-D99E-12024514E70F}"/>
-              </a:ext>
-            </a:extLst>
-          </p:cNvPr>
-          <p:cNvPicPr>
-            <a:picLocks noChangeAspect="1"/>
-          </p:cNvPicPr>
-          <p:nvPr/>
-        </p:nvPicPr>
-        <p:blipFill>
-          <a:blip r:embed="rId4"/>
-          <a:stretch>
-            <a:fillRect/>
-          </a:stretch>
-        </p:blipFill>
-        <p:spPr>
-          <a:xfrm>
-            <a:off x="8146661" y="2123636"/>
-            <a:ext cx="3553726" cy="4722074"/>
-          </a:xfrm>
-          <a:prstGeom prst="rect">
-            <a:avLst/>
-          </a:prstGeom>
-        </p:spPr>
-      </p:pic>
-      <p:sp>
-        <p:nvSpPr>
-          <p:cNvPr id="8" name="ZoneTexte 7">
-            <a:extLst>
-              <a:ext uri="{FF2B5EF4-FFF2-40B4-BE49-F238E27FC236}">
-                <a16:creationId xmlns:a16="http://schemas.microsoft.com/office/drawing/2014/main" id="{2F8DDC0A-7585-8CBE-9ED2-C787845E64C5}"/>
-              </a:ext>
-            </a:extLst>
-          </p:cNvPr>
-          <p:cNvSpPr txBox="1"/>
-          <p:nvPr/>
-        </p:nvSpPr>
-        <p:spPr>
-          <a:xfrm>
-            <a:off x="3471145" y="3242212"/>
-            <a:ext cx="6096000" cy="707886"/>
-          </a:xfrm>
-          <a:prstGeom prst="rect">
-            <a:avLst/>
-          </a:prstGeom>
-          <a:noFill/>
-        </p:spPr>
-        <p:txBody>
-          <a:bodyPr wrap="square">
-            <a:spAutoFit/>
-          </a:bodyPr>
-          <a:lstStyle/>
-          <a:p>
-            <a:pPr marL="342900" indent="-342900">
-              <a:buFont typeface="Arial" panose="020B0604020202020204" pitchFamily="34" charset="0"/>
-              <a:buChar char="•"/>
-            </a:pPr>
-            <a:r>
-              <a:rPr lang="fr-FR" sz="2000" b="1" dirty="0"/>
-              <a:t>Evaluation en séances 3 et 4</a:t>
-            </a:r>
-          </a:p>
-          <a:p>
-            <a:pPr marL="342900" indent="-342900">
-              <a:buFontTx/>
-              <a:buChar char="-"/>
-            </a:pPr>
-            <a:endParaRPr lang="fr-FR" sz="2000" b="1" dirty="0"/>
+              <a:t>Analyse d’un fichier contenant des signaux sur des porteuses multiples</a:t>
+            </a:r>
           </a:p>
         </p:txBody>
       </p:sp>
     </p:spTree>
     <p:extLst>
       <p:ext uri="{BB962C8B-B14F-4D97-AF65-F5344CB8AC3E}">
-        <p14:creationId xmlns:p14="http://schemas.microsoft.com/office/powerpoint/2010/main" val="183049405"/>
+        <p14:creationId xmlns:p14="http://schemas.microsoft.com/office/powerpoint/2010/main" val="3188211230"/>
       </p:ext>
     </p:extLst>
   </p:cSld>
@@ -7350,7 +10464,7 @@
           <a:p>
             <a:r>
               <a:rPr lang="fr-FR" dirty="0"/>
-              <a:t>Quelques fonctions intéressantes</a:t>
+              <a:t>Travail à réaliser</a:t>
             </a:r>
           </a:p>
         </p:txBody>
@@ -7409,8 +10523,8 @@
         </p:nvSpPr>
         <p:spPr>
           <a:xfrm>
-            <a:off x="2669072" y="2478024"/>
-            <a:ext cx="6219298" cy="3694176"/>
+            <a:off x="1115567" y="2478024"/>
+            <a:ext cx="10584820" cy="3694176"/>
           </a:xfrm>
         </p:spPr>
         <p:txBody>
@@ -7419,549 +10533,102 @@
           </a:bodyPr>
           <a:lstStyle/>
           <a:p>
-            <a:pPr marL="342900" lvl="0" indent="-342900" algn="just">
-              <a:lnSpc>
-                <a:spcPct val="115000"/>
-              </a:lnSpc>
-              <a:buFont typeface="Arial" panose="020B0604020202020204" pitchFamily="34" charset="0"/>
-              <a:buChar char="●"/>
-            </a:pPr>
-            <a:r>
-              <a:rPr lang="fr-FR" sz="1600" b="1" u="none" strike="noStrike" dirty="0">
-                <a:effectLst/>
-                <a:latin typeface="Arial" panose="020B0604020202020204" pitchFamily="34" charset="0"/>
-                <a:ea typeface="Arial" panose="020B0604020202020204" pitchFamily="34" charset="0"/>
+            <a:r>
+              <a:rPr lang="fr-FR" sz="2000" b="1" dirty="0">
+                <a:solidFill>
+                  <a:srgbClr val="00B0F0"/>
+                </a:solidFill>
               </a:rPr>
-              <a:t>lire des fichiers CSV </a:t>
-            </a:r>
-            <a:endParaRPr lang="fr-FR" sz="1600" b="1" dirty="0">
-              <a:latin typeface="Arial" panose="020B0604020202020204" pitchFamily="34" charset="0"/>
-              <a:ea typeface="Arial" panose="020B0604020202020204" pitchFamily="34" charset="0"/>
-            </a:endParaRPr>
-          </a:p>
-          <a:p>
-            <a:pPr marL="800100" lvl="1" indent="-342900" algn="just">
-              <a:lnSpc>
-                <a:spcPct val="115000"/>
-              </a:lnSpc>
-              <a:buFont typeface="Arial" panose="020B0604020202020204" pitchFamily="34" charset="0"/>
-              <a:buChar char="●"/>
-            </a:pPr>
-            <a:r>
-              <a:rPr lang="fr-FR" sz="1600" b="1" u="none" strike="noStrike" dirty="0" err="1">
+              <a:t>Etape 1 </a:t>
+            </a:r>
+            <a:r>
+              <a:rPr lang="fr-FR" sz="2000" b="1" dirty="0"/>
+              <a:t>: Afficher des données provenant d’un fichier</a:t>
+            </a:r>
+          </a:p>
+          <a:p>
+            <a:pPr lvl="1"/>
+            <a:r>
+              <a:rPr lang="fr-FR" sz="1600" dirty="0"/>
+              <a:t>Lire un fichier texte / tableur</a:t>
+            </a:r>
+          </a:p>
+          <a:p>
+            <a:pPr lvl="1"/>
+            <a:r>
+              <a:rPr lang="fr-FR" sz="1600" dirty="0"/>
+              <a:t>Afficher les signaux contenus dans le fichier</a:t>
+            </a:r>
+          </a:p>
+          <a:p>
+            <a:r>
+              <a:rPr lang="fr-FR" sz="2000" b="1" dirty="0">
                 <a:solidFill>
-                  <a:srgbClr val="E36C0A"/>
+                  <a:srgbClr val="00B0F0"/>
                 </a:solidFill>
-                <a:effectLst/>
-                <a:latin typeface="Arial" panose="020B0604020202020204" pitchFamily="34" charset="0"/>
-                <a:ea typeface="Arial" panose="020B0604020202020204" pitchFamily="34" charset="0"/>
               </a:rPr>
-              <a:t>numpy</a:t>
-            </a:r>
-            <a:r>
-              <a:rPr lang="fr-FR" sz="1600" b="1" u="none" strike="noStrike" dirty="0">
+              <a:t>Etape 2 </a:t>
+            </a:r>
+            <a:r>
+              <a:rPr lang="fr-FR" sz="2000" b="1" dirty="0"/>
+              <a:t>: Calculer, afficher et analyser le spectre du signal</a:t>
+            </a:r>
+          </a:p>
+          <a:p>
+            <a:pPr lvl="1"/>
+            <a:r>
+              <a:rPr lang="fr-FR" sz="1600" dirty="0"/>
+              <a:t>Comprendre les données obtenues par le calcul</a:t>
+            </a:r>
+          </a:p>
+          <a:p>
+            <a:pPr lvl="1"/>
+            <a:r>
+              <a:rPr lang="fr-FR" sz="1600" dirty="0"/>
+              <a:t>Afficher le spectre en recréant les axes fréquentiels</a:t>
+            </a:r>
+          </a:p>
+          <a:p>
+            <a:r>
+              <a:rPr lang="fr-FR" sz="2000" b="1" dirty="0">
                 <a:solidFill>
-                  <a:srgbClr val="E36C0A"/>
+                  <a:srgbClr val="00B0F0"/>
                 </a:solidFill>
-                <a:effectLst/>
-                <a:latin typeface="Arial" panose="020B0604020202020204" pitchFamily="34" charset="0"/>
-                <a:ea typeface="Arial" panose="020B0604020202020204" pitchFamily="34" charset="0"/>
               </a:rPr>
-              <a:t> </a:t>
-            </a:r>
-            <a:r>
-              <a:rPr lang="fr-FR" sz="1600" b="1" u="none" strike="noStrike" dirty="0">
+              <a:t>Etape 3</a:t>
+            </a:r>
+            <a:r>
+              <a:rPr lang="fr-FR" sz="2000" b="1" dirty="0"/>
+              <a:t> : Simuler le phénomène de modulation d’amplitude et sa démodulation</a:t>
+            </a:r>
+          </a:p>
+          <a:p>
+            <a:pPr lvl="1"/>
+            <a:r>
+              <a:rPr lang="fr-FR" sz="1600" dirty="0"/>
+              <a:t>Générer des signaux de tests et valider les étapes de démodulation</a:t>
+            </a:r>
+          </a:p>
+          <a:p>
+            <a:r>
+              <a:rPr lang="fr-FR" sz="2000" b="1" dirty="0">
                 <a:solidFill>
-                  <a:srgbClr val="1155CC"/>
+                  <a:srgbClr val="00B0F0"/>
                 </a:solidFill>
-                <a:effectLst/>
-                <a:latin typeface="Arial" panose="020B0604020202020204" pitchFamily="34" charset="0"/>
-                <a:ea typeface="Arial" panose="020B0604020202020204" pitchFamily="34" charset="0"/>
               </a:rPr>
-              <a:t>.</a:t>
-            </a:r>
-            <a:r>
-              <a:rPr lang="fr-FR" sz="1600" b="1" u="none" strike="noStrike" dirty="0" err="1">
-                <a:solidFill>
-                  <a:srgbClr val="1155CC"/>
-                </a:solidFill>
-                <a:effectLst/>
-                <a:latin typeface="Arial" panose="020B0604020202020204" pitchFamily="34" charset="0"/>
-                <a:ea typeface="Arial" panose="020B0604020202020204" pitchFamily="34" charset="0"/>
-              </a:rPr>
-              <a:t>genfromtxt</a:t>
-            </a:r>
-            <a:r>
-              <a:rPr lang="fr-FR" sz="1600" b="1" u="none" strike="noStrike" dirty="0">
-                <a:solidFill>
-                  <a:srgbClr val="1155CC"/>
-                </a:solidFill>
-                <a:effectLst/>
-                <a:latin typeface="Arial" panose="020B0604020202020204" pitchFamily="34" charset="0"/>
-                <a:ea typeface="Arial" panose="020B0604020202020204" pitchFamily="34" charset="0"/>
-              </a:rPr>
-              <a:t> </a:t>
-            </a:r>
-          </a:p>
-          <a:p>
-            <a:pPr marL="800100" lvl="1" indent="-342900" algn="just">
-              <a:lnSpc>
-                <a:spcPct val="115000"/>
-              </a:lnSpc>
-              <a:buFont typeface="Arial" panose="020B0604020202020204" pitchFamily="34" charset="0"/>
-              <a:buChar char="●"/>
-            </a:pPr>
-            <a:r>
-              <a:rPr lang="fr-FR" sz="1600" b="1" dirty="0">
-                <a:solidFill>
-                  <a:srgbClr val="E36C0A"/>
-                </a:solidFill>
-                <a:effectLst/>
-                <a:latin typeface="Arial" panose="020B0604020202020204" pitchFamily="34" charset="0"/>
-                <a:ea typeface="Arial" panose="020B0604020202020204" pitchFamily="34" charset="0"/>
-              </a:rPr>
-              <a:t>pandas </a:t>
-            </a:r>
-            <a:r>
-              <a:rPr lang="fr-FR" sz="1600" b="1" dirty="0">
-                <a:solidFill>
-                  <a:srgbClr val="1155CC"/>
-                </a:solidFill>
-                <a:effectLst/>
-                <a:latin typeface="Arial" panose="020B0604020202020204" pitchFamily="34" charset="0"/>
-                <a:ea typeface="Arial" panose="020B0604020202020204" pitchFamily="34" charset="0"/>
-              </a:rPr>
-              <a:t>.</a:t>
-            </a:r>
-            <a:r>
-              <a:rPr lang="fr-FR" sz="1600" b="1" dirty="0" err="1">
-                <a:solidFill>
-                  <a:srgbClr val="1155CC"/>
-                </a:solidFill>
-                <a:effectLst/>
-                <a:latin typeface="Arial" panose="020B0604020202020204" pitchFamily="34" charset="0"/>
-                <a:ea typeface="Arial" panose="020B0604020202020204" pitchFamily="34" charset="0"/>
-              </a:rPr>
-              <a:t>read_csv</a:t>
-            </a:r>
-            <a:r>
-              <a:rPr lang="fr-FR" sz="1600" dirty="0">
-                <a:effectLst/>
-                <a:latin typeface="Arial" panose="020B0604020202020204" pitchFamily="34" charset="0"/>
-                <a:ea typeface="Arial" panose="020B0604020202020204" pitchFamily="34" charset="0"/>
-              </a:rPr>
-              <a:t> </a:t>
-            </a:r>
-          </a:p>
-          <a:p>
-            <a:pPr marL="342900" lvl="0" indent="-342900" algn="just">
-              <a:lnSpc>
-                <a:spcPct val="115000"/>
-              </a:lnSpc>
-              <a:buFont typeface="Arial" panose="020B0604020202020204" pitchFamily="34" charset="0"/>
-              <a:buChar char="●"/>
-            </a:pPr>
-            <a:r>
-              <a:rPr lang="fr-FR" sz="1600" b="1" u="none" strike="noStrike" dirty="0">
-                <a:effectLst/>
-                <a:latin typeface="Arial" panose="020B0604020202020204" pitchFamily="34" charset="0"/>
-                <a:ea typeface="Arial" panose="020B0604020202020204" pitchFamily="34" charset="0"/>
-              </a:rPr>
-              <a:t>créer de vecteurs / matrices</a:t>
-            </a:r>
-            <a:r>
-              <a:rPr lang="fr-FR" sz="1600" u="none" strike="noStrike" dirty="0">
-                <a:effectLst/>
-                <a:latin typeface="Arial" panose="020B0604020202020204" pitchFamily="34" charset="0"/>
-                <a:ea typeface="Arial" panose="020B0604020202020204" pitchFamily="34" charset="0"/>
-              </a:rPr>
-              <a:t>	</a:t>
-            </a:r>
-          </a:p>
-          <a:p>
-            <a:pPr marL="800100" lvl="1" indent="-342900" algn="just">
-              <a:lnSpc>
-                <a:spcPct val="115000"/>
-              </a:lnSpc>
-              <a:buFont typeface="Arial" panose="020B0604020202020204" pitchFamily="34" charset="0"/>
-              <a:buChar char="●"/>
-            </a:pPr>
-            <a:r>
-              <a:rPr lang="fr-FR" sz="1600" b="1" u="none" strike="noStrike" dirty="0" err="1">
-                <a:solidFill>
-                  <a:srgbClr val="E36C0A"/>
-                </a:solidFill>
-                <a:effectLst/>
-                <a:latin typeface="Arial" panose="020B0604020202020204" pitchFamily="34" charset="0"/>
-                <a:ea typeface="Arial" panose="020B0604020202020204" pitchFamily="34" charset="0"/>
-              </a:rPr>
-              <a:t>numpy</a:t>
-            </a:r>
-            <a:r>
-              <a:rPr lang="fr-FR" sz="1600" b="1" u="none" strike="noStrike" dirty="0">
-                <a:solidFill>
-                  <a:srgbClr val="1155CC"/>
-                </a:solidFill>
-                <a:effectLst/>
-                <a:latin typeface="Arial" panose="020B0604020202020204" pitchFamily="34" charset="0"/>
-                <a:ea typeface="Arial" panose="020B0604020202020204" pitchFamily="34" charset="0"/>
-              </a:rPr>
-              <a:t>  .</a:t>
-            </a:r>
-            <a:r>
-              <a:rPr lang="fr-FR" sz="1600" b="1" u="none" strike="noStrike" dirty="0" err="1">
-                <a:solidFill>
-                  <a:srgbClr val="1155CC"/>
-                </a:solidFill>
-                <a:effectLst/>
-                <a:latin typeface="Arial" panose="020B0604020202020204" pitchFamily="34" charset="0"/>
-                <a:ea typeface="Arial" panose="020B0604020202020204" pitchFamily="34" charset="0"/>
-              </a:rPr>
-              <a:t>linspace</a:t>
-            </a:r>
-            <a:r>
-              <a:rPr lang="fr-FR" sz="1600" b="1" u="none" strike="noStrike" dirty="0">
-                <a:solidFill>
-                  <a:srgbClr val="1155CC"/>
-                </a:solidFill>
-                <a:effectLst/>
-                <a:latin typeface="Arial" panose="020B0604020202020204" pitchFamily="34" charset="0"/>
-                <a:ea typeface="Arial" panose="020B0604020202020204" pitchFamily="34" charset="0"/>
-              </a:rPr>
-              <a:t>  .</a:t>
-            </a:r>
-            <a:r>
-              <a:rPr lang="fr-FR" sz="1600" b="1" u="none" strike="noStrike" dirty="0" err="1">
-                <a:solidFill>
-                  <a:srgbClr val="1155CC"/>
-                </a:solidFill>
-                <a:effectLst/>
-                <a:latin typeface="Arial" panose="020B0604020202020204" pitchFamily="34" charset="0"/>
-                <a:ea typeface="Arial" panose="020B0604020202020204" pitchFamily="34" charset="0"/>
-              </a:rPr>
-              <a:t>logspace</a:t>
-            </a:r>
-            <a:endParaRPr lang="fr-FR" sz="1600" b="1" u="none" strike="noStrike" dirty="0">
-              <a:solidFill>
-                <a:srgbClr val="1155CC"/>
-              </a:solidFill>
-              <a:effectLst/>
-              <a:latin typeface="Arial" panose="020B0604020202020204" pitchFamily="34" charset="0"/>
-              <a:ea typeface="Arial" panose="020B0604020202020204" pitchFamily="34" charset="0"/>
-            </a:endParaRPr>
-          </a:p>
-          <a:p>
-            <a:pPr marL="800100" lvl="1" indent="-342900" algn="just">
-              <a:lnSpc>
-                <a:spcPct val="115000"/>
-              </a:lnSpc>
-              <a:buFont typeface="Arial" panose="020B0604020202020204" pitchFamily="34" charset="0"/>
-              <a:buChar char="●"/>
-            </a:pPr>
-            <a:r>
-              <a:rPr lang="fr-FR" sz="1600" b="1" dirty="0" err="1">
-                <a:solidFill>
-                  <a:srgbClr val="E36C0A"/>
-                </a:solidFill>
-                <a:effectLst/>
-                <a:latin typeface="Arial" panose="020B0604020202020204" pitchFamily="34" charset="0"/>
-                <a:ea typeface="Arial" panose="020B0604020202020204" pitchFamily="34" charset="0"/>
-              </a:rPr>
-              <a:t>numpy</a:t>
-            </a:r>
-            <a:r>
-              <a:rPr lang="fr-FR" sz="1600" b="1" dirty="0">
-                <a:solidFill>
-                  <a:srgbClr val="1155CC"/>
-                </a:solidFill>
-                <a:effectLst/>
-                <a:latin typeface="Arial" panose="020B0604020202020204" pitchFamily="34" charset="0"/>
-                <a:ea typeface="Arial" panose="020B0604020202020204" pitchFamily="34" charset="0"/>
-              </a:rPr>
-              <a:t>  .</a:t>
-            </a:r>
-            <a:r>
-              <a:rPr lang="fr-FR" sz="1600" b="1" dirty="0" err="1">
-                <a:solidFill>
-                  <a:srgbClr val="1155CC"/>
-                </a:solidFill>
-                <a:effectLst/>
-                <a:latin typeface="Arial" panose="020B0604020202020204" pitchFamily="34" charset="0"/>
-                <a:ea typeface="Arial" panose="020B0604020202020204" pitchFamily="34" charset="0"/>
-              </a:rPr>
-              <a:t>ones</a:t>
-            </a:r>
-            <a:r>
-              <a:rPr lang="fr-FR" sz="1600" b="1" dirty="0">
-                <a:solidFill>
-                  <a:srgbClr val="1155CC"/>
-                </a:solidFill>
-                <a:effectLst/>
-                <a:latin typeface="Arial" panose="020B0604020202020204" pitchFamily="34" charset="0"/>
-                <a:ea typeface="Arial" panose="020B0604020202020204" pitchFamily="34" charset="0"/>
-              </a:rPr>
-              <a:t>   .</a:t>
-            </a:r>
-            <a:r>
-              <a:rPr lang="fr-FR" sz="1600" b="1" dirty="0" err="1">
-                <a:solidFill>
-                  <a:srgbClr val="1155CC"/>
-                </a:solidFill>
-                <a:effectLst/>
-                <a:latin typeface="Arial" panose="020B0604020202020204" pitchFamily="34" charset="0"/>
-                <a:ea typeface="Arial" panose="020B0604020202020204" pitchFamily="34" charset="0"/>
-              </a:rPr>
-              <a:t>zeros</a:t>
-            </a:r>
-            <a:endParaRPr lang="fr-FR" sz="1600" b="1" dirty="0">
-              <a:solidFill>
-                <a:srgbClr val="1155CC"/>
-              </a:solidFill>
-              <a:effectLst/>
-              <a:latin typeface="Arial" panose="020B0604020202020204" pitchFamily="34" charset="0"/>
-              <a:ea typeface="Arial" panose="020B0604020202020204" pitchFamily="34" charset="0"/>
-            </a:endParaRPr>
-          </a:p>
-          <a:p>
-            <a:pPr marL="342900" indent="-342900" algn="just">
-              <a:lnSpc>
-                <a:spcPct val="115000"/>
-              </a:lnSpc>
-              <a:buFont typeface="Arial" panose="020B0604020202020204" pitchFamily="34" charset="0"/>
-              <a:buChar char="●"/>
-            </a:pPr>
-            <a:r>
-              <a:rPr lang="fr-FR" sz="1600" b="1" u="none" strike="noStrike" dirty="0">
-                <a:effectLst/>
-                <a:latin typeface="Arial" panose="020B0604020202020204" pitchFamily="34" charset="0"/>
-                <a:ea typeface="Arial" panose="020B0604020202020204" pitchFamily="34" charset="0"/>
-              </a:rPr>
-              <a:t>afficher des figures</a:t>
-            </a:r>
-            <a:r>
-              <a:rPr lang="fr-FR" sz="1600" u="none" strike="noStrike" dirty="0">
-                <a:effectLst/>
-                <a:latin typeface="Arial" panose="020B0604020202020204" pitchFamily="34" charset="0"/>
-                <a:ea typeface="Arial" panose="020B0604020202020204" pitchFamily="34" charset="0"/>
-              </a:rPr>
-              <a:t>	</a:t>
-            </a:r>
-          </a:p>
-          <a:p>
-            <a:pPr marL="800100" lvl="1" indent="-342900" algn="just">
-              <a:lnSpc>
-                <a:spcPct val="115000"/>
-              </a:lnSpc>
-              <a:buFont typeface="Arial" panose="020B0604020202020204" pitchFamily="34" charset="0"/>
-              <a:buChar char="●"/>
-            </a:pPr>
-            <a:r>
-              <a:rPr lang="fr-FR" sz="1600" b="1" u="none" strike="noStrike" dirty="0" err="1">
-                <a:solidFill>
-                  <a:srgbClr val="E36C0A"/>
-                </a:solidFill>
-                <a:effectLst/>
-                <a:latin typeface="Arial" panose="020B0604020202020204" pitchFamily="34" charset="0"/>
-                <a:ea typeface="Arial" panose="020B0604020202020204" pitchFamily="34" charset="0"/>
-              </a:rPr>
-              <a:t>pyplot</a:t>
-            </a:r>
-            <a:r>
-              <a:rPr lang="fr-FR" sz="1600" b="1" u="none" strike="noStrike" dirty="0">
-                <a:solidFill>
-                  <a:srgbClr val="1155CC"/>
-                </a:solidFill>
-                <a:effectLst/>
-                <a:latin typeface="Arial" panose="020B0604020202020204" pitchFamily="34" charset="0"/>
-                <a:ea typeface="Arial" panose="020B0604020202020204" pitchFamily="34" charset="0"/>
-              </a:rPr>
-              <a:t>  .figure  .plot  .</a:t>
-            </a:r>
-            <a:r>
-              <a:rPr lang="fr-FR" sz="1600" b="1" u="none" strike="noStrike" dirty="0" err="1">
-                <a:solidFill>
-                  <a:srgbClr val="1155CC"/>
-                </a:solidFill>
-                <a:effectLst/>
-                <a:latin typeface="Arial" panose="020B0604020202020204" pitchFamily="34" charset="0"/>
-                <a:ea typeface="Arial" panose="020B0604020202020204" pitchFamily="34" charset="0"/>
-              </a:rPr>
-              <a:t>title</a:t>
-            </a:r>
-            <a:r>
-              <a:rPr lang="fr-FR" sz="1600" b="1" u="none" strike="noStrike" dirty="0">
-                <a:solidFill>
-                  <a:srgbClr val="1155CC"/>
-                </a:solidFill>
-                <a:effectLst/>
-                <a:latin typeface="Arial" panose="020B0604020202020204" pitchFamily="34" charset="0"/>
-                <a:ea typeface="Arial" panose="020B0604020202020204" pitchFamily="34" charset="0"/>
-              </a:rPr>
-              <a:t>  </a:t>
-            </a:r>
-            <a:r>
-              <a:rPr lang="fr-FR" sz="1600" b="1" dirty="0">
-                <a:solidFill>
-                  <a:srgbClr val="1155CC"/>
-                </a:solidFill>
-                <a:effectLst/>
-                <a:latin typeface="Arial" panose="020B0604020202020204" pitchFamily="34" charset="0"/>
-                <a:ea typeface="Arial" panose="020B0604020202020204" pitchFamily="34" charset="0"/>
-              </a:rPr>
-              <a:t>.</a:t>
-            </a:r>
-            <a:r>
-              <a:rPr lang="fr-FR" sz="1600" b="1" dirty="0" err="1">
-                <a:solidFill>
-                  <a:srgbClr val="1155CC"/>
-                </a:solidFill>
-                <a:effectLst/>
-                <a:latin typeface="Arial" panose="020B0604020202020204" pitchFamily="34" charset="0"/>
-                <a:ea typeface="Arial" panose="020B0604020202020204" pitchFamily="34" charset="0"/>
-              </a:rPr>
-              <a:t>xlabel</a:t>
-            </a:r>
-            <a:r>
-              <a:rPr lang="fr-FR" sz="1600" b="1" dirty="0">
-                <a:solidFill>
-                  <a:srgbClr val="1155CC"/>
-                </a:solidFill>
-                <a:effectLst/>
-                <a:latin typeface="Arial" panose="020B0604020202020204" pitchFamily="34" charset="0"/>
-                <a:ea typeface="Arial" panose="020B0604020202020204" pitchFamily="34" charset="0"/>
-              </a:rPr>
-              <a:t> .</a:t>
-            </a:r>
-            <a:r>
-              <a:rPr lang="fr-FR" sz="1600" b="1" dirty="0" err="1">
-                <a:solidFill>
-                  <a:srgbClr val="1155CC"/>
-                </a:solidFill>
-                <a:effectLst/>
-                <a:latin typeface="Arial" panose="020B0604020202020204" pitchFamily="34" charset="0"/>
-                <a:ea typeface="Arial" panose="020B0604020202020204" pitchFamily="34" charset="0"/>
-              </a:rPr>
-              <a:t>ylabel</a:t>
-            </a:r>
-            <a:r>
-              <a:rPr lang="fr-FR" sz="1600" b="1" dirty="0">
-                <a:solidFill>
-                  <a:srgbClr val="1155CC"/>
-                </a:solidFill>
-                <a:effectLst/>
-                <a:latin typeface="Arial" panose="020B0604020202020204" pitchFamily="34" charset="0"/>
-                <a:ea typeface="Arial" panose="020B0604020202020204" pitchFamily="34" charset="0"/>
-              </a:rPr>
-              <a:t> .</a:t>
-            </a:r>
-            <a:r>
-              <a:rPr lang="fr-FR" sz="1600" b="1" dirty="0" err="1">
-                <a:solidFill>
-                  <a:srgbClr val="1155CC"/>
-                </a:solidFill>
-                <a:effectLst/>
-                <a:latin typeface="Arial" panose="020B0604020202020204" pitchFamily="34" charset="0"/>
-                <a:ea typeface="Arial" panose="020B0604020202020204" pitchFamily="34" charset="0"/>
-              </a:rPr>
-              <a:t>legend</a:t>
-            </a:r>
-            <a:r>
-              <a:rPr lang="fr-FR" sz="1600" dirty="0">
-                <a:effectLst/>
-                <a:latin typeface="Arial" panose="020B0604020202020204" pitchFamily="34" charset="0"/>
-                <a:ea typeface="Arial" panose="020B0604020202020204" pitchFamily="34" charset="0"/>
-              </a:rPr>
-              <a:t> </a:t>
-            </a:r>
-          </a:p>
-          <a:p>
-            <a:pPr marL="342900" lvl="0" indent="-342900" algn="just">
-              <a:lnSpc>
-                <a:spcPct val="115000"/>
-              </a:lnSpc>
-              <a:buFont typeface="Arial" panose="020B0604020202020204" pitchFamily="34" charset="0"/>
-              <a:buChar char="●"/>
-            </a:pPr>
-            <a:r>
-              <a:rPr lang="fr-FR" sz="1600" b="1" u="none" strike="noStrike" dirty="0">
-                <a:effectLst/>
-                <a:latin typeface="Arial" panose="020B0604020202020204" pitchFamily="34" charset="0"/>
-                <a:ea typeface="Arial" panose="020B0604020202020204" pitchFamily="34" charset="0"/>
-              </a:rPr>
-              <a:t>calculer la FFT</a:t>
-            </a:r>
-          </a:p>
-          <a:p>
-            <a:pPr marL="800100" lvl="1" indent="-342900" algn="just">
-              <a:lnSpc>
-                <a:spcPct val="115000"/>
-              </a:lnSpc>
-              <a:buFont typeface="Arial" panose="020B0604020202020204" pitchFamily="34" charset="0"/>
-              <a:buChar char="●"/>
-            </a:pPr>
-            <a:r>
-              <a:rPr lang="fr-FR" sz="1600" b="1" u="none" strike="noStrike" dirty="0" err="1">
-                <a:solidFill>
-                  <a:srgbClr val="E36C0A"/>
-                </a:solidFill>
-                <a:effectLst/>
-                <a:latin typeface="Arial" panose="020B0604020202020204" pitchFamily="34" charset="0"/>
-                <a:ea typeface="Arial" panose="020B0604020202020204" pitchFamily="34" charset="0"/>
-              </a:rPr>
-              <a:t>numpy</a:t>
-            </a:r>
-            <a:r>
-              <a:rPr lang="fr-FR" sz="1600" b="1" u="none" strike="noStrike" dirty="0">
-                <a:solidFill>
-                  <a:srgbClr val="1155CC"/>
-                </a:solidFill>
-                <a:effectLst/>
-                <a:latin typeface="Arial" panose="020B0604020202020204" pitchFamily="34" charset="0"/>
-                <a:ea typeface="Arial" panose="020B0604020202020204" pitchFamily="34" charset="0"/>
-              </a:rPr>
-              <a:t>  .</a:t>
-            </a:r>
-            <a:r>
-              <a:rPr lang="fr-FR" sz="1600" b="1" u="none" strike="noStrike" dirty="0" err="1">
-                <a:solidFill>
-                  <a:srgbClr val="1155CC"/>
-                </a:solidFill>
-                <a:effectLst/>
-                <a:latin typeface="Arial" panose="020B0604020202020204" pitchFamily="34" charset="0"/>
-                <a:ea typeface="Arial" panose="020B0604020202020204" pitchFamily="34" charset="0"/>
-              </a:rPr>
-              <a:t>fft.fft</a:t>
-            </a:r>
-            <a:r>
-              <a:rPr lang="fr-FR" sz="1600" b="1" u="none" strike="noStrike" dirty="0">
-                <a:solidFill>
-                  <a:srgbClr val="1155CC"/>
-                </a:solidFill>
-                <a:effectLst/>
-                <a:latin typeface="Arial" panose="020B0604020202020204" pitchFamily="34" charset="0"/>
-                <a:ea typeface="Arial" panose="020B0604020202020204" pitchFamily="34" charset="0"/>
-              </a:rPr>
-              <a:t>    .</a:t>
-            </a:r>
-            <a:r>
-              <a:rPr lang="fr-FR" sz="1600" b="1" u="none" strike="noStrike" dirty="0" err="1">
-                <a:solidFill>
-                  <a:srgbClr val="1155CC"/>
-                </a:solidFill>
-                <a:effectLst/>
-                <a:latin typeface="Arial" panose="020B0604020202020204" pitchFamily="34" charset="0"/>
-                <a:ea typeface="Arial" panose="020B0604020202020204" pitchFamily="34" charset="0"/>
-              </a:rPr>
-              <a:t>fft.fftshift</a:t>
-            </a:r>
-            <a:endParaRPr lang="fr-FR" sz="1600" b="1" dirty="0"/>
+              <a:t>Etape 4</a:t>
+            </a:r>
+            <a:r>
+              <a:rPr lang="fr-FR" sz="2000" b="1" dirty="0"/>
+              <a:t> : Démoduler un signal quelconque</a:t>
+            </a:r>
           </a:p>
         </p:txBody>
       </p:sp>
     </p:spTree>
     <p:extLst>
       <p:ext uri="{BB962C8B-B14F-4D97-AF65-F5344CB8AC3E}">
-        <p14:creationId xmlns:p14="http://schemas.microsoft.com/office/powerpoint/2010/main" val="673778926"/>
+        <p14:creationId xmlns:p14="http://schemas.microsoft.com/office/powerpoint/2010/main" val="2689497116"/>
       </p:ext>
     </p:extLst>
   </p:cSld>
@@ -8011,7 +10678,7 @@
           <a:p>
             <a:r>
               <a:rPr lang="fr-FR" dirty="0"/>
-              <a:t>Fichiers à analyser</a:t>
+              <a:t>Evaluation</a:t>
             </a:r>
           </a:p>
         </p:txBody>
@@ -8054,10 +10721,10 @@
       </p:pic>
       <p:sp>
         <p:nvSpPr>
-          <p:cNvPr id="4" name="Espace réservé du contenu 3">
-            <a:extLst>
-              <a:ext uri="{FF2B5EF4-FFF2-40B4-BE49-F238E27FC236}">
-                <a16:creationId xmlns:a16="http://schemas.microsoft.com/office/drawing/2014/main" id="{065D7787-5672-CB74-A1C6-896A93BE6AF3}"/>
+          <p:cNvPr id="7" name="Espace réservé du contenu 6">
+            <a:extLst>
+              <a:ext uri="{FF2B5EF4-FFF2-40B4-BE49-F238E27FC236}">
+                <a16:creationId xmlns:a16="http://schemas.microsoft.com/office/drawing/2014/main" id="{96119062-CBB4-87F4-D29F-DBE631A23655}"/>
               </a:ext>
             </a:extLst>
           </p:cNvPr>
@@ -8068,40 +10735,295 @@
             <p:ph sz="half" idx="1"/>
           </p:nvPr>
         </p:nvSpPr>
-        <p:spPr/>
-        <p:txBody>
-          <a:bodyPr/>
-          <a:lstStyle/>
-          <a:p>
-            <a:r>
-              <a:rPr lang="fr-FR" dirty="0"/>
-              <a:t>B3_data_01.csv</a:t>
-            </a:r>
-          </a:p>
-          <a:p>
-            <a:pPr lvl="1"/>
-            <a:r>
-              <a:rPr lang="fr-FR" dirty="0"/>
-              <a:t>modulante sinusoïdale</a:t>
-            </a:r>
-          </a:p>
-          <a:p>
-            <a:endParaRPr lang="fr-FR" dirty="0"/>
-          </a:p>
-          <a:p>
-            <a:r>
-              <a:rPr lang="fr-FR" dirty="0"/>
-              <a:t>B3_data_02.csv</a:t>
-            </a:r>
-          </a:p>
-        </p:txBody>
-      </p:sp>
+        <p:spPr>
+          <a:xfrm>
+            <a:off x="1115567" y="2478024"/>
+            <a:ext cx="10584820" cy="3694176"/>
+          </a:xfrm>
+        </p:spPr>
+        <p:txBody>
+          <a:bodyPr>
+            <a:normAutofit/>
+          </a:bodyPr>
+          <a:lstStyle/>
+          <a:p>
+            <a:r>
+              <a:rPr lang="fr-FR" sz="2000" b="1" dirty="0"/>
+              <a:t>Auto-Evaluation du travail</a:t>
+            </a:r>
+          </a:p>
+        </p:txBody>
+      </p:sp>
+      <p:pic>
+        <p:nvPicPr>
+          <p:cNvPr id="10" name="Image 9">
+            <a:extLst>
+              <a:ext uri="{FF2B5EF4-FFF2-40B4-BE49-F238E27FC236}">
+                <a16:creationId xmlns:a16="http://schemas.microsoft.com/office/drawing/2014/main" id="{1D06E8E0-9D1D-812E-12DC-DA74680A575B}"/>
+              </a:ext>
+            </a:extLst>
+          </p:cNvPr>
+          <p:cNvPicPr>
+            <a:picLocks noChangeAspect="1"/>
+          </p:cNvPicPr>
+          <p:nvPr/>
+        </p:nvPicPr>
+        <p:blipFill>
+          <a:blip r:embed="rId3"/>
+          <a:stretch>
+            <a:fillRect/>
+          </a:stretch>
+        </p:blipFill>
+        <p:spPr>
+          <a:xfrm>
+            <a:off x="1115567" y="2880662"/>
+            <a:ext cx="2083920" cy="2936255"/>
+          </a:xfrm>
+          <a:prstGeom prst="rect">
+            <a:avLst/>
+          </a:prstGeom>
+        </p:spPr>
+      </p:pic>
+      <p:sp>
+        <p:nvSpPr>
+          <p:cNvPr id="11" name="CustomShape 3">
+            <a:extLst>
+              <a:ext uri="{FF2B5EF4-FFF2-40B4-BE49-F238E27FC236}">
+                <a16:creationId xmlns:a16="http://schemas.microsoft.com/office/drawing/2014/main" id="{899C94FC-10AB-E4B3-84B0-AABE54FA3D33}"/>
+              </a:ext>
+            </a:extLst>
+          </p:cNvPr>
+          <p:cNvSpPr/>
+          <p:nvPr/>
+        </p:nvSpPr>
+        <p:spPr>
+          <a:xfrm>
+            <a:off x="4561181" y="4668160"/>
+            <a:ext cx="2459052" cy="677108"/>
+          </a:xfrm>
+          <a:prstGeom prst="rect">
+            <a:avLst/>
+          </a:prstGeom>
+          <a:solidFill>
+            <a:schemeClr val="accent4">
+              <a:lumMod val="60000"/>
+              <a:lumOff val="40000"/>
+            </a:schemeClr>
+          </a:solidFill>
+          <a:ln w="0">
+            <a:noFill/>
+          </a:ln>
+        </p:spPr>
+        <p:style>
+          <a:lnRef idx="0">
+            <a:scrgbClr r="0" g="0" b="0"/>
+          </a:lnRef>
+          <a:fillRef idx="0">
+            <a:scrgbClr r="0" g="0" b="0"/>
+          </a:fillRef>
+          <a:effectRef idx="0">
+            <a:scrgbClr r="0" g="0" b="0"/>
+          </a:effectRef>
+          <a:fontRef idx="minor"/>
+        </p:style>
+        <p:txBody>
+          <a:bodyPr wrap="square" tIns="91440" bIns="91440">
+            <a:spAutoFit/>
+          </a:bodyPr>
+          <a:lstStyle/>
+          <a:p>
+            <a:pPr algn="ctr">
+              <a:lnSpc>
+                <a:spcPct val="100000"/>
+              </a:lnSpc>
+              <a:tabLst>
+                <a:tab pos="0" algn="l"/>
+              </a:tabLst>
+            </a:pPr>
+            <a:r>
+              <a:rPr lang="fr-FR" sz="1600" b="0" strike="noStrike" spc="-1" dirty="0">
+                <a:solidFill>
+                  <a:schemeClr val="tx2"/>
+                </a:solidFill>
+                <a:latin typeface="Arial"/>
+              </a:rPr>
+              <a:t>Mise en œuvre numérique</a:t>
+            </a:r>
+          </a:p>
+        </p:txBody>
+      </p:sp>
+      <p:sp>
+        <p:nvSpPr>
+          <p:cNvPr id="12" name="CustomShape 3">
+            <a:extLst>
+              <a:ext uri="{FF2B5EF4-FFF2-40B4-BE49-F238E27FC236}">
+                <a16:creationId xmlns:a16="http://schemas.microsoft.com/office/drawing/2014/main" id="{C05628E1-986A-6E67-5CCF-5CD8338258BD}"/>
+              </a:ext>
+            </a:extLst>
+          </p:cNvPr>
+          <p:cNvSpPr/>
+          <p:nvPr/>
+        </p:nvSpPr>
+        <p:spPr>
+          <a:xfrm>
+            <a:off x="4561181" y="5465697"/>
+            <a:ext cx="2459052" cy="430887"/>
+          </a:xfrm>
+          <a:prstGeom prst="rect">
+            <a:avLst/>
+          </a:prstGeom>
+          <a:solidFill>
+            <a:schemeClr val="accent4">
+              <a:lumMod val="60000"/>
+              <a:lumOff val="40000"/>
+            </a:schemeClr>
+          </a:solidFill>
+          <a:ln w="0">
+            <a:noFill/>
+          </a:ln>
+        </p:spPr>
+        <p:style>
+          <a:lnRef idx="0">
+            <a:scrgbClr r="0" g="0" b="0"/>
+          </a:lnRef>
+          <a:fillRef idx="0">
+            <a:scrgbClr r="0" g="0" b="0"/>
+          </a:fillRef>
+          <a:effectRef idx="0">
+            <a:scrgbClr r="0" g="0" b="0"/>
+          </a:effectRef>
+          <a:fontRef idx="minor"/>
+        </p:style>
+        <p:txBody>
+          <a:bodyPr wrap="square" tIns="91440" bIns="91440">
+            <a:spAutoFit/>
+          </a:bodyPr>
+          <a:lstStyle/>
+          <a:p>
+            <a:pPr algn="ctr">
+              <a:lnSpc>
+                <a:spcPct val="100000"/>
+              </a:lnSpc>
+              <a:tabLst>
+                <a:tab pos="0" algn="l"/>
+              </a:tabLst>
+            </a:pPr>
+            <a:r>
+              <a:rPr lang="fr-FR" sz="1600" b="0" strike="noStrike" spc="-1" dirty="0">
+                <a:solidFill>
+                  <a:schemeClr val="tx2"/>
+                </a:solidFill>
+                <a:latin typeface="Arial"/>
+              </a:rPr>
+              <a:t>Lien avec la physique</a:t>
+            </a:r>
+          </a:p>
+        </p:txBody>
+      </p:sp>
+      <p:sp>
+        <p:nvSpPr>
+          <p:cNvPr id="13" name="CustomShape 3">
+            <a:extLst>
+              <a:ext uri="{FF2B5EF4-FFF2-40B4-BE49-F238E27FC236}">
+                <a16:creationId xmlns:a16="http://schemas.microsoft.com/office/drawing/2014/main" id="{E39A9320-7D0B-6D7F-A05C-3B25041AF98E}"/>
+              </a:ext>
+            </a:extLst>
+          </p:cNvPr>
+          <p:cNvSpPr/>
+          <p:nvPr/>
+        </p:nvSpPr>
+        <p:spPr>
+          <a:xfrm>
+            <a:off x="4561181" y="4116844"/>
+            <a:ext cx="2459052" cy="430887"/>
+          </a:xfrm>
+          <a:prstGeom prst="rect">
+            <a:avLst/>
+          </a:prstGeom>
+          <a:solidFill>
+            <a:schemeClr val="accent4">
+              <a:lumMod val="60000"/>
+              <a:lumOff val="40000"/>
+            </a:schemeClr>
+          </a:solidFill>
+          <a:ln w="0">
+            <a:noFill/>
+          </a:ln>
+        </p:spPr>
+        <p:style>
+          <a:lnRef idx="0">
+            <a:scrgbClr r="0" g="0" b="0"/>
+          </a:lnRef>
+          <a:fillRef idx="0">
+            <a:scrgbClr r="0" g="0" b="0"/>
+          </a:fillRef>
+          <a:effectRef idx="0">
+            <a:scrgbClr r="0" g="0" b="0"/>
+          </a:effectRef>
+          <a:fontRef idx="minor"/>
+        </p:style>
+        <p:txBody>
+          <a:bodyPr wrap="square" tIns="91440" bIns="91440">
+            <a:spAutoFit/>
+          </a:bodyPr>
+          <a:lstStyle/>
+          <a:p>
+            <a:pPr algn="ctr">
+              <a:lnSpc>
+                <a:spcPct val="100000"/>
+              </a:lnSpc>
+              <a:tabLst>
+                <a:tab pos="0" algn="l"/>
+              </a:tabLst>
+            </a:pPr>
+            <a:r>
+              <a:rPr lang="fr-FR" sz="1600" b="0" strike="noStrike" spc="-1" dirty="0">
+                <a:solidFill>
+                  <a:schemeClr val="tx2"/>
+                </a:solidFill>
+                <a:latin typeface="Arial"/>
+              </a:rPr>
+              <a:t>Analyse du sujet</a:t>
+            </a:r>
+          </a:p>
+        </p:txBody>
+      </p:sp>
+      <p:pic>
+        <p:nvPicPr>
+          <p:cNvPr id="4" name="Image 3">
+            <a:extLst>
+              <a:ext uri="{FF2B5EF4-FFF2-40B4-BE49-F238E27FC236}">
+                <a16:creationId xmlns:a16="http://schemas.microsoft.com/office/drawing/2014/main" id="{BE59BF61-868F-680B-D99E-12024514E70F}"/>
+              </a:ext>
+            </a:extLst>
+          </p:cNvPr>
+          <p:cNvPicPr>
+            <a:picLocks noChangeAspect="1"/>
+          </p:cNvPicPr>
+          <p:nvPr/>
+        </p:nvPicPr>
+        <p:blipFill>
+          <a:blip r:embed="rId4"/>
+          <a:stretch>
+            <a:fillRect/>
+          </a:stretch>
+        </p:blipFill>
+        <p:spPr>
+          <a:xfrm>
+            <a:off x="8146661" y="2123636"/>
+            <a:ext cx="3553726" cy="4722074"/>
+          </a:xfrm>
+          <a:prstGeom prst="rect">
+            <a:avLst/>
+          </a:prstGeom>
+        </p:spPr>
+      </p:pic>
       <p:sp>
         <p:nvSpPr>
           <p:cNvPr id="8" name="ZoneTexte 7">
             <a:extLst>
               <a:ext uri="{FF2B5EF4-FFF2-40B4-BE49-F238E27FC236}">
-                <a16:creationId xmlns:a16="http://schemas.microsoft.com/office/drawing/2014/main" id="{68758EE3-AB7D-E7C8-90BD-77D1155B966A}"/>
+                <a16:creationId xmlns:a16="http://schemas.microsoft.com/office/drawing/2014/main" id="{2F8DDC0A-7585-8CBE-9ED2-C787845E64C5}"/>
               </a:ext>
             </a:extLst>
           </p:cNvPr>
@@ -8110,8 +11032,8 @@
         </p:nvSpPr>
         <p:spPr>
           <a:xfrm>
-            <a:off x="5378244" y="5319318"/>
-            <a:ext cx="6096000" cy="461665"/>
+            <a:off x="3471145" y="3242212"/>
+            <a:ext cx="6096000" cy="707886"/>
           </a:xfrm>
           <a:prstGeom prst="rect">
             <a:avLst/>
@@ -8124,22 +11046,28 @@
           </a:bodyPr>
           <a:lstStyle/>
           <a:p>
-            <a:r>
-              <a:rPr lang="fr-FR" sz="2400" dirty="0">
-                <a:solidFill>
-                  <a:srgbClr val="00B0F0"/>
-                </a:solidFill>
-                <a:latin typeface="Bahnschrift SemiBold" panose="020B0502040204020203" pitchFamily="34" charset="0"/>
-              </a:rPr>
-              <a:t>http://lense.institutoptique.fr/outils_nums/</a:t>
-            </a:r>
+            <a:pPr marL="342900" indent="-342900">
+              <a:buFont typeface="Arial" panose="020B0604020202020204" pitchFamily="34" charset="0"/>
+              <a:buChar char="•"/>
+            </a:pPr>
+            <a:r>
+              <a:rPr lang="fr-FR" sz="2000" b="1" dirty="0"/>
+              <a:t>Evaluation en séances 3 et 4</a:t>
+            </a:r>
+          </a:p>
+          <a:p>
+            <a:pPr marL="342900" indent="-342900">
+              <a:buFontTx/>
+              <a:buChar char="-"/>
+            </a:pPr>
+            <a:endParaRPr lang="fr-FR" sz="2000" b="1" dirty="0"/>
           </a:p>
         </p:txBody>
       </p:sp>
     </p:spTree>
     <p:extLst>
       <p:ext uri="{BB962C8B-B14F-4D97-AF65-F5344CB8AC3E}">
-        <p14:creationId xmlns:p14="http://schemas.microsoft.com/office/powerpoint/2010/main" val="2996629881"/>
+        <p14:creationId xmlns:p14="http://schemas.microsoft.com/office/powerpoint/2010/main" val="183049405"/>
       </p:ext>
     </p:extLst>
   </p:cSld>
@@ -8189,7 +11117,7 @@
           <a:p>
             <a:r>
               <a:rPr lang="fr-FR" dirty="0"/>
-              <a:t>Rappels sur la modulation d’amplitude</a:t>
+              <a:t>Quelques fonctions intéressantes</a:t>
             </a:r>
           </a:p>
         </p:txBody>
@@ -8232,102 +11160,75 @@
       </p:pic>
       <p:sp>
         <p:nvSpPr>
-          <p:cNvPr id="17" name="ZoneTexte 16">
-            <a:extLst>
-              <a:ext uri="{FF2B5EF4-FFF2-40B4-BE49-F238E27FC236}">
-                <a16:creationId xmlns:a16="http://schemas.microsoft.com/office/drawing/2014/main" id="{2FE2EFB8-5223-2DB3-AC55-87C8590EB7A6}"/>
-              </a:ext>
-            </a:extLst>
-          </p:cNvPr>
-          <p:cNvSpPr txBox="1"/>
-          <p:nvPr/>
-        </p:nvSpPr>
-        <p:spPr>
-          <a:xfrm>
-            <a:off x="757084" y="2317643"/>
-            <a:ext cx="6096000" cy="369332"/>
-          </a:xfrm>
-          <a:prstGeom prst="rect">
-            <a:avLst/>
-          </a:prstGeom>
-          <a:noFill/>
-        </p:spPr>
-        <p:txBody>
-          <a:bodyPr wrap="square">
-            <a:spAutoFit/>
+          <p:cNvPr id="7" name="Espace réservé du contenu 6">
+            <a:extLst>
+              <a:ext uri="{FF2B5EF4-FFF2-40B4-BE49-F238E27FC236}">
+                <a16:creationId xmlns:a16="http://schemas.microsoft.com/office/drawing/2014/main" id="{96119062-CBB4-87F4-D29F-DBE631A23655}"/>
+              </a:ext>
+            </a:extLst>
+          </p:cNvPr>
+          <p:cNvSpPr>
+            <a:spLocks noGrp="1"/>
+          </p:cNvSpPr>
+          <p:nvPr>
+            <p:ph sz="half" idx="1"/>
+          </p:nvPr>
+        </p:nvSpPr>
+        <p:spPr>
+          <a:xfrm>
+            <a:off x="2669072" y="2478024"/>
+            <a:ext cx="6219298" cy="3694176"/>
+          </a:xfrm>
+        </p:spPr>
+        <p:txBody>
+          <a:bodyPr>
+            <a:normAutofit/>
           </a:bodyPr>
           <a:lstStyle/>
           <a:p>
-            <a:r>
-              <a:rPr lang="fr-FR" sz="1800" b="1" dirty="0">
+            <a:pPr marL="342900" lvl="0" indent="-342900" algn="just">
+              <a:lnSpc>
+                <a:spcPct val="115000"/>
+              </a:lnSpc>
+              <a:buFont typeface="Arial" panose="020B0604020202020204" pitchFamily="34" charset="0"/>
+              <a:buChar char="●"/>
+            </a:pPr>
+            <a:r>
+              <a:rPr lang="fr-FR" sz="1600" b="1" u="none" strike="noStrike" dirty="0">
+                <a:effectLst/>
+                <a:latin typeface="Arial" panose="020B0604020202020204" pitchFamily="34" charset="0"/>
+                <a:ea typeface="Arial" panose="020B0604020202020204" pitchFamily="34" charset="0"/>
+              </a:rPr>
+              <a:t>lire des fichiers CSV </a:t>
+            </a:r>
+            <a:endParaRPr lang="fr-FR" sz="1600" b="1" dirty="0">
+              <a:latin typeface="Arial" panose="020B0604020202020204" pitchFamily="34" charset="0"/>
+              <a:ea typeface="Arial" panose="020B0604020202020204" pitchFamily="34" charset="0"/>
+            </a:endParaRPr>
+          </a:p>
+          <a:p>
+            <a:pPr marL="800100" lvl="1" indent="-342900" algn="just">
+              <a:lnSpc>
+                <a:spcPct val="115000"/>
+              </a:lnSpc>
+              <a:buFont typeface="Arial" panose="020B0604020202020204" pitchFamily="34" charset="0"/>
+              <a:buChar char="●"/>
+            </a:pPr>
+            <a:r>
+              <a:rPr lang="fr-FR" sz="1600" b="1" u="none" strike="noStrike" dirty="0" err="1">
                 <a:solidFill>
-                  <a:schemeClr val="accent4"/>
+                  <a:srgbClr val="E36C0A"/>
                 </a:solidFill>
                 <a:effectLst/>
                 <a:latin typeface="Arial" panose="020B0604020202020204" pitchFamily="34" charset="0"/>
                 <a:ea typeface="Arial" panose="020B0604020202020204" pitchFamily="34" charset="0"/>
               </a:rPr>
-              <a:t>m(t) = A</a:t>
-            </a:r>
-            <a:r>
-              <a:rPr lang="fr-FR" sz="1800" b="1" baseline="-25000" dirty="0">
+              <a:t>numpy</a:t>
+            </a:r>
+            <a:r>
+              <a:rPr lang="fr-FR" sz="1600" b="1" u="none" strike="noStrike" dirty="0">
                 <a:solidFill>
-                  <a:schemeClr val="accent4"/>
-                </a:solidFill>
-                <a:effectLst/>
-                <a:latin typeface="Arial" panose="020B0604020202020204" pitchFamily="34" charset="0"/>
-                <a:ea typeface="Arial" panose="020B0604020202020204" pitchFamily="34" charset="0"/>
-              </a:rPr>
-              <a:t>m</a:t>
-            </a:r>
-            <a:r>
-              <a:rPr lang="fr-FR" sz="1800" b="1" dirty="0">
-                <a:solidFill>
-                  <a:schemeClr val="accent4"/>
-                </a:solidFill>
-                <a:effectLst/>
-                <a:latin typeface="Arial" panose="020B0604020202020204" pitchFamily="34" charset="0"/>
-                <a:ea typeface="Arial" panose="020B0604020202020204" pitchFamily="34" charset="0"/>
-              </a:rPr>
-              <a:t> . sin(</a:t>
-            </a:r>
-            <a:r>
-              <a:rPr lang="fr-FR" sz="1800" b="1" dirty="0" err="1">
-                <a:solidFill>
-                  <a:schemeClr val="accent4"/>
-                </a:solidFill>
-                <a:effectLst/>
-                <a:latin typeface="Arial" panose="020B0604020202020204" pitchFamily="34" charset="0"/>
-                <a:ea typeface="Arial" panose="020B0604020202020204" pitchFamily="34" charset="0"/>
-              </a:rPr>
-              <a:t>ω</a:t>
-            </a:r>
-            <a:r>
-              <a:rPr lang="fr-FR" sz="1800" b="1" baseline="-25000" dirty="0" err="1">
-                <a:solidFill>
-                  <a:schemeClr val="accent4"/>
-                </a:solidFill>
-                <a:effectLst/>
-                <a:latin typeface="Arial" panose="020B0604020202020204" pitchFamily="34" charset="0"/>
-                <a:ea typeface="Arial" panose="020B0604020202020204" pitchFamily="34" charset="0"/>
-              </a:rPr>
-              <a:t>m</a:t>
-            </a:r>
-            <a:r>
-              <a:rPr lang="fr-FR" sz="1800" b="1" dirty="0">
-                <a:solidFill>
-                  <a:schemeClr val="accent4"/>
-                </a:solidFill>
-                <a:effectLst/>
-                <a:latin typeface="Arial" panose="020B0604020202020204" pitchFamily="34" charset="0"/>
-                <a:ea typeface="Arial" panose="020B0604020202020204" pitchFamily="34" charset="0"/>
-              </a:rPr>
-              <a:t> .t)</a:t>
-            </a:r>
-            <a:r>
-              <a:rPr lang="fr-FR" sz="1800" dirty="0">
-                <a:solidFill>
-                  <a:schemeClr val="accent4"/>
+                  <a:srgbClr val="E36C0A"/>
                 </a:solidFill>
                 <a:effectLst/>
                 <a:latin typeface="Arial" panose="020B0604020202020204" pitchFamily="34" charset="0"/>
@@ -8336,527 +11237,676 @@
               <a:t> </a:t>
             </a:r>
             <a:r>
-              <a:rPr lang="fr-FR" dirty="0">
-                <a:solidFill>
-                  <a:schemeClr val="accent4"/>
-                </a:solidFill>
-                <a:latin typeface="Arial" panose="020B0604020202020204" pitchFamily="34" charset="0"/>
-                <a:ea typeface="Arial" panose="020B0604020202020204" pitchFamily="34" charset="0"/>
-              </a:rPr>
-              <a:t>                  </a:t>
-            </a:r>
-            <a:r>
-              <a:rPr lang="fr-FR" sz="1800" b="1" dirty="0">
-                <a:solidFill>
-                  <a:srgbClr val="0070C0"/>
-                </a:solidFill>
-                <a:effectLst/>
-                <a:latin typeface="Arial" panose="020B0604020202020204" pitchFamily="34" charset="0"/>
-                <a:ea typeface="Arial" panose="020B0604020202020204" pitchFamily="34" charset="0"/>
-              </a:rPr>
-              <a:t>p(t) = </a:t>
-            </a:r>
-            <a:r>
-              <a:rPr lang="fr-FR" sz="1800" b="1" dirty="0" err="1">
-                <a:solidFill>
-                  <a:srgbClr val="0070C0"/>
-                </a:solidFill>
-                <a:effectLst/>
-                <a:latin typeface="Arial" panose="020B0604020202020204" pitchFamily="34" charset="0"/>
-                <a:ea typeface="Arial" panose="020B0604020202020204" pitchFamily="34" charset="0"/>
-              </a:rPr>
-              <a:t>A</a:t>
-            </a:r>
-            <a:r>
-              <a:rPr lang="fr-FR" b="1" baseline="-25000" dirty="0" err="1">
-                <a:solidFill>
-                  <a:srgbClr val="0070C0"/>
-                </a:solidFill>
-                <a:latin typeface="Arial" panose="020B0604020202020204" pitchFamily="34" charset="0"/>
-                <a:ea typeface="Arial" panose="020B0604020202020204" pitchFamily="34" charset="0"/>
-              </a:rPr>
-              <a:t>c</a:t>
-            </a:r>
-            <a:r>
-              <a:rPr lang="fr-FR" sz="1800" b="1" dirty="0">
-                <a:solidFill>
-                  <a:srgbClr val="0070C0"/>
-                </a:solidFill>
-                <a:effectLst/>
-                <a:latin typeface="Arial" panose="020B0604020202020204" pitchFamily="34" charset="0"/>
-                <a:ea typeface="Arial" panose="020B0604020202020204" pitchFamily="34" charset="0"/>
-              </a:rPr>
-              <a:t> . sin (</a:t>
-            </a:r>
-            <a:r>
-              <a:rPr lang="fr-FR" sz="1800" b="1" dirty="0" err="1">
-                <a:solidFill>
-                  <a:srgbClr val="0070C0"/>
-                </a:solidFill>
-                <a:effectLst/>
-                <a:latin typeface="Arial" panose="020B0604020202020204" pitchFamily="34" charset="0"/>
-                <a:ea typeface="Arial" panose="020B0604020202020204" pitchFamily="34" charset="0"/>
-              </a:rPr>
-              <a:t>ω</a:t>
-            </a:r>
-            <a:r>
-              <a:rPr lang="fr-FR" sz="1800" b="1" baseline="-25000" dirty="0" err="1">
-                <a:solidFill>
-                  <a:srgbClr val="0070C0"/>
-                </a:solidFill>
-                <a:effectLst/>
-                <a:latin typeface="Arial" panose="020B0604020202020204" pitchFamily="34" charset="0"/>
-                <a:ea typeface="Arial" panose="020B0604020202020204" pitchFamily="34" charset="0"/>
-              </a:rPr>
-              <a:t>c</a:t>
-            </a:r>
-            <a:r>
-              <a:rPr lang="fr-FR" sz="1800" b="1" dirty="0">
-                <a:solidFill>
-                  <a:srgbClr val="0070C0"/>
-                </a:solidFill>
-                <a:effectLst/>
-                <a:latin typeface="Arial" panose="020B0604020202020204" pitchFamily="34" charset="0"/>
-                <a:ea typeface="Arial" panose="020B0604020202020204" pitchFamily="34" charset="0"/>
-              </a:rPr>
-              <a:t> . t)</a:t>
-            </a:r>
-            <a:endParaRPr lang="fr-FR" dirty="0">
-              <a:solidFill>
-                <a:srgbClr val="0070C0"/>
-              </a:solidFill>
-            </a:endParaRPr>
-          </a:p>
-        </p:txBody>
-      </p:sp>
-      <p:sp>
-        <p:nvSpPr>
-          <p:cNvPr id="19" name="ZoneTexte 18">
-            <a:extLst>
-              <a:ext uri="{FF2B5EF4-FFF2-40B4-BE49-F238E27FC236}">
-                <a16:creationId xmlns:a16="http://schemas.microsoft.com/office/drawing/2014/main" id="{813663FB-4E81-1D60-66FC-80DE8402CD7F}"/>
-              </a:ext>
-            </a:extLst>
-          </p:cNvPr>
-          <p:cNvSpPr txBox="1"/>
-          <p:nvPr/>
-        </p:nvSpPr>
-        <p:spPr>
-          <a:xfrm>
-            <a:off x="2596844" y="6098600"/>
-            <a:ext cx="3074012" cy="369332"/>
-          </a:xfrm>
-          <a:prstGeom prst="rect">
-            <a:avLst/>
-          </a:prstGeom>
-          <a:solidFill>
-            <a:schemeClr val="bg2"/>
-          </a:solidFill>
-        </p:spPr>
-        <p:txBody>
-          <a:bodyPr wrap="square">
-            <a:spAutoFit/>
-          </a:bodyPr>
-          <a:lstStyle/>
-          <a:p>
-            <a:pPr algn="ctr"/>
-            <a:r>
-              <a:rPr lang="fr-FR" sz="1800" b="1" i="1" dirty="0">
-                <a:effectLst/>
-                <a:latin typeface="Arial" panose="020B0604020202020204" pitchFamily="34" charset="0"/>
-                <a:ea typeface="Arial" panose="020B0604020202020204" pitchFamily="34" charset="0"/>
-              </a:rPr>
-              <a:t>s(t) = ( K . </a:t>
-            </a:r>
-            <a:r>
-              <a:rPr lang="fr-FR" sz="1800" b="1" i="1" dirty="0">
-                <a:solidFill>
-                  <a:schemeClr val="accent4"/>
-                </a:solidFill>
-                <a:effectLst/>
-                <a:latin typeface="Arial" panose="020B0604020202020204" pitchFamily="34" charset="0"/>
-                <a:ea typeface="Arial" panose="020B0604020202020204" pitchFamily="34" charset="0"/>
-              </a:rPr>
-              <a:t>m(t)</a:t>
-            </a:r>
-            <a:r>
-              <a:rPr lang="fr-FR" sz="1800" b="1" i="1" dirty="0">
-                <a:effectLst/>
-                <a:latin typeface="Arial" panose="020B0604020202020204" pitchFamily="34" charset="0"/>
-                <a:ea typeface="Arial" panose="020B0604020202020204" pitchFamily="34" charset="0"/>
-              </a:rPr>
-              <a:t> + 1 ) . </a:t>
-            </a:r>
-            <a:r>
-              <a:rPr lang="fr-FR" sz="1800" b="1" i="1" dirty="0">
-                <a:solidFill>
-                  <a:srgbClr val="0070C0"/>
-                </a:solidFill>
-                <a:effectLst/>
-                <a:latin typeface="Arial" panose="020B0604020202020204" pitchFamily="34" charset="0"/>
-                <a:ea typeface="Arial" panose="020B0604020202020204" pitchFamily="34" charset="0"/>
-              </a:rPr>
-              <a:t>p(t)</a:t>
-            </a:r>
-            <a:r>
-              <a:rPr lang="fr-FR" sz="1800" dirty="0">
-                <a:effectLst/>
-                <a:latin typeface="Arial" panose="020B0604020202020204" pitchFamily="34" charset="0"/>
-                <a:ea typeface="Arial" panose="020B0604020202020204" pitchFamily="34" charset="0"/>
-              </a:rPr>
-              <a:t> </a:t>
-            </a:r>
-            <a:endParaRPr lang="fr-FR" dirty="0"/>
-          </a:p>
-        </p:txBody>
-      </p:sp>
-      <p:sp>
-        <p:nvSpPr>
-          <p:cNvPr id="20" name="Signe de multiplication 19">
-            <a:extLst>
-              <a:ext uri="{FF2B5EF4-FFF2-40B4-BE49-F238E27FC236}">
-                <a16:creationId xmlns:a16="http://schemas.microsoft.com/office/drawing/2014/main" id="{3683F43E-BB88-9A77-7A6A-950374FBB650}"/>
-              </a:ext>
-            </a:extLst>
-          </p:cNvPr>
-          <p:cNvSpPr/>
-          <p:nvPr/>
-        </p:nvSpPr>
-        <p:spPr>
-          <a:xfrm>
-            <a:off x="3392129" y="2122567"/>
-            <a:ext cx="639097" cy="744794"/>
-          </a:xfrm>
-          <a:prstGeom prst="mathMultiply">
-            <a:avLst>
-              <a:gd name="adj1" fmla="val 17366"/>
-            </a:avLst>
-          </a:prstGeom>
-        </p:spPr>
-        <p:style>
-          <a:lnRef idx="2">
-            <a:schemeClr val="accent1">
-              <a:shade val="15000"/>
-            </a:schemeClr>
-          </a:lnRef>
-          <a:fillRef idx="1">
-            <a:schemeClr val="accent1"/>
-          </a:fillRef>
-          <a:effectRef idx="0">
-            <a:schemeClr val="accent1"/>
-          </a:effectRef>
-          <a:fontRef idx="minor">
-            <a:schemeClr val="lt1"/>
-          </a:fontRef>
-        </p:style>
-        <p:txBody>
-          <a:bodyPr rtlCol="0" anchor="ctr"/>
-          <a:lstStyle/>
-          <a:p>
-            <a:pPr algn="ctr"/>
-            <a:endParaRPr lang="fr-FR"/>
-          </a:p>
-        </p:txBody>
-      </p:sp>
-      <p:pic>
-        <p:nvPicPr>
-          <p:cNvPr id="21" name="image4.png">
-            <a:extLst>
-              <a:ext uri="{FF2B5EF4-FFF2-40B4-BE49-F238E27FC236}">
-                <a16:creationId xmlns:a16="http://schemas.microsoft.com/office/drawing/2014/main" id="{F449CC9F-7226-A6E5-A262-ECFCD3E55C11}"/>
-              </a:ext>
-            </a:extLst>
-          </p:cNvPr>
-          <p:cNvPicPr/>
-          <p:nvPr/>
-        </p:nvPicPr>
-        <p:blipFill>
-          <a:blip r:embed="rId3"/>
-          <a:srcRect/>
-          <a:stretch>
-            <a:fillRect/>
-          </a:stretch>
-        </p:blipFill>
-        <p:spPr>
-          <a:xfrm>
-            <a:off x="1034438" y="3144855"/>
-            <a:ext cx="1987550" cy="1165860"/>
-          </a:xfrm>
-          <a:prstGeom prst="rect">
-            <a:avLst/>
-          </a:prstGeom>
-          <a:ln/>
-        </p:spPr>
-      </p:pic>
-      <p:pic>
-        <p:nvPicPr>
-          <p:cNvPr id="22" name="image2.png">
-            <a:extLst>
-              <a:ext uri="{FF2B5EF4-FFF2-40B4-BE49-F238E27FC236}">
-                <a16:creationId xmlns:a16="http://schemas.microsoft.com/office/drawing/2014/main" id="{7A2C245E-CD2E-66F0-6224-3C921E14C76F}"/>
-              </a:ext>
-            </a:extLst>
-          </p:cNvPr>
-          <p:cNvPicPr/>
-          <p:nvPr/>
-        </p:nvPicPr>
-        <p:blipFill>
-          <a:blip r:embed="rId4"/>
-          <a:srcRect/>
-          <a:stretch>
-            <a:fillRect/>
-          </a:stretch>
-        </p:blipFill>
-        <p:spPr>
-          <a:xfrm>
-            <a:off x="3839527" y="3042914"/>
-            <a:ext cx="4512945" cy="1306830"/>
-          </a:xfrm>
-          <a:prstGeom prst="rect">
-            <a:avLst/>
-          </a:prstGeom>
-          <a:ln/>
-        </p:spPr>
-      </p:pic>
-      <p:pic>
-        <p:nvPicPr>
-          <p:cNvPr id="23" name="image7.png">
-            <a:extLst>
-              <a:ext uri="{FF2B5EF4-FFF2-40B4-BE49-F238E27FC236}">
-                <a16:creationId xmlns:a16="http://schemas.microsoft.com/office/drawing/2014/main" id="{0A18A1F5-13D1-ACCE-0891-5B57837BAC45}"/>
-              </a:ext>
-            </a:extLst>
-          </p:cNvPr>
-          <p:cNvPicPr/>
-          <p:nvPr/>
-        </p:nvPicPr>
-        <p:blipFill>
-          <a:blip r:embed="rId5"/>
-          <a:srcRect/>
-          <a:stretch>
-            <a:fillRect/>
-          </a:stretch>
-        </p:blipFill>
-        <p:spPr>
-          <a:xfrm>
-            <a:off x="8058151" y="5086248"/>
-            <a:ext cx="3854450" cy="1395730"/>
-          </a:xfrm>
-          <a:prstGeom prst="rect">
-            <a:avLst/>
-          </a:prstGeom>
-          <a:ln/>
-        </p:spPr>
-      </p:pic>
-      <p:sp>
-        <p:nvSpPr>
-          <p:cNvPr id="24" name="ZoneTexte 23">
-            <a:extLst>
-              <a:ext uri="{FF2B5EF4-FFF2-40B4-BE49-F238E27FC236}">
-                <a16:creationId xmlns:a16="http://schemas.microsoft.com/office/drawing/2014/main" id="{D2BB8ACD-5D25-BB60-FE4B-E7F088EE366A}"/>
-              </a:ext>
-            </a:extLst>
-          </p:cNvPr>
-          <p:cNvSpPr txBox="1"/>
-          <p:nvPr/>
-        </p:nvSpPr>
-        <p:spPr>
-          <a:xfrm>
-            <a:off x="3316956" y="4985549"/>
-            <a:ext cx="6096000" cy="369332"/>
-          </a:xfrm>
-          <a:prstGeom prst="rect">
-            <a:avLst/>
-          </a:prstGeom>
-          <a:noFill/>
-        </p:spPr>
-        <p:txBody>
-          <a:bodyPr wrap="square">
-            <a:spAutoFit/>
-          </a:bodyPr>
-          <a:lstStyle/>
-          <a:p>
-            <a:pPr lvl="3"/>
-            <a:r>
-              <a:rPr lang="fr-FR" b="1" dirty="0">
-                <a:solidFill>
-                  <a:srgbClr val="0070C0"/>
-                </a:solidFill>
-                <a:effectLst/>
-                <a:latin typeface="Arial" panose="020B0604020202020204" pitchFamily="34" charset="0"/>
-                <a:ea typeface="Arial" panose="020B0604020202020204" pitchFamily="34" charset="0"/>
-              </a:rPr>
-              <a:t>					p(t) = </a:t>
-            </a:r>
-            <a:r>
-              <a:rPr lang="fr-FR" b="1" dirty="0" err="1">
-                <a:solidFill>
-                  <a:srgbClr val="0070C0"/>
-                </a:solidFill>
-                <a:effectLst/>
-                <a:latin typeface="Arial" panose="020B0604020202020204" pitchFamily="34" charset="0"/>
-                <a:ea typeface="Arial" panose="020B0604020202020204" pitchFamily="34" charset="0"/>
-              </a:rPr>
-              <a:t>A</a:t>
-            </a:r>
-            <a:r>
-              <a:rPr lang="fr-FR" b="1" baseline="-25000" dirty="0" err="1">
-                <a:solidFill>
-                  <a:srgbClr val="0070C0"/>
-                </a:solidFill>
-                <a:latin typeface="Arial" panose="020B0604020202020204" pitchFamily="34" charset="0"/>
-                <a:ea typeface="Arial" panose="020B0604020202020204" pitchFamily="34" charset="0"/>
-              </a:rPr>
-              <a:t>c</a:t>
-            </a:r>
-            <a:r>
-              <a:rPr lang="fr-FR" b="1" dirty="0">
-                <a:solidFill>
-                  <a:srgbClr val="0070C0"/>
-                </a:solidFill>
-                <a:effectLst/>
-                <a:latin typeface="Arial" panose="020B0604020202020204" pitchFamily="34" charset="0"/>
-                <a:ea typeface="Arial" panose="020B0604020202020204" pitchFamily="34" charset="0"/>
-              </a:rPr>
-              <a:t> . sin (</a:t>
-            </a:r>
-            <a:r>
-              <a:rPr lang="fr-FR" b="1" dirty="0" err="1">
-                <a:solidFill>
-                  <a:srgbClr val="0070C0"/>
-                </a:solidFill>
-                <a:effectLst/>
-                <a:latin typeface="Arial" panose="020B0604020202020204" pitchFamily="34" charset="0"/>
-                <a:ea typeface="Arial" panose="020B0604020202020204" pitchFamily="34" charset="0"/>
-              </a:rPr>
-              <a:t>ω</a:t>
-            </a:r>
-            <a:r>
-              <a:rPr lang="fr-FR" b="1" baseline="-25000" dirty="0" err="1">
-                <a:solidFill>
-                  <a:srgbClr val="0070C0"/>
-                </a:solidFill>
-                <a:effectLst/>
-                <a:latin typeface="Arial" panose="020B0604020202020204" pitchFamily="34" charset="0"/>
-                <a:ea typeface="Arial" panose="020B0604020202020204" pitchFamily="34" charset="0"/>
-              </a:rPr>
-              <a:t>c</a:t>
-            </a:r>
-            <a:r>
-              <a:rPr lang="fr-FR" b="1" dirty="0">
-                <a:solidFill>
-                  <a:srgbClr val="0070C0"/>
-                </a:solidFill>
-                <a:effectLst/>
-                <a:latin typeface="Arial" panose="020B0604020202020204" pitchFamily="34" charset="0"/>
-                <a:ea typeface="Arial" panose="020B0604020202020204" pitchFamily="34" charset="0"/>
-              </a:rPr>
-              <a:t> . t)</a:t>
-            </a:r>
-            <a:endParaRPr lang="fr-FR" dirty="0">
-              <a:solidFill>
-                <a:srgbClr val="0070C0"/>
-              </a:solidFill>
-            </a:endParaRPr>
-          </a:p>
-        </p:txBody>
-      </p:sp>
-      <p:sp>
-        <p:nvSpPr>
-          <p:cNvPr id="25" name="Signe de multiplication 24">
-            <a:extLst>
-              <a:ext uri="{FF2B5EF4-FFF2-40B4-BE49-F238E27FC236}">
-                <a16:creationId xmlns:a16="http://schemas.microsoft.com/office/drawing/2014/main" id="{D182780B-D8A8-FD8E-F6C0-CE26F37D6640}"/>
-              </a:ext>
-            </a:extLst>
-          </p:cNvPr>
-          <p:cNvSpPr/>
-          <p:nvPr/>
-        </p:nvSpPr>
-        <p:spPr>
-          <a:xfrm>
-            <a:off x="5952001" y="4790473"/>
-            <a:ext cx="639097" cy="744794"/>
-          </a:xfrm>
-          <a:prstGeom prst="mathMultiply">
-            <a:avLst>
-              <a:gd name="adj1" fmla="val 17366"/>
-            </a:avLst>
-          </a:prstGeom>
-        </p:spPr>
-        <p:style>
-          <a:lnRef idx="2">
-            <a:schemeClr val="accent1">
-              <a:shade val="15000"/>
-            </a:schemeClr>
-          </a:lnRef>
-          <a:fillRef idx="1">
-            <a:schemeClr val="accent1"/>
-          </a:fillRef>
-          <a:effectRef idx="0">
-            <a:schemeClr val="accent1"/>
-          </a:effectRef>
-          <a:fontRef idx="minor">
-            <a:schemeClr val="lt1"/>
-          </a:fontRef>
-        </p:style>
-        <p:txBody>
-          <a:bodyPr rtlCol="0" anchor="ctr"/>
-          <a:lstStyle/>
-          <a:p>
-            <a:pPr algn="ctr"/>
-            <a:endParaRPr lang="fr-FR"/>
-          </a:p>
-        </p:txBody>
-      </p:sp>
-      <p:sp>
-        <p:nvSpPr>
-          <p:cNvPr id="27" name="ZoneTexte 26">
-            <a:extLst>
-              <a:ext uri="{FF2B5EF4-FFF2-40B4-BE49-F238E27FC236}">
-                <a16:creationId xmlns:a16="http://schemas.microsoft.com/office/drawing/2014/main" id="{9D17E7CD-1E59-F5A2-A692-ED61EF2C175D}"/>
-              </a:ext>
-            </a:extLst>
-          </p:cNvPr>
-          <p:cNvSpPr txBox="1"/>
-          <p:nvPr/>
-        </p:nvSpPr>
-        <p:spPr>
-          <a:xfrm>
-            <a:off x="6853084" y="2022196"/>
-            <a:ext cx="6096000" cy="276999"/>
-          </a:xfrm>
-          <a:prstGeom prst="rect">
-            <a:avLst/>
-          </a:prstGeom>
-          <a:noFill/>
-        </p:spPr>
-        <p:txBody>
-          <a:bodyPr wrap="square">
-            <a:spAutoFit/>
-          </a:bodyPr>
-          <a:lstStyle/>
-          <a:p>
-            <a:r>
-              <a:rPr lang="fr-FR" sz="1200" u="sng" dirty="0">
+              <a:rPr lang="fr-FR" sz="1600" b="1" u="none" strike="noStrike" dirty="0">
                 <a:solidFill>
                   <a:srgbClr val="1155CC"/>
                 </a:solidFill>
                 <a:effectLst/>
                 <a:latin typeface="Arial" panose="020B0604020202020204" pitchFamily="34" charset="0"/>
                 <a:ea typeface="Arial" panose="020B0604020202020204" pitchFamily="34" charset="0"/>
-                <a:hlinkClick r:id="rId6"/>
               </a:rPr>
-              <a:t>http://wcours.gel.ulaval.ca/2017/a/GEL3006/default/5notes/index.chtml</a:t>
-            </a:r>
-            <a:endParaRPr lang="fr-FR" sz="1200" dirty="0"/>
+              <a:t>.</a:t>
+            </a:r>
+            <a:r>
+              <a:rPr lang="fr-FR" sz="1600" b="1" u="none" strike="noStrike" dirty="0" err="1">
+                <a:solidFill>
+                  <a:srgbClr val="1155CC"/>
+                </a:solidFill>
+                <a:effectLst/>
+                <a:latin typeface="Arial" panose="020B0604020202020204" pitchFamily="34" charset="0"/>
+                <a:ea typeface="Arial" panose="020B0604020202020204" pitchFamily="34" charset="0"/>
+              </a:rPr>
+              <a:t>genfromtxt</a:t>
+            </a:r>
+            <a:r>
+              <a:rPr lang="fr-FR" sz="1600" b="1" u="none" strike="noStrike" dirty="0">
+                <a:solidFill>
+                  <a:srgbClr val="1155CC"/>
+                </a:solidFill>
+                <a:effectLst/>
+                <a:latin typeface="Arial" panose="020B0604020202020204" pitchFamily="34" charset="0"/>
+                <a:ea typeface="Arial" panose="020B0604020202020204" pitchFamily="34" charset="0"/>
+              </a:rPr>
+              <a:t> </a:t>
+            </a:r>
+          </a:p>
+          <a:p>
+            <a:pPr marL="800100" lvl="1" indent="-342900" algn="just">
+              <a:lnSpc>
+                <a:spcPct val="115000"/>
+              </a:lnSpc>
+              <a:buFont typeface="Arial" panose="020B0604020202020204" pitchFamily="34" charset="0"/>
+              <a:buChar char="●"/>
+            </a:pPr>
+            <a:r>
+              <a:rPr lang="fr-FR" sz="1600" b="1" dirty="0">
+                <a:solidFill>
+                  <a:srgbClr val="E36C0A"/>
+                </a:solidFill>
+                <a:effectLst/>
+                <a:latin typeface="Arial" panose="020B0604020202020204" pitchFamily="34" charset="0"/>
+                <a:ea typeface="Arial" panose="020B0604020202020204" pitchFamily="34" charset="0"/>
+              </a:rPr>
+              <a:t>pandas </a:t>
+            </a:r>
+            <a:r>
+              <a:rPr lang="fr-FR" sz="1600" b="1" dirty="0">
+                <a:solidFill>
+                  <a:srgbClr val="1155CC"/>
+                </a:solidFill>
+                <a:effectLst/>
+                <a:latin typeface="Arial" panose="020B0604020202020204" pitchFamily="34" charset="0"/>
+                <a:ea typeface="Arial" panose="020B0604020202020204" pitchFamily="34" charset="0"/>
+              </a:rPr>
+              <a:t>.</a:t>
+            </a:r>
+            <a:r>
+              <a:rPr lang="fr-FR" sz="1600" b="1" dirty="0" err="1">
+                <a:solidFill>
+                  <a:srgbClr val="1155CC"/>
+                </a:solidFill>
+                <a:effectLst/>
+                <a:latin typeface="Arial" panose="020B0604020202020204" pitchFamily="34" charset="0"/>
+                <a:ea typeface="Arial" panose="020B0604020202020204" pitchFamily="34" charset="0"/>
+              </a:rPr>
+              <a:t>read_csv</a:t>
+            </a:r>
+            <a:r>
+              <a:rPr lang="fr-FR" sz="1600" dirty="0">
+                <a:effectLst/>
+                <a:latin typeface="Arial" panose="020B0604020202020204" pitchFamily="34" charset="0"/>
+                <a:ea typeface="Arial" panose="020B0604020202020204" pitchFamily="34" charset="0"/>
+              </a:rPr>
+              <a:t> </a:t>
+            </a:r>
+          </a:p>
+          <a:p>
+            <a:pPr marL="342900" lvl="0" indent="-342900" algn="just">
+              <a:lnSpc>
+                <a:spcPct val="115000"/>
+              </a:lnSpc>
+              <a:buFont typeface="Arial" panose="020B0604020202020204" pitchFamily="34" charset="0"/>
+              <a:buChar char="●"/>
+            </a:pPr>
+            <a:r>
+              <a:rPr lang="fr-FR" sz="1600" b="1" u="none" strike="noStrike" dirty="0">
+                <a:effectLst/>
+                <a:latin typeface="Arial" panose="020B0604020202020204" pitchFamily="34" charset="0"/>
+                <a:ea typeface="Arial" panose="020B0604020202020204" pitchFamily="34" charset="0"/>
+              </a:rPr>
+              <a:t>créer de vecteurs / matrices</a:t>
+            </a:r>
+            <a:r>
+              <a:rPr lang="fr-FR" sz="1600" u="none" strike="noStrike" dirty="0">
+                <a:effectLst/>
+                <a:latin typeface="Arial" panose="020B0604020202020204" pitchFamily="34" charset="0"/>
+                <a:ea typeface="Arial" panose="020B0604020202020204" pitchFamily="34" charset="0"/>
+              </a:rPr>
+              <a:t>	</a:t>
+            </a:r>
+          </a:p>
+          <a:p>
+            <a:pPr marL="800100" lvl="1" indent="-342900" algn="just">
+              <a:lnSpc>
+                <a:spcPct val="115000"/>
+              </a:lnSpc>
+              <a:buFont typeface="Arial" panose="020B0604020202020204" pitchFamily="34" charset="0"/>
+              <a:buChar char="●"/>
+            </a:pPr>
+            <a:r>
+              <a:rPr lang="fr-FR" sz="1600" b="1" u="none" strike="noStrike" dirty="0" err="1">
+                <a:solidFill>
+                  <a:srgbClr val="E36C0A"/>
+                </a:solidFill>
+                <a:effectLst/>
+                <a:latin typeface="Arial" panose="020B0604020202020204" pitchFamily="34" charset="0"/>
+                <a:ea typeface="Arial" panose="020B0604020202020204" pitchFamily="34" charset="0"/>
+              </a:rPr>
+              <a:t>numpy</a:t>
+            </a:r>
+            <a:r>
+              <a:rPr lang="fr-FR" sz="1600" b="1" u="none" strike="noStrike" dirty="0">
+                <a:solidFill>
+                  <a:srgbClr val="1155CC"/>
+                </a:solidFill>
+                <a:effectLst/>
+                <a:latin typeface="Arial" panose="020B0604020202020204" pitchFamily="34" charset="0"/>
+                <a:ea typeface="Arial" panose="020B0604020202020204" pitchFamily="34" charset="0"/>
+              </a:rPr>
+              <a:t>  .</a:t>
+            </a:r>
+            <a:r>
+              <a:rPr lang="fr-FR" sz="1600" b="1" u="none" strike="noStrike" dirty="0" err="1">
+                <a:solidFill>
+                  <a:srgbClr val="1155CC"/>
+                </a:solidFill>
+                <a:effectLst/>
+                <a:latin typeface="Arial" panose="020B0604020202020204" pitchFamily="34" charset="0"/>
+                <a:ea typeface="Arial" panose="020B0604020202020204" pitchFamily="34" charset="0"/>
+              </a:rPr>
+              <a:t>linspace</a:t>
+            </a:r>
+            <a:r>
+              <a:rPr lang="fr-FR" sz="1600" b="1" u="none" strike="noStrike" dirty="0">
+                <a:solidFill>
+                  <a:srgbClr val="1155CC"/>
+                </a:solidFill>
+                <a:effectLst/>
+                <a:latin typeface="Arial" panose="020B0604020202020204" pitchFamily="34" charset="0"/>
+                <a:ea typeface="Arial" panose="020B0604020202020204" pitchFamily="34" charset="0"/>
+              </a:rPr>
+              <a:t>  .</a:t>
+            </a:r>
+            <a:r>
+              <a:rPr lang="fr-FR" sz="1600" b="1" u="none" strike="noStrike" dirty="0" err="1">
+                <a:solidFill>
+                  <a:srgbClr val="1155CC"/>
+                </a:solidFill>
+                <a:effectLst/>
+                <a:latin typeface="Arial" panose="020B0604020202020204" pitchFamily="34" charset="0"/>
+                <a:ea typeface="Arial" panose="020B0604020202020204" pitchFamily="34" charset="0"/>
+              </a:rPr>
+              <a:t>logspace</a:t>
+            </a:r>
+            <a:endParaRPr lang="fr-FR" sz="1600" b="1" u="none" strike="noStrike" dirty="0">
+              <a:solidFill>
+                <a:srgbClr val="1155CC"/>
+              </a:solidFill>
+              <a:effectLst/>
+              <a:latin typeface="Arial" panose="020B0604020202020204" pitchFamily="34" charset="0"/>
+              <a:ea typeface="Arial" panose="020B0604020202020204" pitchFamily="34" charset="0"/>
+            </a:endParaRPr>
+          </a:p>
+          <a:p>
+            <a:pPr marL="800100" lvl="1" indent="-342900" algn="just">
+              <a:lnSpc>
+                <a:spcPct val="115000"/>
+              </a:lnSpc>
+              <a:buFont typeface="Arial" panose="020B0604020202020204" pitchFamily="34" charset="0"/>
+              <a:buChar char="●"/>
+            </a:pPr>
+            <a:r>
+              <a:rPr lang="fr-FR" sz="1600" b="1" dirty="0" err="1">
+                <a:solidFill>
+                  <a:srgbClr val="E36C0A"/>
+                </a:solidFill>
+                <a:effectLst/>
+                <a:latin typeface="Arial" panose="020B0604020202020204" pitchFamily="34" charset="0"/>
+                <a:ea typeface="Arial" panose="020B0604020202020204" pitchFamily="34" charset="0"/>
+              </a:rPr>
+              <a:t>numpy</a:t>
+            </a:r>
+            <a:r>
+              <a:rPr lang="fr-FR" sz="1600" b="1" dirty="0">
+                <a:solidFill>
+                  <a:srgbClr val="1155CC"/>
+                </a:solidFill>
+                <a:effectLst/>
+                <a:latin typeface="Arial" panose="020B0604020202020204" pitchFamily="34" charset="0"/>
+                <a:ea typeface="Arial" panose="020B0604020202020204" pitchFamily="34" charset="0"/>
+              </a:rPr>
+              <a:t>  .</a:t>
+            </a:r>
+            <a:r>
+              <a:rPr lang="fr-FR" sz="1600" b="1" dirty="0" err="1">
+                <a:solidFill>
+                  <a:srgbClr val="1155CC"/>
+                </a:solidFill>
+                <a:effectLst/>
+                <a:latin typeface="Arial" panose="020B0604020202020204" pitchFamily="34" charset="0"/>
+                <a:ea typeface="Arial" panose="020B0604020202020204" pitchFamily="34" charset="0"/>
+              </a:rPr>
+              <a:t>ones</a:t>
+            </a:r>
+            <a:r>
+              <a:rPr lang="fr-FR" sz="1600" b="1" dirty="0">
+                <a:solidFill>
+                  <a:srgbClr val="1155CC"/>
+                </a:solidFill>
+                <a:effectLst/>
+                <a:latin typeface="Arial" panose="020B0604020202020204" pitchFamily="34" charset="0"/>
+                <a:ea typeface="Arial" panose="020B0604020202020204" pitchFamily="34" charset="0"/>
+              </a:rPr>
+              <a:t>   .</a:t>
+            </a:r>
+            <a:r>
+              <a:rPr lang="fr-FR" sz="1600" b="1" dirty="0" err="1">
+                <a:solidFill>
+                  <a:srgbClr val="1155CC"/>
+                </a:solidFill>
+                <a:effectLst/>
+                <a:latin typeface="Arial" panose="020B0604020202020204" pitchFamily="34" charset="0"/>
+                <a:ea typeface="Arial" panose="020B0604020202020204" pitchFamily="34" charset="0"/>
+              </a:rPr>
+              <a:t>zeros</a:t>
+            </a:r>
+            <a:endParaRPr lang="fr-FR" sz="1600" b="1" dirty="0">
+              <a:solidFill>
+                <a:srgbClr val="1155CC"/>
+              </a:solidFill>
+              <a:effectLst/>
+              <a:latin typeface="Arial" panose="020B0604020202020204" pitchFamily="34" charset="0"/>
+              <a:ea typeface="Arial" panose="020B0604020202020204" pitchFamily="34" charset="0"/>
+            </a:endParaRPr>
+          </a:p>
+          <a:p>
+            <a:pPr marL="342900" indent="-342900" algn="just">
+              <a:lnSpc>
+                <a:spcPct val="115000"/>
+              </a:lnSpc>
+              <a:buFont typeface="Arial" panose="020B0604020202020204" pitchFamily="34" charset="0"/>
+              <a:buChar char="●"/>
+            </a:pPr>
+            <a:r>
+              <a:rPr lang="fr-FR" sz="1600" b="1" u="none" strike="noStrike" dirty="0">
+                <a:effectLst/>
+                <a:latin typeface="Arial" panose="020B0604020202020204" pitchFamily="34" charset="0"/>
+                <a:ea typeface="Arial" panose="020B0604020202020204" pitchFamily="34" charset="0"/>
+              </a:rPr>
+              <a:t>afficher des figures</a:t>
+            </a:r>
+            <a:r>
+              <a:rPr lang="fr-FR" sz="1600" u="none" strike="noStrike" dirty="0">
+                <a:effectLst/>
+                <a:latin typeface="Arial" panose="020B0604020202020204" pitchFamily="34" charset="0"/>
+                <a:ea typeface="Arial" panose="020B0604020202020204" pitchFamily="34" charset="0"/>
+              </a:rPr>
+              <a:t>	</a:t>
+            </a:r>
+          </a:p>
+          <a:p>
+            <a:pPr marL="800100" lvl="1" indent="-342900" algn="just">
+              <a:lnSpc>
+                <a:spcPct val="115000"/>
+              </a:lnSpc>
+              <a:buFont typeface="Arial" panose="020B0604020202020204" pitchFamily="34" charset="0"/>
+              <a:buChar char="●"/>
+            </a:pPr>
+            <a:r>
+              <a:rPr lang="fr-FR" sz="1600" b="1" u="none" strike="noStrike" dirty="0" err="1">
+                <a:solidFill>
+                  <a:srgbClr val="E36C0A"/>
+                </a:solidFill>
+                <a:effectLst/>
+                <a:latin typeface="Arial" panose="020B0604020202020204" pitchFamily="34" charset="0"/>
+                <a:ea typeface="Arial" panose="020B0604020202020204" pitchFamily="34" charset="0"/>
+              </a:rPr>
+              <a:t>pyplot</a:t>
+            </a:r>
+            <a:r>
+              <a:rPr lang="fr-FR" sz="1600" b="1" u="none" strike="noStrike" dirty="0">
+                <a:solidFill>
+                  <a:srgbClr val="1155CC"/>
+                </a:solidFill>
+                <a:effectLst/>
+                <a:latin typeface="Arial" panose="020B0604020202020204" pitchFamily="34" charset="0"/>
+                <a:ea typeface="Arial" panose="020B0604020202020204" pitchFamily="34" charset="0"/>
+              </a:rPr>
+              <a:t>  .figure  .plot  .</a:t>
+            </a:r>
+            <a:r>
+              <a:rPr lang="fr-FR" sz="1600" b="1" u="none" strike="noStrike" dirty="0" err="1">
+                <a:solidFill>
+                  <a:srgbClr val="1155CC"/>
+                </a:solidFill>
+                <a:effectLst/>
+                <a:latin typeface="Arial" panose="020B0604020202020204" pitchFamily="34" charset="0"/>
+                <a:ea typeface="Arial" panose="020B0604020202020204" pitchFamily="34" charset="0"/>
+              </a:rPr>
+              <a:t>title</a:t>
+            </a:r>
+            <a:r>
+              <a:rPr lang="fr-FR" sz="1600" b="1" u="none" strike="noStrike" dirty="0">
+                <a:solidFill>
+                  <a:srgbClr val="1155CC"/>
+                </a:solidFill>
+                <a:effectLst/>
+                <a:latin typeface="Arial" panose="020B0604020202020204" pitchFamily="34" charset="0"/>
+                <a:ea typeface="Arial" panose="020B0604020202020204" pitchFamily="34" charset="0"/>
+              </a:rPr>
+              <a:t>  </a:t>
+            </a:r>
+            <a:r>
+              <a:rPr lang="fr-FR" sz="1600" b="1" dirty="0">
+                <a:solidFill>
+                  <a:srgbClr val="1155CC"/>
+                </a:solidFill>
+                <a:effectLst/>
+                <a:latin typeface="Arial" panose="020B0604020202020204" pitchFamily="34" charset="0"/>
+                <a:ea typeface="Arial" panose="020B0604020202020204" pitchFamily="34" charset="0"/>
+              </a:rPr>
+              <a:t>.</a:t>
+            </a:r>
+            <a:r>
+              <a:rPr lang="fr-FR" sz="1600" b="1" dirty="0" err="1">
+                <a:solidFill>
+                  <a:srgbClr val="1155CC"/>
+                </a:solidFill>
+                <a:effectLst/>
+                <a:latin typeface="Arial" panose="020B0604020202020204" pitchFamily="34" charset="0"/>
+                <a:ea typeface="Arial" panose="020B0604020202020204" pitchFamily="34" charset="0"/>
+              </a:rPr>
+              <a:t>xlabel</a:t>
+            </a:r>
+            <a:r>
+              <a:rPr lang="fr-FR" sz="1600" b="1" dirty="0">
+                <a:solidFill>
+                  <a:srgbClr val="1155CC"/>
+                </a:solidFill>
+                <a:effectLst/>
+                <a:latin typeface="Arial" panose="020B0604020202020204" pitchFamily="34" charset="0"/>
+                <a:ea typeface="Arial" panose="020B0604020202020204" pitchFamily="34" charset="0"/>
+              </a:rPr>
+              <a:t> .</a:t>
+            </a:r>
+            <a:r>
+              <a:rPr lang="fr-FR" sz="1600" b="1" dirty="0" err="1">
+                <a:solidFill>
+                  <a:srgbClr val="1155CC"/>
+                </a:solidFill>
+                <a:effectLst/>
+                <a:latin typeface="Arial" panose="020B0604020202020204" pitchFamily="34" charset="0"/>
+                <a:ea typeface="Arial" panose="020B0604020202020204" pitchFamily="34" charset="0"/>
+              </a:rPr>
+              <a:t>ylabel</a:t>
+            </a:r>
+            <a:r>
+              <a:rPr lang="fr-FR" sz="1600" b="1" dirty="0">
+                <a:solidFill>
+                  <a:srgbClr val="1155CC"/>
+                </a:solidFill>
+                <a:effectLst/>
+                <a:latin typeface="Arial" panose="020B0604020202020204" pitchFamily="34" charset="0"/>
+                <a:ea typeface="Arial" panose="020B0604020202020204" pitchFamily="34" charset="0"/>
+              </a:rPr>
+              <a:t> .</a:t>
+            </a:r>
+            <a:r>
+              <a:rPr lang="fr-FR" sz="1600" b="1" dirty="0" err="1">
+                <a:solidFill>
+                  <a:srgbClr val="1155CC"/>
+                </a:solidFill>
+                <a:effectLst/>
+                <a:latin typeface="Arial" panose="020B0604020202020204" pitchFamily="34" charset="0"/>
+                <a:ea typeface="Arial" panose="020B0604020202020204" pitchFamily="34" charset="0"/>
+              </a:rPr>
+              <a:t>legend</a:t>
+            </a:r>
+            <a:r>
+              <a:rPr lang="fr-FR" sz="1600" dirty="0">
+                <a:effectLst/>
+                <a:latin typeface="Arial" panose="020B0604020202020204" pitchFamily="34" charset="0"/>
+                <a:ea typeface="Arial" panose="020B0604020202020204" pitchFamily="34" charset="0"/>
+              </a:rPr>
+              <a:t> </a:t>
+            </a:r>
+          </a:p>
+          <a:p>
+            <a:pPr marL="342900" lvl="0" indent="-342900" algn="just">
+              <a:lnSpc>
+                <a:spcPct val="115000"/>
+              </a:lnSpc>
+              <a:buFont typeface="Arial" panose="020B0604020202020204" pitchFamily="34" charset="0"/>
+              <a:buChar char="●"/>
+            </a:pPr>
+            <a:r>
+              <a:rPr lang="fr-FR" sz="1600" b="1" u="none" strike="noStrike" dirty="0">
+                <a:effectLst/>
+                <a:latin typeface="Arial" panose="020B0604020202020204" pitchFamily="34" charset="0"/>
+                <a:ea typeface="Arial" panose="020B0604020202020204" pitchFamily="34" charset="0"/>
+              </a:rPr>
+              <a:t>calculer la FFT</a:t>
+            </a:r>
+          </a:p>
+          <a:p>
+            <a:pPr marL="800100" lvl="1" indent="-342900" algn="just">
+              <a:lnSpc>
+                <a:spcPct val="115000"/>
+              </a:lnSpc>
+              <a:buFont typeface="Arial" panose="020B0604020202020204" pitchFamily="34" charset="0"/>
+              <a:buChar char="●"/>
+            </a:pPr>
+            <a:r>
+              <a:rPr lang="fr-FR" sz="1600" b="1" u="none" strike="noStrike" dirty="0" err="1">
+                <a:solidFill>
+                  <a:srgbClr val="E36C0A"/>
+                </a:solidFill>
+                <a:effectLst/>
+                <a:latin typeface="Arial" panose="020B0604020202020204" pitchFamily="34" charset="0"/>
+                <a:ea typeface="Arial" panose="020B0604020202020204" pitchFamily="34" charset="0"/>
+              </a:rPr>
+              <a:t>numpy</a:t>
+            </a:r>
+            <a:r>
+              <a:rPr lang="fr-FR" sz="1600" b="1" u="none" strike="noStrike" dirty="0">
+                <a:solidFill>
+                  <a:srgbClr val="1155CC"/>
+                </a:solidFill>
+                <a:effectLst/>
+                <a:latin typeface="Arial" panose="020B0604020202020204" pitchFamily="34" charset="0"/>
+                <a:ea typeface="Arial" panose="020B0604020202020204" pitchFamily="34" charset="0"/>
+              </a:rPr>
+              <a:t>  .</a:t>
+            </a:r>
+            <a:r>
+              <a:rPr lang="fr-FR" sz="1600" b="1" u="none" strike="noStrike" dirty="0" err="1">
+                <a:solidFill>
+                  <a:srgbClr val="1155CC"/>
+                </a:solidFill>
+                <a:effectLst/>
+                <a:latin typeface="Arial" panose="020B0604020202020204" pitchFamily="34" charset="0"/>
+                <a:ea typeface="Arial" panose="020B0604020202020204" pitchFamily="34" charset="0"/>
+              </a:rPr>
+              <a:t>fft.fft</a:t>
+            </a:r>
+            <a:r>
+              <a:rPr lang="fr-FR" sz="1600" b="1" u="none" strike="noStrike" dirty="0">
+                <a:solidFill>
+                  <a:srgbClr val="1155CC"/>
+                </a:solidFill>
+                <a:effectLst/>
+                <a:latin typeface="Arial" panose="020B0604020202020204" pitchFamily="34" charset="0"/>
+                <a:ea typeface="Arial" panose="020B0604020202020204" pitchFamily="34" charset="0"/>
+              </a:rPr>
+              <a:t>    .</a:t>
+            </a:r>
+            <a:r>
+              <a:rPr lang="fr-FR" sz="1600" b="1" u="none" strike="noStrike" dirty="0" err="1">
+                <a:solidFill>
+                  <a:srgbClr val="1155CC"/>
+                </a:solidFill>
+                <a:effectLst/>
+                <a:latin typeface="Arial" panose="020B0604020202020204" pitchFamily="34" charset="0"/>
+                <a:ea typeface="Arial" panose="020B0604020202020204" pitchFamily="34" charset="0"/>
+              </a:rPr>
+              <a:t>fft.fftshift</a:t>
+            </a:r>
+            <a:endParaRPr lang="fr-FR" sz="1600" b="1" dirty="0"/>
           </a:p>
         </p:txBody>
       </p:sp>
     </p:spTree>
     <p:extLst>
       <p:ext uri="{BB962C8B-B14F-4D97-AF65-F5344CB8AC3E}">
-        <p14:creationId xmlns:p14="http://schemas.microsoft.com/office/powerpoint/2010/main" val="2707120733"/>
+        <p14:creationId xmlns:p14="http://schemas.microsoft.com/office/powerpoint/2010/main" val="673778926"/>
+      </p:ext>
+    </p:extLst>
+  </p:cSld>
+  <p:clrMapOvr>
+    <a:masterClrMapping/>
+  </p:clrMapOvr>
+</p:sld>
+</file>
+
+<file path=ppt/slides/slide9.xml><?xml version="1.0" encoding="utf-8"?>
+<p:sld xmlns:a="http://schemas.openxmlformats.org/drawingml/2006/main" xmlns:r="http://schemas.openxmlformats.org/officeDocument/2006/relationships" xmlns:p="http://schemas.openxmlformats.org/presentationml/2006/main">
+  <p:cSld>
+    <p:spTree>
+      <p:nvGrpSpPr>
+        <p:cNvPr id="1" name=""/>
+        <p:cNvGrpSpPr/>
+        <p:nvPr/>
+      </p:nvGrpSpPr>
+      <p:grpSpPr>
+        <a:xfrm>
+          <a:off x="0" y="0"/>
+          <a:ext cx="0" cy="0"/>
+          <a:chOff x="0" y="0"/>
+          <a:chExt cx="0" cy="0"/>
+        </a:xfrm>
+      </p:grpSpPr>
+      <p:sp>
+        <p:nvSpPr>
+          <p:cNvPr id="2" name="Titre 1">
+            <a:extLst>
+              <a:ext uri="{FF2B5EF4-FFF2-40B4-BE49-F238E27FC236}">
+                <a16:creationId xmlns:a16="http://schemas.microsoft.com/office/drawing/2014/main" id="{90162AE8-C1B0-5C56-8313-DEE494F38273}"/>
+              </a:ext>
+            </a:extLst>
+          </p:cNvPr>
+          <p:cNvSpPr>
+            <a:spLocks noGrp="1"/>
+          </p:cNvSpPr>
+          <p:nvPr>
+            <p:ph type="title"/>
+          </p:nvPr>
+        </p:nvSpPr>
+        <p:spPr/>
+        <p:txBody>
+          <a:bodyPr/>
+          <a:lstStyle/>
+          <a:p>
+            <a:r>
+              <a:rPr lang="fr-FR" dirty="0"/>
+              <a:t>Fichiers à analyser</a:t>
+            </a:r>
+          </a:p>
+        </p:txBody>
+      </p:sp>
+      <p:pic>
+        <p:nvPicPr>
+          <p:cNvPr id="5" name="Image 4" descr="Une image contenant texte&#10;&#10;Description générée automatiquement">
+            <a:extLst>
+              <a:ext uri="{FF2B5EF4-FFF2-40B4-BE49-F238E27FC236}">
+                <a16:creationId xmlns:a16="http://schemas.microsoft.com/office/drawing/2014/main" id="{204ADC40-1D61-539F-22ED-6B21D67FBDE6}"/>
+              </a:ext>
+            </a:extLst>
+          </p:cNvPr>
+          <p:cNvPicPr>
+            <a:picLocks noChangeAspect="1"/>
+          </p:cNvPicPr>
+          <p:nvPr/>
+        </p:nvPicPr>
+        <p:blipFill>
+          <a:blip r:embed="rId2">
+            <a:extLst>
+              <a:ext uri="{28A0092B-C50C-407E-A947-70E740481C1C}">
+                <a14:useLocalDpi xmlns:a14="http://schemas.microsoft.com/office/drawing/2010/main" val="0"/>
+              </a:ext>
+            </a:extLst>
+          </a:blip>
+          <a:stretch>
+            <a:fillRect/>
+          </a:stretch>
+        </p:blipFill>
+        <p:spPr>
+          <a:xfrm>
+            <a:off x="202922" y="5934456"/>
+            <a:ext cx="1825291" cy="749808"/>
+          </a:xfrm>
+          <a:prstGeom prst="rect">
+            <a:avLst/>
+          </a:prstGeom>
+        </p:spPr>
+      </p:pic>
+      <p:sp>
+        <p:nvSpPr>
+          <p:cNvPr id="4" name="Espace réservé du contenu 3">
+            <a:extLst>
+              <a:ext uri="{FF2B5EF4-FFF2-40B4-BE49-F238E27FC236}">
+                <a16:creationId xmlns:a16="http://schemas.microsoft.com/office/drawing/2014/main" id="{065D7787-5672-CB74-A1C6-896A93BE6AF3}"/>
+              </a:ext>
+            </a:extLst>
+          </p:cNvPr>
+          <p:cNvSpPr>
+            <a:spLocks noGrp="1"/>
+          </p:cNvSpPr>
+          <p:nvPr>
+            <p:ph sz="half" idx="1"/>
+          </p:nvPr>
+        </p:nvSpPr>
+        <p:spPr/>
+        <p:txBody>
+          <a:bodyPr/>
+          <a:lstStyle/>
+          <a:p>
+            <a:r>
+              <a:rPr lang="fr-FR" dirty="0"/>
+              <a:t>B3_data_01.csv</a:t>
+            </a:r>
+          </a:p>
+          <a:p>
+            <a:pPr lvl="1"/>
+            <a:r>
+              <a:rPr lang="fr-FR" dirty="0"/>
+              <a:t>modulante sinusoïdale</a:t>
+            </a:r>
+          </a:p>
+          <a:p>
+            <a:endParaRPr lang="fr-FR" dirty="0"/>
+          </a:p>
+          <a:p>
+            <a:r>
+              <a:rPr lang="fr-FR" dirty="0"/>
+              <a:t>B3_data_02.csv</a:t>
+            </a:r>
+          </a:p>
+        </p:txBody>
+      </p:sp>
+      <p:sp>
+        <p:nvSpPr>
+          <p:cNvPr id="8" name="ZoneTexte 7">
+            <a:extLst>
+              <a:ext uri="{FF2B5EF4-FFF2-40B4-BE49-F238E27FC236}">
+                <a16:creationId xmlns:a16="http://schemas.microsoft.com/office/drawing/2014/main" id="{68758EE3-AB7D-E7C8-90BD-77D1155B966A}"/>
+              </a:ext>
+            </a:extLst>
+          </p:cNvPr>
+          <p:cNvSpPr txBox="1"/>
+          <p:nvPr/>
+        </p:nvSpPr>
+        <p:spPr>
+          <a:xfrm>
+            <a:off x="5378244" y="5319318"/>
+            <a:ext cx="6096000" cy="461665"/>
+          </a:xfrm>
+          <a:prstGeom prst="rect">
+            <a:avLst/>
+          </a:prstGeom>
+          <a:noFill/>
+        </p:spPr>
+        <p:txBody>
+          <a:bodyPr wrap="square">
+            <a:spAutoFit/>
+          </a:bodyPr>
+          <a:lstStyle/>
+          <a:p>
+            <a:r>
+              <a:rPr lang="fr-FR" sz="2400" dirty="0">
+                <a:solidFill>
+                  <a:srgbClr val="00B0F0"/>
+                </a:solidFill>
+                <a:latin typeface="Bahnschrift SemiBold" panose="020B0502040204020203" pitchFamily="34" charset="0"/>
+              </a:rPr>
+              <a:t>http://lense.institutoptique.fr/outils_nums/</a:t>
+            </a:r>
+          </a:p>
+        </p:txBody>
+      </p:sp>
+    </p:spTree>
+    <p:extLst>
+      <p:ext uri="{BB962C8B-B14F-4D97-AF65-F5344CB8AC3E}">
+        <p14:creationId xmlns:p14="http://schemas.microsoft.com/office/powerpoint/2010/main" val="2996629881"/>
       </p:ext>
     </p:extLst>
   </p:cSld>

--- a/ONIP/onip_b3_traitement_1D/B3_0_Deroulement.pptx
+++ b/ONIP/onip_b3_traitement_1D/B3_0_Deroulement.pptx
@@ -15,6 +15,7 @@
     <p:sldId id="275" r:id="rId9"/>
     <p:sldId id="276" r:id="rId10"/>
     <p:sldId id="278" r:id="rId11"/>
+    <p:sldId id="281" r:id="rId12"/>
   </p:sldIdLst>
   <p:sldSz cx="12192000" cy="6858000"/>
   <p:notesSz cx="6858000" cy="9144000"/>
@@ -277,7 +278,7 @@
           <a:p>
             <a:fld id="{02AC24A9-CCB6-4F8D-B8DB-C2F3692CFA5A}" type="datetimeFigureOut">
               <a:rPr lang="en-US" smtClean="0"/>
-              <a:t>7/21/2023</a:t>
+              <a:t>10/18/2023</a:t>
             </a:fld>
             <a:endParaRPr lang="en-US" dirty="0"/>
           </a:p>
@@ -647,7 +648,7 @@
           <a:p>
             <a:fld id="{02AC24A9-CCB6-4F8D-B8DB-C2F3692CFA5A}" type="datetimeFigureOut">
               <a:rPr lang="en-US" smtClean="0"/>
-              <a:t>7/21/2023</a:t>
+              <a:t>10/18/2023</a:t>
             </a:fld>
             <a:endParaRPr lang="en-US"/>
           </a:p>
@@ -856,7 +857,7 @@
           <a:p>
             <a:fld id="{02AC24A9-CCB6-4F8D-B8DB-C2F3692CFA5A}" type="datetimeFigureOut">
               <a:rPr lang="en-US" smtClean="0"/>
-              <a:t>7/21/2023</a:t>
+              <a:t>10/18/2023</a:t>
             </a:fld>
             <a:endParaRPr lang="en-US"/>
           </a:p>
@@ -1326,7 +1327,7 @@
           <a:p>
             <a:fld id="{02AC24A9-CCB6-4F8D-B8DB-C2F3692CFA5A}" type="datetimeFigureOut">
               <a:rPr lang="en-US" smtClean="0"/>
-              <a:t>7/21/2023</a:t>
+              <a:t>10/18/2023</a:t>
             </a:fld>
             <a:endParaRPr lang="en-US"/>
           </a:p>
@@ -1780,7 +1781,7 @@
           <a:p>
             <a:fld id="{02AC24A9-CCB6-4F8D-B8DB-C2F3692CFA5A}" type="datetimeFigureOut">
               <a:rPr lang="en-US" smtClean="0"/>
-              <a:t>7/21/2023</a:t>
+              <a:t>10/18/2023</a:t>
             </a:fld>
             <a:endParaRPr lang="en-US"/>
           </a:p>
@@ -2312,7 +2313,7 @@
           <a:p>
             <a:fld id="{02AC24A9-CCB6-4F8D-B8DB-C2F3692CFA5A}" type="datetimeFigureOut">
               <a:rPr lang="en-US" smtClean="0"/>
-              <a:t>7/21/2023</a:t>
+              <a:t>10/18/2023</a:t>
             </a:fld>
             <a:endParaRPr lang="en-US"/>
           </a:p>
@@ -3011,7 +3012,7 @@
           <a:p>
             <a:fld id="{02AC24A9-CCB6-4F8D-B8DB-C2F3692CFA5A}" type="datetimeFigureOut">
               <a:rPr lang="en-US" smtClean="0"/>
-              <a:t>7/21/2023</a:t>
+              <a:t>10/18/2023</a:t>
             </a:fld>
             <a:endParaRPr lang="en-US"/>
           </a:p>
@@ -3340,7 +3341,7 @@
           <a:p>
             <a:fld id="{02AC24A9-CCB6-4F8D-B8DB-C2F3692CFA5A}" type="datetimeFigureOut">
               <a:rPr lang="en-US" smtClean="0"/>
-              <a:t>7/21/2023</a:t>
+              <a:t>10/18/2023</a:t>
             </a:fld>
             <a:endParaRPr lang="en-US"/>
           </a:p>
@@ -3453,7 +3454,7 @@
           <a:p>
             <a:fld id="{02AC24A9-CCB6-4F8D-B8DB-C2F3692CFA5A}" type="datetimeFigureOut">
               <a:rPr lang="en-US" smtClean="0"/>
-              <a:t>7/21/2023</a:t>
+              <a:t>10/18/2023</a:t>
             </a:fld>
             <a:endParaRPr lang="en-US"/>
           </a:p>
@@ -3948,7 +3949,7 @@
           <a:p>
             <a:fld id="{02AC24A9-CCB6-4F8D-B8DB-C2F3692CFA5A}" type="datetimeFigureOut">
               <a:rPr lang="en-US" smtClean="0"/>
-              <a:t>7/21/2023</a:t>
+              <a:t>10/18/2023</a:t>
             </a:fld>
             <a:endParaRPr lang="en-US" dirty="0"/>
           </a:p>
@@ -4425,7 +4426,7 @@
           <a:p>
             <a:fld id="{02AC24A9-CCB6-4F8D-B8DB-C2F3692CFA5A}" type="datetimeFigureOut">
               <a:rPr lang="en-US" smtClean="0"/>
-              <a:t>7/21/2023</a:t>
+              <a:t>10/18/2023</a:t>
             </a:fld>
             <a:endParaRPr lang="en-US"/>
           </a:p>
@@ -4668,7 +4669,7 @@
           <a:p>
             <a:fld id="{02AC24A9-CCB6-4F8D-B8DB-C2F3692CFA5A}" type="datetimeFigureOut">
               <a:rPr lang="en-US" smtClean="0"/>
-              <a:t>7/21/2023</a:t>
+              <a:t>10/18/2023</a:t>
             </a:fld>
             <a:endParaRPr lang="en-US"/>
           </a:p>
@@ -6304,6 +6305,100 @@
 </p:sld>
 </file>
 
+<file path=ppt/slides/slide11.xml><?xml version="1.0" encoding="utf-8"?>
+<p:sld xmlns:a="http://schemas.openxmlformats.org/drawingml/2006/main" xmlns:r="http://schemas.openxmlformats.org/officeDocument/2006/relationships" xmlns:p="http://schemas.openxmlformats.org/presentationml/2006/main">
+  <p:cSld>
+    <p:spTree>
+      <p:nvGrpSpPr>
+        <p:cNvPr id="1" name=""/>
+        <p:cNvGrpSpPr/>
+        <p:nvPr/>
+      </p:nvGrpSpPr>
+      <p:grpSpPr>
+        <a:xfrm>
+          <a:off x="0" y="0"/>
+          <a:ext cx="0" cy="0"/>
+          <a:chOff x="0" y="0"/>
+          <a:chExt cx="0" cy="0"/>
+        </a:xfrm>
+      </p:grpSpPr>
+      <p:sp>
+        <p:nvSpPr>
+          <p:cNvPr id="2" name="Titre 1">
+            <a:extLst>
+              <a:ext uri="{FF2B5EF4-FFF2-40B4-BE49-F238E27FC236}">
+                <a16:creationId xmlns:a16="http://schemas.microsoft.com/office/drawing/2014/main" id="{90162AE8-C1B0-5C56-8313-DEE494F38273}"/>
+              </a:ext>
+            </a:extLst>
+          </p:cNvPr>
+          <p:cNvSpPr>
+            <a:spLocks noGrp="1"/>
+          </p:cNvSpPr>
+          <p:nvPr>
+            <p:ph type="title"/>
+          </p:nvPr>
+        </p:nvSpPr>
+        <p:spPr/>
+        <p:txBody>
+          <a:bodyPr/>
+          <a:lstStyle/>
+          <a:p>
+            <a:r>
+              <a:rPr lang="fr-FR" dirty="0"/>
+              <a:t>Conversion en signaux sonores</a:t>
+            </a:r>
+          </a:p>
+        </p:txBody>
+      </p:sp>
+      <p:pic>
+        <p:nvPicPr>
+          <p:cNvPr id="5" name="Image 4" descr="Une image contenant texte&#10;&#10;Description générée automatiquement">
+            <a:extLst>
+              <a:ext uri="{FF2B5EF4-FFF2-40B4-BE49-F238E27FC236}">
+                <a16:creationId xmlns:a16="http://schemas.microsoft.com/office/drawing/2014/main" id="{204ADC40-1D61-539F-22ED-6B21D67FBDE6}"/>
+              </a:ext>
+            </a:extLst>
+          </p:cNvPr>
+          <p:cNvPicPr>
+            <a:picLocks noChangeAspect="1"/>
+          </p:cNvPicPr>
+          <p:nvPr/>
+        </p:nvPicPr>
+        <p:blipFill>
+          <a:blip r:embed="rId2">
+            <a:extLst>
+              <a:ext uri="{28A0092B-C50C-407E-A947-70E740481C1C}">
+                <a14:useLocalDpi xmlns:a14="http://schemas.microsoft.com/office/drawing/2010/main" val="0"/>
+              </a:ext>
+            </a:extLst>
+          </a:blip>
+          <a:stretch>
+            <a:fillRect/>
+          </a:stretch>
+        </p:blipFill>
+        <p:spPr>
+          <a:xfrm>
+            <a:off x="202922" y="5934456"/>
+            <a:ext cx="1825291" cy="749808"/>
+          </a:xfrm>
+          <a:prstGeom prst="rect">
+            <a:avLst/>
+          </a:prstGeom>
+        </p:spPr>
+      </p:pic>
+    </p:spTree>
+    <p:extLst>
+      <p:ext uri="{BB962C8B-B14F-4D97-AF65-F5344CB8AC3E}">
+        <p14:creationId xmlns:p14="http://schemas.microsoft.com/office/powerpoint/2010/main" val="2611207670"/>
+      </p:ext>
+    </p:extLst>
+  </p:cSld>
+  <p:clrMapOvr>
+    <a:masterClrMapping/>
+  </p:clrMapOvr>
+</p:sld>
+</file>
+
 <file path=ppt/slides/slide2.xml><?xml version="1.0" encoding="utf-8"?>
 <p:sld xmlns:a="http://schemas.openxmlformats.org/drawingml/2006/main" xmlns:r="http://schemas.openxmlformats.org/officeDocument/2006/relationships" xmlns:p="http://schemas.openxmlformats.org/presentationml/2006/main">
   <p:cSld>
@@ -10625,6 +10720,56 @@
           </a:p>
         </p:txBody>
       </p:sp>
+      <p:sp>
+        <p:nvSpPr>
+          <p:cNvPr id="4" name="ZoneTexte 3">
+            <a:extLst>
+              <a:ext uri="{FF2B5EF4-FFF2-40B4-BE49-F238E27FC236}">
+                <a16:creationId xmlns:a16="http://schemas.microsoft.com/office/drawing/2014/main" id="{C0FF2E72-A2DB-095F-FEEE-6BEF0C1B2E84}"/>
+              </a:ext>
+            </a:extLst>
+          </p:cNvPr>
+          <p:cNvSpPr txBox="1"/>
+          <p:nvPr/>
+        </p:nvSpPr>
+        <p:spPr>
+          <a:xfrm>
+            <a:off x="3805083" y="6105067"/>
+            <a:ext cx="7600335" cy="646331"/>
+          </a:xfrm>
+          <a:prstGeom prst="rect">
+            <a:avLst/>
+          </a:prstGeom>
+          <a:noFill/>
+        </p:spPr>
+        <p:txBody>
+          <a:bodyPr wrap="square">
+            <a:spAutoFit/>
+          </a:bodyPr>
+          <a:lstStyle/>
+          <a:p>
+            <a:r>
+              <a:rPr lang="fr-FR" sz="1800" b="1" dirty="0">
+                <a:solidFill>
+                  <a:srgbClr val="00B0F0"/>
+                </a:solidFill>
+              </a:rPr>
+              <a:t>BONUS </a:t>
+            </a:r>
+            <a:r>
+              <a:rPr lang="fr-FR" sz="1800" b="1" dirty="0"/>
+              <a:t>: Générer de nouveaux fichiers de signaux modulés </a:t>
+            </a:r>
+            <a:br>
+              <a:rPr lang="fr-FR" sz="1800" b="1" dirty="0"/>
+            </a:br>
+            <a:r>
+              <a:rPr lang="fr-FR" sz="1800" b="1" dirty="0"/>
+              <a:t>				et les démoduler</a:t>
+            </a:r>
+          </a:p>
+        </p:txBody>
+      </p:sp>
     </p:spTree>
     <p:extLst>
       <p:ext uri="{BB962C8B-B14F-4D97-AF65-F5344CB8AC3E}">
@@ -10754,12 +10899,70 @@
           </a:p>
         </p:txBody>
       </p:sp>
+      <p:sp>
+        <p:nvSpPr>
+          <p:cNvPr id="8" name="ZoneTexte 7">
+            <a:extLst>
+              <a:ext uri="{FF2B5EF4-FFF2-40B4-BE49-F238E27FC236}">
+                <a16:creationId xmlns:a16="http://schemas.microsoft.com/office/drawing/2014/main" id="{2F8DDC0A-7585-8CBE-9ED2-C787845E64C5}"/>
+              </a:ext>
+            </a:extLst>
+          </p:cNvPr>
+          <p:cNvSpPr txBox="1"/>
+          <p:nvPr/>
+        </p:nvSpPr>
+        <p:spPr>
+          <a:xfrm>
+            <a:off x="1662010" y="3144411"/>
+            <a:ext cx="6096000" cy="1015663"/>
+          </a:xfrm>
+          <a:prstGeom prst="rect">
+            <a:avLst/>
+          </a:prstGeom>
+          <a:noFill/>
+        </p:spPr>
+        <p:txBody>
+          <a:bodyPr wrap="square">
+            <a:spAutoFit/>
+          </a:bodyPr>
+          <a:lstStyle/>
+          <a:p>
+            <a:pPr marL="342900" indent="-342900">
+              <a:buFont typeface="Arial" panose="020B0604020202020204" pitchFamily="34" charset="0"/>
+              <a:buChar char="•"/>
+            </a:pPr>
+            <a:r>
+              <a:rPr lang="fr-FR" sz="2000" b="1" dirty="0"/>
+              <a:t>Evaluation en séance 4</a:t>
+            </a:r>
+          </a:p>
+          <a:p>
+            <a:pPr lvl="1"/>
+            <a:r>
+              <a:rPr lang="fr-FR" sz="2000" b="1" dirty="0"/>
+              <a:t>Par </a:t>
+            </a:r>
+            <a:r>
+              <a:rPr lang="fr-FR" sz="2000" b="1" dirty="0" err="1"/>
+              <a:t>binome</a:t>
+            </a:r>
+            <a:endParaRPr lang="fr-FR" sz="2000" b="1" dirty="0"/>
+          </a:p>
+          <a:p>
+            <a:pPr marL="342900" indent="-342900">
+              <a:buFontTx/>
+              <a:buChar char="-"/>
+            </a:pPr>
+            <a:endParaRPr lang="fr-FR" sz="2000" b="1" dirty="0"/>
+          </a:p>
+        </p:txBody>
+      </p:sp>
       <p:pic>
         <p:nvPicPr>
-          <p:cNvPr id="10" name="Image 9">
-            <a:extLst>
-              <a:ext uri="{FF2B5EF4-FFF2-40B4-BE49-F238E27FC236}">
-                <a16:creationId xmlns:a16="http://schemas.microsoft.com/office/drawing/2014/main" id="{1D06E8E0-9D1D-812E-12DC-DA74680A575B}"/>
+          <p:cNvPr id="3" name="Image 2">
+            <a:extLst>
+              <a:ext uri="{FF2B5EF4-FFF2-40B4-BE49-F238E27FC236}">
+                <a16:creationId xmlns:a16="http://schemas.microsoft.com/office/drawing/2014/main" id="{B0EAF67F-286B-BC70-EDEC-DAF1C91012C3}"/>
               </a:ext>
             </a:extLst>
           </p:cNvPr>
@@ -10776,294 +10979,14 @@
         </p:blipFill>
         <p:spPr>
           <a:xfrm>
-            <a:off x="1115567" y="2880662"/>
-            <a:ext cx="2083920" cy="2936255"/>
+            <a:off x="6958537" y="1612490"/>
+            <a:ext cx="5030541" cy="5071774"/>
           </a:xfrm>
           <a:prstGeom prst="rect">
             <a:avLst/>
           </a:prstGeom>
         </p:spPr>
       </p:pic>
-      <p:sp>
-        <p:nvSpPr>
-          <p:cNvPr id="11" name="CustomShape 3">
-            <a:extLst>
-              <a:ext uri="{FF2B5EF4-FFF2-40B4-BE49-F238E27FC236}">
-                <a16:creationId xmlns:a16="http://schemas.microsoft.com/office/drawing/2014/main" id="{899C94FC-10AB-E4B3-84B0-AABE54FA3D33}"/>
-              </a:ext>
-            </a:extLst>
-          </p:cNvPr>
-          <p:cNvSpPr/>
-          <p:nvPr/>
-        </p:nvSpPr>
-        <p:spPr>
-          <a:xfrm>
-            <a:off x="4561181" y="4668160"/>
-            <a:ext cx="2459052" cy="677108"/>
-          </a:xfrm>
-          <a:prstGeom prst="rect">
-            <a:avLst/>
-          </a:prstGeom>
-          <a:solidFill>
-            <a:schemeClr val="accent4">
-              <a:lumMod val="60000"/>
-              <a:lumOff val="40000"/>
-            </a:schemeClr>
-          </a:solidFill>
-          <a:ln w="0">
-            <a:noFill/>
-          </a:ln>
-        </p:spPr>
-        <p:style>
-          <a:lnRef idx="0">
-            <a:scrgbClr r="0" g="0" b="0"/>
-          </a:lnRef>
-          <a:fillRef idx="0">
-            <a:scrgbClr r="0" g="0" b="0"/>
-          </a:fillRef>
-          <a:effectRef idx="0">
-            <a:scrgbClr r="0" g="0" b="0"/>
-          </a:effectRef>
-          <a:fontRef idx="minor"/>
-        </p:style>
-        <p:txBody>
-          <a:bodyPr wrap="square" tIns="91440" bIns="91440">
-            <a:spAutoFit/>
-          </a:bodyPr>
-          <a:lstStyle/>
-          <a:p>
-            <a:pPr algn="ctr">
-              <a:lnSpc>
-                <a:spcPct val="100000"/>
-              </a:lnSpc>
-              <a:tabLst>
-                <a:tab pos="0" algn="l"/>
-              </a:tabLst>
-            </a:pPr>
-            <a:r>
-              <a:rPr lang="fr-FR" sz="1600" b="0" strike="noStrike" spc="-1" dirty="0">
-                <a:solidFill>
-                  <a:schemeClr val="tx2"/>
-                </a:solidFill>
-                <a:latin typeface="Arial"/>
-              </a:rPr>
-              <a:t>Mise en œuvre numérique</a:t>
-            </a:r>
-          </a:p>
-        </p:txBody>
-      </p:sp>
-      <p:sp>
-        <p:nvSpPr>
-          <p:cNvPr id="12" name="CustomShape 3">
-            <a:extLst>
-              <a:ext uri="{FF2B5EF4-FFF2-40B4-BE49-F238E27FC236}">
-                <a16:creationId xmlns:a16="http://schemas.microsoft.com/office/drawing/2014/main" id="{C05628E1-986A-6E67-5CCF-5CD8338258BD}"/>
-              </a:ext>
-            </a:extLst>
-          </p:cNvPr>
-          <p:cNvSpPr/>
-          <p:nvPr/>
-        </p:nvSpPr>
-        <p:spPr>
-          <a:xfrm>
-            <a:off x="4561181" y="5465697"/>
-            <a:ext cx="2459052" cy="430887"/>
-          </a:xfrm>
-          <a:prstGeom prst="rect">
-            <a:avLst/>
-          </a:prstGeom>
-          <a:solidFill>
-            <a:schemeClr val="accent4">
-              <a:lumMod val="60000"/>
-              <a:lumOff val="40000"/>
-            </a:schemeClr>
-          </a:solidFill>
-          <a:ln w="0">
-            <a:noFill/>
-          </a:ln>
-        </p:spPr>
-        <p:style>
-          <a:lnRef idx="0">
-            <a:scrgbClr r="0" g="0" b="0"/>
-          </a:lnRef>
-          <a:fillRef idx="0">
-            <a:scrgbClr r="0" g="0" b="0"/>
-          </a:fillRef>
-          <a:effectRef idx="0">
-            <a:scrgbClr r="0" g="0" b="0"/>
-          </a:effectRef>
-          <a:fontRef idx="minor"/>
-        </p:style>
-        <p:txBody>
-          <a:bodyPr wrap="square" tIns="91440" bIns="91440">
-            <a:spAutoFit/>
-          </a:bodyPr>
-          <a:lstStyle/>
-          <a:p>
-            <a:pPr algn="ctr">
-              <a:lnSpc>
-                <a:spcPct val="100000"/>
-              </a:lnSpc>
-              <a:tabLst>
-                <a:tab pos="0" algn="l"/>
-              </a:tabLst>
-            </a:pPr>
-            <a:r>
-              <a:rPr lang="fr-FR" sz="1600" b="0" strike="noStrike" spc="-1" dirty="0">
-                <a:solidFill>
-                  <a:schemeClr val="tx2"/>
-                </a:solidFill>
-                <a:latin typeface="Arial"/>
-              </a:rPr>
-              <a:t>Lien avec la physique</a:t>
-            </a:r>
-          </a:p>
-        </p:txBody>
-      </p:sp>
-      <p:sp>
-        <p:nvSpPr>
-          <p:cNvPr id="13" name="CustomShape 3">
-            <a:extLst>
-              <a:ext uri="{FF2B5EF4-FFF2-40B4-BE49-F238E27FC236}">
-                <a16:creationId xmlns:a16="http://schemas.microsoft.com/office/drawing/2014/main" id="{E39A9320-7D0B-6D7F-A05C-3B25041AF98E}"/>
-              </a:ext>
-            </a:extLst>
-          </p:cNvPr>
-          <p:cNvSpPr/>
-          <p:nvPr/>
-        </p:nvSpPr>
-        <p:spPr>
-          <a:xfrm>
-            <a:off x="4561181" y="4116844"/>
-            <a:ext cx="2459052" cy="430887"/>
-          </a:xfrm>
-          <a:prstGeom prst="rect">
-            <a:avLst/>
-          </a:prstGeom>
-          <a:solidFill>
-            <a:schemeClr val="accent4">
-              <a:lumMod val="60000"/>
-              <a:lumOff val="40000"/>
-            </a:schemeClr>
-          </a:solidFill>
-          <a:ln w="0">
-            <a:noFill/>
-          </a:ln>
-        </p:spPr>
-        <p:style>
-          <a:lnRef idx="0">
-            <a:scrgbClr r="0" g="0" b="0"/>
-          </a:lnRef>
-          <a:fillRef idx="0">
-            <a:scrgbClr r="0" g="0" b="0"/>
-          </a:fillRef>
-          <a:effectRef idx="0">
-            <a:scrgbClr r="0" g="0" b="0"/>
-          </a:effectRef>
-          <a:fontRef idx="minor"/>
-        </p:style>
-        <p:txBody>
-          <a:bodyPr wrap="square" tIns="91440" bIns="91440">
-            <a:spAutoFit/>
-          </a:bodyPr>
-          <a:lstStyle/>
-          <a:p>
-            <a:pPr algn="ctr">
-              <a:lnSpc>
-                <a:spcPct val="100000"/>
-              </a:lnSpc>
-              <a:tabLst>
-                <a:tab pos="0" algn="l"/>
-              </a:tabLst>
-            </a:pPr>
-            <a:r>
-              <a:rPr lang="fr-FR" sz="1600" b="0" strike="noStrike" spc="-1" dirty="0">
-                <a:solidFill>
-                  <a:schemeClr val="tx2"/>
-                </a:solidFill>
-                <a:latin typeface="Arial"/>
-              </a:rPr>
-              <a:t>Analyse du sujet</a:t>
-            </a:r>
-          </a:p>
-        </p:txBody>
-      </p:sp>
-      <p:pic>
-        <p:nvPicPr>
-          <p:cNvPr id="4" name="Image 3">
-            <a:extLst>
-              <a:ext uri="{FF2B5EF4-FFF2-40B4-BE49-F238E27FC236}">
-                <a16:creationId xmlns:a16="http://schemas.microsoft.com/office/drawing/2014/main" id="{BE59BF61-868F-680B-D99E-12024514E70F}"/>
-              </a:ext>
-            </a:extLst>
-          </p:cNvPr>
-          <p:cNvPicPr>
-            <a:picLocks noChangeAspect="1"/>
-          </p:cNvPicPr>
-          <p:nvPr/>
-        </p:nvPicPr>
-        <p:blipFill>
-          <a:blip r:embed="rId4"/>
-          <a:stretch>
-            <a:fillRect/>
-          </a:stretch>
-        </p:blipFill>
-        <p:spPr>
-          <a:xfrm>
-            <a:off x="8146661" y="2123636"/>
-            <a:ext cx="3553726" cy="4722074"/>
-          </a:xfrm>
-          <a:prstGeom prst="rect">
-            <a:avLst/>
-          </a:prstGeom>
-        </p:spPr>
-      </p:pic>
-      <p:sp>
-        <p:nvSpPr>
-          <p:cNvPr id="8" name="ZoneTexte 7">
-            <a:extLst>
-              <a:ext uri="{FF2B5EF4-FFF2-40B4-BE49-F238E27FC236}">
-                <a16:creationId xmlns:a16="http://schemas.microsoft.com/office/drawing/2014/main" id="{2F8DDC0A-7585-8CBE-9ED2-C787845E64C5}"/>
-              </a:ext>
-            </a:extLst>
-          </p:cNvPr>
-          <p:cNvSpPr txBox="1"/>
-          <p:nvPr/>
-        </p:nvSpPr>
-        <p:spPr>
-          <a:xfrm>
-            <a:off x="3471145" y="3242212"/>
-            <a:ext cx="6096000" cy="707886"/>
-          </a:xfrm>
-          <a:prstGeom prst="rect">
-            <a:avLst/>
-          </a:prstGeom>
-          <a:noFill/>
-        </p:spPr>
-        <p:txBody>
-          <a:bodyPr wrap="square">
-            <a:spAutoFit/>
-          </a:bodyPr>
-          <a:lstStyle/>
-          <a:p>
-            <a:pPr marL="342900" indent="-342900">
-              <a:buFont typeface="Arial" panose="020B0604020202020204" pitchFamily="34" charset="0"/>
-              <a:buChar char="•"/>
-            </a:pPr>
-            <a:r>
-              <a:rPr lang="fr-FR" sz="2000" b="1" dirty="0"/>
-              <a:t>Evaluation en séances 3 et 4</a:t>
-            </a:r>
-          </a:p>
-          <a:p>
-            <a:pPr marL="342900" indent="-342900">
-              <a:buFontTx/>
-              <a:buChar char="-"/>
-            </a:pPr>
-            <a:endParaRPr lang="fr-FR" sz="2000" b="1" dirty="0"/>
-          </a:p>
-        </p:txBody>
-      </p:sp>
     </p:spTree>
     <p:extLst>
       <p:ext uri="{BB962C8B-B14F-4D97-AF65-F5344CB8AC3E}">
@@ -11898,7 +11821,213 @@
                 </a:solidFill>
                 <a:latin typeface="Bahnschrift SemiBold" panose="020B0502040204020203" pitchFamily="34" charset="0"/>
               </a:rPr>
-              <a:t>http://lense.institutoptique.fr/outils_nums/</a:t>
+              <a:t>http://lense.institutoptique.fr/ONIP/</a:t>
+            </a:r>
+          </a:p>
+        </p:txBody>
+      </p:sp>
+      <p:sp>
+        <p:nvSpPr>
+          <p:cNvPr id="3" name="Espace réservé du contenu 3">
+            <a:extLst>
+              <a:ext uri="{FF2B5EF4-FFF2-40B4-BE49-F238E27FC236}">
+                <a16:creationId xmlns:a16="http://schemas.microsoft.com/office/drawing/2014/main" id="{C286C4A6-2AB7-32A2-6489-6BBE1FC69413}"/>
+              </a:ext>
+            </a:extLst>
+          </p:cNvPr>
+          <p:cNvSpPr txBox="1">
+            <a:spLocks/>
+          </p:cNvSpPr>
+          <p:nvPr/>
+        </p:nvSpPr>
+        <p:spPr>
+          <a:xfrm>
+            <a:off x="6585644" y="2478024"/>
+            <a:ext cx="4937760" cy="3694176"/>
+          </a:xfrm>
+          <a:prstGeom prst="rect">
+            <a:avLst/>
+          </a:prstGeom>
+        </p:spPr>
+        <p:txBody>
+          <a:bodyPr vert="horz" lIns="91440" tIns="45720" rIns="91440" bIns="45720" rtlCol="0">
+            <a:normAutofit/>
+          </a:bodyPr>
+          <a:lstStyle>
+            <a:lvl1pPr marL="228600" indent="-228600" algn="l" defTabSz="914400" rtl="0" eaLnBrk="1" latinLnBrk="0" hangingPunct="1">
+              <a:lnSpc>
+                <a:spcPct val="110000"/>
+              </a:lnSpc>
+              <a:spcBef>
+                <a:spcPts val="1000"/>
+              </a:spcBef>
+              <a:buFont typeface="Arial" panose="020B0604020202020204" pitchFamily="34" charset="0"/>
+              <a:buChar char="•"/>
+              <a:defRPr sz="2800" kern="1200">
+                <a:solidFill>
+                  <a:schemeClr val="tx1"/>
+                </a:solidFill>
+                <a:latin typeface="+mn-lt"/>
+                <a:ea typeface="+mn-ea"/>
+                <a:cs typeface="+mn-cs"/>
+              </a:defRPr>
+            </a:lvl1pPr>
+            <a:lvl2pPr marL="685800" indent="-228600" algn="l" defTabSz="914400" rtl="0" eaLnBrk="1" latinLnBrk="0" hangingPunct="1">
+              <a:lnSpc>
+                <a:spcPct val="110000"/>
+              </a:lnSpc>
+              <a:spcBef>
+                <a:spcPts val="500"/>
+              </a:spcBef>
+              <a:buFont typeface="Arial" panose="020B0604020202020204" pitchFamily="34" charset="0"/>
+              <a:buChar char="•"/>
+              <a:defRPr sz="2400" kern="1200">
+                <a:solidFill>
+                  <a:schemeClr val="tx1"/>
+                </a:solidFill>
+                <a:latin typeface="+mn-lt"/>
+                <a:ea typeface="+mn-ea"/>
+                <a:cs typeface="+mn-cs"/>
+              </a:defRPr>
+            </a:lvl2pPr>
+            <a:lvl3pPr marL="1143000" indent="-228600" algn="l" defTabSz="914400" rtl="0" eaLnBrk="1" latinLnBrk="0" hangingPunct="1">
+              <a:lnSpc>
+                <a:spcPct val="110000"/>
+              </a:lnSpc>
+              <a:spcBef>
+                <a:spcPts val="500"/>
+              </a:spcBef>
+              <a:buFont typeface="Arial" panose="020B0604020202020204" pitchFamily="34" charset="0"/>
+              <a:buChar char="•"/>
+              <a:defRPr sz="2000" kern="1200">
+                <a:solidFill>
+                  <a:schemeClr val="tx1"/>
+                </a:solidFill>
+                <a:latin typeface="+mn-lt"/>
+                <a:ea typeface="+mn-ea"/>
+                <a:cs typeface="+mn-cs"/>
+              </a:defRPr>
+            </a:lvl3pPr>
+            <a:lvl4pPr marL="1600200" indent="-228600" algn="l" defTabSz="914400" rtl="0" eaLnBrk="1" latinLnBrk="0" hangingPunct="1">
+              <a:lnSpc>
+                <a:spcPct val="110000"/>
+              </a:lnSpc>
+              <a:spcBef>
+                <a:spcPts val="500"/>
+              </a:spcBef>
+              <a:buFont typeface="Arial" panose="020B0604020202020204" pitchFamily="34" charset="0"/>
+              <a:buChar char="•"/>
+              <a:defRPr sz="1800" kern="1200">
+                <a:solidFill>
+                  <a:schemeClr val="tx1"/>
+                </a:solidFill>
+                <a:latin typeface="+mn-lt"/>
+                <a:ea typeface="+mn-ea"/>
+                <a:cs typeface="+mn-cs"/>
+              </a:defRPr>
+            </a:lvl4pPr>
+            <a:lvl5pPr marL="2057400" indent="-228600" algn="l" defTabSz="914400" rtl="0" eaLnBrk="1" latinLnBrk="0" hangingPunct="1">
+              <a:lnSpc>
+                <a:spcPct val="110000"/>
+              </a:lnSpc>
+              <a:spcBef>
+                <a:spcPts val="500"/>
+              </a:spcBef>
+              <a:buFont typeface="Arial" panose="020B0604020202020204" pitchFamily="34" charset="0"/>
+              <a:buChar char="•"/>
+              <a:defRPr sz="1800" kern="1200">
+                <a:solidFill>
+                  <a:schemeClr val="tx1"/>
+                </a:solidFill>
+                <a:latin typeface="+mn-lt"/>
+                <a:ea typeface="+mn-ea"/>
+                <a:cs typeface="+mn-cs"/>
+              </a:defRPr>
+            </a:lvl5pPr>
+            <a:lvl6pPr marL="2514600" indent="-228600" algn="l" defTabSz="914400" rtl="0" eaLnBrk="1" latinLnBrk="0" hangingPunct="1">
+              <a:lnSpc>
+                <a:spcPct val="90000"/>
+              </a:lnSpc>
+              <a:spcBef>
+                <a:spcPts val="500"/>
+              </a:spcBef>
+              <a:buFont typeface="Arial" panose="020B0604020202020204" pitchFamily="34" charset="0"/>
+              <a:buChar char="•"/>
+              <a:defRPr sz="1800" kern="1200">
+                <a:solidFill>
+                  <a:schemeClr val="tx1"/>
+                </a:solidFill>
+                <a:latin typeface="+mn-lt"/>
+                <a:ea typeface="+mn-ea"/>
+                <a:cs typeface="+mn-cs"/>
+              </a:defRPr>
+            </a:lvl6pPr>
+            <a:lvl7pPr marL="2971800" indent="-228600" algn="l" defTabSz="914400" rtl="0" eaLnBrk="1" latinLnBrk="0" hangingPunct="1">
+              <a:lnSpc>
+                <a:spcPct val="90000"/>
+              </a:lnSpc>
+              <a:spcBef>
+                <a:spcPts val="500"/>
+              </a:spcBef>
+              <a:buFont typeface="Arial" panose="020B0604020202020204" pitchFamily="34" charset="0"/>
+              <a:buChar char="•"/>
+              <a:defRPr sz="1800" kern="1200">
+                <a:solidFill>
+                  <a:schemeClr val="tx1"/>
+                </a:solidFill>
+                <a:latin typeface="+mn-lt"/>
+                <a:ea typeface="+mn-ea"/>
+                <a:cs typeface="+mn-cs"/>
+              </a:defRPr>
+            </a:lvl7pPr>
+            <a:lvl8pPr marL="3429000" indent="-228600" algn="l" defTabSz="914400" rtl="0" eaLnBrk="1" latinLnBrk="0" hangingPunct="1">
+              <a:lnSpc>
+                <a:spcPct val="90000"/>
+              </a:lnSpc>
+              <a:spcBef>
+                <a:spcPts val="500"/>
+              </a:spcBef>
+              <a:buFont typeface="Arial" panose="020B0604020202020204" pitchFamily="34" charset="0"/>
+              <a:buChar char="•"/>
+              <a:defRPr sz="1800" kern="1200">
+                <a:solidFill>
+                  <a:schemeClr val="tx1"/>
+                </a:solidFill>
+                <a:latin typeface="+mn-lt"/>
+                <a:ea typeface="+mn-ea"/>
+                <a:cs typeface="+mn-cs"/>
+              </a:defRPr>
+            </a:lvl8pPr>
+            <a:lvl9pPr marL="3886200" indent="-228600" algn="l" defTabSz="914400" rtl="0" eaLnBrk="1" latinLnBrk="0" hangingPunct="1">
+              <a:lnSpc>
+                <a:spcPct val="90000"/>
+              </a:lnSpc>
+              <a:spcBef>
+                <a:spcPts val="500"/>
+              </a:spcBef>
+              <a:buFont typeface="Arial" panose="020B0604020202020204" pitchFamily="34" charset="0"/>
+              <a:buChar char="•"/>
+              <a:defRPr sz="1800" kern="1200">
+                <a:solidFill>
+                  <a:schemeClr val="tx1"/>
+                </a:solidFill>
+                <a:latin typeface="+mn-lt"/>
+                <a:ea typeface="+mn-ea"/>
+                <a:cs typeface="+mn-cs"/>
+              </a:defRPr>
+            </a:lvl9pPr>
+          </a:lstStyle>
+          <a:p>
+            <a:r>
+              <a:rPr lang="fr-FR" dirty="0"/>
+              <a:t>B3_data_03.txt</a:t>
+            </a:r>
+          </a:p>
+          <a:p>
+            <a:pPr lvl="1"/>
+            <a:r>
+              <a:rPr lang="fr-FR" sz="2000" dirty="0"/>
+              <a:t>Format de données binaire 64</a:t>
             </a:r>
           </a:p>
         </p:txBody>

--- a/ONIP/onip_b3_traitement_1D/B3_0_Deroulement.pptx
+++ b/ONIP/onip_b3_traitement_1D/B3_0_Deroulement.pptx
@@ -17,6 +17,7 @@
     <p:sldId id="276" r:id="rId11"/>
     <p:sldId id="278" r:id="rId12"/>
     <p:sldId id="281" r:id="rId13"/>
+    <p:sldId id="283" r:id="rId14"/>
   </p:sldIdLst>
   <p:sldSz cx="12192000" cy="6858000"/>
   <p:notesSz cx="6858000" cy="9144000"/>
@@ -279,7 +280,7 @@
           <a:p>
             <a:fld id="{02AC24A9-CCB6-4F8D-B8DB-C2F3692CFA5A}" type="datetimeFigureOut">
               <a:rPr lang="en-US" smtClean="0"/>
-              <a:t>10/26/2023</a:t>
+              <a:t>11/13/2023</a:t>
             </a:fld>
             <a:endParaRPr lang="en-US" dirty="0"/>
           </a:p>
@@ -649,7 +650,7 @@
           <a:p>
             <a:fld id="{02AC24A9-CCB6-4F8D-B8DB-C2F3692CFA5A}" type="datetimeFigureOut">
               <a:rPr lang="en-US" smtClean="0"/>
-              <a:t>10/26/2023</a:t>
+              <a:t>11/13/2023</a:t>
             </a:fld>
             <a:endParaRPr lang="en-US"/>
           </a:p>
@@ -858,7 +859,7 @@
           <a:p>
             <a:fld id="{02AC24A9-CCB6-4F8D-B8DB-C2F3692CFA5A}" type="datetimeFigureOut">
               <a:rPr lang="en-US" smtClean="0"/>
-              <a:t>10/26/2023</a:t>
+              <a:t>11/13/2023</a:t>
             </a:fld>
             <a:endParaRPr lang="en-US"/>
           </a:p>
@@ -1328,7 +1329,7 @@
           <a:p>
             <a:fld id="{02AC24A9-CCB6-4F8D-B8DB-C2F3692CFA5A}" type="datetimeFigureOut">
               <a:rPr lang="en-US" smtClean="0"/>
-              <a:t>10/26/2023</a:t>
+              <a:t>11/13/2023</a:t>
             </a:fld>
             <a:endParaRPr lang="en-US"/>
           </a:p>
@@ -1782,7 +1783,7 @@
           <a:p>
             <a:fld id="{02AC24A9-CCB6-4F8D-B8DB-C2F3692CFA5A}" type="datetimeFigureOut">
               <a:rPr lang="en-US" smtClean="0"/>
-              <a:t>10/26/2023</a:t>
+              <a:t>11/13/2023</a:t>
             </a:fld>
             <a:endParaRPr lang="en-US"/>
           </a:p>
@@ -2314,7 +2315,7 @@
           <a:p>
             <a:fld id="{02AC24A9-CCB6-4F8D-B8DB-C2F3692CFA5A}" type="datetimeFigureOut">
               <a:rPr lang="en-US" smtClean="0"/>
-              <a:t>10/26/2023</a:t>
+              <a:t>11/13/2023</a:t>
             </a:fld>
             <a:endParaRPr lang="en-US"/>
           </a:p>
@@ -3013,7 +3014,7 @@
           <a:p>
             <a:fld id="{02AC24A9-CCB6-4F8D-B8DB-C2F3692CFA5A}" type="datetimeFigureOut">
               <a:rPr lang="en-US" smtClean="0"/>
-              <a:t>10/26/2023</a:t>
+              <a:t>11/13/2023</a:t>
             </a:fld>
             <a:endParaRPr lang="en-US"/>
           </a:p>
@@ -3342,7 +3343,7 @@
           <a:p>
             <a:fld id="{02AC24A9-CCB6-4F8D-B8DB-C2F3692CFA5A}" type="datetimeFigureOut">
               <a:rPr lang="en-US" smtClean="0"/>
-              <a:t>10/26/2023</a:t>
+              <a:t>11/13/2023</a:t>
             </a:fld>
             <a:endParaRPr lang="en-US"/>
           </a:p>
@@ -3455,7 +3456,7 @@
           <a:p>
             <a:fld id="{02AC24A9-CCB6-4F8D-B8DB-C2F3692CFA5A}" type="datetimeFigureOut">
               <a:rPr lang="en-US" smtClean="0"/>
-              <a:t>10/26/2023</a:t>
+              <a:t>11/13/2023</a:t>
             </a:fld>
             <a:endParaRPr lang="en-US"/>
           </a:p>
@@ -3950,7 +3951,7 @@
           <a:p>
             <a:fld id="{02AC24A9-CCB6-4F8D-B8DB-C2F3692CFA5A}" type="datetimeFigureOut">
               <a:rPr lang="en-US" smtClean="0"/>
-              <a:t>10/26/2023</a:t>
+              <a:t>11/13/2023</a:t>
             </a:fld>
             <a:endParaRPr lang="en-US" dirty="0"/>
           </a:p>
@@ -4427,7 +4428,7 @@
           <a:p>
             <a:fld id="{02AC24A9-CCB6-4F8D-B8DB-C2F3692CFA5A}" type="datetimeFigureOut">
               <a:rPr lang="en-US" smtClean="0"/>
-              <a:t>10/26/2023</a:t>
+              <a:t>11/13/2023</a:t>
             </a:fld>
             <a:endParaRPr lang="en-US"/>
           </a:p>
@@ -4670,7 +4671,7 @@
           <a:p>
             <a:fld id="{02AC24A9-CCB6-4F8D-B8DB-C2F3692CFA5A}" type="datetimeFigureOut">
               <a:rPr lang="en-US" smtClean="0"/>
-              <a:t>10/26/2023</a:t>
+              <a:t>11/13/2023</a:t>
             </a:fld>
             <a:endParaRPr lang="en-US"/>
           </a:p>
@@ -5724,7 +5725,7 @@
           <a:p>
             <a:r>
               <a:rPr lang="fr-FR" dirty="0"/>
-              <a:t>B3_data_02.txt  /  _fr.txt</a:t>
+              <a:t>B3_data_02.txt</a:t>
             </a:r>
           </a:p>
           <a:p>
@@ -5745,7 +5746,7 @@
             <a:pPr lvl="1"/>
             <a:r>
               <a:rPr lang="fr-FR" sz="1800" dirty="0"/>
-              <a:t>Fichier sonore / 24 kHz (48 kHz) / 16 bits</a:t>
+              <a:t>Fichier sonore / 24 kHz / 16 bits</a:t>
             </a:r>
           </a:p>
         </p:txBody>
@@ -6118,8 +6119,8 @@
         </p:nvSpPr>
         <p:spPr>
           <a:xfrm>
-            <a:off x="757084" y="2317643"/>
-            <a:ext cx="6096000" cy="369332"/>
+            <a:off x="2743200" y="2321444"/>
+            <a:ext cx="4109884" cy="369332"/>
           </a:xfrm>
           <a:prstGeom prst="rect">
             <a:avLst/>
@@ -6141,83 +6142,7 @@
                 <a:latin typeface="Arial" panose="020B0604020202020204" pitchFamily="34" charset="0"/>
                 <a:ea typeface="Arial" panose="020B0604020202020204" pitchFamily="34" charset="0"/>
               </a:rPr>
-              <a:t>m(t) = A</a:t>
-            </a:r>
-            <a:r>
-              <a:rPr lang="fr-FR" sz="1800" b="1" baseline="-25000" dirty="0">
-                <a:solidFill>
-                  <a:schemeClr val="accent4"/>
-                </a:solidFill>
-                <a:effectLst/>
-                <a:latin typeface="Arial" panose="020B0604020202020204" pitchFamily="34" charset="0"/>
-                <a:ea typeface="Arial" panose="020B0604020202020204" pitchFamily="34" charset="0"/>
-              </a:rPr>
-              <a:t>m</a:t>
-            </a:r>
-            <a:r>
-              <a:rPr lang="fr-FR" sz="1800" b="1" dirty="0">
-                <a:solidFill>
-                  <a:schemeClr val="accent4"/>
-                </a:solidFill>
-                <a:effectLst/>
-                <a:latin typeface="Arial" panose="020B0604020202020204" pitchFamily="34" charset="0"/>
-                <a:ea typeface="Arial" panose="020B0604020202020204" pitchFamily="34" charset="0"/>
-              </a:rPr>
-              <a:t> . sin(</a:t>
-            </a:r>
-            <a:r>
-              <a:rPr lang="fr-FR" sz="1800" b="1" dirty="0" err="1">
-                <a:solidFill>
-                  <a:schemeClr val="accent4"/>
-                </a:solidFill>
-                <a:effectLst/>
-                <a:latin typeface="Arial" panose="020B0604020202020204" pitchFamily="34" charset="0"/>
-                <a:ea typeface="Arial" panose="020B0604020202020204" pitchFamily="34" charset="0"/>
-              </a:rPr>
-              <a:t>ω</a:t>
-            </a:r>
-            <a:r>
-              <a:rPr lang="fr-FR" sz="1800" b="1" baseline="-25000" dirty="0" err="1">
-                <a:solidFill>
-                  <a:schemeClr val="accent4"/>
-                </a:solidFill>
-                <a:effectLst/>
-                <a:latin typeface="Arial" panose="020B0604020202020204" pitchFamily="34" charset="0"/>
-                <a:ea typeface="Arial" panose="020B0604020202020204" pitchFamily="34" charset="0"/>
-              </a:rPr>
-              <a:t>m</a:t>
-            </a:r>
-            <a:r>
-              <a:rPr lang="fr-FR" sz="1800" b="1" dirty="0">
-                <a:solidFill>
-                  <a:schemeClr val="accent4"/>
-                </a:solidFill>
-                <a:effectLst/>
-                <a:latin typeface="Arial" panose="020B0604020202020204" pitchFamily="34" charset="0"/>
-                <a:ea typeface="Arial" panose="020B0604020202020204" pitchFamily="34" charset="0"/>
-              </a:rPr>
-              <a:t> .t)</a:t>
-            </a:r>
-            <a:r>
-              <a:rPr lang="fr-FR" sz="1800" dirty="0">
-                <a:solidFill>
-                  <a:schemeClr val="accent4"/>
-                </a:solidFill>
-                <a:effectLst/>
-                <a:latin typeface="Arial" panose="020B0604020202020204" pitchFamily="34" charset="0"/>
-                <a:ea typeface="Arial" panose="020B0604020202020204" pitchFamily="34" charset="0"/>
-              </a:rPr>
-              <a:t> </a:t>
-            </a:r>
-            <a:r>
-              <a:rPr lang="fr-FR" dirty="0">
-                <a:solidFill>
-                  <a:schemeClr val="accent4"/>
-                </a:solidFill>
-                <a:latin typeface="Arial" panose="020B0604020202020204" pitchFamily="34" charset="0"/>
-                <a:ea typeface="Arial" panose="020B0604020202020204" pitchFamily="34" charset="0"/>
-              </a:rPr>
-              <a:t>                  </a:t>
+              <a:t>m(t)              </a:t>
             </a:r>
             <a:r>
               <a:rPr lang="fr-FR" sz="1800" b="1" dirty="0">
@@ -6779,9 +6704,10 @@
           <a:lstStyle/>
           <a:p>
             <a:r>
-              <a:rPr lang="fr-FR" dirty="0"/>
-              <a:t>Conversion en signaux sonores</a:t>
-            </a:r>
+              <a:rPr lang="fr-FR"/>
+              <a:t>Format Binaire 64</a:t>
+            </a:r>
+            <a:endParaRPr lang="fr-FR" dirty="0"/>
           </a:p>
         </p:txBody>
       </p:sp>
@@ -6825,6 +6751,100 @@
     <p:extLst>
       <p:ext uri="{BB962C8B-B14F-4D97-AF65-F5344CB8AC3E}">
         <p14:creationId xmlns:p14="http://schemas.microsoft.com/office/powerpoint/2010/main" val="2611207670"/>
+      </p:ext>
+    </p:extLst>
+  </p:cSld>
+  <p:clrMapOvr>
+    <a:masterClrMapping/>
+  </p:clrMapOvr>
+</p:sld>
+</file>
+
+<file path=ppt/slides/slide13.xml><?xml version="1.0" encoding="utf-8"?>
+<p:sld xmlns:a="http://schemas.openxmlformats.org/drawingml/2006/main" xmlns:r="http://schemas.openxmlformats.org/officeDocument/2006/relationships" xmlns:p="http://schemas.openxmlformats.org/presentationml/2006/main">
+  <p:cSld>
+    <p:spTree>
+      <p:nvGrpSpPr>
+        <p:cNvPr id="1" name=""/>
+        <p:cNvGrpSpPr/>
+        <p:nvPr/>
+      </p:nvGrpSpPr>
+      <p:grpSpPr>
+        <a:xfrm>
+          <a:off x="0" y="0"/>
+          <a:ext cx="0" cy="0"/>
+          <a:chOff x="0" y="0"/>
+          <a:chExt cx="0" cy="0"/>
+        </a:xfrm>
+      </p:grpSpPr>
+      <p:sp>
+        <p:nvSpPr>
+          <p:cNvPr id="2" name="Titre 1">
+            <a:extLst>
+              <a:ext uri="{FF2B5EF4-FFF2-40B4-BE49-F238E27FC236}">
+                <a16:creationId xmlns:a16="http://schemas.microsoft.com/office/drawing/2014/main" id="{90162AE8-C1B0-5C56-8313-DEE494F38273}"/>
+              </a:ext>
+            </a:extLst>
+          </p:cNvPr>
+          <p:cNvSpPr>
+            <a:spLocks noGrp="1"/>
+          </p:cNvSpPr>
+          <p:nvPr>
+            <p:ph type="title"/>
+          </p:nvPr>
+        </p:nvSpPr>
+        <p:spPr/>
+        <p:txBody>
+          <a:bodyPr/>
+          <a:lstStyle/>
+          <a:p>
+            <a:r>
+              <a:rPr lang="fr-FR" dirty="0"/>
+              <a:t>Conversion en signaux sonores</a:t>
+            </a:r>
+          </a:p>
+        </p:txBody>
+      </p:sp>
+      <p:pic>
+        <p:nvPicPr>
+          <p:cNvPr id="5" name="Image 4" descr="Une image contenant texte&#10;&#10;Description générée automatiquement">
+            <a:extLst>
+              <a:ext uri="{FF2B5EF4-FFF2-40B4-BE49-F238E27FC236}">
+                <a16:creationId xmlns:a16="http://schemas.microsoft.com/office/drawing/2014/main" id="{204ADC40-1D61-539F-22ED-6B21D67FBDE6}"/>
+              </a:ext>
+            </a:extLst>
+          </p:cNvPr>
+          <p:cNvPicPr>
+            <a:picLocks noChangeAspect="1"/>
+          </p:cNvPicPr>
+          <p:nvPr/>
+        </p:nvPicPr>
+        <p:blipFill>
+          <a:blip r:embed="rId2">
+            <a:extLst>
+              <a:ext uri="{28A0092B-C50C-407E-A947-70E740481C1C}">
+                <a14:useLocalDpi xmlns:a14="http://schemas.microsoft.com/office/drawing/2010/main" val="0"/>
+              </a:ext>
+            </a:extLst>
+          </a:blip>
+          <a:stretch>
+            <a:fillRect/>
+          </a:stretch>
+        </p:blipFill>
+        <p:spPr>
+          <a:xfrm>
+            <a:off x="202922" y="5934456"/>
+            <a:ext cx="1825291" cy="749808"/>
+          </a:xfrm>
+          <a:prstGeom prst="rect">
+            <a:avLst/>
+          </a:prstGeom>
+        </p:spPr>
+      </p:pic>
+    </p:spTree>
+    <p:extLst>
+      <p:ext uri="{BB962C8B-B14F-4D97-AF65-F5344CB8AC3E}">
+        <p14:creationId xmlns:p14="http://schemas.microsoft.com/office/powerpoint/2010/main" val="2479541666"/>
       </p:ext>
     </p:extLst>
   </p:cSld>

--- a/ONIP/onip_b3_traitement_1D/B3_0_Deroulement.pptx
+++ b/ONIP/onip_b3_traitement_1D/B3_0_Deroulement.pptx
@@ -16,8 +16,12 @@
     <p:sldId id="275" r:id="rId10"/>
     <p:sldId id="276" r:id="rId11"/>
     <p:sldId id="278" r:id="rId12"/>
-    <p:sldId id="281" r:id="rId13"/>
-    <p:sldId id="283" r:id="rId14"/>
+    <p:sldId id="284" r:id="rId13"/>
+    <p:sldId id="285" r:id="rId14"/>
+    <p:sldId id="286" r:id="rId15"/>
+    <p:sldId id="287" r:id="rId16"/>
+    <p:sldId id="281" r:id="rId17"/>
+    <p:sldId id="283" r:id="rId18"/>
   </p:sldIdLst>
   <p:sldSz cx="12192000" cy="6858000"/>
   <p:notesSz cx="6858000" cy="9144000"/>
@@ -118,7 +122,7 @@
   </p:defaultTextStyle>
   <p:extLst>
     <p:ext uri="{EFAFB233-063F-42B5-8137-9DF3F51BA10A}">
-      <p15:sldGuideLst xmlns:p15="http://schemas.microsoft.com/office/powerpoint/2012/main"/>
+      <p15:sldGuideLst xmlns:p15="http://schemas.microsoft.com/office/powerpoint/2012/main" xmlns=""/>
     </p:ext>
   </p:extLst>
 </p:presentation>
@@ -146,7 +150,7 @@
           <p:cNvPr id="2" name="Title 1">
             <a:extLst>
               <a:ext uri="{FF2B5EF4-FFF2-40B4-BE49-F238E27FC236}">
-                <a16:creationId xmlns:a16="http://schemas.microsoft.com/office/drawing/2014/main" id="{E0EB8136-4330-4480-80D9-0F6FD970617C}"/>
+                <a16:creationId xmlns:a16="http://schemas.microsoft.com/office/drawing/2014/main" xmlns="" id="{E0EB8136-4330-4480-80D9-0F6FD970617C}"/>
               </a:ext>
             </a:extLst>
           </p:cNvPr>
@@ -185,7 +189,7 @@
           <p:cNvPr id="3" name="Subtitle 2">
             <a:extLst>
               <a:ext uri="{FF2B5EF4-FFF2-40B4-BE49-F238E27FC236}">
-                <a16:creationId xmlns:a16="http://schemas.microsoft.com/office/drawing/2014/main" id="{566E5739-DD96-45FB-B609-3E3447A52FED}"/>
+                <a16:creationId xmlns:a16="http://schemas.microsoft.com/office/drawing/2014/main" xmlns="" id="{566E5739-DD96-45FB-B609-3E3447A52FED}"/>
               </a:ext>
             </a:extLst>
           </p:cNvPr>
@@ -257,7 +261,7 @@
           <p:cNvPr id="4" name="Date Placeholder 3">
             <a:extLst>
               <a:ext uri="{FF2B5EF4-FFF2-40B4-BE49-F238E27FC236}">
-                <a16:creationId xmlns:a16="http://schemas.microsoft.com/office/drawing/2014/main" id="{1B9FF558-51F9-42A2-9944-DBE23DA8B224}"/>
+                <a16:creationId xmlns:a16="http://schemas.microsoft.com/office/drawing/2014/main" xmlns="" id="{1B9FF558-51F9-42A2-9944-DBE23DA8B224}"/>
               </a:ext>
             </a:extLst>
           </p:cNvPr>
@@ -280,7 +284,7 @@
           <a:p>
             <a:fld id="{02AC24A9-CCB6-4F8D-B8DB-C2F3692CFA5A}" type="datetimeFigureOut">
               <a:rPr lang="en-US" smtClean="0"/>
-              <a:t>11/13/2023</a:t>
+              <a:t>11/20/2023</a:t>
             </a:fld>
             <a:endParaRPr lang="en-US" dirty="0"/>
           </a:p>
@@ -291,7 +295,7 @@
           <p:cNvPr id="5" name="Footer Placeholder 4">
             <a:extLst>
               <a:ext uri="{FF2B5EF4-FFF2-40B4-BE49-F238E27FC236}">
-                <a16:creationId xmlns:a16="http://schemas.microsoft.com/office/drawing/2014/main" id="{8B8C0E86-A7F7-4BDC-A637-254E5252DED5}"/>
+                <a16:creationId xmlns:a16="http://schemas.microsoft.com/office/drawing/2014/main" xmlns="" id="{8B8C0E86-A7F7-4BDC-A637-254E5252DED5}"/>
               </a:ext>
             </a:extLst>
           </p:cNvPr>
@@ -316,7 +320,7 @@
           <p:cNvPr id="6" name="Slide Number Placeholder 5">
             <a:extLst>
               <a:ext uri="{FF2B5EF4-FFF2-40B4-BE49-F238E27FC236}">
-                <a16:creationId xmlns:a16="http://schemas.microsoft.com/office/drawing/2014/main" id="{C3D10ADE-E9DA-4E57-BF57-1CCB65219839}"/>
+                <a16:creationId xmlns:a16="http://schemas.microsoft.com/office/drawing/2014/main" xmlns="" id="{C3D10ADE-E9DA-4E57-BF57-1CCB65219839}"/>
               </a:ext>
             </a:extLst>
           </p:cNvPr>
@@ -350,7 +354,7 @@
           <p:cNvPr id="8" name="Rectangle 7">
             <a:extLst>
               <a:ext uri="{FF2B5EF4-FFF2-40B4-BE49-F238E27FC236}">
-                <a16:creationId xmlns:a16="http://schemas.microsoft.com/office/drawing/2014/main" id="{8D06CE56-3881-4ADA-8CEF-D18B02C242A3}"/>
+                <a16:creationId xmlns:a16="http://schemas.microsoft.com/office/drawing/2014/main" xmlns="" id="{8D06CE56-3881-4ADA-8CEF-D18B02C242A3}"/>
               </a:ext>
             </a:extLst>
           </p:cNvPr>
@@ -431,7 +435,7 @@
           <p:cNvPr id="10" name="Rectangle 9">
             <a:extLst>
               <a:ext uri="{FF2B5EF4-FFF2-40B4-BE49-F238E27FC236}">
-                <a16:creationId xmlns:a16="http://schemas.microsoft.com/office/drawing/2014/main" id="{79F3C543-62EC-4433-9C93-A2CD8764E9B4}"/>
+                <a16:creationId xmlns:a16="http://schemas.microsoft.com/office/drawing/2014/main" xmlns="" id="{79F3C543-62EC-4433-9C93-A2CD8764E9B4}"/>
               </a:ext>
             </a:extLst>
           </p:cNvPr>
@@ -546,7 +550,7 @@
           <p:cNvPr id="2" name="Title 1">
             <a:extLst>
               <a:ext uri="{FF2B5EF4-FFF2-40B4-BE49-F238E27FC236}">
-                <a16:creationId xmlns:a16="http://schemas.microsoft.com/office/drawing/2014/main" id="{90B32C18-E430-4EC7-BD7C-99D86D012231}"/>
+                <a16:creationId xmlns:a16="http://schemas.microsoft.com/office/drawing/2014/main" xmlns="" id="{90B32C18-E430-4EC7-BD7C-99D86D012231}"/>
               </a:ext>
             </a:extLst>
           </p:cNvPr>
@@ -575,7 +579,7 @@
           <p:cNvPr id="3" name="Vertical Text Placeholder 2">
             <a:extLst>
               <a:ext uri="{FF2B5EF4-FFF2-40B4-BE49-F238E27FC236}">
-                <a16:creationId xmlns:a16="http://schemas.microsoft.com/office/drawing/2014/main" id="{8FC5012F-7119-4D94-9717-3862E1C9384E}"/>
+                <a16:creationId xmlns:a16="http://schemas.microsoft.com/office/drawing/2014/main" xmlns="" id="{8FC5012F-7119-4D94-9717-3862E1C9384E}"/>
               </a:ext>
             </a:extLst>
           </p:cNvPr>
@@ -632,7 +636,7 @@
           <p:cNvPr id="4" name="Date Placeholder 3">
             <a:extLst>
               <a:ext uri="{FF2B5EF4-FFF2-40B4-BE49-F238E27FC236}">
-                <a16:creationId xmlns:a16="http://schemas.microsoft.com/office/drawing/2014/main" id="{19ED9A4A-D287-4207-9037-70DB007A1707}"/>
+                <a16:creationId xmlns:a16="http://schemas.microsoft.com/office/drawing/2014/main" xmlns="" id="{19ED9A4A-D287-4207-9037-70DB007A1707}"/>
               </a:ext>
             </a:extLst>
           </p:cNvPr>
@@ -650,7 +654,7 @@
           <a:p>
             <a:fld id="{02AC24A9-CCB6-4F8D-B8DB-C2F3692CFA5A}" type="datetimeFigureOut">
               <a:rPr lang="en-US" smtClean="0"/>
-              <a:t>11/13/2023</a:t>
+              <a:t>11/20/2023</a:t>
             </a:fld>
             <a:endParaRPr lang="en-US"/>
           </a:p>
@@ -661,7 +665,7 @@
           <p:cNvPr id="5" name="Footer Placeholder 4">
             <a:extLst>
               <a:ext uri="{FF2B5EF4-FFF2-40B4-BE49-F238E27FC236}">
-                <a16:creationId xmlns:a16="http://schemas.microsoft.com/office/drawing/2014/main" id="{61ECFCAC-80DB-43BB-B3F1-AC22BACEE360}"/>
+                <a16:creationId xmlns:a16="http://schemas.microsoft.com/office/drawing/2014/main" xmlns="" id="{61ECFCAC-80DB-43BB-B3F1-AC22BACEE360}"/>
               </a:ext>
             </a:extLst>
           </p:cNvPr>
@@ -686,7 +690,7 @@
           <p:cNvPr id="6" name="Slide Number Placeholder 5">
             <a:extLst>
               <a:ext uri="{FF2B5EF4-FFF2-40B4-BE49-F238E27FC236}">
-                <a16:creationId xmlns:a16="http://schemas.microsoft.com/office/drawing/2014/main" id="{D7679730-3487-4D94-A0DC-C21684963AB3}"/>
+                <a16:creationId xmlns:a16="http://schemas.microsoft.com/office/drawing/2014/main" xmlns="" id="{D7679730-3487-4D94-A0DC-C21684963AB3}"/>
               </a:ext>
             </a:extLst>
           </p:cNvPr>
@@ -745,7 +749,7 @@
           <p:cNvPr id="2" name="Vertical Title 1">
             <a:extLst>
               <a:ext uri="{FF2B5EF4-FFF2-40B4-BE49-F238E27FC236}">
-                <a16:creationId xmlns:a16="http://schemas.microsoft.com/office/drawing/2014/main" id="{B543C89D-929E-4CD1-BCCC-72A14C0335D6}"/>
+                <a16:creationId xmlns:a16="http://schemas.microsoft.com/office/drawing/2014/main" xmlns="" id="{B543C89D-929E-4CD1-BCCC-72A14C0335D6}"/>
               </a:ext>
             </a:extLst>
           </p:cNvPr>
@@ -779,7 +783,7 @@
           <p:cNvPr id="3" name="Vertical Text Placeholder 2">
             <a:extLst>
               <a:ext uri="{FF2B5EF4-FFF2-40B4-BE49-F238E27FC236}">
-                <a16:creationId xmlns:a16="http://schemas.microsoft.com/office/drawing/2014/main" id="{FED450EA-A577-4B76-A12F-650BEB20FD8D}"/>
+                <a16:creationId xmlns:a16="http://schemas.microsoft.com/office/drawing/2014/main" xmlns="" id="{FED450EA-A577-4B76-A12F-650BEB20FD8D}"/>
               </a:ext>
             </a:extLst>
           </p:cNvPr>
@@ -841,7 +845,7 @@
           <p:cNvPr id="4" name="Date Placeholder 3">
             <a:extLst>
               <a:ext uri="{FF2B5EF4-FFF2-40B4-BE49-F238E27FC236}">
-                <a16:creationId xmlns:a16="http://schemas.microsoft.com/office/drawing/2014/main" id="{41D2603B-9ACE-4FA9-805B-9B91EB63DF7D}"/>
+                <a16:creationId xmlns:a16="http://schemas.microsoft.com/office/drawing/2014/main" xmlns="" id="{41D2603B-9ACE-4FA9-805B-9B91EB63DF7D}"/>
               </a:ext>
             </a:extLst>
           </p:cNvPr>
@@ -859,7 +863,7 @@
           <a:p>
             <a:fld id="{02AC24A9-CCB6-4F8D-B8DB-C2F3692CFA5A}" type="datetimeFigureOut">
               <a:rPr lang="en-US" smtClean="0"/>
-              <a:t>11/13/2023</a:t>
+              <a:t>11/20/2023</a:t>
             </a:fld>
             <a:endParaRPr lang="en-US"/>
           </a:p>
@@ -870,7 +874,7 @@
           <p:cNvPr id="5" name="Footer Placeholder 4">
             <a:extLst>
               <a:ext uri="{FF2B5EF4-FFF2-40B4-BE49-F238E27FC236}">
-                <a16:creationId xmlns:a16="http://schemas.microsoft.com/office/drawing/2014/main" id="{7ECE18AC-D6A9-4A61-885D-68E2B684A438}"/>
+                <a16:creationId xmlns:a16="http://schemas.microsoft.com/office/drawing/2014/main" xmlns="" id="{7ECE18AC-D6A9-4A61-885D-68E2B684A438}"/>
               </a:ext>
             </a:extLst>
           </p:cNvPr>
@@ -895,7 +899,7 @@
           <p:cNvPr id="6" name="Slide Number Placeholder 5">
             <a:extLst>
               <a:ext uri="{FF2B5EF4-FFF2-40B4-BE49-F238E27FC236}">
-                <a16:creationId xmlns:a16="http://schemas.microsoft.com/office/drawing/2014/main" id="{75197AE4-AA47-4E14-8FFE-171FAE47F49E}"/>
+                <a16:creationId xmlns:a16="http://schemas.microsoft.com/office/drawing/2014/main" xmlns="" id="{75197AE4-AA47-4E14-8FFE-171FAE47F49E}"/>
               </a:ext>
             </a:extLst>
           </p:cNvPr>
@@ -954,7 +958,7 @@
           <p:cNvPr id="8" name="Rectangle 7">
             <a:extLst>
               <a:ext uri="{FF2B5EF4-FFF2-40B4-BE49-F238E27FC236}">
-                <a16:creationId xmlns:a16="http://schemas.microsoft.com/office/drawing/2014/main" id="{2D6FBB9D-1CAA-4D05-AB33-BABDFE17B843}"/>
+                <a16:creationId xmlns:a16="http://schemas.microsoft.com/office/drawing/2014/main" xmlns="" id="{2D6FBB9D-1CAA-4D05-AB33-BABDFE17B843}"/>
               </a:ext>
             </a:extLst>
           </p:cNvPr>
@@ -1045,7 +1049,7 @@
           <p:cNvPr id="10" name="Rectangle 9">
             <a:extLst>
               <a:ext uri="{FF2B5EF4-FFF2-40B4-BE49-F238E27FC236}">
-                <a16:creationId xmlns:a16="http://schemas.microsoft.com/office/drawing/2014/main" id="{04727B71-B4B6-4823-80A1-68C40B475118}"/>
+                <a16:creationId xmlns:a16="http://schemas.microsoft.com/office/drawing/2014/main" xmlns="" id="{04727B71-B4B6-4823-80A1-68C40B475118}"/>
               </a:ext>
             </a:extLst>
           </p:cNvPr>
@@ -1124,7 +1128,7 @@
           <p:cNvPr id="12" name="Rectangle 11">
             <a:extLst>
               <a:ext uri="{FF2B5EF4-FFF2-40B4-BE49-F238E27FC236}">
-                <a16:creationId xmlns:a16="http://schemas.microsoft.com/office/drawing/2014/main" id="{79A6DB05-9FB5-4B07-8675-74C23D4FD89D}"/>
+                <a16:creationId xmlns:a16="http://schemas.microsoft.com/office/drawing/2014/main" xmlns="" id="{79A6DB05-9FB5-4B07-8675-74C23D4FD89D}"/>
               </a:ext>
             </a:extLst>
           </p:cNvPr>
@@ -1205,7 +1209,7 @@
           <p:cNvPr id="2" name="Title 1">
             <a:extLst>
               <a:ext uri="{FF2B5EF4-FFF2-40B4-BE49-F238E27FC236}">
-                <a16:creationId xmlns:a16="http://schemas.microsoft.com/office/drawing/2014/main" id="{48D358CF-0758-490A-A084-C46443B9ABE8}"/>
+                <a16:creationId xmlns:a16="http://schemas.microsoft.com/office/drawing/2014/main" xmlns="" id="{48D358CF-0758-490A-A084-C46443B9ABE8}"/>
               </a:ext>
             </a:extLst>
           </p:cNvPr>
@@ -1244,7 +1248,7 @@
           <p:cNvPr id="3" name="Content Placeholder 2">
             <a:extLst>
               <a:ext uri="{FF2B5EF4-FFF2-40B4-BE49-F238E27FC236}">
-                <a16:creationId xmlns:a16="http://schemas.microsoft.com/office/drawing/2014/main" id="{21671183-B3CE-4F45-92FB-98290CA0E2CA}"/>
+                <a16:creationId xmlns:a16="http://schemas.microsoft.com/office/drawing/2014/main" xmlns="" id="{21671183-B3CE-4F45-92FB-98290CA0E2CA}"/>
               </a:ext>
             </a:extLst>
           </p:cNvPr>
@@ -1306,7 +1310,7 @@
           <p:cNvPr id="4" name="Date Placeholder 3">
             <a:extLst>
               <a:ext uri="{FF2B5EF4-FFF2-40B4-BE49-F238E27FC236}">
-                <a16:creationId xmlns:a16="http://schemas.microsoft.com/office/drawing/2014/main" id="{3D7DED67-27EC-4D43-A21C-093C1DB04813}"/>
+                <a16:creationId xmlns:a16="http://schemas.microsoft.com/office/drawing/2014/main" xmlns="" id="{3D7DED67-27EC-4D43-A21C-093C1DB04813}"/>
               </a:ext>
             </a:extLst>
           </p:cNvPr>
@@ -1329,7 +1333,7 @@
           <a:p>
             <a:fld id="{02AC24A9-CCB6-4F8D-B8DB-C2F3692CFA5A}" type="datetimeFigureOut">
               <a:rPr lang="en-US" smtClean="0"/>
-              <a:t>11/13/2023</a:t>
+              <a:t>11/20/2023</a:t>
             </a:fld>
             <a:endParaRPr lang="en-US"/>
           </a:p>
@@ -1340,7 +1344,7 @@
           <p:cNvPr id="5" name="Footer Placeholder 4">
             <a:extLst>
               <a:ext uri="{FF2B5EF4-FFF2-40B4-BE49-F238E27FC236}">
-                <a16:creationId xmlns:a16="http://schemas.microsoft.com/office/drawing/2014/main" id="{36747CE3-4890-4BC1-94DB-5D49D02C9933}"/>
+                <a16:creationId xmlns:a16="http://schemas.microsoft.com/office/drawing/2014/main" xmlns="" id="{36747CE3-4890-4BC1-94DB-5D49D02C9933}"/>
               </a:ext>
             </a:extLst>
           </p:cNvPr>
@@ -1365,7 +1369,7 @@
           <p:cNvPr id="6" name="Slide Number Placeholder 5">
             <a:extLst>
               <a:ext uri="{FF2B5EF4-FFF2-40B4-BE49-F238E27FC236}">
-                <a16:creationId xmlns:a16="http://schemas.microsoft.com/office/drawing/2014/main" id="{093C5AD3-D79A-4D46-B25B-822FE0252511}"/>
+                <a16:creationId xmlns:a16="http://schemas.microsoft.com/office/drawing/2014/main" xmlns="" id="{093C5AD3-D79A-4D46-B25B-822FE0252511}"/>
               </a:ext>
             </a:extLst>
           </p:cNvPr>
@@ -1429,7 +1433,7 @@
           <p:cNvPr id="8" name="Rectangle 7">
             <a:extLst>
               <a:ext uri="{FF2B5EF4-FFF2-40B4-BE49-F238E27FC236}">
-                <a16:creationId xmlns:a16="http://schemas.microsoft.com/office/drawing/2014/main" id="{85AEDC5C-2E87-49C6-AB07-A95E5F39ED8E}"/>
+                <a16:creationId xmlns:a16="http://schemas.microsoft.com/office/drawing/2014/main" xmlns="" id="{85AEDC5C-2E87-49C6-AB07-A95E5F39ED8E}"/>
               </a:ext>
             </a:extLst>
           </p:cNvPr>
@@ -1520,7 +1524,7 @@
           <p:cNvPr id="10" name="Rectangle 9">
             <a:extLst>
               <a:ext uri="{FF2B5EF4-FFF2-40B4-BE49-F238E27FC236}">
-                <a16:creationId xmlns:a16="http://schemas.microsoft.com/office/drawing/2014/main" id="{A57D88DE-E462-4C8A-BF99-609390DFB781}"/>
+                <a16:creationId xmlns:a16="http://schemas.microsoft.com/office/drawing/2014/main" xmlns="" id="{A57D88DE-E462-4C8A-BF99-609390DFB781}"/>
               </a:ext>
             </a:extLst>
           </p:cNvPr>
@@ -1601,7 +1605,7 @@
           <p:cNvPr id="2" name="Title 1">
             <a:extLst>
               <a:ext uri="{FF2B5EF4-FFF2-40B4-BE49-F238E27FC236}">
-                <a16:creationId xmlns:a16="http://schemas.microsoft.com/office/drawing/2014/main" id="{B8E44900-E8BF-4B12-8BCB-41076E2B68C7}"/>
+                <a16:creationId xmlns:a16="http://schemas.microsoft.com/office/drawing/2014/main" xmlns="" id="{B8E44900-E8BF-4B12-8BCB-41076E2B68C7}"/>
               </a:ext>
             </a:extLst>
           </p:cNvPr>
@@ -1640,7 +1644,7 @@
           <p:cNvPr id="3" name="Text Placeholder 2">
             <a:extLst>
               <a:ext uri="{FF2B5EF4-FFF2-40B4-BE49-F238E27FC236}">
-                <a16:creationId xmlns:a16="http://schemas.microsoft.com/office/drawing/2014/main" id="{917741F9-B00F-4463-A257-6B66DABD9B4E}"/>
+                <a16:creationId xmlns:a16="http://schemas.microsoft.com/office/drawing/2014/main" xmlns="" id="{917741F9-B00F-4463-A257-6B66DABD9B4E}"/>
               </a:ext>
             </a:extLst>
           </p:cNvPr>
@@ -1765,7 +1769,7 @@
           <p:cNvPr id="4" name="Date Placeholder 3">
             <a:extLst>
               <a:ext uri="{FF2B5EF4-FFF2-40B4-BE49-F238E27FC236}">
-                <a16:creationId xmlns:a16="http://schemas.microsoft.com/office/drawing/2014/main" id="{D48BFA7D-4401-4285-802B-1579165F0D6D}"/>
+                <a16:creationId xmlns:a16="http://schemas.microsoft.com/office/drawing/2014/main" xmlns="" id="{D48BFA7D-4401-4285-802B-1579165F0D6D}"/>
               </a:ext>
             </a:extLst>
           </p:cNvPr>
@@ -1783,7 +1787,7 @@
           <a:p>
             <a:fld id="{02AC24A9-CCB6-4F8D-B8DB-C2F3692CFA5A}" type="datetimeFigureOut">
               <a:rPr lang="en-US" smtClean="0"/>
-              <a:t>11/13/2023</a:t>
+              <a:t>11/20/2023</a:t>
             </a:fld>
             <a:endParaRPr lang="en-US"/>
           </a:p>
@@ -1794,7 +1798,7 @@
           <p:cNvPr id="5" name="Footer Placeholder 4">
             <a:extLst>
               <a:ext uri="{FF2B5EF4-FFF2-40B4-BE49-F238E27FC236}">
-                <a16:creationId xmlns:a16="http://schemas.microsoft.com/office/drawing/2014/main" id="{49A909C5-AA19-4195-8376-9002D5DF4651}"/>
+                <a16:creationId xmlns:a16="http://schemas.microsoft.com/office/drawing/2014/main" xmlns="" id="{49A909C5-AA19-4195-8376-9002D5DF4651}"/>
               </a:ext>
             </a:extLst>
           </p:cNvPr>
@@ -1819,7 +1823,7 @@
           <p:cNvPr id="6" name="Slide Number Placeholder 5">
             <a:extLst>
               <a:ext uri="{FF2B5EF4-FFF2-40B4-BE49-F238E27FC236}">
-                <a16:creationId xmlns:a16="http://schemas.microsoft.com/office/drawing/2014/main" id="{53AC3F32-46E0-47C8-8565-5969A475FDB0}"/>
+                <a16:creationId xmlns:a16="http://schemas.microsoft.com/office/drawing/2014/main" xmlns="" id="{53AC3F32-46E0-47C8-8565-5969A475FDB0}"/>
               </a:ext>
             </a:extLst>
           </p:cNvPr>
@@ -1878,7 +1882,7 @@
           <p:cNvPr id="9" name="Rectangle 8">
             <a:extLst>
               <a:ext uri="{FF2B5EF4-FFF2-40B4-BE49-F238E27FC236}">
-                <a16:creationId xmlns:a16="http://schemas.microsoft.com/office/drawing/2014/main" id="{2076262E-36A0-40C6-ADE6-90CD9FB9B9EA}"/>
+                <a16:creationId xmlns:a16="http://schemas.microsoft.com/office/drawing/2014/main" xmlns="" id="{2076262E-36A0-40C6-ADE6-90CD9FB9B9EA}"/>
               </a:ext>
             </a:extLst>
           </p:cNvPr>
@@ -1969,7 +1973,7 @@
           <p:cNvPr id="11" name="Rectangle 10">
             <a:extLst>
               <a:ext uri="{FF2B5EF4-FFF2-40B4-BE49-F238E27FC236}">
-                <a16:creationId xmlns:a16="http://schemas.microsoft.com/office/drawing/2014/main" id="{42677A9B-4D1D-4D80-912C-24570140A650}"/>
+                <a16:creationId xmlns:a16="http://schemas.microsoft.com/office/drawing/2014/main" xmlns="" id="{42677A9B-4D1D-4D80-912C-24570140A650}"/>
               </a:ext>
             </a:extLst>
           </p:cNvPr>
@@ -2048,7 +2052,7 @@
           <p:cNvPr id="13" name="Rectangle 12">
             <a:extLst>
               <a:ext uri="{FF2B5EF4-FFF2-40B4-BE49-F238E27FC236}">
-                <a16:creationId xmlns:a16="http://schemas.microsoft.com/office/drawing/2014/main" id="{03DC8C98-510F-48C9-82B2-9E4F760A68DF}"/>
+                <a16:creationId xmlns:a16="http://schemas.microsoft.com/office/drawing/2014/main" xmlns="" id="{03DC8C98-510F-48C9-82B2-9E4F760A68DF}"/>
               </a:ext>
             </a:extLst>
           </p:cNvPr>
@@ -2129,7 +2133,7 @@
           <p:cNvPr id="2" name="Title 1">
             <a:extLst>
               <a:ext uri="{FF2B5EF4-FFF2-40B4-BE49-F238E27FC236}">
-                <a16:creationId xmlns:a16="http://schemas.microsoft.com/office/drawing/2014/main" id="{17A078AE-0BC3-48F9-87EC-2DB0CCE7E2AE}"/>
+                <a16:creationId xmlns:a16="http://schemas.microsoft.com/office/drawing/2014/main" xmlns="" id="{17A078AE-0BC3-48F9-87EC-2DB0CCE7E2AE}"/>
               </a:ext>
             </a:extLst>
           </p:cNvPr>
@@ -2168,7 +2172,7 @@
           <p:cNvPr id="3" name="Content Placeholder 2">
             <a:extLst>
               <a:ext uri="{FF2B5EF4-FFF2-40B4-BE49-F238E27FC236}">
-                <a16:creationId xmlns:a16="http://schemas.microsoft.com/office/drawing/2014/main" id="{292A20DF-0829-4336-B59F-FF9D7AA9D8B6}"/>
+                <a16:creationId xmlns:a16="http://schemas.microsoft.com/office/drawing/2014/main" xmlns="" id="{292A20DF-0829-4336-B59F-FF9D7AA9D8B6}"/>
               </a:ext>
             </a:extLst>
           </p:cNvPr>
@@ -2230,7 +2234,7 @@
           <p:cNvPr id="4" name="Content Placeholder 3">
             <a:extLst>
               <a:ext uri="{FF2B5EF4-FFF2-40B4-BE49-F238E27FC236}">
-                <a16:creationId xmlns:a16="http://schemas.microsoft.com/office/drawing/2014/main" id="{7935D01C-CF67-4DF6-B96C-FFC9D5BF847B}"/>
+                <a16:creationId xmlns:a16="http://schemas.microsoft.com/office/drawing/2014/main" xmlns="" id="{7935D01C-CF67-4DF6-B96C-FFC9D5BF847B}"/>
               </a:ext>
             </a:extLst>
           </p:cNvPr>
@@ -2292,7 +2296,7 @@
           <p:cNvPr id="5" name="Date Placeholder 4">
             <a:extLst>
               <a:ext uri="{FF2B5EF4-FFF2-40B4-BE49-F238E27FC236}">
-                <a16:creationId xmlns:a16="http://schemas.microsoft.com/office/drawing/2014/main" id="{29BBD797-6031-4F82-8726-EAB757027FF5}"/>
+                <a16:creationId xmlns:a16="http://schemas.microsoft.com/office/drawing/2014/main" xmlns="" id="{29BBD797-6031-4F82-8726-EAB757027FF5}"/>
               </a:ext>
             </a:extLst>
           </p:cNvPr>
@@ -2315,7 +2319,7 @@
           <a:p>
             <a:fld id="{02AC24A9-CCB6-4F8D-B8DB-C2F3692CFA5A}" type="datetimeFigureOut">
               <a:rPr lang="en-US" smtClean="0"/>
-              <a:t>11/13/2023</a:t>
+              <a:t>11/20/2023</a:t>
             </a:fld>
             <a:endParaRPr lang="en-US"/>
           </a:p>
@@ -2326,7 +2330,7 @@
           <p:cNvPr id="6" name="Footer Placeholder 5">
             <a:extLst>
               <a:ext uri="{FF2B5EF4-FFF2-40B4-BE49-F238E27FC236}">
-                <a16:creationId xmlns:a16="http://schemas.microsoft.com/office/drawing/2014/main" id="{76B3F71C-B897-4909-A75E-8716AD49C156}"/>
+                <a16:creationId xmlns:a16="http://schemas.microsoft.com/office/drawing/2014/main" xmlns="" id="{76B3F71C-B897-4909-A75E-8716AD49C156}"/>
               </a:ext>
             </a:extLst>
           </p:cNvPr>
@@ -2351,7 +2355,7 @@
           <p:cNvPr id="7" name="Slide Number Placeholder 6">
             <a:extLst>
               <a:ext uri="{FF2B5EF4-FFF2-40B4-BE49-F238E27FC236}">
-                <a16:creationId xmlns:a16="http://schemas.microsoft.com/office/drawing/2014/main" id="{4F78BC14-5BB1-405F-A6F3-C07230F085C8}"/>
+                <a16:creationId xmlns:a16="http://schemas.microsoft.com/office/drawing/2014/main" xmlns="" id="{4F78BC14-5BB1-405F-A6F3-C07230F085C8}"/>
               </a:ext>
             </a:extLst>
           </p:cNvPr>
@@ -2415,7 +2419,7 @@
           <p:cNvPr id="11" name="Rectangle 10">
             <a:extLst>
               <a:ext uri="{FF2B5EF4-FFF2-40B4-BE49-F238E27FC236}">
-                <a16:creationId xmlns:a16="http://schemas.microsoft.com/office/drawing/2014/main" id="{6B671BDE-E45C-41A1-9B98-4A607D703855}"/>
+                <a16:creationId xmlns:a16="http://schemas.microsoft.com/office/drawing/2014/main" xmlns="" id="{6B671BDE-E45C-41A1-9B98-4A607D703855}"/>
               </a:ext>
             </a:extLst>
           </p:cNvPr>
@@ -2506,7 +2510,7 @@
           <p:cNvPr id="13" name="Rectangle 12">
             <a:extLst>
               <a:ext uri="{FF2B5EF4-FFF2-40B4-BE49-F238E27FC236}">
-                <a16:creationId xmlns:a16="http://schemas.microsoft.com/office/drawing/2014/main" id="{299500CE-917A-4D03-A7DF-71D8EBBC1537}"/>
+                <a16:creationId xmlns:a16="http://schemas.microsoft.com/office/drawing/2014/main" xmlns="" id="{299500CE-917A-4D03-A7DF-71D8EBBC1537}"/>
               </a:ext>
             </a:extLst>
           </p:cNvPr>
@@ -2585,7 +2589,7 @@
           <p:cNvPr id="15" name="Rectangle 14">
             <a:extLst>
               <a:ext uri="{FF2B5EF4-FFF2-40B4-BE49-F238E27FC236}">
-                <a16:creationId xmlns:a16="http://schemas.microsoft.com/office/drawing/2014/main" id="{C3D0D377-28B0-417D-886B-9483AF064975}"/>
+                <a16:creationId xmlns:a16="http://schemas.microsoft.com/office/drawing/2014/main" xmlns="" id="{C3D0D377-28B0-417D-886B-9483AF064975}"/>
               </a:ext>
             </a:extLst>
           </p:cNvPr>
@@ -2666,7 +2670,7 @@
           <p:cNvPr id="2" name="Title 1">
             <a:extLst>
               <a:ext uri="{FF2B5EF4-FFF2-40B4-BE49-F238E27FC236}">
-                <a16:creationId xmlns:a16="http://schemas.microsoft.com/office/drawing/2014/main" id="{0F8F91F8-0767-40B5-A3AA-72931FC192EA}"/>
+                <a16:creationId xmlns:a16="http://schemas.microsoft.com/office/drawing/2014/main" xmlns="" id="{0F8F91F8-0767-40B5-A3AA-72931FC192EA}"/>
               </a:ext>
             </a:extLst>
           </p:cNvPr>
@@ -2705,7 +2709,7 @@
           <p:cNvPr id="3" name="Text Placeholder 2">
             <a:extLst>
               <a:ext uri="{FF2B5EF4-FFF2-40B4-BE49-F238E27FC236}">
-                <a16:creationId xmlns:a16="http://schemas.microsoft.com/office/drawing/2014/main" id="{AAAE0554-8BEE-4BF6-9519-51B8475D35E1}"/>
+                <a16:creationId xmlns:a16="http://schemas.microsoft.com/office/drawing/2014/main" xmlns="" id="{AAAE0554-8BEE-4BF6-9519-51B8475D35E1}"/>
               </a:ext>
             </a:extLst>
           </p:cNvPr>
@@ -2776,7 +2780,7 @@
           <p:cNvPr id="4" name="Content Placeholder 3">
             <a:extLst>
               <a:ext uri="{FF2B5EF4-FFF2-40B4-BE49-F238E27FC236}">
-                <a16:creationId xmlns:a16="http://schemas.microsoft.com/office/drawing/2014/main" id="{FD4A358D-C930-48E0-B372-06A826B74C47}"/>
+                <a16:creationId xmlns:a16="http://schemas.microsoft.com/office/drawing/2014/main" xmlns="" id="{FD4A358D-C930-48E0-B372-06A826B74C47}"/>
               </a:ext>
             </a:extLst>
           </p:cNvPr>
@@ -2848,7 +2852,7 @@
           <p:cNvPr id="5" name="Text Placeholder 4">
             <a:extLst>
               <a:ext uri="{FF2B5EF4-FFF2-40B4-BE49-F238E27FC236}">
-                <a16:creationId xmlns:a16="http://schemas.microsoft.com/office/drawing/2014/main" id="{83B6615E-4966-4150-83B6-C47591B36383}"/>
+                <a16:creationId xmlns:a16="http://schemas.microsoft.com/office/drawing/2014/main" xmlns="" id="{83B6615E-4966-4150-83B6-C47591B36383}"/>
               </a:ext>
             </a:extLst>
           </p:cNvPr>
@@ -2919,7 +2923,7 @@
           <p:cNvPr id="6" name="Content Placeholder 5">
             <a:extLst>
               <a:ext uri="{FF2B5EF4-FFF2-40B4-BE49-F238E27FC236}">
-                <a16:creationId xmlns:a16="http://schemas.microsoft.com/office/drawing/2014/main" id="{BD409F6B-C17B-4B4F-9F35-5068BDC4E2FD}"/>
+                <a16:creationId xmlns:a16="http://schemas.microsoft.com/office/drawing/2014/main" xmlns="" id="{BD409F6B-C17B-4B4F-9F35-5068BDC4E2FD}"/>
               </a:ext>
             </a:extLst>
           </p:cNvPr>
@@ -2991,7 +2995,7 @@
           <p:cNvPr id="7" name="Date Placeholder 6">
             <a:extLst>
               <a:ext uri="{FF2B5EF4-FFF2-40B4-BE49-F238E27FC236}">
-                <a16:creationId xmlns:a16="http://schemas.microsoft.com/office/drawing/2014/main" id="{C8BC356D-052B-4A9B-8B2F-6665FD325AB3}"/>
+                <a16:creationId xmlns:a16="http://schemas.microsoft.com/office/drawing/2014/main" xmlns="" id="{C8BC356D-052B-4A9B-8B2F-6665FD325AB3}"/>
               </a:ext>
             </a:extLst>
           </p:cNvPr>
@@ -3014,7 +3018,7 @@
           <a:p>
             <a:fld id="{02AC24A9-CCB6-4F8D-B8DB-C2F3692CFA5A}" type="datetimeFigureOut">
               <a:rPr lang="en-US" smtClean="0"/>
-              <a:t>11/13/2023</a:t>
+              <a:t>11/20/2023</a:t>
             </a:fld>
             <a:endParaRPr lang="en-US"/>
           </a:p>
@@ -3025,7 +3029,7 @@
           <p:cNvPr id="8" name="Footer Placeholder 7">
             <a:extLst>
               <a:ext uri="{FF2B5EF4-FFF2-40B4-BE49-F238E27FC236}">
-                <a16:creationId xmlns:a16="http://schemas.microsoft.com/office/drawing/2014/main" id="{69C5E5FA-26A9-467C-93E3-8476142D1D46}"/>
+                <a16:creationId xmlns:a16="http://schemas.microsoft.com/office/drawing/2014/main" xmlns="" id="{69C5E5FA-26A9-467C-93E3-8476142D1D46}"/>
               </a:ext>
             </a:extLst>
           </p:cNvPr>
@@ -3050,7 +3054,7 @@
           <p:cNvPr id="9" name="Slide Number Placeholder 8">
             <a:extLst>
               <a:ext uri="{FF2B5EF4-FFF2-40B4-BE49-F238E27FC236}">
-                <a16:creationId xmlns:a16="http://schemas.microsoft.com/office/drawing/2014/main" id="{D279E50C-1E40-4B48-871B-E392428D20A3}"/>
+                <a16:creationId xmlns:a16="http://schemas.microsoft.com/office/drawing/2014/main" xmlns="" id="{D279E50C-1E40-4B48-871B-E392428D20A3}"/>
               </a:ext>
             </a:extLst>
           </p:cNvPr>
@@ -3114,7 +3118,7 @@
           <p:cNvPr id="7" name="Rectangle 6">
             <a:extLst>
               <a:ext uri="{FF2B5EF4-FFF2-40B4-BE49-F238E27FC236}">
-                <a16:creationId xmlns:a16="http://schemas.microsoft.com/office/drawing/2014/main" id="{8C0689C4-0DB3-408B-A956-40326B4AE4C4}"/>
+                <a16:creationId xmlns:a16="http://schemas.microsoft.com/office/drawing/2014/main" xmlns="" id="{8C0689C4-0DB3-408B-A956-40326B4AE4C4}"/>
               </a:ext>
             </a:extLst>
           </p:cNvPr>
@@ -3205,7 +3209,7 @@
           <p:cNvPr id="9" name="Rectangle 8">
             <a:extLst>
               <a:ext uri="{FF2B5EF4-FFF2-40B4-BE49-F238E27FC236}">
-                <a16:creationId xmlns:a16="http://schemas.microsoft.com/office/drawing/2014/main" id="{56E1D10E-1C30-41BF-8C3B-C460C9B5597B}"/>
+                <a16:creationId xmlns:a16="http://schemas.microsoft.com/office/drawing/2014/main" xmlns="" id="{56E1D10E-1C30-41BF-8C3B-C460C9B5597B}"/>
               </a:ext>
             </a:extLst>
           </p:cNvPr>
@@ -3286,7 +3290,7 @@
           <p:cNvPr id="2" name="Title 1">
             <a:extLst>
               <a:ext uri="{FF2B5EF4-FFF2-40B4-BE49-F238E27FC236}">
-                <a16:creationId xmlns:a16="http://schemas.microsoft.com/office/drawing/2014/main" id="{779454F2-0EE5-4888-AF4C-82F825E6226E}"/>
+                <a16:creationId xmlns:a16="http://schemas.microsoft.com/office/drawing/2014/main" xmlns="" id="{779454F2-0EE5-4888-AF4C-82F825E6226E}"/>
               </a:ext>
             </a:extLst>
           </p:cNvPr>
@@ -3325,7 +3329,7 @@
           <p:cNvPr id="3" name="Date Placeholder 2">
             <a:extLst>
               <a:ext uri="{FF2B5EF4-FFF2-40B4-BE49-F238E27FC236}">
-                <a16:creationId xmlns:a16="http://schemas.microsoft.com/office/drawing/2014/main" id="{67C91241-A315-4643-91E5-CF2C25CC903A}"/>
+                <a16:creationId xmlns:a16="http://schemas.microsoft.com/office/drawing/2014/main" xmlns="" id="{67C91241-A315-4643-91E5-CF2C25CC903A}"/>
               </a:ext>
             </a:extLst>
           </p:cNvPr>
@@ -3343,7 +3347,7 @@
           <a:p>
             <a:fld id="{02AC24A9-CCB6-4F8D-B8DB-C2F3692CFA5A}" type="datetimeFigureOut">
               <a:rPr lang="en-US" smtClean="0"/>
-              <a:t>11/13/2023</a:t>
+              <a:t>11/20/2023</a:t>
             </a:fld>
             <a:endParaRPr lang="en-US"/>
           </a:p>
@@ -3354,7 +3358,7 @@
           <p:cNvPr id="4" name="Footer Placeholder 3">
             <a:extLst>
               <a:ext uri="{FF2B5EF4-FFF2-40B4-BE49-F238E27FC236}">
-                <a16:creationId xmlns:a16="http://schemas.microsoft.com/office/drawing/2014/main" id="{22706D86-5479-487D-94C8-76093D84F377}"/>
+                <a16:creationId xmlns:a16="http://schemas.microsoft.com/office/drawing/2014/main" xmlns="" id="{22706D86-5479-487D-94C8-76093D84F377}"/>
               </a:ext>
             </a:extLst>
           </p:cNvPr>
@@ -3379,7 +3383,7 @@
           <p:cNvPr id="5" name="Slide Number Placeholder 4">
             <a:extLst>
               <a:ext uri="{FF2B5EF4-FFF2-40B4-BE49-F238E27FC236}">
-                <a16:creationId xmlns:a16="http://schemas.microsoft.com/office/drawing/2014/main" id="{A7739411-CED6-43D4-868D-A65C4161A72B}"/>
+                <a16:creationId xmlns:a16="http://schemas.microsoft.com/office/drawing/2014/main" xmlns="" id="{A7739411-CED6-43D4-868D-A65C4161A72B}"/>
               </a:ext>
             </a:extLst>
           </p:cNvPr>
@@ -3438,7 +3442,7 @@
           <p:cNvPr id="2" name="Date Placeholder 1">
             <a:extLst>
               <a:ext uri="{FF2B5EF4-FFF2-40B4-BE49-F238E27FC236}">
-                <a16:creationId xmlns:a16="http://schemas.microsoft.com/office/drawing/2014/main" id="{EAC447E0-1D4D-4EF2-B81B-4B2400EE3EDB}"/>
+                <a16:creationId xmlns:a16="http://schemas.microsoft.com/office/drawing/2014/main" xmlns="" id="{EAC447E0-1D4D-4EF2-B81B-4B2400EE3EDB}"/>
               </a:ext>
             </a:extLst>
           </p:cNvPr>
@@ -3456,7 +3460,7 @@
           <a:p>
             <a:fld id="{02AC24A9-CCB6-4F8D-B8DB-C2F3692CFA5A}" type="datetimeFigureOut">
               <a:rPr lang="en-US" smtClean="0"/>
-              <a:t>11/13/2023</a:t>
+              <a:t>11/20/2023</a:t>
             </a:fld>
             <a:endParaRPr lang="en-US"/>
           </a:p>
@@ -3467,7 +3471,7 @@
           <p:cNvPr id="3" name="Footer Placeholder 2">
             <a:extLst>
               <a:ext uri="{FF2B5EF4-FFF2-40B4-BE49-F238E27FC236}">
-                <a16:creationId xmlns:a16="http://schemas.microsoft.com/office/drawing/2014/main" id="{C9984CA0-2A78-4600-9F3D-19B09E790FE8}"/>
+                <a16:creationId xmlns:a16="http://schemas.microsoft.com/office/drawing/2014/main" xmlns="" id="{C9984CA0-2A78-4600-9F3D-19B09E790FE8}"/>
               </a:ext>
             </a:extLst>
           </p:cNvPr>
@@ -3492,7 +3496,7 @@
           <p:cNvPr id="4" name="Slide Number Placeholder 3">
             <a:extLst>
               <a:ext uri="{FF2B5EF4-FFF2-40B4-BE49-F238E27FC236}">
-                <a16:creationId xmlns:a16="http://schemas.microsoft.com/office/drawing/2014/main" id="{38440955-B18E-49D3-AE7B-B331200E34C5}"/>
+                <a16:creationId xmlns:a16="http://schemas.microsoft.com/office/drawing/2014/main" xmlns="" id="{38440955-B18E-49D3-AE7B-B331200E34C5}"/>
               </a:ext>
             </a:extLst>
           </p:cNvPr>
@@ -3551,7 +3555,7 @@
           <p:cNvPr id="9" name="Rectangle 8">
             <a:extLst>
               <a:ext uri="{FF2B5EF4-FFF2-40B4-BE49-F238E27FC236}">
-                <a16:creationId xmlns:a16="http://schemas.microsoft.com/office/drawing/2014/main" id="{1FA417FE-CD1A-486F-A4AC-E4000A2FB18E}"/>
+                <a16:creationId xmlns:a16="http://schemas.microsoft.com/office/drawing/2014/main" xmlns="" id="{1FA417FE-CD1A-486F-A4AC-E4000A2FB18E}"/>
               </a:ext>
             </a:extLst>
           </p:cNvPr>
@@ -3642,7 +3646,7 @@
           <p:cNvPr id="11" name="Rectangle 10">
             <a:extLst>
               <a:ext uri="{FF2B5EF4-FFF2-40B4-BE49-F238E27FC236}">
-                <a16:creationId xmlns:a16="http://schemas.microsoft.com/office/drawing/2014/main" id="{1318F0F5-812B-472C-9408-B80F2553F5E0}"/>
+                <a16:creationId xmlns:a16="http://schemas.microsoft.com/office/drawing/2014/main" xmlns="" id="{1318F0F5-812B-472C-9408-B80F2553F5E0}"/>
               </a:ext>
             </a:extLst>
           </p:cNvPr>
@@ -3723,7 +3727,7 @@
           <p:cNvPr id="2" name="Title 1">
             <a:extLst>
               <a:ext uri="{FF2B5EF4-FFF2-40B4-BE49-F238E27FC236}">
-                <a16:creationId xmlns:a16="http://schemas.microsoft.com/office/drawing/2014/main" id="{47F7751B-CD8F-4F5B-A903-1DCE5D1E8306}"/>
+                <a16:creationId xmlns:a16="http://schemas.microsoft.com/office/drawing/2014/main" xmlns="" id="{47F7751B-CD8F-4F5B-A903-1DCE5D1E8306}"/>
               </a:ext>
             </a:extLst>
           </p:cNvPr>
@@ -3765,7 +3769,7 @@
           <p:cNvPr id="3" name="Content Placeholder 2">
             <a:extLst>
               <a:ext uri="{FF2B5EF4-FFF2-40B4-BE49-F238E27FC236}">
-                <a16:creationId xmlns:a16="http://schemas.microsoft.com/office/drawing/2014/main" id="{EFA55C8A-A0BB-441D-976F-EB56D4382DB6}"/>
+                <a16:creationId xmlns:a16="http://schemas.microsoft.com/office/drawing/2014/main" xmlns="" id="{EFA55C8A-A0BB-441D-976F-EB56D4382DB6}"/>
               </a:ext>
             </a:extLst>
           </p:cNvPr>
@@ -3855,7 +3859,7 @@
           <p:cNvPr id="4" name="Text Placeholder 3">
             <a:extLst>
               <a:ext uri="{FF2B5EF4-FFF2-40B4-BE49-F238E27FC236}">
-                <a16:creationId xmlns:a16="http://schemas.microsoft.com/office/drawing/2014/main" id="{37DE6A51-A2E5-4BFA-B571-9FDFE1BBFB44}"/>
+                <a16:creationId xmlns:a16="http://schemas.microsoft.com/office/drawing/2014/main" xmlns="" id="{37DE6A51-A2E5-4BFA-B571-9FDFE1BBFB44}"/>
               </a:ext>
             </a:extLst>
           </p:cNvPr>
@@ -3928,7 +3932,7 @@
           <p:cNvPr id="5" name="Date Placeholder 4">
             <a:extLst>
               <a:ext uri="{FF2B5EF4-FFF2-40B4-BE49-F238E27FC236}">
-                <a16:creationId xmlns:a16="http://schemas.microsoft.com/office/drawing/2014/main" id="{3D92778A-DD4C-4651-9C53-8B0C44CD8805}"/>
+                <a16:creationId xmlns:a16="http://schemas.microsoft.com/office/drawing/2014/main" xmlns="" id="{3D92778A-DD4C-4651-9C53-8B0C44CD8805}"/>
               </a:ext>
             </a:extLst>
           </p:cNvPr>
@@ -3951,7 +3955,7 @@
           <a:p>
             <a:fld id="{02AC24A9-CCB6-4F8D-B8DB-C2F3692CFA5A}" type="datetimeFigureOut">
               <a:rPr lang="en-US" smtClean="0"/>
-              <a:t>11/13/2023</a:t>
+              <a:t>11/20/2023</a:t>
             </a:fld>
             <a:endParaRPr lang="en-US" dirty="0"/>
           </a:p>
@@ -3962,7 +3966,7 @@
           <p:cNvPr id="6" name="Footer Placeholder 5">
             <a:extLst>
               <a:ext uri="{FF2B5EF4-FFF2-40B4-BE49-F238E27FC236}">
-                <a16:creationId xmlns:a16="http://schemas.microsoft.com/office/drawing/2014/main" id="{9D6C7F66-2DFA-4146-BE1A-CE2890FE45E2}"/>
+                <a16:creationId xmlns:a16="http://schemas.microsoft.com/office/drawing/2014/main" xmlns="" id="{9D6C7F66-2DFA-4146-BE1A-CE2890FE45E2}"/>
               </a:ext>
             </a:extLst>
           </p:cNvPr>
@@ -3987,7 +3991,7 @@
           <p:cNvPr id="7" name="Slide Number Placeholder 6">
             <a:extLst>
               <a:ext uri="{FF2B5EF4-FFF2-40B4-BE49-F238E27FC236}">
-                <a16:creationId xmlns:a16="http://schemas.microsoft.com/office/drawing/2014/main" id="{D285D185-B1B6-4D62-81BE-BE82C80ACA6C}"/>
+                <a16:creationId xmlns:a16="http://schemas.microsoft.com/office/drawing/2014/main" xmlns="" id="{D285D185-B1B6-4D62-81BE-BE82C80ACA6C}"/>
               </a:ext>
             </a:extLst>
           </p:cNvPr>
@@ -4046,7 +4050,7 @@
           <p:cNvPr id="9" name="Rectangle 8">
             <a:extLst>
               <a:ext uri="{FF2B5EF4-FFF2-40B4-BE49-F238E27FC236}">
-                <a16:creationId xmlns:a16="http://schemas.microsoft.com/office/drawing/2014/main" id="{168B77B5-211C-456E-B79F-306CC3619347}"/>
+                <a16:creationId xmlns:a16="http://schemas.microsoft.com/office/drawing/2014/main" xmlns="" id="{168B77B5-211C-456E-B79F-306CC3619347}"/>
               </a:ext>
             </a:extLst>
           </p:cNvPr>
@@ -4137,7 +4141,7 @@
           <p:cNvPr id="11" name="Rectangle 10">
             <a:extLst>
               <a:ext uri="{FF2B5EF4-FFF2-40B4-BE49-F238E27FC236}">
-                <a16:creationId xmlns:a16="http://schemas.microsoft.com/office/drawing/2014/main" id="{3B63C338-194D-4F23-ABEC-60A7EA96F302}"/>
+                <a16:creationId xmlns:a16="http://schemas.microsoft.com/office/drawing/2014/main" xmlns="" id="{3B63C338-194D-4F23-ABEC-60A7EA96F302}"/>
               </a:ext>
             </a:extLst>
           </p:cNvPr>
@@ -4218,7 +4222,7 @@
           <p:cNvPr id="2" name="Title 1">
             <a:extLst>
               <a:ext uri="{FF2B5EF4-FFF2-40B4-BE49-F238E27FC236}">
-                <a16:creationId xmlns:a16="http://schemas.microsoft.com/office/drawing/2014/main" id="{A0C04DCC-0E3E-4F05-9FAC-9FA6CA4B2BAE}"/>
+                <a16:creationId xmlns:a16="http://schemas.microsoft.com/office/drawing/2014/main" xmlns="" id="{A0C04DCC-0E3E-4F05-9FAC-9FA6CA4B2BAE}"/>
               </a:ext>
             </a:extLst>
           </p:cNvPr>
@@ -4260,7 +4264,7 @@
           <p:cNvPr id="3" name="Picture Placeholder 2">
             <a:extLst>
               <a:ext uri="{FF2B5EF4-FFF2-40B4-BE49-F238E27FC236}">
-                <a16:creationId xmlns:a16="http://schemas.microsoft.com/office/drawing/2014/main" id="{EBA29649-B19F-499E-8E9A-3577EAC8F031}"/>
+                <a16:creationId xmlns:a16="http://schemas.microsoft.com/office/drawing/2014/main" xmlns="" id="{EBA29649-B19F-499E-8E9A-3577EAC8F031}"/>
               </a:ext>
             </a:extLst>
           </p:cNvPr>
@@ -4332,7 +4336,7 @@
           <p:cNvPr id="4" name="Text Placeholder 3">
             <a:extLst>
               <a:ext uri="{FF2B5EF4-FFF2-40B4-BE49-F238E27FC236}">
-                <a16:creationId xmlns:a16="http://schemas.microsoft.com/office/drawing/2014/main" id="{1BC9EF2E-A8CD-41A1-B11A-0D8842797A98}"/>
+                <a16:creationId xmlns:a16="http://schemas.microsoft.com/office/drawing/2014/main" xmlns="" id="{1BC9EF2E-A8CD-41A1-B11A-0D8842797A98}"/>
               </a:ext>
             </a:extLst>
           </p:cNvPr>
@@ -4405,7 +4409,7 @@
           <p:cNvPr id="5" name="Date Placeholder 4">
             <a:extLst>
               <a:ext uri="{FF2B5EF4-FFF2-40B4-BE49-F238E27FC236}">
-                <a16:creationId xmlns:a16="http://schemas.microsoft.com/office/drawing/2014/main" id="{B44257B5-0DE0-401F-9171-E8687A97DBA7}"/>
+                <a16:creationId xmlns:a16="http://schemas.microsoft.com/office/drawing/2014/main" xmlns="" id="{B44257B5-0DE0-401F-9171-E8687A97DBA7}"/>
               </a:ext>
             </a:extLst>
           </p:cNvPr>
@@ -4428,7 +4432,7 @@
           <a:p>
             <a:fld id="{02AC24A9-CCB6-4F8D-B8DB-C2F3692CFA5A}" type="datetimeFigureOut">
               <a:rPr lang="en-US" smtClean="0"/>
-              <a:t>11/13/2023</a:t>
+              <a:t>11/20/2023</a:t>
             </a:fld>
             <a:endParaRPr lang="en-US"/>
           </a:p>
@@ -4439,7 +4443,7 @@
           <p:cNvPr id="6" name="Footer Placeholder 5">
             <a:extLst>
               <a:ext uri="{FF2B5EF4-FFF2-40B4-BE49-F238E27FC236}">
-                <a16:creationId xmlns:a16="http://schemas.microsoft.com/office/drawing/2014/main" id="{788CD9AD-D667-4FD4-AA34-428AA0BCD09E}"/>
+                <a16:creationId xmlns:a16="http://schemas.microsoft.com/office/drawing/2014/main" xmlns="" id="{788CD9AD-D667-4FD4-AA34-428AA0BCD09E}"/>
               </a:ext>
             </a:extLst>
           </p:cNvPr>
@@ -4464,7 +4468,7 @@
           <p:cNvPr id="7" name="Slide Number Placeholder 6">
             <a:extLst>
               <a:ext uri="{FF2B5EF4-FFF2-40B4-BE49-F238E27FC236}">
-                <a16:creationId xmlns:a16="http://schemas.microsoft.com/office/drawing/2014/main" id="{18770FB6-F273-4BA6-8B97-9835AC537871}"/>
+                <a16:creationId xmlns:a16="http://schemas.microsoft.com/office/drawing/2014/main" xmlns="" id="{18770FB6-F273-4BA6-8B97-9835AC537871}"/>
               </a:ext>
             </a:extLst>
           </p:cNvPr>
@@ -4528,7 +4532,7 @@
           <p:cNvPr id="2" name="Title Placeholder 1">
             <a:extLst>
               <a:ext uri="{FF2B5EF4-FFF2-40B4-BE49-F238E27FC236}">
-                <a16:creationId xmlns:a16="http://schemas.microsoft.com/office/drawing/2014/main" id="{BB325BDE-35A4-4AAD-960B-C1415864ADD9}"/>
+                <a16:creationId xmlns:a16="http://schemas.microsoft.com/office/drawing/2014/main" xmlns="" id="{BB325BDE-35A4-4AAD-960B-C1415864ADD9}"/>
               </a:ext>
             </a:extLst>
           </p:cNvPr>
@@ -4567,7 +4571,7 @@
           <p:cNvPr id="3" name="Text Placeholder 2">
             <a:extLst>
               <a:ext uri="{FF2B5EF4-FFF2-40B4-BE49-F238E27FC236}">
-                <a16:creationId xmlns:a16="http://schemas.microsoft.com/office/drawing/2014/main" id="{BE459C78-0CC4-4552-93DD-49B4194D005D}"/>
+                <a16:creationId xmlns:a16="http://schemas.microsoft.com/office/drawing/2014/main" xmlns="" id="{BE459C78-0CC4-4552-93DD-49B4194D005D}"/>
               </a:ext>
             </a:extLst>
           </p:cNvPr>
@@ -4635,7 +4639,7 @@
           <p:cNvPr id="4" name="Date Placeholder 3">
             <a:extLst>
               <a:ext uri="{FF2B5EF4-FFF2-40B4-BE49-F238E27FC236}">
-                <a16:creationId xmlns:a16="http://schemas.microsoft.com/office/drawing/2014/main" id="{06744A3C-9C54-46A6-B3EF-5B36362423EB}"/>
+                <a16:creationId xmlns:a16="http://schemas.microsoft.com/office/drawing/2014/main" xmlns="" id="{06744A3C-9C54-46A6-B3EF-5B36362423EB}"/>
               </a:ext>
             </a:extLst>
           </p:cNvPr>
@@ -4671,7 +4675,7 @@
           <a:p>
             <a:fld id="{02AC24A9-CCB6-4F8D-B8DB-C2F3692CFA5A}" type="datetimeFigureOut">
               <a:rPr lang="en-US" smtClean="0"/>
-              <a:t>11/13/2023</a:t>
+              <a:t>11/20/2023</a:t>
             </a:fld>
             <a:endParaRPr lang="en-US"/>
           </a:p>
@@ -4682,7 +4686,7 @@
           <p:cNvPr id="5" name="Footer Placeholder 4">
             <a:extLst>
               <a:ext uri="{FF2B5EF4-FFF2-40B4-BE49-F238E27FC236}">
-                <a16:creationId xmlns:a16="http://schemas.microsoft.com/office/drawing/2014/main" id="{07D5A696-7B4B-4181-A961-7D66556D507F}"/>
+                <a16:creationId xmlns:a16="http://schemas.microsoft.com/office/drawing/2014/main" xmlns="" id="{07D5A696-7B4B-4181-A961-7D66556D507F}"/>
               </a:ext>
             </a:extLst>
           </p:cNvPr>
@@ -4725,7 +4729,7 @@
           <p:cNvPr id="6" name="Slide Number Placeholder 5">
             <a:extLst>
               <a:ext uri="{FF2B5EF4-FFF2-40B4-BE49-F238E27FC236}">
-                <a16:creationId xmlns:a16="http://schemas.microsoft.com/office/drawing/2014/main" id="{23038CB5-8F4A-401D-A3A9-B27DC15B7A81}"/>
+                <a16:creationId xmlns:a16="http://schemas.microsoft.com/office/drawing/2014/main" xmlns="" id="{23038CB5-8F4A-401D-A3A9-B27DC15B7A81}"/>
               </a:ext>
             </a:extLst>
           </p:cNvPr>
@@ -5101,10 +5105,10 @@
           <p:cNvPr id="9" name="Rectangle 8">
             <a:extLst>
               <a:ext uri="{FF2B5EF4-FFF2-40B4-BE49-F238E27FC236}">
-                <a16:creationId xmlns:a16="http://schemas.microsoft.com/office/drawing/2014/main" id="{526E0BFB-CDF1-4990-8C11-AC849311E0A8}"/>
+                <a16:creationId xmlns:a16="http://schemas.microsoft.com/office/drawing/2014/main" xmlns="" id="{526E0BFB-CDF1-4990-8C11-AC849311E0A8}"/>
               </a:ext>
               <a:ext uri="{C183D7F6-B498-43B3-948B-1728B52AA6E4}">
-                <adec:decorative xmlns:adec="http://schemas.microsoft.com/office/drawing/2017/decorative" val="1"/>
+                <adec:decorative xmlns:adec="http://schemas.microsoft.com/office/drawing/2017/decorative" xmlns="" val="1"/>
               </a:ext>
             </a:extLst>
           </p:cNvPr>
@@ -5114,7 +5118,7 @@
           <p:nvPr>
             <p:extLst>
               <p:ext uri="{386F3935-93C4-4BCD-93E2-E3B085C9AB24}">
-                <p16:designElem xmlns:p16="http://schemas.microsoft.com/office/powerpoint/2015/main" val="1"/>
+                <p16:designElem xmlns:p16="http://schemas.microsoft.com/office/powerpoint/2015/main" xmlns="" val="1"/>
               </p:ext>
             </p:extLst>
           </p:nvPr>
@@ -5161,7 +5165,7 @@
           <p:cNvPr id="4" name="Picture 3">
             <a:extLst>
               <a:ext uri="{FF2B5EF4-FFF2-40B4-BE49-F238E27FC236}">
-                <a16:creationId xmlns:a16="http://schemas.microsoft.com/office/drawing/2014/main" id="{4C72F330-992B-B125-739B-F8303ED3A097}"/>
+                <a16:creationId xmlns:a16="http://schemas.microsoft.com/office/drawing/2014/main" xmlns="" id="{4C72F330-992B-B125-739B-F8303ED3A097}"/>
               </a:ext>
             </a:extLst>
           </p:cNvPr>
@@ -5190,10 +5194,10 @@
           <p:cNvPr id="11" name="Rectangle 10">
             <a:extLst>
               <a:ext uri="{FF2B5EF4-FFF2-40B4-BE49-F238E27FC236}">
-                <a16:creationId xmlns:a16="http://schemas.microsoft.com/office/drawing/2014/main" id="{6069A1F8-9BEB-4786-9694-FC48B2D75D21}"/>
+                <a16:creationId xmlns:a16="http://schemas.microsoft.com/office/drawing/2014/main" xmlns="" id="{6069A1F8-9BEB-4786-9694-FC48B2D75D21}"/>
               </a:ext>
               <a:ext uri="{C183D7F6-B498-43B3-948B-1728B52AA6E4}">
-                <adec:decorative xmlns:adec="http://schemas.microsoft.com/office/drawing/2017/decorative" val="1"/>
+                <adec:decorative xmlns:adec="http://schemas.microsoft.com/office/drawing/2017/decorative" xmlns="" val="1"/>
               </a:ext>
             </a:extLst>
           </p:cNvPr>
@@ -5203,7 +5207,7 @@
           <p:nvPr>
             <p:extLst>
               <p:ext uri="{386F3935-93C4-4BCD-93E2-E3B085C9AB24}">
-                <p16:designElem xmlns:p16="http://schemas.microsoft.com/office/powerpoint/2015/main" val="1"/>
+                <p16:designElem xmlns:p16="http://schemas.microsoft.com/office/powerpoint/2015/main" xmlns="" val="1"/>
               </p:ext>
             </p:extLst>
           </p:nvPr>
@@ -5271,7 +5275,7 @@
           <p:cNvPr id="2" name="Titre 1">
             <a:extLst>
               <a:ext uri="{FF2B5EF4-FFF2-40B4-BE49-F238E27FC236}">
-                <a16:creationId xmlns:a16="http://schemas.microsoft.com/office/drawing/2014/main" id="{CF8D1EB8-F6E7-EB54-1CC8-28472070B9FC}"/>
+                <a16:creationId xmlns:a16="http://schemas.microsoft.com/office/drawing/2014/main" xmlns="" id="{CF8D1EB8-F6E7-EB54-1CC8-28472070B9FC}"/>
               </a:ext>
             </a:extLst>
           </p:cNvPr>
@@ -5305,6 +5309,12 @@
                 <a:latin typeface="Bahnschrift SemiBold" panose="020B0502040204020203" pitchFamily="34" charset="0"/>
               </a:rPr>
             </a:br>
+            <a:r>
+              <a:rPr lang="fr-FR" sz="4800" dirty="0">
+                <a:latin typeface="Bahnschrift SemiBold" panose="020B0502040204020203" pitchFamily="34" charset="0"/>
+              </a:rPr>
+              <a:t/>
+            </a:r>
             <a:br>
               <a:rPr lang="fr-FR" sz="4800" dirty="0">
                 <a:latin typeface="Bahnschrift SemiBold" panose="020B0502040204020203" pitchFamily="34" charset="0"/>
@@ -5324,7 +5334,7 @@
           <p:cNvPr id="3" name="Sous-titre 2">
             <a:extLst>
               <a:ext uri="{FF2B5EF4-FFF2-40B4-BE49-F238E27FC236}">
-                <a16:creationId xmlns:a16="http://schemas.microsoft.com/office/drawing/2014/main" id="{BDFEFAEF-AB6A-BE8F-01E7-845FB609FA07}"/>
+                <a16:creationId xmlns:a16="http://schemas.microsoft.com/office/drawing/2014/main" xmlns="" id="{BDFEFAEF-AB6A-BE8F-01E7-845FB609FA07}"/>
               </a:ext>
             </a:extLst>
           </p:cNvPr>
@@ -5361,10 +5371,10 @@
           <p:cNvPr id="32" name="Rectangle 12">
             <a:extLst>
               <a:ext uri="{FF2B5EF4-FFF2-40B4-BE49-F238E27FC236}">
-                <a16:creationId xmlns:a16="http://schemas.microsoft.com/office/drawing/2014/main" id="{AF2F604E-43BE-4DC3-B983-E071523364F8}"/>
+                <a16:creationId xmlns:a16="http://schemas.microsoft.com/office/drawing/2014/main" xmlns="" id="{AF2F604E-43BE-4DC3-B983-E071523364F8}"/>
               </a:ext>
               <a:ext uri="{C183D7F6-B498-43B3-948B-1728B52AA6E4}">
-                <adec:decorative xmlns:adec="http://schemas.microsoft.com/office/drawing/2017/decorative" val="1"/>
+                <adec:decorative xmlns:adec="http://schemas.microsoft.com/office/drawing/2017/decorative" xmlns="" val="1"/>
               </a:ext>
             </a:extLst>
           </p:cNvPr>
@@ -5374,7 +5384,7 @@
           <p:nvPr>
             <p:extLst>
               <p:ext uri="{386F3935-93C4-4BCD-93E2-E3B085C9AB24}">
-                <p16:designElem xmlns:p16="http://schemas.microsoft.com/office/powerpoint/2015/main" val="1"/>
+                <p16:designElem xmlns:p16="http://schemas.microsoft.com/office/powerpoint/2015/main" xmlns="" val="1"/>
               </p:ext>
             </p:extLst>
           </p:nvPr>
@@ -5453,10 +5463,10 @@
           <p:cNvPr id="33" name="Rectangle 14">
             <a:extLst>
               <a:ext uri="{FF2B5EF4-FFF2-40B4-BE49-F238E27FC236}">
-                <a16:creationId xmlns:a16="http://schemas.microsoft.com/office/drawing/2014/main" id="{08C9B587-E65E-4B52-B37C-ABEBB6E87928}"/>
+                <a16:creationId xmlns:a16="http://schemas.microsoft.com/office/drawing/2014/main" xmlns="" id="{08C9B587-E65E-4B52-B37C-ABEBB6E87928}"/>
               </a:ext>
               <a:ext uri="{C183D7F6-B498-43B3-948B-1728B52AA6E4}">
-                <adec:decorative xmlns:adec="http://schemas.microsoft.com/office/drawing/2017/decorative" val="1"/>
+                <adec:decorative xmlns:adec="http://schemas.microsoft.com/office/drawing/2017/decorative" xmlns="" val="1"/>
               </a:ext>
             </a:extLst>
           </p:cNvPr>
@@ -5466,7 +5476,7 @@
           <p:nvPr>
             <p:extLst>
               <p:ext uri="{386F3935-93C4-4BCD-93E2-E3B085C9AB24}">
-                <p16:designElem xmlns:p16="http://schemas.microsoft.com/office/powerpoint/2015/main" val="1"/>
+                <p16:designElem xmlns:p16="http://schemas.microsoft.com/office/powerpoint/2015/main" xmlns="" val="1"/>
               </p:ext>
             </p:extLst>
           </p:nvPr>
@@ -5546,7 +5556,7 @@
           <p:cNvPr id="6" name="Image 5" descr="Une image contenant texte&#10;&#10;Description générée automatiquement">
             <a:extLst>
               <a:ext uri="{FF2B5EF4-FFF2-40B4-BE49-F238E27FC236}">
-                <a16:creationId xmlns:a16="http://schemas.microsoft.com/office/drawing/2014/main" id="{3D75D9F9-6192-EA6A-A7C9-F09C6FC342AD}"/>
+                <a16:creationId xmlns:a16="http://schemas.microsoft.com/office/drawing/2014/main" xmlns="" id="{3D75D9F9-6192-EA6A-A7C9-F09C6FC342AD}"/>
               </a:ext>
             </a:extLst>
           </p:cNvPr>
@@ -5612,7 +5622,7 @@
           <p:cNvPr id="2" name="Titre 1">
             <a:extLst>
               <a:ext uri="{FF2B5EF4-FFF2-40B4-BE49-F238E27FC236}">
-                <a16:creationId xmlns:a16="http://schemas.microsoft.com/office/drawing/2014/main" id="{90162AE8-C1B0-5C56-8313-DEE494F38273}"/>
+                <a16:creationId xmlns:a16="http://schemas.microsoft.com/office/drawing/2014/main" xmlns="" id="{90162AE8-C1B0-5C56-8313-DEE494F38273}"/>
               </a:ext>
             </a:extLst>
           </p:cNvPr>
@@ -5640,7 +5650,7 @@
           <p:cNvPr id="5" name="Image 4" descr="Une image contenant texte&#10;&#10;Description générée automatiquement">
             <a:extLst>
               <a:ext uri="{FF2B5EF4-FFF2-40B4-BE49-F238E27FC236}">
-                <a16:creationId xmlns:a16="http://schemas.microsoft.com/office/drawing/2014/main" id="{204ADC40-1D61-539F-22ED-6B21D67FBDE6}"/>
+                <a16:creationId xmlns:a16="http://schemas.microsoft.com/office/drawing/2014/main" xmlns="" id="{204ADC40-1D61-539F-22ED-6B21D67FBDE6}"/>
               </a:ext>
             </a:extLst>
           </p:cNvPr>
@@ -5650,7 +5660,7 @@
           <p:nvPr/>
         </p:nvPicPr>
         <p:blipFill>
-          <a:blip r:embed="rId2">
+          <a:blip r:embed="rId2" cstate="print">
             <a:extLst>
               <a:ext uri="{28A0092B-C50C-407E-A947-70E740481C1C}">
                 <a14:useLocalDpi xmlns:a14="http://schemas.microsoft.com/office/drawing/2010/main" val="0"/>
@@ -5676,7 +5686,7 @@
           <p:cNvPr id="4" name="Espace réservé du contenu 3">
             <a:extLst>
               <a:ext uri="{FF2B5EF4-FFF2-40B4-BE49-F238E27FC236}">
-                <a16:creationId xmlns:a16="http://schemas.microsoft.com/office/drawing/2014/main" id="{065D7787-5672-CB74-A1C6-896A93BE6AF3}"/>
+                <a16:creationId xmlns:a16="http://schemas.microsoft.com/office/drawing/2014/main" xmlns="" id="{065D7787-5672-CB74-A1C6-896A93BE6AF3}"/>
               </a:ext>
             </a:extLst>
           </p:cNvPr>
@@ -5756,7 +5766,7 @@
           <p:cNvPr id="8" name="ZoneTexte 7">
             <a:extLst>
               <a:ext uri="{FF2B5EF4-FFF2-40B4-BE49-F238E27FC236}">
-                <a16:creationId xmlns:a16="http://schemas.microsoft.com/office/drawing/2014/main" id="{68758EE3-AB7D-E7C8-90BD-77D1155B966A}"/>
+                <a16:creationId xmlns:a16="http://schemas.microsoft.com/office/drawing/2014/main" xmlns="" id="{68758EE3-AB7D-E7C8-90BD-77D1155B966A}"/>
               </a:ext>
             </a:extLst>
           </p:cNvPr>
@@ -5796,7 +5806,7 @@
           <p:cNvPr id="3" name="Espace réservé du contenu 3">
             <a:extLst>
               <a:ext uri="{FF2B5EF4-FFF2-40B4-BE49-F238E27FC236}">
-                <a16:creationId xmlns:a16="http://schemas.microsoft.com/office/drawing/2014/main" id="{C286C4A6-2AB7-32A2-6489-6BBE1FC69413}"/>
+                <a16:creationId xmlns:a16="http://schemas.microsoft.com/office/drawing/2014/main" xmlns="" id="{C286C4A6-2AB7-32A2-6489-6BBE1FC69413}"/>
               </a:ext>
             </a:extLst>
           </p:cNvPr>
@@ -6046,7 +6056,7 @@
           <p:cNvPr id="2" name="Titre 1">
             <a:extLst>
               <a:ext uri="{FF2B5EF4-FFF2-40B4-BE49-F238E27FC236}">
-                <a16:creationId xmlns:a16="http://schemas.microsoft.com/office/drawing/2014/main" id="{90162AE8-C1B0-5C56-8313-DEE494F38273}"/>
+                <a16:creationId xmlns:a16="http://schemas.microsoft.com/office/drawing/2014/main" xmlns="" id="{90162AE8-C1B0-5C56-8313-DEE494F38273}"/>
               </a:ext>
             </a:extLst>
           </p:cNvPr>
@@ -6074,7 +6084,7 @@
           <p:cNvPr id="5" name="Image 4" descr="Une image contenant texte&#10;&#10;Description générée automatiquement">
             <a:extLst>
               <a:ext uri="{FF2B5EF4-FFF2-40B4-BE49-F238E27FC236}">
-                <a16:creationId xmlns:a16="http://schemas.microsoft.com/office/drawing/2014/main" id="{204ADC40-1D61-539F-22ED-6B21D67FBDE6}"/>
+                <a16:creationId xmlns:a16="http://schemas.microsoft.com/office/drawing/2014/main" xmlns="" id="{204ADC40-1D61-539F-22ED-6B21D67FBDE6}"/>
               </a:ext>
             </a:extLst>
           </p:cNvPr>
@@ -6084,7 +6094,7 @@
           <p:nvPr/>
         </p:nvPicPr>
         <p:blipFill>
-          <a:blip r:embed="rId2">
+          <a:blip r:embed="rId2" cstate="print">
             <a:extLst>
               <a:ext uri="{28A0092B-C50C-407E-A947-70E740481C1C}">
                 <a14:useLocalDpi xmlns:a14="http://schemas.microsoft.com/office/drawing/2010/main" val="0"/>
@@ -6110,7 +6120,7 @@
           <p:cNvPr id="17" name="ZoneTexte 16">
             <a:extLst>
               <a:ext uri="{FF2B5EF4-FFF2-40B4-BE49-F238E27FC236}">
-                <a16:creationId xmlns:a16="http://schemas.microsoft.com/office/drawing/2014/main" id="{2FE2EFB8-5223-2DB3-AC55-87C8590EB7A6}"/>
+                <a16:creationId xmlns:a16="http://schemas.microsoft.com/office/drawing/2014/main" xmlns="" id="{2FE2EFB8-5223-2DB3-AC55-87C8590EB7A6}"/>
               </a:ext>
             </a:extLst>
           </p:cNvPr>
@@ -6233,7 +6243,7 @@
           <p:cNvPr id="19" name="ZoneTexte 18">
             <a:extLst>
               <a:ext uri="{FF2B5EF4-FFF2-40B4-BE49-F238E27FC236}">
-                <a16:creationId xmlns:a16="http://schemas.microsoft.com/office/drawing/2014/main" id="{813663FB-4E81-1D60-66FC-80DE8402CD7F}"/>
+                <a16:creationId xmlns:a16="http://schemas.microsoft.com/office/drawing/2014/main" xmlns="" id="{813663FB-4E81-1D60-66FC-80DE8402CD7F}"/>
               </a:ext>
             </a:extLst>
           </p:cNvPr>
@@ -6314,7 +6324,7 @@
           <p:cNvPr id="20" name="Signe de multiplication 19">
             <a:extLst>
               <a:ext uri="{FF2B5EF4-FFF2-40B4-BE49-F238E27FC236}">
-                <a16:creationId xmlns:a16="http://schemas.microsoft.com/office/drawing/2014/main" id="{3683F43E-BB88-9A77-7A6A-950374FBB650}"/>
+                <a16:creationId xmlns:a16="http://schemas.microsoft.com/office/drawing/2014/main" xmlns="" id="{3683F43E-BB88-9A77-7A6A-950374FBB650}"/>
               </a:ext>
             </a:extLst>
           </p:cNvPr>
@@ -6362,7 +6372,7 @@
           <p:cNvPr id="21" name="image4.png">
             <a:extLst>
               <a:ext uri="{FF2B5EF4-FFF2-40B4-BE49-F238E27FC236}">
-                <a16:creationId xmlns:a16="http://schemas.microsoft.com/office/drawing/2014/main" id="{F449CC9F-7226-A6E5-A262-ECFCD3E55C11}"/>
+                <a16:creationId xmlns:a16="http://schemas.microsoft.com/office/drawing/2014/main" xmlns="" id="{F449CC9F-7226-A6E5-A262-ECFCD3E55C11}"/>
               </a:ext>
             </a:extLst>
           </p:cNvPr>
@@ -6392,7 +6402,7 @@
           <p:cNvPr id="22" name="image2.png">
             <a:extLst>
               <a:ext uri="{FF2B5EF4-FFF2-40B4-BE49-F238E27FC236}">
-                <a16:creationId xmlns:a16="http://schemas.microsoft.com/office/drawing/2014/main" id="{7A2C245E-CD2E-66F0-6224-3C921E14C76F}"/>
+                <a16:creationId xmlns:a16="http://schemas.microsoft.com/office/drawing/2014/main" xmlns="" id="{7A2C245E-CD2E-66F0-6224-3C921E14C76F}"/>
               </a:ext>
             </a:extLst>
           </p:cNvPr>
@@ -6422,7 +6432,7 @@
           <p:cNvPr id="23" name="image7.png">
             <a:extLst>
               <a:ext uri="{FF2B5EF4-FFF2-40B4-BE49-F238E27FC236}">
-                <a16:creationId xmlns:a16="http://schemas.microsoft.com/office/drawing/2014/main" id="{0A18A1F5-13D1-ACCE-0891-5B57837BAC45}"/>
+                <a16:creationId xmlns:a16="http://schemas.microsoft.com/office/drawing/2014/main" xmlns="" id="{0A18A1F5-13D1-ACCE-0891-5B57837BAC45}"/>
               </a:ext>
             </a:extLst>
           </p:cNvPr>
@@ -6452,7 +6462,7 @@
           <p:cNvPr id="24" name="ZoneTexte 23">
             <a:extLst>
               <a:ext uri="{FF2B5EF4-FFF2-40B4-BE49-F238E27FC236}">
-                <a16:creationId xmlns:a16="http://schemas.microsoft.com/office/drawing/2014/main" id="{D2BB8ACD-5D25-BB60-FE4B-E7F088EE366A}"/>
+                <a16:creationId xmlns:a16="http://schemas.microsoft.com/office/drawing/2014/main" xmlns="" id="{D2BB8ACD-5D25-BB60-FE4B-E7F088EE366A}"/>
               </a:ext>
             </a:extLst>
           </p:cNvPr>
@@ -6565,7 +6575,7 @@
           <p:cNvPr id="25" name="Signe de multiplication 24">
             <a:extLst>
               <a:ext uri="{FF2B5EF4-FFF2-40B4-BE49-F238E27FC236}">
-                <a16:creationId xmlns:a16="http://schemas.microsoft.com/office/drawing/2014/main" id="{D182780B-D8A8-FD8E-F6C0-CE26F37D6640}"/>
+                <a16:creationId xmlns:a16="http://schemas.microsoft.com/office/drawing/2014/main" xmlns="" id="{D182780B-D8A8-FD8E-F6C0-CE26F37D6640}"/>
               </a:ext>
             </a:extLst>
           </p:cNvPr>
@@ -6613,7 +6623,7 @@
           <p:cNvPr id="27" name="ZoneTexte 26">
             <a:extLst>
               <a:ext uri="{FF2B5EF4-FFF2-40B4-BE49-F238E27FC236}">
-                <a16:creationId xmlns:a16="http://schemas.microsoft.com/office/drawing/2014/main" id="{9D17E7CD-1E59-F5A2-A692-ED61EF2C175D}"/>
+                <a16:creationId xmlns:a16="http://schemas.microsoft.com/office/drawing/2014/main" xmlns="" id="{9D17E7CD-1E59-F5A2-A692-ED61EF2C175D}"/>
               </a:ext>
             </a:extLst>
           </p:cNvPr>
@@ -6687,7 +6697,7 @@
           <p:cNvPr id="2" name="Titre 1">
             <a:extLst>
               <a:ext uri="{FF2B5EF4-FFF2-40B4-BE49-F238E27FC236}">
-                <a16:creationId xmlns:a16="http://schemas.microsoft.com/office/drawing/2014/main" id="{90162AE8-C1B0-5C56-8313-DEE494F38273}"/>
+                <a16:creationId xmlns:a16="http://schemas.microsoft.com/office/drawing/2014/main" xmlns="" id="{90162AE8-C1B0-5C56-8313-DEE494F38273}"/>
               </a:ext>
             </a:extLst>
           </p:cNvPr>
@@ -6704,8 +6714,8 @@
           <a:lstStyle/>
           <a:p>
             <a:r>
-              <a:rPr lang="fr-FR"/>
-              <a:t>Format Binaire 64</a:t>
+              <a:rPr lang="fr-FR" dirty="0" smtClean="0"/>
+              <a:t>Filtrage</a:t>
             </a:r>
             <a:endParaRPr lang="fr-FR" dirty="0"/>
           </a:p>
@@ -6716,7 +6726,7 @@
           <p:cNvPr id="5" name="Image 4" descr="Une image contenant texte&#10;&#10;Description générée automatiquement">
             <a:extLst>
               <a:ext uri="{FF2B5EF4-FFF2-40B4-BE49-F238E27FC236}">
-                <a16:creationId xmlns:a16="http://schemas.microsoft.com/office/drawing/2014/main" id="{204ADC40-1D61-539F-22ED-6B21D67FBDE6}"/>
+                <a16:creationId xmlns:a16="http://schemas.microsoft.com/office/drawing/2014/main" xmlns="" id="{204ADC40-1D61-539F-22ED-6B21D67FBDE6}"/>
               </a:ext>
             </a:extLst>
           </p:cNvPr>
@@ -6726,7 +6736,7 @@
           <p:nvPr/>
         </p:nvPicPr>
         <p:blipFill>
-          <a:blip r:embed="rId2">
+          <a:blip r:embed="rId2" cstate="print">
             <a:extLst>
               <a:ext uri="{28A0092B-C50C-407E-A947-70E740481C1C}">
                 <a14:useLocalDpi xmlns:a14="http://schemas.microsoft.com/office/drawing/2010/main" val="0"/>
@@ -6747,10 +6757,260 @@
           </a:prstGeom>
         </p:spPr>
       </p:pic>
+      <p:pic>
+        <p:nvPicPr>
+          <p:cNvPr id="23" name="image7.png">
+            <a:extLst>
+              <a:ext uri="{FF2B5EF4-FFF2-40B4-BE49-F238E27FC236}">
+                <a16:creationId xmlns:a16="http://schemas.microsoft.com/office/drawing/2014/main" xmlns="" id="{0A18A1F5-13D1-ACCE-0891-5B57837BAC45}"/>
+              </a:ext>
+            </a:extLst>
+          </p:cNvPr>
+          <p:cNvPicPr/>
+          <p:nvPr/>
+        </p:nvPicPr>
+        <p:blipFill>
+          <a:blip r:embed="rId3"/>
+          <a:srcRect/>
+          <a:stretch>
+            <a:fillRect/>
+          </a:stretch>
+        </p:blipFill>
+        <p:spPr>
+          <a:xfrm>
+            <a:off x="1302244" y="2299195"/>
+            <a:ext cx="3854450" cy="1395730"/>
+          </a:xfrm>
+          <a:prstGeom prst="rect">
+            <a:avLst/>
+          </a:prstGeom>
+          <a:ln/>
+        </p:spPr>
+      </p:pic>
+      <p:sp>
+        <p:nvSpPr>
+          <p:cNvPr id="27" name="ZoneTexte 26">
+            <a:extLst>
+              <a:ext uri="{FF2B5EF4-FFF2-40B4-BE49-F238E27FC236}">
+                <a16:creationId xmlns:a16="http://schemas.microsoft.com/office/drawing/2014/main" xmlns="" id="{9D17E7CD-1E59-F5A2-A692-ED61EF2C175D}"/>
+              </a:ext>
+            </a:extLst>
+          </p:cNvPr>
+          <p:cNvSpPr txBox="1"/>
+          <p:nvPr/>
+        </p:nvSpPr>
+        <p:spPr>
+          <a:xfrm>
+            <a:off x="6853084" y="2022196"/>
+            <a:ext cx="6096000" cy="276999"/>
+          </a:xfrm>
+          <a:prstGeom prst="rect">
+            <a:avLst/>
+          </a:prstGeom>
+          <a:noFill/>
+        </p:spPr>
+        <p:txBody>
+          <a:bodyPr wrap="square">
+            <a:spAutoFit/>
+          </a:bodyPr>
+          <a:lstStyle/>
+          <a:p>
+            <a:r>
+              <a:rPr lang="fr-FR" sz="1200" u="sng" dirty="0">
+                <a:solidFill>
+                  <a:srgbClr val="1155CC"/>
+                </a:solidFill>
+                <a:effectLst/>
+                <a:latin typeface="Arial" panose="020B0604020202020204" pitchFamily="34" charset="0"/>
+                <a:ea typeface="Arial" panose="020B0604020202020204" pitchFamily="34" charset="0"/>
+                <a:hlinkClick r:id="rId4"/>
+              </a:rPr>
+              <a:t>http://wcours.gel.ulaval.ca/2017/a/GEL3006/default/5notes/index.chtml</a:t>
+            </a:r>
+            <a:endParaRPr lang="fr-FR" sz="1200" dirty="0"/>
+          </a:p>
+        </p:txBody>
+      </p:sp>
+      <p:cxnSp>
+        <p:nvCxnSpPr>
+          <p:cNvPr id="4" name="Connecteur droit 3"/>
+          <p:cNvCxnSpPr/>
+          <p:nvPr/>
+        </p:nvCxnSpPr>
+        <p:spPr>
+          <a:xfrm flipH="1">
+            <a:off x="2494627" y="2473277"/>
+            <a:ext cx="1" cy="1173667"/>
+          </a:xfrm>
+          <a:prstGeom prst="line">
+            <a:avLst/>
+          </a:prstGeom>
+          <a:ln w="38100">
+            <a:solidFill>
+              <a:srgbClr val="FF0000"/>
+            </a:solidFill>
+            <a:prstDash val="sysDash"/>
+          </a:ln>
+        </p:spPr>
+        <p:style>
+          <a:lnRef idx="1">
+            <a:schemeClr val="accent1"/>
+          </a:lnRef>
+          <a:fillRef idx="0">
+            <a:schemeClr val="accent1"/>
+          </a:fillRef>
+          <a:effectRef idx="0">
+            <a:schemeClr val="accent1"/>
+          </a:effectRef>
+          <a:fontRef idx="minor">
+            <a:schemeClr val="tx1"/>
+          </a:fontRef>
+        </p:style>
+      </p:cxnSp>
+      <p:cxnSp>
+        <p:nvCxnSpPr>
+          <p:cNvPr id="16" name="Connecteur droit 15"/>
+          <p:cNvCxnSpPr/>
+          <p:nvPr/>
+        </p:nvCxnSpPr>
+        <p:spPr>
+          <a:xfrm flipH="1">
+            <a:off x="3854390" y="2521258"/>
+            <a:ext cx="1" cy="1173667"/>
+          </a:xfrm>
+          <a:prstGeom prst="line">
+            <a:avLst/>
+          </a:prstGeom>
+          <a:ln w="38100">
+            <a:solidFill>
+              <a:srgbClr val="FF0000"/>
+            </a:solidFill>
+            <a:prstDash val="sysDash"/>
+          </a:ln>
+        </p:spPr>
+        <p:style>
+          <a:lnRef idx="1">
+            <a:schemeClr val="accent1"/>
+          </a:lnRef>
+          <a:fillRef idx="0">
+            <a:schemeClr val="accent1"/>
+          </a:fillRef>
+          <a:effectRef idx="0">
+            <a:schemeClr val="accent1"/>
+          </a:effectRef>
+          <a:fontRef idx="minor">
+            <a:schemeClr val="tx1"/>
+          </a:fontRef>
+        </p:style>
+      </p:cxnSp>
+      <p:cxnSp>
+        <p:nvCxnSpPr>
+          <p:cNvPr id="18" name="Connecteur droit 17"/>
+          <p:cNvCxnSpPr/>
+          <p:nvPr/>
+        </p:nvCxnSpPr>
+        <p:spPr>
+          <a:xfrm flipH="1">
+            <a:off x="2494627" y="2473277"/>
+            <a:ext cx="1359764" cy="0"/>
+          </a:xfrm>
+          <a:prstGeom prst="line">
+            <a:avLst/>
+          </a:prstGeom>
+          <a:ln w="38100">
+            <a:solidFill>
+              <a:srgbClr val="FF0000"/>
+            </a:solidFill>
+            <a:prstDash val="sysDash"/>
+          </a:ln>
+        </p:spPr>
+        <p:style>
+          <a:lnRef idx="1">
+            <a:schemeClr val="accent1"/>
+          </a:lnRef>
+          <a:fillRef idx="0">
+            <a:schemeClr val="accent1"/>
+          </a:fillRef>
+          <a:effectRef idx="0">
+            <a:schemeClr val="accent1"/>
+          </a:effectRef>
+          <a:fontRef idx="minor">
+            <a:schemeClr val="tx1"/>
+          </a:fontRef>
+        </p:style>
+      </p:cxnSp>
+      <p:sp>
+        <p:nvSpPr>
+          <p:cNvPr id="9" name="ZoneTexte 8"/>
+          <p:cNvSpPr txBox="1"/>
+          <p:nvPr/>
+        </p:nvSpPr>
+        <p:spPr>
+          <a:xfrm>
+            <a:off x="2289283" y="3780071"/>
+            <a:ext cx="410690" cy="369332"/>
+          </a:xfrm>
+          <a:prstGeom prst="rect">
+            <a:avLst/>
+          </a:prstGeom>
+          <a:noFill/>
+        </p:spPr>
+        <p:txBody>
+          <a:bodyPr wrap="none" rtlCol="0">
+            <a:spAutoFit/>
+          </a:bodyPr>
+          <a:lstStyle/>
+          <a:p>
+            <a:r>
+              <a:rPr lang="fr-FR" dirty="0" smtClean="0"/>
+              <a:t>-f</a:t>
+            </a:r>
+            <a:r>
+              <a:rPr lang="fr-FR" baseline="-25000" dirty="0" smtClean="0"/>
+              <a:t>p</a:t>
+            </a:r>
+            <a:endParaRPr lang="fr-FR" baseline="-25000" dirty="0"/>
+          </a:p>
+        </p:txBody>
+      </p:sp>
+      <p:sp>
+        <p:nvSpPr>
+          <p:cNvPr id="26" name="ZoneTexte 25"/>
+          <p:cNvSpPr txBox="1"/>
+          <p:nvPr/>
+        </p:nvSpPr>
+        <p:spPr>
+          <a:xfrm>
+            <a:off x="3681273" y="3780071"/>
+            <a:ext cx="333746" cy="369332"/>
+          </a:xfrm>
+          <a:prstGeom prst="rect">
+            <a:avLst/>
+          </a:prstGeom>
+          <a:noFill/>
+        </p:spPr>
+        <p:txBody>
+          <a:bodyPr wrap="none" rtlCol="0">
+            <a:spAutoFit/>
+          </a:bodyPr>
+          <a:lstStyle/>
+          <a:p>
+            <a:r>
+              <a:rPr lang="fr-FR" dirty="0" smtClean="0"/>
+              <a:t>f</a:t>
+            </a:r>
+            <a:r>
+              <a:rPr lang="fr-FR" baseline="-25000" dirty="0" smtClean="0"/>
+              <a:t>p</a:t>
+            </a:r>
+            <a:endParaRPr lang="fr-FR" baseline="-25000" dirty="0"/>
+          </a:p>
+        </p:txBody>
+      </p:sp>
     </p:spTree>
     <p:extLst>
       <p:ext uri="{BB962C8B-B14F-4D97-AF65-F5344CB8AC3E}">
-        <p14:creationId xmlns:p14="http://schemas.microsoft.com/office/powerpoint/2010/main" val="2611207670"/>
+        <p14:creationId xmlns:p14="http://schemas.microsoft.com/office/powerpoint/2010/main" val="492874660"/>
       </p:ext>
     </p:extLst>
   </p:cSld>
@@ -6782,7 +7042,7 @@
           <p:cNvPr id="2" name="Titre 1">
             <a:extLst>
               <a:ext uri="{FF2B5EF4-FFF2-40B4-BE49-F238E27FC236}">
-                <a16:creationId xmlns:a16="http://schemas.microsoft.com/office/drawing/2014/main" id="{90162AE8-C1B0-5C56-8313-DEE494F38273}"/>
+                <a16:creationId xmlns:a16="http://schemas.microsoft.com/office/drawing/2014/main" xmlns="" id="{90162AE8-C1B0-5C56-8313-DEE494F38273}"/>
               </a:ext>
             </a:extLst>
           </p:cNvPr>
@@ -6799,9 +7059,10 @@
           <a:lstStyle/>
           <a:p>
             <a:r>
-              <a:rPr lang="fr-FR" dirty="0"/>
-              <a:t>Conversion en signaux sonores</a:t>
-            </a:r>
+              <a:rPr lang="fr-FR" dirty="0" smtClean="0"/>
+              <a:t>Rappel sur la Transformée de Fourier</a:t>
+            </a:r>
+            <a:endParaRPr lang="fr-FR" dirty="0"/>
           </a:p>
         </p:txBody>
       </p:sp>
@@ -6810,7 +7071,7 @@
           <p:cNvPr id="5" name="Image 4" descr="Une image contenant texte&#10;&#10;Description générée automatiquement">
             <a:extLst>
               <a:ext uri="{FF2B5EF4-FFF2-40B4-BE49-F238E27FC236}">
-                <a16:creationId xmlns:a16="http://schemas.microsoft.com/office/drawing/2014/main" id="{204ADC40-1D61-539F-22ED-6B21D67FBDE6}"/>
+                <a16:creationId xmlns:a16="http://schemas.microsoft.com/office/drawing/2014/main" xmlns="" id="{204ADC40-1D61-539F-22ED-6B21D67FBDE6}"/>
               </a:ext>
             </a:extLst>
           </p:cNvPr>
@@ -6820,7 +7081,7 @@
           <p:nvPr/>
         </p:nvPicPr>
         <p:blipFill>
-          <a:blip r:embed="rId2">
+          <a:blip r:embed="rId2" cstate="print">
             <a:extLst>
               <a:ext uri="{28A0092B-C50C-407E-A947-70E740481C1C}">
                 <a14:useLocalDpi xmlns:a14="http://schemas.microsoft.com/office/drawing/2010/main" val="0"/>
@@ -6841,6 +7102,2314 @@
           </a:prstGeom>
         </p:spPr>
       </p:pic>
+      <p:pic>
+        <p:nvPicPr>
+          <p:cNvPr id="2052" name="Picture 4" descr="http://lense.institutoptique.fr/wp-content/uploads/2020/04/TFaTC.png"/>
+          <p:cNvPicPr>
+            <a:picLocks noChangeAspect="1" noChangeArrowheads="1"/>
+          </p:cNvPicPr>
+          <p:nvPr/>
+        </p:nvPicPr>
+        <p:blipFill>
+          <a:blip r:embed="rId3">
+            <a:extLst>
+              <a:ext uri="{28A0092B-C50C-407E-A947-70E740481C1C}">
+                <a14:useLocalDpi xmlns:a14="http://schemas.microsoft.com/office/drawing/2010/main" val="0"/>
+              </a:ext>
+            </a:extLst>
+          </a:blip>
+          <a:srcRect/>
+          <a:stretch>
+            <a:fillRect/>
+          </a:stretch>
+        </p:blipFill>
+        <p:spPr bwMode="auto">
+          <a:xfrm>
+            <a:off x="2028213" y="2160895"/>
+            <a:ext cx="7768360" cy="1798629"/>
+          </a:xfrm>
+          <a:prstGeom prst="rect">
+            <a:avLst/>
+          </a:prstGeom>
+          <a:noFill/>
+          <a:extLst>
+            <a:ext uri="{909E8E84-426E-40DD-AFC4-6F175D3DCCD1}">
+              <a14:hiddenFill xmlns:a14="http://schemas.microsoft.com/office/drawing/2010/main">
+                <a:solidFill>
+                  <a:srgbClr val="FFFFFF"/>
+                </a:solidFill>
+              </a14:hiddenFill>
+            </a:ext>
+          </a:extLst>
+        </p:spPr>
+      </p:pic>
+      <p:pic>
+        <p:nvPicPr>
+          <p:cNvPr id="2054" name="Picture 6" descr="http://lense.institutoptique.fr/wp-content/uploads/2020/04/TFaTD.png"/>
+          <p:cNvPicPr>
+            <a:picLocks noChangeAspect="1" noChangeArrowheads="1"/>
+          </p:cNvPicPr>
+          <p:nvPr/>
+        </p:nvPicPr>
+        <p:blipFill>
+          <a:blip r:embed="rId4">
+            <a:extLst>
+              <a:ext uri="{28A0092B-C50C-407E-A947-70E740481C1C}">
+                <a14:useLocalDpi xmlns:a14="http://schemas.microsoft.com/office/drawing/2010/main" val="0"/>
+              </a:ext>
+            </a:extLst>
+          </a:blip>
+          <a:srcRect/>
+          <a:stretch>
+            <a:fillRect/>
+          </a:stretch>
+        </p:blipFill>
+        <p:spPr bwMode="auto">
+          <a:xfrm>
+            <a:off x="2104803" y="4369974"/>
+            <a:ext cx="7896693" cy="1939386"/>
+          </a:xfrm>
+          <a:prstGeom prst="rect">
+            <a:avLst/>
+          </a:prstGeom>
+          <a:noFill/>
+          <a:extLst>
+            <a:ext uri="{909E8E84-426E-40DD-AFC4-6F175D3DCCD1}">
+              <a14:hiddenFill xmlns:a14="http://schemas.microsoft.com/office/drawing/2010/main">
+                <a:solidFill>
+                  <a:srgbClr val="FFFFFF"/>
+                </a:solidFill>
+              </a14:hiddenFill>
+            </a:ext>
+          </a:extLst>
+        </p:spPr>
+      </p:pic>
+    </p:spTree>
+    <p:extLst>
+      <p:ext uri="{BB962C8B-B14F-4D97-AF65-F5344CB8AC3E}">
+        <p14:creationId xmlns:p14="http://schemas.microsoft.com/office/powerpoint/2010/main" val="918715071"/>
+      </p:ext>
+    </p:extLst>
+  </p:cSld>
+  <p:clrMapOvr>
+    <a:masterClrMapping/>
+  </p:clrMapOvr>
+</p:sld>
+</file>
+
+<file path=ppt/slides/slide14.xml><?xml version="1.0" encoding="utf-8"?>
+<p:sld xmlns:a="http://schemas.openxmlformats.org/drawingml/2006/main" xmlns:r="http://schemas.openxmlformats.org/officeDocument/2006/relationships" xmlns:p="http://schemas.openxmlformats.org/presentationml/2006/main">
+  <p:cSld>
+    <p:spTree>
+      <p:nvGrpSpPr>
+        <p:cNvPr id="1" name=""/>
+        <p:cNvGrpSpPr/>
+        <p:nvPr/>
+      </p:nvGrpSpPr>
+      <p:grpSpPr>
+        <a:xfrm>
+          <a:off x="0" y="0"/>
+          <a:ext cx="0" cy="0"/>
+          <a:chOff x="0" y="0"/>
+          <a:chExt cx="0" cy="0"/>
+        </a:xfrm>
+      </p:grpSpPr>
+      <p:sp>
+        <p:nvSpPr>
+          <p:cNvPr id="2" name="Titre 1">
+            <a:extLst>
+              <a:ext uri="{FF2B5EF4-FFF2-40B4-BE49-F238E27FC236}">
+                <a16:creationId xmlns:a16="http://schemas.microsoft.com/office/drawing/2014/main" xmlns="" id="{90162AE8-C1B0-5C56-8313-DEE494F38273}"/>
+              </a:ext>
+            </a:extLst>
+          </p:cNvPr>
+          <p:cNvSpPr>
+            <a:spLocks noGrp="1"/>
+          </p:cNvSpPr>
+          <p:nvPr>
+            <p:ph type="title"/>
+          </p:nvPr>
+        </p:nvSpPr>
+        <p:spPr/>
+        <p:txBody>
+          <a:bodyPr/>
+          <a:lstStyle/>
+          <a:p>
+            <a:r>
+              <a:rPr lang="fr-FR" dirty="0" smtClean="0"/>
+              <a:t>Rappel sur la FFT</a:t>
+            </a:r>
+            <a:endParaRPr lang="fr-FR" dirty="0"/>
+          </a:p>
+        </p:txBody>
+      </p:sp>
+      <p:pic>
+        <p:nvPicPr>
+          <p:cNvPr id="5" name="Image 4" descr="Une image contenant texte&#10;&#10;Description générée automatiquement">
+            <a:extLst>
+              <a:ext uri="{FF2B5EF4-FFF2-40B4-BE49-F238E27FC236}">
+                <a16:creationId xmlns:a16="http://schemas.microsoft.com/office/drawing/2014/main" xmlns="" id="{204ADC40-1D61-539F-22ED-6B21D67FBDE6}"/>
+              </a:ext>
+            </a:extLst>
+          </p:cNvPr>
+          <p:cNvPicPr>
+            <a:picLocks noChangeAspect="1"/>
+          </p:cNvPicPr>
+          <p:nvPr/>
+        </p:nvPicPr>
+        <p:blipFill>
+          <a:blip r:embed="rId2" cstate="print">
+            <a:extLst>
+              <a:ext uri="{28A0092B-C50C-407E-A947-70E740481C1C}">
+                <a14:useLocalDpi xmlns:a14="http://schemas.microsoft.com/office/drawing/2010/main" val="0"/>
+              </a:ext>
+            </a:extLst>
+          </a:blip>
+          <a:stretch>
+            <a:fillRect/>
+          </a:stretch>
+        </p:blipFill>
+        <p:spPr>
+          <a:xfrm>
+            <a:off x="202922" y="5934456"/>
+            <a:ext cx="1825291" cy="749808"/>
+          </a:xfrm>
+          <a:prstGeom prst="rect">
+            <a:avLst/>
+          </a:prstGeom>
+        </p:spPr>
+      </p:pic>
+      <p:sp>
+        <p:nvSpPr>
+          <p:cNvPr id="3" name="Rectangle 2"/>
+          <p:cNvSpPr/>
+          <p:nvPr/>
+        </p:nvSpPr>
+        <p:spPr>
+          <a:xfrm>
+            <a:off x="8531525" y="4048370"/>
+            <a:ext cx="3156633" cy="351378"/>
+          </a:xfrm>
+          <a:prstGeom prst="rect">
+            <a:avLst/>
+          </a:prstGeom>
+        </p:spPr>
+        <p:txBody>
+          <a:bodyPr wrap="none">
+            <a:spAutoFit/>
+          </a:bodyPr>
+          <a:lstStyle/>
+          <a:p>
+            <a:pPr lvl="1" algn="just">
+              <a:lnSpc>
+                <a:spcPct val="115000"/>
+              </a:lnSpc>
+            </a:pPr>
+            <a:r>
+              <a:rPr lang="fr-FR" sz="1600" b="1" dirty="0" err="1">
+                <a:solidFill>
+                  <a:srgbClr val="E36C0A"/>
+                </a:solidFill>
+                <a:latin typeface="Arial" panose="020B0604020202020204" pitchFamily="34" charset="0"/>
+                <a:ea typeface="Arial" panose="020B0604020202020204" pitchFamily="34" charset="0"/>
+              </a:rPr>
+              <a:t>numpy</a:t>
+            </a:r>
+            <a:r>
+              <a:rPr lang="fr-FR" sz="1600" b="1" dirty="0">
+                <a:solidFill>
+                  <a:srgbClr val="1155CC"/>
+                </a:solidFill>
+                <a:latin typeface="Arial" panose="020B0604020202020204" pitchFamily="34" charset="0"/>
+                <a:ea typeface="Arial" panose="020B0604020202020204" pitchFamily="34" charset="0"/>
+              </a:rPr>
+              <a:t>  .</a:t>
+            </a:r>
+            <a:r>
+              <a:rPr lang="fr-FR" sz="1600" b="1" dirty="0" err="1">
+                <a:solidFill>
+                  <a:srgbClr val="1155CC"/>
+                </a:solidFill>
+                <a:latin typeface="Arial" panose="020B0604020202020204" pitchFamily="34" charset="0"/>
+                <a:ea typeface="Arial" panose="020B0604020202020204" pitchFamily="34" charset="0"/>
+              </a:rPr>
+              <a:t>fft.fft</a:t>
+            </a:r>
+            <a:r>
+              <a:rPr lang="fr-FR" sz="1600" b="1" dirty="0">
+                <a:solidFill>
+                  <a:srgbClr val="1155CC"/>
+                </a:solidFill>
+                <a:latin typeface="Arial" panose="020B0604020202020204" pitchFamily="34" charset="0"/>
+                <a:ea typeface="Arial" panose="020B0604020202020204" pitchFamily="34" charset="0"/>
+              </a:rPr>
+              <a:t>    .</a:t>
+            </a:r>
+            <a:r>
+              <a:rPr lang="fr-FR" sz="1600" b="1" dirty="0" err="1">
+                <a:solidFill>
+                  <a:srgbClr val="1155CC"/>
+                </a:solidFill>
+                <a:latin typeface="Arial" panose="020B0604020202020204" pitchFamily="34" charset="0"/>
+                <a:ea typeface="Arial" panose="020B0604020202020204" pitchFamily="34" charset="0"/>
+              </a:rPr>
+              <a:t>fft.fftshift</a:t>
+            </a:r>
+            <a:endParaRPr lang="fr-FR" sz="1600" b="1" dirty="0"/>
+          </a:p>
+        </p:txBody>
+      </p:sp>
+      <p:pic>
+        <p:nvPicPr>
+          <p:cNvPr id="2050" name="Picture 2"/>
+          <p:cNvPicPr>
+            <a:picLocks noChangeAspect="1" noChangeArrowheads="1"/>
+          </p:cNvPicPr>
+          <p:nvPr/>
+        </p:nvPicPr>
+        <p:blipFill>
+          <a:blip r:embed="rId3">
+            <a:extLst>
+              <a:ext uri="{28A0092B-C50C-407E-A947-70E740481C1C}">
+                <a14:useLocalDpi xmlns:a14="http://schemas.microsoft.com/office/drawing/2010/main" val="0"/>
+              </a:ext>
+            </a:extLst>
+          </a:blip>
+          <a:srcRect/>
+          <a:stretch>
+            <a:fillRect/>
+          </a:stretch>
+        </p:blipFill>
+        <p:spPr bwMode="auto">
+          <a:xfrm>
+            <a:off x="6596003" y="4586737"/>
+            <a:ext cx="5276850" cy="876300"/>
+          </a:xfrm>
+          <a:prstGeom prst="rect">
+            <a:avLst/>
+          </a:prstGeom>
+          <a:noFill/>
+          <a:ln>
+            <a:noFill/>
+          </a:ln>
+          <a:effectLst/>
+          <a:extLst>
+            <a:ext uri="{909E8E84-426E-40DD-AFC4-6F175D3DCCD1}">
+              <a14:hiddenFill xmlns:a14="http://schemas.microsoft.com/office/drawing/2010/main">
+                <a:solidFill>
+                  <a:schemeClr val="accent1"/>
+                </a:solidFill>
+              </a14:hiddenFill>
+            </a:ext>
+            <a:ext uri="{91240B29-F687-4F45-9708-019B960494DF}">
+              <a14:hiddenLine xmlns:a14="http://schemas.microsoft.com/office/drawing/2010/main" w="9525">
+                <a:solidFill>
+                  <a:schemeClr val="tx1"/>
+                </a:solidFill>
+                <a:miter lim="800000"/>
+                <a:headEnd/>
+                <a:tailEnd/>
+              </a14:hiddenLine>
+            </a:ext>
+            <a:ext uri="{AF507438-7753-43E0-B8FC-AC1667EBCBE1}">
+              <a14:hiddenEffects xmlns:a14="http://schemas.microsoft.com/office/drawing/2010/main">
+                <a:effectLst>
+                  <a:outerShdw dist="35921" dir="2700000" algn="ctr" rotWithShape="0">
+                    <a:schemeClr val="bg2"/>
+                  </a:outerShdw>
+                </a:effectLst>
+              </a14:hiddenEffects>
+            </a:ext>
+          </a:extLst>
+        </p:spPr>
+      </p:pic>
+      <p:pic>
+        <p:nvPicPr>
+          <p:cNvPr id="3074" name="Picture 2" descr="http://lense.institutoptique.fr/wp-content/uploads/2020/04/TFD.png"/>
+          <p:cNvPicPr>
+            <a:picLocks noChangeAspect="1" noChangeArrowheads="1"/>
+          </p:cNvPicPr>
+          <p:nvPr/>
+        </p:nvPicPr>
+        <p:blipFill>
+          <a:blip r:embed="rId4">
+            <a:extLst>
+              <a:ext uri="{28A0092B-C50C-407E-A947-70E740481C1C}">
+                <a14:useLocalDpi xmlns:a14="http://schemas.microsoft.com/office/drawing/2010/main" val="0"/>
+              </a:ext>
+            </a:extLst>
+          </a:blip>
+          <a:srcRect/>
+          <a:stretch>
+            <a:fillRect/>
+          </a:stretch>
+        </p:blipFill>
+        <p:spPr bwMode="auto">
+          <a:xfrm>
+            <a:off x="923326" y="2323022"/>
+            <a:ext cx="7608199" cy="2044495"/>
+          </a:xfrm>
+          <a:prstGeom prst="rect">
+            <a:avLst/>
+          </a:prstGeom>
+          <a:noFill/>
+          <a:extLst>
+            <a:ext uri="{909E8E84-426E-40DD-AFC4-6F175D3DCCD1}">
+              <a14:hiddenFill xmlns:a14="http://schemas.microsoft.com/office/drawing/2010/main">
+                <a:solidFill>
+                  <a:srgbClr val="FFFFFF"/>
+                </a:solidFill>
+              </a14:hiddenFill>
+            </a:ext>
+          </a:extLst>
+        </p:spPr>
+      </p:pic>
+      <p:cxnSp>
+        <p:nvCxnSpPr>
+          <p:cNvPr id="8" name="Connecteur droit 7"/>
+          <p:cNvCxnSpPr/>
+          <p:nvPr/>
+        </p:nvCxnSpPr>
+        <p:spPr>
+          <a:xfrm flipH="1">
+            <a:off x="6514538" y="3461536"/>
+            <a:ext cx="1" cy="368592"/>
+          </a:xfrm>
+          <a:prstGeom prst="line">
+            <a:avLst/>
+          </a:prstGeom>
+          <a:ln w="38100">
+            <a:solidFill>
+              <a:srgbClr val="00B0F0"/>
+            </a:solidFill>
+            <a:prstDash val="sysDash"/>
+          </a:ln>
+        </p:spPr>
+        <p:style>
+          <a:lnRef idx="1">
+            <a:schemeClr val="accent1"/>
+          </a:lnRef>
+          <a:fillRef idx="0">
+            <a:schemeClr val="accent1"/>
+          </a:fillRef>
+          <a:effectRef idx="0">
+            <a:schemeClr val="accent1"/>
+          </a:effectRef>
+          <a:fontRef idx="minor">
+            <a:schemeClr val="tx1"/>
+          </a:fontRef>
+        </p:style>
+      </p:cxnSp>
+      <p:cxnSp>
+        <p:nvCxnSpPr>
+          <p:cNvPr id="10" name="Connecteur droit 9"/>
+          <p:cNvCxnSpPr/>
+          <p:nvPr/>
+        </p:nvCxnSpPr>
+        <p:spPr>
+          <a:xfrm flipH="1">
+            <a:off x="7736614" y="3429640"/>
+            <a:ext cx="1" cy="368592"/>
+          </a:xfrm>
+          <a:prstGeom prst="line">
+            <a:avLst/>
+          </a:prstGeom>
+          <a:ln w="38100">
+            <a:solidFill>
+              <a:srgbClr val="00B0F0"/>
+            </a:solidFill>
+            <a:prstDash val="sysDash"/>
+          </a:ln>
+        </p:spPr>
+        <p:style>
+          <a:lnRef idx="1">
+            <a:schemeClr val="accent1"/>
+          </a:lnRef>
+          <a:fillRef idx="0">
+            <a:schemeClr val="accent1"/>
+          </a:fillRef>
+          <a:effectRef idx="0">
+            <a:schemeClr val="accent1"/>
+          </a:effectRef>
+          <a:fontRef idx="minor">
+            <a:schemeClr val="tx1"/>
+          </a:fontRef>
+        </p:style>
+      </p:cxnSp>
+      <p:sp>
+        <p:nvSpPr>
+          <p:cNvPr id="11" name="ZoneTexte 10"/>
+          <p:cNvSpPr txBox="1"/>
+          <p:nvPr/>
+        </p:nvSpPr>
+        <p:spPr>
+          <a:xfrm>
+            <a:off x="7736615" y="3595405"/>
+            <a:ext cx="333746" cy="369332"/>
+          </a:xfrm>
+          <a:prstGeom prst="rect">
+            <a:avLst/>
+          </a:prstGeom>
+          <a:noFill/>
+        </p:spPr>
+        <p:txBody>
+          <a:bodyPr wrap="none" rtlCol="0">
+            <a:spAutoFit/>
+          </a:bodyPr>
+          <a:lstStyle/>
+          <a:p>
+            <a:r>
+              <a:rPr lang="fr-FR" dirty="0" err="1" smtClean="0">
+                <a:solidFill>
+                  <a:srgbClr val="0070C0"/>
+                </a:solidFill>
+              </a:rPr>
+              <a:t>f</a:t>
+            </a:r>
+            <a:r>
+              <a:rPr lang="fr-FR" baseline="-25000" dirty="0" err="1" smtClean="0">
+                <a:solidFill>
+                  <a:srgbClr val="0070C0"/>
+                </a:solidFill>
+              </a:rPr>
+              <a:t>e</a:t>
+            </a:r>
+            <a:endParaRPr lang="fr-FR" baseline="-25000" dirty="0">
+              <a:solidFill>
+                <a:srgbClr val="0070C0"/>
+              </a:solidFill>
+            </a:endParaRPr>
+          </a:p>
+        </p:txBody>
+      </p:sp>
+      <p:sp>
+        <p:nvSpPr>
+          <p:cNvPr id="12" name="ZoneTexte 11"/>
+          <p:cNvSpPr txBox="1"/>
+          <p:nvPr/>
+        </p:nvSpPr>
+        <p:spPr>
+          <a:xfrm>
+            <a:off x="6482680" y="3620752"/>
+            <a:ext cx="312906" cy="369332"/>
+          </a:xfrm>
+          <a:prstGeom prst="rect">
+            <a:avLst/>
+          </a:prstGeom>
+          <a:noFill/>
+        </p:spPr>
+        <p:txBody>
+          <a:bodyPr wrap="none" rtlCol="0">
+            <a:spAutoFit/>
+          </a:bodyPr>
+          <a:lstStyle/>
+          <a:p>
+            <a:r>
+              <a:rPr lang="fr-FR" dirty="0" smtClean="0">
+                <a:solidFill>
+                  <a:srgbClr val="0070C0"/>
+                </a:solidFill>
+              </a:rPr>
+              <a:t>0</a:t>
+            </a:r>
+            <a:endParaRPr lang="fr-FR" baseline="-25000" dirty="0">
+              <a:solidFill>
+                <a:srgbClr val="0070C0"/>
+              </a:solidFill>
+            </a:endParaRPr>
+          </a:p>
+        </p:txBody>
+      </p:sp>
+    </p:spTree>
+    <p:extLst>
+      <p:ext uri="{BB962C8B-B14F-4D97-AF65-F5344CB8AC3E}">
+        <p14:creationId xmlns:p14="http://schemas.microsoft.com/office/powerpoint/2010/main" val="2339591794"/>
+      </p:ext>
+    </p:extLst>
+  </p:cSld>
+  <p:clrMapOvr>
+    <a:masterClrMapping/>
+  </p:clrMapOvr>
+</p:sld>
+</file>
+
+<file path=ppt/slides/slide15.xml><?xml version="1.0" encoding="utf-8"?>
+<p:sld xmlns:a="http://schemas.openxmlformats.org/drawingml/2006/main" xmlns:r="http://schemas.openxmlformats.org/officeDocument/2006/relationships" xmlns:p="http://schemas.openxmlformats.org/presentationml/2006/main">
+  <p:cSld>
+    <p:spTree>
+      <p:nvGrpSpPr>
+        <p:cNvPr id="1" name=""/>
+        <p:cNvGrpSpPr/>
+        <p:nvPr/>
+      </p:nvGrpSpPr>
+      <p:grpSpPr>
+        <a:xfrm>
+          <a:off x="0" y="0"/>
+          <a:ext cx="0" cy="0"/>
+          <a:chOff x="0" y="0"/>
+          <a:chExt cx="0" cy="0"/>
+        </a:xfrm>
+      </p:grpSpPr>
+      <p:sp>
+        <p:nvSpPr>
+          <p:cNvPr id="2" name="Titre 1">
+            <a:extLst>
+              <a:ext uri="{FF2B5EF4-FFF2-40B4-BE49-F238E27FC236}">
+                <a16:creationId xmlns:a16="http://schemas.microsoft.com/office/drawing/2014/main" xmlns="" id="{90162AE8-C1B0-5C56-8313-DEE494F38273}"/>
+              </a:ext>
+            </a:extLst>
+          </p:cNvPr>
+          <p:cNvSpPr>
+            <a:spLocks noGrp="1"/>
+          </p:cNvSpPr>
+          <p:nvPr>
+            <p:ph type="title"/>
+          </p:nvPr>
+        </p:nvSpPr>
+        <p:spPr/>
+        <p:txBody>
+          <a:bodyPr/>
+          <a:lstStyle/>
+          <a:p>
+            <a:r>
+              <a:rPr lang="fr-FR" dirty="0" smtClean="0"/>
+              <a:t>Rappel sur la FFT</a:t>
+            </a:r>
+            <a:endParaRPr lang="fr-FR" dirty="0"/>
+          </a:p>
+        </p:txBody>
+      </p:sp>
+      <p:pic>
+        <p:nvPicPr>
+          <p:cNvPr id="5" name="Image 4" descr="Une image contenant texte&#10;&#10;Description générée automatiquement">
+            <a:extLst>
+              <a:ext uri="{FF2B5EF4-FFF2-40B4-BE49-F238E27FC236}">
+                <a16:creationId xmlns:a16="http://schemas.microsoft.com/office/drawing/2014/main" xmlns="" id="{204ADC40-1D61-539F-22ED-6B21D67FBDE6}"/>
+              </a:ext>
+            </a:extLst>
+          </p:cNvPr>
+          <p:cNvPicPr>
+            <a:picLocks noChangeAspect="1"/>
+          </p:cNvPicPr>
+          <p:nvPr/>
+        </p:nvPicPr>
+        <p:blipFill>
+          <a:blip r:embed="rId2" cstate="print">
+            <a:extLst>
+              <a:ext uri="{28A0092B-C50C-407E-A947-70E740481C1C}">
+                <a14:useLocalDpi xmlns:a14="http://schemas.microsoft.com/office/drawing/2010/main" val="0"/>
+              </a:ext>
+            </a:extLst>
+          </a:blip>
+          <a:stretch>
+            <a:fillRect/>
+          </a:stretch>
+        </p:blipFill>
+        <p:spPr>
+          <a:xfrm>
+            <a:off x="202922" y="5934456"/>
+            <a:ext cx="1825291" cy="749808"/>
+          </a:xfrm>
+          <a:prstGeom prst="rect">
+            <a:avLst/>
+          </a:prstGeom>
+        </p:spPr>
+      </p:pic>
+      <p:sp>
+        <p:nvSpPr>
+          <p:cNvPr id="3" name="Rectangle 2"/>
+          <p:cNvSpPr/>
+          <p:nvPr/>
+        </p:nvSpPr>
+        <p:spPr>
+          <a:xfrm>
+            <a:off x="8483930" y="2323022"/>
+            <a:ext cx="3156633" cy="351378"/>
+          </a:xfrm>
+          <a:prstGeom prst="rect">
+            <a:avLst/>
+          </a:prstGeom>
+        </p:spPr>
+        <p:txBody>
+          <a:bodyPr wrap="none">
+            <a:spAutoFit/>
+          </a:bodyPr>
+          <a:lstStyle/>
+          <a:p>
+            <a:pPr lvl="1" algn="just">
+              <a:lnSpc>
+                <a:spcPct val="115000"/>
+              </a:lnSpc>
+            </a:pPr>
+            <a:r>
+              <a:rPr lang="fr-FR" sz="1600" b="1" dirty="0" err="1">
+                <a:solidFill>
+                  <a:srgbClr val="E36C0A"/>
+                </a:solidFill>
+                <a:latin typeface="Arial" panose="020B0604020202020204" pitchFamily="34" charset="0"/>
+                <a:ea typeface="Arial" panose="020B0604020202020204" pitchFamily="34" charset="0"/>
+              </a:rPr>
+              <a:t>numpy</a:t>
+            </a:r>
+            <a:r>
+              <a:rPr lang="fr-FR" sz="1600" b="1" dirty="0">
+                <a:solidFill>
+                  <a:srgbClr val="1155CC"/>
+                </a:solidFill>
+                <a:latin typeface="Arial" panose="020B0604020202020204" pitchFamily="34" charset="0"/>
+                <a:ea typeface="Arial" panose="020B0604020202020204" pitchFamily="34" charset="0"/>
+              </a:rPr>
+              <a:t>  .</a:t>
+            </a:r>
+            <a:r>
+              <a:rPr lang="fr-FR" sz="1600" b="1" dirty="0" err="1">
+                <a:solidFill>
+                  <a:srgbClr val="1155CC"/>
+                </a:solidFill>
+                <a:latin typeface="Arial" panose="020B0604020202020204" pitchFamily="34" charset="0"/>
+                <a:ea typeface="Arial" panose="020B0604020202020204" pitchFamily="34" charset="0"/>
+              </a:rPr>
+              <a:t>fft.fft</a:t>
+            </a:r>
+            <a:r>
+              <a:rPr lang="fr-FR" sz="1600" b="1" dirty="0">
+                <a:solidFill>
+                  <a:srgbClr val="1155CC"/>
+                </a:solidFill>
+                <a:latin typeface="Arial" panose="020B0604020202020204" pitchFamily="34" charset="0"/>
+                <a:ea typeface="Arial" panose="020B0604020202020204" pitchFamily="34" charset="0"/>
+              </a:rPr>
+              <a:t>    .</a:t>
+            </a:r>
+            <a:r>
+              <a:rPr lang="fr-FR" sz="1600" b="1" dirty="0" err="1">
+                <a:solidFill>
+                  <a:srgbClr val="1155CC"/>
+                </a:solidFill>
+                <a:latin typeface="Arial" panose="020B0604020202020204" pitchFamily="34" charset="0"/>
+                <a:ea typeface="Arial" panose="020B0604020202020204" pitchFamily="34" charset="0"/>
+              </a:rPr>
+              <a:t>fft.fftshift</a:t>
+            </a:r>
+            <a:endParaRPr lang="fr-FR" sz="1600" b="1" dirty="0"/>
+          </a:p>
+        </p:txBody>
+      </p:sp>
+      <p:pic>
+        <p:nvPicPr>
+          <p:cNvPr id="2050" name="Picture 2"/>
+          <p:cNvPicPr>
+            <a:picLocks noChangeAspect="1" noChangeArrowheads="1"/>
+          </p:cNvPicPr>
+          <p:nvPr/>
+        </p:nvPicPr>
+        <p:blipFill>
+          <a:blip r:embed="rId3">
+            <a:extLst>
+              <a:ext uri="{28A0092B-C50C-407E-A947-70E740481C1C}">
+                <a14:useLocalDpi xmlns:a14="http://schemas.microsoft.com/office/drawing/2010/main" val="0"/>
+              </a:ext>
+            </a:extLst>
+          </a:blip>
+          <a:srcRect/>
+          <a:stretch>
+            <a:fillRect/>
+          </a:stretch>
+        </p:blipFill>
+        <p:spPr bwMode="auto">
+          <a:xfrm>
+            <a:off x="6548408" y="2861389"/>
+            <a:ext cx="5276850" cy="876300"/>
+          </a:xfrm>
+          <a:prstGeom prst="rect">
+            <a:avLst/>
+          </a:prstGeom>
+          <a:noFill/>
+          <a:ln>
+            <a:noFill/>
+          </a:ln>
+          <a:effectLst/>
+          <a:extLst>
+            <a:ext uri="{909E8E84-426E-40DD-AFC4-6F175D3DCCD1}">
+              <a14:hiddenFill xmlns:a14="http://schemas.microsoft.com/office/drawing/2010/main">
+                <a:solidFill>
+                  <a:schemeClr val="accent1"/>
+                </a:solidFill>
+              </a14:hiddenFill>
+            </a:ext>
+            <a:ext uri="{91240B29-F687-4F45-9708-019B960494DF}">
+              <a14:hiddenLine xmlns:a14="http://schemas.microsoft.com/office/drawing/2010/main" w="9525">
+                <a:solidFill>
+                  <a:schemeClr val="tx1"/>
+                </a:solidFill>
+                <a:miter lim="800000"/>
+                <a:headEnd/>
+                <a:tailEnd/>
+              </a14:hiddenLine>
+            </a:ext>
+            <a:ext uri="{AF507438-7753-43E0-B8FC-AC1667EBCBE1}">
+              <a14:hiddenEffects xmlns:a14="http://schemas.microsoft.com/office/drawing/2010/main">
+                <a:effectLst>
+                  <a:outerShdw dist="35921" dir="2700000" algn="ctr" rotWithShape="0">
+                    <a:schemeClr val="bg2"/>
+                  </a:outerShdw>
+                </a:effectLst>
+              </a14:hiddenEffects>
+            </a:ext>
+          </a:extLst>
+        </p:spPr>
+      </p:pic>
+      <p:pic>
+        <p:nvPicPr>
+          <p:cNvPr id="3074" name="Picture 2" descr="http://lense.institutoptique.fr/wp-content/uploads/2020/04/TFD.png"/>
+          <p:cNvPicPr>
+            <a:picLocks noChangeAspect="1" noChangeArrowheads="1"/>
+          </p:cNvPicPr>
+          <p:nvPr/>
+        </p:nvPicPr>
+        <p:blipFill>
+          <a:blip r:embed="rId4">
+            <a:extLst>
+              <a:ext uri="{28A0092B-C50C-407E-A947-70E740481C1C}">
+                <a14:useLocalDpi xmlns:a14="http://schemas.microsoft.com/office/drawing/2010/main" val="0"/>
+              </a:ext>
+            </a:extLst>
+          </a:blip>
+          <a:srcRect/>
+          <a:stretch>
+            <a:fillRect/>
+          </a:stretch>
+        </p:blipFill>
+        <p:spPr bwMode="auto">
+          <a:xfrm>
+            <a:off x="923326" y="2323022"/>
+            <a:ext cx="4734931" cy="1272383"/>
+          </a:xfrm>
+          <a:prstGeom prst="rect">
+            <a:avLst/>
+          </a:prstGeom>
+          <a:noFill/>
+          <a:extLst>
+            <a:ext uri="{909E8E84-426E-40DD-AFC4-6F175D3DCCD1}">
+              <a14:hiddenFill xmlns:a14="http://schemas.microsoft.com/office/drawing/2010/main">
+                <a:solidFill>
+                  <a:srgbClr val="FFFFFF"/>
+                </a:solidFill>
+              </a14:hiddenFill>
+            </a:ext>
+          </a:extLst>
+        </p:spPr>
+      </p:pic>
+      <p:sp>
+        <p:nvSpPr>
+          <p:cNvPr id="7" name="ZoneTexte 6"/>
+          <p:cNvSpPr txBox="1"/>
+          <p:nvPr/>
+        </p:nvSpPr>
+        <p:spPr>
+          <a:xfrm>
+            <a:off x="1821149" y="3958641"/>
+            <a:ext cx="8020914" cy="1815882"/>
+          </a:xfrm>
+          <a:prstGeom prst="rect">
+            <a:avLst/>
+          </a:prstGeom>
+          <a:noFill/>
+        </p:spPr>
+        <p:txBody>
+          <a:bodyPr wrap="none" rtlCol="0">
+            <a:spAutoFit/>
+          </a:bodyPr>
+          <a:lstStyle/>
+          <a:p>
+            <a:r>
+              <a:rPr lang="en-US" sz="1600" dirty="0"/>
+              <a:t>If </a:t>
+            </a:r>
+            <a:r>
+              <a:rPr lang="en-US" sz="1600" b="1" dirty="0"/>
+              <a:t>A = </a:t>
+            </a:r>
+            <a:r>
+              <a:rPr lang="en-US" sz="1600" b="1" dirty="0" err="1"/>
+              <a:t>fft</a:t>
+            </a:r>
+            <a:r>
+              <a:rPr lang="en-US" sz="1600" b="1" dirty="0"/>
+              <a:t>(a, n)</a:t>
+            </a:r>
+            <a:r>
+              <a:rPr lang="en-US" sz="1600" dirty="0"/>
+              <a:t>,</a:t>
+            </a:r>
+            <a:r>
+              <a:rPr lang="en-US" sz="1600" b="1" dirty="0"/>
+              <a:t> </a:t>
+            </a:r>
+            <a:r>
+              <a:rPr lang="en-US" sz="1600" dirty="0"/>
+              <a:t>then </a:t>
+            </a:r>
+            <a:r>
+              <a:rPr lang="en-US" sz="1600" b="1" dirty="0"/>
+              <a:t>A[0]</a:t>
+            </a:r>
+            <a:r>
+              <a:rPr lang="en-US" sz="1600" b="1" dirty="0"/>
+              <a:t> </a:t>
+            </a:r>
+            <a:r>
+              <a:rPr lang="en-US" sz="1600" dirty="0"/>
+              <a:t>contains the zero-frequency term </a:t>
+            </a:r>
+            <a:endParaRPr lang="en-US" sz="1600" dirty="0" smtClean="0"/>
+          </a:p>
+          <a:p>
+            <a:r>
+              <a:rPr lang="en-US" sz="1600" dirty="0" smtClean="0"/>
+              <a:t>	Then</a:t>
+            </a:r>
+            <a:r>
+              <a:rPr lang="en-US" sz="1600" dirty="0"/>
+              <a:t> </a:t>
+            </a:r>
+            <a:r>
+              <a:rPr lang="en-US" sz="1600" b="1" dirty="0"/>
+              <a:t>A[1:n/2]</a:t>
+            </a:r>
+            <a:r>
+              <a:rPr lang="en-US" sz="1600" dirty="0"/>
+              <a:t> contains the positive-frequency terms, </a:t>
+            </a:r>
+            <a:endParaRPr lang="en-US" sz="1600" dirty="0" smtClean="0"/>
+          </a:p>
+          <a:p>
+            <a:r>
+              <a:rPr lang="en-US" sz="1600" dirty="0"/>
+              <a:t>	</a:t>
+            </a:r>
+            <a:r>
+              <a:rPr lang="en-US" sz="1600" dirty="0" smtClean="0"/>
+              <a:t>and </a:t>
+            </a:r>
+            <a:r>
+              <a:rPr lang="en-US" sz="1600" b="1" dirty="0" smtClean="0"/>
+              <a:t>A[n/2+1</a:t>
+            </a:r>
+            <a:r>
+              <a:rPr lang="en-US" sz="1600" b="1" dirty="0"/>
+              <a:t>:]</a:t>
+            </a:r>
+            <a:r>
+              <a:rPr lang="en-US" sz="1600" dirty="0"/>
+              <a:t> contains the negative-frequency </a:t>
+            </a:r>
+            <a:r>
+              <a:rPr lang="en-US" sz="1600" dirty="0" smtClean="0"/>
+              <a:t>terms</a:t>
+            </a:r>
+          </a:p>
+          <a:p>
+            <a:r>
+              <a:rPr lang="en-US" sz="1600" dirty="0" smtClean="0"/>
+              <a:t>For </a:t>
+            </a:r>
+            <a:r>
+              <a:rPr lang="en-US" sz="1600" dirty="0"/>
+              <a:t>an </a:t>
+            </a:r>
+            <a:r>
+              <a:rPr lang="en-US" sz="1600" b="1" dirty="0"/>
+              <a:t>even number </a:t>
+            </a:r>
+            <a:r>
+              <a:rPr lang="en-US" sz="1600" dirty="0"/>
+              <a:t>of input points, </a:t>
+            </a:r>
+            <a:r>
+              <a:rPr lang="en-US" sz="1600" b="1" dirty="0"/>
+              <a:t>A[n/2]</a:t>
+            </a:r>
+            <a:r>
+              <a:rPr lang="en-US" sz="1600" dirty="0"/>
+              <a:t> represents </a:t>
+            </a:r>
+            <a:endParaRPr lang="en-US" sz="1600" dirty="0" smtClean="0"/>
+          </a:p>
+          <a:p>
+            <a:r>
+              <a:rPr lang="en-US" sz="1600" dirty="0"/>
+              <a:t>	</a:t>
+            </a:r>
+            <a:r>
+              <a:rPr lang="en-US" sz="1600" dirty="0" smtClean="0"/>
+              <a:t>both </a:t>
+            </a:r>
+            <a:r>
+              <a:rPr lang="en-US" sz="1600" dirty="0"/>
+              <a:t>positive and negative Nyquist frequency, </a:t>
+            </a:r>
+            <a:endParaRPr lang="en-US" sz="1600" dirty="0" smtClean="0"/>
+          </a:p>
+          <a:p>
+            <a:r>
+              <a:rPr lang="en-US" sz="1600" dirty="0" smtClean="0"/>
+              <a:t>For </a:t>
+            </a:r>
+            <a:r>
+              <a:rPr lang="en-US" sz="1600" dirty="0"/>
+              <a:t>an </a:t>
+            </a:r>
+            <a:r>
+              <a:rPr lang="en-US" sz="1600" b="1" dirty="0"/>
+              <a:t>odd number </a:t>
+            </a:r>
+            <a:r>
+              <a:rPr lang="en-US" sz="1600" dirty="0"/>
+              <a:t>of input points, </a:t>
+            </a:r>
+            <a:r>
+              <a:rPr lang="en-US" sz="1600" b="1" dirty="0"/>
+              <a:t>A[(n-1)/2]</a:t>
+            </a:r>
+            <a:r>
+              <a:rPr lang="en-US" sz="1600" dirty="0"/>
+              <a:t> contains the largest positive frequency, </a:t>
+            </a:r>
+            <a:endParaRPr lang="en-US" sz="1600" dirty="0" smtClean="0"/>
+          </a:p>
+          <a:p>
+            <a:r>
+              <a:rPr lang="en-US" sz="1600" dirty="0" smtClean="0"/>
+              <a:t>	while</a:t>
+            </a:r>
+            <a:r>
+              <a:rPr lang="en-US" sz="1600" dirty="0"/>
+              <a:t> </a:t>
+            </a:r>
+            <a:r>
+              <a:rPr lang="en-US" sz="1600" b="1" dirty="0"/>
+              <a:t>A[(n+1)/2]</a:t>
+            </a:r>
+            <a:r>
+              <a:rPr lang="en-US" sz="1600" b="1" dirty="0"/>
+              <a:t> </a:t>
+            </a:r>
+            <a:r>
+              <a:rPr lang="en-US" sz="1600" dirty="0"/>
+              <a:t>contains the largest negative frequency. </a:t>
+            </a:r>
+            <a:endParaRPr lang="fr-FR" sz="1600" dirty="0"/>
+          </a:p>
+        </p:txBody>
+      </p:sp>
+    </p:spTree>
+    <p:extLst>
+      <p:ext uri="{BB962C8B-B14F-4D97-AF65-F5344CB8AC3E}">
+        <p14:creationId xmlns:p14="http://schemas.microsoft.com/office/powerpoint/2010/main" val="3513499383"/>
+      </p:ext>
+    </p:extLst>
+  </p:cSld>
+  <p:clrMapOvr>
+    <a:masterClrMapping/>
+  </p:clrMapOvr>
+</p:sld>
+</file>
+
+<file path=ppt/slides/slide16.xml><?xml version="1.0" encoding="utf-8"?>
+<p:sld xmlns:a="http://schemas.openxmlformats.org/drawingml/2006/main" xmlns:r="http://schemas.openxmlformats.org/officeDocument/2006/relationships" xmlns:p="http://schemas.openxmlformats.org/presentationml/2006/main">
+  <p:cSld>
+    <p:spTree>
+      <p:nvGrpSpPr>
+        <p:cNvPr id="1" name=""/>
+        <p:cNvGrpSpPr/>
+        <p:nvPr/>
+      </p:nvGrpSpPr>
+      <p:grpSpPr>
+        <a:xfrm>
+          <a:off x="0" y="0"/>
+          <a:ext cx="0" cy="0"/>
+          <a:chOff x="0" y="0"/>
+          <a:chExt cx="0" cy="0"/>
+        </a:xfrm>
+      </p:grpSpPr>
+      <p:sp>
+        <p:nvSpPr>
+          <p:cNvPr id="2" name="Titre 1">
+            <a:extLst>
+              <a:ext uri="{FF2B5EF4-FFF2-40B4-BE49-F238E27FC236}">
+                <a16:creationId xmlns:a16="http://schemas.microsoft.com/office/drawing/2014/main" xmlns="" id="{90162AE8-C1B0-5C56-8313-DEE494F38273}"/>
+              </a:ext>
+            </a:extLst>
+          </p:cNvPr>
+          <p:cNvSpPr>
+            <a:spLocks noGrp="1"/>
+          </p:cNvSpPr>
+          <p:nvPr>
+            <p:ph type="title"/>
+          </p:nvPr>
+        </p:nvSpPr>
+        <p:spPr/>
+        <p:txBody>
+          <a:bodyPr/>
+          <a:lstStyle/>
+          <a:p>
+            <a:r>
+              <a:rPr lang="fr-FR"/>
+              <a:t>Format Binaire 64</a:t>
+            </a:r>
+            <a:endParaRPr lang="fr-FR" dirty="0"/>
+          </a:p>
+        </p:txBody>
+      </p:sp>
+      <p:pic>
+        <p:nvPicPr>
+          <p:cNvPr id="5" name="Image 4" descr="Une image contenant texte&#10;&#10;Description générée automatiquement">
+            <a:extLst>
+              <a:ext uri="{FF2B5EF4-FFF2-40B4-BE49-F238E27FC236}">
+                <a16:creationId xmlns:a16="http://schemas.microsoft.com/office/drawing/2014/main" xmlns="" id="{204ADC40-1D61-539F-22ED-6B21D67FBDE6}"/>
+              </a:ext>
+            </a:extLst>
+          </p:cNvPr>
+          <p:cNvPicPr>
+            <a:picLocks noChangeAspect="1"/>
+          </p:cNvPicPr>
+          <p:nvPr/>
+        </p:nvPicPr>
+        <p:blipFill>
+          <a:blip r:embed="rId2" cstate="print">
+            <a:extLst>
+              <a:ext uri="{28A0092B-C50C-407E-A947-70E740481C1C}">
+                <a14:useLocalDpi xmlns:a14="http://schemas.microsoft.com/office/drawing/2010/main" val="0"/>
+              </a:ext>
+            </a:extLst>
+          </a:blip>
+          <a:stretch>
+            <a:fillRect/>
+          </a:stretch>
+        </p:blipFill>
+        <p:spPr>
+          <a:xfrm>
+            <a:off x="202922" y="5934456"/>
+            <a:ext cx="1825291" cy="749808"/>
+          </a:xfrm>
+          <a:prstGeom prst="rect">
+            <a:avLst/>
+          </a:prstGeom>
+        </p:spPr>
+      </p:pic>
+      <p:sp>
+        <p:nvSpPr>
+          <p:cNvPr id="4" name="Espace réservé du contenu 3">
+            <a:extLst>
+              <a:ext uri="{FF2B5EF4-FFF2-40B4-BE49-F238E27FC236}">
+                <a16:creationId xmlns:a16="http://schemas.microsoft.com/office/drawing/2014/main" xmlns="" id="{065D7787-5672-CB74-A1C6-896A93BE6AF3}"/>
+              </a:ext>
+            </a:extLst>
+          </p:cNvPr>
+          <p:cNvSpPr>
+            <a:spLocks noGrp="1"/>
+          </p:cNvSpPr>
+          <p:nvPr>
+            <p:ph sz="half" idx="1"/>
+          </p:nvPr>
+        </p:nvSpPr>
+        <p:spPr>
+          <a:xfrm>
+            <a:off x="1115567" y="2478024"/>
+            <a:ext cx="5393387" cy="3694176"/>
+          </a:xfrm>
+        </p:spPr>
+        <p:txBody>
+          <a:bodyPr/>
+          <a:lstStyle/>
+          <a:p>
+            <a:r>
+              <a:rPr lang="fr-FR" sz="2400" dirty="0" smtClean="0"/>
+              <a:t>Codage ASCII</a:t>
+            </a:r>
+            <a:endParaRPr lang="fr-FR" sz="2400" dirty="0"/>
+          </a:p>
+          <a:p>
+            <a:pPr lvl="1"/>
+            <a:r>
+              <a:rPr lang="fr-FR" sz="2000" dirty="0" smtClean="0"/>
+              <a:t>1 caractère codé sur 8 bits / 1 octet</a:t>
+            </a:r>
+            <a:endParaRPr lang="fr-FR" dirty="0"/>
+          </a:p>
+          <a:p>
+            <a:r>
+              <a:rPr lang="fr-FR" sz="2400" dirty="0" smtClean="0"/>
+              <a:t>Codage entier</a:t>
+            </a:r>
+            <a:endParaRPr lang="fr-FR" sz="2400" dirty="0"/>
+          </a:p>
+          <a:p>
+            <a:pPr lvl="1"/>
+            <a:r>
+              <a:rPr lang="fr-FR" sz="1800" dirty="0" smtClean="0"/>
+              <a:t>1 entier sur 4 octets </a:t>
+            </a:r>
+          </a:p>
+          <a:p>
+            <a:pPr lvl="1"/>
+            <a:endParaRPr lang="fr-FR" sz="1800" dirty="0"/>
+          </a:p>
+          <a:p>
+            <a:r>
+              <a:rPr lang="fr-FR" sz="2200" dirty="0" smtClean="0"/>
+              <a:t>Codage Base 64</a:t>
+            </a:r>
+          </a:p>
+          <a:p>
+            <a:pPr lvl="1"/>
+            <a:r>
+              <a:rPr lang="fr-FR" sz="1800" dirty="0" smtClean="0"/>
+              <a:t>1 donnée sur 6 bits : 4 données sur 3 octets</a:t>
+            </a:r>
+          </a:p>
+        </p:txBody>
+      </p:sp>
+      <p:sp>
+        <p:nvSpPr>
+          <p:cNvPr id="8" name="Rectangle 7"/>
+          <p:cNvSpPr/>
+          <p:nvPr/>
+        </p:nvSpPr>
+        <p:spPr>
+          <a:xfrm>
+            <a:off x="7095938" y="3201202"/>
+            <a:ext cx="3762568" cy="369332"/>
+          </a:xfrm>
+          <a:prstGeom prst="rect">
+            <a:avLst/>
+          </a:prstGeom>
+        </p:spPr>
+        <p:txBody>
+          <a:bodyPr wrap="none">
+            <a:spAutoFit/>
+          </a:bodyPr>
+          <a:lstStyle/>
+          <a:p>
+            <a:pPr lvl="0"/>
+            <a:r>
+              <a:rPr lang="fr-FR" b="1" dirty="0">
+                <a:solidFill>
+                  <a:srgbClr val="0070C0"/>
+                </a:solidFill>
+              </a:rPr>
+              <a:t>base64</a:t>
+            </a:r>
+            <a:r>
+              <a:rPr lang="fr-FR" b="1" dirty="0"/>
+              <a:t>  .b64encode  .b64decode</a:t>
+            </a:r>
+            <a:endParaRPr lang="fr-FR" dirty="0"/>
+          </a:p>
+        </p:txBody>
+      </p:sp>
+      <p:sp>
+        <p:nvSpPr>
+          <p:cNvPr id="11" name="Rectangle 4"/>
+          <p:cNvSpPr>
+            <a:spLocks noChangeArrowheads="1"/>
+          </p:cNvSpPr>
+          <p:nvPr/>
+        </p:nvSpPr>
+        <p:spPr bwMode="auto">
+          <a:xfrm>
+            <a:off x="7095938" y="3640614"/>
+            <a:ext cx="4700005" cy="1560427"/>
+          </a:xfrm>
+          <a:prstGeom prst="rect">
+            <a:avLst/>
+          </a:prstGeom>
+          <a:solidFill>
+            <a:srgbClr val="F8F8F8"/>
+          </a:solidFill>
+          <a:ln>
+            <a:noFill/>
+          </a:ln>
+          <a:effectLst/>
+          <a:extLst>
+            <a:ext uri="{91240B29-F687-4F45-9708-019B960494DF}">
+              <a14:hiddenLine xmlns:a14="http://schemas.microsoft.com/office/drawing/2010/main" w="9525">
+                <a:solidFill>
+                  <a:schemeClr val="tx1"/>
+                </a:solidFill>
+                <a:miter lim="800000"/>
+                <a:headEnd/>
+                <a:tailEnd/>
+              </a14:hiddenLine>
+            </a:ext>
+            <a:ext uri="{AF507438-7753-43E0-B8FC-AC1667EBCBE1}">
+              <a14:hiddenEffects xmlns:a14="http://schemas.microsoft.com/office/drawing/2010/main">
+                <a:effectLst>
+                  <a:outerShdw dist="35921" dir="2700000" algn="ctr" rotWithShape="0">
+                    <a:schemeClr val="bg2"/>
+                  </a:outerShdw>
+                </a:effectLst>
+              </a14:hiddenEffects>
+            </a:ext>
+          </a:extLst>
+        </p:spPr>
+        <p:txBody>
+          <a:bodyPr vert="horz" wrap="none" lIns="0" tIns="0" rIns="0" bIns="0" numCol="1" anchor="ctr" anchorCtr="0" compatLnSpc="1">
+            <a:prstTxWarp prst="textNoShape">
+              <a:avLst/>
+            </a:prstTxWarp>
+            <a:spAutoFit/>
+          </a:bodyPr>
+          <a:lstStyle/>
+          <a:p>
+            <a:pPr marL="0" marR="0" lvl="0" indent="0" algn="l" defTabSz="914400" rtl="0" eaLnBrk="0" fontAlgn="base" latinLnBrk="0" hangingPunct="0">
+              <a:lnSpc>
+                <a:spcPct val="100000"/>
+              </a:lnSpc>
+              <a:spcBef>
+                <a:spcPct val="30000"/>
+              </a:spcBef>
+              <a:spcAft>
+                <a:spcPct val="0"/>
+              </a:spcAft>
+              <a:buClrTx/>
+              <a:buSzTx/>
+              <a:buFontTx/>
+              <a:buNone/>
+              <a:tabLst/>
+            </a:pPr>
+            <a:r>
+              <a:rPr kumimoji="0" lang="fr-FR" altLang="fr-FR" sz="1400" b="1" i="0" u="none" strike="noStrike" cap="none" normalizeH="0" baseline="0" dirty="0" smtClean="0">
+                <a:ln>
+                  <a:noFill/>
+                </a:ln>
+                <a:solidFill>
+                  <a:srgbClr val="008000"/>
+                </a:solidFill>
+                <a:effectLst/>
+                <a:latin typeface="ui-monospace"/>
+                <a:cs typeface="Arial" pitchFamily="34" charset="0"/>
+              </a:rPr>
+              <a:t>import</a:t>
+            </a:r>
+            <a:r>
+              <a:rPr kumimoji="0" lang="fr-FR" altLang="fr-FR" sz="1400" b="0" i="0" u="none" strike="noStrike" cap="none" normalizeH="0" baseline="0" dirty="0" smtClean="0">
+                <a:ln>
+                  <a:noFill/>
+                </a:ln>
+                <a:solidFill>
+                  <a:srgbClr val="000000"/>
+                </a:solidFill>
+                <a:effectLst/>
+                <a:latin typeface="ui-monospace"/>
+                <a:cs typeface="Arial" pitchFamily="34" charset="0"/>
+              </a:rPr>
+              <a:t> </a:t>
+            </a:r>
+            <a:r>
+              <a:rPr kumimoji="0" lang="fr-FR" altLang="fr-FR" sz="1400" b="1" i="0" u="none" strike="noStrike" cap="none" normalizeH="0" baseline="0" dirty="0" smtClean="0">
+                <a:ln>
+                  <a:noFill/>
+                </a:ln>
+                <a:solidFill>
+                  <a:srgbClr val="0000FF"/>
+                </a:solidFill>
+                <a:effectLst/>
+                <a:latin typeface="ui-monospace"/>
+                <a:cs typeface="Arial" pitchFamily="34" charset="0"/>
+              </a:rPr>
+              <a:t>base64</a:t>
+            </a:r>
+            <a:r>
+              <a:rPr kumimoji="0" lang="fr-FR" altLang="fr-FR" sz="1400" b="0" i="0" u="none" strike="noStrike" cap="none" normalizeH="0" baseline="0" dirty="0" smtClean="0">
+                <a:ln>
+                  <a:noFill/>
+                </a:ln>
+                <a:solidFill>
+                  <a:srgbClr val="000000"/>
+                </a:solidFill>
+                <a:effectLst/>
+                <a:latin typeface="ui-monospace"/>
+                <a:cs typeface="Arial" pitchFamily="34" charset="0"/>
+              </a:rPr>
+              <a:t> </a:t>
+            </a:r>
+            <a:br>
+              <a:rPr kumimoji="0" lang="fr-FR" altLang="fr-FR" sz="1400" b="0" i="0" u="none" strike="noStrike" cap="none" normalizeH="0" baseline="0" dirty="0" smtClean="0">
+                <a:ln>
+                  <a:noFill/>
+                </a:ln>
+                <a:solidFill>
+                  <a:srgbClr val="000000"/>
+                </a:solidFill>
+                <a:effectLst/>
+                <a:latin typeface="ui-monospace"/>
+                <a:cs typeface="Arial" pitchFamily="34" charset="0"/>
+              </a:rPr>
+            </a:br>
+            <a:r>
+              <a:rPr kumimoji="0" lang="fr-FR" altLang="fr-FR" sz="1600" b="0" i="0" u="none" strike="noStrike" cap="none" normalizeH="0" baseline="0" dirty="0" err="1" smtClean="0">
+                <a:ln>
+                  <a:noFill/>
+                </a:ln>
+                <a:solidFill>
+                  <a:schemeClr val="tx1"/>
+                </a:solidFill>
+                <a:effectLst/>
+                <a:latin typeface="Arial" pitchFamily="34" charset="0"/>
+              </a:rPr>
+              <a:t>encoded</a:t>
+            </a:r>
+            <a:r>
+              <a:rPr kumimoji="0" lang="fr-FR" altLang="fr-FR" sz="1400" b="0" i="0" u="none" strike="noStrike" cap="none" normalizeH="0" baseline="0" dirty="0" smtClean="0">
+                <a:ln>
+                  <a:noFill/>
+                </a:ln>
+                <a:solidFill>
+                  <a:srgbClr val="000000"/>
+                </a:solidFill>
+                <a:effectLst/>
+                <a:latin typeface="ui-monospace"/>
+                <a:cs typeface="Arial" pitchFamily="34" charset="0"/>
+              </a:rPr>
+              <a:t> </a:t>
+            </a:r>
+            <a:r>
+              <a:rPr kumimoji="0" lang="fr-FR" altLang="fr-FR" sz="2400" b="0" i="0" u="none" strike="noStrike" cap="none" normalizeH="0" baseline="0" dirty="0" smtClean="0">
+                <a:ln>
+                  <a:noFill/>
+                </a:ln>
+                <a:solidFill>
+                  <a:srgbClr val="666666"/>
+                </a:solidFill>
+                <a:effectLst/>
+                <a:latin typeface="Arial" pitchFamily="34" charset="0"/>
+              </a:rPr>
+              <a:t>=</a:t>
+            </a:r>
+            <a:r>
+              <a:rPr kumimoji="0" lang="fr-FR" altLang="fr-FR" sz="1400" b="0" i="0" u="none" strike="noStrike" cap="none" normalizeH="0" baseline="0" dirty="0" smtClean="0">
+                <a:ln>
+                  <a:noFill/>
+                </a:ln>
+                <a:solidFill>
+                  <a:srgbClr val="000000"/>
+                </a:solidFill>
+                <a:effectLst/>
+                <a:latin typeface="ui-monospace"/>
+                <a:cs typeface="Arial" pitchFamily="34" charset="0"/>
+              </a:rPr>
+              <a:t> </a:t>
+            </a:r>
+            <a:r>
+              <a:rPr kumimoji="0" lang="fr-FR" altLang="fr-FR" sz="1600" b="0" i="0" u="none" strike="noStrike" cap="none" normalizeH="0" baseline="0" dirty="0" smtClean="0">
+                <a:ln>
+                  <a:noFill/>
+                </a:ln>
+                <a:solidFill>
+                  <a:schemeClr val="tx1"/>
+                </a:solidFill>
+                <a:effectLst/>
+                <a:latin typeface="Arial" pitchFamily="34" charset="0"/>
+              </a:rPr>
+              <a:t>base64</a:t>
+            </a:r>
+            <a:r>
+              <a:rPr kumimoji="0" lang="fr-FR" altLang="fr-FR" sz="2400" b="0" i="0" u="none" strike="noStrike" cap="none" normalizeH="0" baseline="0" dirty="0" smtClean="0">
+                <a:ln>
+                  <a:noFill/>
+                </a:ln>
+                <a:solidFill>
+                  <a:srgbClr val="666666"/>
+                </a:solidFill>
+                <a:effectLst/>
+                <a:latin typeface="Arial" pitchFamily="34" charset="0"/>
+              </a:rPr>
+              <a:t>.</a:t>
+            </a:r>
+            <a:r>
+              <a:rPr kumimoji="0" lang="fr-FR" altLang="fr-FR" sz="1600" b="0" i="0" u="none" strike="noStrike" cap="none" normalizeH="0" baseline="0" dirty="0" smtClean="0">
+                <a:ln>
+                  <a:noFill/>
+                </a:ln>
+                <a:solidFill>
+                  <a:schemeClr val="tx1"/>
+                </a:solidFill>
+                <a:effectLst/>
+                <a:latin typeface="Arial" pitchFamily="34" charset="0"/>
+              </a:rPr>
+              <a:t>b64encode</a:t>
+            </a:r>
+            <a:r>
+              <a:rPr kumimoji="0" lang="fr-FR" altLang="fr-FR" sz="1400" b="0" i="0" u="none" strike="noStrike" cap="none" normalizeH="0" baseline="0" dirty="0" smtClean="0">
+                <a:ln>
+                  <a:noFill/>
+                </a:ln>
+                <a:solidFill>
+                  <a:srgbClr val="000000"/>
+                </a:solidFill>
+                <a:effectLst/>
+                <a:latin typeface="ui-monospace"/>
+                <a:cs typeface="Arial" pitchFamily="34" charset="0"/>
+              </a:rPr>
+              <a:t>(</a:t>
+            </a:r>
+            <a:r>
+              <a:rPr kumimoji="0" lang="fr-FR" altLang="fr-FR" sz="1400" b="0" i="0" u="none" strike="noStrike" cap="none" normalizeH="0" baseline="0" dirty="0" err="1" smtClean="0">
+                <a:ln>
+                  <a:noFill/>
+                </a:ln>
+                <a:solidFill>
+                  <a:srgbClr val="BA2121"/>
+                </a:solidFill>
+                <a:effectLst/>
+                <a:latin typeface="ui-monospace"/>
+                <a:cs typeface="Arial" pitchFamily="34" charset="0"/>
+              </a:rPr>
+              <a:t>b'data</a:t>
+            </a:r>
+            <a:r>
+              <a:rPr kumimoji="0" lang="fr-FR" altLang="fr-FR" sz="1400" b="0" i="0" u="none" strike="noStrike" cap="none" normalizeH="0" baseline="0" dirty="0" smtClean="0">
+                <a:ln>
+                  <a:noFill/>
+                </a:ln>
+                <a:solidFill>
+                  <a:srgbClr val="BA2121"/>
+                </a:solidFill>
+                <a:effectLst/>
+                <a:latin typeface="ui-monospace"/>
+                <a:cs typeface="Arial" pitchFamily="34" charset="0"/>
+              </a:rPr>
+              <a:t> to </a:t>
+            </a:r>
+            <a:r>
+              <a:rPr kumimoji="0" lang="fr-FR" altLang="fr-FR" sz="1400" b="0" i="0" u="none" strike="noStrike" cap="none" normalizeH="0" baseline="0" dirty="0" err="1" smtClean="0">
+                <a:ln>
+                  <a:noFill/>
+                </a:ln>
+                <a:solidFill>
+                  <a:srgbClr val="BA2121"/>
+                </a:solidFill>
+                <a:effectLst/>
+                <a:latin typeface="ui-monospace"/>
+                <a:cs typeface="Arial" pitchFamily="34" charset="0"/>
+              </a:rPr>
+              <a:t>be</a:t>
+            </a:r>
+            <a:r>
+              <a:rPr kumimoji="0" lang="fr-FR" altLang="fr-FR" sz="1400" b="0" i="0" u="none" strike="noStrike" cap="none" normalizeH="0" baseline="0" dirty="0" smtClean="0">
+                <a:ln>
+                  <a:noFill/>
+                </a:ln>
+                <a:solidFill>
+                  <a:srgbClr val="BA2121"/>
+                </a:solidFill>
+                <a:effectLst/>
+                <a:latin typeface="ui-monospace"/>
+                <a:cs typeface="Arial" pitchFamily="34" charset="0"/>
+              </a:rPr>
+              <a:t> </a:t>
+            </a:r>
+            <a:r>
+              <a:rPr kumimoji="0" lang="fr-FR" altLang="fr-FR" sz="1400" b="0" i="0" u="none" strike="noStrike" cap="none" normalizeH="0" baseline="0" dirty="0" err="1" smtClean="0">
+                <a:ln>
+                  <a:noFill/>
+                </a:ln>
+                <a:solidFill>
+                  <a:srgbClr val="BA2121"/>
+                </a:solidFill>
+                <a:effectLst/>
+                <a:latin typeface="ui-monospace"/>
+                <a:cs typeface="Arial" pitchFamily="34" charset="0"/>
+              </a:rPr>
+              <a:t>encoded</a:t>
+            </a:r>
+            <a:r>
+              <a:rPr kumimoji="0" lang="fr-FR" altLang="fr-FR" sz="1400" b="0" i="0" u="none" strike="noStrike" cap="none" normalizeH="0" baseline="0" dirty="0" smtClean="0">
+                <a:ln>
+                  <a:noFill/>
+                </a:ln>
+                <a:solidFill>
+                  <a:srgbClr val="BA2121"/>
+                </a:solidFill>
+                <a:effectLst/>
+                <a:latin typeface="ui-monospace"/>
+                <a:cs typeface="Arial" pitchFamily="34" charset="0"/>
+              </a:rPr>
+              <a:t>'</a:t>
+            </a:r>
+            <a:r>
+              <a:rPr kumimoji="0" lang="fr-FR" altLang="fr-FR" sz="1400" b="0" i="0" u="none" strike="noStrike" cap="none" normalizeH="0" baseline="0" dirty="0" smtClean="0">
+                <a:ln>
+                  <a:noFill/>
+                </a:ln>
+                <a:solidFill>
+                  <a:srgbClr val="000000"/>
+                </a:solidFill>
+                <a:effectLst/>
+                <a:latin typeface="ui-monospace"/>
+                <a:cs typeface="Arial" pitchFamily="34" charset="0"/>
+              </a:rPr>
+              <a:t>) </a:t>
+            </a:r>
+            <a:br>
+              <a:rPr kumimoji="0" lang="fr-FR" altLang="fr-FR" sz="1400" b="0" i="0" u="none" strike="noStrike" cap="none" normalizeH="0" baseline="0" dirty="0" smtClean="0">
+                <a:ln>
+                  <a:noFill/>
+                </a:ln>
+                <a:solidFill>
+                  <a:srgbClr val="000000"/>
+                </a:solidFill>
+                <a:effectLst/>
+                <a:latin typeface="ui-monospace"/>
+                <a:cs typeface="Arial" pitchFamily="34" charset="0"/>
+              </a:rPr>
+            </a:br>
+            <a:r>
+              <a:rPr kumimoji="0" lang="fr-FR" altLang="fr-FR" sz="1400" b="0" i="0" u="none" strike="noStrike" cap="none" normalizeH="0" baseline="0" dirty="0" smtClean="0">
+                <a:ln>
+                  <a:noFill/>
+                </a:ln>
+                <a:solidFill>
+                  <a:srgbClr val="717171"/>
+                </a:solidFill>
+                <a:effectLst/>
+                <a:latin typeface="ui-monospace"/>
+                <a:cs typeface="Arial" pitchFamily="34" charset="0"/>
+              </a:rPr>
+              <a:t>b'ZGF0YSB0byBiZSBlbmNvZGVk'</a:t>
+            </a:r>
+            <a:r>
+              <a:rPr kumimoji="0" lang="fr-FR" altLang="fr-FR" sz="1400" b="0" i="0" u="none" strike="noStrike" cap="none" normalizeH="0" baseline="0" dirty="0" smtClean="0">
+                <a:ln>
+                  <a:noFill/>
+                </a:ln>
+                <a:solidFill>
+                  <a:srgbClr val="000000"/>
+                </a:solidFill>
+                <a:effectLst/>
+                <a:latin typeface="ui-monospace"/>
+                <a:cs typeface="Arial" pitchFamily="34" charset="0"/>
+              </a:rPr>
+              <a:t> </a:t>
+            </a:r>
+          </a:p>
+          <a:p>
+            <a:pPr marL="0" marR="0" lvl="0" indent="0" algn="l" defTabSz="914400" rtl="0" eaLnBrk="0" fontAlgn="base" latinLnBrk="0" hangingPunct="0">
+              <a:lnSpc>
+                <a:spcPct val="100000"/>
+              </a:lnSpc>
+              <a:spcBef>
+                <a:spcPct val="30000"/>
+              </a:spcBef>
+              <a:spcAft>
+                <a:spcPct val="0"/>
+              </a:spcAft>
+              <a:buClrTx/>
+              <a:buSzTx/>
+              <a:buFontTx/>
+              <a:buNone/>
+              <a:tabLst/>
+            </a:pPr>
+            <a:r>
+              <a:rPr kumimoji="0" lang="fr-FR" altLang="fr-FR" sz="1600" b="0" i="0" u="none" strike="noStrike" cap="none" normalizeH="0" baseline="0" dirty="0" smtClean="0">
+                <a:ln>
+                  <a:noFill/>
+                </a:ln>
+                <a:solidFill>
+                  <a:schemeClr val="tx1"/>
+                </a:solidFill>
+                <a:effectLst/>
+                <a:latin typeface="Arial" pitchFamily="34" charset="0"/>
+              </a:rPr>
+              <a:t>data</a:t>
+            </a:r>
+            <a:r>
+              <a:rPr kumimoji="0" lang="fr-FR" altLang="fr-FR" sz="1400" b="0" i="0" u="none" strike="noStrike" cap="none" normalizeH="0" baseline="0" dirty="0" smtClean="0">
+                <a:ln>
+                  <a:noFill/>
+                </a:ln>
+                <a:solidFill>
+                  <a:srgbClr val="000000"/>
+                </a:solidFill>
+                <a:effectLst/>
+                <a:latin typeface="ui-monospace"/>
+                <a:cs typeface="Arial" pitchFamily="34" charset="0"/>
+              </a:rPr>
+              <a:t> </a:t>
+            </a:r>
+            <a:r>
+              <a:rPr kumimoji="0" lang="fr-FR" altLang="fr-FR" sz="2400" b="0" i="0" u="none" strike="noStrike" cap="none" normalizeH="0" baseline="0" dirty="0" smtClean="0">
+                <a:ln>
+                  <a:noFill/>
+                </a:ln>
+                <a:solidFill>
+                  <a:srgbClr val="666666"/>
+                </a:solidFill>
+                <a:effectLst/>
+                <a:latin typeface="Arial" pitchFamily="34" charset="0"/>
+              </a:rPr>
+              <a:t>=</a:t>
+            </a:r>
+            <a:r>
+              <a:rPr kumimoji="0" lang="fr-FR" altLang="fr-FR" sz="1400" b="0" i="0" u="none" strike="noStrike" cap="none" normalizeH="0" baseline="0" dirty="0" smtClean="0">
+                <a:ln>
+                  <a:noFill/>
+                </a:ln>
+                <a:solidFill>
+                  <a:srgbClr val="000000"/>
+                </a:solidFill>
+                <a:effectLst/>
+                <a:latin typeface="ui-monospace"/>
+                <a:cs typeface="Arial" pitchFamily="34" charset="0"/>
+              </a:rPr>
+              <a:t> </a:t>
+            </a:r>
+            <a:r>
+              <a:rPr kumimoji="0" lang="fr-FR" altLang="fr-FR" sz="1600" b="0" i="0" u="none" strike="noStrike" cap="none" normalizeH="0" baseline="0" dirty="0" smtClean="0">
+                <a:ln>
+                  <a:noFill/>
+                </a:ln>
+                <a:solidFill>
+                  <a:schemeClr val="tx1"/>
+                </a:solidFill>
+                <a:effectLst/>
+                <a:latin typeface="Arial" pitchFamily="34" charset="0"/>
+              </a:rPr>
+              <a:t>base64</a:t>
+            </a:r>
+            <a:r>
+              <a:rPr kumimoji="0" lang="fr-FR" altLang="fr-FR" sz="2400" b="0" i="0" u="none" strike="noStrike" cap="none" normalizeH="0" baseline="0" dirty="0" smtClean="0">
+                <a:ln>
+                  <a:noFill/>
+                </a:ln>
+                <a:solidFill>
+                  <a:srgbClr val="666666"/>
+                </a:solidFill>
+                <a:effectLst/>
+                <a:latin typeface="Arial" pitchFamily="34" charset="0"/>
+              </a:rPr>
+              <a:t>.</a:t>
+            </a:r>
+            <a:r>
+              <a:rPr kumimoji="0" lang="fr-FR" altLang="fr-FR" sz="1600" b="0" i="0" u="none" strike="noStrike" cap="none" normalizeH="0" baseline="0" dirty="0" smtClean="0">
+                <a:ln>
+                  <a:noFill/>
+                </a:ln>
+                <a:solidFill>
+                  <a:schemeClr val="tx1"/>
+                </a:solidFill>
+                <a:effectLst/>
+                <a:latin typeface="Arial" pitchFamily="34" charset="0"/>
+              </a:rPr>
+              <a:t>b64decode</a:t>
+            </a:r>
+            <a:r>
+              <a:rPr kumimoji="0" lang="fr-FR" altLang="fr-FR" sz="1400" b="0" i="0" u="none" strike="noStrike" cap="none" normalizeH="0" baseline="0" dirty="0" smtClean="0">
+                <a:ln>
+                  <a:noFill/>
+                </a:ln>
+                <a:solidFill>
+                  <a:srgbClr val="000000"/>
+                </a:solidFill>
+                <a:effectLst/>
+                <a:latin typeface="ui-monospace"/>
+                <a:cs typeface="Arial" pitchFamily="34" charset="0"/>
+              </a:rPr>
+              <a:t>(</a:t>
+            </a:r>
+            <a:r>
+              <a:rPr kumimoji="0" lang="fr-FR" altLang="fr-FR" sz="1600" b="0" i="0" u="none" strike="noStrike" cap="none" normalizeH="0" baseline="0" dirty="0" err="1" smtClean="0">
+                <a:ln>
+                  <a:noFill/>
+                </a:ln>
+                <a:solidFill>
+                  <a:schemeClr val="tx1"/>
+                </a:solidFill>
+                <a:effectLst/>
+                <a:latin typeface="Arial" pitchFamily="34" charset="0"/>
+              </a:rPr>
+              <a:t>encoded</a:t>
+            </a:r>
+            <a:r>
+              <a:rPr kumimoji="0" lang="fr-FR" altLang="fr-FR" sz="1400" b="0" i="0" u="none" strike="noStrike" cap="none" normalizeH="0" baseline="0" dirty="0" smtClean="0">
+                <a:ln>
+                  <a:noFill/>
+                </a:ln>
+                <a:solidFill>
+                  <a:srgbClr val="000000"/>
+                </a:solidFill>
+                <a:effectLst/>
+                <a:latin typeface="ui-monospace"/>
+                <a:cs typeface="Arial" pitchFamily="34" charset="0"/>
+              </a:rPr>
+              <a:t>) </a:t>
+            </a:r>
+          </a:p>
+          <a:p>
+            <a:pPr marL="0" marR="0" lvl="0" indent="0" algn="l" defTabSz="914400" rtl="0" eaLnBrk="0" fontAlgn="base" latinLnBrk="0" hangingPunct="0">
+              <a:lnSpc>
+                <a:spcPct val="100000"/>
+              </a:lnSpc>
+              <a:spcBef>
+                <a:spcPct val="30000"/>
+              </a:spcBef>
+              <a:spcAft>
+                <a:spcPct val="0"/>
+              </a:spcAft>
+              <a:buClrTx/>
+              <a:buSzTx/>
+              <a:buFontTx/>
+              <a:buNone/>
+              <a:tabLst/>
+            </a:pPr>
+            <a:r>
+              <a:rPr kumimoji="0" lang="fr-FR" altLang="fr-FR" sz="1400" b="0" i="0" u="none" strike="noStrike" cap="none" normalizeH="0" baseline="0" dirty="0" err="1" smtClean="0">
+                <a:ln>
+                  <a:noFill/>
+                </a:ln>
+                <a:solidFill>
+                  <a:srgbClr val="717171"/>
+                </a:solidFill>
+                <a:effectLst/>
+                <a:latin typeface="ui-monospace"/>
+                <a:cs typeface="Arial" pitchFamily="34" charset="0"/>
+              </a:rPr>
+              <a:t>b'data</a:t>
+            </a:r>
+            <a:r>
+              <a:rPr kumimoji="0" lang="fr-FR" altLang="fr-FR" sz="1400" b="0" i="0" u="none" strike="noStrike" cap="none" normalizeH="0" baseline="0" dirty="0" smtClean="0">
+                <a:ln>
+                  <a:noFill/>
+                </a:ln>
+                <a:solidFill>
+                  <a:srgbClr val="717171"/>
+                </a:solidFill>
+                <a:effectLst/>
+                <a:latin typeface="ui-monospace"/>
+                <a:cs typeface="Arial" pitchFamily="34" charset="0"/>
+              </a:rPr>
+              <a:t> to </a:t>
+            </a:r>
+            <a:r>
+              <a:rPr kumimoji="0" lang="fr-FR" altLang="fr-FR" sz="1400" b="0" i="0" u="none" strike="noStrike" cap="none" normalizeH="0" baseline="0" dirty="0" err="1" smtClean="0">
+                <a:ln>
+                  <a:noFill/>
+                </a:ln>
+                <a:solidFill>
+                  <a:srgbClr val="717171"/>
+                </a:solidFill>
+                <a:effectLst/>
+                <a:latin typeface="ui-monospace"/>
+                <a:cs typeface="Arial" pitchFamily="34" charset="0"/>
+              </a:rPr>
+              <a:t>be</a:t>
+            </a:r>
+            <a:r>
+              <a:rPr kumimoji="0" lang="fr-FR" altLang="fr-FR" sz="1400" b="0" i="0" u="none" strike="noStrike" cap="none" normalizeH="0" baseline="0" dirty="0" smtClean="0">
+                <a:ln>
+                  <a:noFill/>
+                </a:ln>
+                <a:solidFill>
+                  <a:srgbClr val="717171"/>
+                </a:solidFill>
+                <a:effectLst/>
+                <a:latin typeface="ui-monospace"/>
+                <a:cs typeface="Arial" pitchFamily="34" charset="0"/>
+              </a:rPr>
+              <a:t> </a:t>
+            </a:r>
+            <a:r>
+              <a:rPr kumimoji="0" lang="fr-FR" altLang="fr-FR" sz="1400" b="0" i="0" u="none" strike="noStrike" cap="none" normalizeH="0" baseline="0" dirty="0" err="1" smtClean="0">
+                <a:ln>
+                  <a:noFill/>
+                </a:ln>
+                <a:solidFill>
+                  <a:srgbClr val="717171"/>
+                </a:solidFill>
+                <a:effectLst/>
+                <a:latin typeface="ui-monospace"/>
+                <a:cs typeface="Arial" pitchFamily="34" charset="0"/>
+              </a:rPr>
+              <a:t>encoded</a:t>
+            </a:r>
+            <a:r>
+              <a:rPr kumimoji="0" lang="fr-FR" altLang="fr-FR" sz="1400" b="0" i="0" u="none" strike="noStrike" cap="none" normalizeH="0" baseline="0" dirty="0" smtClean="0">
+                <a:ln>
+                  <a:noFill/>
+                </a:ln>
+                <a:solidFill>
+                  <a:srgbClr val="717171"/>
+                </a:solidFill>
+                <a:effectLst/>
+                <a:latin typeface="ui-monospace"/>
+                <a:cs typeface="Arial" pitchFamily="34" charset="0"/>
+              </a:rPr>
+              <a:t>'</a:t>
+            </a:r>
+            <a:r>
+              <a:rPr kumimoji="0" lang="fr-FR" altLang="fr-FR" sz="1000" b="0" i="0" u="none" strike="noStrike" cap="none" normalizeH="0" baseline="0" dirty="0" smtClean="0">
+                <a:ln>
+                  <a:noFill/>
+                </a:ln>
+                <a:solidFill>
+                  <a:schemeClr val="tx1"/>
+                </a:solidFill>
+                <a:effectLst/>
+                <a:latin typeface="Arial" pitchFamily="34" charset="0"/>
+                <a:cs typeface="Arial" pitchFamily="34" charset="0"/>
+              </a:rPr>
+              <a:t> </a:t>
+            </a:r>
+            <a:endParaRPr kumimoji="0" lang="fr-FR" altLang="fr-FR" sz="2400" b="0" i="0" u="none" strike="noStrike" cap="none" normalizeH="0" baseline="0" dirty="0" smtClean="0">
+              <a:ln>
+                <a:noFill/>
+              </a:ln>
+              <a:solidFill>
+                <a:schemeClr val="tx1"/>
+              </a:solidFill>
+              <a:effectLst/>
+              <a:latin typeface="Arial" pitchFamily="34" charset="0"/>
+              <a:cs typeface="Arial" pitchFamily="34" charset="0"/>
+            </a:endParaRPr>
+          </a:p>
+        </p:txBody>
+      </p:sp>
+    </p:spTree>
+    <p:extLst>
+      <p:ext uri="{BB962C8B-B14F-4D97-AF65-F5344CB8AC3E}">
+        <p14:creationId xmlns:p14="http://schemas.microsoft.com/office/powerpoint/2010/main" val="2611207670"/>
+      </p:ext>
+    </p:extLst>
+  </p:cSld>
+  <p:clrMapOvr>
+    <a:masterClrMapping/>
+  </p:clrMapOvr>
+</p:sld>
+</file>
+
+<file path=ppt/slides/slide17.xml><?xml version="1.0" encoding="utf-8"?>
+<p:sld xmlns:a="http://schemas.openxmlformats.org/drawingml/2006/main" xmlns:r="http://schemas.openxmlformats.org/officeDocument/2006/relationships" xmlns:p="http://schemas.openxmlformats.org/presentationml/2006/main">
+  <p:cSld>
+    <p:spTree>
+      <p:nvGrpSpPr>
+        <p:cNvPr id="1" name=""/>
+        <p:cNvGrpSpPr/>
+        <p:nvPr/>
+      </p:nvGrpSpPr>
+      <p:grpSpPr>
+        <a:xfrm>
+          <a:off x="0" y="0"/>
+          <a:ext cx="0" cy="0"/>
+          <a:chOff x="0" y="0"/>
+          <a:chExt cx="0" cy="0"/>
+        </a:xfrm>
+      </p:grpSpPr>
+      <p:sp>
+        <p:nvSpPr>
+          <p:cNvPr id="2" name="Titre 1">
+            <a:extLst>
+              <a:ext uri="{FF2B5EF4-FFF2-40B4-BE49-F238E27FC236}">
+                <a16:creationId xmlns:a16="http://schemas.microsoft.com/office/drawing/2014/main" xmlns="" id="{90162AE8-C1B0-5C56-8313-DEE494F38273}"/>
+              </a:ext>
+            </a:extLst>
+          </p:cNvPr>
+          <p:cNvSpPr>
+            <a:spLocks noGrp="1"/>
+          </p:cNvSpPr>
+          <p:nvPr>
+            <p:ph type="title"/>
+          </p:nvPr>
+        </p:nvSpPr>
+        <p:spPr/>
+        <p:txBody>
+          <a:bodyPr/>
+          <a:lstStyle/>
+          <a:p>
+            <a:r>
+              <a:rPr lang="fr-FR" dirty="0"/>
+              <a:t>Conversion en signaux sonores</a:t>
+            </a:r>
+          </a:p>
+        </p:txBody>
+      </p:sp>
+      <p:pic>
+        <p:nvPicPr>
+          <p:cNvPr id="5" name="Image 4" descr="Une image contenant texte&#10;&#10;Description générée automatiquement">
+            <a:extLst>
+              <a:ext uri="{FF2B5EF4-FFF2-40B4-BE49-F238E27FC236}">
+                <a16:creationId xmlns:a16="http://schemas.microsoft.com/office/drawing/2014/main" xmlns="" id="{204ADC40-1D61-539F-22ED-6B21D67FBDE6}"/>
+              </a:ext>
+            </a:extLst>
+          </p:cNvPr>
+          <p:cNvPicPr>
+            <a:picLocks noChangeAspect="1"/>
+          </p:cNvPicPr>
+          <p:nvPr/>
+        </p:nvPicPr>
+        <p:blipFill>
+          <a:blip r:embed="rId2" cstate="print">
+            <a:extLst>
+              <a:ext uri="{28A0092B-C50C-407E-A947-70E740481C1C}">
+                <a14:useLocalDpi xmlns:a14="http://schemas.microsoft.com/office/drawing/2010/main" val="0"/>
+              </a:ext>
+            </a:extLst>
+          </a:blip>
+          <a:stretch>
+            <a:fillRect/>
+          </a:stretch>
+        </p:blipFill>
+        <p:spPr>
+          <a:xfrm>
+            <a:off x="202922" y="5934456"/>
+            <a:ext cx="1825291" cy="749808"/>
+          </a:xfrm>
+          <a:prstGeom prst="rect">
+            <a:avLst/>
+          </a:prstGeom>
+        </p:spPr>
+      </p:pic>
+      <p:sp>
+        <p:nvSpPr>
+          <p:cNvPr id="3" name="Rectangle 2"/>
+          <p:cNvSpPr/>
+          <p:nvPr/>
+        </p:nvSpPr>
+        <p:spPr>
+          <a:xfrm>
+            <a:off x="8295411" y="2206087"/>
+            <a:ext cx="3399457" cy="351378"/>
+          </a:xfrm>
+          <a:prstGeom prst="rect">
+            <a:avLst/>
+          </a:prstGeom>
+        </p:spPr>
+        <p:txBody>
+          <a:bodyPr wrap="none">
+            <a:spAutoFit/>
+          </a:bodyPr>
+          <a:lstStyle/>
+          <a:p>
+            <a:pPr lvl="1" algn="just">
+              <a:lnSpc>
+                <a:spcPct val="115000"/>
+              </a:lnSpc>
+            </a:pPr>
+            <a:r>
+              <a:rPr lang="en-US" sz="1600" b="1" dirty="0">
+                <a:solidFill>
+                  <a:srgbClr val="E36C0A"/>
+                </a:solidFill>
+                <a:latin typeface="Arial" panose="020B0604020202020204" pitchFamily="34" charset="0"/>
+                <a:ea typeface="Arial" panose="020B0604020202020204" pitchFamily="34" charset="0"/>
+              </a:rPr>
+              <a:t>scipy.io </a:t>
+            </a:r>
+            <a:r>
+              <a:rPr lang="fr-FR" sz="1600" b="1" dirty="0">
+                <a:solidFill>
+                  <a:srgbClr val="1155CC"/>
+                </a:solidFill>
+                <a:latin typeface="Arial" panose="020B0604020202020204" pitchFamily="34" charset="0"/>
+                <a:ea typeface="Arial" panose="020B0604020202020204" pitchFamily="34" charset="0"/>
+              </a:rPr>
+              <a:t>.</a:t>
+            </a:r>
+            <a:r>
+              <a:rPr lang="fr-FR" sz="1600" b="1" dirty="0" err="1">
+                <a:solidFill>
+                  <a:srgbClr val="1155CC"/>
+                </a:solidFill>
+                <a:latin typeface="Arial" panose="020B0604020202020204" pitchFamily="34" charset="0"/>
+                <a:ea typeface="Arial" panose="020B0604020202020204" pitchFamily="34" charset="0"/>
+              </a:rPr>
+              <a:t>wavfile.read</a:t>
+            </a:r>
+            <a:r>
+              <a:rPr lang="fr-FR" sz="1600" b="1" dirty="0">
+                <a:solidFill>
+                  <a:srgbClr val="1155CC"/>
+                </a:solidFill>
+                <a:latin typeface="Arial" panose="020B0604020202020204" pitchFamily="34" charset="0"/>
+                <a:ea typeface="Arial" panose="020B0604020202020204" pitchFamily="34" charset="0"/>
+              </a:rPr>
+              <a:t>   .</a:t>
+            </a:r>
+            <a:r>
+              <a:rPr lang="fr-FR" sz="1600" b="1" dirty="0" err="1">
+                <a:solidFill>
+                  <a:srgbClr val="1155CC"/>
+                </a:solidFill>
+                <a:latin typeface="Arial" panose="020B0604020202020204" pitchFamily="34" charset="0"/>
+                <a:ea typeface="Arial" panose="020B0604020202020204" pitchFamily="34" charset="0"/>
+              </a:rPr>
+              <a:t>write</a:t>
+            </a:r>
+            <a:endParaRPr lang="fr-FR" sz="1600" b="1" dirty="0">
+              <a:solidFill>
+                <a:srgbClr val="1155CC"/>
+              </a:solidFill>
+              <a:latin typeface="Arial" panose="020B0604020202020204" pitchFamily="34" charset="0"/>
+              <a:ea typeface="Arial" panose="020B0604020202020204" pitchFamily="34" charset="0"/>
+            </a:endParaRPr>
+          </a:p>
+        </p:txBody>
+      </p:sp>
+      <p:pic>
+        <p:nvPicPr>
+          <p:cNvPr id="4098" name="Picture 2" descr="https://i.stack.imgur.com/zRFh2.jpg"/>
+          <p:cNvPicPr>
+            <a:picLocks noChangeAspect="1" noChangeArrowheads="1"/>
+          </p:cNvPicPr>
+          <p:nvPr/>
+        </p:nvPicPr>
+        <p:blipFill>
+          <a:blip r:embed="rId3" cstate="print">
+            <a:extLst>
+              <a:ext uri="{28A0092B-C50C-407E-A947-70E740481C1C}">
+                <a14:useLocalDpi xmlns:a14="http://schemas.microsoft.com/office/drawing/2010/main" val="0"/>
+              </a:ext>
+            </a:extLst>
+          </a:blip>
+          <a:srcRect/>
+          <a:stretch>
+            <a:fillRect/>
+          </a:stretch>
+        </p:blipFill>
+        <p:spPr bwMode="auto">
+          <a:xfrm>
+            <a:off x="8874030" y="2816257"/>
+            <a:ext cx="2820838" cy="2082571"/>
+          </a:xfrm>
+          <a:prstGeom prst="rect">
+            <a:avLst/>
+          </a:prstGeom>
+          <a:noFill/>
+          <a:extLst>
+            <a:ext uri="{909E8E84-426E-40DD-AFC4-6F175D3DCCD1}">
+              <a14:hiddenFill xmlns:a14="http://schemas.microsoft.com/office/drawing/2010/main">
+                <a:solidFill>
+                  <a:srgbClr val="FFFFFF"/>
+                </a:solidFill>
+              </a14:hiddenFill>
+            </a:ext>
+          </a:extLst>
+        </p:spPr>
+      </p:pic>
+      <p:pic>
+        <p:nvPicPr>
+          <p:cNvPr id="4100" name="Picture 4" descr="http://soundfile.sapp.org/doc/WaveFormat/wav-sound-format.gif"/>
+          <p:cNvPicPr>
+            <a:picLocks noChangeAspect="1" noChangeArrowheads="1"/>
+          </p:cNvPicPr>
+          <p:nvPr/>
+        </p:nvPicPr>
+        <p:blipFill>
+          <a:blip r:embed="rId4">
+            <a:extLst>
+              <a:ext uri="{28A0092B-C50C-407E-A947-70E740481C1C}">
+                <a14:useLocalDpi xmlns:a14="http://schemas.microsoft.com/office/drawing/2010/main" val="0"/>
+              </a:ext>
+            </a:extLst>
+          </a:blip>
+          <a:srcRect/>
+          <a:stretch>
+            <a:fillRect/>
+          </a:stretch>
+        </p:blipFill>
+        <p:spPr bwMode="auto">
+          <a:xfrm>
+            <a:off x="2699673" y="2286000"/>
+            <a:ext cx="4630969" cy="4290457"/>
+          </a:xfrm>
+          <a:prstGeom prst="rect">
+            <a:avLst/>
+          </a:prstGeom>
+          <a:noFill/>
+          <a:extLst>
+            <a:ext uri="{909E8E84-426E-40DD-AFC4-6F175D3DCCD1}">
+              <a14:hiddenFill xmlns:a14="http://schemas.microsoft.com/office/drawing/2010/main">
+                <a:solidFill>
+                  <a:srgbClr val="FFFFFF"/>
+                </a:solidFill>
+              </a14:hiddenFill>
+            </a:ext>
+          </a:extLst>
+        </p:spPr>
+      </p:pic>
+      <p:sp>
+        <p:nvSpPr>
+          <p:cNvPr id="4" name="Flèche droite 3"/>
+          <p:cNvSpPr/>
+          <p:nvPr/>
+        </p:nvSpPr>
+        <p:spPr>
+          <a:xfrm>
+            <a:off x="3196088" y="4173303"/>
+            <a:ext cx="181155" cy="206058"/>
+          </a:xfrm>
+          <a:prstGeom prst="rightArrow">
+            <a:avLst/>
+          </a:prstGeom>
+          <a:solidFill>
+            <a:srgbClr val="FF0000"/>
+          </a:solidFill>
+        </p:spPr>
+        <p:style>
+          <a:lnRef idx="2">
+            <a:schemeClr val="accent1">
+              <a:shade val="50000"/>
+            </a:schemeClr>
+          </a:lnRef>
+          <a:fillRef idx="1">
+            <a:schemeClr val="accent1"/>
+          </a:fillRef>
+          <a:effectRef idx="0">
+            <a:schemeClr val="accent1"/>
+          </a:effectRef>
+          <a:fontRef idx="minor">
+            <a:schemeClr val="lt1"/>
+          </a:fontRef>
+        </p:style>
+        <p:txBody>
+          <a:bodyPr rtlCol="0" anchor="ctr"/>
+          <a:lstStyle/>
+          <a:p>
+            <a:pPr algn="ctr"/>
+            <a:endParaRPr lang="fr-FR"/>
+          </a:p>
+        </p:txBody>
+      </p:sp>
+      <p:sp>
+        <p:nvSpPr>
+          <p:cNvPr id="8" name="Flèche droite 7"/>
+          <p:cNvSpPr/>
+          <p:nvPr/>
+        </p:nvSpPr>
+        <p:spPr>
+          <a:xfrm>
+            <a:off x="3201841" y="4382742"/>
+            <a:ext cx="181155" cy="206058"/>
+          </a:xfrm>
+          <a:prstGeom prst="rightArrow">
+            <a:avLst/>
+          </a:prstGeom>
+          <a:solidFill>
+            <a:srgbClr val="FF0000"/>
+          </a:solidFill>
+        </p:spPr>
+        <p:style>
+          <a:lnRef idx="2">
+            <a:schemeClr val="accent1">
+              <a:shade val="50000"/>
+            </a:schemeClr>
+          </a:lnRef>
+          <a:fillRef idx="1">
+            <a:schemeClr val="accent1"/>
+          </a:fillRef>
+          <a:effectRef idx="0">
+            <a:schemeClr val="accent1"/>
+          </a:effectRef>
+          <a:fontRef idx="minor">
+            <a:schemeClr val="lt1"/>
+          </a:fontRef>
+        </p:style>
+        <p:txBody>
+          <a:bodyPr rtlCol="0" anchor="ctr"/>
+          <a:lstStyle/>
+          <a:p>
+            <a:pPr algn="ctr"/>
+            <a:endParaRPr lang="fr-FR"/>
+          </a:p>
+        </p:txBody>
+      </p:sp>
+      <p:sp>
+        <p:nvSpPr>
+          <p:cNvPr id="9" name="Flèche droite 8"/>
+          <p:cNvSpPr/>
+          <p:nvPr/>
+        </p:nvSpPr>
+        <p:spPr>
+          <a:xfrm>
+            <a:off x="3198973" y="4578272"/>
+            <a:ext cx="181155" cy="206058"/>
+          </a:xfrm>
+          <a:prstGeom prst="rightArrow">
+            <a:avLst/>
+          </a:prstGeom>
+          <a:solidFill>
+            <a:srgbClr val="FF0000"/>
+          </a:solidFill>
+        </p:spPr>
+        <p:style>
+          <a:lnRef idx="2">
+            <a:schemeClr val="accent1">
+              <a:shade val="50000"/>
+            </a:schemeClr>
+          </a:lnRef>
+          <a:fillRef idx="1">
+            <a:schemeClr val="accent1"/>
+          </a:fillRef>
+          <a:effectRef idx="0">
+            <a:schemeClr val="accent1"/>
+          </a:effectRef>
+          <a:fontRef idx="minor">
+            <a:schemeClr val="lt1"/>
+          </a:fontRef>
+        </p:style>
+        <p:txBody>
+          <a:bodyPr rtlCol="0" anchor="ctr"/>
+          <a:lstStyle/>
+          <a:p>
+            <a:pPr algn="ctr"/>
+            <a:endParaRPr lang="fr-FR"/>
+          </a:p>
+        </p:txBody>
+      </p:sp>
+      <p:sp>
+        <p:nvSpPr>
+          <p:cNvPr id="10" name="Flèche droite 9"/>
+          <p:cNvSpPr/>
+          <p:nvPr/>
+        </p:nvSpPr>
+        <p:spPr>
+          <a:xfrm>
+            <a:off x="3196087" y="5205126"/>
+            <a:ext cx="181155" cy="206058"/>
+          </a:xfrm>
+          <a:prstGeom prst="rightArrow">
+            <a:avLst/>
+          </a:prstGeom>
+          <a:solidFill>
+            <a:srgbClr val="FF0000"/>
+          </a:solidFill>
+        </p:spPr>
+        <p:style>
+          <a:lnRef idx="2">
+            <a:schemeClr val="accent1">
+              <a:shade val="50000"/>
+            </a:schemeClr>
+          </a:lnRef>
+          <a:fillRef idx="1">
+            <a:schemeClr val="accent1"/>
+          </a:fillRef>
+          <a:effectRef idx="0">
+            <a:schemeClr val="accent1"/>
+          </a:effectRef>
+          <a:fontRef idx="minor">
+            <a:schemeClr val="lt1"/>
+          </a:fontRef>
+        </p:style>
+        <p:txBody>
+          <a:bodyPr rtlCol="0" anchor="ctr"/>
+          <a:lstStyle/>
+          <a:p>
+            <a:pPr algn="ctr"/>
+            <a:endParaRPr lang="fr-FR"/>
+          </a:p>
+        </p:txBody>
+      </p:sp>
     </p:spTree>
     <p:extLst>
       <p:ext uri="{BB962C8B-B14F-4D97-AF65-F5344CB8AC3E}">
@@ -6876,7 +9445,7 @@
           <p:cNvPr id="2" name="Titre 1">
             <a:extLst>
               <a:ext uri="{FF2B5EF4-FFF2-40B4-BE49-F238E27FC236}">
-                <a16:creationId xmlns:a16="http://schemas.microsoft.com/office/drawing/2014/main" id="{90162AE8-C1B0-5C56-8313-DEE494F38273}"/>
+                <a16:creationId xmlns:a16="http://schemas.microsoft.com/office/drawing/2014/main" xmlns="" id="{90162AE8-C1B0-5C56-8313-DEE494F38273}"/>
               </a:ext>
             </a:extLst>
           </p:cNvPr>
@@ -6909,7 +9478,7 @@
           <p:cNvPr id="3" name="Espace réservé du contenu 2">
             <a:extLst>
               <a:ext uri="{FF2B5EF4-FFF2-40B4-BE49-F238E27FC236}">
-                <a16:creationId xmlns:a16="http://schemas.microsoft.com/office/drawing/2014/main" id="{E0BBB9DE-019C-C741-F224-494739D4B752}"/>
+                <a16:creationId xmlns:a16="http://schemas.microsoft.com/office/drawing/2014/main" xmlns="" id="{E0BBB9DE-019C-C741-F224-494739D4B752}"/>
               </a:ext>
             </a:extLst>
           </p:cNvPr>
@@ -6939,8 +9508,13 @@
             <a:pPr lvl="1"/>
             <a:r>
               <a:rPr lang="fr-FR" dirty="0"/>
-              <a:t>En binôme ou seul</a:t>
-            </a:r>
+              <a:t>En </a:t>
+            </a:r>
+            <a:r>
+              <a:rPr lang="fr-FR" dirty="0" smtClean="0"/>
+              <a:t>binôme</a:t>
+            </a:r>
+            <a:endParaRPr lang="fr-FR" dirty="0"/>
           </a:p>
           <a:p>
             <a:pPr lvl="1"/>
@@ -6956,7 +9530,7 @@
           <p:cNvPr id="5" name="Image 4" descr="Une image contenant texte&#10;&#10;Description générée automatiquement">
             <a:extLst>
               <a:ext uri="{FF2B5EF4-FFF2-40B4-BE49-F238E27FC236}">
-                <a16:creationId xmlns:a16="http://schemas.microsoft.com/office/drawing/2014/main" id="{204ADC40-1D61-539F-22ED-6B21D67FBDE6}"/>
+                <a16:creationId xmlns:a16="http://schemas.microsoft.com/office/drawing/2014/main" xmlns="" id="{204ADC40-1D61-539F-22ED-6B21D67FBDE6}"/>
               </a:ext>
             </a:extLst>
           </p:cNvPr>
@@ -6966,7 +9540,7 @@
           <p:nvPr/>
         </p:nvPicPr>
         <p:blipFill>
-          <a:blip r:embed="rId2">
+          <a:blip r:embed="rId2" cstate="print">
             <a:extLst>
               <a:ext uri="{28A0092B-C50C-407E-A947-70E740481C1C}">
                 <a14:useLocalDpi xmlns:a14="http://schemas.microsoft.com/office/drawing/2010/main" val="0"/>
@@ -6992,7 +9566,7 @@
           <p:cNvPr id="9" name="CustomShape 3">
             <a:extLst>
               <a:ext uri="{FF2B5EF4-FFF2-40B4-BE49-F238E27FC236}">
-                <a16:creationId xmlns:a16="http://schemas.microsoft.com/office/drawing/2014/main" id="{7CD7374B-ED6D-6AF2-BD0B-1717C3940DB9}"/>
+                <a16:creationId xmlns:a16="http://schemas.microsoft.com/office/drawing/2014/main" xmlns="" id="{7CD7374B-ED6D-6AF2-BD0B-1717C3940DB9}"/>
               </a:ext>
             </a:extLst>
           </p:cNvPr>
@@ -7067,7 +9641,7 @@
           <p:cNvPr id="10" name="CustomShape 3">
             <a:extLst>
               <a:ext uri="{FF2B5EF4-FFF2-40B4-BE49-F238E27FC236}">
-                <a16:creationId xmlns:a16="http://schemas.microsoft.com/office/drawing/2014/main" id="{C430E7A6-8A93-686A-7C4E-ED51D2B4CA5C}"/>
+                <a16:creationId xmlns:a16="http://schemas.microsoft.com/office/drawing/2014/main" xmlns="" id="{C430E7A6-8A93-686A-7C4E-ED51D2B4CA5C}"/>
               </a:ext>
             </a:extLst>
           </p:cNvPr>
@@ -7142,7 +9716,7 @@
           <p:cNvPr id="12" name="ZoneTexte 11">
             <a:extLst>
               <a:ext uri="{FF2B5EF4-FFF2-40B4-BE49-F238E27FC236}">
-                <a16:creationId xmlns:a16="http://schemas.microsoft.com/office/drawing/2014/main" id="{BBED6A26-211D-7C76-4C1A-96E6D0EC3C39}"/>
+                <a16:creationId xmlns:a16="http://schemas.microsoft.com/office/drawing/2014/main" xmlns="" id="{BBED6A26-211D-7C76-4C1A-96E6D0EC3C39}"/>
               </a:ext>
             </a:extLst>
           </p:cNvPr>
@@ -7195,7 +9769,7 @@
           <p:cNvPr id="4" name="CustomShape 3">
             <a:extLst>
               <a:ext uri="{FF2B5EF4-FFF2-40B4-BE49-F238E27FC236}">
-                <a16:creationId xmlns:a16="http://schemas.microsoft.com/office/drawing/2014/main" id="{3A94DE90-31C1-2A4F-1651-1E29144A4384}"/>
+                <a16:creationId xmlns:a16="http://schemas.microsoft.com/office/drawing/2014/main" xmlns="" id="{3A94DE90-31C1-2A4F-1651-1E29144A4384}"/>
               </a:ext>
             </a:extLst>
           </p:cNvPr>
@@ -7268,7 +9842,7 @@
           <p:cNvPr id="11" name="CustomShape 23">
             <a:extLst>
               <a:ext uri="{FF2B5EF4-FFF2-40B4-BE49-F238E27FC236}">
-                <a16:creationId xmlns:a16="http://schemas.microsoft.com/office/drawing/2014/main" id="{7E46B89B-7D18-B939-D9EB-855ECE35C85C}"/>
+                <a16:creationId xmlns:a16="http://schemas.microsoft.com/office/drawing/2014/main" xmlns="" id="{7E46B89B-7D18-B939-D9EB-855ECE35C85C}"/>
               </a:ext>
             </a:extLst>
           </p:cNvPr>
@@ -7342,7 +9916,7 @@
           <p:cNvPr id="16" name="CustomShape 24">
             <a:extLst>
               <a:ext uri="{FF2B5EF4-FFF2-40B4-BE49-F238E27FC236}">
-                <a16:creationId xmlns:a16="http://schemas.microsoft.com/office/drawing/2014/main" id="{7AD48AB8-D37E-1EEC-36F9-51A5A13A85F9}"/>
+                <a16:creationId xmlns:a16="http://schemas.microsoft.com/office/drawing/2014/main" xmlns="" id="{7AD48AB8-D37E-1EEC-36F9-51A5A13A85F9}"/>
               </a:ext>
             </a:extLst>
           </p:cNvPr>
@@ -7414,7 +9988,7 @@
           <p:cNvPr id="17" name="ZoneTexte 16">
             <a:extLst>
               <a:ext uri="{FF2B5EF4-FFF2-40B4-BE49-F238E27FC236}">
-                <a16:creationId xmlns:a16="http://schemas.microsoft.com/office/drawing/2014/main" id="{F153AF5A-DEFB-20E9-F990-3A2BEB1E4CF1}"/>
+                <a16:creationId xmlns:a16="http://schemas.microsoft.com/office/drawing/2014/main" xmlns="" id="{F153AF5A-DEFB-20E9-F990-3A2BEB1E4CF1}"/>
               </a:ext>
             </a:extLst>
           </p:cNvPr>
@@ -7477,7 +10051,7 @@
           <p:cNvPr id="18" name="ZoneTexte 17">
             <a:extLst>
               <a:ext uri="{FF2B5EF4-FFF2-40B4-BE49-F238E27FC236}">
-                <a16:creationId xmlns:a16="http://schemas.microsoft.com/office/drawing/2014/main" id="{042103D8-61DD-04BE-F714-2FA1F911610B}"/>
+                <a16:creationId xmlns:a16="http://schemas.microsoft.com/office/drawing/2014/main" xmlns="" id="{042103D8-61DD-04BE-F714-2FA1F911610B}"/>
               </a:ext>
             </a:extLst>
           </p:cNvPr>
@@ -7528,7 +10102,7 @@
           <p:cNvPr id="19" name="ZoneTexte 18">
             <a:extLst>
               <a:ext uri="{FF2B5EF4-FFF2-40B4-BE49-F238E27FC236}">
-                <a16:creationId xmlns:a16="http://schemas.microsoft.com/office/drawing/2014/main" id="{F41EF5FB-9662-2DB9-4172-AB660069D201}"/>
+                <a16:creationId xmlns:a16="http://schemas.microsoft.com/office/drawing/2014/main" xmlns="" id="{F41EF5FB-9662-2DB9-4172-AB660069D201}"/>
               </a:ext>
             </a:extLst>
           </p:cNvPr>
@@ -7597,7 +10171,7 @@
           <p:cNvPr id="2" name="Titre 1">
             <a:extLst>
               <a:ext uri="{FF2B5EF4-FFF2-40B4-BE49-F238E27FC236}">
-                <a16:creationId xmlns:a16="http://schemas.microsoft.com/office/drawing/2014/main" id="{90162AE8-C1B0-5C56-8313-DEE494F38273}"/>
+                <a16:creationId xmlns:a16="http://schemas.microsoft.com/office/drawing/2014/main" xmlns="" id="{90162AE8-C1B0-5C56-8313-DEE494F38273}"/>
               </a:ext>
             </a:extLst>
           </p:cNvPr>
@@ -7625,7 +10199,7 @@
           <p:cNvPr id="5" name="Image 4" descr="Une image contenant texte&#10;&#10;Description générée automatiquement">
             <a:extLst>
               <a:ext uri="{FF2B5EF4-FFF2-40B4-BE49-F238E27FC236}">
-                <a16:creationId xmlns:a16="http://schemas.microsoft.com/office/drawing/2014/main" id="{204ADC40-1D61-539F-22ED-6B21D67FBDE6}"/>
+                <a16:creationId xmlns:a16="http://schemas.microsoft.com/office/drawing/2014/main" xmlns="" id="{204ADC40-1D61-539F-22ED-6B21D67FBDE6}"/>
               </a:ext>
             </a:extLst>
           </p:cNvPr>
@@ -7635,7 +10209,7 @@
           <p:nvPr/>
         </p:nvPicPr>
         <p:blipFill>
-          <a:blip r:embed="rId2">
+          <a:blip r:embed="rId2" cstate="print">
             <a:extLst>
               <a:ext uri="{28A0092B-C50C-407E-A947-70E740481C1C}">
                 <a14:useLocalDpi xmlns:a14="http://schemas.microsoft.com/office/drawing/2010/main" val="0"/>
@@ -7661,7 +10235,7 @@
           <p:cNvPr id="7" name="Espace réservé du contenu 6">
             <a:extLst>
               <a:ext uri="{FF2B5EF4-FFF2-40B4-BE49-F238E27FC236}">
-                <a16:creationId xmlns:a16="http://schemas.microsoft.com/office/drawing/2014/main" id="{96119062-CBB4-87F4-D29F-DBE631A23655}"/>
+                <a16:creationId xmlns:a16="http://schemas.microsoft.com/office/drawing/2014/main" xmlns="" id="{96119062-CBB4-87F4-D29F-DBE631A23655}"/>
               </a:ext>
             </a:extLst>
           </p:cNvPr>
@@ -7722,7 +10296,7 @@
           <p:cNvPr id="8" name="image5.png" descr="Une image contenant texte, micro-ondes, four, moniteur&#10;&#10;Description générée automatiquement">
             <a:extLst>
               <a:ext uri="{FF2B5EF4-FFF2-40B4-BE49-F238E27FC236}">
-                <a16:creationId xmlns:a16="http://schemas.microsoft.com/office/drawing/2014/main" id="{C8341B7D-C3B2-5956-86AB-3EE5BC354426}"/>
+                <a16:creationId xmlns:a16="http://schemas.microsoft.com/office/drawing/2014/main" xmlns="" id="{C8341B7D-C3B2-5956-86AB-3EE5BC354426}"/>
               </a:ext>
             </a:extLst>
           </p:cNvPr>
@@ -7752,7 +10326,7 @@
           <p:cNvPr id="13" name="image3.png">
             <a:extLst>
               <a:ext uri="{FF2B5EF4-FFF2-40B4-BE49-F238E27FC236}">
-                <a16:creationId xmlns:a16="http://schemas.microsoft.com/office/drawing/2014/main" id="{22DA48B6-4CEA-4164-1B7B-7DB5C94DD5B1}"/>
+                <a16:creationId xmlns:a16="http://schemas.microsoft.com/office/drawing/2014/main" xmlns="" id="{22DA48B6-4CEA-4164-1B7B-7DB5C94DD5B1}"/>
               </a:ext>
             </a:extLst>
           </p:cNvPr>
@@ -7782,7 +10356,7 @@
           <p:cNvPr id="14" name="CustomShape 3">
             <a:extLst>
               <a:ext uri="{FF2B5EF4-FFF2-40B4-BE49-F238E27FC236}">
-                <a16:creationId xmlns:a16="http://schemas.microsoft.com/office/drawing/2014/main" id="{2C5FBB77-17FA-9F60-BDAE-34CBE4BB2DC8}"/>
+                <a16:creationId xmlns:a16="http://schemas.microsoft.com/office/drawing/2014/main" xmlns="" id="{2C5FBB77-17FA-9F60-BDAE-34CBE4BB2DC8}"/>
               </a:ext>
             </a:extLst>
           </p:cNvPr>
@@ -7850,7 +10424,7 @@
           <p:cNvPr id="15" name="CustomShape 3">
             <a:extLst>
               <a:ext uri="{FF2B5EF4-FFF2-40B4-BE49-F238E27FC236}">
-                <a16:creationId xmlns:a16="http://schemas.microsoft.com/office/drawing/2014/main" id="{A68368E5-AA23-479A-9169-DFD5A8DB4C4B}"/>
+                <a16:creationId xmlns:a16="http://schemas.microsoft.com/office/drawing/2014/main" xmlns="" id="{A68368E5-AA23-479A-9169-DFD5A8DB4C4B}"/>
               </a:ext>
             </a:extLst>
           </p:cNvPr>
@@ -7948,7 +10522,7 @@
           <p:cNvPr id="2" name="Titre 1">
             <a:extLst>
               <a:ext uri="{FF2B5EF4-FFF2-40B4-BE49-F238E27FC236}">
-                <a16:creationId xmlns:a16="http://schemas.microsoft.com/office/drawing/2014/main" id="{90162AE8-C1B0-5C56-8313-DEE494F38273}"/>
+                <a16:creationId xmlns:a16="http://schemas.microsoft.com/office/drawing/2014/main" xmlns="" id="{90162AE8-C1B0-5C56-8313-DEE494F38273}"/>
               </a:ext>
             </a:extLst>
           </p:cNvPr>
@@ -7976,7 +10550,7 @@
           <p:cNvPr id="5" name="Image 4" descr="Une image contenant texte&#10;&#10;Description générée automatiquement">
             <a:extLst>
               <a:ext uri="{FF2B5EF4-FFF2-40B4-BE49-F238E27FC236}">
-                <a16:creationId xmlns:a16="http://schemas.microsoft.com/office/drawing/2014/main" id="{204ADC40-1D61-539F-22ED-6B21D67FBDE6}"/>
+                <a16:creationId xmlns:a16="http://schemas.microsoft.com/office/drawing/2014/main" xmlns="" id="{204ADC40-1D61-539F-22ED-6B21D67FBDE6}"/>
               </a:ext>
             </a:extLst>
           </p:cNvPr>
@@ -7986,7 +10560,7 @@
           <p:nvPr/>
         </p:nvPicPr>
         <p:blipFill>
-          <a:blip r:embed="rId2">
+          <a:blip r:embed="rId2" cstate="print">
             <a:extLst>
               <a:ext uri="{28A0092B-C50C-407E-A947-70E740481C1C}">
                 <a14:useLocalDpi xmlns:a14="http://schemas.microsoft.com/office/drawing/2010/main" val="0"/>
@@ -8012,7 +10586,7 @@
           <p:cNvPr id="6" name="Organigramme : Document 5">
             <a:extLst>
               <a:ext uri="{FF2B5EF4-FFF2-40B4-BE49-F238E27FC236}">
-                <a16:creationId xmlns:a16="http://schemas.microsoft.com/office/drawing/2014/main" id="{8F026908-39A6-3866-FBED-562D4E2EB325}"/>
+                <a16:creationId xmlns:a16="http://schemas.microsoft.com/office/drawing/2014/main" xmlns="" id="{8F026908-39A6-3866-FBED-562D4E2EB325}"/>
               </a:ext>
             </a:extLst>
           </p:cNvPr>
@@ -8098,7 +10672,7 @@
           <p:cNvPr id="65" name="Connecteur : en angle 64">
             <a:extLst>
               <a:ext uri="{FF2B5EF4-FFF2-40B4-BE49-F238E27FC236}">
-                <a16:creationId xmlns:a16="http://schemas.microsoft.com/office/drawing/2014/main" id="{F4875C97-EAB6-0241-077C-C02F4408C237}"/>
+                <a16:creationId xmlns:a16="http://schemas.microsoft.com/office/drawing/2014/main" xmlns="" id="{F4875C97-EAB6-0241-077C-C02F4408C237}"/>
               </a:ext>
             </a:extLst>
           </p:cNvPr>
@@ -8145,7 +10719,7 @@
           <p:cNvPr id="2" name="Titre 1">
             <a:extLst>
               <a:ext uri="{FF2B5EF4-FFF2-40B4-BE49-F238E27FC236}">
-                <a16:creationId xmlns:a16="http://schemas.microsoft.com/office/drawing/2014/main" id="{90162AE8-C1B0-5C56-8313-DEE494F38273}"/>
+                <a16:creationId xmlns:a16="http://schemas.microsoft.com/office/drawing/2014/main" xmlns="" id="{90162AE8-C1B0-5C56-8313-DEE494F38273}"/>
               </a:ext>
             </a:extLst>
           </p:cNvPr>
@@ -8173,7 +10747,7 @@
           <p:cNvPr id="5" name="Image 4" descr="Une image contenant texte&#10;&#10;Description générée automatiquement">
             <a:extLst>
               <a:ext uri="{FF2B5EF4-FFF2-40B4-BE49-F238E27FC236}">
-                <a16:creationId xmlns:a16="http://schemas.microsoft.com/office/drawing/2014/main" id="{204ADC40-1D61-539F-22ED-6B21D67FBDE6}"/>
+                <a16:creationId xmlns:a16="http://schemas.microsoft.com/office/drawing/2014/main" xmlns="" id="{204ADC40-1D61-539F-22ED-6B21D67FBDE6}"/>
               </a:ext>
             </a:extLst>
           </p:cNvPr>
@@ -8183,7 +10757,7 @@
           <p:nvPr/>
         </p:nvPicPr>
         <p:blipFill>
-          <a:blip r:embed="rId2">
+          <a:blip r:embed="rId2" cstate="print">
             <a:extLst>
               <a:ext uri="{28A0092B-C50C-407E-A947-70E740481C1C}">
                 <a14:useLocalDpi xmlns:a14="http://schemas.microsoft.com/office/drawing/2010/main" val="0"/>
@@ -8209,7 +10783,7 @@
           <p:cNvPr id="6" name="Organigramme : Document 5">
             <a:extLst>
               <a:ext uri="{FF2B5EF4-FFF2-40B4-BE49-F238E27FC236}">
-                <a16:creationId xmlns:a16="http://schemas.microsoft.com/office/drawing/2014/main" id="{8F026908-39A6-3866-FBED-562D4E2EB325}"/>
+                <a16:creationId xmlns:a16="http://schemas.microsoft.com/office/drawing/2014/main" xmlns="" id="{8F026908-39A6-3866-FBED-562D4E2EB325}"/>
               </a:ext>
             </a:extLst>
           </p:cNvPr>
@@ -8265,7 +10839,7 @@
           <p:cNvPr id="8" name="Organigramme : Document 7">
             <a:extLst>
               <a:ext uri="{FF2B5EF4-FFF2-40B4-BE49-F238E27FC236}">
-                <a16:creationId xmlns:a16="http://schemas.microsoft.com/office/drawing/2014/main" id="{6F7AFBE7-D89F-D9CB-8A84-D493FF5ACF51}"/>
+                <a16:creationId xmlns:a16="http://schemas.microsoft.com/office/drawing/2014/main" xmlns="" id="{6F7AFBE7-D89F-D9CB-8A84-D493FF5ACF51}"/>
               </a:ext>
             </a:extLst>
           </p:cNvPr>
@@ -8324,7 +10898,7 @@
           <p:cNvPr id="10" name="Connecteur droit avec flèche 9">
             <a:extLst>
               <a:ext uri="{FF2B5EF4-FFF2-40B4-BE49-F238E27FC236}">
-                <a16:creationId xmlns:a16="http://schemas.microsoft.com/office/drawing/2014/main" id="{54D34BF9-8D24-017A-317A-6048E3CD4558}"/>
+                <a16:creationId xmlns:a16="http://schemas.microsoft.com/office/drawing/2014/main" xmlns="" id="{54D34BF9-8D24-017A-317A-6048E3CD4558}"/>
               </a:ext>
             </a:extLst>
           </p:cNvPr>
@@ -8369,7 +10943,7 @@
           <p:cNvPr id="12" name="ZoneTexte 11">
             <a:extLst>
               <a:ext uri="{FF2B5EF4-FFF2-40B4-BE49-F238E27FC236}">
-                <a16:creationId xmlns:a16="http://schemas.microsoft.com/office/drawing/2014/main" id="{C6F0AF21-34D8-55B1-83AE-4D73F3F4E2D8}"/>
+                <a16:creationId xmlns:a16="http://schemas.microsoft.com/office/drawing/2014/main" xmlns="" id="{C6F0AF21-34D8-55B1-83AE-4D73F3F4E2D8}"/>
               </a:ext>
             </a:extLst>
           </p:cNvPr>
@@ -8404,7 +10978,7 @@
           <p:cNvPr id="13" name="Connecteur droit avec flèche 12">
             <a:extLst>
               <a:ext uri="{FF2B5EF4-FFF2-40B4-BE49-F238E27FC236}">
-                <a16:creationId xmlns:a16="http://schemas.microsoft.com/office/drawing/2014/main" id="{425E542E-83AA-38CF-4B99-DF1F252729AA}"/>
+                <a16:creationId xmlns:a16="http://schemas.microsoft.com/office/drawing/2014/main" xmlns="" id="{425E542E-83AA-38CF-4B99-DF1F252729AA}"/>
               </a:ext>
             </a:extLst>
           </p:cNvPr>
@@ -8450,7 +11024,7 @@
           <p:cNvPr id="16" name="Cadre 15">
             <a:extLst>
               <a:ext uri="{FF2B5EF4-FFF2-40B4-BE49-F238E27FC236}">
-                <a16:creationId xmlns:a16="http://schemas.microsoft.com/office/drawing/2014/main" id="{7C651624-7052-4B20-CFA4-78A3D294252E}"/>
+                <a16:creationId xmlns:a16="http://schemas.microsoft.com/office/drawing/2014/main" xmlns="" id="{7C651624-7052-4B20-CFA4-78A3D294252E}"/>
               </a:ext>
             </a:extLst>
           </p:cNvPr>
@@ -8506,7 +11080,7 @@
           <p:cNvPr id="20" name="ZoneTexte 19">
             <a:extLst>
               <a:ext uri="{FF2B5EF4-FFF2-40B4-BE49-F238E27FC236}">
-                <a16:creationId xmlns:a16="http://schemas.microsoft.com/office/drawing/2014/main" id="{A9548BC3-3954-8D9D-280A-6ECBED1115F0}"/>
+                <a16:creationId xmlns:a16="http://schemas.microsoft.com/office/drawing/2014/main" xmlns="" id="{A9548BC3-3954-8D9D-280A-6ECBED1115F0}"/>
               </a:ext>
             </a:extLst>
           </p:cNvPr>
@@ -8541,7 +11115,7 @@
           <p:cNvPr id="21" name="Cadre 20">
             <a:extLst>
               <a:ext uri="{FF2B5EF4-FFF2-40B4-BE49-F238E27FC236}">
-                <a16:creationId xmlns:a16="http://schemas.microsoft.com/office/drawing/2014/main" id="{0D969456-9D55-B1A4-0D13-483E30CF1961}"/>
+                <a16:creationId xmlns:a16="http://schemas.microsoft.com/office/drawing/2014/main" xmlns="" id="{0D969456-9D55-B1A4-0D13-483E30CF1961}"/>
               </a:ext>
             </a:extLst>
           </p:cNvPr>
@@ -8597,7 +11171,7 @@
           <p:cNvPr id="22" name="Flèche : pentagone 21">
             <a:extLst>
               <a:ext uri="{FF2B5EF4-FFF2-40B4-BE49-F238E27FC236}">
-                <a16:creationId xmlns:a16="http://schemas.microsoft.com/office/drawing/2014/main" id="{66FD52B4-BAA3-5572-D88F-70B0CF354B7A}"/>
+                <a16:creationId xmlns:a16="http://schemas.microsoft.com/office/drawing/2014/main" xmlns="" id="{66FD52B4-BAA3-5572-D88F-70B0CF354B7A}"/>
               </a:ext>
             </a:extLst>
           </p:cNvPr>
@@ -8649,7 +11223,7 @@
           <p:cNvPr id="23" name="Connecteur droit avec flèche 22">
             <a:extLst>
               <a:ext uri="{FF2B5EF4-FFF2-40B4-BE49-F238E27FC236}">
-                <a16:creationId xmlns:a16="http://schemas.microsoft.com/office/drawing/2014/main" id="{37E4C651-0EB9-D770-E365-94910465FED6}"/>
+                <a16:creationId xmlns:a16="http://schemas.microsoft.com/office/drawing/2014/main" xmlns="" id="{37E4C651-0EB9-D770-E365-94910465FED6}"/>
               </a:ext>
             </a:extLst>
           </p:cNvPr>
@@ -8695,7 +11269,7 @@
           <p:cNvPr id="27" name="Connecteur droit avec flèche 26">
             <a:extLst>
               <a:ext uri="{FF2B5EF4-FFF2-40B4-BE49-F238E27FC236}">
-                <a16:creationId xmlns:a16="http://schemas.microsoft.com/office/drawing/2014/main" id="{A9B0ED8E-3D53-A766-89F3-968B58FA8179}"/>
+                <a16:creationId xmlns:a16="http://schemas.microsoft.com/office/drawing/2014/main" xmlns="" id="{A9B0ED8E-3D53-A766-89F3-968B58FA8179}"/>
               </a:ext>
             </a:extLst>
           </p:cNvPr>
@@ -8740,7 +11314,7 @@
           <p:cNvPr id="30" name="Connecteur droit avec flèche 29">
             <a:extLst>
               <a:ext uri="{FF2B5EF4-FFF2-40B4-BE49-F238E27FC236}">
-                <a16:creationId xmlns:a16="http://schemas.microsoft.com/office/drawing/2014/main" id="{ED7520D8-0D8D-1979-B800-38B220A6F1B3}"/>
+                <a16:creationId xmlns:a16="http://schemas.microsoft.com/office/drawing/2014/main" xmlns="" id="{ED7520D8-0D8D-1979-B800-38B220A6F1B3}"/>
               </a:ext>
             </a:extLst>
           </p:cNvPr>
@@ -8785,7 +11359,7 @@
           <p:cNvPr id="34" name="ZoneTexte 33">
             <a:extLst>
               <a:ext uri="{FF2B5EF4-FFF2-40B4-BE49-F238E27FC236}">
-                <a16:creationId xmlns:a16="http://schemas.microsoft.com/office/drawing/2014/main" id="{59D9FFD0-CB96-4A9B-0F5C-9D2A9E0C088B}"/>
+                <a16:creationId xmlns:a16="http://schemas.microsoft.com/office/drawing/2014/main" xmlns="" id="{59D9FFD0-CB96-4A9B-0F5C-9D2A9E0C088B}"/>
               </a:ext>
             </a:extLst>
           </p:cNvPr>
@@ -8820,7 +11394,7 @@
           <p:cNvPr id="35" name="Flèche : pentagone 34">
             <a:extLst>
               <a:ext uri="{FF2B5EF4-FFF2-40B4-BE49-F238E27FC236}">
-                <a16:creationId xmlns:a16="http://schemas.microsoft.com/office/drawing/2014/main" id="{E3C117F7-6E9C-8FC9-A1D3-B231EB40CCDE}"/>
+                <a16:creationId xmlns:a16="http://schemas.microsoft.com/office/drawing/2014/main" xmlns="" id="{E3C117F7-6E9C-8FC9-A1D3-B231EB40CCDE}"/>
               </a:ext>
             </a:extLst>
           </p:cNvPr>
@@ -8872,7 +11446,7 @@
           <p:cNvPr id="36" name="Connecteur droit avec flèche 35">
             <a:extLst>
               <a:ext uri="{FF2B5EF4-FFF2-40B4-BE49-F238E27FC236}">
-                <a16:creationId xmlns:a16="http://schemas.microsoft.com/office/drawing/2014/main" id="{7A6ED4DC-FFDF-949B-9CF7-DF653E87B7A6}"/>
+                <a16:creationId xmlns:a16="http://schemas.microsoft.com/office/drawing/2014/main" xmlns="" id="{7A6ED4DC-FFDF-949B-9CF7-DF653E87B7A6}"/>
               </a:ext>
             </a:extLst>
           </p:cNvPr>
@@ -8917,7 +11491,7 @@
           <p:cNvPr id="37" name="ZoneTexte 36">
             <a:extLst>
               <a:ext uri="{FF2B5EF4-FFF2-40B4-BE49-F238E27FC236}">
-                <a16:creationId xmlns:a16="http://schemas.microsoft.com/office/drawing/2014/main" id="{3013DB62-C06F-23EE-2233-7B7FBD989EFF}"/>
+                <a16:creationId xmlns:a16="http://schemas.microsoft.com/office/drawing/2014/main" xmlns="" id="{3013DB62-C06F-23EE-2233-7B7FBD989EFF}"/>
               </a:ext>
             </a:extLst>
           </p:cNvPr>
@@ -8952,7 +11526,7 @@
           <p:cNvPr id="38" name="Connecteur droit avec flèche 37">
             <a:extLst>
               <a:ext uri="{FF2B5EF4-FFF2-40B4-BE49-F238E27FC236}">
-                <a16:creationId xmlns:a16="http://schemas.microsoft.com/office/drawing/2014/main" id="{E81A72B4-B502-7443-9918-6C0713B302D4}"/>
+                <a16:creationId xmlns:a16="http://schemas.microsoft.com/office/drawing/2014/main" xmlns="" id="{E81A72B4-B502-7443-9918-6C0713B302D4}"/>
               </a:ext>
             </a:extLst>
           </p:cNvPr>
@@ -8997,7 +11571,7 @@
           <p:cNvPr id="39" name="Organigramme : Document 38">
             <a:extLst>
               <a:ext uri="{FF2B5EF4-FFF2-40B4-BE49-F238E27FC236}">
-                <a16:creationId xmlns:a16="http://schemas.microsoft.com/office/drawing/2014/main" id="{5A4A1EDA-5AFD-48EA-75C8-7A9963831305}"/>
+                <a16:creationId xmlns:a16="http://schemas.microsoft.com/office/drawing/2014/main" xmlns="" id="{5A4A1EDA-5AFD-48EA-75C8-7A9963831305}"/>
               </a:ext>
             </a:extLst>
           </p:cNvPr>
@@ -9053,7 +11627,7 @@
           <p:cNvPr id="40" name="Cadre 39">
             <a:extLst>
               <a:ext uri="{FF2B5EF4-FFF2-40B4-BE49-F238E27FC236}">
-                <a16:creationId xmlns:a16="http://schemas.microsoft.com/office/drawing/2014/main" id="{206148B6-ADB6-00C7-8011-285975261F58}"/>
+                <a16:creationId xmlns:a16="http://schemas.microsoft.com/office/drawing/2014/main" xmlns="" id="{206148B6-ADB6-00C7-8011-285975261F58}"/>
               </a:ext>
             </a:extLst>
           </p:cNvPr>
@@ -9109,7 +11683,7 @@
           <p:cNvPr id="46" name="Organigramme : Document 45">
             <a:extLst>
               <a:ext uri="{FF2B5EF4-FFF2-40B4-BE49-F238E27FC236}">
-                <a16:creationId xmlns:a16="http://schemas.microsoft.com/office/drawing/2014/main" id="{B52545CA-F38A-B2F9-4FFA-D70838EBC489}"/>
+                <a16:creationId xmlns:a16="http://schemas.microsoft.com/office/drawing/2014/main" xmlns="" id="{B52545CA-F38A-B2F9-4FFA-D70838EBC489}"/>
               </a:ext>
             </a:extLst>
           </p:cNvPr>
@@ -9168,7 +11742,7 @@
           <p:cNvPr id="52" name="Connecteur droit avec flèche 51">
             <a:extLst>
               <a:ext uri="{FF2B5EF4-FFF2-40B4-BE49-F238E27FC236}">
-                <a16:creationId xmlns:a16="http://schemas.microsoft.com/office/drawing/2014/main" id="{8943895B-B2A7-B9A0-E4AE-FB9BDCE9B87E}"/>
+                <a16:creationId xmlns:a16="http://schemas.microsoft.com/office/drawing/2014/main" xmlns="" id="{8943895B-B2A7-B9A0-E4AE-FB9BDCE9B87E}"/>
               </a:ext>
             </a:extLst>
           </p:cNvPr>
@@ -9214,7 +11788,7 @@
           <p:cNvPr id="57" name="Connecteur droit avec flèche 56">
             <a:extLst>
               <a:ext uri="{FF2B5EF4-FFF2-40B4-BE49-F238E27FC236}">
-                <a16:creationId xmlns:a16="http://schemas.microsoft.com/office/drawing/2014/main" id="{2EB27CA6-0DD4-BE06-A69C-B62F7FF293A6}"/>
+                <a16:creationId xmlns:a16="http://schemas.microsoft.com/office/drawing/2014/main" xmlns="" id="{2EB27CA6-0DD4-BE06-A69C-B62F7FF293A6}"/>
               </a:ext>
             </a:extLst>
           </p:cNvPr>
@@ -9260,7 +11834,7 @@
           <p:cNvPr id="58" name="Organigramme : Document 57">
             <a:extLst>
               <a:ext uri="{FF2B5EF4-FFF2-40B4-BE49-F238E27FC236}">
-                <a16:creationId xmlns:a16="http://schemas.microsoft.com/office/drawing/2014/main" id="{250D2139-92A6-4954-1A24-50A4301A2AFC}"/>
+                <a16:creationId xmlns:a16="http://schemas.microsoft.com/office/drawing/2014/main" xmlns="" id="{250D2139-92A6-4954-1A24-50A4301A2AFC}"/>
               </a:ext>
             </a:extLst>
           </p:cNvPr>
@@ -9319,7 +11893,7 @@
           <p:cNvPr id="59" name="Connecteur droit avec flèche 58">
             <a:extLst>
               <a:ext uri="{FF2B5EF4-FFF2-40B4-BE49-F238E27FC236}">
-                <a16:creationId xmlns:a16="http://schemas.microsoft.com/office/drawing/2014/main" id="{17D6D604-A82D-2D36-332E-B182EB331B47}"/>
+                <a16:creationId xmlns:a16="http://schemas.microsoft.com/office/drawing/2014/main" xmlns="" id="{17D6D604-A82D-2D36-332E-B182EB331B47}"/>
               </a:ext>
             </a:extLst>
           </p:cNvPr>
@@ -9365,7 +11939,7 @@
           <p:cNvPr id="72" name="Connecteur droit avec flèche 71">
             <a:extLst>
               <a:ext uri="{FF2B5EF4-FFF2-40B4-BE49-F238E27FC236}">
-                <a16:creationId xmlns:a16="http://schemas.microsoft.com/office/drawing/2014/main" id="{EB3E3197-6785-408E-7A2F-3888F0625C6C}"/>
+                <a16:creationId xmlns:a16="http://schemas.microsoft.com/office/drawing/2014/main" xmlns="" id="{EB3E3197-6785-408E-7A2F-3888F0625C6C}"/>
               </a:ext>
             </a:extLst>
           </p:cNvPr>
@@ -9410,7 +11984,7 @@
           <p:cNvPr id="73" name="Connecteur droit avec flèche 72">
             <a:extLst>
               <a:ext uri="{FF2B5EF4-FFF2-40B4-BE49-F238E27FC236}">
-                <a16:creationId xmlns:a16="http://schemas.microsoft.com/office/drawing/2014/main" id="{000541C6-A061-07FF-D4CC-0DFB4B405F5B}"/>
+                <a16:creationId xmlns:a16="http://schemas.microsoft.com/office/drawing/2014/main" xmlns="" id="{000541C6-A061-07FF-D4CC-0DFB4B405F5B}"/>
               </a:ext>
             </a:extLst>
           </p:cNvPr>
@@ -9455,7 +12029,7 @@
           <p:cNvPr id="78" name="ZoneTexte 77">
             <a:extLst>
               <a:ext uri="{FF2B5EF4-FFF2-40B4-BE49-F238E27FC236}">
-                <a16:creationId xmlns:a16="http://schemas.microsoft.com/office/drawing/2014/main" id="{A13E9A33-D392-67E3-5EE7-DE4FC74A4572}"/>
+                <a16:creationId xmlns:a16="http://schemas.microsoft.com/office/drawing/2014/main" xmlns="" id="{A13E9A33-D392-67E3-5EE7-DE4FC74A4572}"/>
               </a:ext>
             </a:extLst>
           </p:cNvPr>
@@ -9520,7 +12094,7 @@
           <p:cNvPr id="65" name="Connecteur : en angle 64">
             <a:extLst>
               <a:ext uri="{FF2B5EF4-FFF2-40B4-BE49-F238E27FC236}">
-                <a16:creationId xmlns:a16="http://schemas.microsoft.com/office/drawing/2014/main" id="{F4875C97-EAB6-0241-077C-C02F4408C237}"/>
+                <a16:creationId xmlns:a16="http://schemas.microsoft.com/office/drawing/2014/main" xmlns="" id="{F4875C97-EAB6-0241-077C-C02F4408C237}"/>
               </a:ext>
             </a:extLst>
           </p:cNvPr>
@@ -9567,7 +12141,7 @@
           <p:cNvPr id="2" name="Titre 1">
             <a:extLst>
               <a:ext uri="{FF2B5EF4-FFF2-40B4-BE49-F238E27FC236}">
-                <a16:creationId xmlns:a16="http://schemas.microsoft.com/office/drawing/2014/main" id="{90162AE8-C1B0-5C56-8313-DEE494F38273}"/>
+                <a16:creationId xmlns:a16="http://schemas.microsoft.com/office/drawing/2014/main" xmlns="" id="{90162AE8-C1B0-5C56-8313-DEE494F38273}"/>
               </a:ext>
             </a:extLst>
           </p:cNvPr>
@@ -9595,7 +12169,7 @@
           <p:cNvPr id="5" name="Image 4" descr="Une image contenant texte&#10;&#10;Description générée automatiquement">
             <a:extLst>
               <a:ext uri="{FF2B5EF4-FFF2-40B4-BE49-F238E27FC236}">
-                <a16:creationId xmlns:a16="http://schemas.microsoft.com/office/drawing/2014/main" id="{204ADC40-1D61-539F-22ED-6B21D67FBDE6}"/>
+                <a16:creationId xmlns:a16="http://schemas.microsoft.com/office/drawing/2014/main" xmlns="" id="{204ADC40-1D61-539F-22ED-6B21D67FBDE6}"/>
               </a:ext>
             </a:extLst>
           </p:cNvPr>
@@ -9605,7 +12179,7 @@
           <p:nvPr/>
         </p:nvPicPr>
         <p:blipFill>
-          <a:blip r:embed="rId2">
+          <a:blip r:embed="rId2" cstate="print">
             <a:extLst>
               <a:ext uri="{28A0092B-C50C-407E-A947-70E740481C1C}">
                 <a14:useLocalDpi xmlns:a14="http://schemas.microsoft.com/office/drawing/2010/main" val="0"/>
@@ -9631,7 +12205,7 @@
           <p:cNvPr id="6" name="Organigramme : Document 5">
             <a:extLst>
               <a:ext uri="{FF2B5EF4-FFF2-40B4-BE49-F238E27FC236}">
-                <a16:creationId xmlns:a16="http://schemas.microsoft.com/office/drawing/2014/main" id="{8F026908-39A6-3866-FBED-562D4E2EB325}"/>
+                <a16:creationId xmlns:a16="http://schemas.microsoft.com/office/drawing/2014/main" xmlns="" id="{8F026908-39A6-3866-FBED-562D4E2EB325}"/>
               </a:ext>
             </a:extLst>
           </p:cNvPr>
@@ -9687,7 +12261,7 @@
           <p:cNvPr id="8" name="Organigramme : Document 7">
             <a:extLst>
               <a:ext uri="{FF2B5EF4-FFF2-40B4-BE49-F238E27FC236}">
-                <a16:creationId xmlns:a16="http://schemas.microsoft.com/office/drawing/2014/main" id="{6F7AFBE7-D89F-D9CB-8A84-D493FF5ACF51}"/>
+                <a16:creationId xmlns:a16="http://schemas.microsoft.com/office/drawing/2014/main" xmlns="" id="{6F7AFBE7-D89F-D9CB-8A84-D493FF5ACF51}"/>
               </a:ext>
             </a:extLst>
           </p:cNvPr>
@@ -9746,7 +12320,7 @@
           <p:cNvPr id="10" name="Connecteur droit avec flèche 9">
             <a:extLst>
               <a:ext uri="{FF2B5EF4-FFF2-40B4-BE49-F238E27FC236}">
-                <a16:creationId xmlns:a16="http://schemas.microsoft.com/office/drawing/2014/main" id="{54D34BF9-8D24-017A-317A-6048E3CD4558}"/>
+                <a16:creationId xmlns:a16="http://schemas.microsoft.com/office/drawing/2014/main" xmlns="" id="{54D34BF9-8D24-017A-317A-6048E3CD4558}"/>
               </a:ext>
             </a:extLst>
           </p:cNvPr>
@@ -9791,7 +12365,7 @@
           <p:cNvPr id="12" name="ZoneTexte 11">
             <a:extLst>
               <a:ext uri="{FF2B5EF4-FFF2-40B4-BE49-F238E27FC236}">
-                <a16:creationId xmlns:a16="http://schemas.microsoft.com/office/drawing/2014/main" id="{C6F0AF21-34D8-55B1-83AE-4D73F3F4E2D8}"/>
+                <a16:creationId xmlns:a16="http://schemas.microsoft.com/office/drawing/2014/main" xmlns="" id="{C6F0AF21-34D8-55B1-83AE-4D73F3F4E2D8}"/>
               </a:ext>
             </a:extLst>
           </p:cNvPr>
@@ -9826,7 +12400,7 @@
           <p:cNvPr id="13" name="Connecteur droit avec flèche 12">
             <a:extLst>
               <a:ext uri="{FF2B5EF4-FFF2-40B4-BE49-F238E27FC236}">
-                <a16:creationId xmlns:a16="http://schemas.microsoft.com/office/drawing/2014/main" id="{425E542E-83AA-38CF-4B99-DF1F252729AA}"/>
+                <a16:creationId xmlns:a16="http://schemas.microsoft.com/office/drawing/2014/main" xmlns="" id="{425E542E-83AA-38CF-4B99-DF1F252729AA}"/>
               </a:ext>
             </a:extLst>
           </p:cNvPr>
@@ -9872,7 +12446,7 @@
           <p:cNvPr id="16" name="Cadre 15">
             <a:extLst>
               <a:ext uri="{FF2B5EF4-FFF2-40B4-BE49-F238E27FC236}">
-                <a16:creationId xmlns:a16="http://schemas.microsoft.com/office/drawing/2014/main" id="{7C651624-7052-4B20-CFA4-78A3D294252E}"/>
+                <a16:creationId xmlns:a16="http://schemas.microsoft.com/office/drawing/2014/main" xmlns="" id="{7C651624-7052-4B20-CFA4-78A3D294252E}"/>
               </a:ext>
             </a:extLst>
           </p:cNvPr>
@@ -9928,7 +12502,7 @@
           <p:cNvPr id="20" name="ZoneTexte 19">
             <a:extLst>
               <a:ext uri="{FF2B5EF4-FFF2-40B4-BE49-F238E27FC236}">
-                <a16:creationId xmlns:a16="http://schemas.microsoft.com/office/drawing/2014/main" id="{A9548BC3-3954-8D9D-280A-6ECBED1115F0}"/>
+                <a16:creationId xmlns:a16="http://schemas.microsoft.com/office/drawing/2014/main" xmlns="" id="{A9548BC3-3954-8D9D-280A-6ECBED1115F0}"/>
               </a:ext>
             </a:extLst>
           </p:cNvPr>
@@ -9963,7 +12537,7 @@
           <p:cNvPr id="21" name="Cadre 20">
             <a:extLst>
               <a:ext uri="{FF2B5EF4-FFF2-40B4-BE49-F238E27FC236}">
-                <a16:creationId xmlns:a16="http://schemas.microsoft.com/office/drawing/2014/main" id="{0D969456-9D55-B1A4-0D13-483E30CF1961}"/>
+                <a16:creationId xmlns:a16="http://schemas.microsoft.com/office/drawing/2014/main" xmlns="" id="{0D969456-9D55-B1A4-0D13-483E30CF1961}"/>
               </a:ext>
             </a:extLst>
           </p:cNvPr>
@@ -10019,7 +12593,7 @@
           <p:cNvPr id="22" name="Flèche : pentagone 21">
             <a:extLst>
               <a:ext uri="{FF2B5EF4-FFF2-40B4-BE49-F238E27FC236}">
-                <a16:creationId xmlns:a16="http://schemas.microsoft.com/office/drawing/2014/main" id="{66FD52B4-BAA3-5572-D88F-70B0CF354B7A}"/>
+                <a16:creationId xmlns:a16="http://schemas.microsoft.com/office/drawing/2014/main" xmlns="" id="{66FD52B4-BAA3-5572-D88F-70B0CF354B7A}"/>
               </a:ext>
             </a:extLst>
           </p:cNvPr>
@@ -10071,7 +12645,7 @@
           <p:cNvPr id="23" name="Connecteur droit avec flèche 22">
             <a:extLst>
               <a:ext uri="{FF2B5EF4-FFF2-40B4-BE49-F238E27FC236}">
-                <a16:creationId xmlns:a16="http://schemas.microsoft.com/office/drawing/2014/main" id="{37E4C651-0EB9-D770-E365-94910465FED6}"/>
+                <a16:creationId xmlns:a16="http://schemas.microsoft.com/office/drawing/2014/main" xmlns="" id="{37E4C651-0EB9-D770-E365-94910465FED6}"/>
               </a:ext>
             </a:extLst>
           </p:cNvPr>
@@ -10117,7 +12691,7 @@
           <p:cNvPr id="27" name="Connecteur droit avec flèche 26">
             <a:extLst>
               <a:ext uri="{FF2B5EF4-FFF2-40B4-BE49-F238E27FC236}">
-                <a16:creationId xmlns:a16="http://schemas.microsoft.com/office/drawing/2014/main" id="{A9B0ED8E-3D53-A766-89F3-968B58FA8179}"/>
+                <a16:creationId xmlns:a16="http://schemas.microsoft.com/office/drawing/2014/main" xmlns="" id="{A9B0ED8E-3D53-A766-89F3-968B58FA8179}"/>
               </a:ext>
             </a:extLst>
           </p:cNvPr>
@@ -10162,7 +12736,7 @@
           <p:cNvPr id="30" name="Connecteur droit avec flèche 29">
             <a:extLst>
               <a:ext uri="{FF2B5EF4-FFF2-40B4-BE49-F238E27FC236}">
-                <a16:creationId xmlns:a16="http://schemas.microsoft.com/office/drawing/2014/main" id="{ED7520D8-0D8D-1979-B800-38B220A6F1B3}"/>
+                <a16:creationId xmlns:a16="http://schemas.microsoft.com/office/drawing/2014/main" xmlns="" id="{ED7520D8-0D8D-1979-B800-38B220A6F1B3}"/>
               </a:ext>
             </a:extLst>
           </p:cNvPr>
@@ -10207,7 +12781,7 @@
           <p:cNvPr id="34" name="ZoneTexte 33">
             <a:extLst>
               <a:ext uri="{FF2B5EF4-FFF2-40B4-BE49-F238E27FC236}">
-                <a16:creationId xmlns:a16="http://schemas.microsoft.com/office/drawing/2014/main" id="{59D9FFD0-CB96-4A9B-0F5C-9D2A9E0C088B}"/>
+                <a16:creationId xmlns:a16="http://schemas.microsoft.com/office/drawing/2014/main" xmlns="" id="{59D9FFD0-CB96-4A9B-0F5C-9D2A9E0C088B}"/>
               </a:ext>
             </a:extLst>
           </p:cNvPr>
@@ -10242,7 +12816,7 @@
           <p:cNvPr id="35" name="Flèche : pentagone 34">
             <a:extLst>
               <a:ext uri="{FF2B5EF4-FFF2-40B4-BE49-F238E27FC236}">
-                <a16:creationId xmlns:a16="http://schemas.microsoft.com/office/drawing/2014/main" id="{E3C117F7-6E9C-8FC9-A1D3-B231EB40CCDE}"/>
+                <a16:creationId xmlns:a16="http://schemas.microsoft.com/office/drawing/2014/main" xmlns="" id="{E3C117F7-6E9C-8FC9-A1D3-B231EB40CCDE}"/>
               </a:ext>
             </a:extLst>
           </p:cNvPr>
@@ -10294,7 +12868,7 @@
           <p:cNvPr id="36" name="Connecteur droit avec flèche 35">
             <a:extLst>
               <a:ext uri="{FF2B5EF4-FFF2-40B4-BE49-F238E27FC236}">
-                <a16:creationId xmlns:a16="http://schemas.microsoft.com/office/drawing/2014/main" id="{7A6ED4DC-FFDF-949B-9CF7-DF653E87B7A6}"/>
+                <a16:creationId xmlns:a16="http://schemas.microsoft.com/office/drawing/2014/main" xmlns="" id="{7A6ED4DC-FFDF-949B-9CF7-DF653E87B7A6}"/>
               </a:ext>
             </a:extLst>
           </p:cNvPr>
@@ -10339,7 +12913,7 @@
           <p:cNvPr id="37" name="ZoneTexte 36">
             <a:extLst>
               <a:ext uri="{FF2B5EF4-FFF2-40B4-BE49-F238E27FC236}">
-                <a16:creationId xmlns:a16="http://schemas.microsoft.com/office/drawing/2014/main" id="{3013DB62-C06F-23EE-2233-7B7FBD989EFF}"/>
+                <a16:creationId xmlns:a16="http://schemas.microsoft.com/office/drawing/2014/main" xmlns="" id="{3013DB62-C06F-23EE-2233-7B7FBD989EFF}"/>
               </a:ext>
             </a:extLst>
           </p:cNvPr>
@@ -10374,7 +12948,7 @@
           <p:cNvPr id="38" name="Connecteur droit avec flèche 37">
             <a:extLst>
               <a:ext uri="{FF2B5EF4-FFF2-40B4-BE49-F238E27FC236}">
-                <a16:creationId xmlns:a16="http://schemas.microsoft.com/office/drawing/2014/main" id="{E81A72B4-B502-7443-9918-6C0713B302D4}"/>
+                <a16:creationId xmlns:a16="http://schemas.microsoft.com/office/drawing/2014/main" xmlns="" id="{E81A72B4-B502-7443-9918-6C0713B302D4}"/>
               </a:ext>
             </a:extLst>
           </p:cNvPr>
@@ -10419,7 +12993,7 @@
           <p:cNvPr id="39" name="Organigramme : Document 38">
             <a:extLst>
               <a:ext uri="{FF2B5EF4-FFF2-40B4-BE49-F238E27FC236}">
-                <a16:creationId xmlns:a16="http://schemas.microsoft.com/office/drawing/2014/main" id="{5A4A1EDA-5AFD-48EA-75C8-7A9963831305}"/>
+                <a16:creationId xmlns:a16="http://schemas.microsoft.com/office/drawing/2014/main" xmlns="" id="{5A4A1EDA-5AFD-48EA-75C8-7A9963831305}"/>
               </a:ext>
             </a:extLst>
           </p:cNvPr>
@@ -10475,7 +13049,7 @@
           <p:cNvPr id="40" name="Cadre 39">
             <a:extLst>
               <a:ext uri="{FF2B5EF4-FFF2-40B4-BE49-F238E27FC236}">
-                <a16:creationId xmlns:a16="http://schemas.microsoft.com/office/drawing/2014/main" id="{206148B6-ADB6-00C7-8011-285975261F58}"/>
+                <a16:creationId xmlns:a16="http://schemas.microsoft.com/office/drawing/2014/main" xmlns="" id="{206148B6-ADB6-00C7-8011-285975261F58}"/>
               </a:ext>
             </a:extLst>
           </p:cNvPr>
@@ -10531,7 +13105,7 @@
           <p:cNvPr id="46" name="Organigramme : Document 45">
             <a:extLst>
               <a:ext uri="{FF2B5EF4-FFF2-40B4-BE49-F238E27FC236}">
-                <a16:creationId xmlns:a16="http://schemas.microsoft.com/office/drawing/2014/main" id="{B52545CA-F38A-B2F9-4FFA-D70838EBC489}"/>
+                <a16:creationId xmlns:a16="http://schemas.microsoft.com/office/drawing/2014/main" xmlns="" id="{B52545CA-F38A-B2F9-4FFA-D70838EBC489}"/>
               </a:ext>
             </a:extLst>
           </p:cNvPr>
@@ -10590,7 +13164,7 @@
           <p:cNvPr id="52" name="Connecteur droit avec flèche 51">
             <a:extLst>
               <a:ext uri="{FF2B5EF4-FFF2-40B4-BE49-F238E27FC236}">
-                <a16:creationId xmlns:a16="http://schemas.microsoft.com/office/drawing/2014/main" id="{8943895B-B2A7-B9A0-E4AE-FB9BDCE9B87E}"/>
+                <a16:creationId xmlns:a16="http://schemas.microsoft.com/office/drawing/2014/main" xmlns="" id="{8943895B-B2A7-B9A0-E4AE-FB9BDCE9B87E}"/>
               </a:ext>
             </a:extLst>
           </p:cNvPr>
@@ -10636,7 +13210,7 @@
           <p:cNvPr id="57" name="Connecteur droit avec flèche 56">
             <a:extLst>
               <a:ext uri="{FF2B5EF4-FFF2-40B4-BE49-F238E27FC236}">
-                <a16:creationId xmlns:a16="http://schemas.microsoft.com/office/drawing/2014/main" id="{2EB27CA6-0DD4-BE06-A69C-B62F7FF293A6}"/>
+                <a16:creationId xmlns:a16="http://schemas.microsoft.com/office/drawing/2014/main" xmlns="" id="{2EB27CA6-0DD4-BE06-A69C-B62F7FF293A6}"/>
               </a:ext>
             </a:extLst>
           </p:cNvPr>
@@ -10682,7 +13256,7 @@
           <p:cNvPr id="58" name="Organigramme : Document 57">
             <a:extLst>
               <a:ext uri="{FF2B5EF4-FFF2-40B4-BE49-F238E27FC236}">
-                <a16:creationId xmlns:a16="http://schemas.microsoft.com/office/drawing/2014/main" id="{250D2139-92A6-4954-1A24-50A4301A2AFC}"/>
+                <a16:creationId xmlns:a16="http://schemas.microsoft.com/office/drawing/2014/main" xmlns="" id="{250D2139-92A6-4954-1A24-50A4301A2AFC}"/>
               </a:ext>
             </a:extLst>
           </p:cNvPr>
@@ -10741,7 +13315,7 @@
           <p:cNvPr id="59" name="Connecteur droit avec flèche 58">
             <a:extLst>
               <a:ext uri="{FF2B5EF4-FFF2-40B4-BE49-F238E27FC236}">
-                <a16:creationId xmlns:a16="http://schemas.microsoft.com/office/drawing/2014/main" id="{17D6D604-A82D-2D36-332E-B182EB331B47}"/>
+                <a16:creationId xmlns:a16="http://schemas.microsoft.com/office/drawing/2014/main" xmlns="" id="{17D6D604-A82D-2D36-332E-B182EB331B47}"/>
               </a:ext>
             </a:extLst>
           </p:cNvPr>
@@ -10787,7 +13361,7 @@
           <p:cNvPr id="72" name="Connecteur droit avec flèche 71">
             <a:extLst>
               <a:ext uri="{FF2B5EF4-FFF2-40B4-BE49-F238E27FC236}">
-                <a16:creationId xmlns:a16="http://schemas.microsoft.com/office/drawing/2014/main" id="{EB3E3197-6785-408E-7A2F-3888F0625C6C}"/>
+                <a16:creationId xmlns:a16="http://schemas.microsoft.com/office/drawing/2014/main" xmlns="" id="{EB3E3197-6785-408E-7A2F-3888F0625C6C}"/>
               </a:ext>
             </a:extLst>
           </p:cNvPr>
@@ -10832,7 +13406,7 @@
           <p:cNvPr id="73" name="Connecteur droit avec flèche 72">
             <a:extLst>
               <a:ext uri="{FF2B5EF4-FFF2-40B4-BE49-F238E27FC236}">
-                <a16:creationId xmlns:a16="http://schemas.microsoft.com/office/drawing/2014/main" id="{000541C6-A061-07FF-D4CC-0DFB4B405F5B}"/>
+                <a16:creationId xmlns:a16="http://schemas.microsoft.com/office/drawing/2014/main" xmlns="" id="{000541C6-A061-07FF-D4CC-0DFB4B405F5B}"/>
               </a:ext>
             </a:extLst>
           </p:cNvPr>
@@ -10877,7 +13451,7 @@
           <p:cNvPr id="78" name="ZoneTexte 77">
             <a:extLst>
               <a:ext uri="{FF2B5EF4-FFF2-40B4-BE49-F238E27FC236}">
-                <a16:creationId xmlns:a16="http://schemas.microsoft.com/office/drawing/2014/main" id="{A13E9A33-D392-67E3-5EE7-DE4FC74A4572}"/>
+                <a16:creationId xmlns:a16="http://schemas.microsoft.com/office/drawing/2014/main" xmlns="" id="{A13E9A33-D392-67E3-5EE7-DE4FC74A4572}"/>
               </a:ext>
             </a:extLst>
           </p:cNvPr>
@@ -10912,7 +13486,7 @@
           <p:cNvPr id="3" name="CustomShape 3">
             <a:extLst>
               <a:ext uri="{FF2B5EF4-FFF2-40B4-BE49-F238E27FC236}">
-                <a16:creationId xmlns:a16="http://schemas.microsoft.com/office/drawing/2014/main" id="{9A824087-261C-3CC4-6A43-48B79EE622EF}"/>
+                <a16:creationId xmlns:a16="http://schemas.microsoft.com/office/drawing/2014/main" xmlns="" id="{9A824087-261C-3CC4-6A43-48B79EE622EF}"/>
               </a:ext>
             </a:extLst>
           </p:cNvPr>
@@ -10980,7 +13554,7 @@
           <p:cNvPr id="4" name="CustomShape 3">
             <a:extLst>
               <a:ext uri="{FF2B5EF4-FFF2-40B4-BE49-F238E27FC236}">
-                <a16:creationId xmlns:a16="http://schemas.microsoft.com/office/drawing/2014/main" id="{47043317-3FE0-42AF-673E-5CC9A9933783}"/>
+                <a16:creationId xmlns:a16="http://schemas.microsoft.com/office/drawing/2014/main" xmlns="" id="{47043317-3FE0-42AF-673E-5CC9A9933783}"/>
               </a:ext>
             </a:extLst>
           </p:cNvPr>
@@ -11048,7 +13622,7 @@
           <p:cNvPr id="7" name="CustomShape 3">
             <a:extLst>
               <a:ext uri="{FF2B5EF4-FFF2-40B4-BE49-F238E27FC236}">
-                <a16:creationId xmlns:a16="http://schemas.microsoft.com/office/drawing/2014/main" id="{9E7F5ABE-9BFF-546C-290B-E6842DCE8C44}"/>
+                <a16:creationId xmlns:a16="http://schemas.microsoft.com/office/drawing/2014/main" xmlns="" id="{9E7F5ABE-9BFF-546C-290B-E6842DCE8C44}"/>
               </a:ext>
             </a:extLst>
           </p:cNvPr>
@@ -11146,7 +13720,7 @@
           <p:cNvPr id="2" name="Titre 1">
             <a:extLst>
               <a:ext uri="{FF2B5EF4-FFF2-40B4-BE49-F238E27FC236}">
-                <a16:creationId xmlns:a16="http://schemas.microsoft.com/office/drawing/2014/main" id="{90162AE8-C1B0-5C56-8313-DEE494F38273}"/>
+                <a16:creationId xmlns:a16="http://schemas.microsoft.com/office/drawing/2014/main" xmlns="" id="{90162AE8-C1B0-5C56-8313-DEE494F38273}"/>
               </a:ext>
             </a:extLst>
           </p:cNvPr>
@@ -11174,7 +13748,7 @@
           <p:cNvPr id="5" name="Image 4" descr="Une image contenant texte&#10;&#10;Description générée automatiquement">
             <a:extLst>
               <a:ext uri="{FF2B5EF4-FFF2-40B4-BE49-F238E27FC236}">
-                <a16:creationId xmlns:a16="http://schemas.microsoft.com/office/drawing/2014/main" id="{204ADC40-1D61-539F-22ED-6B21D67FBDE6}"/>
+                <a16:creationId xmlns:a16="http://schemas.microsoft.com/office/drawing/2014/main" xmlns="" id="{204ADC40-1D61-539F-22ED-6B21D67FBDE6}"/>
               </a:ext>
             </a:extLst>
           </p:cNvPr>
@@ -11184,7 +13758,7 @@
           <p:nvPr/>
         </p:nvPicPr>
         <p:blipFill>
-          <a:blip r:embed="rId2">
+          <a:blip r:embed="rId2" cstate="print">
             <a:extLst>
               <a:ext uri="{28A0092B-C50C-407E-A947-70E740481C1C}">
                 <a14:useLocalDpi xmlns:a14="http://schemas.microsoft.com/office/drawing/2010/main" val="0"/>
@@ -11210,7 +13784,7 @@
           <p:cNvPr id="7" name="Espace réservé du contenu 6">
             <a:extLst>
               <a:ext uri="{FF2B5EF4-FFF2-40B4-BE49-F238E27FC236}">
-                <a16:creationId xmlns:a16="http://schemas.microsoft.com/office/drawing/2014/main" id="{96119062-CBB4-87F4-D29F-DBE631A23655}"/>
+                <a16:creationId xmlns:a16="http://schemas.microsoft.com/office/drawing/2014/main" xmlns="" id="{96119062-CBB4-87F4-D29F-DBE631A23655}"/>
               </a:ext>
             </a:extLst>
           </p:cNvPr>
@@ -11330,7 +13904,7 @@
           <p:cNvPr id="4" name="ZoneTexte 3">
             <a:extLst>
               <a:ext uri="{FF2B5EF4-FFF2-40B4-BE49-F238E27FC236}">
-                <a16:creationId xmlns:a16="http://schemas.microsoft.com/office/drawing/2014/main" id="{C0FF2E72-A2DB-095F-FEEE-6BEF0C1B2E84}"/>
+                <a16:creationId xmlns:a16="http://schemas.microsoft.com/office/drawing/2014/main" xmlns="" id="{C0FF2E72-A2DB-095F-FEEE-6BEF0C1B2E84}"/>
               </a:ext>
             </a:extLst>
           </p:cNvPr>
@@ -11410,7 +13984,7 @@
           <p:cNvPr id="2" name="Titre 1">
             <a:extLst>
               <a:ext uri="{FF2B5EF4-FFF2-40B4-BE49-F238E27FC236}">
-                <a16:creationId xmlns:a16="http://schemas.microsoft.com/office/drawing/2014/main" id="{90162AE8-C1B0-5C56-8313-DEE494F38273}"/>
+                <a16:creationId xmlns:a16="http://schemas.microsoft.com/office/drawing/2014/main" xmlns="" id="{90162AE8-C1B0-5C56-8313-DEE494F38273}"/>
               </a:ext>
             </a:extLst>
           </p:cNvPr>
@@ -11438,7 +14012,7 @@
           <p:cNvPr id="5" name="Image 4" descr="Une image contenant texte&#10;&#10;Description générée automatiquement">
             <a:extLst>
               <a:ext uri="{FF2B5EF4-FFF2-40B4-BE49-F238E27FC236}">
-                <a16:creationId xmlns:a16="http://schemas.microsoft.com/office/drawing/2014/main" id="{204ADC40-1D61-539F-22ED-6B21D67FBDE6}"/>
+                <a16:creationId xmlns:a16="http://schemas.microsoft.com/office/drawing/2014/main" xmlns="" id="{204ADC40-1D61-539F-22ED-6B21D67FBDE6}"/>
               </a:ext>
             </a:extLst>
           </p:cNvPr>
@@ -11448,7 +14022,7 @@
           <p:nvPr/>
         </p:nvPicPr>
         <p:blipFill>
-          <a:blip r:embed="rId2">
+          <a:blip r:embed="rId2" cstate="print">
             <a:extLst>
               <a:ext uri="{28A0092B-C50C-407E-A947-70E740481C1C}">
                 <a14:useLocalDpi xmlns:a14="http://schemas.microsoft.com/office/drawing/2010/main" val="0"/>
@@ -11474,7 +14048,7 @@
           <p:cNvPr id="7" name="Espace réservé du contenu 6">
             <a:extLst>
               <a:ext uri="{FF2B5EF4-FFF2-40B4-BE49-F238E27FC236}">
-                <a16:creationId xmlns:a16="http://schemas.microsoft.com/office/drawing/2014/main" id="{96119062-CBB4-87F4-D29F-DBE631A23655}"/>
+                <a16:creationId xmlns:a16="http://schemas.microsoft.com/office/drawing/2014/main" xmlns="" id="{96119062-CBB4-87F4-D29F-DBE631A23655}"/>
               </a:ext>
             </a:extLst>
           </p:cNvPr>
@@ -11509,7 +14083,7 @@
           <p:cNvPr id="8" name="ZoneTexte 7">
             <a:extLst>
               <a:ext uri="{FF2B5EF4-FFF2-40B4-BE49-F238E27FC236}">
-                <a16:creationId xmlns:a16="http://schemas.microsoft.com/office/drawing/2014/main" id="{2F8DDC0A-7585-8CBE-9ED2-C787845E64C5}"/>
+                <a16:creationId xmlns:a16="http://schemas.microsoft.com/office/drawing/2014/main" xmlns="" id="{2F8DDC0A-7585-8CBE-9ED2-C787845E64C5}"/>
               </a:ext>
             </a:extLst>
           </p:cNvPr>
@@ -11567,7 +14141,7 @@
           <p:cNvPr id="3" name="Image 2">
             <a:extLst>
               <a:ext uri="{FF2B5EF4-FFF2-40B4-BE49-F238E27FC236}">
-                <a16:creationId xmlns:a16="http://schemas.microsoft.com/office/drawing/2014/main" id="{B0EAF67F-286B-BC70-EDEC-DAF1C91012C3}"/>
+                <a16:creationId xmlns:a16="http://schemas.microsoft.com/office/drawing/2014/main" xmlns="" id="{B0EAF67F-286B-BC70-EDEC-DAF1C91012C3}"/>
               </a:ext>
             </a:extLst>
           </p:cNvPr>
@@ -11627,7 +14201,7 @@
           <p:cNvPr id="2" name="Titre 1">
             <a:extLst>
               <a:ext uri="{FF2B5EF4-FFF2-40B4-BE49-F238E27FC236}">
-                <a16:creationId xmlns:a16="http://schemas.microsoft.com/office/drawing/2014/main" id="{90162AE8-C1B0-5C56-8313-DEE494F38273}"/>
+                <a16:creationId xmlns:a16="http://schemas.microsoft.com/office/drawing/2014/main" xmlns="" id="{90162AE8-C1B0-5C56-8313-DEE494F38273}"/>
               </a:ext>
             </a:extLst>
           </p:cNvPr>
@@ -11655,7 +14229,7 @@
           <p:cNvPr id="5" name="Image 4" descr="Une image contenant texte&#10;&#10;Description générée automatiquement">
             <a:extLst>
               <a:ext uri="{FF2B5EF4-FFF2-40B4-BE49-F238E27FC236}">
-                <a16:creationId xmlns:a16="http://schemas.microsoft.com/office/drawing/2014/main" id="{204ADC40-1D61-539F-22ED-6B21D67FBDE6}"/>
+                <a16:creationId xmlns:a16="http://schemas.microsoft.com/office/drawing/2014/main" xmlns="" id="{204ADC40-1D61-539F-22ED-6B21D67FBDE6}"/>
               </a:ext>
             </a:extLst>
           </p:cNvPr>
@@ -11665,7 +14239,7 @@
           <p:nvPr/>
         </p:nvPicPr>
         <p:blipFill>
-          <a:blip r:embed="rId2">
+          <a:blip r:embed="rId2" cstate="print">
             <a:extLst>
               <a:ext uri="{28A0092B-C50C-407E-A947-70E740481C1C}">
                 <a14:useLocalDpi xmlns:a14="http://schemas.microsoft.com/office/drawing/2010/main" val="0"/>
@@ -11691,7 +14265,7 @@
           <p:cNvPr id="7" name="Espace réservé du contenu 6">
             <a:extLst>
               <a:ext uri="{FF2B5EF4-FFF2-40B4-BE49-F238E27FC236}">
-                <a16:creationId xmlns:a16="http://schemas.microsoft.com/office/drawing/2014/main" id="{96119062-CBB4-87F4-D29F-DBE631A23655}"/>
+                <a16:creationId xmlns:a16="http://schemas.microsoft.com/office/drawing/2014/main" xmlns="" id="{96119062-CBB4-87F4-D29F-DBE631A23655}"/>
               </a:ext>
             </a:extLst>
           </p:cNvPr>
@@ -12258,7 +14832,7 @@
           <p:cNvPr id="3" name="Espace réservé du contenu 6">
             <a:extLst>
               <a:ext uri="{FF2B5EF4-FFF2-40B4-BE49-F238E27FC236}">
-                <a16:creationId xmlns:a16="http://schemas.microsoft.com/office/drawing/2014/main" id="{8C067A9A-5B9B-23F2-8492-34670908B5B5}"/>
+                <a16:creationId xmlns:a16="http://schemas.microsoft.com/office/drawing/2014/main" xmlns="" id="{8C067A9A-5B9B-23F2-8492-34670908B5B5}"/>
               </a:ext>
             </a:extLst>
           </p:cNvPr>
@@ -12915,7 +15489,7 @@
   <a:extraClrSchemeLst/>
   <a:extLst>
     <a:ext uri="{05A4C25C-085E-4340-85A3-A5531E510DB2}">
-      <thm15:themeFamily xmlns:thm15="http://schemas.microsoft.com/office/thememl/2012/main" name="AccentBoxVTI" id="{9F778A78-DC9A-453A-A82D-A75CAD503E15}" vid="{EA961113-7CC4-4569-8A6A-7BC2C1E2F401}"/>
+      <thm15:themeFamily xmlns:thm15="http://schemas.microsoft.com/office/thememl/2012/main" xmlns="" name="AccentBoxVTI" id="{9F778A78-DC9A-453A-A82D-A75CAD503E15}" vid="{EA961113-7CC4-4569-8A6A-7BC2C1E2F401}"/>
     </a:ext>
   </a:extLst>
 </a:theme>

--- a/ONIP/onip_b3_traitement_1D/B3_0_Deroulement.pptx
+++ b/ONIP/onip_b3_traitement_1D/B3_0_Deroulement.pptx
@@ -122,7 +122,18 @@
   </p:defaultTextStyle>
   <p:extLst>
     <p:ext uri="{EFAFB233-063F-42B5-8137-9DF3F51BA10A}">
-      <p15:sldGuideLst xmlns:p15="http://schemas.microsoft.com/office/powerpoint/2012/main" xmlns=""/>
+      <p15:sldGuideLst xmlns:p15="http://schemas.microsoft.com/office/powerpoint/2012/main">
+        <p15:guide id="1" orient="horz" pos="2160">
+          <p15:clr>
+            <a:srgbClr val="A4A3A4"/>
+          </p15:clr>
+        </p15:guide>
+        <p15:guide id="2" pos="3840">
+          <p15:clr>
+            <a:srgbClr val="A4A3A4"/>
+          </p15:clr>
+        </p15:guide>
+      </p15:sldGuideLst>
     </p:ext>
   </p:extLst>
 </p:presentation>
@@ -150,7 +161,7 @@
           <p:cNvPr id="2" name="Title 1">
             <a:extLst>
               <a:ext uri="{FF2B5EF4-FFF2-40B4-BE49-F238E27FC236}">
-                <a16:creationId xmlns:a16="http://schemas.microsoft.com/office/drawing/2014/main" xmlns="" id="{E0EB8136-4330-4480-80D9-0F6FD970617C}"/>
+                <a16:creationId xmlns:a16="http://schemas.microsoft.com/office/drawing/2014/main" id="{E0EB8136-4330-4480-80D9-0F6FD970617C}"/>
               </a:ext>
             </a:extLst>
           </p:cNvPr>
@@ -189,7 +200,7 @@
           <p:cNvPr id="3" name="Subtitle 2">
             <a:extLst>
               <a:ext uri="{FF2B5EF4-FFF2-40B4-BE49-F238E27FC236}">
-                <a16:creationId xmlns:a16="http://schemas.microsoft.com/office/drawing/2014/main" xmlns="" id="{566E5739-DD96-45FB-B609-3E3447A52FED}"/>
+                <a16:creationId xmlns:a16="http://schemas.microsoft.com/office/drawing/2014/main" id="{566E5739-DD96-45FB-B609-3E3447A52FED}"/>
               </a:ext>
             </a:extLst>
           </p:cNvPr>
@@ -261,7 +272,7 @@
           <p:cNvPr id="4" name="Date Placeholder 3">
             <a:extLst>
               <a:ext uri="{FF2B5EF4-FFF2-40B4-BE49-F238E27FC236}">
-                <a16:creationId xmlns:a16="http://schemas.microsoft.com/office/drawing/2014/main" xmlns="" id="{1B9FF558-51F9-42A2-9944-DBE23DA8B224}"/>
+                <a16:creationId xmlns:a16="http://schemas.microsoft.com/office/drawing/2014/main" id="{1B9FF558-51F9-42A2-9944-DBE23DA8B224}"/>
               </a:ext>
             </a:extLst>
           </p:cNvPr>
@@ -284,7 +295,7 @@
           <a:p>
             <a:fld id="{02AC24A9-CCB6-4F8D-B8DB-C2F3692CFA5A}" type="datetimeFigureOut">
               <a:rPr lang="en-US" smtClean="0"/>
-              <a:t>11/20/2023</a:t>
+              <a:t>12/12/2023</a:t>
             </a:fld>
             <a:endParaRPr lang="en-US" dirty="0"/>
           </a:p>
@@ -295,7 +306,7 @@
           <p:cNvPr id="5" name="Footer Placeholder 4">
             <a:extLst>
               <a:ext uri="{FF2B5EF4-FFF2-40B4-BE49-F238E27FC236}">
-                <a16:creationId xmlns:a16="http://schemas.microsoft.com/office/drawing/2014/main" xmlns="" id="{8B8C0E86-A7F7-4BDC-A637-254E5252DED5}"/>
+                <a16:creationId xmlns:a16="http://schemas.microsoft.com/office/drawing/2014/main" id="{8B8C0E86-A7F7-4BDC-A637-254E5252DED5}"/>
               </a:ext>
             </a:extLst>
           </p:cNvPr>
@@ -320,7 +331,7 @@
           <p:cNvPr id="6" name="Slide Number Placeholder 5">
             <a:extLst>
               <a:ext uri="{FF2B5EF4-FFF2-40B4-BE49-F238E27FC236}">
-                <a16:creationId xmlns:a16="http://schemas.microsoft.com/office/drawing/2014/main" xmlns="" id="{C3D10ADE-E9DA-4E57-BF57-1CCB65219839}"/>
+                <a16:creationId xmlns:a16="http://schemas.microsoft.com/office/drawing/2014/main" id="{C3D10ADE-E9DA-4E57-BF57-1CCB65219839}"/>
               </a:ext>
             </a:extLst>
           </p:cNvPr>
@@ -354,7 +365,7 @@
           <p:cNvPr id="8" name="Rectangle 7">
             <a:extLst>
               <a:ext uri="{FF2B5EF4-FFF2-40B4-BE49-F238E27FC236}">
-                <a16:creationId xmlns:a16="http://schemas.microsoft.com/office/drawing/2014/main" xmlns="" id="{8D06CE56-3881-4ADA-8CEF-D18B02C242A3}"/>
+                <a16:creationId xmlns:a16="http://schemas.microsoft.com/office/drawing/2014/main" id="{8D06CE56-3881-4ADA-8CEF-D18B02C242A3}"/>
               </a:ext>
             </a:extLst>
           </p:cNvPr>
@@ -435,7 +446,7 @@
           <p:cNvPr id="10" name="Rectangle 9">
             <a:extLst>
               <a:ext uri="{FF2B5EF4-FFF2-40B4-BE49-F238E27FC236}">
-                <a16:creationId xmlns:a16="http://schemas.microsoft.com/office/drawing/2014/main" xmlns="" id="{79F3C543-62EC-4433-9C93-A2CD8764E9B4}"/>
+                <a16:creationId xmlns:a16="http://schemas.microsoft.com/office/drawing/2014/main" id="{79F3C543-62EC-4433-9C93-A2CD8764E9B4}"/>
               </a:ext>
             </a:extLst>
           </p:cNvPr>
@@ -550,7 +561,7 @@
           <p:cNvPr id="2" name="Title 1">
             <a:extLst>
               <a:ext uri="{FF2B5EF4-FFF2-40B4-BE49-F238E27FC236}">
-                <a16:creationId xmlns:a16="http://schemas.microsoft.com/office/drawing/2014/main" xmlns="" id="{90B32C18-E430-4EC7-BD7C-99D86D012231}"/>
+                <a16:creationId xmlns:a16="http://schemas.microsoft.com/office/drawing/2014/main" id="{90B32C18-E430-4EC7-BD7C-99D86D012231}"/>
               </a:ext>
             </a:extLst>
           </p:cNvPr>
@@ -579,7 +590,7 @@
           <p:cNvPr id="3" name="Vertical Text Placeholder 2">
             <a:extLst>
               <a:ext uri="{FF2B5EF4-FFF2-40B4-BE49-F238E27FC236}">
-                <a16:creationId xmlns:a16="http://schemas.microsoft.com/office/drawing/2014/main" xmlns="" id="{8FC5012F-7119-4D94-9717-3862E1C9384E}"/>
+                <a16:creationId xmlns:a16="http://schemas.microsoft.com/office/drawing/2014/main" id="{8FC5012F-7119-4D94-9717-3862E1C9384E}"/>
               </a:ext>
             </a:extLst>
           </p:cNvPr>
@@ -636,7 +647,7 @@
           <p:cNvPr id="4" name="Date Placeholder 3">
             <a:extLst>
               <a:ext uri="{FF2B5EF4-FFF2-40B4-BE49-F238E27FC236}">
-                <a16:creationId xmlns:a16="http://schemas.microsoft.com/office/drawing/2014/main" xmlns="" id="{19ED9A4A-D287-4207-9037-70DB007A1707}"/>
+                <a16:creationId xmlns:a16="http://schemas.microsoft.com/office/drawing/2014/main" id="{19ED9A4A-D287-4207-9037-70DB007A1707}"/>
               </a:ext>
             </a:extLst>
           </p:cNvPr>
@@ -654,7 +665,7 @@
           <a:p>
             <a:fld id="{02AC24A9-CCB6-4F8D-B8DB-C2F3692CFA5A}" type="datetimeFigureOut">
               <a:rPr lang="en-US" smtClean="0"/>
-              <a:t>11/20/2023</a:t>
+              <a:t>12/12/2023</a:t>
             </a:fld>
             <a:endParaRPr lang="en-US"/>
           </a:p>
@@ -665,7 +676,7 @@
           <p:cNvPr id="5" name="Footer Placeholder 4">
             <a:extLst>
               <a:ext uri="{FF2B5EF4-FFF2-40B4-BE49-F238E27FC236}">
-                <a16:creationId xmlns:a16="http://schemas.microsoft.com/office/drawing/2014/main" xmlns="" id="{61ECFCAC-80DB-43BB-B3F1-AC22BACEE360}"/>
+                <a16:creationId xmlns:a16="http://schemas.microsoft.com/office/drawing/2014/main" id="{61ECFCAC-80DB-43BB-B3F1-AC22BACEE360}"/>
               </a:ext>
             </a:extLst>
           </p:cNvPr>
@@ -690,7 +701,7 @@
           <p:cNvPr id="6" name="Slide Number Placeholder 5">
             <a:extLst>
               <a:ext uri="{FF2B5EF4-FFF2-40B4-BE49-F238E27FC236}">
-                <a16:creationId xmlns:a16="http://schemas.microsoft.com/office/drawing/2014/main" xmlns="" id="{D7679730-3487-4D94-A0DC-C21684963AB3}"/>
+                <a16:creationId xmlns:a16="http://schemas.microsoft.com/office/drawing/2014/main" id="{D7679730-3487-4D94-A0DC-C21684963AB3}"/>
               </a:ext>
             </a:extLst>
           </p:cNvPr>
@@ -749,7 +760,7 @@
           <p:cNvPr id="2" name="Vertical Title 1">
             <a:extLst>
               <a:ext uri="{FF2B5EF4-FFF2-40B4-BE49-F238E27FC236}">
-                <a16:creationId xmlns:a16="http://schemas.microsoft.com/office/drawing/2014/main" xmlns="" id="{B543C89D-929E-4CD1-BCCC-72A14C0335D6}"/>
+                <a16:creationId xmlns:a16="http://schemas.microsoft.com/office/drawing/2014/main" id="{B543C89D-929E-4CD1-BCCC-72A14C0335D6}"/>
               </a:ext>
             </a:extLst>
           </p:cNvPr>
@@ -783,7 +794,7 @@
           <p:cNvPr id="3" name="Vertical Text Placeholder 2">
             <a:extLst>
               <a:ext uri="{FF2B5EF4-FFF2-40B4-BE49-F238E27FC236}">
-                <a16:creationId xmlns:a16="http://schemas.microsoft.com/office/drawing/2014/main" xmlns="" id="{FED450EA-A577-4B76-A12F-650BEB20FD8D}"/>
+                <a16:creationId xmlns:a16="http://schemas.microsoft.com/office/drawing/2014/main" id="{FED450EA-A577-4B76-A12F-650BEB20FD8D}"/>
               </a:ext>
             </a:extLst>
           </p:cNvPr>
@@ -845,7 +856,7 @@
           <p:cNvPr id="4" name="Date Placeholder 3">
             <a:extLst>
               <a:ext uri="{FF2B5EF4-FFF2-40B4-BE49-F238E27FC236}">
-                <a16:creationId xmlns:a16="http://schemas.microsoft.com/office/drawing/2014/main" xmlns="" id="{41D2603B-9ACE-4FA9-805B-9B91EB63DF7D}"/>
+                <a16:creationId xmlns:a16="http://schemas.microsoft.com/office/drawing/2014/main" id="{41D2603B-9ACE-4FA9-805B-9B91EB63DF7D}"/>
               </a:ext>
             </a:extLst>
           </p:cNvPr>
@@ -863,7 +874,7 @@
           <a:p>
             <a:fld id="{02AC24A9-CCB6-4F8D-B8DB-C2F3692CFA5A}" type="datetimeFigureOut">
               <a:rPr lang="en-US" smtClean="0"/>
-              <a:t>11/20/2023</a:t>
+              <a:t>12/12/2023</a:t>
             </a:fld>
             <a:endParaRPr lang="en-US"/>
           </a:p>
@@ -874,7 +885,7 @@
           <p:cNvPr id="5" name="Footer Placeholder 4">
             <a:extLst>
               <a:ext uri="{FF2B5EF4-FFF2-40B4-BE49-F238E27FC236}">
-                <a16:creationId xmlns:a16="http://schemas.microsoft.com/office/drawing/2014/main" xmlns="" id="{7ECE18AC-D6A9-4A61-885D-68E2B684A438}"/>
+                <a16:creationId xmlns:a16="http://schemas.microsoft.com/office/drawing/2014/main" id="{7ECE18AC-D6A9-4A61-885D-68E2B684A438}"/>
               </a:ext>
             </a:extLst>
           </p:cNvPr>
@@ -899,7 +910,7 @@
           <p:cNvPr id="6" name="Slide Number Placeholder 5">
             <a:extLst>
               <a:ext uri="{FF2B5EF4-FFF2-40B4-BE49-F238E27FC236}">
-                <a16:creationId xmlns:a16="http://schemas.microsoft.com/office/drawing/2014/main" xmlns="" id="{75197AE4-AA47-4E14-8FFE-171FAE47F49E}"/>
+                <a16:creationId xmlns:a16="http://schemas.microsoft.com/office/drawing/2014/main" id="{75197AE4-AA47-4E14-8FFE-171FAE47F49E}"/>
               </a:ext>
             </a:extLst>
           </p:cNvPr>
@@ -958,7 +969,7 @@
           <p:cNvPr id="8" name="Rectangle 7">
             <a:extLst>
               <a:ext uri="{FF2B5EF4-FFF2-40B4-BE49-F238E27FC236}">
-                <a16:creationId xmlns:a16="http://schemas.microsoft.com/office/drawing/2014/main" xmlns="" id="{2D6FBB9D-1CAA-4D05-AB33-BABDFE17B843}"/>
+                <a16:creationId xmlns:a16="http://schemas.microsoft.com/office/drawing/2014/main" id="{2D6FBB9D-1CAA-4D05-AB33-BABDFE17B843}"/>
               </a:ext>
             </a:extLst>
           </p:cNvPr>
@@ -1049,7 +1060,7 @@
           <p:cNvPr id="10" name="Rectangle 9">
             <a:extLst>
               <a:ext uri="{FF2B5EF4-FFF2-40B4-BE49-F238E27FC236}">
-                <a16:creationId xmlns:a16="http://schemas.microsoft.com/office/drawing/2014/main" xmlns="" id="{04727B71-B4B6-4823-80A1-68C40B475118}"/>
+                <a16:creationId xmlns:a16="http://schemas.microsoft.com/office/drawing/2014/main" id="{04727B71-B4B6-4823-80A1-68C40B475118}"/>
               </a:ext>
             </a:extLst>
           </p:cNvPr>
@@ -1128,7 +1139,7 @@
           <p:cNvPr id="12" name="Rectangle 11">
             <a:extLst>
               <a:ext uri="{FF2B5EF4-FFF2-40B4-BE49-F238E27FC236}">
-                <a16:creationId xmlns:a16="http://schemas.microsoft.com/office/drawing/2014/main" xmlns="" id="{79A6DB05-9FB5-4B07-8675-74C23D4FD89D}"/>
+                <a16:creationId xmlns:a16="http://schemas.microsoft.com/office/drawing/2014/main" id="{79A6DB05-9FB5-4B07-8675-74C23D4FD89D}"/>
               </a:ext>
             </a:extLst>
           </p:cNvPr>
@@ -1209,7 +1220,7 @@
           <p:cNvPr id="2" name="Title 1">
             <a:extLst>
               <a:ext uri="{FF2B5EF4-FFF2-40B4-BE49-F238E27FC236}">
-                <a16:creationId xmlns:a16="http://schemas.microsoft.com/office/drawing/2014/main" xmlns="" id="{48D358CF-0758-490A-A084-C46443B9ABE8}"/>
+                <a16:creationId xmlns:a16="http://schemas.microsoft.com/office/drawing/2014/main" id="{48D358CF-0758-490A-A084-C46443B9ABE8}"/>
               </a:ext>
             </a:extLst>
           </p:cNvPr>
@@ -1248,7 +1259,7 @@
           <p:cNvPr id="3" name="Content Placeholder 2">
             <a:extLst>
               <a:ext uri="{FF2B5EF4-FFF2-40B4-BE49-F238E27FC236}">
-                <a16:creationId xmlns:a16="http://schemas.microsoft.com/office/drawing/2014/main" xmlns="" id="{21671183-B3CE-4F45-92FB-98290CA0E2CA}"/>
+                <a16:creationId xmlns:a16="http://schemas.microsoft.com/office/drawing/2014/main" id="{21671183-B3CE-4F45-92FB-98290CA0E2CA}"/>
               </a:ext>
             </a:extLst>
           </p:cNvPr>
@@ -1310,7 +1321,7 @@
           <p:cNvPr id="4" name="Date Placeholder 3">
             <a:extLst>
               <a:ext uri="{FF2B5EF4-FFF2-40B4-BE49-F238E27FC236}">
-                <a16:creationId xmlns:a16="http://schemas.microsoft.com/office/drawing/2014/main" xmlns="" id="{3D7DED67-27EC-4D43-A21C-093C1DB04813}"/>
+                <a16:creationId xmlns:a16="http://schemas.microsoft.com/office/drawing/2014/main" id="{3D7DED67-27EC-4D43-A21C-093C1DB04813}"/>
               </a:ext>
             </a:extLst>
           </p:cNvPr>
@@ -1333,7 +1344,7 @@
           <a:p>
             <a:fld id="{02AC24A9-CCB6-4F8D-B8DB-C2F3692CFA5A}" type="datetimeFigureOut">
               <a:rPr lang="en-US" smtClean="0"/>
-              <a:t>11/20/2023</a:t>
+              <a:t>12/12/2023</a:t>
             </a:fld>
             <a:endParaRPr lang="en-US"/>
           </a:p>
@@ -1344,7 +1355,7 @@
           <p:cNvPr id="5" name="Footer Placeholder 4">
             <a:extLst>
               <a:ext uri="{FF2B5EF4-FFF2-40B4-BE49-F238E27FC236}">
-                <a16:creationId xmlns:a16="http://schemas.microsoft.com/office/drawing/2014/main" xmlns="" id="{36747CE3-4890-4BC1-94DB-5D49D02C9933}"/>
+                <a16:creationId xmlns:a16="http://schemas.microsoft.com/office/drawing/2014/main" id="{36747CE3-4890-4BC1-94DB-5D49D02C9933}"/>
               </a:ext>
             </a:extLst>
           </p:cNvPr>
@@ -1369,7 +1380,7 @@
           <p:cNvPr id="6" name="Slide Number Placeholder 5">
             <a:extLst>
               <a:ext uri="{FF2B5EF4-FFF2-40B4-BE49-F238E27FC236}">
-                <a16:creationId xmlns:a16="http://schemas.microsoft.com/office/drawing/2014/main" xmlns="" id="{093C5AD3-D79A-4D46-B25B-822FE0252511}"/>
+                <a16:creationId xmlns:a16="http://schemas.microsoft.com/office/drawing/2014/main" id="{093C5AD3-D79A-4D46-B25B-822FE0252511}"/>
               </a:ext>
             </a:extLst>
           </p:cNvPr>
@@ -1433,7 +1444,7 @@
           <p:cNvPr id="8" name="Rectangle 7">
             <a:extLst>
               <a:ext uri="{FF2B5EF4-FFF2-40B4-BE49-F238E27FC236}">
-                <a16:creationId xmlns:a16="http://schemas.microsoft.com/office/drawing/2014/main" xmlns="" id="{85AEDC5C-2E87-49C6-AB07-A95E5F39ED8E}"/>
+                <a16:creationId xmlns:a16="http://schemas.microsoft.com/office/drawing/2014/main" id="{85AEDC5C-2E87-49C6-AB07-A95E5F39ED8E}"/>
               </a:ext>
             </a:extLst>
           </p:cNvPr>
@@ -1524,7 +1535,7 @@
           <p:cNvPr id="10" name="Rectangle 9">
             <a:extLst>
               <a:ext uri="{FF2B5EF4-FFF2-40B4-BE49-F238E27FC236}">
-                <a16:creationId xmlns:a16="http://schemas.microsoft.com/office/drawing/2014/main" xmlns="" id="{A57D88DE-E462-4C8A-BF99-609390DFB781}"/>
+                <a16:creationId xmlns:a16="http://schemas.microsoft.com/office/drawing/2014/main" id="{A57D88DE-E462-4C8A-BF99-609390DFB781}"/>
               </a:ext>
             </a:extLst>
           </p:cNvPr>
@@ -1605,7 +1616,7 @@
           <p:cNvPr id="2" name="Title 1">
             <a:extLst>
               <a:ext uri="{FF2B5EF4-FFF2-40B4-BE49-F238E27FC236}">
-                <a16:creationId xmlns:a16="http://schemas.microsoft.com/office/drawing/2014/main" xmlns="" id="{B8E44900-E8BF-4B12-8BCB-41076E2B68C7}"/>
+                <a16:creationId xmlns:a16="http://schemas.microsoft.com/office/drawing/2014/main" id="{B8E44900-E8BF-4B12-8BCB-41076E2B68C7}"/>
               </a:ext>
             </a:extLst>
           </p:cNvPr>
@@ -1644,7 +1655,7 @@
           <p:cNvPr id="3" name="Text Placeholder 2">
             <a:extLst>
               <a:ext uri="{FF2B5EF4-FFF2-40B4-BE49-F238E27FC236}">
-                <a16:creationId xmlns:a16="http://schemas.microsoft.com/office/drawing/2014/main" xmlns="" id="{917741F9-B00F-4463-A257-6B66DABD9B4E}"/>
+                <a16:creationId xmlns:a16="http://schemas.microsoft.com/office/drawing/2014/main" id="{917741F9-B00F-4463-A257-6B66DABD9B4E}"/>
               </a:ext>
             </a:extLst>
           </p:cNvPr>
@@ -1769,7 +1780,7 @@
           <p:cNvPr id="4" name="Date Placeholder 3">
             <a:extLst>
               <a:ext uri="{FF2B5EF4-FFF2-40B4-BE49-F238E27FC236}">
-                <a16:creationId xmlns:a16="http://schemas.microsoft.com/office/drawing/2014/main" xmlns="" id="{D48BFA7D-4401-4285-802B-1579165F0D6D}"/>
+                <a16:creationId xmlns:a16="http://schemas.microsoft.com/office/drawing/2014/main" id="{D48BFA7D-4401-4285-802B-1579165F0D6D}"/>
               </a:ext>
             </a:extLst>
           </p:cNvPr>
@@ -1787,7 +1798,7 @@
           <a:p>
             <a:fld id="{02AC24A9-CCB6-4F8D-B8DB-C2F3692CFA5A}" type="datetimeFigureOut">
               <a:rPr lang="en-US" smtClean="0"/>
-              <a:t>11/20/2023</a:t>
+              <a:t>12/12/2023</a:t>
             </a:fld>
             <a:endParaRPr lang="en-US"/>
           </a:p>
@@ -1798,7 +1809,7 @@
           <p:cNvPr id="5" name="Footer Placeholder 4">
             <a:extLst>
               <a:ext uri="{FF2B5EF4-FFF2-40B4-BE49-F238E27FC236}">
-                <a16:creationId xmlns:a16="http://schemas.microsoft.com/office/drawing/2014/main" xmlns="" id="{49A909C5-AA19-4195-8376-9002D5DF4651}"/>
+                <a16:creationId xmlns:a16="http://schemas.microsoft.com/office/drawing/2014/main" id="{49A909C5-AA19-4195-8376-9002D5DF4651}"/>
               </a:ext>
             </a:extLst>
           </p:cNvPr>
@@ -1823,7 +1834,7 @@
           <p:cNvPr id="6" name="Slide Number Placeholder 5">
             <a:extLst>
               <a:ext uri="{FF2B5EF4-FFF2-40B4-BE49-F238E27FC236}">
-                <a16:creationId xmlns:a16="http://schemas.microsoft.com/office/drawing/2014/main" xmlns="" id="{53AC3F32-46E0-47C8-8565-5969A475FDB0}"/>
+                <a16:creationId xmlns:a16="http://schemas.microsoft.com/office/drawing/2014/main" id="{53AC3F32-46E0-47C8-8565-5969A475FDB0}"/>
               </a:ext>
             </a:extLst>
           </p:cNvPr>
@@ -1882,7 +1893,7 @@
           <p:cNvPr id="9" name="Rectangle 8">
             <a:extLst>
               <a:ext uri="{FF2B5EF4-FFF2-40B4-BE49-F238E27FC236}">
-                <a16:creationId xmlns:a16="http://schemas.microsoft.com/office/drawing/2014/main" xmlns="" id="{2076262E-36A0-40C6-ADE6-90CD9FB9B9EA}"/>
+                <a16:creationId xmlns:a16="http://schemas.microsoft.com/office/drawing/2014/main" id="{2076262E-36A0-40C6-ADE6-90CD9FB9B9EA}"/>
               </a:ext>
             </a:extLst>
           </p:cNvPr>
@@ -1973,7 +1984,7 @@
           <p:cNvPr id="11" name="Rectangle 10">
             <a:extLst>
               <a:ext uri="{FF2B5EF4-FFF2-40B4-BE49-F238E27FC236}">
-                <a16:creationId xmlns:a16="http://schemas.microsoft.com/office/drawing/2014/main" xmlns="" id="{42677A9B-4D1D-4D80-912C-24570140A650}"/>
+                <a16:creationId xmlns:a16="http://schemas.microsoft.com/office/drawing/2014/main" id="{42677A9B-4D1D-4D80-912C-24570140A650}"/>
               </a:ext>
             </a:extLst>
           </p:cNvPr>
@@ -2052,7 +2063,7 @@
           <p:cNvPr id="13" name="Rectangle 12">
             <a:extLst>
               <a:ext uri="{FF2B5EF4-FFF2-40B4-BE49-F238E27FC236}">
-                <a16:creationId xmlns:a16="http://schemas.microsoft.com/office/drawing/2014/main" xmlns="" id="{03DC8C98-510F-48C9-82B2-9E4F760A68DF}"/>
+                <a16:creationId xmlns:a16="http://schemas.microsoft.com/office/drawing/2014/main" id="{03DC8C98-510F-48C9-82B2-9E4F760A68DF}"/>
               </a:ext>
             </a:extLst>
           </p:cNvPr>
@@ -2133,7 +2144,7 @@
           <p:cNvPr id="2" name="Title 1">
             <a:extLst>
               <a:ext uri="{FF2B5EF4-FFF2-40B4-BE49-F238E27FC236}">
-                <a16:creationId xmlns:a16="http://schemas.microsoft.com/office/drawing/2014/main" xmlns="" id="{17A078AE-0BC3-48F9-87EC-2DB0CCE7E2AE}"/>
+                <a16:creationId xmlns:a16="http://schemas.microsoft.com/office/drawing/2014/main" id="{17A078AE-0BC3-48F9-87EC-2DB0CCE7E2AE}"/>
               </a:ext>
             </a:extLst>
           </p:cNvPr>
@@ -2172,7 +2183,7 @@
           <p:cNvPr id="3" name="Content Placeholder 2">
             <a:extLst>
               <a:ext uri="{FF2B5EF4-FFF2-40B4-BE49-F238E27FC236}">
-                <a16:creationId xmlns:a16="http://schemas.microsoft.com/office/drawing/2014/main" xmlns="" id="{292A20DF-0829-4336-B59F-FF9D7AA9D8B6}"/>
+                <a16:creationId xmlns:a16="http://schemas.microsoft.com/office/drawing/2014/main" id="{292A20DF-0829-4336-B59F-FF9D7AA9D8B6}"/>
               </a:ext>
             </a:extLst>
           </p:cNvPr>
@@ -2234,7 +2245,7 @@
           <p:cNvPr id="4" name="Content Placeholder 3">
             <a:extLst>
               <a:ext uri="{FF2B5EF4-FFF2-40B4-BE49-F238E27FC236}">
-                <a16:creationId xmlns:a16="http://schemas.microsoft.com/office/drawing/2014/main" xmlns="" id="{7935D01C-CF67-4DF6-B96C-FFC9D5BF847B}"/>
+                <a16:creationId xmlns:a16="http://schemas.microsoft.com/office/drawing/2014/main" id="{7935D01C-CF67-4DF6-B96C-FFC9D5BF847B}"/>
               </a:ext>
             </a:extLst>
           </p:cNvPr>
@@ -2296,7 +2307,7 @@
           <p:cNvPr id="5" name="Date Placeholder 4">
             <a:extLst>
               <a:ext uri="{FF2B5EF4-FFF2-40B4-BE49-F238E27FC236}">
-                <a16:creationId xmlns:a16="http://schemas.microsoft.com/office/drawing/2014/main" xmlns="" id="{29BBD797-6031-4F82-8726-EAB757027FF5}"/>
+                <a16:creationId xmlns:a16="http://schemas.microsoft.com/office/drawing/2014/main" id="{29BBD797-6031-4F82-8726-EAB757027FF5}"/>
               </a:ext>
             </a:extLst>
           </p:cNvPr>
@@ -2319,7 +2330,7 @@
           <a:p>
             <a:fld id="{02AC24A9-CCB6-4F8D-B8DB-C2F3692CFA5A}" type="datetimeFigureOut">
               <a:rPr lang="en-US" smtClean="0"/>
-              <a:t>11/20/2023</a:t>
+              <a:t>12/12/2023</a:t>
             </a:fld>
             <a:endParaRPr lang="en-US"/>
           </a:p>
@@ -2330,7 +2341,7 @@
           <p:cNvPr id="6" name="Footer Placeholder 5">
             <a:extLst>
               <a:ext uri="{FF2B5EF4-FFF2-40B4-BE49-F238E27FC236}">
-                <a16:creationId xmlns:a16="http://schemas.microsoft.com/office/drawing/2014/main" xmlns="" id="{76B3F71C-B897-4909-A75E-8716AD49C156}"/>
+                <a16:creationId xmlns:a16="http://schemas.microsoft.com/office/drawing/2014/main" id="{76B3F71C-B897-4909-A75E-8716AD49C156}"/>
               </a:ext>
             </a:extLst>
           </p:cNvPr>
@@ -2355,7 +2366,7 @@
           <p:cNvPr id="7" name="Slide Number Placeholder 6">
             <a:extLst>
               <a:ext uri="{FF2B5EF4-FFF2-40B4-BE49-F238E27FC236}">
-                <a16:creationId xmlns:a16="http://schemas.microsoft.com/office/drawing/2014/main" xmlns="" id="{4F78BC14-5BB1-405F-A6F3-C07230F085C8}"/>
+                <a16:creationId xmlns:a16="http://schemas.microsoft.com/office/drawing/2014/main" id="{4F78BC14-5BB1-405F-A6F3-C07230F085C8}"/>
               </a:ext>
             </a:extLst>
           </p:cNvPr>
@@ -2419,7 +2430,7 @@
           <p:cNvPr id="11" name="Rectangle 10">
             <a:extLst>
               <a:ext uri="{FF2B5EF4-FFF2-40B4-BE49-F238E27FC236}">
-                <a16:creationId xmlns:a16="http://schemas.microsoft.com/office/drawing/2014/main" xmlns="" id="{6B671BDE-E45C-41A1-9B98-4A607D703855}"/>
+                <a16:creationId xmlns:a16="http://schemas.microsoft.com/office/drawing/2014/main" id="{6B671BDE-E45C-41A1-9B98-4A607D703855}"/>
               </a:ext>
             </a:extLst>
           </p:cNvPr>
@@ -2510,7 +2521,7 @@
           <p:cNvPr id="13" name="Rectangle 12">
             <a:extLst>
               <a:ext uri="{FF2B5EF4-FFF2-40B4-BE49-F238E27FC236}">
-                <a16:creationId xmlns:a16="http://schemas.microsoft.com/office/drawing/2014/main" xmlns="" id="{299500CE-917A-4D03-A7DF-71D8EBBC1537}"/>
+                <a16:creationId xmlns:a16="http://schemas.microsoft.com/office/drawing/2014/main" id="{299500CE-917A-4D03-A7DF-71D8EBBC1537}"/>
               </a:ext>
             </a:extLst>
           </p:cNvPr>
@@ -2589,7 +2600,7 @@
           <p:cNvPr id="15" name="Rectangle 14">
             <a:extLst>
               <a:ext uri="{FF2B5EF4-FFF2-40B4-BE49-F238E27FC236}">
-                <a16:creationId xmlns:a16="http://schemas.microsoft.com/office/drawing/2014/main" xmlns="" id="{C3D0D377-28B0-417D-886B-9483AF064975}"/>
+                <a16:creationId xmlns:a16="http://schemas.microsoft.com/office/drawing/2014/main" id="{C3D0D377-28B0-417D-886B-9483AF064975}"/>
               </a:ext>
             </a:extLst>
           </p:cNvPr>
@@ -2670,7 +2681,7 @@
           <p:cNvPr id="2" name="Title 1">
             <a:extLst>
               <a:ext uri="{FF2B5EF4-FFF2-40B4-BE49-F238E27FC236}">
-                <a16:creationId xmlns:a16="http://schemas.microsoft.com/office/drawing/2014/main" xmlns="" id="{0F8F91F8-0767-40B5-A3AA-72931FC192EA}"/>
+                <a16:creationId xmlns:a16="http://schemas.microsoft.com/office/drawing/2014/main" id="{0F8F91F8-0767-40B5-A3AA-72931FC192EA}"/>
               </a:ext>
             </a:extLst>
           </p:cNvPr>
@@ -2709,7 +2720,7 @@
           <p:cNvPr id="3" name="Text Placeholder 2">
             <a:extLst>
               <a:ext uri="{FF2B5EF4-FFF2-40B4-BE49-F238E27FC236}">
-                <a16:creationId xmlns:a16="http://schemas.microsoft.com/office/drawing/2014/main" xmlns="" id="{AAAE0554-8BEE-4BF6-9519-51B8475D35E1}"/>
+                <a16:creationId xmlns:a16="http://schemas.microsoft.com/office/drawing/2014/main" id="{AAAE0554-8BEE-4BF6-9519-51B8475D35E1}"/>
               </a:ext>
             </a:extLst>
           </p:cNvPr>
@@ -2780,7 +2791,7 @@
           <p:cNvPr id="4" name="Content Placeholder 3">
             <a:extLst>
               <a:ext uri="{FF2B5EF4-FFF2-40B4-BE49-F238E27FC236}">
-                <a16:creationId xmlns:a16="http://schemas.microsoft.com/office/drawing/2014/main" xmlns="" id="{FD4A358D-C930-48E0-B372-06A826B74C47}"/>
+                <a16:creationId xmlns:a16="http://schemas.microsoft.com/office/drawing/2014/main" id="{FD4A358D-C930-48E0-B372-06A826B74C47}"/>
               </a:ext>
             </a:extLst>
           </p:cNvPr>
@@ -2852,7 +2863,7 @@
           <p:cNvPr id="5" name="Text Placeholder 4">
             <a:extLst>
               <a:ext uri="{FF2B5EF4-FFF2-40B4-BE49-F238E27FC236}">
-                <a16:creationId xmlns:a16="http://schemas.microsoft.com/office/drawing/2014/main" xmlns="" id="{83B6615E-4966-4150-83B6-C47591B36383}"/>
+                <a16:creationId xmlns:a16="http://schemas.microsoft.com/office/drawing/2014/main" id="{83B6615E-4966-4150-83B6-C47591B36383}"/>
               </a:ext>
             </a:extLst>
           </p:cNvPr>
@@ -2923,7 +2934,7 @@
           <p:cNvPr id="6" name="Content Placeholder 5">
             <a:extLst>
               <a:ext uri="{FF2B5EF4-FFF2-40B4-BE49-F238E27FC236}">
-                <a16:creationId xmlns:a16="http://schemas.microsoft.com/office/drawing/2014/main" xmlns="" id="{BD409F6B-C17B-4B4F-9F35-5068BDC4E2FD}"/>
+                <a16:creationId xmlns:a16="http://schemas.microsoft.com/office/drawing/2014/main" id="{BD409F6B-C17B-4B4F-9F35-5068BDC4E2FD}"/>
               </a:ext>
             </a:extLst>
           </p:cNvPr>
@@ -2995,7 +3006,7 @@
           <p:cNvPr id="7" name="Date Placeholder 6">
             <a:extLst>
               <a:ext uri="{FF2B5EF4-FFF2-40B4-BE49-F238E27FC236}">
-                <a16:creationId xmlns:a16="http://schemas.microsoft.com/office/drawing/2014/main" xmlns="" id="{C8BC356D-052B-4A9B-8B2F-6665FD325AB3}"/>
+                <a16:creationId xmlns:a16="http://schemas.microsoft.com/office/drawing/2014/main" id="{C8BC356D-052B-4A9B-8B2F-6665FD325AB3}"/>
               </a:ext>
             </a:extLst>
           </p:cNvPr>
@@ -3018,7 +3029,7 @@
           <a:p>
             <a:fld id="{02AC24A9-CCB6-4F8D-B8DB-C2F3692CFA5A}" type="datetimeFigureOut">
               <a:rPr lang="en-US" smtClean="0"/>
-              <a:t>11/20/2023</a:t>
+              <a:t>12/12/2023</a:t>
             </a:fld>
             <a:endParaRPr lang="en-US"/>
           </a:p>
@@ -3029,7 +3040,7 @@
           <p:cNvPr id="8" name="Footer Placeholder 7">
             <a:extLst>
               <a:ext uri="{FF2B5EF4-FFF2-40B4-BE49-F238E27FC236}">
-                <a16:creationId xmlns:a16="http://schemas.microsoft.com/office/drawing/2014/main" xmlns="" id="{69C5E5FA-26A9-467C-93E3-8476142D1D46}"/>
+                <a16:creationId xmlns:a16="http://schemas.microsoft.com/office/drawing/2014/main" id="{69C5E5FA-26A9-467C-93E3-8476142D1D46}"/>
               </a:ext>
             </a:extLst>
           </p:cNvPr>
@@ -3054,7 +3065,7 @@
           <p:cNvPr id="9" name="Slide Number Placeholder 8">
             <a:extLst>
               <a:ext uri="{FF2B5EF4-FFF2-40B4-BE49-F238E27FC236}">
-                <a16:creationId xmlns:a16="http://schemas.microsoft.com/office/drawing/2014/main" xmlns="" id="{D279E50C-1E40-4B48-871B-E392428D20A3}"/>
+                <a16:creationId xmlns:a16="http://schemas.microsoft.com/office/drawing/2014/main" id="{D279E50C-1E40-4B48-871B-E392428D20A3}"/>
               </a:ext>
             </a:extLst>
           </p:cNvPr>
@@ -3118,7 +3129,7 @@
           <p:cNvPr id="7" name="Rectangle 6">
             <a:extLst>
               <a:ext uri="{FF2B5EF4-FFF2-40B4-BE49-F238E27FC236}">
-                <a16:creationId xmlns:a16="http://schemas.microsoft.com/office/drawing/2014/main" xmlns="" id="{8C0689C4-0DB3-408B-A956-40326B4AE4C4}"/>
+                <a16:creationId xmlns:a16="http://schemas.microsoft.com/office/drawing/2014/main" id="{8C0689C4-0DB3-408B-A956-40326B4AE4C4}"/>
               </a:ext>
             </a:extLst>
           </p:cNvPr>
@@ -3209,7 +3220,7 @@
           <p:cNvPr id="9" name="Rectangle 8">
             <a:extLst>
               <a:ext uri="{FF2B5EF4-FFF2-40B4-BE49-F238E27FC236}">
-                <a16:creationId xmlns:a16="http://schemas.microsoft.com/office/drawing/2014/main" xmlns="" id="{56E1D10E-1C30-41BF-8C3B-C460C9B5597B}"/>
+                <a16:creationId xmlns:a16="http://schemas.microsoft.com/office/drawing/2014/main" id="{56E1D10E-1C30-41BF-8C3B-C460C9B5597B}"/>
               </a:ext>
             </a:extLst>
           </p:cNvPr>
@@ -3290,7 +3301,7 @@
           <p:cNvPr id="2" name="Title 1">
             <a:extLst>
               <a:ext uri="{FF2B5EF4-FFF2-40B4-BE49-F238E27FC236}">
-                <a16:creationId xmlns:a16="http://schemas.microsoft.com/office/drawing/2014/main" xmlns="" id="{779454F2-0EE5-4888-AF4C-82F825E6226E}"/>
+                <a16:creationId xmlns:a16="http://schemas.microsoft.com/office/drawing/2014/main" id="{779454F2-0EE5-4888-AF4C-82F825E6226E}"/>
               </a:ext>
             </a:extLst>
           </p:cNvPr>
@@ -3329,7 +3340,7 @@
           <p:cNvPr id="3" name="Date Placeholder 2">
             <a:extLst>
               <a:ext uri="{FF2B5EF4-FFF2-40B4-BE49-F238E27FC236}">
-                <a16:creationId xmlns:a16="http://schemas.microsoft.com/office/drawing/2014/main" xmlns="" id="{67C91241-A315-4643-91E5-CF2C25CC903A}"/>
+                <a16:creationId xmlns:a16="http://schemas.microsoft.com/office/drawing/2014/main" id="{67C91241-A315-4643-91E5-CF2C25CC903A}"/>
               </a:ext>
             </a:extLst>
           </p:cNvPr>
@@ -3347,7 +3358,7 @@
           <a:p>
             <a:fld id="{02AC24A9-CCB6-4F8D-B8DB-C2F3692CFA5A}" type="datetimeFigureOut">
               <a:rPr lang="en-US" smtClean="0"/>
-              <a:t>11/20/2023</a:t>
+              <a:t>12/12/2023</a:t>
             </a:fld>
             <a:endParaRPr lang="en-US"/>
           </a:p>
@@ -3358,7 +3369,7 @@
           <p:cNvPr id="4" name="Footer Placeholder 3">
             <a:extLst>
               <a:ext uri="{FF2B5EF4-FFF2-40B4-BE49-F238E27FC236}">
-                <a16:creationId xmlns:a16="http://schemas.microsoft.com/office/drawing/2014/main" xmlns="" id="{22706D86-5479-487D-94C8-76093D84F377}"/>
+                <a16:creationId xmlns:a16="http://schemas.microsoft.com/office/drawing/2014/main" id="{22706D86-5479-487D-94C8-76093D84F377}"/>
               </a:ext>
             </a:extLst>
           </p:cNvPr>
@@ -3383,7 +3394,7 @@
           <p:cNvPr id="5" name="Slide Number Placeholder 4">
             <a:extLst>
               <a:ext uri="{FF2B5EF4-FFF2-40B4-BE49-F238E27FC236}">
-                <a16:creationId xmlns:a16="http://schemas.microsoft.com/office/drawing/2014/main" xmlns="" id="{A7739411-CED6-43D4-868D-A65C4161A72B}"/>
+                <a16:creationId xmlns:a16="http://schemas.microsoft.com/office/drawing/2014/main" id="{A7739411-CED6-43D4-868D-A65C4161A72B}"/>
               </a:ext>
             </a:extLst>
           </p:cNvPr>
@@ -3442,7 +3453,7 @@
           <p:cNvPr id="2" name="Date Placeholder 1">
             <a:extLst>
               <a:ext uri="{FF2B5EF4-FFF2-40B4-BE49-F238E27FC236}">
-                <a16:creationId xmlns:a16="http://schemas.microsoft.com/office/drawing/2014/main" xmlns="" id="{EAC447E0-1D4D-4EF2-B81B-4B2400EE3EDB}"/>
+                <a16:creationId xmlns:a16="http://schemas.microsoft.com/office/drawing/2014/main" id="{EAC447E0-1D4D-4EF2-B81B-4B2400EE3EDB}"/>
               </a:ext>
             </a:extLst>
           </p:cNvPr>
@@ -3460,7 +3471,7 @@
           <a:p>
             <a:fld id="{02AC24A9-CCB6-4F8D-B8DB-C2F3692CFA5A}" type="datetimeFigureOut">
               <a:rPr lang="en-US" smtClean="0"/>
-              <a:t>11/20/2023</a:t>
+              <a:t>12/12/2023</a:t>
             </a:fld>
             <a:endParaRPr lang="en-US"/>
           </a:p>
@@ -3471,7 +3482,7 @@
           <p:cNvPr id="3" name="Footer Placeholder 2">
             <a:extLst>
               <a:ext uri="{FF2B5EF4-FFF2-40B4-BE49-F238E27FC236}">
-                <a16:creationId xmlns:a16="http://schemas.microsoft.com/office/drawing/2014/main" xmlns="" id="{C9984CA0-2A78-4600-9F3D-19B09E790FE8}"/>
+                <a16:creationId xmlns:a16="http://schemas.microsoft.com/office/drawing/2014/main" id="{C9984CA0-2A78-4600-9F3D-19B09E790FE8}"/>
               </a:ext>
             </a:extLst>
           </p:cNvPr>
@@ -3496,7 +3507,7 @@
           <p:cNvPr id="4" name="Slide Number Placeholder 3">
             <a:extLst>
               <a:ext uri="{FF2B5EF4-FFF2-40B4-BE49-F238E27FC236}">
-                <a16:creationId xmlns:a16="http://schemas.microsoft.com/office/drawing/2014/main" xmlns="" id="{38440955-B18E-49D3-AE7B-B331200E34C5}"/>
+                <a16:creationId xmlns:a16="http://schemas.microsoft.com/office/drawing/2014/main" id="{38440955-B18E-49D3-AE7B-B331200E34C5}"/>
               </a:ext>
             </a:extLst>
           </p:cNvPr>
@@ -3555,7 +3566,7 @@
           <p:cNvPr id="9" name="Rectangle 8">
             <a:extLst>
               <a:ext uri="{FF2B5EF4-FFF2-40B4-BE49-F238E27FC236}">
-                <a16:creationId xmlns:a16="http://schemas.microsoft.com/office/drawing/2014/main" xmlns="" id="{1FA417FE-CD1A-486F-A4AC-E4000A2FB18E}"/>
+                <a16:creationId xmlns:a16="http://schemas.microsoft.com/office/drawing/2014/main" id="{1FA417FE-CD1A-486F-A4AC-E4000A2FB18E}"/>
               </a:ext>
             </a:extLst>
           </p:cNvPr>
@@ -3646,7 +3657,7 @@
           <p:cNvPr id="11" name="Rectangle 10">
             <a:extLst>
               <a:ext uri="{FF2B5EF4-FFF2-40B4-BE49-F238E27FC236}">
-                <a16:creationId xmlns:a16="http://schemas.microsoft.com/office/drawing/2014/main" xmlns="" id="{1318F0F5-812B-472C-9408-B80F2553F5E0}"/>
+                <a16:creationId xmlns:a16="http://schemas.microsoft.com/office/drawing/2014/main" id="{1318F0F5-812B-472C-9408-B80F2553F5E0}"/>
               </a:ext>
             </a:extLst>
           </p:cNvPr>
@@ -3727,7 +3738,7 @@
           <p:cNvPr id="2" name="Title 1">
             <a:extLst>
               <a:ext uri="{FF2B5EF4-FFF2-40B4-BE49-F238E27FC236}">
-                <a16:creationId xmlns:a16="http://schemas.microsoft.com/office/drawing/2014/main" xmlns="" id="{47F7751B-CD8F-4F5B-A903-1DCE5D1E8306}"/>
+                <a16:creationId xmlns:a16="http://schemas.microsoft.com/office/drawing/2014/main" id="{47F7751B-CD8F-4F5B-A903-1DCE5D1E8306}"/>
               </a:ext>
             </a:extLst>
           </p:cNvPr>
@@ -3769,7 +3780,7 @@
           <p:cNvPr id="3" name="Content Placeholder 2">
             <a:extLst>
               <a:ext uri="{FF2B5EF4-FFF2-40B4-BE49-F238E27FC236}">
-                <a16:creationId xmlns:a16="http://schemas.microsoft.com/office/drawing/2014/main" xmlns="" id="{EFA55C8A-A0BB-441D-976F-EB56D4382DB6}"/>
+                <a16:creationId xmlns:a16="http://schemas.microsoft.com/office/drawing/2014/main" id="{EFA55C8A-A0BB-441D-976F-EB56D4382DB6}"/>
               </a:ext>
             </a:extLst>
           </p:cNvPr>
@@ -3859,7 +3870,7 @@
           <p:cNvPr id="4" name="Text Placeholder 3">
             <a:extLst>
               <a:ext uri="{FF2B5EF4-FFF2-40B4-BE49-F238E27FC236}">
-                <a16:creationId xmlns:a16="http://schemas.microsoft.com/office/drawing/2014/main" xmlns="" id="{37DE6A51-A2E5-4BFA-B571-9FDFE1BBFB44}"/>
+                <a16:creationId xmlns:a16="http://schemas.microsoft.com/office/drawing/2014/main" id="{37DE6A51-A2E5-4BFA-B571-9FDFE1BBFB44}"/>
               </a:ext>
             </a:extLst>
           </p:cNvPr>
@@ -3932,7 +3943,7 @@
           <p:cNvPr id="5" name="Date Placeholder 4">
             <a:extLst>
               <a:ext uri="{FF2B5EF4-FFF2-40B4-BE49-F238E27FC236}">
-                <a16:creationId xmlns:a16="http://schemas.microsoft.com/office/drawing/2014/main" xmlns="" id="{3D92778A-DD4C-4651-9C53-8B0C44CD8805}"/>
+                <a16:creationId xmlns:a16="http://schemas.microsoft.com/office/drawing/2014/main" id="{3D92778A-DD4C-4651-9C53-8B0C44CD8805}"/>
               </a:ext>
             </a:extLst>
           </p:cNvPr>
@@ -3955,7 +3966,7 @@
           <a:p>
             <a:fld id="{02AC24A9-CCB6-4F8D-B8DB-C2F3692CFA5A}" type="datetimeFigureOut">
               <a:rPr lang="en-US" smtClean="0"/>
-              <a:t>11/20/2023</a:t>
+              <a:t>12/12/2023</a:t>
             </a:fld>
             <a:endParaRPr lang="en-US" dirty="0"/>
           </a:p>
@@ -3966,7 +3977,7 @@
           <p:cNvPr id="6" name="Footer Placeholder 5">
             <a:extLst>
               <a:ext uri="{FF2B5EF4-FFF2-40B4-BE49-F238E27FC236}">
-                <a16:creationId xmlns:a16="http://schemas.microsoft.com/office/drawing/2014/main" xmlns="" id="{9D6C7F66-2DFA-4146-BE1A-CE2890FE45E2}"/>
+                <a16:creationId xmlns:a16="http://schemas.microsoft.com/office/drawing/2014/main" id="{9D6C7F66-2DFA-4146-BE1A-CE2890FE45E2}"/>
               </a:ext>
             </a:extLst>
           </p:cNvPr>
@@ -3991,7 +4002,7 @@
           <p:cNvPr id="7" name="Slide Number Placeholder 6">
             <a:extLst>
               <a:ext uri="{FF2B5EF4-FFF2-40B4-BE49-F238E27FC236}">
-                <a16:creationId xmlns:a16="http://schemas.microsoft.com/office/drawing/2014/main" xmlns="" id="{D285D185-B1B6-4D62-81BE-BE82C80ACA6C}"/>
+                <a16:creationId xmlns:a16="http://schemas.microsoft.com/office/drawing/2014/main" id="{D285D185-B1B6-4D62-81BE-BE82C80ACA6C}"/>
               </a:ext>
             </a:extLst>
           </p:cNvPr>
@@ -4050,7 +4061,7 @@
           <p:cNvPr id="9" name="Rectangle 8">
             <a:extLst>
               <a:ext uri="{FF2B5EF4-FFF2-40B4-BE49-F238E27FC236}">
-                <a16:creationId xmlns:a16="http://schemas.microsoft.com/office/drawing/2014/main" xmlns="" id="{168B77B5-211C-456E-B79F-306CC3619347}"/>
+                <a16:creationId xmlns:a16="http://schemas.microsoft.com/office/drawing/2014/main" id="{168B77B5-211C-456E-B79F-306CC3619347}"/>
               </a:ext>
             </a:extLst>
           </p:cNvPr>
@@ -4141,7 +4152,7 @@
           <p:cNvPr id="11" name="Rectangle 10">
             <a:extLst>
               <a:ext uri="{FF2B5EF4-FFF2-40B4-BE49-F238E27FC236}">
-                <a16:creationId xmlns:a16="http://schemas.microsoft.com/office/drawing/2014/main" xmlns="" id="{3B63C338-194D-4F23-ABEC-60A7EA96F302}"/>
+                <a16:creationId xmlns:a16="http://schemas.microsoft.com/office/drawing/2014/main" id="{3B63C338-194D-4F23-ABEC-60A7EA96F302}"/>
               </a:ext>
             </a:extLst>
           </p:cNvPr>
@@ -4222,7 +4233,7 @@
           <p:cNvPr id="2" name="Title 1">
             <a:extLst>
               <a:ext uri="{FF2B5EF4-FFF2-40B4-BE49-F238E27FC236}">
-                <a16:creationId xmlns:a16="http://schemas.microsoft.com/office/drawing/2014/main" xmlns="" id="{A0C04DCC-0E3E-4F05-9FAC-9FA6CA4B2BAE}"/>
+                <a16:creationId xmlns:a16="http://schemas.microsoft.com/office/drawing/2014/main" id="{A0C04DCC-0E3E-4F05-9FAC-9FA6CA4B2BAE}"/>
               </a:ext>
             </a:extLst>
           </p:cNvPr>
@@ -4264,7 +4275,7 @@
           <p:cNvPr id="3" name="Picture Placeholder 2">
             <a:extLst>
               <a:ext uri="{FF2B5EF4-FFF2-40B4-BE49-F238E27FC236}">
-                <a16:creationId xmlns:a16="http://schemas.microsoft.com/office/drawing/2014/main" xmlns="" id="{EBA29649-B19F-499E-8E9A-3577EAC8F031}"/>
+                <a16:creationId xmlns:a16="http://schemas.microsoft.com/office/drawing/2014/main" id="{EBA29649-B19F-499E-8E9A-3577EAC8F031}"/>
               </a:ext>
             </a:extLst>
           </p:cNvPr>
@@ -4336,7 +4347,7 @@
           <p:cNvPr id="4" name="Text Placeholder 3">
             <a:extLst>
               <a:ext uri="{FF2B5EF4-FFF2-40B4-BE49-F238E27FC236}">
-                <a16:creationId xmlns:a16="http://schemas.microsoft.com/office/drawing/2014/main" xmlns="" id="{1BC9EF2E-A8CD-41A1-B11A-0D8842797A98}"/>
+                <a16:creationId xmlns:a16="http://schemas.microsoft.com/office/drawing/2014/main" id="{1BC9EF2E-A8CD-41A1-B11A-0D8842797A98}"/>
               </a:ext>
             </a:extLst>
           </p:cNvPr>
@@ -4409,7 +4420,7 @@
           <p:cNvPr id="5" name="Date Placeholder 4">
             <a:extLst>
               <a:ext uri="{FF2B5EF4-FFF2-40B4-BE49-F238E27FC236}">
-                <a16:creationId xmlns:a16="http://schemas.microsoft.com/office/drawing/2014/main" xmlns="" id="{B44257B5-0DE0-401F-9171-E8687A97DBA7}"/>
+                <a16:creationId xmlns:a16="http://schemas.microsoft.com/office/drawing/2014/main" id="{B44257B5-0DE0-401F-9171-E8687A97DBA7}"/>
               </a:ext>
             </a:extLst>
           </p:cNvPr>
@@ -4432,7 +4443,7 @@
           <a:p>
             <a:fld id="{02AC24A9-CCB6-4F8D-B8DB-C2F3692CFA5A}" type="datetimeFigureOut">
               <a:rPr lang="en-US" smtClean="0"/>
-              <a:t>11/20/2023</a:t>
+              <a:t>12/12/2023</a:t>
             </a:fld>
             <a:endParaRPr lang="en-US"/>
           </a:p>
@@ -4443,7 +4454,7 @@
           <p:cNvPr id="6" name="Footer Placeholder 5">
             <a:extLst>
               <a:ext uri="{FF2B5EF4-FFF2-40B4-BE49-F238E27FC236}">
-                <a16:creationId xmlns:a16="http://schemas.microsoft.com/office/drawing/2014/main" xmlns="" id="{788CD9AD-D667-4FD4-AA34-428AA0BCD09E}"/>
+                <a16:creationId xmlns:a16="http://schemas.microsoft.com/office/drawing/2014/main" id="{788CD9AD-D667-4FD4-AA34-428AA0BCD09E}"/>
               </a:ext>
             </a:extLst>
           </p:cNvPr>
@@ -4468,7 +4479,7 @@
           <p:cNvPr id="7" name="Slide Number Placeholder 6">
             <a:extLst>
               <a:ext uri="{FF2B5EF4-FFF2-40B4-BE49-F238E27FC236}">
-                <a16:creationId xmlns:a16="http://schemas.microsoft.com/office/drawing/2014/main" xmlns="" id="{18770FB6-F273-4BA6-8B97-9835AC537871}"/>
+                <a16:creationId xmlns:a16="http://schemas.microsoft.com/office/drawing/2014/main" id="{18770FB6-F273-4BA6-8B97-9835AC537871}"/>
               </a:ext>
             </a:extLst>
           </p:cNvPr>
@@ -4532,7 +4543,7 @@
           <p:cNvPr id="2" name="Title Placeholder 1">
             <a:extLst>
               <a:ext uri="{FF2B5EF4-FFF2-40B4-BE49-F238E27FC236}">
-                <a16:creationId xmlns:a16="http://schemas.microsoft.com/office/drawing/2014/main" xmlns="" id="{BB325BDE-35A4-4AAD-960B-C1415864ADD9}"/>
+                <a16:creationId xmlns:a16="http://schemas.microsoft.com/office/drawing/2014/main" id="{BB325BDE-35A4-4AAD-960B-C1415864ADD9}"/>
               </a:ext>
             </a:extLst>
           </p:cNvPr>
@@ -4571,7 +4582,7 @@
           <p:cNvPr id="3" name="Text Placeholder 2">
             <a:extLst>
               <a:ext uri="{FF2B5EF4-FFF2-40B4-BE49-F238E27FC236}">
-                <a16:creationId xmlns:a16="http://schemas.microsoft.com/office/drawing/2014/main" xmlns="" id="{BE459C78-0CC4-4552-93DD-49B4194D005D}"/>
+                <a16:creationId xmlns:a16="http://schemas.microsoft.com/office/drawing/2014/main" id="{BE459C78-0CC4-4552-93DD-49B4194D005D}"/>
               </a:ext>
             </a:extLst>
           </p:cNvPr>
@@ -4639,7 +4650,7 @@
           <p:cNvPr id="4" name="Date Placeholder 3">
             <a:extLst>
               <a:ext uri="{FF2B5EF4-FFF2-40B4-BE49-F238E27FC236}">
-                <a16:creationId xmlns:a16="http://schemas.microsoft.com/office/drawing/2014/main" xmlns="" id="{06744A3C-9C54-46A6-B3EF-5B36362423EB}"/>
+                <a16:creationId xmlns:a16="http://schemas.microsoft.com/office/drawing/2014/main" id="{06744A3C-9C54-46A6-B3EF-5B36362423EB}"/>
               </a:ext>
             </a:extLst>
           </p:cNvPr>
@@ -4675,7 +4686,7 @@
           <a:p>
             <a:fld id="{02AC24A9-CCB6-4F8D-B8DB-C2F3692CFA5A}" type="datetimeFigureOut">
               <a:rPr lang="en-US" smtClean="0"/>
-              <a:t>11/20/2023</a:t>
+              <a:t>12/12/2023</a:t>
             </a:fld>
             <a:endParaRPr lang="en-US"/>
           </a:p>
@@ -4686,7 +4697,7 @@
           <p:cNvPr id="5" name="Footer Placeholder 4">
             <a:extLst>
               <a:ext uri="{FF2B5EF4-FFF2-40B4-BE49-F238E27FC236}">
-                <a16:creationId xmlns:a16="http://schemas.microsoft.com/office/drawing/2014/main" xmlns="" id="{07D5A696-7B4B-4181-A961-7D66556D507F}"/>
+                <a16:creationId xmlns:a16="http://schemas.microsoft.com/office/drawing/2014/main" id="{07D5A696-7B4B-4181-A961-7D66556D507F}"/>
               </a:ext>
             </a:extLst>
           </p:cNvPr>
@@ -4729,7 +4740,7 @@
           <p:cNvPr id="6" name="Slide Number Placeholder 5">
             <a:extLst>
               <a:ext uri="{FF2B5EF4-FFF2-40B4-BE49-F238E27FC236}">
-                <a16:creationId xmlns:a16="http://schemas.microsoft.com/office/drawing/2014/main" xmlns="" id="{23038CB5-8F4A-401D-A3A9-B27DC15B7A81}"/>
+                <a16:creationId xmlns:a16="http://schemas.microsoft.com/office/drawing/2014/main" id="{23038CB5-8F4A-401D-A3A9-B27DC15B7A81}"/>
               </a:ext>
             </a:extLst>
           </p:cNvPr>
@@ -5105,10 +5116,10 @@
           <p:cNvPr id="9" name="Rectangle 8">
             <a:extLst>
               <a:ext uri="{FF2B5EF4-FFF2-40B4-BE49-F238E27FC236}">
-                <a16:creationId xmlns:a16="http://schemas.microsoft.com/office/drawing/2014/main" xmlns="" id="{526E0BFB-CDF1-4990-8C11-AC849311E0A8}"/>
+                <a16:creationId xmlns:a16="http://schemas.microsoft.com/office/drawing/2014/main" id="{526E0BFB-CDF1-4990-8C11-AC849311E0A8}"/>
               </a:ext>
               <a:ext uri="{C183D7F6-B498-43B3-948B-1728B52AA6E4}">
-                <adec:decorative xmlns:adec="http://schemas.microsoft.com/office/drawing/2017/decorative" xmlns="" val="1"/>
+                <adec:decorative xmlns:adec="http://schemas.microsoft.com/office/drawing/2017/decorative" val="1"/>
               </a:ext>
             </a:extLst>
           </p:cNvPr>
@@ -5118,7 +5129,7 @@
           <p:nvPr>
             <p:extLst>
               <p:ext uri="{386F3935-93C4-4BCD-93E2-E3B085C9AB24}">
-                <p16:designElem xmlns:p16="http://schemas.microsoft.com/office/powerpoint/2015/main" xmlns="" val="1"/>
+                <p16:designElem xmlns:p16="http://schemas.microsoft.com/office/powerpoint/2015/main" val="1"/>
               </p:ext>
             </p:extLst>
           </p:nvPr>
@@ -5165,7 +5176,7 @@
           <p:cNvPr id="4" name="Picture 3">
             <a:extLst>
               <a:ext uri="{FF2B5EF4-FFF2-40B4-BE49-F238E27FC236}">
-                <a16:creationId xmlns:a16="http://schemas.microsoft.com/office/drawing/2014/main" xmlns="" id="{4C72F330-992B-B125-739B-F8303ED3A097}"/>
+                <a16:creationId xmlns:a16="http://schemas.microsoft.com/office/drawing/2014/main" id="{4C72F330-992B-B125-739B-F8303ED3A097}"/>
               </a:ext>
             </a:extLst>
           </p:cNvPr>
@@ -5194,10 +5205,10 @@
           <p:cNvPr id="11" name="Rectangle 10">
             <a:extLst>
               <a:ext uri="{FF2B5EF4-FFF2-40B4-BE49-F238E27FC236}">
-                <a16:creationId xmlns:a16="http://schemas.microsoft.com/office/drawing/2014/main" xmlns="" id="{6069A1F8-9BEB-4786-9694-FC48B2D75D21}"/>
+                <a16:creationId xmlns:a16="http://schemas.microsoft.com/office/drawing/2014/main" id="{6069A1F8-9BEB-4786-9694-FC48B2D75D21}"/>
               </a:ext>
               <a:ext uri="{C183D7F6-B498-43B3-948B-1728B52AA6E4}">
-                <adec:decorative xmlns:adec="http://schemas.microsoft.com/office/drawing/2017/decorative" xmlns="" val="1"/>
+                <adec:decorative xmlns:adec="http://schemas.microsoft.com/office/drawing/2017/decorative" val="1"/>
               </a:ext>
             </a:extLst>
           </p:cNvPr>
@@ -5207,7 +5218,7 @@
           <p:nvPr>
             <p:extLst>
               <p:ext uri="{386F3935-93C4-4BCD-93E2-E3B085C9AB24}">
-                <p16:designElem xmlns:p16="http://schemas.microsoft.com/office/powerpoint/2015/main" xmlns="" val="1"/>
+                <p16:designElem xmlns:p16="http://schemas.microsoft.com/office/powerpoint/2015/main" val="1"/>
               </p:ext>
             </p:extLst>
           </p:nvPr>
@@ -5275,7 +5286,7 @@
           <p:cNvPr id="2" name="Titre 1">
             <a:extLst>
               <a:ext uri="{FF2B5EF4-FFF2-40B4-BE49-F238E27FC236}">
-                <a16:creationId xmlns:a16="http://schemas.microsoft.com/office/drawing/2014/main" xmlns="" id="{CF8D1EB8-F6E7-EB54-1CC8-28472070B9FC}"/>
+                <a16:creationId xmlns:a16="http://schemas.microsoft.com/office/drawing/2014/main" id="{CF8D1EB8-F6E7-EB54-1CC8-28472070B9FC}"/>
               </a:ext>
             </a:extLst>
           </p:cNvPr>
@@ -5309,12 +5320,6 @@
                 <a:latin typeface="Bahnschrift SemiBold" panose="020B0502040204020203" pitchFamily="34" charset="0"/>
               </a:rPr>
             </a:br>
-            <a:r>
-              <a:rPr lang="fr-FR" sz="4800" dirty="0">
-                <a:latin typeface="Bahnschrift SemiBold" panose="020B0502040204020203" pitchFamily="34" charset="0"/>
-              </a:rPr>
-              <a:t/>
-            </a:r>
             <a:br>
               <a:rPr lang="fr-FR" sz="4800" dirty="0">
                 <a:latin typeface="Bahnschrift SemiBold" panose="020B0502040204020203" pitchFamily="34" charset="0"/>
@@ -5334,7 +5339,7 @@
           <p:cNvPr id="3" name="Sous-titre 2">
             <a:extLst>
               <a:ext uri="{FF2B5EF4-FFF2-40B4-BE49-F238E27FC236}">
-                <a16:creationId xmlns:a16="http://schemas.microsoft.com/office/drawing/2014/main" xmlns="" id="{BDFEFAEF-AB6A-BE8F-01E7-845FB609FA07}"/>
+                <a16:creationId xmlns:a16="http://schemas.microsoft.com/office/drawing/2014/main" id="{BDFEFAEF-AB6A-BE8F-01E7-845FB609FA07}"/>
               </a:ext>
             </a:extLst>
           </p:cNvPr>
@@ -5371,10 +5376,10 @@
           <p:cNvPr id="32" name="Rectangle 12">
             <a:extLst>
               <a:ext uri="{FF2B5EF4-FFF2-40B4-BE49-F238E27FC236}">
-                <a16:creationId xmlns:a16="http://schemas.microsoft.com/office/drawing/2014/main" xmlns="" id="{AF2F604E-43BE-4DC3-B983-E071523364F8}"/>
+                <a16:creationId xmlns:a16="http://schemas.microsoft.com/office/drawing/2014/main" id="{AF2F604E-43BE-4DC3-B983-E071523364F8}"/>
               </a:ext>
               <a:ext uri="{C183D7F6-B498-43B3-948B-1728B52AA6E4}">
-                <adec:decorative xmlns:adec="http://schemas.microsoft.com/office/drawing/2017/decorative" xmlns="" val="1"/>
+                <adec:decorative xmlns:adec="http://schemas.microsoft.com/office/drawing/2017/decorative" val="1"/>
               </a:ext>
             </a:extLst>
           </p:cNvPr>
@@ -5384,7 +5389,7 @@
           <p:nvPr>
             <p:extLst>
               <p:ext uri="{386F3935-93C4-4BCD-93E2-E3B085C9AB24}">
-                <p16:designElem xmlns:p16="http://schemas.microsoft.com/office/powerpoint/2015/main" xmlns="" val="1"/>
+                <p16:designElem xmlns:p16="http://schemas.microsoft.com/office/powerpoint/2015/main" val="1"/>
               </p:ext>
             </p:extLst>
           </p:nvPr>
@@ -5463,10 +5468,10 @@
           <p:cNvPr id="33" name="Rectangle 14">
             <a:extLst>
               <a:ext uri="{FF2B5EF4-FFF2-40B4-BE49-F238E27FC236}">
-                <a16:creationId xmlns:a16="http://schemas.microsoft.com/office/drawing/2014/main" xmlns="" id="{08C9B587-E65E-4B52-B37C-ABEBB6E87928}"/>
+                <a16:creationId xmlns:a16="http://schemas.microsoft.com/office/drawing/2014/main" id="{08C9B587-E65E-4B52-B37C-ABEBB6E87928}"/>
               </a:ext>
               <a:ext uri="{C183D7F6-B498-43B3-948B-1728B52AA6E4}">
-                <adec:decorative xmlns:adec="http://schemas.microsoft.com/office/drawing/2017/decorative" xmlns="" val="1"/>
+                <adec:decorative xmlns:adec="http://schemas.microsoft.com/office/drawing/2017/decorative" val="1"/>
               </a:ext>
             </a:extLst>
           </p:cNvPr>
@@ -5476,7 +5481,7 @@
           <p:nvPr>
             <p:extLst>
               <p:ext uri="{386F3935-93C4-4BCD-93E2-E3B085C9AB24}">
-                <p16:designElem xmlns:p16="http://schemas.microsoft.com/office/powerpoint/2015/main" xmlns="" val="1"/>
+                <p16:designElem xmlns:p16="http://schemas.microsoft.com/office/powerpoint/2015/main" val="1"/>
               </p:ext>
             </p:extLst>
           </p:nvPr>
@@ -5556,7 +5561,7 @@
           <p:cNvPr id="6" name="Image 5" descr="Une image contenant texte&#10;&#10;Description générée automatiquement">
             <a:extLst>
               <a:ext uri="{FF2B5EF4-FFF2-40B4-BE49-F238E27FC236}">
-                <a16:creationId xmlns:a16="http://schemas.microsoft.com/office/drawing/2014/main" xmlns="" id="{3D75D9F9-6192-EA6A-A7C9-F09C6FC342AD}"/>
+                <a16:creationId xmlns:a16="http://schemas.microsoft.com/office/drawing/2014/main" id="{3D75D9F9-6192-EA6A-A7C9-F09C6FC342AD}"/>
               </a:ext>
             </a:extLst>
           </p:cNvPr>
@@ -5622,7 +5627,7 @@
           <p:cNvPr id="2" name="Titre 1">
             <a:extLst>
               <a:ext uri="{FF2B5EF4-FFF2-40B4-BE49-F238E27FC236}">
-                <a16:creationId xmlns:a16="http://schemas.microsoft.com/office/drawing/2014/main" xmlns="" id="{90162AE8-C1B0-5C56-8313-DEE494F38273}"/>
+                <a16:creationId xmlns:a16="http://schemas.microsoft.com/office/drawing/2014/main" id="{90162AE8-C1B0-5C56-8313-DEE494F38273}"/>
               </a:ext>
             </a:extLst>
           </p:cNvPr>
@@ -5650,7 +5655,7 @@
           <p:cNvPr id="5" name="Image 4" descr="Une image contenant texte&#10;&#10;Description générée automatiquement">
             <a:extLst>
               <a:ext uri="{FF2B5EF4-FFF2-40B4-BE49-F238E27FC236}">
-                <a16:creationId xmlns:a16="http://schemas.microsoft.com/office/drawing/2014/main" xmlns="" id="{204ADC40-1D61-539F-22ED-6B21D67FBDE6}"/>
+                <a16:creationId xmlns:a16="http://schemas.microsoft.com/office/drawing/2014/main" id="{204ADC40-1D61-539F-22ED-6B21D67FBDE6}"/>
               </a:ext>
             </a:extLst>
           </p:cNvPr>
@@ -5686,7 +5691,7 @@
           <p:cNvPr id="4" name="Espace réservé du contenu 3">
             <a:extLst>
               <a:ext uri="{FF2B5EF4-FFF2-40B4-BE49-F238E27FC236}">
-                <a16:creationId xmlns:a16="http://schemas.microsoft.com/office/drawing/2014/main" xmlns="" id="{065D7787-5672-CB74-A1C6-896A93BE6AF3}"/>
+                <a16:creationId xmlns:a16="http://schemas.microsoft.com/office/drawing/2014/main" id="{065D7787-5672-CB74-A1C6-896A93BE6AF3}"/>
               </a:ext>
             </a:extLst>
           </p:cNvPr>
@@ -5766,7 +5771,7 @@
           <p:cNvPr id="8" name="ZoneTexte 7">
             <a:extLst>
               <a:ext uri="{FF2B5EF4-FFF2-40B4-BE49-F238E27FC236}">
-                <a16:creationId xmlns:a16="http://schemas.microsoft.com/office/drawing/2014/main" xmlns="" id="{68758EE3-AB7D-E7C8-90BD-77D1155B966A}"/>
+                <a16:creationId xmlns:a16="http://schemas.microsoft.com/office/drawing/2014/main" id="{68758EE3-AB7D-E7C8-90BD-77D1155B966A}"/>
               </a:ext>
             </a:extLst>
           </p:cNvPr>
@@ -5806,7 +5811,7 @@
           <p:cNvPr id="3" name="Espace réservé du contenu 3">
             <a:extLst>
               <a:ext uri="{FF2B5EF4-FFF2-40B4-BE49-F238E27FC236}">
-                <a16:creationId xmlns:a16="http://schemas.microsoft.com/office/drawing/2014/main" xmlns="" id="{C286C4A6-2AB7-32A2-6489-6BBE1FC69413}"/>
+                <a16:creationId xmlns:a16="http://schemas.microsoft.com/office/drawing/2014/main" id="{C286C4A6-2AB7-32A2-6489-6BBE1FC69413}"/>
               </a:ext>
             </a:extLst>
           </p:cNvPr>
@@ -6056,7 +6061,7 @@
           <p:cNvPr id="2" name="Titre 1">
             <a:extLst>
               <a:ext uri="{FF2B5EF4-FFF2-40B4-BE49-F238E27FC236}">
-                <a16:creationId xmlns:a16="http://schemas.microsoft.com/office/drawing/2014/main" xmlns="" id="{90162AE8-C1B0-5C56-8313-DEE494F38273}"/>
+                <a16:creationId xmlns:a16="http://schemas.microsoft.com/office/drawing/2014/main" id="{90162AE8-C1B0-5C56-8313-DEE494F38273}"/>
               </a:ext>
             </a:extLst>
           </p:cNvPr>
@@ -6084,7 +6089,7 @@
           <p:cNvPr id="5" name="Image 4" descr="Une image contenant texte&#10;&#10;Description générée automatiquement">
             <a:extLst>
               <a:ext uri="{FF2B5EF4-FFF2-40B4-BE49-F238E27FC236}">
-                <a16:creationId xmlns:a16="http://schemas.microsoft.com/office/drawing/2014/main" xmlns="" id="{204ADC40-1D61-539F-22ED-6B21D67FBDE6}"/>
+                <a16:creationId xmlns:a16="http://schemas.microsoft.com/office/drawing/2014/main" id="{204ADC40-1D61-539F-22ED-6B21D67FBDE6}"/>
               </a:ext>
             </a:extLst>
           </p:cNvPr>
@@ -6120,7 +6125,7 @@
           <p:cNvPr id="17" name="ZoneTexte 16">
             <a:extLst>
               <a:ext uri="{FF2B5EF4-FFF2-40B4-BE49-F238E27FC236}">
-                <a16:creationId xmlns:a16="http://schemas.microsoft.com/office/drawing/2014/main" xmlns="" id="{2FE2EFB8-5223-2DB3-AC55-87C8590EB7A6}"/>
+                <a16:creationId xmlns:a16="http://schemas.microsoft.com/office/drawing/2014/main" id="{2FE2EFB8-5223-2DB3-AC55-87C8590EB7A6}"/>
               </a:ext>
             </a:extLst>
           </p:cNvPr>
@@ -6243,7 +6248,7 @@
           <p:cNvPr id="19" name="ZoneTexte 18">
             <a:extLst>
               <a:ext uri="{FF2B5EF4-FFF2-40B4-BE49-F238E27FC236}">
-                <a16:creationId xmlns:a16="http://schemas.microsoft.com/office/drawing/2014/main" xmlns="" id="{813663FB-4E81-1D60-66FC-80DE8402CD7F}"/>
+                <a16:creationId xmlns:a16="http://schemas.microsoft.com/office/drawing/2014/main" id="{813663FB-4E81-1D60-66FC-80DE8402CD7F}"/>
               </a:ext>
             </a:extLst>
           </p:cNvPr>
@@ -6324,7 +6329,7 @@
           <p:cNvPr id="20" name="Signe de multiplication 19">
             <a:extLst>
               <a:ext uri="{FF2B5EF4-FFF2-40B4-BE49-F238E27FC236}">
-                <a16:creationId xmlns:a16="http://schemas.microsoft.com/office/drawing/2014/main" xmlns="" id="{3683F43E-BB88-9A77-7A6A-950374FBB650}"/>
+                <a16:creationId xmlns:a16="http://schemas.microsoft.com/office/drawing/2014/main" id="{3683F43E-BB88-9A77-7A6A-950374FBB650}"/>
               </a:ext>
             </a:extLst>
           </p:cNvPr>
@@ -6372,7 +6377,7 @@
           <p:cNvPr id="21" name="image4.png">
             <a:extLst>
               <a:ext uri="{FF2B5EF4-FFF2-40B4-BE49-F238E27FC236}">
-                <a16:creationId xmlns:a16="http://schemas.microsoft.com/office/drawing/2014/main" xmlns="" id="{F449CC9F-7226-A6E5-A262-ECFCD3E55C11}"/>
+                <a16:creationId xmlns:a16="http://schemas.microsoft.com/office/drawing/2014/main" id="{F449CC9F-7226-A6E5-A262-ECFCD3E55C11}"/>
               </a:ext>
             </a:extLst>
           </p:cNvPr>
@@ -6402,7 +6407,7 @@
           <p:cNvPr id="22" name="image2.png">
             <a:extLst>
               <a:ext uri="{FF2B5EF4-FFF2-40B4-BE49-F238E27FC236}">
-                <a16:creationId xmlns:a16="http://schemas.microsoft.com/office/drawing/2014/main" xmlns="" id="{7A2C245E-CD2E-66F0-6224-3C921E14C76F}"/>
+                <a16:creationId xmlns:a16="http://schemas.microsoft.com/office/drawing/2014/main" id="{7A2C245E-CD2E-66F0-6224-3C921E14C76F}"/>
               </a:ext>
             </a:extLst>
           </p:cNvPr>
@@ -6432,7 +6437,7 @@
           <p:cNvPr id="23" name="image7.png">
             <a:extLst>
               <a:ext uri="{FF2B5EF4-FFF2-40B4-BE49-F238E27FC236}">
-                <a16:creationId xmlns:a16="http://schemas.microsoft.com/office/drawing/2014/main" xmlns="" id="{0A18A1F5-13D1-ACCE-0891-5B57837BAC45}"/>
+                <a16:creationId xmlns:a16="http://schemas.microsoft.com/office/drawing/2014/main" id="{0A18A1F5-13D1-ACCE-0891-5B57837BAC45}"/>
               </a:ext>
             </a:extLst>
           </p:cNvPr>
@@ -6462,7 +6467,7 @@
           <p:cNvPr id="24" name="ZoneTexte 23">
             <a:extLst>
               <a:ext uri="{FF2B5EF4-FFF2-40B4-BE49-F238E27FC236}">
-                <a16:creationId xmlns:a16="http://schemas.microsoft.com/office/drawing/2014/main" xmlns="" id="{D2BB8ACD-5D25-BB60-FE4B-E7F088EE366A}"/>
+                <a16:creationId xmlns:a16="http://schemas.microsoft.com/office/drawing/2014/main" id="{D2BB8ACD-5D25-BB60-FE4B-E7F088EE366A}"/>
               </a:ext>
             </a:extLst>
           </p:cNvPr>
@@ -6575,7 +6580,7 @@
           <p:cNvPr id="25" name="Signe de multiplication 24">
             <a:extLst>
               <a:ext uri="{FF2B5EF4-FFF2-40B4-BE49-F238E27FC236}">
-                <a16:creationId xmlns:a16="http://schemas.microsoft.com/office/drawing/2014/main" xmlns="" id="{D182780B-D8A8-FD8E-F6C0-CE26F37D6640}"/>
+                <a16:creationId xmlns:a16="http://schemas.microsoft.com/office/drawing/2014/main" id="{D182780B-D8A8-FD8E-F6C0-CE26F37D6640}"/>
               </a:ext>
             </a:extLst>
           </p:cNvPr>
@@ -6623,7 +6628,7 @@
           <p:cNvPr id="27" name="ZoneTexte 26">
             <a:extLst>
               <a:ext uri="{FF2B5EF4-FFF2-40B4-BE49-F238E27FC236}">
-                <a16:creationId xmlns:a16="http://schemas.microsoft.com/office/drawing/2014/main" xmlns="" id="{9D17E7CD-1E59-F5A2-A692-ED61EF2C175D}"/>
+                <a16:creationId xmlns:a16="http://schemas.microsoft.com/office/drawing/2014/main" id="{9D17E7CD-1E59-F5A2-A692-ED61EF2C175D}"/>
               </a:ext>
             </a:extLst>
           </p:cNvPr>
@@ -6697,7 +6702,7 @@
           <p:cNvPr id="2" name="Titre 1">
             <a:extLst>
               <a:ext uri="{FF2B5EF4-FFF2-40B4-BE49-F238E27FC236}">
-                <a16:creationId xmlns:a16="http://schemas.microsoft.com/office/drawing/2014/main" xmlns="" id="{90162AE8-C1B0-5C56-8313-DEE494F38273}"/>
+                <a16:creationId xmlns:a16="http://schemas.microsoft.com/office/drawing/2014/main" id="{90162AE8-C1B0-5C56-8313-DEE494F38273}"/>
               </a:ext>
             </a:extLst>
           </p:cNvPr>
@@ -6714,10 +6719,9 @@
           <a:lstStyle/>
           <a:p>
             <a:r>
-              <a:rPr lang="fr-FR" dirty="0" smtClean="0"/>
+              <a:rPr lang="fr-FR" dirty="0"/>
               <a:t>Filtrage</a:t>
             </a:r>
-            <a:endParaRPr lang="fr-FR" dirty="0"/>
           </a:p>
         </p:txBody>
       </p:sp>
@@ -6726,7 +6730,7 @@
           <p:cNvPr id="5" name="Image 4" descr="Une image contenant texte&#10;&#10;Description générée automatiquement">
             <a:extLst>
               <a:ext uri="{FF2B5EF4-FFF2-40B4-BE49-F238E27FC236}">
-                <a16:creationId xmlns:a16="http://schemas.microsoft.com/office/drawing/2014/main" xmlns="" id="{204ADC40-1D61-539F-22ED-6B21D67FBDE6}"/>
+                <a16:creationId xmlns:a16="http://schemas.microsoft.com/office/drawing/2014/main" id="{204ADC40-1D61-539F-22ED-6B21D67FBDE6}"/>
               </a:ext>
             </a:extLst>
           </p:cNvPr>
@@ -6762,7 +6766,7 @@
           <p:cNvPr id="23" name="image7.png">
             <a:extLst>
               <a:ext uri="{FF2B5EF4-FFF2-40B4-BE49-F238E27FC236}">
-                <a16:creationId xmlns:a16="http://schemas.microsoft.com/office/drawing/2014/main" xmlns="" id="{0A18A1F5-13D1-ACCE-0891-5B57837BAC45}"/>
+                <a16:creationId xmlns:a16="http://schemas.microsoft.com/office/drawing/2014/main" id="{0A18A1F5-13D1-ACCE-0891-5B57837BAC45}"/>
               </a:ext>
             </a:extLst>
           </p:cNvPr>
@@ -6792,7 +6796,7 @@
           <p:cNvPr id="27" name="ZoneTexte 26">
             <a:extLst>
               <a:ext uri="{FF2B5EF4-FFF2-40B4-BE49-F238E27FC236}">
-                <a16:creationId xmlns:a16="http://schemas.microsoft.com/office/drawing/2014/main" xmlns="" id="{9D17E7CD-1E59-F5A2-A692-ED61EF2C175D}"/>
+                <a16:creationId xmlns:a16="http://schemas.microsoft.com/office/drawing/2014/main" id="{9D17E7CD-1E59-F5A2-A692-ED61EF2C175D}"/>
               </a:ext>
             </a:extLst>
           </p:cNvPr>
@@ -6962,14 +6966,13 @@
           <a:lstStyle/>
           <a:p>
             <a:r>
-              <a:rPr lang="fr-FR" dirty="0" smtClean="0"/>
+              <a:rPr lang="fr-FR" dirty="0"/>
               <a:t>-f</a:t>
             </a:r>
             <a:r>
-              <a:rPr lang="fr-FR" baseline="-25000" dirty="0" smtClean="0"/>
+              <a:rPr lang="fr-FR" baseline="-25000" dirty="0"/>
               <a:t>p</a:t>
             </a:r>
-            <a:endParaRPr lang="fr-FR" baseline="-25000" dirty="0"/>
           </a:p>
         </p:txBody>
       </p:sp>
@@ -6996,14 +6999,13 @@
           <a:lstStyle/>
           <a:p>
             <a:r>
-              <a:rPr lang="fr-FR" dirty="0" smtClean="0"/>
+              <a:rPr lang="fr-FR" dirty="0"/>
               <a:t>f</a:t>
             </a:r>
             <a:r>
-              <a:rPr lang="fr-FR" baseline="-25000" dirty="0" smtClean="0"/>
+              <a:rPr lang="fr-FR" baseline="-25000" dirty="0"/>
               <a:t>p</a:t>
             </a:r>
-            <a:endParaRPr lang="fr-FR" baseline="-25000" dirty="0"/>
           </a:p>
         </p:txBody>
       </p:sp>
@@ -7042,7 +7044,7 @@
           <p:cNvPr id="2" name="Titre 1">
             <a:extLst>
               <a:ext uri="{FF2B5EF4-FFF2-40B4-BE49-F238E27FC236}">
-                <a16:creationId xmlns:a16="http://schemas.microsoft.com/office/drawing/2014/main" xmlns="" id="{90162AE8-C1B0-5C56-8313-DEE494F38273}"/>
+                <a16:creationId xmlns:a16="http://schemas.microsoft.com/office/drawing/2014/main" id="{90162AE8-C1B0-5C56-8313-DEE494F38273}"/>
               </a:ext>
             </a:extLst>
           </p:cNvPr>
@@ -7059,10 +7061,9 @@
           <a:lstStyle/>
           <a:p>
             <a:r>
-              <a:rPr lang="fr-FR" dirty="0" smtClean="0"/>
+              <a:rPr lang="fr-FR" dirty="0"/>
               <a:t>Rappel sur la Transformée de Fourier</a:t>
             </a:r>
-            <a:endParaRPr lang="fr-FR" dirty="0"/>
           </a:p>
         </p:txBody>
       </p:sp>
@@ -7071,7 +7072,7 @@
           <p:cNvPr id="5" name="Image 4" descr="Une image contenant texte&#10;&#10;Description générée automatiquement">
             <a:extLst>
               <a:ext uri="{FF2B5EF4-FFF2-40B4-BE49-F238E27FC236}">
-                <a16:creationId xmlns:a16="http://schemas.microsoft.com/office/drawing/2014/main" xmlns="" id="{204ADC40-1D61-539F-22ED-6B21D67FBDE6}"/>
+                <a16:creationId xmlns:a16="http://schemas.microsoft.com/office/drawing/2014/main" id="{204ADC40-1D61-539F-22ED-6B21D67FBDE6}"/>
               </a:ext>
             </a:extLst>
           </p:cNvPr>
@@ -7219,7 +7220,7 @@
           <p:cNvPr id="2" name="Titre 1">
             <a:extLst>
               <a:ext uri="{FF2B5EF4-FFF2-40B4-BE49-F238E27FC236}">
-                <a16:creationId xmlns:a16="http://schemas.microsoft.com/office/drawing/2014/main" xmlns="" id="{90162AE8-C1B0-5C56-8313-DEE494F38273}"/>
+                <a16:creationId xmlns:a16="http://schemas.microsoft.com/office/drawing/2014/main" id="{90162AE8-C1B0-5C56-8313-DEE494F38273}"/>
               </a:ext>
             </a:extLst>
           </p:cNvPr>
@@ -7236,10 +7237,9 @@
           <a:lstStyle/>
           <a:p>
             <a:r>
-              <a:rPr lang="fr-FR" dirty="0" smtClean="0"/>
+              <a:rPr lang="fr-FR" dirty="0"/>
               <a:t>Rappel sur la FFT</a:t>
             </a:r>
-            <a:endParaRPr lang="fr-FR" dirty="0"/>
           </a:p>
         </p:txBody>
       </p:sp>
@@ -7248,7 +7248,7 @@
           <p:cNvPr id="5" name="Image 4" descr="Une image contenant texte&#10;&#10;Description générée automatiquement">
             <a:extLst>
               <a:ext uri="{FF2B5EF4-FFF2-40B4-BE49-F238E27FC236}">
-                <a16:creationId xmlns:a16="http://schemas.microsoft.com/office/drawing/2014/main" xmlns="" id="{204ADC40-1D61-539F-22ED-6B21D67FBDE6}"/>
+                <a16:creationId xmlns:a16="http://schemas.microsoft.com/office/drawing/2014/main" id="{204ADC40-1D61-539F-22ED-6B21D67FBDE6}"/>
               </a:ext>
             </a:extLst>
           </p:cNvPr>
@@ -7559,7 +7559,7 @@
           <a:lstStyle/>
           <a:p>
             <a:r>
-              <a:rPr lang="fr-FR" dirty="0" err="1" smtClean="0">
+              <a:rPr lang="fr-FR" dirty="0" err="1">
                 <a:solidFill>
                   <a:srgbClr val="0070C0"/>
                 </a:solidFill>
@@ -7567,7 +7567,7 @@
               <a:t>f</a:t>
             </a:r>
             <a:r>
-              <a:rPr lang="fr-FR" baseline="-25000" dirty="0" err="1" smtClean="0">
+              <a:rPr lang="fr-FR" baseline="-25000" dirty="0" err="1">
                 <a:solidFill>
                   <a:srgbClr val="0070C0"/>
                 </a:solidFill>
@@ -7605,7 +7605,7 @@
           <a:lstStyle/>
           <a:p>
             <a:r>
-              <a:rPr lang="fr-FR" dirty="0" smtClean="0">
+              <a:rPr lang="fr-FR" dirty="0">
                 <a:solidFill>
                   <a:srgbClr val="0070C0"/>
                 </a:solidFill>
@@ -7655,7 +7655,7 @@
           <p:cNvPr id="2" name="Titre 1">
             <a:extLst>
               <a:ext uri="{FF2B5EF4-FFF2-40B4-BE49-F238E27FC236}">
-                <a16:creationId xmlns:a16="http://schemas.microsoft.com/office/drawing/2014/main" xmlns="" id="{90162AE8-C1B0-5C56-8313-DEE494F38273}"/>
+                <a16:creationId xmlns:a16="http://schemas.microsoft.com/office/drawing/2014/main" id="{90162AE8-C1B0-5C56-8313-DEE494F38273}"/>
               </a:ext>
             </a:extLst>
           </p:cNvPr>
@@ -7672,10 +7672,9 @@
           <a:lstStyle/>
           <a:p>
             <a:r>
-              <a:rPr lang="fr-FR" dirty="0" smtClean="0"/>
+              <a:rPr lang="fr-FR" dirty="0"/>
               <a:t>Rappel sur la FFT</a:t>
             </a:r>
-            <a:endParaRPr lang="fr-FR" dirty="0"/>
           </a:p>
         </p:txBody>
       </p:sp>
@@ -7684,7 +7683,7 @@
           <p:cNvPr id="5" name="Image 4" descr="Une image contenant texte&#10;&#10;Description générée automatiquement">
             <a:extLst>
               <a:ext uri="{FF2B5EF4-FFF2-40B4-BE49-F238E27FC236}">
-                <a16:creationId xmlns:a16="http://schemas.microsoft.com/office/drawing/2014/main" xmlns="" id="{204ADC40-1D61-539F-22ED-6B21D67FBDE6}"/>
+                <a16:creationId xmlns:a16="http://schemas.microsoft.com/office/drawing/2014/main" id="{204ADC40-1D61-539F-22ED-6B21D67FBDE6}"/>
               </a:ext>
             </a:extLst>
           </p:cNvPr>
@@ -7952,26 +7951,17 @@
             </a:r>
             <a:r>
               <a:rPr lang="en-US" sz="1600" b="1" dirty="0"/>
-              <a:t>A[0]</a:t>
-            </a:r>
-            <a:r>
-              <a:rPr lang="en-US" sz="1600" b="1" dirty="0"/>
-              <a:t> </a:t>
+              <a:t>A[0] </a:t>
             </a:r>
             <a:r>
               <a:rPr lang="en-US" sz="1600" dirty="0"/>
               <a:t>contains the zero-frequency term </a:t>
             </a:r>
-            <a:endParaRPr lang="en-US" sz="1600" dirty="0" smtClean="0"/>
-          </a:p>
-          <a:p>
-            <a:r>
-              <a:rPr lang="en-US" sz="1600" dirty="0" smtClean="0"/>
-              <a:t>	Then</a:t>
-            </a:r>
+          </a:p>
+          <a:p>
             <a:r>
               <a:rPr lang="en-US" sz="1600" dirty="0"/>
-              <a:t> </a:t>
+              <a:t>	Then </a:t>
             </a:r>
             <a:r>
               <a:rPr lang="en-US" sz="1600" b="1" dirty="0"/>
@@ -7981,42 +7971,25 @@
               <a:rPr lang="en-US" sz="1600" dirty="0"/>
               <a:t> contains the positive-frequency terms, </a:t>
             </a:r>
-            <a:endParaRPr lang="en-US" sz="1600" dirty="0" smtClean="0"/>
           </a:p>
           <a:p>
             <a:r>
               <a:rPr lang="en-US" sz="1600" dirty="0"/>
-              <a:t>	</a:t>
-            </a:r>
-            <a:r>
-              <a:rPr lang="en-US" sz="1600" dirty="0" smtClean="0"/>
-              <a:t>and </a:t>
-            </a:r>
-            <a:r>
-              <a:rPr lang="en-US" sz="1600" b="1" dirty="0" smtClean="0"/>
-              <a:t>A[n/2+1</a:t>
+              <a:t>	and </a:t>
             </a:r>
             <a:r>
               <a:rPr lang="en-US" sz="1600" b="1" dirty="0"/>
-              <a:t>:]</a:t>
+              <a:t>A[n/2+1:]</a:t>
             </a:r>
             <a:r>
               <a:rPr lang="en-US" sz="1600" dirty="0"/>
-              <a:t> contains the negative-frequency </a:t>
-            </a:r>
-            <a:r>
-              <a:rPr lang="en-US" sz="1600" dirty="0" smtClean="0"/>
-              <a:t>terms</a:t>
-            </a:r>
-          </a:p>
-          <a:p>
-            <a:r>
-              <a:rPr lang="en-US" sz="1600" dirty="0" smtClean="0"/>
-              <a:t>For </a:t>
-            </a:r>
+              <a:t> contains the negative-frequency terms</a:t>
+            </a:r>
+          </a:p>
+          <a:p>
             <a:r>
               <a:rPr lang="en-US" sz="1600" dirty="0"/>
-              <a:t>an </a:t>
+              <a:t>For an </a:t>
             </a:r>
             <a:r>
               <a:rPr lang="en-US" sz="1600" b="1" dirty="0"/>
@@ -8034,31 +8007,17 @@
               <a:rPr lang="en-US" sz="1600" dirty="0"/>
               <a:t> represents </a:t>
             </a:r>
-            <a:endParaRPr lang="en-US" sz="1600" dirty="0" smtClean="0"/>
           </a:p>
           <a:p>
             <a:r>
               <a:rPr lang="en-US" sz="1600" dirty="0"/>
-              <a:t>	</a:t>
-            </a:r>
-            <a:r>
-              <a:rPr lang="en-US" sz="1600" dirty="0" smtClean="0"/>
-              <a:t>both </a:t>
-            </a:r>
+              <a:t>	both positive and negative Nyquist frequency, </a:t>
+            </a:r>
+          </a:p>
+          <a:p>
             <a:r>
               <a:rPr lang="en-US" sz="1600" dirty="0"/>
-              <a:t>positive and negative Nyquist frequency, </a:t>
-            </a:r>
-            <a:endParaRPr lang="en-US" sz="1600" dirty="0" smtClean="0"/>
-          </a:p>
-          <a:p>
-            <a:r>
-              <a:rPr lang="en-US" sz="1600" dirty="0" smtClean="0"/>
-              <a:t>For </a:t>
-            </a:r>
-            <a:r>
-              <a:rPr lang="en-US" sz="1600" dirty="0"/>
-              <a:t>an </a:t>
+              <a:t>For an </a:t>
             </a:r>
             <a:r>
               <a:rPr lang="en-US" sz="1600" b="1" dirty="0"/>
@@ -8076,24 +8035,15 @@
               <a:rPr lang="en-US" sz="1600" dirty="0"/>
               <a:t> contains the largest positive frequency, </a:t>
             </a:r>
-            <a:endParaRPr lang="en-US" sz="1600" dirty="0" smtClean="0"/>
-          </a:p>
-          <a:p>
-            <a:r>
-              <a:rPr lang="en-US" sz="1600" dirty="0" smtClean="0"/>
-              <a:t>	while</a:t>
-            </a:r>
+          </a:p>
+          <a:p>
             <a:r>
               <a:rPr lang="en-US" sz="1600" dirty="0"/>
-              <a:t> </a:t>
+              <a:t>	while </a:t>
             </a:r>
             <a:r>
               <a:rPr lang="en-US" sz="1600" b="1" dirty="0"/>
-              <a:t>A[(n+1)/2]</a:t>
-            </a:r>
-            <a:r>
-              <a:rPr lang="en-US" sz="1600" b="1" dirty="0"/>
-              <a:t> </a:t>
+              <a:t>A[(n+1)/2] </a:t>
             </a:r>
             <a:r>
               <a:rPr lang="en-US" sz="1600" dirty="0"/>
@@ -8138,7 +8088,7 @@
           <p:cNvPr id="2" name="Titre 1">
             <a:extLst>
               <a:ext uri="{FF2B5EF4-FFF2-40B4-BE49-F238E27FC236}">
-                <a16:creationId xmlns:a16="http://schemas.microsoft.com/office/drawing/2014/main" xmlns="" id="{90162AE8-C1B0-5C56-8313-DEE494F38273}"/>
+                <a16:creationId xmlns:a16="http://schemas.microsoft.com/office/drawing/2014/main" id="{90162AE8-C1B0-5C56-8313-DEE494F38273}"/>
               </a:ext>
             </a:extLst>
           </p:cNvPr>
@@ -8167,7 +8117,7 @@
           <p:cNvPr id="5" name="Image 4" descr="Une image contenant texte&#10;&#10;Description générée automatiquement">
             <a:extLst>
               <a:ext uri="{FF2B5EF4-FFF2-40B4-BE49-F238E27FC236}">
-                <a16:creationId xmlns:a16="http://schemas.microsoft.com/office/drawing/2014/main" xmlns="" id="{204ADC40-1D61-539F-22ED-6B21D67FBDE6}"/>
+                <a16:creationId xmlns:a16="http://schemas.microsoft.com/office/drawing/2014/main" id="{204ADC40-1D61-539F-22ED-6B21D67FBDE6}"/>
               </a:ext>
             </a:extLst>
           </p:cNvPr>
@@ -8203,7 +8153,7 @@
           <p:cNvPr id="4" name="Espace réservé du contenu 3">
             <a:extLst>
               <a:ext uri="{FF2B5EF4-FFF2-40B4-BE49-F238E27FC236}">
-                <a16:creationId xmlns:a16="http://schemas.microsoft.com/office/drawing/2014/main" xmlns="" id="{065D7787-5672-CB74-A1C6-896A93BE6AF3}"/>
+                <a16:creationId xmlns:a16="http://schemas.microsoft.com/office/drawing/2014/main" id="{065D7787-5672-CB74-A1C6-896A93BE6AF3}"/>
               </a:ext>
             </a:extLst>
           </p:cNvPr>
@@ -8225,30 +8175,28 @@
           <a:lstStyle/>
           <a:p>
             <a:r>
-              <a:rPr lang="fr-FR" sz="2400" dirty="0" smtClean="0"/>
+              <a:rPr lang="fr-FR" sz="2400" dirty="0"/>
               <a:t>Codage ASCII</a:t>
             </a:r>
-            <a:endParaRPr lang="fr-FR" sz="2400" dirty="0"/>
           </a:p>
           <a:p>
             <a:pPr lvl="1"/>
             <a:r>
-              <a:rPr lang="fr-FR" sz="2000" dirty="0" smtClean="0"/>
+              <a:rPr lang="fr-FR" sz="2000" dirty="0"/>
               <a:t>1 caractère codé sur 8 bits / 1 octet</a:t>
             </a:r>
             <a:endParaRPr lang="fr-FR" dirty="0"/>
           </a:p>
           <a:p>
             <a:r>
-              <a:rPr lang="fr-FR" sz="2400" dirty="0" smtClean="0"/>
+              <a:rPr lang="fr-FR" sz="2400" dirty="0"/>
               <a:t>Codage entier</a:t>
             </a:r>
-            <a:endParaRPr lang="fr-FR" sz="2400" dirty="0"/>
           </a:p>
           <a:p>
             <a:pPr lvl="1"/>
             <a:r>
-              <a:rPr lang="fr-FR" sz="1800" dirty="0" smtClean="0"/>
+              <a:rPr lang="fr-FR" sz="1800" dirty="0"/>
               <a:t>1 entier sur 4 octets </a:t>
             </a:r>
           </a:p>
@@ -8258,14 +8206,14 @@
           </a:p>
           <a:p>
             <a:r>
-              <a:rPr lang="fr-FR" sz="2200" dirty="0" smtClean="0"/>
+              <a:rPr lang="fr-FR" sz="2200" dirty="0"/>
               <a:t>Codage Base 64</a:t>
             </a:r>
           </a:p>
           <a:p>
             <a:pPr lvl="1"/>
             <a:r>
-              <a:rPr lang="fr-FR" sz="1800" dirty="0" smtClean="0"/>
+              <a:rPr lang="fr-FR" sz="1800" dirty="0"/>
               <a:t>1 donnée sur 6 bits : 4 données sur 3 octets</a:t>
             </a:r>
           </a:p>
@@ -8380,7 +8328,7 @@
               <a:tabLst/>
             </a:pPr>
             <a:r>
-              <a:rPr kumimoji="0" lang="fr-FR" altLang="fr-FR" sz="1400" b="1" i="0" u="none" strike="noStrike" cap="none" normalizeH="0" baseline="0" dirty="0" smtClean="0">
+              <a:rPr kumimoji="0" lang="fr-FR" altLang="fr-FR" sz="1400" b="1" i="0" u="none" strike="noStrike" cap="none" normalizeH="0" baseline="0" dirty="0">
                 <a:ln>
                   <a:noFill/>
                 </a:ln>
@@ -8394,7 +8342,7 @@
               <a:t>import</a:t>
             </a:r>
             <a:r>
-              <a:rPr kumimoji="0" lang="fr-FR" altLang="fr-FR" sz="1400" b="0" i="0" u="none" strike="noStrike" cap="none" normalizeH="0" baseline="0" dirty="0" smtClean="0">
+              <a:rPr kumimoji="0" lang="fr-FR" altLang="fr-FR" sz="1400" b="0" i="0" u="none" strike="noStrike" cap="none" normalizeH="0" baseline="0" dirty="0">
                 <a:ln>
                   <a:noFill/>
                 </a:ln>
@@ -8408,7 +8356,7 @@
               <a:t> </a:t>
             </a:r>
             <a:r>
-              <a:rPr kumimoji="0" lang="fr-FR" altLang="fr-FR" sz="1400" b="1" i="0" u="none" strike="noStrike" cap="none" normalizeH="0" baseline="0" dirty="0" smtClean="0">
+              <a:rPr kumimoji="0" lang="fr-FR" altLang="fr-FR" sz="1400" b="1" i="0" u="none" strike="noStrike" cap="none" normalizeH="0" baseline="0" dirty="0">
                 <a:ln>
                   <a:noFill/>
                 </a:ln>
@@ -8422,7 +8370,7 @@
               <a:t>base64</a:t>
             </a:r>
             <a:r>
-              <a:rPr kumimoji="0" lang="fr-FR" altLang="fr-FR" sz="1400" b="0" i="0" u="none" strike="noStrike" cap="none" normalizeH="0" baseline="0" dirty="0" smtClean="0">
+              <a:rPr kumimoji="0" lang="fr-FR" altLang="fr-FR" sz="1400" b="0" i="0" u="none" strike="noStrike" cap="none" normalizeH="0" baseline="0" dirty="0">
                 <a:ln>
                   <a:noFill/>
                 </a:ln>
@@ -8436,7 +8384,7 @@
               <a:t> </a:t>
             </a:r>
             <a:br>
-              <a:rPr kumimoji="0" lang="fr-FR" altLang="fr-FR" sz="1400" b="0" i="0" u="none" strike="noStrike" cap="none" normalizeH="0" baseline="0" dirty="0" smtClean="0">
+              <a:rPr kumimoji="0" lang="fr-FR" altLang="fr-FR" sz="1400" b="0" i="0" u="none" strike="noStrike" cap="none" normalizeH="0" baseline="0" dirty="0">
                 <a:ln>
                   <a:noFill/>
                 </a:ln>
@@ -8449,7 +8397,7 @@
               </a:rPr>
             </a:br>
             <a:r>
-              <a:rPr kumimoji="0" lang="fr-FR" altLang="fr-FR" sz="1600" b="0" i="0" u="none" strike="noStrike" cap="none" normalizeH="0" baseline="0" dirty="0" err="1" smtClean="0">
+              <a:rPr kumimoji="0" lang="fr-FR" altLang="fr-FR" sz="1600" b="0" i="0" u="none" strike="noStrike" cap="none" normalizeH="0" baseline="0" dirty="0" err="1">
                 <a:ln>
                   <a:noFill/>
                 </a:ln>
@@ -8462,7 +8410,7 @@
               <a:t>encoded</a:t>
             </a:r>
             <a:r>
-              <a:rPr kumimoji="0" lang="fr-FR" altLang="fr-FR" sz="1400" b="0" i="0" u="none" strike="noStrike" cap="none" normalizeH="0" baseline="0" dirty="0" smtClean="0">
+              <a:rPr kumimoji="0" lang="fr-FR" altLang="fr-FR" sz="1400" b="0" i="0" u="none" strike="noStrike" cap="none" normalizeH="0" baseline="0" dirty="0">
                 <a:ln>
                   <a:noFill/>
                 </a:ln>
@@ -8476,7 +8424,7 @@
               <a:t> </a:t>
             </a:r>
             <a:r>
-              <a:rPr kumimoji="0" lang="fr-FR" altLang="fr-FR" sz="2400" b="0" i="0" u="none" strike="noStrike" cap="none" normalizeH="0" baseline="0" dirty="0" smtClean="0">
+              <a:rPr kumimoji="0" lang="fr-FR" altLang="fr-FR" sz="2400" b="0" i="0" u="none" strike="noStrike" cap="none" normalizeH="0" baseline="0" dirty="0">
                 <a:ln>
                   <a:noFill/>
                 </a:ln>
@@ -8489,7 +8437,7 @@
               <a:t>=</a:t>
             </a:r>
             <a:r>
-              <a:rPr kumimoji="0" lang="fr-FR" altLang="fr-FR" sz="1400" b="0" i="0" u="none" strike="noStrike" cap="none" normalizeH="0" baseline="0" dirty="0" smtClean="0">
+              <a:rPr kumimoji="0" lang="fr-FR" altLang="fr-FR" sz="1400" b="0" i="0" u="none" strike="noStrike" cap="none" normalizeH="0" baseline="0" dirty="0">
                 <a:ln>
                   <a:noFill/>
                 </a:ln>
@@ -8503,7 +8451,7 @@
               <a:t> </a:t>
             </a:r>
             <a:r>
-              <a:rPr kumimoji="0" lang="fr-FR" altLang="fr-FR" sz="1600" b="0" i="0" u="none" strike="noStrike" cap="none" normalizeH="0" baseline="0" dirty="0" smtClean="0">
+              <a:rPr kumimoji="0" lang="fr-FR" altLang="fr-FR" sz="1600" b="0" i="0" u="none" strike="noStrike" cap="none" normalizeH="0" baseline="0" dirty="0">
                 <a:ln>
                   <a:noFill/>
                 </a:ln>
@@ -8516,7 +8464,7 @@
               <a:t>base64</a:t>
             </a:r>
             <a:r>
-              <a:rPr kumimoji="0" lang="fr-FR" altLang="fr-FR" sz="2400" b="0" i="0" u="none" strike="noStrike" cap="none" normalizeH="0" baseline="0" dirty="0" smtClean="0">
+              <a:rPr kumimoji="0" lang="fr-FR" altLang="fr-FR" sz="2400" b="0" i="0" u="none" strike="noStrike" cap="none" normalizeH="0" baseline="0" dirty="0">
                 <a:ln>
                   <a:noFill/>
                 </a:ln>
@@ -8529,7 +8477,7 @@
               <a:t>.</a:t>
             </a:r>
             <a:r>
-              <a:rPr kumimoji="0" lang="fr-FR" altLang="fr-FR" sz="1600" b="0" i="0" u="none" strike="noStrike" cap="none" normalizeH="0" baseline="0" dirty="0" smtClean="0">
+              <a:rPr kumimoji="0" lang="fr-FR" altLang="fr-FR" sz="1600" b="0" i="0" u="none" strike="noStrike" cap="none" normalizeH="0" baseline="0" dirty="0">
                 <a:ln>
                   <a:noFill/>
                 </a:ln>
@@ -8542,7 +8490,7 @@
               <a:t>b64encode</a:t>
             </a:r>
             <a:r>
-              <a:rPr kumimoji="0" lang="fr-FR" altLang="fr-FR" sz="1400" b="0" i="0" u="none" strike="noStrike" cap="none" normalizeH="0" baseline="0" dirty="0" smtClean="0">
+              <a:rPr kumimoji="0" lang="fr-FR" altLang="fr-FR" sz="1400" b="0" i="0" u="none" strike="noStrike" cap="none" normalizeH="0" baseline="0" dirty="0">
                 <a:ln>
                   <a:noFill/>
                 </a:ln>
@@ -8556,7 +8504,7 @@
               <a:t>(</a:t>
             </a:r>
             <a:r>
-              <a:rPr kumimoji="0" lang="fr-FR" altLang="fr-FR" sz="1400" b="0" i="0" u="none" strike="noStrike" cap="none" normalizeH="0" baseline="0" dirty="0" err="1" smtClean="0">
+              <a:rPr kumimoji="0" lang="fr-FR" altLang="fr-FR" sz="1400" b="0" i="0" u="none" strike="noStrike" cap="none" normalizeH="0" baseline="0" dirty="0" err="1">
                 <a:ln>
                   <a:noFill/>
                 </a:ln>
@@ -8570,7 +8518,7 @@
               <a:t>b'data</a:t>
             </a:r>
             <a:r>
-              <a:rPr kumimoji="0" lang="fr-FR" altLang="fr-FR" sz="1400" b="0" i="0" u="none" strike="noStrike" cap="none" normalizeH="0" baseline="0" dirty="0" smtClean="0">
+              <a:rPr kumimoji="0" lang="fr-FR" altLang="fr-FR" sz="1400" b="0" i="0" u="none" strike="noStrike" cap="none" normalizeH="0" baseline="0" dirty="0">
                 <a:ln>
                   <a:noFill/>
                 </a:ln>
@@ -8584,7 +8532,7 @@
               <a:t> to </a:t>
             </a:r>
             <a:r>
-              <a:rPr kumimoji="0" lang="fr-FR" altLang="fr-FR" sz="1400" b="0" i="0" u="none" strike="noStrike" cap="none" normalizeH="0" baseline="0" dirty="0" err="1" smtClean="0">
+              <a:rPr kumimoji="0" lang="fr-FR" altLang="fr-FR" sz="1400" b="0" i="0" u="none" strike="noStrike" cap="none" normalizeH="0" baseline="0" dirty="0" err="1">
                 <a:ln>
                   <a:noFill/>
                 </a:ln>
@@ -8598,7 +8546,7 @@
               <a:t>be</a:t>
             </a:r>
             <a:r>
-              <a:rPr kumimoji="0" lang="fr-FR" altLang="fr-FR" sz="1400" b="0" i="0" u="none" strike="noStrike" cap="none" normalizeH="0" baseline="0" dirty="0" smtClean="0">
+              <a:rPr kumimoji="0" lang="fr-FR" altLang="fr-FR" sz="1400" b="0" i="0" u="none" strike="noStrike" cap="none" normalizeH="0" baseline="0" dirty="0">
                 <a:ln>
                   <a:noFill/>
                 </a:ln>
@@ -8612,7 +8560,7 @@
               <a:t> </a:t>
             </a:r>
             <a:r>
-              <a:rPr kumimoji="0" lang="fr-FR" altLang="fr-FR" sz="1400" b="0" i="0" u="none" strike="noStrike" cap="none" normalizeH="0" baseline="0" dirty="0" err="1" smtClean="0">
+              <a:rPr kumimoji="0" lang="fr-FR" altLang="fr-FR" sz="1400" b="0" i="0" u="none" strike="noStrike" cap="none" normalizeH="0" baseline="0" dirty="0" err="1">
                 <a:ln>
                   <a:noFill/>
                 </a:ln>
@@ -8626,7 +8574,7 @@
               <a:t>encoded</a:t>
             </a:r>
             <a:r>
-              <a:rPr kumimoji="0" lang="fr-FR" altLang="fr-FR" sz="1400" b="0" i="0" u="none" strike="noStrike" cap="none" normalizeH="0" baseline="0" dirty="0" smtClean="0">
+              <a:rPr kumimoji="0" lang="fr-FR" altLang="fr-FR" sz="1400" b="0" i="0" u="none" strike="noStrike" cap="none" normalizeH="0" baseline="0" dirty="0">
                 <a:ln>
                   <a:noFill/>
                 </a:ln>
@@ -8640,7 +8588,7 @@
               <a:t>'</a:t>
             </a:r>
             <a:r>
-              <a:rPr kumimoji="0" lang="fr-FR" altLang="fr-FR" sz="1400" b="0" i="0" u="none" strike="noStrike" cap="none" normalizeH="0" baseline="0" dirty="0" smtClean="0">
+              <a:rPr kumimoji="0" lang="fr-FR" altLang="fr-FR" sz="1400" b="0" i="0" u="none" strike="noStrike" cap="none" normalizeH="0" baseline="0" dirty="0">
                 <a:ln>
                   <a:noFill/>
                 </a:ln>
@@ -8654,7 +8602,7 @@
               <a:t>) </a:t>
             </a:r>
             <a:br>
-              <a:rPr kumimoji="0" lang="fr-FR" altLang="fr-FR" sz="1400" b="0" i="0" u="none" strike="noStrike" cap="none" normalizeH="0" baseline="0" dirty="0" smtClean="0">
+              <a:rPr kumimoji="0" lang="fr-FR" altLang="fr-FR" sz="1400" b="0" i="0" u="none" strike="noStrike" cap="none" normalizeH="0" baseline="0" dirty="0">
                 <a:ln>
                   <a:noFill/>
                 </a:ln>
@@ -8667,7 +8615,7 @@
               </a:rPr>
             </a:br>
             <a:r>
-              <a:rPr kumimoji="0" lang="fr-FR" altLang="fr-FR" sz="1400" b="0" i="0" u="none" strike="noStrike" cap="none" normalizeH="0" baseline="0" dirty="0" smtClean="0">
+              <a:rPr kumimoji="0" lang="fr-FR" altLang="fr-FR" sz="1400" b="0" i="0" u="none" strike="noStrike" cap="none" normalizeH="0" baseline="0" dirty="0">
                 <a:ln>
                   <a:noFill/>
                 </a:ln>
@@ -8681,7 +8629,7 @@
               <a:t>b'ZGF0YSB0byBiZSBlbmNvZGVk'</a:t>
             </a:r>
             <a:r>
-              <a:rPr kumimoji="0" lang="fr-FR" altLang="fr-FR" sz="1400" b="0" i="0" u="none" strike="noStrike" cap="none" normalizeH="0" baseline="0" dirty="0" smtClean="0">
+              <a:rPr kumimoji="0" lang="fr-FR" altLang="fr-FR" sz="1400" b="0" i="0" u="none" strike="noStrike" cap="none" normalizeH="0" baseline="0" dirty="0">
                 <a:ln>
                   <a:noFill/>
                 </a:ln>
@@ -8713,7 +8661,7 @@
               <a:tabLst/>
             </a:pPr>
             <a:r>
-              <a:rPr kumimoji="0" lang="fr-FR" altLang="fr-FR" sz="1600" b="0" i="0" u="none" strike="noStrike" cap="none" normalizeH="0" baseline="0" dirty="0" smtClean="0">
+              <a:rPr kumimoji="0" lang="fr-FR" altLang="fr-FR" sz="1600" b="0" i="0" u="none" strike="noStrike" cap="none" normalizeH="0" baseline="0" dirty="0">
                 <a:ln>
                   <a:noFill/>
                 </a:ln>
@@ -8726,7 +8674,7 @@
               <a:t>data</a:t>
             </a:r>
             <a:r>
-              <a:rPr kumimoji="0" lang="fr-FR" altLang="fr-FR" sz="1400" b="0" i="0" u="none" strike="noStrike" cap="none" normalizeH="0" baseline="0" dirty="0" smtClean="0">
+              <a:rPr kumimoji="0" lang="fr-FR" altLang="fr-FR" sz="1400" b="0" i="0" u="none" strike="noStrike" cap="none" normalizeH="0" baseline="0" dirty="0">
                 <a:ln>
                   <a:noFill/>
                 </a:ln>
@@ -8740,7 +8688,7 @@
               <a:t> </a:t>
             </a:r>
             <a:r>
-              <a:rPr kumimoji="0" lang="fr-FR" altLang="fr-FR" sz="2400" b="0" i="0" u="none" strike="noStrike" cap="none" normalizeH="0" baseline="0" dirty="0" smtClean="0">
+              <a:rPr kumimoji="0" lang="fr-FR" altLang="fr-FR" sz="2400" b="0" i="0" u="none" strike="noStrike" cap="none" normalizeH="0" baseline="0" dirty="0">
                 <a:ln>
                   <a:noFill/>
                 </a:ln>
@@ -8753,7 +8701,7 @@
               <a:t>=</a:t>
             </a:r>
             <a:r>
-              <a:rPr kumimoji="0" lang="fr-FR" altLang="fr-FR" sz="1400" b="0" i="0" u="none" strike="noStrike" cap="none" normalizeH="0" baseline="0" dirty="0" smtClean="0">
+              <a:rPr kumimoji="0" lang="fr-FR" altLang="fr-FR" sz="1400" b="0" i="0" u="none" strike="noStrike" cap="none" normalizeH="0" baseline="0" dirty="0">
                 <a:ln>
                   <a:noFill/>
                 </a:ln>
@@ -8767,7 +8715,7 @@
               <a:t> </a:t>
             </a:r>
             <a:r>
-              <a:rPr kumimoji="0" lang="fr-FR" altLang="fr-FR" sz="1600" b="0" i="0" u="none" strike="noStrike" cap="none" normalizeH="0" baseline="0" dirty="0" smtClean="0">
+              <a:rPr kumimoji="0" lang="fr-FR" altLang="fr-FR" sz="1600" b="0" i="0" u="none" strike="noStrike" cap="none" normalizeH="0" baseline="0" dirty="0">
                 <a:ln>
                   <a:noFill/>
                 </a:ln>
@@ -8780,7 +8728,7 @@
               <a:t>base64</a:t>
             </a:r>
             <a:r>
-              <a:rPr kumimoji="0" lang="fr-FR" altLang="fr-FR" sz="2400" b="0" i="0" u="none" strike="noStrike" cap="none" normalizeH="0" baseline="0" dirty="0" smtClean="0">
+              <a:rPr kumimoji="0" lang="fr-FR" altLang="fr-FR" sz="2400" b="0" i="0" u="none" strike="noStrike" cap="none" normalizeH="0" baseline="0" dirty="0">
                 <a:ln>
                   <a:noFill/>
                 </a:ln>
@@ -8793,7 +8741,7 @@
               <a:t>.</a:t>
             </a:r>
             <a:r>
-              <a:rPr kumimoji="0" lang="fr-FR" altLang="fr-FR" sz="1600" b="0" i="0" u="none" strike="noStrike" cap="none" normalizeH="0" baseline="0" dirty="0" smtClean="0">
+              <a:rPr kumimoji="0" lang="fr-FR" altLang="fr-FR" sz="1600" b="0" i="0" u="none" strike="noStrike" cap="none" normalizeH="0" baseline="0" dirty="0">
                 <a:ln>
                   <a:noFill/>
                 </a:ln>
@@ -8806,7 +8754,7 @@
               <a:t>b64decode</a:t>
             </a:r>
             <a:r>
-              <a:rPr kumimoji="0" lang="fr-FR" altLang="fr-FR" sz="1400" b="0" i="0" u="none" strike="noStrike" cap="none" normalizeH="0" baseline="0" dirty="0" smtClean="0">
+              <a:rPr kumimoji="0" lang="fr-FR" altLang="fr-FR" sz="1400" b="0" i="0" u="none" strike="noStrike" cap="none" normalizeH="0" baseline="0" dirty="0">
                 <a:ln>
                   <a:noFill/>
                 </a:ln>
@@ -8820,7 +8768,7 @@
               <a:t>(</a:t>
             </a:r>
             <a:r>
-              <a:rPr kumimoji="0" lang="fr-FR" altLang="fr-FR" sz="1600" b="0" i="0" u="none" strike="noStrike" cap="none" normalizeH="0" baseline="0" dirty="0" err="1" smtClean="0">
+              <a:rPr kumimoji="0" lang="fr-FR" altLang="fr-FR" sz="1600" b="0" i="0" u="none" strike="noStrike" cap="none" normalizeH="0" baseline="0" dirty="0" err="1">
                 <a:ln>
                   <a:noFill/>
                 </a:ln>
@@ -8833,7 +8781,7 @@
               <a:t>encoded</a:t>
             </a:r>
             <a:r>
-              <a:rPr kumimoji="0" lang="fr-FR" altLang="fr-FR" sz="1400" b="0" i="0" u="none" strike="noStrike" cap="none" normalizeH="0" baseline="0" dirty="0" smtClean="0">
+              <a:rPr kumimoji="0" lang="fr-FR" altLang="fr-FR" sz="1400" b="0" i="0" u="none" strike="noStrike" cap="none" normalizeH="0" baseline="0" dirty="0">
                 <a:ln>
                   <a:noFill/>
                 </a:ln>
@@ -8865,7 +8813,7 @@
               <a:tabLst/>
             </a:pPr>
             <a:r>
-              <a:rPr kumimoji="0" lang="fr-FR" altLang="fr-FR" sz="1400" b="0" i="0" u="none" strike="noStrike" cap="none" normalizeH="0" baseline="0" dirty="0" err="1" smtClean="0">
+              <a:rPr kumimoji="0" lang="fr-FR" altLang="fr-FR" sz="1400" b="0" i="0" u="none" strike="noStrike" cap="none" normalizeH="0" baseline="0" dirty="0" err="1">
                 <a:ln>
                   <a:noFill/>
                 </a:ln>
@@ -8879,7 +8827,7 @@
               <a:t>b'data</a:t>
             </a:r>
             <a:r>
-              <a:rPr kumimoji="0" lang="fr-FR" altLang="fr-FR" sz="1400" b="0" i="0" u="none" strike="noStrike" cap="none" normalizeH="0" baseline="0" dirty="0" smtClean="0">
+              <a:rPr kumimoji="0" lang="fr-FR" altLang="fr-FR" sz="1400" b="0" i="0" u="none" strike="noStrike" cap="none" normalizeH="0" baseline="0" dirty="0">
                 <a:ln>
                   <a:noFill/>
                 </a:ln>
@@ -8893,7 +8841,7 @@
               <a:t> to </a:t>
             </a:r>
             <a:r>
-              <a:rPr kumimoji="0" lang="fr-FR" altLang="fr-FR" sz="1400" b="0" i="0" u="none" strike="noStrike" cap="none" normalizeH="0" baseline="0" dirty="0" err="1" smtClean="0">
+              <a:rPr kumimoji="0" lang="fr-FR" altLang="fr-FR" sz="1400" b="0" i="0" u="none" strike="noStrike" cap="none" normalizeH="0" baseline="0" dirty="0" err="1">
                 <a:ln>
                   <a:noFill/>
                 </a:ln>
@@ -8907,7 +8855,7 @@
               <a:t>be</a:t>
             </a:r>
             <a:r>
-              <a:rPr kumimoji="0" lang="fr-FR" altLang="fr-FR" sz="1400" b="0" i="0" u="none" strike="noStrike" cap="none" normalizeH="0" baseline="0" dirty="0" smtClean="0">
+              <a:rPr kumimoji="0" lang="fr-FR" altLang="fr-FR" sz="1400" b="0" i="0" u="none" strike="noStrike" cap="none" normalizeH="0" baseline="0" dirty="0">
                 <a:ln>
                   <a:noFill/>
                 </a:ln>
@@ -8921,7 +8869,7 @@
               <a:t> </a:t>
             </a:r>
             <a:r>
-              <a:rPr kumimoji="0" lang="fr-FR" altLang="fr-FR" sz="1400" b="0" i="0" u="none" strike="noStrike" cap="none" normalizeH="0" baseline="0" dirty="0" err="1" smtClean="0">
+              <a:rPr kumimoji="0" lang="fr-FR" altLang="fr-FR" sz="1400" b="0" i="0" u="none" strike="noStrike" cap="none" normalizeH="0" baseline="0" dirty="0" err="1">
                 <a:ln>
                   <a:noFill/>
                 </a:ln>
@@ -8935,7 +8883,7 @@
               <a:t>encoded</a:t>
             </a:r>
             <a:r>
-              <a:rPr kumimoji="0" lang="fr-FR" altLang="fr-FR" sz="1400" b="0" i="0" u="none" strike="noStrike" cap="none" normalizeH="0" baseline="0" dirty="0" smtClean="0">
+              <a:rPr kumimoji="0" lang="fr-FR" altLang="fr-FR" sz="1400" b="0" i="0" u="none" strike="noStrike" cap="none" normalizeH="0" baseline="0" dirty="0">
                 <a:ln>
                   <a:noFill/>
                 </a:ln>
@@ -8949,7 +8897,7 @@
               <a:t>'</a:t>
             </a:r>
             <a:r>
-              <a:rPr kumimoji="0" lang="fr-FR" altLang="fr-FR" sz="1000" b="0" i="0" u="none" strike="noStrike" cap="none" normalizeH="0" baseline="0" dirty="0" smtClean="0">
+              <a:rPr kumimoji="0" lang="fr-FR" altLang="fr-FR" sz="1000" b="0" i="0" u="none" strike="noStrike" cap="none" normalizeH="0" baseline="0" dirty="0">
                 <a:ln>
                   <a:noFill/>
                 </a:ln>
@@ -8962,7 +8910,7 @@
               </a:rPr>
               <a:t> </a:t>
             </a:r>
-            <a:endParaRPr kumimoji="0" lang="fr-FR" altLang="fr-FR" sz="2400" b="0" i="0" u="none" strike="noStrike" cap="none" normalizeH="0" baseline="0" dirty="0" smtClean="0">
+            <a:endParaRPr kumimoji="0" lang="fr-FR" altLang="fr-FR" sz="2400" b="0" i="0" u="none" strike="noStrike" cap="none" normalizeH="0" baseline="0" dirty="0">
               <a:ln>
                 <a:noFill/>
               </a:ln>
@@ -9011,7 +8959,7 @@
           <p:cNvPr id="2" name="Titre 1">
             <a:extLst>
               <a:ext uri="{FF2B5EF4-FFF2-40B4-BE49-F238E27FC236}">
-                <a16:creationId xmlns:a16="http://schemas.microsoft.com/office/drawing/2014/main" xmlns="" id="{90162AE8-C1B0-5C56-8313-DEE494F38273}"/>
+                <a16:creationId xmlns:a16="http://schemas.microsoft.com/office/drawing/2014/main" id="{90162AE8-C1B0-5C56-8313-DEE494F38273}"/>
               </a:ext>
             </a:extLst>
           </p:cNvPr>
@@ -9039,7 +8987,7 @@
           <p:cNvPr id="5" name="Image 4" descr="Une image contenant texte&#10;&#10;Description générée automatiquement">
             <a:extLst>
               <a:ext uri="{FF2B5EF4-FFF2-40B4-BE49-F238E27FC236}">
-                <a16:creationId xmlns:a16="http://schemas.microsoft.com/office/drawing/2014/main" xmlns="" id="{204ADC40-1D61-539F-22ED-6B21D67FBDE6}"/>
+                <a16:creationId xmlns:a16="http://schemas.microsoft.com/office/drawing/2014/main" id="{204ADC40-1D61-539F-22ED-6B21D67FBDE6}"/>
               </a:ext>
             </a:extLst>
           </p:cNvPr>
@@ -9445,7 +9393,7 @@
           <p:cNvPr id="2" name="Titre 1">
             <a:extLst>
               <a:ext uri="{FF2B5EF4-FFF2-40B4-BE49-F238E27FC236}">
-                <a16:creationId xmlns:a16="http://schemas.microsoft.com/office/drawing/2014/main" xmlns="" id="{90162AE8-C1B0-5C56-8313-DEE494F38273}"/>
+                <a16:creationId xmlns:a16="http://schemas.microsoft.com/office/drawing/2014/main" id="{90162AE8-C1B0-5C56-8313-DEE494F38273}"/>
               </a:ext>
             </a:extLst>
           </p:cNvPr>
@@ -9478,7 +9426,7 @@
           <p:cNvPr id="3" name="Espace réservé du contenu 2">
             <a:extLst>
               <a:ext uri="{FF2B5EF4-FFF2-40B4-BE49-F238E27FC236}">
-                <a16:creationId xmlns:a16="http://schemas.microsoft.com/office/drawing/2014/main" xmlns="" id="{E0BBB9DE-019C-C741-F224-494739D4B752}"/>
+                <a16:creationId xmlns:a16="http://schemas.microsoft.com/office/drawing/2014/main" id="{E0BBB9DE-019C-C741-F224-494739D4B752}"/>
               </a:ext>
             </a:extLst>
           </p:cNvPr>
@@ -9508,13 +9456,8 @@
             <a:pPr lvl="1"/>
             <a:r>
               <a:rPr lang="fr-FR" dirty="0"/>
-              <a:t>En </a:t>
-            </a:r>
-            <a:r>
-              <a:rPr lang="fr-FR" dirty="0" smtClean="0"/>
-              <a:t>binôme</a:t>
-            </a:r>
-            <a:endParaRPr lang="fr-FR" dirty="0"/>
+              <a:t>En binôme</a:t>
+            </a:r>
           </a:p>
           <a:p>
             <a:pPr lvl="1"/>
@@ -9530,7 +9473,7 @@
           <p:cNvPr id="5" name="Image 4" descr="Une image contenant texte&#10;&#10;Description générée automatiquement">
             <a:extLst>
               <a:ext uri="{FF2B5EF4-FFF2-40B4-BE49-F238E27FC236}">
-                <a16:creationId xmlns:a16="http://schemas.microsoft.com/office/drawing/2014/main" xmlns="" id="{204ADC40-1D61-539F-22ED-6B21D67FBDE6}"/>
+                <a16:creationId xmlns:a16="http://schemas.microsoft.com/office/drawing/2014/main" id="{204ADC40-1D61-539F-22ED-6B21D67FBDE6}"/>
               </a:ext>
             </a:extLst>
           </p:cNvPr>
@@ -9566,7 +9509,7 @@
           <p:cNvPr id="9" name="CustomShape 3">
             <a:extLst>
               <a:ext uri="{FF2B5EF4-FFF2-40B4-BE49-F238E27FC236}">
-                <a16:creationId xmlns:a16="http://schemas.microsoft.com/office/drawing/2014/main" xmlns="" id="{7CD7374B-ED6D-6AF2-BD0B-1717C3940DB9}"/>
+                <a16:creationId xmlns:a16="http://schemas.microsoft.com/office/drawing/2014/main" id="{7CD7374B-ED6D-6AF2-BD0B-1717C3940DB9}"/>
               </a:ext>
             </a:extLst>
           </p:cNvPr>
@@ -9641,7 +9584,7 @@
           <p:cNvPr id="10" name="CustomShape 3">
             <a:extLst>
               <a:ext uri="{FF2B5EF4-FFF2-40B4-BE49-F238E27FC236}">
-                <a16:creationId xmlns:a16="http://schemas.microsoft.com/office/drawing/2014/main" xmlns="" id="{C430E7A6-8A93-686A-7C4E-ED51D2B4CA5C}"/>
+                <a16:creationId xmlns:a16="http://schemas.microsoft.com/office/drawing/2014/main" id="{C430E7A6-8A93-686A-7C4E-ED51D2B4CA5C}"/>
               </a:ext>
             </a:extLst>
           </p:cNvPr>
@@ -9716,7 +9659,7 @@
           <p:cNvPr id="12" name="ZoneTexte 11">
             <a:extLst>
               <a:ext uri="{FF2B5EF4-FFF2-40B4-BE49-F238E27FC236}">
-                <a16:creationId xmlns:a16="http://schemas.microsoft.com/office/drawing/2014/main" xmlns="" id="{BBED6A26-211D-7C76-4C1A-96E6D0EC3C39}"/>
+                <a16:creationId xmlns:a16="http://schemas.microsoft.com/office/drawing/2014/main" id="{BBED6A26-211D-7C76-4C1A-96E6D0EC3C39}"/>
               </a:ext>
             </a:extLst>
           </p:cNvPr>
@@ -9769,7 +9712,7 @@
           <p:cNvPr id="4" name="CustomShape 3">
             <a:extLst>
               <a:ext uri="{FF2B5EF4-FFF2-40B4-BE49-F238E27FC236}">
-                <a16:creationId xmlns:a16="http://schemas.microsoft.com/office/drawing/2014/main" xmlns="" id="{3A94DE90-31C1-2A4F-1651-1E29144A4384}"/>
+                <a16:creationId xmlns:a16="http://schemas.microsoft.com/office/drawing/2014/main" id="{3A94DE90-31C1-2A4F-1651-1E29144A4384}"/>
               </a:ext>
             </a:extLst>
           </p:cNvPr>
@@ -9842,7 +9785,7 @@
           <p:cNvPr id="11" name="CustomShape 23">
             <a:extLst>
               <a:ext uri="{FF2B5EF4-FFF2-40B4-BE49-F238E27FC236}">
-                <a16:creationId xmlns:a16="http://schemas.microsoft.com/office/drawing/2014/main" xmlns="" id="{7E46B89B-7D18-B939-D9EB-855ECE35C85C}"/>
+                <a16:creationId xmlns:a16="http://schemas.microsoft.com/office/drawing/2014/main" id="{7E46B89B-7D18-B939-D9EB-855ECE35C85C}"/>
               </a:ext>
             </a:extLst>
           </p:cNvPr>
@@ -9916,7 +9859,7 @@
           <p:cNvPr id="16" name="CustomShape 24">
             <a:extLst>
               <a:ext uri="{FF2B5EF4-FFF2-40B4-BE49-F238E27FC236}">
-                <a16:creationId xmlns:a16="http://schemas.microsoft.com/office/drawing/2014/main" xmlns="" id="{7AD48AB8-D37E-1EEC-36F9-51A5A13A85F9}"/>
+                <a16:creationId xmlns:a16="http://schemas.microsoft.com/office/drawing/2014/main" id="{7AD48AB8-D37E-1EEC-36F9-51A5A13A85F9}"/>
               </a:ext>
             </a:extLst>
           </p:cNvPr>
@@ -9988,7 +9931,7 @@
           <p:cNvPr id="17" name="ZoneTexte 16">
             <a:extLst>
               <a:ext uri="{FF2B5EF4-FFF2-40B4-BE49-F238E27FC236}">
-                <a16:creationId xmlns:a16="http://schemas.microsoft.com/office/drawing/2014/main" xmlns="" id="{F153AF5A-DEFB-20E9-F990-3A2BEB1E4CF1}"/>
+                <a16:creationId xmlns:a16="http://schemas.microsoft.com/office/drawing/2014/main" id="{F153AF5A-DEFB-20E9-F990-3A2BEB1E4CF1}"/>
               </a:ext>
             </a:extLst>
           </p:cNvPr>
@@ -10051,7 +9994,7 @@
           <p:cNvPr id="18" name="ZoneTexte 17">
             <a:extLst>
               <a:ext uri="{FF2B5EF4-FFF2-40B4-BE49-F238E27FC236}">
-                <a16:creationId xmlns:a16="http://schemas.microsoft.com/office/drawing/2014/main" xmlns="" id="{042103D8-61DD-04BE-F714-2FA1F911610B}"/>
+                <a16:creationId xmlns:a16="http://schemas.microsoft.com/office/drawing/2014/main" id="{042103D8-61DD-04BE-F714-2FA1F911610B}"/>
               </a:ext>
             </a:extLst>
           </p:cNvPr>
@@ -10102,7 +10045,7 @@
           <p:cNvPr id="19" name="ZoneTexte 18">
             <a:extLst>
               <a:ext uri="{FF2B5EF4-FFF2-40B4-BE49-F238E27FC236}">
-                <a16:creationId xmlns:a16="http://schemas.microsoft.com/office/drawing/2014/main" xmlns="" id="{F41EF5FB-9662-2DB9-4172-AB660069D201}"/>
+                <a16:creationId xmlns:a16="http://schemas.microsoft.com/office/drawing/2014/main" id="{F41EF5FB-9662-2DB9-4172-AB660069D201}"/>
               </a:ext>
             </a:extLst>
           </p:cNvPr>
@@ -10171,7 +10114,7 @@
           <p:cNvPr id="2" name="Titre 1">
             <a:extLst>
               <a:ext uri="{FF2B5EF4-FFF2-40B4-BE49-F238E27FC236}">
-                <a16:creationId xmlns:a16="http://schemas.microsoft.com/office/drawing/2014/main" xmlns="" id="{90162AE8-C1B0-5C56-8313-DEE494F38273}"/>
+                <a16:creationId xmlns:a16="http://schemas.microsoft.com/office/drawing/2014/main" id="{90162AE8-C1B0-5C56-8313-DEE494F38273}"/>
               </a:ext>
             </a:extLst>
           </p:cNvPr>
@@ -10199,7 +10142,7 @@
           <p:cNvPr id="5" name="Image 4" descr="Une image contenant texte&#10;&#10;Description générée automatiquement">
             <a:extLst>
               <a:ext uri="{FF2B5EF4-FFF2-40B4-BE49-F238E27FC236}">
-                <a16:creationId xmlns:a16="http://schemas.microsoft.com/office/drawing/2014/main" xmlns="" id="{204ADC40-1D61-539F-22ED-6B21D67FBDE6}"/>
+                <a16:creationId xmlns:a16="http://schemas.microsoft.com/office/drawing/2014/main" id="{204ADC40-1D61-539F-22ED-6B21D67FBDE6}"/>
               </a:ext>
             </a:extLst>
           </p:cNvPr>
@@ -10235,7 +10178,7 @@
           <p:cNvPr id="7" name="Espace réservé du contenu 6">
             <a:extLst>
               <a:ext uri="{FF2B5EF4-FFF2-40B4-BE49-F238E27FC236}">
-                <a16:creationId xmlns:a16="http://schemas.microsoft.com/office/drawing/2014/main" xmlns="" id="{96119062-CBB4-87F4-D29F-DBE631A23655}"/>
+                <a16:creationId xmlns:a16="http://schemas.microsoft.com/office/drawing/2014/main" id="{96119062-CBB4-87F4-D29F-DBE631A23655}"/>
               </a:ext>
             </a:extLst>
           </p:cNvPr>
@@ -10296,7 +10239,7 @@
           <p:cNvPr id="8" name="image5.png" descr="Une image contenant texte, micro-ondes, four, moniteur&#10;&#10;Description générée automatiquement">
             <a:extLst>
               <a:ext uri="{FF2B5EF4-FFF2-40B4-BE49-F238E27FC236}">
-                <a16:creationId xmlns:a16="http://schemas.microsoft.com/office/drawing/2014/main" xmlns="" id="{C8341B7D-C3B2-5956-86AB-3EE5BC354426}"/>
+                <a16:creationId xmlns:a16="http://schemas.microsoft.com/office/drawing/2014/main" id="{C8341B7D-C3B2-5956-86AB-3EE5BC354426}"/>
               </a:ext>
             </a:extLst>
           </p:cNvPr>
@@ -10326,7 +10269,7 @@
           <p:cNvPr id="13" name="image3.png">
             <a:extLst>
               <a:ext uri="{FF2B5EF4-FFF2-40B4-BE49-F238E27FC236}">
-                <a16:creationId xmlns:a16="http://schemas.microsoft.com/office/drawing/2014/main" xmlns="" id="{22DA48B6-4CEA-4164-1B7B-7DB5C94DD5B1}"/>
+                <a16:creationId xmlns:a16="http://schemas.microsoft.com/office/drawing/2014/main" id="{22DA48B6-4CEA-4164-1B7B-7DB5C94DD5B1}"/>
               </a:ext>
             </a:extLst>
           </p:cNvPr>
@@ -10356,7 +10299,7 @@
           <p:cNvPr id="14" name="CustomShape 3">
             <a:extLst>
               <a:ext uri="{FF2B5EF4-FFF2-40B4-BE49-F238E27FC236}">
-                <a16:creationId xmlns:a16="http://schemas.microsoft.com/office/drawing/2014/main" xmlns="" id="{2C5FBB77-17FA-9F60-BDAE-34CBE4BB2DC8}"/>
+                <a16:creationId xmlns:a16="http://schemas.microsoft.com/office/drawing/2014/main" id="{2C5FBB77-17FA-9F60-BDAE-34CBE4BB2DC8}"/>
               </a:ext>
             </a:extLst>
           </p:cNvPr>
@@ -10424,7 +10367,7 @@
           <p:cNvPr id="15" name="CustomShape 3">
             <a:extLst>
               <a:ext uri="{FF2B5EF4-FFF2-40B4-BE49-F238E27FC236}">
-                <a16:creationId xmlns:a16="http://schemas.microsoft.com/office/drawing/2014/main" xmlns="" id="{A68368E5-AA23-479A-9169-DFD5A8DB4C4B}"/>
+                <a16:creationId xmlns:a16="http://schemas.microsoft.com/office/drawing/2014/main" id="{A68368E5-AA23-479A-9169-DFD5A8DB4C4B}"/>
               </a:ext>
             </a:extLst>
           </p:cNvPr>
@@ -10522,7 +10465,7 @@
           <p:cNvPr id="2" name="Titre 1">
             <a:extLst>
               <a:ext uri="{FF2B5EF4-FFF2-40B4-BE49-F238E27FC236}">
-                <a16:creationId xmlns:a16="http://schemas.microsoft.com/office/drawing/2014/main" xmlns="" id="{90162AE8-C1B0-5C56-8313-DEE494F38273}"/>
+                <a16:creationId xmlns:a16="http://schemas.microsoft.com/office/drawing/2014/main" id="{90162AE8-C1B0-5C56-8313-DEE494F38273}"/>
               </a:ext>
             </a:extLst>
           </p:cNvPr>
@@ -10550,7 +10493,7 @@
           <p:cNvPr id="5" name="Image 4" descr="Une image contenant texte&#10;&#10;Description générée automatiquement">
             <a:extLst>
               <a:ext uri="{FF2B5EF4-FFF2-40B4-BE49-F238E27FC236}">
-                <a16:creationId xmlns:a16="http://schemas.microsoft.com/office/drawing/2014/main" xmlns="" id="{204ADC40-1D61-539F-22ED-6B21D67FBDE6}"/>
+                <a16:creationId xmlns:a16="http://schemas.microsoft.com/office/drawing/2014/main" id="{204ADC40-1D61-539F-22ED-6B21D67FBDE6}"/>
               </a:ext>
             </a:extLst>
           </p:cNvPr>
@@ -10586,7 +10529,7 @@
           <p:cNvPr id="6" name="Organigramme : Document 5">
             <a:extLst>
               <a:ext uri="{FF2B5EF4-FFF2-40B4-BE49-F238E27FC236}">
-                <a16:creationId xmlns:a16="http://schemas.microsoft.com/office/drawing/2014/main" xmlns="" id="{8F026908-39A6-3866-FBED-562D4E2EB325}"/>
+                <a16:creationId xmlns:a16="http://schemas.microsoft.com/office/drawing/2014/main" id="{8F026908-39A6-3866-FBED-562D4E2EB325}"/>
               </a:ext>
             </a:extLst>
           </p:cNvPr>
@@ -10672,7 +10615,7 @@
           <p:cNvPr id="65" name="Connecteur : en angle 64">
             <a:extLst>
               <a:ext uri="{FF2B5EF4-FFF2-40B4-BE49-F238E27FC236}">
-                <a16:creationId xmlns:a16="http://schemas.microsoft.com/office/drawing/2014/main" xmlns="" id="{F4875C97-EAB6-0241-077C-C02F4408C237}"/>
+                <a16:creationId xmlns:a16="http://schemas.microsoft.com/office/drawing/2014/main" id="{F4875C97-EAB6-0241-077C-C02F4408C237}"/>
               </a:ext>
             </a:extLst>
           </p:cNvPr>
@@ -10719,7 +10662,7 @@
           <p:cNvPr id="2" name="Titre 1">
             <a:extLst>
               <a:ext uri="{FF2B5EF4-FFF2-40B4-BE49-F238E27FC236}">
-                <a16:creationId xmlns:a16="http://schemas.microsoft.com/office/drawing/2014/main" xmlns="" id="{90162AE8-C1B0-5C56-8313-DEE494F38273}"/>
+                <a16:creationId xmlns:a16="http://schemas.microsoft.com/office/drawing/2014/main" id="{90162AE8-C1B0-5C56-8313-DEE494F38273}"/>
               </a:ext>
             </a:extLst>
           </p:cNvPr>
@@ -10747,7 +10690,7 @@
           <p:cNvPr id="5" name="Image 4" descr="Une image contenant texte&#10;&#10;Description générée automatiquement">
             <a:extLst>
               <a:ext uri="{FF2B5EF4-FFF2-40B4-BE49-F238E27FC236}">
-                <a16:creationId xmlns:a16="http://schemas.microsoft.com/office/drawing/2014/main" xmlns="" id="{204ADC40-1D61-539F-22ED-6B21D67FBDE6}"/>
+                <a16:creationId xmlns:a16="http://schemas.microsoft.com/office/drawing/2014/main" id="{204ADC40-1D61-539F-22ED-6B21D67FBDE6}"/>
               </a:ext>
             </a:extLst>
           </p:cNvPr>
@@ -10783,7 +10726,7 @@
           <p:cNvPr id="6" name="Organigramme : Document 5">
             <a:extLst>
               <a:ext uri="{FF2B5EF4-FFF2-40B4-BE49-F238E27FC236}">
-                <a16:creationId xmlns:a16="http://schemas.microsoft.com/office/drawing/2014/main" xmlns="" id="{8F026908-39A6-3866-FBED-562D4E2EB325}"/>
+                <a16:creationId xmlns:a16="http://schemas.microsoft.com/office/drawing/2014/main" id="{8F026908-39A6-3866-FBED-562D4E2EB325}"/>
               </a:ext>
             </a:extLst>
           </p:cNvPr>
@@ -10839,7 +10782,7 @@
           <p:cNvPr id="8" name="Organigramme : Document 7">
             <a:extLst>
               <a:ext uri="{FF2B5EF4-FFF2-40B4-BE49-F238E27FC236}">
-                <a16:creationId xmlns:a16="http://schemas.microsoft.com/office/drawing/2014/main" xmlns="" id="{6F7AFBE7-D89F-D9CB-8A84-D493FF5ACF51}"/>
+                <a16:creationId xmlns:a16="http://schemas.microsoft.com/office/drawing/2014/main" id="{6F7AFBE7-D89F-D9CB-8A84-D493FF5ACF51}"/>
               </a:ext>
             </a:extLst>
           </p:cNvPr>
@@ -10898,7 +10841,7 @@
           <p:cNvPr id="10" name="Connecteur droit avec flèche 9">
             <a:extLst>
               <a:ext uri="{FF2B5EF4-FFF2-40B4-BE49-F238E27FC236}">
-                <a16:creationId xmlns:a16="http://schemas.microsoft.com/office/drawing/2014/main" xmlns="" id="{54D34BF9-8D24-017A-317A-6048E3CD4558}"/>
+                <a16:creationId xmlns:a16="http://schemas.microsoft.com/office/drawing/2014/main" id="{54D34BF9-8D24-017A-317A-6048E3CD4558}"/>
               </a:ext>
             </a:extLst>
           </p:cNvPr>
@@ -10943,7 +10886,7 @@
           <p:cNvPr id="12" name="ZoneTexte 11">
             <a:extLst>
               <a:ext uri="{FF2B5EF4-FFF2-40B4-BE49-F238E27FC236}">
-                <a16:creationId xmlns:a16="http://schemas.microsoft.com/office/drawing/2014/main" xmlns="" id="{C6F0AF21-34D8-55B1-83AE-4D73F3F4E2D8}"/>
+                <a16:creationId xmlns:a16="http://schemas.microsoft.com/office/drawing/2014/main" id="{C6F0AF21-34D8-55B1-83AE-4D73F3F4E2D8}"/>
               </a:ext>
             </a:extLst>
           </p:cNvPr>
@@ -10978,7 +10921,7 @@
           <p:cNvPr id="13" name="Connecteur droit avec flèche 12">
             <a:extLst>
               <a:ext uri="{FF2B5EF4-FFF2-40B4-BE49-F238E27FC236}">
-                <a16:creationId xmlns:a16="http://schemas.microsoft.com/office/drawing/2014/main" xmlns="" id="{425E542E-83AA-38CF-4B99-DF1F252729AA}"/>
+                <a16:creationId xmlns:a16="http://schemas.microsoft.com/office/drawing/2014/main" id="{425E542E-83AA-38CF-4B99-DF1F252729AA}"/>
               </a:ext>
             </a:extLst>
           </p:cNvPr>
@@ -11024,7 +10967,7 @@
           <p:cNvPr id="16" name="Cadre 15">
             <a:extLst>
               <a:ext uri="{FF2B5EF4-FFF2-40B4-BE49-F238E27FC236}">
-                <a16:creationId xmlns:a16="http://schemas.microsoft.com/office/drawing/2014/main" xmlns="" id="{7C651624-7052-4B20-CFA4-78A3D294252E}"/>
+                <a16:creationId xmlns:a16="http://schemas.microsoft.com/office/drawing/2014/main" id="{7C651624-7052-4B20-CFA4-78A3D294252E}"/>
               </a:ext>
             </a:extLst>
           </p:cNvPr>
@@ -11080,7 +11023,7 @@
           <p:cNvPr id="20" name="ZoneTexte 19">
             <a:extLst>
               <a:ext uri="{FF2B5EF4-FFF2-40B4-BE49-F238E27FC236}">
-                <a16:creationId xmlns:a16="http://schemas.microsoft.com/office/drawing/2014/main" xmlns="" id="{A9548BC3-3954-8D9D-280A-6ECBED1115F0}"/>
+                <a16:creationId xmlns:a16="http://schemas.microsoft.com/office/drawing/2014/main" id="{A9548BC3-3954-8D9D-280A-6ECBED1115F0}"/>
               </a:ext>
             </a:extLst>
           </p:cNvPr>
@@ -11115,7 +11058,7 @@
           <p:cNvPr id="21" name="Cadre 20">
             <a:extLst>
               <a:ext uri="{FF2B5EF4-FFF2-40B4-BE49-F238E27FC236}">
-                <a16:creationId xmlns:a16="http://schemas.microsoft.com/office/drawing/2014/main" xmlns="" id="{0D969456-9D55-B1A4-0D13-483E30CF1961}"/>
+                <a16:creationId xmlns:a16="http://schemas.microsoft.com/office/drawing/2014/main" id="{0D969456-9D55-B1A4-0D13-483E30CF1961}"/>
               </a:ext>
             </a:extLst>
           </p:cNvPr>
@@ -11171,7 +11114,7 @@
           <p:cNvPr id="22" name="Flèche : pentagone 21">
             <a:extLst>
               <a:ext uri="{FF2B5EF4-FFF2-40B4-BE49-F238E27FC236}">
-                <a16:creationId xmlns:a16="http://schemas.microsoft.com/office/drawing/2014/main" xmlns="" id="{66FD52B4-BAA3-5572-D88F-70B0CF354B7A}"/>
+                <a16:creationId xmlns:a16="http://schemas.microsoft.com/office/drawing/2014/main" id="{66FD52B4-BAA3-5572-D88F-70B0CF354B7A}"/>
               </a:ext>
             </a:extLst>
           </p:cNvPr>
@@ -11223,7 +11166,7 @@
           <p:cNvPr id="23" name="Connecteur droit avec flèche 22">
             <a:extLst>
               <a:ext uri="{FF2B5EF4-FFF2-40B4-BE49-F238E27FC236}">
-                <a16:creationId xmlns:a16="http://schemas.microsoft.com/office/drawing/2014/main" xmlns="" id="{37E4C651-0EB9-D770-E365-94910465FED6}"/>
+                <a16:creationId xmlns:a16="http://schemas.microsoft.com/office/drawing/2014/main" id="{37E4C651-0EB9-D770-E365-94910465FED6}"/>
               </a:ext>
             </a:extLst>
           </p:cNvPr>
@@ -11269,7 +11212,7 @@
           <p:cNvPr id="27" name="Connecteur droit avec flèche 26">
             <a:extLst>
               <a:ext uri="{FF2B5EF4-FFF2-40B4-BE49-F238E27FC236}">
-                <a16:creationId xmlns:a16="http://schemas.microsoft.com/office/drawing/2014/main" xmlns="" id="{A9B0ED8E-3D53-A766-89F3-968B58FA8179}"/>
+                <a16:creationId xmlns:a16="http://schemas.microsoft.com/office/drawing/2014/main" id="{A9B0ED8E-3D53-A766-89F3-968B58FA8179}"/>
               </a:ext>
             </a:extLst>
           </p:cNvPr>
@@ -11314,7 +11257,7 @@
           <p:cNvPr id="30" name="Connecteur droit avec flèche 29">
             <a:extLst>
               <a:ext uri="{FF2B5EF4-FFF2-40B4-BE49-F238E27FC236}">
-                <a16:creationId xmlns:a16="http://schemas.microsoft.com/office/drawing/2014/main" xmlns="" id="{ED7520D8-0D8D-1979-B800-38B220A6F1B3}"/>
+                <a16:creationId xmlns:a16="http://schemas.microsoft.com/office/drawing/2014/main" id="{ED7520D8-0D8D-1979-B800-38B220A6F1B3}"/>
               </a:ext>
             </a:extLst>
           </p:cNvPr>
@@ -11359,7 +11302,7 @@
           <p:cNvPr id="34" name="ZoneTexte 33">
             <a:extLst>
               <a:ext uri="{FF2B5EF4-FFF2-40B4-BE49-F238E27FC236}">
-                <a16:creationId xmlns:a16="http://schemas.microsoft.com/office/drawing/2014/main" xmlns="" id="{59D9FFD0-CB96-4A9B-0F5C-9D2A9E0C088B}"/>
+                <a16:creationId xmlns:a16="http://schemas.microsoft.com/office/drawing/2014/main" id="{59D9FFD0-CB96-4A9B-0F5C-9D2A9E0C088B}"/>
               </a:ext>
             </a:extLst>
           </p:cNvPr>
@@ -11394,7 +11337,7 @@
           <p:cNvPr id="35" name="Flèche : pentagone 34">
             <a:extLst>
               <a:ext uri="{FF2B5EF4-FFF2-40B4-BE49-F238E27FC236}">
-                <a16:creationId xmlns:a16="http://schemas.microsoft.com/office/drawing/2014/main" xmlns="" id="{E3C117F7-6E9C-8FC9-A1D3-B231EB40CCDE}"/>
+                <a16:creationId xmlns:a16="http://schemas.microsoft.com/office/drawing/2014/main" id="{E3C117F7-6E9C-8FC9-A1D3-B231EB40CCDE}"/>
               </a:ext>
             </a:extLst>
           </p:cNvPr>
@@ -11446,7 +11389,7 @@
           <p:cNvPr id="36" name="Connecteur droit avec flèche 35">
             <a:extLst>
               <a:ext uri="{FF2B5EF4-FFF2-40B4-BE49-F238E27FC236}">
-                <a16:creationId xmlns:a16="http://schemas.microsoft.com/office/drawing/2014/main" xmlns="" id="{7A6ED4DC-FFDF-949B-9CF7-DF653E87B7A6}"/>
+                <a16:creationId xmlns:a16="http://schemas.microsoft.com/office/drawing/2014/main" id="{7A6ED4DC-FFDF-949B-9CF7-DF653E87B7A6}"/>
               </a:ext>
             </a:extLst>
           </p:cNvPr>
@@ -11491,7 +11434,7 @@
           <p:cNvPr id="37" name="ZoneTexte 36">
             <a:extLst>
               <a:ext uri="{FF2B5EF4-FFF2-40B4-BE49-F238E27FC236}">
-                <a16:creationId xmlns:a16="http://schemas.microsoft.com/office/drawing/2014/main" xmlns="" id="{3013DB62-C06F-23EE-2233-7B7FBD989EFF}"/>
+                <a16:creationId xmlns:a16="http://schemas.microsoft.com/office/drawing/2014/main" id="{3013DB62-C06F-23EE-2233-7B7FBD989EFF}"/>
               </a:ext>
             </a:extLst>
           </p:cNvPr>
@@ -11526,7 +11469,7 @@
           <p:cNvPr id="38" name="Connecteur droit avec flèche 37">
             <a:extLst>
               <a:ext uri="{FF2B5EF4-FFF2-40B4-BE49-F238E27FC236}">
-                <a16:creationId xmlns:a16="http://schemas.microsoft.com/office/drawing/2014/main" xmlns="" id="{E81A72B4-B502-7443-9918-6C0713B302D4}"/>
+                <a16:creationId xmlns:a16="http://schemas.microsoft.com/office/drawing/2014/main" id="{E81A72B4-B502-7443-9918-6C0713B302D4}"/>
               </a:ext>
             </a:extLst>
           </p:cNvPr>
@@ -11571,7 +11514,7 @@
           <p:cNvPr id="39" name="Organigramme : Document 38">
             <a:extLst>
               <a:ext uri="{FF2B5EF4-FFF2-40B4-BE49-F238E27FC236}">
-                <a16:creationId xmlns:a16="http://schemas.microsoft.com/office/drawing/2014/main" xmlns="" id="{5A4A1EDA-5AFD-48EA-75C8-7A9963831305}"/>
+                <a16:creationId xmlns:a16="http://schemas.microsoft.com/office/drawing/2014/main" id="{5A4A1EDA-5AFD-48EA-75C8-7A9963831305}"/>
               </a:ext>
             </a:extLst>
           </p:cNvPr>
@@ -11627,7 +11570,7 @@
           <p:cNvPr id="40" name="Cadre 39">
             <a:extLst>
               <a:ext uri="{FF2B5EF4-FFF2-40B4-BE49-F238E27FC236}">
-                <a16:creationId xmlns:a16="http://schemas.microsoft.com/office/drawing/2014/main" xmlns="" id="{206148B6-ADB6-00C7-8011-285975261F58}"/>
+                <a16:creationId xmlns:a16="http://schemas.microsoft.com/office/drawing/2014/main" id="{206148B6-ADB6-00C7-8011-285975261F58}"/>
               </a:ext>
             </a:extLst>
           </p:cNvPr>
@@ -11683,7 +11626,7 @@
           <p:cNvPr id="46" name="Organigramme : Document 45">
             <a:extLst>
               <a:ext uri="{FF2B5EF4-FFF2-40B4-BE49-F238E27FC236}">
-                <a16:creationId xmlns:a16="http://schemas.microsoft.com/office/drawing/2014/main" xmlns="" id="{B52545CA-F38A-B2F9-4FFA-D70838EBC489}"/>
+                <a16:creationId xmlns:a16="http://schemas.microsoft.com/office/drawing/2014/main" id="{B52545CA-F38A-B2F9-4FFA-D70838EBC489}"/>
               </a:ext>
             </a:extLst>
           </p:cNvPr>
@@ -11742,7 +11685,7 @@
           <p:cNvPr id="52" name="Connecteur droit avec flèche 51">
             <a:extLst>
               <a:ext uri="{FF2B5EF4-FFF2-40B4-BE49-F238E27FC236}">
-                <a16:creationId xmlns:a16="http://schemas.microsoft.com/office/drawing/2014/main" xmlns="" id="{8943895B-B2A7-B9A0-E4AE-FB9BDCE9B87E}"/>
+                <a16:creationId xmlns:a16="http://schemas.microsoft.com/office/drawing/2014/main" id="{8943895B-B2A7-B9A0-E4AE-FB9BDCE9B87E}"/>
               </a:ext>
             </a:extLst>
           </p:cNvPr>
@@ -11788,7 +11731,7 @@
           <p:cNvPr id="57" name="Connecteur droit avec flèche 56">
             <a:extLst>
               <a:ext uri="{FF2B5EF4-FFF2-40B4-BE49-F238E27FC236}">
-                <a16:creationId xmlns:a16="http://schemas.microsoft.com/office/drawing/2014/main" xmlns="" id="{2EB27CA6-0DD4-BE06-A69C-B62F7FF293A6}"/>
+                <a16:creationId xmlns:a16="http://schemas.microsoft.com/office/drawing/2014/main" id="{2EB27CA6-0DD4-BE06-A69C-B62F7FF293A6}"/>
               </a:ext>
             </a:extLst>
           </p:cNvPr>
@@ -11834,7 +11777,7 @@
           <p:cNvPr id="58" name="Organigramme : Document 57">
             <a:extLst>
               <a:ext uri="{FF2B5EF4-FFF2-40B4-BE49-F238E27FC236}">
-                <a16:creationId xmlns:a16="http://schemas.microsoft.com/office/drawing/2014/main" xmlns="" id="{250D2139-92A6-4954-1A24-50A4301A2AFC}"/>
+                <a16:creationId xmlns:a16="http://schemas.microsoft.com/office/drawing/2014/main" id="{250D2139-92A6-4954-1A24-50A4301A2AFC}"/>
               </a:ext>
             </a:extLst>
           </p:cNvPr>
@@ -11893,7 +11836,7 @@
           <p:cNvPr id="59" name="Connecteur droit avec flèche 58">
             <a:extLst>
               <a:ext uri="{FF2B5EF4-FFF2-40B4-BE49-F238E27FC236}">
-                <a16:creationId xmlns:a16="http://schemas.microsoft.com/office/drawing/2014/main" xmlns="" id="{17D6D604-A82D-2D36-332E-B182EB331B47}"/>
+                <a16:creationId xmlns:a16="http://schemas.microsoft.com/office/drawing/2014/main" id="{17D6D604-A82D-2D36-332E-B182EB331B47}"/>
               </a:ext>
             </a:extLst>
           </p:cNvPr>
@@ -11939,7 +11882,7 @@
           <p:cNvPr id="72" name="Connecteur droit avec flèche 71">
             <a:extLst>
               <a:ext uri="{FF2B5EF4-FFF2-40B4-BE49-F238E27FC236}">
-                <a16:creationId xmlns:a16="http://schemas.microsoft.com/office/drawing/2014/main" xmlns="" id="{EB3E3197-6785-408E-7A2F-3888F0625C6C}"/>
+                <a16:creationId xmlns:a16="http://schemas.microsoft.com/office/drawing/2014/main" id="{EB3E3197-6785-408E-7A2F-3888F0625C6C}"/>
               </a:ext>
             </a:extLst>
           </p:cNvPr>
@@ -11984,7 +11927,7 @@
           <p:cNvPr id="73" name="Connecteur droit avec flèche 72">
             <a:extLst>
               <a:ext uri="{FF2B5EF4-FFF2-40B4-BE49-F238E27FC236}">
-                <a16:creationId xmlns:a16="http://schemas.microsoft.com/office/drawing/2014/main" xmlns="" id="{000541C6-A061-07FF-D4CC-0DFB4B405F5B}"/>
+                <a16:creationId xmlns:a16="http://schemas.microsoft.com/office/drawing/2014/main" id="{000541C6-A061-07FF-D4CC-0DFB4B405F5B}"/>
               </a:ext>
             </a:extLst>
           </p:cNvPr>
@@ -12029,7 +11972,7 @@
           <p:cNvPr id="78" name="ZoneTexte 77">
             <a:extLst>
               <a:ext uri="{FF2B5EF4-FFF2-40B4-BE49-F238E27FC236}">
-                <a16:creationId xmlns:a16="http://schemas.microsoft.com/office/drawing/2014/main" xmlns="" id="{A13E9A33-D392-67E3-5EE7-DE4FC74A4572}"/>
+                <a16:creationId xmlns:a16="http://schemas.microsoft.com/office/drawing/2014/main" id="{A13E9A33-D392-67E3-5EE7-DE4FC74A4572}"/>
               </a:ext>
             </a:extLst>
           </p:cNvPr>
@@ -12094,7 +12037,7 @@
           <p:cNvPr id="65" name="Connecteur : en angle 64">
             <a:extLst>
               <a:ext uri="{FF2B5EF4-FFF2-40B4-BE49-F238E27FC236}">
-                <a16:creationId xmlns:a16="http://schemas.microsoft.com/office/drawing/2014/main" xmlns="" id="{F4875C97-EAB6-0241-077C-C02F4408C237}"/>
+                <a16:creationId xmlns:a16="http://schemas.microsoft.com/office/drawing/2014/main" id="{F4875C97-EAB6-0241-077C-C02F4408C237}"/>
               </a:ext>
             </a:extLst>
           </p:cNvPr>
@@ -12141,7 +12084,7 @@
           <p:cNvPr id="2" name="Titre 1">
             <a:extLst>
               <a:ext uri="{FF2B5EF4-FFF2-40B4-BE49-F238E27FC236}">
-                <a16:creationId xmlns:a16="http://schemas.microsoft.com/office/drawing/2014/main" xmlns="" id="{90162AE8-C1B0-5C56-8313-DEE494F38273}"/>
+                <a16:creationId xmlns:a16="http://schemas.microsoft.com/office/drawing/2014/main" id="{90162AE8-C1B0-5C56-8313-DEE494F38273}"/>
               </a:ext>
             </a:extLst>
           </p:cNvPr>
@@ -12169,7 +12112,7 @@
           <p:cNvPr id="5" name="Image 4" descr="Une image contenant texte&#10;&#10;Description générée automatiquement">
             <a:extLst>
               <a:ext uri="{FF2B5EF4-FFF2-40B4-BE49-F238E27FC236}">
-                <a16:creationId xmlns:a16="http://schemas.microsoft.com/office/drawing/2014/main" xmlns="" id="{204ADC40-1D61-539F-22ED-6B21D67FBDE6}"/>
+                <a16:creationId xmlns:a16="http://schemas.microsoft.com/office/drawing/2014/main" id="{204ADC40-1D61-539F-22ED-6B21D67FBDE6}"/>
               </a:ext>
             </a:extLst>
           </p:cNvPr>
@@ -12205,7 +12148,7 @@
           <p:cNvPr id="6" name="Organigramme : Document 5">
             <a:extLst>
               <a:ext uri="{FF2B5EF4-FFF2-40B4-BE49-F238E27FC236}">
-                <a16:creationId xmlns:a16="http://schemas.microsoft.com/office/drawing/2014/main" xmlns="" id="{8F026908-39A6-3866-FBED-562D4E2EB325}"/>
+                <a16:creationId xmlns:a16="http://schemas.microsoft.com/office/drawing/2014/main" id="{8F026908-39A6-3866-FBED-562D4E2EB325}"/>
               </a:ext>
             </a:extLst>
           </p:cNvPr>
@@ -12261,7 +12204,7 @@
           <p:cNvPr id="8" name="Organigramme : Document 7">
             <a:extLst>
               <a:ext uri="{FF2B5EF4-FFF2-40B4-BE49-F238E27FC236}">
-                <a16:creationId xmlns:a16="http://schemas.microsoft.com/office/drawing/2014/main" xmlns="" id="{6F7AFBE7-D89F-D9CB-8A84-D493FF5ACF51}"/>
+                <a16:creationId xmlns:a16="http://schemas.microsoft.com/office/drawing/2014/main" id="{6F7AFBE7-D89F-D9CB-8A84-D493FF5ACF51}"/>
               </a:ext>
             </a:extLst>
           </p:cNvPr>
@@ -12320,7 +12263,7 @@
           <p:cNvPr id="10" name="Connecteur droit avec flèche 9">
             <a:extLst>
               <a:ext uri="{FF2B5EF4-FFF2-40B4-BE49-F238E27FC236}">
-                <a16:creationId xmlns:a16="http://schemas.microsoft.com/office/drawing/2014/main" xmlns="" id="{54D34BF9-8D24-017A-317A-6048E3CD4558}"/>
+                <a16:creationId xmlns:a16="http://schemas.microsoft.com/office/drawing/2014/main" id="{54D34BF9-8D24-017A-317A-6048E3CD4558}"/>
               </a:ext>
             </a:extLst>
           </p:cNvPr>
@@ -12365,7 +12308,7 @@
           <p:cNvPr id="12" name="ZoneTexte 11">
             <a:extLst>
               <a:ext uri="{FF2B5EF4-FFF2-40B4-BE49-F238E27FC236}">
-                <a16:creationId xmlns:a16="http://schemas.microsoft.com/office/drawing/2014/main" xmlns="" id="{C6F0AF21-34D8-55B1-83AE-4D73F3F4E2D8}"/>
+                <a16:creationId xmlns:a16="http://schemas.microsoft.com/office/drawing/2014/main" id="{C6F0AF21-34D8-55B1-83AE-4D73F3F4E2D8}"/>
               </a:ext>
             </a:extLst>
           </p:cNvPr>
@@ -12400,7 +12343,7 @@
           <p:cNvPr id="13" name="Connecteur droit avec flèche 12">
             <a:extLst>
               <a:ext uri="{FF2B5EF4-FFF2-40B4-BE49-F238E27FC236}">
-                <a16:creationId xmlns:a16="http://schemas.microsoft.com/office/drawing/2014/main" xmlns="" id="{425E542E-83AA-38CF-4B99-DF1F252729AA}"/>
+                <a16:creationId xmlns:a16="http://schemas.microsoft.com/office/drawing/2014/main" id="{425E542E-83AA-38CF-4B99-DF1F252729AA}"/>
               </a:ext>
             </a:extLst>
           </p:cNvPr>
@@ -12446,7 +12389,7 @@
           <p:cNvPr id="16" name="Cadre 15">
             <a:extLst>
               <a:ext uri="{FF2B5EF4-FFF2-40B4-BE49-F238E27FC236}">
-                <a16:creationId xmlns:a16="http://schemas.microsoft.com/office/drawing/2014/main" xmlns="" id="{7C651624-7052-4B20-CFA4-78A3D294252E}"/>
+                <a16:creationId xmlns:a16="http://schemas.microsoft.com/office/drawing/2014/main" id="{7C651624-7052-4B20-CFA4-78A3D294252E}"/>
               </a:ext>
             </a:extLst>
           </p:cNvPr>
@@ -12502,7 +12445,7 @@
           <p:cNvPr id="20" name="ZoneTexte 19">
             <a:extLst>
               <a:ext uri="{FF2B5EF4-FFF2-40B4-BE49-F238E27FC236}">
-                <a16:creationId xmlns:a16="http://schemas.microsoft.com/office/drawing/2014/main" xmlns="" id="{A9548BC3-3954-8D9D-280A-6ECBED1115F0}"/>
+                <a16:creationId xmlns:a16="http://schemas.microsoft.com/office/drawing/2014/main" id="{A9548BC3-3954-8D9D-280A-6ECBED1115F0}"/>
               </a:ext>
             </a:extLst>
           </p:cNvPr>
@@ -12537,7 +12480,7 @@
           <p:cNvPr id="21" name="Cadre 20">
             <a:extLst>
               <a:ext uri="{FF2B5EF4-FFF2-40B4-BE49-F238E27FC236}">
-                <a16:creationId xmlns:a16="http://schemas.microsoft.com/office/drawing/2014/main" xmlns="" id="{0D969456-9D55-B1A4-0D13-483E30CF1961}"/>
+                <a16:creationId xmlns:a16="http://schemas.microsoft.com/office/drawing/2014/main" id="{0D969456-9D55-B1A4-0D13-483E30CF1961}"/>
               </a:ext>
             </a:extLst>
           </p:cNvPr>
@@ -12593,7 +12536,7 @@
           <p:cNvPr id="22" name="Flèche : pentagone 21">
             <a:extLst>
               <a:ext uri="{FF2B5EF4-FFF2-40B4-BE49-F238E27FC236}">
-                <a16:creationId xmlns:a16="http://schemas.microsoft.com/office/drawing/2014/main" xmlns="" id="{66FD52B4-BAA3-5572-D88F-70B0CF354B7A}"/>
+                <a16:creationId xmlns:a16="http://schemas.microsoft.com/office/drawing/2014/main" id="{66FD52B4-BAA3-5572-D88F-70B0CF354B7A}"/>
               </a:ext>
             </a:extLst>
           </p:cNvPr>
@@ -12645,7 +12588,7 @@
           <p:cNvPr id="23" name="Connecteur droit avec flèche 22">
             <a:extLst>
               <a:ext uri="{FF2B5EF4-FFF2-40B4-BE49-F238E27FC236}">
-                <a16:creationId xmlns:a16="http://schemas.microsoft.com/office/drawing/2014/main" xmlns="" id="{37E4C651-0EB9-D770-E365-94910465FED6}"/>
+                <a16:creationId xmlns:a16="http://schemas.microsoft.com/office/drawing/2014/main" id="{37E4C651-0EB9-D770-E365-94910465FED6}"/>
               </a:ext>
             </a:extLst>
           </p:cNvPr>
@@ -12691,7 +12634,7 @@
           <p:cNvPr id="27" name="Connecteur droit avec flèche 26">
             <a:extLst>
               <a:ext uri="{FF2B5EF4-FFF2-40B4-BE49-F238E27FC236}">
-                <a16:creationId xmlns:a16="http://schemas.microsoft.com/office/drawing/2014/main" xmlns="" id="{A9B0ED8E-3D53-A766-89F3-968B58FA8179}"/>
+                <a16:creationId xmlns:a16="http://schemas.microsoft.com/office/drawing/2014/main" id="{A9B0ED8E-3D53-A766-89F3-968B58FA8179}"/>
               </a:ext>
             </a:extLst>
           </p:cNvPr>
@@ -12736,7 +12679,7 @@
           <p:cNvPr id="30" name="Connecteur droit avec flèche 29">
             <a:extLst>
               <a:ext uri="{FF2B5EF4-FFF2-40B4-BE49-F238E27FC236}">
-                <a16:creationId xmlns:a16="http://schemas.microsoft.com/office/drawing/2014/main" xmlns="" id="{ED7520D8-0D8D-1979-B800-38B220A6F1B3}"/>
+                <a16:creationId xmlns:a16="http://schemas.microsoft.com/office/drawing/2014/main" id="{ED7520D8-0D8D-1979-B800-38B220A6F1B3}"/>
               </a:ext>
             </a:extLst>
           </p:cNvPr>
@@ -12781,7 +12724,7 @@
           <p:cNvPr id="34" name="ZoneTexte 33">
             <a:extLst>
               <a:ext uri="{FF2B5EF4-FFF2-40B4-BE49-F238E27FC236}">
-                <a16:creationId xmlns:a16="http://schemas.microsoft.com/office/drawing/2014/main" xmlns="" id="{59D9FFD0-CB96-4A9B-0F5C-9D2A9E0C088B}"/>
+                <a16:creationId xmlns:a16="http://schemas.microsoft.com/office/drawing/2014/main" id="{59D9FFD0-CB96-4A9B-0F5C-9D2A9E0C088B}"/>
               </a:ext>
             </a:extLst>
           </p:cNvPr>
@@ -12816,7 +12759,7 @@
           <p:cNvPr id="35" name="Flèche : pentagone 34">
             <a:extLst>
               <a:ext uri="{FF2B5EF4-FFF2-40B4-BE49-F238E27FC236}">
-                <a16:creationId xmlns:a16="http://schemas.microsoft.com/office/drawing/2014/main" xmlns="" id="{E3C117F7-6E9C-8FC9-A1D3-B231EB40CCDE}"/>
+                <a16:creationId xmlns:a16="http://schemas.microsoft.com/office/drawing/2014/main" id="{E3C117F7-6E9C-8FC9-A1D3-B231EB40CCDE}"/>
               </a:ext>
             </a:extLst>
           </p:cNvPr>
@@ -12868,7 +12811,7 @@
           <p:cNvPr id="36" name="Connecteur droit avec flèche 35">
             <a:extLst>
               <a:ext uri="{FF2B5EF4-FFF2-40B4-BE49-F238E27FC236}">
-                <a16:creationId xmlns:a16="http://schemas.microsoft.com/office/drawing/2014/main" xmlns="" id="{7A6ED4DC-FFDF-949B-9CF7-DF653E87B7A6}"/>
+                <a16:creationId xmlns:a16="http://schemas.microsoft.com/office/drawing/2014/main" id="{7A6ED4DC-FFDF-949B-9CF7-DF653E87B7A6}"/>
               </a:ext>
             </a:extLst>
           </p:cNvPr>
@@ -12913,7 +12856,7 @@
           <p:cNvPr id="37" name="ZoneTexte 36">
             <a:extLst>
               <a:ext uri="{FF2B5EF4-FFF2-40B4-BE49-F238E27FC236}">
-                <a16:creationId xmlns:a16="http://schemas.microsoft.com/office/drawing/2014/main" xmlns="" id="{3013DB62-C06F-23EE-2233-7B7FBD989EFF}"/>
+                <a16:creationId xmlns:a16="http://schemas.microsoft.com/office/drawing/2014/main" id="{3013DB62-C06F-23EE-2233-7B7FBD989EFF}"/>
               </a:ext>
             </a:extLst>
           </p:cNvPr>
@@ -12948,7 +12891,7 @@
           <p:cNvPr id="38" name="Connecteur droit avec flèche 37">
             <a:extLst>
               <a:ext uri="{FF2B5EF4-FFF2-40B4-BE49-F238E27FC236}">
-                <a16:creationId xmlns:a16="http://schemas.microsoft.com/office/drawing/2014/main" xmlns="" id="{E81A72B4-B502-7443-9918-6C0713B302D4}"/>
+                <a16:creationId xmlns:a16="http://schemas.microsoft.com/office/drawing/2014/main" id="{E81A72B4-B502-7443-9918-6C0713B302D4}"/>
               </a:ext>
             </a:extLst>
           </p:cNvPr>
@@ -12993,7 +12936,7 @@
           <p:cNvPr id="39" name="Organigramme : Document 38">
             <a:extLst>
               <a:ext uri="{FF2B5EF4-FFF2-40B4-BE49-F238E27FC236}">
-                <a16:creationId xmlns:a16="http://schemas.microsoft.com/office/drawing/2014/main" xmlns="" id="{5A4A1EDA-5AFD-48EA-75C8-7A9963831305}"/>
+                <a16:creationId xmlns:a16="http://schemas.microsoft.com/office/drawing/2014/main" id="{5A4A1EDA-5AFD-48EA-75C8-7A9963831305}"/>
               </a:ext>
             </a:extLst>
           </p:cNvPr>
@@ -13049,7 +12992,7 @@
           <p:cNvPr id="40" name="Cadre 39">
             <a:extLst>
               <a:ext uri="{FF2B5EF4-FFF2-40B4-BE49-F238E27FC236}">
-                <a16:creationId xmlns:a16="http://schemas.microsoft.com/office/drawing/2014/main" xmlns="" id="{206148B6-ADB6-00C7-8011-285975261F58}"/>
+                <a16:creationId xmlns:a16="http://schemas.microsoft.com/office/drawing/2014/main" id="{206148B6-ADB6-00C7-8011-285975261F58}"/>
               </a:ext>
             </a:extLst>
           </p:cNvPr>
@@ -13105,7 +13048,7 @@
           <p:cNvPr id="46" name="Organigramme : Document 45">
             <a:extLst>
               <a:ext uri="{FF2B5EF4-FFF2-40B4-BE49-F238E27FC236}">
-                <a16:creationId xmlns:a16="http://schemas.microsoft.com/office/drawing/2014/main" xmlns="" id="{B52545CA-F38A-B2F9-4FFA-D70838EBC489}"/>
+                <a16:creationId xmlns:a16="http://schemas.microsoft.com/office/drawing/2014/main" id="{B52545CA-F38A-B2F9-4FFA-D70838EBC489}"/>
               </a:ext>
             </a:extLst>
           </p:cNvPr>
@@ -13164,7 +13107,7 @@
           <p:cNvPr id="52" name="Connecteur droit avec flèche 51">
             <a:extLst>
               <a:ext uri="{FF2B5EF4-FFF2-40B4-BE49-F238E27FC236}">
-                <a16:creationId xmlns:a16="http://schemas.microsoft.com/office/drawing/2014/main" xmlns="" id="{8943895B-B2A7-B9A0-E4AE-FB9BDCE9B87E}"/>
+                <a16:creationId xmlns:a16="http://schemas.microsoft.com/office/drawing/2014/main" id="{8943895B-B2A7-B9A0-E4AE-FB9BDCE9B87E}"/>
               </a:ext>
             </a:extLst>
           </p:cNvPr>
@@ -13210,7 +13153,7 @@
           <p:cNvPr id="57" name="Connecteur droit avec flèche 56">
             <a:extLst>
               <a:ext uri="{FF2B5EF4-FFF2-40B4-BE49-F238E27FC236}">
-                <a16:creationId xmlns:a16="http://schemas.microsoft.com/office/drawing/2014/main" xmlns="" id="{2EB27CA6-0DD4-BE06-A69C-B62F7FF293A6}"/>
+                <a16:creationId xmlns:a16="http://schemas.microsoft.com/office/drawing/2014/main" id="{2EB27CA6-0DD4-BE06-A69C-B62F7FF293A6}"/>
               </a:ext>
             </a:extLst>
           </p:cNvPr>
@@ -13256,7 +13199,7 @@
           <p:cNvPr id="58" name="Organigramme : Document 57">
             <a:extLst>
               <a:ext uri="{FF2B5EF4-FFF2-40B4-BE49-F238E27FC236}">
-                <a16:creationId xmlns:a16="http://schemas.microsoft.com/office/drawing/2014/main" xmlns="" id="{250D2139-92A6-4954-1A24-50A4301A2AFC}"/>
+                <a16:creationId xmlns:a16="http://schemas.microsoft.com/office/drawing/2014/main" id="{250D2139-92A6-4954-1A24-50A4301A2AFC}"/>
               </a:ext>
             </a:extLst>
           </p:cNvPr>
@@ -13315,7 +13258,7 @@
           <p:cNvPr id="59" name="Connecteur droit avec flèche 58">
             <a:extLst>
               <a:ext uri="{FF2B5EF4-FFF2-40B4-BE49-F238E27FC236}">
-                <a16:creationId xmlns:a16="http://schemas.microsoft.com/office/drawing/2014/main" xmlns="" id="{17D6D604-A82D-2D36-332E-B182EB331B47}"/>
+                <a16:creationId xmlns:a16="http://schemas.microsoft.com/office/drawing/2014/main" id="{17D6D604-A82D-2D36-332E-B182EB331B47}"/>
               </a:ext>
             </a:extLst>
           </p:cNvPr>
@@ -13361,7 +13304,7 @@
           <p:cNvPr id="72" name="Connecteur droit avec flèche 71">
             <a:extLst>
               <a:ext uri="{FF2B5EF4-FFF2-40B4-BE49-F238E27FC236}">
-                <a16:creationId xmlns:a16="http://schemas.microsoft.com/office/drawing/2014/main" xmlns="" id="{EB3E3197-6785-408E-7A2F-3888F0625C6C}"/>
+                <a16:creationId xmlns:a16="http://schemas.microsoft.com/office/drawing/2014/main" id="{EB3E3197-6785-408E-7A2F-3888F0625C6C}"/>
               </a:ext>
             </a:extLst>
           </p:cNvPr>
@@ -13406,7 +13349,7 @@
           <p:cNvPr id="73" name="Connecteur droit avec flèche 72">
             <a:extLst>
               <a:ext uri="{FF2B5EF4-FFF2-40B4-BE49-F238E27FC236}">
-                <a16:creationId xmlns:a16="http://schemas.microsoft.com/office/drawing/2014/main" xmlns="" id="{000541C6-A061-07FF-D4CC-0DFB4B405F5B}"/>
+                <a16:creationId xmlns:a16="http://schemas.microsoft.com/office/drawing/2014/main" id="{000541C6-A061-07FF-D4CC-0DFB4B405F5B}"/>
               </a:ext>
             </a:extLst>
           </p:cNvPr>
@@ -13451,7 +13394,7 @@
           <p:cNvPr id="78" name="ZoneTexte 77">
             <a:extLst>
               <a:ext uri="{FF2B5EF4-FFF2-40B4-BE49-F238E27FC236}">
-                <a16:creationId xmlns:a16="http://schemas.microsoft.com/office/drawing/2014/main" xmlns="" id="{A13E9A33-D392-67E3-5EE7-DE4FC74A4572}"/>
+                <a16:creationId xmlns:a16="http://schemas.microsoft.com/office/drawing/2014/main" id="{A13E9A33-D392-67E3-5EE7-DE4FC74A4572}"/>
               </a:ext>
             </a:extLst>
           </p:cNvPr>
@@ -13486,7 +13429,7 @@
           <p:cNvPr id="3" name="CustomShape 3">
             <a:extLst>
               <a:ext uri="{FF2B5EF4-FFF2-40B4-BE49-F238E27FC236}">
-                <a16:creationId xmlns:a16="http://schemas.microsoft.com/office/drawing/2014/main" xmlns="" id="{9A824087-261C-3CC4-6A43-48B79EE622EF}"/>
+                <a16:creationId xmlns:a16="http://schemas.microsoft.com/office/drawing/2014/main" id="{9A824087-261C-3CC4-6A43-48B79EE622EF}"/>
               </a:ext>
             </a:extLst>
           </p:cNvPr>
@@ -13554,7 +13497,7 @@
           <p:cNvPr id="4" name="CustomShape 3">
             <a:extLst>
               <a:ext uri="{FF2B5EF4-FFF2-40B4-BE49-F238E27FC236}">
-                <a16:creationId xmlns:a16="http://schemas.microsoft.com/office/drawing/2014/main" xmlns="" id="{47043317-3FE0-42AF-673E-5CC9A9933783}"/>
+                <a16:creationId xmlns:a16="http://schemas.microsoft.com/office/drawing/2014/main" id="{47043317-3FE0-42AF-673E-5CC9A9933783}"/>
               </a:ext>
             </a:extLst>
           </p:cNvPr>
@@ -13622,7 +13565,7 @@
           <p:cNvPr id="7" name="CustomShape 3">
             <a:extLst>
               <a:ext uri="{FF2B5EF4-FFF2-40B4-BE49-F238E27FC236}">
-                <a16:creationId xmlns:a16="http://schemas.microsoft.com/office/drawing/2014/main" xmlns="" id="{9E7F5ABE-9BFF-546C-290B-E6842DCE8C44}"/>
+                <a16:creationId xmlns:a16="http://schemas.microsoft.com/office/drawing/2014/main" id="{9E7F5ABE-9BFF-546C-290B-E6842DCE8C44}"/>
               </a:ext>
             </a:extLst>
           </p:cNvPr>
@@ -13720,7 +13663,7 @@
           <p:cNvPr id="2" name="Titre 1">
             <a:extLst>
               <a:ext uri="{FF2B5EF4-FFF2-40B4-BE49-F238E27FC236}">
-                <a16:creationId xmlns:a16="http://schemas.microsoft.com/office/drawing/2014/main" xmlns="" id="{90162AE8-C1B0-5C56-8313-DEE494F38273}"/>
+                <a16:creationId xmlns:a16="http://schemas.microsoft.com/office/drawing/2014/main" id="{90162AE8-C1B0-5C56-8313-DEE494F38273}"/>
               </a:ext>
             </a:extLst>
           </p:cNvPr>
@@ -13748,7 +13691,7 @@
           <p:cNvPr id="5" name="Image 4" descr="Une image contenant texte&#10;&#10;Description générée automatiquement">
             <a:extLst>
               <a:ext uri="{FF2B5EF4-FFF2-40B4-BE49-F238E27FC236}">
-                <a16:creationId xmlns:a16="http://schemas.microsoft.com/office/drawing/2014/main" xmlns="" id="{204ADC40-1D61-539F-22ED-6B21D67FBDE6}"/>
+                <a16:creationId xmlns:a16="http://schemas.microsoft.com/office/drawing/2014/main" id="{204ADC40-1D61-539F-22ED-6B21D67FBDE6}"/>
               </a:ext>
             </a:extLst>
           </p:cNvPr>
@@ -13784,7 +13727,7 @@
           <p:cNvPr id="7" name="Espace réservé du contenu 6">
             <a:extLst>
               <a:ext uri="{FF2B5EF4-FFF2-40B4-BE49-F238E27FC236}">
-                <a16:creationId xmlns:a16="http://schemas.microsoft.com/office/drawing/2014/main" xmlns="" id="{96119062-CBB4-87F4-D29F-DBE631A23655}"/>
+                <a16:creationId xmlns:a16="http://schemas.microsoft.com/office/drawing/2014/main" id="{96119062-CBB4-87F4-D29F-DBE631A23655}"/>
               </a:ext>
             </a:extLst>
           </p:cNvPr>
@@ -13904,7 +13847,7 @@
           <p:cNvPr id="4" name="ZoneTexte 3">
             <a:extLst>
               <a:ext uri="{FF2B5EF4-FFF2-40B4-BE49-F238E27FC236}">
-                <a16:creationId xmlns:a16="http://schemas.microsoft.com/office/drawing/2014/main" xmlns="" id="{C0FF2E72-A2DB-095F-FEEE-6BEF0C1B2E84}"/>
+                <a16:creationId xmlns:a16="http://schemas.microsoft.com/office/drawing/2014/main" id="{C0FF2E72-A2DB-095F-FEEE-6BEF0C1B2E84}"/>
               </a:ext>
             </a:extLst>
           </p:cNvPr>
@@ -13984,7 +13927,7 @@
           <p:cNvPr id="2" name="Titre 1">
             <a:extLst>
               <a:ext uri="{FF2B5EF4-FFF2-40B4-BE49-F238E27FC236}">
-                <a16:creationId xmlns:a16="http://schemas.microsoft.com/office/drawing/2014/main" xmlns="" id="{90162AE8-C1B0-5C56-8313-DEE494F38273}"/>
+                <a16:creationId xmlns:a16="http://schemas.microsoft.com/office/drawing/2014/main" id="{90162AE8-C1B0-5C56-8313-DEE494F38273}"/>
               </a:ext>
             </a:extLst>
           </p:cNvPr>
@@ -14012,7 +13955,7 @@
           <p:cNvPr id="5" name="Image 4" descr="Une image contenant texte&#10;&#10;Description générée automatiquement">
             <a:extLst>
               <a:ext uri="{FF2B5EF4-FFF2-40B4-BE49-F238E27FC236}">
-                <a16:creationId xmlns:a16="http://schemas.microsoft.com/office/drawing/2014/main" xmlns="" id="{204ADC40-1D61-539F-22ED-6B21D67FBDE6}"/>
+                <a16:creationId xmlns:a16="http://schemas.microsoft.com/office/drawing/2014/main" id="{204ADC40-1D61-539F-22ED-6B21D67FBDE6}"/>
               </a:ext>
             </a:extLst>
           </p:cNvPr>
@@ -14048,7 +13991,7 @@
           <p:cNvPr id="7" name="Espace réservé du contenu 6">
             <a:extLst>
               <a:ext uri="{FF2B5EF4-FFF2-40B4-BE49-F238E27FC236}">
-                <a16:creationId xmlns:a16="http://schemas.microsoft.com/office/drawing/2014/main" xmlns="" id="{96119062-CBB4-87F4-D29F-DBE631A23655}"/>
+                <a16:creationId xmlns:a16="http://schemas.microsoft.com/office/drawing/2014/main" id="{96119062-CBB4-87F4-D29F-DBE631A23655}"/>
               </a:ext>
             </a:extLst>
           </p:cNvPr>
@@ -14083,7 +14026,7 @@
           <p:cNvPr id="8" name="ZoneTexte 7">
             <a:extLst>
               <a:ext uri="{FF2B5EF4-FFF2-40B4-BE49-F238E27FC236}">
-                <a16:creationId xmlns:a16="http://schemas.microsoft.com/office/drawing/2014/main" xmlns="" id="{2F8DDC0A-7585-8CBE-9ED2-C787845E64C5}"/>
+                <a16:creationId xmlns:a16="http://schemas.microsoft.com/office/drawing/2014/main" id="{2F8DDC0A-7585-8CBE-9ED2-C787845E64C5}"/>
               </a:ext>
             </a:extLst>
           </p:cNvPr>
@@ -14141,7 +14084,7 @@
           <p:cNvPr id="3" name="Image 2">
             <a:extLst>
               <a:ext uri="{FF2B5EF4-FFF2-40B4-BE49-F238E27FC236}">
-                <a16:creationId xmlns:a16="http://schemas.microsoft.com/office/drawing/2014/main" xmlns="" id="{B0EAF67F-286B-BC70-EDEC-DAF1C91012C3}"/>
+                <a16:creationId xmlns:a16="http://schemas.microsoft.com/office/drawing/2014/main" id="{B0EAF67F-286B-BC70-EDEC-DAF1C91012C3}"/>
               </a:ext>
             </a:extLst>
           </p:cNvPr>
@@ -14201,7 +14144,7 @@
           <p:cNvPr id="2" name="Titre 1">
             <a:extLst>
               <a:ext uri="{FF2B5EF4-FFF2-40B4-BE49-F238E27FC236}">
-                <a16:creationId xmlns:a16="http://schemas.microsoft.com/office/drawing/2014/main" xmlns="" id="{90162AE8-C1B0-5C56-8313-DEE494F38273}"/>
+                <a16:creationId xmlns:a16="http://schemas.microsoft.com/office/drawing/2014/main" id="{90162AE8-C1B0-5C56-8313-DEE494F38273}"/>
               </a:ext>
             </a:extLst>
           </p:cNvPr>
@@ -14229,7 +14172,7 @@
           <p:cNvPr id="5" name="Image 4" descr="Une image contenant texte&#10;&#10;Description générée automatiquement">
             <a:extLst>
               <a:ext uri="{FF2B5EF4-FFF2-40B4-BE49-F238E27FC236}">
-                <a16:creationId xmlns:a16="http://schemas.microsoft.com/office/drawing/2014/main" xmlns="" id="{204ADC40-1D61-539F-22ED-6B21D67FBDE6}"/>
+                <a16:creationId xmlns:a16="http://schemas.microsoft.com/office/drawing/2014/main" id="{204ADC40-1D61-539F-22ED-6B21D67FBDE6}"/>
               </a:ext>
             </a:extLst>
           </p:cNvPr>
@@ -14265,7 +14208,7 @@
           <p:cNvPr id="7" name="Espace réservé du contenu 6">
             <a:extLst>
               <a:ext uri="{FF2B5EF4-FFF2-40B4-BE49-F238E27FC236}">
-                <a16:creationId xmlns:a16="http://schemas.microsoft.com/office/drawing/2014/main" xmlns="" id="{96119062-CBB4-87F4-D29F-DBE631A23655}"/>
+                <a16:creationId xmlns:a16="http://schemas.microsoft.com/office/drawing/2014/main" id="{96119062-CBB4-87F4-D29F-DBE631A23655}"/>
               </a:ext>
             </a:extLst>
           </p:cNvPr>
@@ -14832,7 +14775,7 @@
           <p:cNvPr id="3" name="Espace réservé du contenu 6">
             <a:extLst>
               <a:ext uri="{FF2B5EF4-FFF2-40B4-BE49-F238E27FC236}">
-                <a16:creationId xmlns:a16="http://schemas.microsoft.com/office/drawing/2014/main" xmlns="" id="{8C067A9A-5B9B-23F2-8492-34670908B5B5}"/>
+                <a16:creationId xmlns:a16="http://schemas.microsoft.com/office/drawing/2014/main" id="{8C067A9A-5B9B-23F2-8492-34670908B5B5}"/>
               </a:ext>
             </a:extLst>
           </p:cNvPr>
@@ -15489,7 +15432,7 @@
   <a:extraClrSchemeLst/>
   <a:extLst>
     <a:ext uri="{05A4C25C-085E-4340-85A3-A5531E510DB2}">
-      <thm15:themeFamily xmlns:thm15="http://schemas.microsoft.com/office/thememl/2012/main" xmlns="" name="AccentBoxVTI" id="{9F778A78-DC9A-453A-A82D-A75CAD503E15}" vid="{EA961113-7CC4-4569-8A6A-7BC2C1E2F401}"/>
+      <thm15:themeFamily xmlns:thm15="http://schemas.microsoft.com/office/thememl/2012/main" name="AccentBoxVTI" id="{9F778A78-DC9A-453A-A82D-A75CAD503E15}" vid="{EA961113-7CC4-4569-8A6A-7BC2C1E2F401}"/>
     </a:ext>
   </a:extLst>
 </a:theme>

--- a/ONIP/onip_b3_traitement_1D/B3_0_Deroulement.pptx
+++ b/ONIP/onip_b3_traitement_1D/B3_0_Deroulement.pptx
@@ -12,16 +12,15 @@
     <p:sldId id="282" r:id="rId6"/>
     <p:sldId id="280" r:id="rId7"/>
     <p:sldId id="274" r:id="rId8"/>
-    <p:sldId id="277" r:id="rId9"/>
-    <p:sldId id="275" r:id="rId10"/>
-    <p:sldId id="276" r:id="rId11"/>
-    <p:sldId id="278" r:id="rId12"/>
-    <p:sldId id="284" r:id="rId13"/>
-    <p:sldId id="285" r:id="rId14"/>
-    <p:sldId id="286" r:id="rId15"/>
-    <p:sldId id="287" r:id="rId16"/>
-    <p:sldId id="281" r:id="rId17"/>
-    <p:sldId id="283" r:id="rId18"/>
+    <p:sldId id="275" r:id="rId9"/>
+    <p:sldId id="276" r:id="rId10"/>
+    <p:sldId id="278" r:id="rId11"/>
+    <p:sldId id="284" r:id="rId12"/>
+    <p:sldId id="285" r:id="rId13"/>
+    <p:sldId id="286" r:id="rId14"/>
+    <p:sldId id="287" r:id="rId15"/>
+    <p:sldId id="281" r:id="rId16"/>
+    <p:sldId id="283" r:id="rId17"/>
   </p:sldIdLst>
   <p:sldSz cx="12192000" cy="6858000"/>
   <p:notesSz cx="6858000" cy="9144000"/>
@@ -295,7 +294,7 @@
           <a:p>
             <a:fld id="{02AC24A9-CCB6-4F8D-B8DB-C2F3692CFA5A}" type="datetimeFigureOut">
               <a:rPr lang="en-US" smtClean="0"/>
-              <a:t>12/12/2023</a:t>
+              <a:t>7/17/2024</a:t>
             </a:fld>
             <a:endParaRPr lang="en-US" dirty="0"/>
           </a:p>
@@ -665,7 +664,7 @@
           <a:p>
             <a:fld id="{02AC24A9-CCB6-4F8D-B8DB-C2F3692CFA5A}" type="datetimeFigureOut">
               <a:rPr lang="en-US" smtClean="0"/>
-              <a:t>12/12/2023</a:t>
+              <a:t>7/17/2024</a:t>
             </a:fld>
             <a:endParaRPr lang="en-US"/>
           </a:p>
@@ -874,7 +873,7 @@
           <a:p>
             <a:fld id="{02AC24A9-CCB6-4F8D-B8DB-C2F3692CFA5A}" type="datetimeFigureOut">
               <a:rPr lang="en-US" smtClean="0"/>
-              <a:t>12/12/2023</a:t>
+              <a:t>7/17/2024</a:t>
             </a:fld>
             <a:endParaRPr lang="en-US"/>
           </a:p>
@@ -1344,7 +1343,7 @@
           <a:p>
             <a:fld id="{02AC24A9-CCB6-4F8D-B8DB-C2F3692CFA5A}" type="datetimeFigureOut">
               <a:rPr lang="en-US" smtClean="0"/>
-              <a:t>12/12/2023</a:t>
+              <a:t>7/17/2024</a:t>
             </a:fld>
             <a:endParaRPr lang="en-US"/>
           </a:p>
@@ -1798,7 +1797,7 @@
           <a:p>
             <a:fld id="{02AC24A9-CCB6-4F8D-B8DB-C2F3692CFA5A}" type="datetimeFigureOut">
               <a:rPr lang="en-US" smtClean="0"/>
-              <a:t>12/12/2023</a:t>
+              <a:t>7/17/2024</a:t>
             </a:fld>
             <a:endParaRPr lang="en-US"/>
           </a:p>
@@ -2330,7 +2329,7 @@
           <a:p>
             <a:fld id="{02AC24A9-CCB6-4F8D-B8DB-C2F3692CFA5A}" type="datetimeFigureOut">
               <a:rPr lang="en-US" smtClean="0"/>
-              <a:t>12/12/2023</a:t>
+              <a:t>7/17/2024</a:t>
             </a:fld>
             <a:endParaRPr lang="en-US"/>
           </a:p>
@@ -3029,7 +3028,7 @@
           <a:p>
             <a:fld id="{02AC24A9-CCB6-4F8D-B8DB-C2F3692CFA5A}" type="datetimeFigureOut">
               <a:rPr lang="en-US" smtClean="0"/>
-              <a:t>12/12/2023</a:t>
+              <a:t>7/17/2024</a:t>
             </a:fld>
             <a:endParaRPr lang="en-US"/>
           </a:p>
@@ -3358,7 +3357,7 @@
           <a:p>
             <a:fld id="{02AC24A9-CCB6-4F8D-B8DB-C2F3692CFA5A}" type="datetimeFigureOut">
               <a:rPr lang="en-US" smtClean="0"/>
-              <a:t>12/12/2023</a:t>
+              <a:t>7/17/2024</a:t>
             </a:fld>
             <a:endParaRPr lang="en-US"/>
           </a:p>
@@ -3471,7 +3470,7 @@
           <a:p>
             <a:fld id="{02AC24A9-CCB6-4F8D-B8DB-C2F3692CFA5A}" type="datetimeFigureOut">
               <a:rPr lang="en-US" smtClean="0"/>
-              <a:t>12/12/2023</a:t>
+              <a:t>7/17/2024</a:t>
             </a:fld>
             <a:endParaRPr lang="en-US"/>
           </a:p>
@@ -3966,7 +3965,7 @@
           <a:p>
             <a:fld id="{02AC24A9-CCB6-4F8D-B8DB-C2F3692CFA5A}" type="datetimeFigureOut">
               <a:rPr lang="en-US" smtClean="0"/>
-              <a:t>12/12/2023</a:t>
+              <a:t>7/17/2024</a:t>
             </a:fld>
             <a:endParaRPr lang="en-US" dirty="0"/>
           </a:p>
@@ -4443,7 +4442,7 @@
           <a:p>
             <a:fld id="{02AC24A9-CCB6-4F8D-B8DB-C2F3692CFA5A}" type="datetimeFigureOut">
               <a:rPr lang="en-US" smtClean="0"/>
-              <a:t>12/12/2023</a:t>
+              <a:t>7/17/2024</a:t>
             </a:fld>
             <a:endParaRPr lang="en-US"/>
           </a:p>
@@ -4686,7 +4685,7 @@
           <a:p>
             <a:fld id="{02AC24A9-CCB6-4F8D-B8DB-C2F3692CFA5A}" type="datetimeFigureOut">
               <a:rPr lang="en-US" smtClean="0"/>
-              <a:t>12/12/2023</a:t>
+              <a:t>7/17/2024</a:t>
             </a:fld>
             <a:endParaRPr lang="en-US"/>
           </a:p>
@@ -5645,7 +5644,7 @@
           <a:p>
             <a:r>
               <a:rPr lang="fr-FR" dirty="0"/>
-              <a:t>Fichiers à analyser</a:t>
+              <a:t>Rappels sur la modulation d’amplitude</a:t>
             </a:r>
           </a:p>
         </p:txBody>
@@ -5688,90 +5687,10 @@
       </p:pic>
       <p:sp>
         <p:nvSpPr>
-          <p:cNvPr id="4" name="Espace réservé du contenu 3">
-            <a:extLst>
-              <a:ext uri="{FF2B5EF4-FFF2-40B4-BE49-F238E27FC236}">
-                <a16:creationId xmlns:a16="http://schemas.microsoft.com/office/drawing/2014/main" id="{065D7787-5672-CB74-A1C6-896A93BE6AF3}"/>
-              </a:ext>
-            </a:extLst>
-          </p:cNvPr>
-          <p:cNvSpPr>
-            <a:spLocks noGrp="1"/>
-          </p:cNvSpPr>
-          <p:nvPr>
-            <p:ph sz="half" idx="1"/>
-          </p:nvPr>
-        </p:nvSpPr>
-        <p:spPr>
-          <a:xfrm>
-            <a:off x="1115567" y="2478024"/>
-            <a:ext cx="5393387" cy="3694176"/>
-          </a:xfrm>
-        </p:spPr>
-        <p:txBody>
-          <a:bodyPr/>
-          <a:lstStyle/>
-          <a:p>
-            <a:r>
-              <a:rPr lang="fr-FR" dirty="0"/>
-              <a:t>B3_data_01.csv</a:t>
-            </a:r>
-          </a:p>
-          <a:p>
-            <a:pPr lvl="1"/>
-            <a:r>
-              <a:rPr lang="fr-FR" sz="2000" dirty="0"/>
-              <a:t>Issu d’un oscilloscope </a:t>
-            </a:r>
-            <a:r>
-              <a:rPr lang="fr-FR" sz="2000" dirty="0" err="1"/>
-              <a:t>VoltCraft</a:t>
-            </a:r>
-            <a:endParaRPr lang="fr-FR" sz="2000" dirty="0"/>
-          </a:p>
-          <a:p>
-            <a:pPr lvl="1"/>
-            <a:r>
-              <a:rPr lang="fr-FR" sz="2000" dirty="0"/>
-              <a:t>Modulante sinusoïdale</a:t>
-            </a:r>
-            <a:endParaRPr lang="fr-FR" dirty="0"/>
-          </a:p>
-          <a:p>
-            <a:r>
-              <a:rPr lang="fr-FR" dirty="0"/>
-              <a:t>B3_data_02.txt</a:t>
-            </a:r>
-          </a:p>
-          <a:p>
-            <a:pPr lvl="1"/>
-            <a:r>
-              <a:rPr lang="fr-FR" sz="1800" dirty="0"/>
-              <a:t>Format de données binaire 64</a:t>
-            </a:r>
-          </a:p>
-          <a:p>
-            <a:pPr lvl="1"/>
-            <a:r>
-              <a:rPr lang="fr-FR" sz="1800" dirty="0"/>
-              <a:t>Modulante sinusoïdale</a:t>
-            </a:r>
-          </a:p>
-          <a:p>
-            <a:pPr lvl="1"/>
-            <a:r>
-              <a:rPr lang="fr-FR" sz="1800" dirty="0"/>
-              <a:t>Fichier sonore / 24 kHz / 16 bits</a:t>
-            </a:r>
-          </a:p>
-        </p:txBody>
-      </p:sp>
-      <p:sp>
-        <p:nvSpPr>
-          <p:cNvPr id="8" name="ZoneTexte 7">
-            <a:extLst>
-              <a:ext uri="{FF2B5EF4-FFF2-40B4-BE49-F238E27FC236}">
-                <a16:creationId xmlns:a16="http://schemas.microsoft.com/office/drawing/2014/main" id="{68758EE3-AB7D-E7C8-90BD-77D1155B966A}"/>
+          <p:cNvPr id="17" name="ZoneTexte 16">
+            <a:extLst>
+              <a:ext uri="{FF2B5EF4-FFF2-40B4-BE49-F238E27FC236}">
+                <a16:creationId xmlns:a16="http://schemas.microsoft.com/office/drawing/2014/main" id="{2FE2EFB8-5223-2DB3-AC55-87C8590EB7A6}"/>
               </a:ext>
             </a:extLst>
           </p:cNvPr>
@@ -5780,8 +5699,8 @@
         </p:nvSpPr>
         <p:spPr>
           <a:xfrm>
-            <a:off x="6195699" y="5703623"/>
-            <a:ext cx="5327705" cy="461665"/>
+            <a:off x="2743200" y="2321444"/>
+            <a:ext cx="4109884" cy="369332"/>
           </a:xfrm>
           <a:prstGeom prst="rect">
             <a:avLst/>
@@ -5795,241 +5714,528 @@
           <a:lstStyle/>
           <a:p>
             <a:r>
-              <a:rPr lang="fr-FR" sz="2400" dirty="0">
-                <a:solidFill>
-                  <a:srgbClr val="00B0F0"/>
-                </a:solidFill>
-                <a:latin typeface="Bahnschrift SemiBold" panose="020B0502040204020203" pitchFamily="34" charset="0"/>
-              </a:rPr>
-              <a:t>http://lense.institutoptique.fr/ONIP/</a:t>
-            </a:r>
+              <a:rPr lang="fr-FR" sz="1800" b="1" dirty="0">
+                <a:solidFill>
+                  <a:schemeClr val="accent4"/>
+                </a:solidFill>
+                <a:effectLst/>
+                <a:latin typeface="Arial" panose="020B0604020202020204" pitchFamily="34" charset="0"/>
+                <a:ea typeface="Arial" panose="020B0604020202020204" pitchFamily="34" charset="0"/>
+              </a:rPr>
+              <a:t>m(t)              </a:t>
+            </a:r>
+            <a:r>
+              <a:rPr lang="fr-FR" sz="1800" b="1" dirty="0">
+                <a:solidFill>
+                  <a:srgbClr val="0070C0"/>
+                </a:solidFill>
+                <a:effectLst/>
+                <a:latin typeface="Arial" panose="020B0604020202020204" pitchFamily="34" charset="0"/>
+                <a:ea typeface="Arial" panose="020B0604020202020204" pitchFamily="34" charset="0"/>
+              </a:rPr>
+              <a:t>p(t) = </a:t>
+            </a:r>
+            <a:r>
+              <a:rPr lang="fr-FR" sz="1800" b="1" dirty="0" err="1">
+                <a:solidFill>
+                  <a:srgbClr val="0070C0"/>
+                </a:solidFill>
+                <a:effectLst/>
+                <a:latin typeface="Arial" panose="020B0604020202020204" pitchFamily="34" charset="0"/>
+                <a:ea typeface="Arial" panose="020B0604020202020204" pitchFamily="34" charset="0"/>
+              </a:rPr>
+              <a:t>A</a:t>
+            </a:r>
+            <a:r>
+              <a:rPr lang="fr-FR" b="1" baseline="-25000" dirty="0" err="1">
+                <a:solidFill>
+                  <a:srgbClr val="0070C0"/>
+                </a:solidFill>
+                <a:latin typeface="Arial" panose="020B0604020202020204" pitchFamily="34" charset="0"/>
+                <a:ea typeface="Arial" panose="020B0604020202020204" pitchFamily="34" charset="0"/>
+              </a:rPr>
+              <a:t>c</a:t>
+            </a:r>
+            <a:r>
+              <a:rPr lang="fr-FR" sz="1800" b="1" dirty="0">
+                <a:solidFill>
+                  <a:srgbClr val="0070C0"/>
+                </a:solidFill>
+                <a:effectLst/>
+                <a:latin typeface="Arial" panose="020B0604020202020204" pitchFamily="34" charset="0"/>
+                <a:ea typeface="Arial" panose="020B0604020202020204" pitchFamily="34" charset="0"/>
+              </a:rPr>
+              <a:t> . sin (</a:t>
+            </a:r>
+            <a:r>
+              <a:rPr lang="fr-FR" sz="1800" b="1" dirty="0" err="1">
+                <a:solidFill>
+                  <a:srgbClr val="0070C0"/>
+                </a:solidFill>
+                <a:effectLst/>
+                <a:latin typeface="Arial" panose="020B0604020202020204" pitchFamily="34" charset="0"/>
+                <a:ea typeface="Arial" panose="020B0604020202020204" pitchFamily="34" charset="0"/>
+              </a:rPr>
+              <a:t>ω</a:t>
+            </a:r>
+            <a:r>
+              <a:rPr lang="fr-FR" sz="1800" b="1" baseline="-25000" dirty="0" err="1">
+                <a:solidFill>
+                  <a:srgbClr val="0070C0"/>
+                </a:solidFill>
+                <a:effectLst/>
+                <a:latin typeface="Arial" panose="020B0604020202020204" pitchFamily="34" charset="0"/>
+                <a:ea typeface="Arial" panose="020B0604020202020204" pitchFamily="34" charset="0"/>
+              </a:rPr>
+              <a:t>c</a:t>
+            </a:r>
+            <a:r>
+              <a:rPr lang="fr-FR" sz="1800" b="1" dirty="0">
+                <a:solidFill>
+                  <a:srgbClr val="0070C0"/>
+                </a:solidFill>
+                <a:effectLst/>
+                <a:latin typeface="Arial" panose="020B0604020202020204" pitchFamily="34" charset="0"/>
+                <a:ea typeface="Arial" panose="020B0604020202020204" pitchFamily="34" charset="0"/>
+              </a:rPr>
+              <a:t> . t)</a:t>
+            </a:r>
+            <a:endParaRPr lang="fr-FR" dirty="0">
+              <a:solidFill>
+                <a:srgbClr val="0070C0"/>
+              </a:solidFill>
+            </a:endParaRPr>
           </a:p>
         </p:txBody>
       </p:sp>
       <p:sp>
         <p:nvSpPr>
-          <p:cNvPr id="3" name="Espace réservé du contenu 3">
-            <a:extLst>
-              <a:ext uri="{FF2B5EF4-FFF2-40B4-BE49-F238E27FC236}">
-                <a16:creationId xmlns:a16="http://schemas.microsoft.com/office/drawing/2014/main" id="{C286C4A6-2AB7-32A2-6489-6BBE1FC69413}"/>
-              </a:ext>
-            </a:extLst>
-          </p:cNvPr>
-          <p:cNvSpPr txBox="1">
-            <a:spLocks/>
-          </p:cNvSpPr>
+          <p:cNvPr id="19" name="ZoneTexte 18">
+            <a:extLst>
+              <a:ext uri="{FF2B5EF4-FFF2-40B4-BE49-F238E27FC236}">
+                <a16:creationId xmlns:a16="http://schemas.microsoft.com/office/drawing/2014/main" id="{813663FB-4E81-1D60-66FC-80DE8402CD7F}"/>
+              </a:ext>
+            </a:extLst>
+          </p:cNvPr>
+          <p:cNvSpPr txBox="1"/>
           <p:nvPr/>
         </p:nvSpPr>
         <p:spPr>
           <a:xfrm>
-            <a:off x="6585644" y="2478024"/>
-            <a:ext cx="4937760" cy="3694176"/>
+            <a:off x="2596844" y="6098600"/>
+            <a:ext cx="3074012" cy="369332"/>
           </a:xfrm>
           <a:prstGeom prst="rect">
             <a:avLst/>
           </a:prstGeom>
-        </p:spPr>
-        <p:txBody>
-          <a:bodyPr vert="horz" lIns="91440" tIns="45720" rIns="91440" bIns="45720" rtlCol="0">
-            <a:normAutofit/>
+          <a:solidFill>
+            <a:schemeClr val="bg2"/>
+          </a:solidFill>
+        </p:spPr>
+        <p:txBody>
+          <a:bodyPr wrap="square">
+            <a:spAutoFit/>
           </a:bodyPr>
-          <a:lstStyle>
-            <a:lvl1pPr marL="228600" indent="-228600" algn="l" defTabSz="914400" rtl="0" eaLnBrk="1" latinLnBrk="0" hangingPunct="1">
-              <a:lnSpc>
-                <a:spcPct val="110000"/>
-              </a:lnSpc>
-              <a:spcBef>
-                <a:spcPts val="1000"/>
-              </a:spcBef>
-              <a:buFont typeface="Arial" panose="020B0604020202020204" pitchFamily="34" charset="0"/>
-              <a:buChar char="•"/>
-              <a:defRPr sz="2800" kern="1200">
-                <a:solidFill>
-                  <a:schemeClr val="tx1"/>
-                </a:solidFill>
-                <a:latin typeface="+mn-lt"/>
-                <a:ea typeface="+mn-ea"/>
-                <a:cs typeface="+mn-cs"/>
-              </a:defRPr>
-            </a:lvl1pPr>
-            <a:lvl2pPr marL="685800" indent="-228600" algn="l" defTabSz="914400" rtl="0" eaLnBrk="1" latinLnBrk="0" hangingPunct="1">
-              <a:lnSpc>
-                <a:spcPct val="110000"/>
-              </a:lnSpc>
-              <a:spcBef>
-                <a:spcPts val="500"/>
-              </a:spcBef>
-              <a:buFont typeface="Arial" panose="020B0604020202020204" pitchFamily="34" charset="0"/>
-              <a:buChar char="•"/>
-              <a:defRPr sz="2400" kern="1200">
-                <a:solidFill>
-                  <a:schemeClr val="tx1"/>
-                </a:solidFill>
-                <a:latin typeface="+mn-lt"/>
-                <a:ea typeface="+mn-ea"/>
-                <a:cs typeface="+mn-cs"/>
-              </a:defRPr>
-            </a:lvl2pPr>
-            <a:lvl3pPr marL="1143000" indent="-228600" algn="l" defTabSz="914400" rtl="0" eaLnBrk="1" latinLnBrk="0" hangingPunct="1">
-              <a:lnSpc>
-                <a:spcPct val="110000"/>
-              </a:lnSpc>
-              <a:spcBef>
-                <a:spcPts val="500"/>
-              </a:spcBef>
-              <a:buFont typeface="Arial" panose="020B0604020202020204" pitchFamily="34" charset="0"/>
-              <a:buChar char="•"/>
-              <a:defRPr sz="2000" kern="1200">
-                <a:solidFill>
-                  <a:schemeClr val="tx1"/>
-                </a:solidFill>
-                <a:latin typeface="+mn-lt"/>
-                <a:ea typeface="+mn-ea"/>
-                <a:cs typeface="+mn-cs"/>
-              </a:defRPr>
-            </a:lvl3pPr>
-            <a:lvl4pPr marL="1600200" indent="-228600" algn="l" defTabSz="914400" rtl="0" eaLnBrk="1" latinLnBrk="0" hangingPunct="1">
-              <a:lnSpc>
-                <a:spcPct val="110000"/>
-              </a:lnSpc>
-              <a:spcBef>
-                <a:spcPts val="500"/>
-              </a:spcBef>
-              <a:buFont typeface="Arial" panose="020B0604020202020204" pitchFamily="34" charset="0"/>
-              <a:buChar char="•"/>
-              <a:defRPr sz="1800" kern="1200">
-                <a:solidFill>
-                  <a:schemeClr val="tx1"/>
-                </a:solidFill>
-                <a:latin typeface="+mn-lt"/>
-                <a:ea typeface="+mn-ea"/>
-                <a:cs typeface="+mn-cs"/>
-              </a:defRPr>
-            </a:lvl4pPr>
-            <a:lvl5pPr marL="2057400" indent="-228600" algn="l" defTabSz="914400" rtl="0" eaLnBrk="1" latinLnBrk="0" hangingPunct="1">
-              <a:lnSpc>
-                <a:spcPct val="110000"/>
-              </a:lnSpc>
-              <a:spcBef>
-                <a:spcPts val="500"/>
-              </a:spcBef>
-              <a:buFont typeface="Arial" panose="020B0604020202020204" pitchFamily="34" charset="0"/>
-              <a:buChar char="•"/>
-              <a:defRPr sz="1800" kern="1200">
-                <a:solidFill>
-                  <a:schemeClr val="tx1"/>
-                </a:solidFill>
-                <a:latin typeface="+mn-lt"/>
-                <a:ea typeface="+mn-ea"/>
-                <a:cs typeface="+mn-cs"/>
-              </a:defRPr>
-            </a:lvl5pPr>
-            <a:lvl6pPr marL="2514600" indent="-228600" algn="l" defTabSz="914400" rtl="0" eaLnBrk="1" latinLnBrk="0" hangingPunct="1">
-              <a:lnSpc>
-                <a:spcPct val="90000"/>
-              </a:lnSpc>
-              <a:spcBef>
-                <a:spcPts val="500"/>
-              </a:spcBef>
-              <a:buFont typeface="Arial" panose="020B0604020202020204" pitchFamily="34" charset="0"/>
-              <a:buChar char="•"/>
-              <a:defRPr sz="1800" kern="1200">
-                <a:solidFill>
-                  <a:schemeClr val="tx1"/>
-                </a:solidFill>
-                <a:latin typeface="+mn-lt"/>
-                <a:ea typeface="+mn-ea"/>
-                <a:cs typeface="+mn-cs"/>
-              </a:defRPr>
-            </a:lvl6pPr>
-            <a:lvl7pPr marL="2971800" indent="-228600" algn="l" defTabSz="914400" rtl="0" eaLnBrk="1" latinLnBrk="0" hangingPunct="1">
-              <a:lnSpc>
-                <a:spcPct val="90000"/>
-              </a:lnSpc>
-              <a:spcBef>
-                <a:spcPts val="500"/>
-              </a:spcBef>
-              <a:buFont typeface="Arial" panose="020B0604020202020204" pitchFamily="34" charset="0"/>
-              <a:buChar char="•"/>
-              <a:defRPr sz="1800" kern="1200">
-                <a:solidFill>
-                  <a:schemeClr val="tx1"/>
-                </a:solidFill>
-                <a:latin typeface="+mn-lt"/>
-                <a:ea typeface="+mn-ea"/>
-                <a:cs typeface="+mn-cs"/>
-              </a:defRPr>
-            </a:lvl7pPr>
-            <a:lvl8pPr marL="3429000" indent="-228600" algn="l" defTabSz="914400" rtl="0" eaLnBrk="1" latinLnBrk="0" hangingPunct="1">
-              <a:lnSpc>
-                <a:spcPct val="90000"/>
-              </a:lnSpc>
-              <a:spcBef>
-                <a:spcPts val="500"/>
-              </a:spcBef>
-              <a:buFont typeface="Arial" panose="020B0604020202020204" pitchFamily="34" charset="0"/>
-              <a:buChar char="•"/>
-              <a:defRPr sz="1800" kern="1200">
-                <a:solidFill>
-                  <a:schemeClr val="tx1"/>
-                </a:solidFill>
-                <a:latin typeface="+mn-lt"/>
-                <a:ea typeface="+mn-ea"/>
-                <a:cs typeface="+mn-cs"/>
-              </a:defRPr>
-            </a:lvl8pPr>
-            <a:lvl9pPr marL="3886200" indent="-228600" algn="l" defTabSz="914400" rtl="0" eaLnBrk="1" latinLnBrk="0" hangingPunct="1">
-              <a:lnSpc>
-                <a:spcPct val="90000"/>
-              </a:lnSpc>
-              <a:spcBef>
-                <a:spcPts val="500"/>
-              </a:spcBef>
-              <a:buFont typeface="Arial" panose="020B0604020202020204" pitchFamily="34" charset="0"/>
-              <a:buChar char="•"/>
-              <a:defRPr sz="1800" kern="1200">
-                <a:solidFill>
-                  <a:schemeClr val="tx1"/>
-                </a:solidFill>
-                <a:latin typeface="+mn-lt"/>
-                <a:ea typeface="+mn-ea"/>
-                <a:cs typeface="+mn-cs"/>
-              </a:defRPr>
-            </a:lvl9pPr>
-          </a:lstStyle>
-          <a:p>
-            <a:r>
-              <a:rPr lang="fr-FR" dirty="0"/>
-              <a:t>B3_data_03.txt</a:t>
-            </a:r>
-          </a:p>
-          <a:p>
-            <a:pPr lvl="1"/>
-            <a:r>
-              <a:rPr lang="fr-FR" sz="1800" dirty="0"/>
-              <a:t>Format de données binaire 64</a:t>
-            </a:r>
-          </a:p>
-          <a:p>
-            <a:pPr lvl="1"/>
-            <a:r>
-              <a:rPr lang="fr-FR" sz="1800" dirty="0"/>
-              <a:t>Multi-porteuses sinusoïdales</a:t>
-            </a:r>
-          </a:p>
-          <a:p>
-            <a:pPr lvl="1"/>
-            <a:r>
-              <a:rPr lang="fr-FR" sz="1800" dirty="0"/>
-              <a:t>Fichier sonore / 160 kHz / 16 bits</a:t>
-            </a:r>
+          <a:lstStyle/>
+          <a:p>
+            <a:pPr algn="ctr"/>
+            <a:r>
+              <a:rPr lang="fr-FR" sz="1800" b="1" i="1" dirty="0">
+                <a:effectLst/>
+                <a:latin typeface="Arial" panose="020B0604020202020204" pitchFamily="34" charset="0"/>
+                <a:ea typeface="Arial" panose="020B0604020202020204" pitchFamily="34" charset="0"/>
+              </a:rPr>
+              <a:t>s(t) = ( K . </a:t>
+            </a:r>
+            <a:r>
+              <a:rPr lang="fr-FR" sz="1800" b="1" i="1" dirty="0">
+                <a:solidFill>
+                  <a:schemeClr val="accent4"/>
+                </a:solidFill>
+                <a:effectLst/>
+                <a:latin typeface="Arial" panose="020B0604020202020204" pitchFamily="34" charset="0"/>
+                <a:ea typeface="Arial" panose="020B0604020202020204" pitchFamily="34" charset="0"/>
+              </a:rPr>
+              <a:t>m(t)</a:t>
+            </a:r>
+            <a:r>
+              <a:rPr lang="fr-FR" sz="1800" b="1" i="1" dirty="0">
+                <a:effectLst/>
+                <a:latin typeface="Arial" panose="020B0604020202020204" pitchFamily="34" charset="0"/>
+                <a:ea typeface="Arial" panose="020B0604020202020204" pitchFamily="34" charset="0"/>
+              </a:rPr>
+              <a:t> + 1 ) . </a:t>
+            </a:r>
+            <a:r>
+              <a:rPr lang="fr-FR" sz="1800" b="1" i="1" dirty="0">
+                <a:solidFill>
+                  <a:srgbClr val="0070C0"/>
+                </a:solidFill>
+                <a:effectLst/>
+                <a:latin typeface="Arial" panose="020B0604020202020204" pitchFamily="34" charset="0"/>
+                <a:ea typeface="Arial" panose="020B0604020202020204" pitchFamily="34" charset="0"/>
+              </a:rPr>
+              <a:t>p(t)</a:t>
+            </a:r>
+            <a:r>
+              <a:rPr lang="fr-FR" sz="1800" dirty="0">
+                <a:effectLst/>
+                <a:latin typeface="Arial" panose="020B0604020202020204" pitchFamily="34" charset="0"/>
+                <a:ea typeface="Arial" panose="020B0604020202020204" pitchFamily="34" charset="0"/>
+              </a:rPr>
+              <a:t> </a:t>
+            </a:r>
+            <a:endParaRPr lang="fr-FR" dirty="0"/>
+          </a:p>
+        </p:txBody>
+      </p:sp>
+      <p:sp>
+        <p:nvSpPr>
+          <p:cNvPr id="20" name="Signe de multiplication 19">
+            <a:extLst>
+              <a:ext uri="{FF2B5EF4-FFF2-40B4-BE49-F238E27FC236}">
+                <a16:creationId xmlns:a16="http://schemas.microsoft.com/office/drawing/2014/main" id="{3683F43E-BB88-9A77-7A6A-950374FBB650}"/>
+              </a:ext>
+            </a:extLst>
+          </p:cNvPr>
+          <p:cNvSpPr/>
+          <p:nvPr/>
+        </p:nvSpPr>
+        <p:spPr>
+          <a:xfrm>
+            <a:off x="3392129" y="2122567"/>
+            <a:ext cx="639097" cy="744794"/>
+          </a:xfrm>
+          <a:prstGeom prst="mathMultiply">
+            <a:avLst>
+              <a:gd name="adj1" fmla="val 17366"/>
+            </a:avLst>
+          </a:prstGeom>
+        </p:spPr>
+        <p:style>
+          <a:lnRef idx="2">
+            <a:schemeClr val="accent1">
+              <a:shade val="15000"/>
+            </a:schemeClr>
+          </a:lnRef>
+          <a:fillRef idx="1">
+            <a:schemeClr val="accent1"/>
+          </a:fillRef>
+          <a:effectRef idx="0">
+            <a:schemeClr val="accent1"/>
+          </a:effectRef>
+          <a:fontRef idx="minor">
+            <a:schemeClr val="lt1"/>
+          </a:fontRef>
+        </p:style>
+        <p:txBody>
+          <a:bodyPr rtlCol="0" anchor="ctr"/>
+          <a:lstStyle/>
+          <a:p>
+            <a:pPr algn="ctr"/>
+            <a:endParaRPr lang="fr-FR"/>
+          </a:p>
+        </p:txBody>
+      </p:sp>
+      <p:pic>
+        <p:nvPicPr>
+          <p:cNvPr id="21" name="image4.png">
+            <a:extLst>
+              <a:ext uri="{FF2B5EF4-FFF2-40B4-BE49-F238E27FC236}">
+                <a16:creationId xmlns:a16="http://schemas.microsoft.com/office/drawing/2014/main" id="{F449CC9F-7226-A6E5-A262-ECFCD3E55C11}"/>
+              </a:ext>
+            </a:extLst>
+          </p:cNvPr>
+          <p:cNvPicPr/>
+          <p:nvPr/>
+        </p:nvPicPr>
+        <p:blipFill>
+          <a:blip r:embed="rId3"/>
+          <a:srcRect/>
+          <a:stretch>
+            <a:fillRect/>
+          </a:stretch>
+        </p:blipFill>
+        <p:spPr>
+          <a:xfrm>
+            <a:off x="1034438" y="3144855"/>
+            <a:ext cx="1987550" cy="1165860"/>
+          </a:xfrm>
+          <a:prstGeom prst="rect">
+            <a:avLst/>
+          </a:prstGeom>
+          <a:ln/>
+        </p:spPr>
+      </p:pic>
+      <p:pic>
+        <p:nvPicPr>
+          <p:cNvPr id="22" name="image2.png">
+            <a:extLst>
+              <a:ext uri="{FF2B5EF4-FFF2-40B4-BE49-F238E27FC236}">
+                <a16:creationId xmlns:a16="http://schemas.microsoft.com/office/drawing/2014/main" id="{7A2C245E-CD2E-66F0-6224-3C921E14C76F}"/>
+              </a:ext>
+            </a:extLst>
+          </p:cNvPr>
+          <p:cNvPicPr/>
+          <p:nvPr/>
+        </p:nvPicPr>
+        <p:blipFill>
+          <a:blip r:embed="rId4"/>
+          <a:srcRect/>
+          <a:stretch>
+            <a:fillRect/>
+          </a:stretch>
+        </p:blipFill>
+        <p:spPr>
+          <a:xfrm>
+            <a:off x="3839527" y="3042914"/>
+            <a:ext cx="4512945" cy="1306830"/>
+          </a:xfrm>
+          <a:prstGeom prst="rect">
+            <a:avLst/>
+          </a:prstGeom>
+          <a:ln/>
+        </p:spPr>
+      </p:pic>
+      <p:pic>
+        <p:nvPicPr>
+          <p:cNvPr id="23" name="image7.png">
+            <a:extLst>
+              <a:ext uri="{FF2B5EF4-FFF2-40B4-BE49-F238E27FC236}">
+                <a16:creationId xmlns:a16="http://schemas.microsoft.com/office/drawing/2014/main" id="{0A18A1F5-13D1-ACCE-0891-5B57837BAC45}"/>
+              </a:ext>
+            </a:extLst>
+          </p:cNvPr>
+          <p:cNvPicPr/>
+          <p:nvPr/>
+        </p:nvPicPr>
+        <p:blipFill>
+          <a:blip r:embed="rId5"/>
+          <a:srcRect/>
+          <a:stretch>
+            <a:fillRect/>
+          </a:stretch>
+        </p:blipFill>
+        <p:spPr>
+          <a:xfrm>
+            <a:off x="8058151" y="5086248"/>
+            <a:ext cx="3854450" cy="1395730"/>
+          </a:xfrm>
+          <a:prstGeom prst="rect">
+            <a:avLst/>
+          </a:prstGeom>
+          <a:ln/>
+        </p:spPr>
+      </p:pic>
+      <p:sp>
+        <p:nvSpPr>
+          <p:cNvPr id="24" name="ZoneTexte 23">
+            <a:extLst>
+              <a:ext uri="{FF2B5EF4-FFF2-40B4-BE49-F238E27FC236}">
+                <a16:creationId xmlns:a16="http://schemas.microsoft.com/office/drawing/2014/main" id="{D2BB8ACD-5D25-BB60-FE4B-E7F088EE366A}"/>
+              </a:ext>
+            </a:extLst>
+          </p:cNvPr>
+          <p:cNvSpPr txBox="1"/>
+          <p:nvPr/>
+        </p:nvSpPr>
+        <p:spPr>
+          <a:xfrm>
+            <a:off x="3316956" y="4985549"/>
+            <a:ext cx="6096000" cy="369332"/>
+          </a:xfrm>
+          <a:prstGeom prst="rect">
+            <a:avLst/>
+          </a:prstGeom>
+          <a:noFill/>
+        </p:spPr>
+        <p:txBody>
+          <a:bodyPr wrap="square">
+            <a:spAutoFit/>
+          </a:bodyPr>
+          <a:lstStyle/>
+          <a:p>
+            <a:pPr lvl="3"/>
+            <a:r>
+              <a:rPr lang="fr-FR" b="1" dirty="0">
+                <a:solidFill>
+                  <a:srgbClr val="0070C0"/>
+                </a:solidFill>
+                <a:effectLst/>
+                <a:latin typeface="Arial" panose="020B0604020202020204" pitchFamily="34" charset="0"/>
+                <a:ea typeface="Arial" panose="020B0604020202020204" pitchFamily="34" charset="0"/>
+              </a:rPr>
+              <a:t>					p(t) = </a:t>
+            </a:r>
+            <a:r>
+              <a:rPr lang="fr-FR" b="1" dirty="0" err="1">
+                <a:solidFill>
+                  <a:srgbClr val="0070C0"/>
+                </a:solidFill>
+                <a:effectLst/>
+                <a:latin typeface="Arial" panose="020B0604020202020204" pitchFamily="34" charset="0"/>
+                <a:ea typeface="Arial" panose="020B0604020202020204" pitchFamily="34" charset="0"/>
+              </a:rPr>
+              <a:t>A</a:t>
+            </a:r>
+            <a:r>
+              <a:rPr lang="fr-FR" b="1" baseline="-25000" dirty="0" err="1">
+                <a:solidFill>
+                  <a:srgbClr val="0070C0"/>
+                </a:solidFill>
+                <a:latin typeface="Arial" panose="020B0604020202020204" pitchFamily="34" charset="0"/>
+                <a:ea typeface="Arial" panose="020B0604020202020204" pitchFamily="34" charset="0"/>
+              </a:rPr>
+              <a:t>c</a:t>
+            </a:r>
+            <a:r>
+              <a:rPr lang="fr-FR" b="1" dirty="0">
+                <a:solidFill>
+                  <a:srgbClr val="0070C0"/>
+                </a:solidFill>
+                <a:effectLst/>
+                <a:latin typeface="Arial" panose="020B0604020202020204" pitchFamily="34" charset="0"/>
+                <a:ea typeface="Arial" panose="020B0604020202020204" pitchFamily="34" charset="0"/>
+              </a:rPr>
+              <a:t> . sin (</a:t>
+            </a:r>
+            <a:r>
+              <a:rPr lang="fr-FR" b="1" dirty="0" err="1">
+                <a:solidFill>
+                  <a:srgbClr val="0070C0"/>
+                </a:solidFill>
+                <a:effectLst/>
+                <a:latin typeface="Arial" panose="020B0604020202020204" pitchFamily="34" charset="0"/>
+                <a:ea typeface="Arial" panose="020B0604020202020204" pitchFamily="34" charset="0"/>
+              </a:rPr>
+              <a:t>ω</a:t>
+            </a:r>
+            <a:r>
+              <a:rPr lang="fr-FR" b="1" baseline="-25000" dirty="0" err="1">
+                <a:solidFill>
+                  <a:srgbClr val="0070C0"/>
+                </a:solidFill>
+                <a:effectLst/>
+                <a:latin typeface="Arial" panose="020B0604020202020204" pitchFamily="34" charset="0"/>
+                <a:ea typeface="Arial" panose="020B0604020202020204" pitchFamily="34" charset="0"/>
+              </a:rPr>
+              <a:t>c</a:t>
+            </a:r>
+            <a:r>
+              <a:rPr lang="fr-FR" b="1" dirty="0">
+                <a:solidFill>
+                  <a:srgbClr val="0070C0"/>
+                </a:solidFill>
+                <a:effectLst/>
+                <a:latin typeface="Arial" panose="020B0604020202020204" pitchFamily="34" charset="0"/>
+                <a:ea typeface="Arial" panose="020B0604020202020204" pitchFamily="34" charset="0"/>
+              </a:rPr>
+              <a:t> . t)</a:t>
+            </a:r>
+            <a:endParaRPr lang="fr-FR" dirty="0">
+              <a:solidFill>
+                <a:srgbClr val="0070C0"/>
+              </a:solidFill>
+            </a:endParaRPr>
+          </a:p>
+        </p:txBody>
+      </p:sp>
+      <p:sp>
+        <p:nvSpPr>
+          <p:cNvPr id="25" name="Signe de multiplication 24">
+            <a:extLst>
+              <a:ext uri="{FF2B5EF4-FFF2-40B4-BE49-F238E27FC236}">
+                <a16:creationId xmlns:a16="http://schemas.microsoft.com/office/drawing/2014/main" id="{D182780B-D8A8-FD8E-F6C0-CE26F37D6640}"/>
+              </a:ext>
+            </a:extLst>
+          </p:cNvPr>
+          <p:cNvSpPr/>
+          <p:nvPr/>
+        </p:nvSpPr>
+        <p:spPr>
+          <a:xfrm>
+            <a:off x="5952001" y="4790473"/>
+            <a:ext cx="639097" cy="744794"/>
+          </a:xfrm>
+          <a:prstGeom prst="mathMultiply">
+            <a:avLst>
+              <a:gd name="adj1" fmla="val 17366"/>
+            </a:avLst>
+          </a:prstGeom>
+        </p:spPr>
+        <p:style>
+          <a:lnRef idx="2">
+            <a:schemeClr val="accent1">
+              <a:shade val="15000"/>
+            </a:schemeClr>
+          </a:lnRef>
+          <a:fillRef idx="1">
+            <a:schemeClr val="accent1"/>
+          </a:fillRef>
+          <a:effectRef idx="0">
+            <a:schemeClr val="accent1"/>
+          </a:effectRef>
+          <a:fontRef idx="minor">
+            <a:schemeClr val="lt1"/>
+          </a:fontRef>
+        </p:style>
+        <p:txBody>
+          <a:bodyPr rtlCol="0" anchor="ctr"/>
+          <a:lstStyle/>
+          <a:p>
+            <a:pPr algn="ctr"/>
+            <a:endParaRPr lang="fr-FR"/>
+          </a:p>
+        </p:txBody>
+      </p:sp>
+      <p:sp>
+        <p:nvSpPr>
+          <p:cNvPr id="27" name="ZoneTexte 26">
+            <a:extLst>
+              <a:ext uri="{FF2B5EF4-FFF2-40B4-BE49-F238E27FC236}">
+                <a16:creationId xmlns:a16="http://schemas.microsoft.com/office/drawing/2014/main" id="{9D17E7CD-1E59-F5A2-A692-ED61EF2C175D}"/>
+              </a:ext>
+            </a:extLst>
+          </p:cNvPr>
+          <p:cNvSpPr txBox="1"/>
+          <p:nvPr/>
+        </p:nvSpPr>
+        <p:spPr>
+          <a:xfrm>
+            <a:off x="6853084" y="2022196"/>
+            <a:ext cx="6096000" cy="276999"/>
+          </a:xfrm>
+          <a:prstGeom prst="rect">
+            <a:avLst/>
+          </a:prstGeom>
+          <a:noFill/>
+        </p:spPr>
+        <p:txBody>
+          <a:bodyPr wrap="square">
+            <a:spAutoFit/>
+          </a:bodyPr>
+          <a:lstStyle/>
+          <a:p>
+            <a:r>
+              <a:rPr lang="fr-FR" sz="1200" u="sng" dirty="0">
+                <a:solidFill>
+                  <a:srgbClr val="1155CC"/>
+                </a:solidFill>
+                <a:effectLst/>
+                <a:latin typeface="Arial" panose="020B0604020202020204" pitchFamily="34" charset="0"/>
+                <a:ea typeface="Arial" panose="020B0604020202020204" pitchFamily="34" charset="0"/>
+                <a:hlinkClick r:id="rId6"/>
+              </a:rPr>
+              <a:t>http://wcours.gel.ulaval.ca/2017/a/GEL3006/default/5notes/index.chtml</a:t>
+            </a:r>
+            <a:endParaRPr lang="fr-FR" sz="1200" dirty="0"/>
           </a:p>
         </p:txBody>
       </p:sp>
     </p:spTree>
     <p:extLst>
       <p:ext uri="{BB962C8B-B14F-4D97-AF65-F5344CB8AC3E}">
-        <p14:creationId xmlns:p14="http://schemas.microsoft.com/office/powerpoint/2010/main" val="2996629881"/>
+        <p14:creationId xmlns:p14="http://schemas.microsoft.com/office/powerpoint/2010/main" val="2707120733"/>
       </p:ext>
     </p:extLst>
   </p:cSld>
@@ -6079,7 +6285,7 @@
           <a:p>
             <a:r>
               <a:rPr lang="fr-FR" dirty="0"/>
-              <a:t>Rappels sur la modulation d’amplitude</a:t>
+              <a:t>Filtrage</a:t>
             </a:r>
           </a:p>
         </p:txBody>
@@ -6120,264 +6326,12 @@
           </a:prstGeom>
         </p:spPr>
       </p:pic>
-      <p:sp>
-        <p:nvSpPr>
-          <p:cNvPr id="17" name="ZoneTexte 16">
-            <a:extLst>
-              <a:ext uri="{FF2B5EF4-FFF2-40B4-BE49-F238E27FC236}">
-                <a16:creationId xmlns:a16="http://schemas.microsoft.com/office/drawing/2014/main" id="{2FE2EFB8-5223-2DB3-AC55-87C8590EB7A6}"/>
-              </a:ext>
-            </a:extLst>
-          </p:cNvPr>
-          <p:cNvSpPr txBox="1"/>
-          <p:nvPr/>
-        </p:nvSpPr>
-        <p:spPr>
-          <a:xfrm>
-            <a:off x="2743200" y="2321444"/>
-            <a:ext cx="4109884" cy="369332"/>
-          </a:xfrm>
-          <a:prstGeom prst="rect">
-            <a:avLst/>
-          </a:prstGeom>
-          <a:noFill/>
-        </p:spPr>
-        <p:txBody>
-          <a:bodyPr wrap="square">
-            <a:spAutoFit/>
-          </a:bodyPr>
-          <a:lstStyle/>
-          <a:p>
-            <a:r>
-              <a:rPr lang="fr-FR" sz="1800" b="1" dirty="0">
-                <a:solidFill>
-                  <a:schemeClr val="accent4"/>
-                </a:solidFill>
-                <a:effectLst/>
-                <a:latin typeface="Arial" panose="020B0604020202020204" pitchFamily="34" charset="0"/>
-                <a:ea typeface="Arial" panose="020B0604020202020204" pitchFamily="34" charset="0"/>
-              </a:rPr>
-              <a:t>m(t)              </a:t>
-            </a:r>
-            <a:r>
-              <a:rPr lang="fr-FR" sz="1800" b="1" dirty="0">
-                <a:solidFill>
-                  <a:srgbClr val="0070C0"/>
-                </a:solidFill>
-                <a:effectLst/>
-                <a:latin typeface="Arial" panose="020B0604020202020204" pitchFamily="34" charset="0"/>
-                <a:ea typeface="Arial" panose="020B0604020202020204" pitchFamily="34" charset="0"/>
-              </a:rPr>
-              <a:t>p(t) = </a:t>
-            </a:r>
-            <a:r>
-              <a:rPr lang="fr-FR" sz="1800" b="1" dirty="0" err="1">
-                <a:solidFill>
-                  <a:srgbClr val="0070C0"/>
-                </a:solidFill>
-                <a:effectLst/>
-                <a:latin typeface="Arial" panose="020B0604020202020204" pitchFamily="34" charset="0"/>
-                <a:ea typeface="Arial" panose="020B0604020202020204" pitchFamily="34" charset="0"/>
-              </a:rPr>
-              <a:t>A</a:t>
-            </a:r>
-            <a:r>
-              <a:rPr lang="fr-FR" b="1" baseline="-25000" dirty="0" err="1">
-                <a:solidFill>
-                  <a:srgbClr val="0070C0"/>
-                </a:solidFill>
-                <a:latin typeface="Arial" panose="020B0604020202020204" pitchFamily="34" charset="0"/>
-                <a:ea typeface="Arial" panose="020B0604020202020204" pitchFamily="34" charset="0"/>
-              </a:rPr>
-              <a:t>c</a:t>
-            </a:r>
-            <a:r>
-              <a:rPr lang="fr-FR" sz="1800" b="1" dirty="0">
-                <a:solidFill>
-                  <a:srgbClr val="0070C0"/>
-                </a:solidFill>
-                <a:effectLst/>
-                <a:latin typeface="Arial" panose="020B0604020202020204" pitchFamily="34" charset="0"/>
-                <a:ea typeface="Arial" panose="020B0604020202020204" pitchFamily="34" charset="0"/>
-              </a:rPr>
-              <a:t> . sin (</a:t>
-            </a:r>
-            <a:r>
-              <a:rPr lang="fr-FR" sz="1800" b="1" dirty="0" err="1">
-                <a:solidFill>
-                  <a:srgbClr val="0070C0"/>
-                </a:solidFill>
-                <a:effectLst/>
-                <a:latin typeface="Arial" panose="020B0604020202020204" pitchFamily="34" charset="0"/>
-                <a:ea typeface="Arial" panose="020B0604020202020204" pitchFamily="34" charset="0"/>
-              </a:rPr>
-              <a:t>ω</a:t>
-            </a:r>
-            <a:r>
-              <a:rPr lang="fr-FR" sz="1800" b="1" baseline="-25000" dirty="0" err="1">
-                <a:solidFill>
-                  <a:srgbClr val="0070C0"/>
-                </a:solidFill>
-                <a:effectLst/>
-                <a:latin typeface="Arial" panose="020B0604020202020204" pitchFamily="34" charset="0"/>
-                <a:ea typeface="Arial" panose="020B0604020202020204" pitchFamily="34" charset="0"/>
-              </a:rPr>
-              <a:t>c</a:t>
-            </a:r>
-            <a:r>
-              <a:rPr lang="fr-FR" sz="1800" b="1" dirty="0">
-                <a:solidFill>
-                  <a:srgbClr val="0070C0"/>
-                </a:solidFill>
-                <a:effectLst/>
-                <a:latin typeface="Arial" panose="020B0604020202020204" pitchFamily="34" charset="0"/>
-                <a:ea typeface="Arial" panose="020B0604020202020204" pitchFamily="34" charset="0"/>
-              </a:rPr>
-              <a:t> . t)</a:t>
-            </a:r>
-            <a:endParaRPr lang="fr-FR" dirty="0">
-              <a:solidFill>
-                <a:srgbClr val="0070C0"/>
-              </a:solidFill>
-            </a:endParaRPr>
-          </a:p>
-        </p:txBody>
-      </p:sp>
-      <p:sp>
-        <p:nvSpPr>
-          <p:cNvPr id="19" name="ZoneTexte 18">
-            <a:extLst>
-              <a:ext uri="{FF2B5EF4-FFF2-40B4-BE49-F238E27FC236}">
-                <a16:creationId xmlns:a16="http://schemas.microsoft.com/office/drawing/2014/main" id="{813663FB-4E81-1D60-66FC-80DE8402CD7F}"/>
-              </a:ext>
-            </a:extLst>
-          </p:cNvPr>
-          <p:cNvSpPr txBox="1"/>
-          <p:nvPr/>
-        </p:nvSpPr>
-        <p:spPr>
-          <a:xfrm>
-            <a:off x="2596844" y="6098600"/>
-            <a:ext cx="3074012" cy="369332"/>
-          </a:xfrm>
-          <a:prstGeom prst="rect">
-            <a:avLst/>
-          </a:prstGeom>
-          <a:solidFill>
-            <a:schemeClr val="bg2"/>
-          </a:solidFill>
-        </p:spPr>
-        <p:txBody>
-          <a:bodyPr wrap="square">
-            <a:spAutoFit/>
-          </a:bodyPr>
-          <a:lstStyle/>
-          <a:p>
-            <a:pPr algn="ctr"/>
-            <a:r>
-              <a:rPr lang="fr-FR" sz="1800" b="1" i="1" dirty="0">
-                <a:effectLst/>
-                <a:latin typeface="Arial" panose="020B0604020202020204" pitchFamily="34" charset="0"/>
-                <a:ea typeface="Arial" panose="020B0604020202020204" pitchFamily="34" charset="0"/>
-              </a:rPr>
-              <a:t>s(t) = ( K . </a:t>
-            </a:r>
-            <a:r>
-              <a:rPr lang="fr-FR" sz="1800" b="1" i="1" dirty="0">
-                <a:solidFill>
-                  <a:schemeClr val="accent4"/>
-                </a:solidFill>
-                <a:effectLst/>
-                <a:latin typeface="Arial" panose="020B0604020202020204" pitchFamily="34" charset="0"/>
-                <a:ea typeface="Arial" panose="020B0604020202020204" pitchFamily="34" charset="0"/>
-              </a:rPr>
-              <a:t>m(t)</a:t>
-            </a:r>
-            <a:r>
-              <a:rPr lang="fr-FR" sz="1800" b="1" i="1" dirty="0">
-                <a:effectLst/>
-                <a:latin typeface="Arial" panose="020B0604020202020204" pitchFamily="34" charset="0"/>
-                <a:ea typeface="Arial" panose="020B0604020202020204" pitchFamily="34" charset="0"/>
-              </a:rPr>
-              <a:t> + 1 ) . </a:t>
-            </a:r>
-            <a:r>
-              <a:rPr lang="fr-FR" sz="1800" b="1" i="1" dirty="0">
-                <a:solidFill>
-                  <a:srgbClr val="0070C0"/>
-                </a:solidFill>
-                <a:effectLst/>
-                <a:latin typeface="Arial" panose="020B0604020202020204" pitchFamily="34" charset="0"/>
-                <a:ea typeface="Arial" panose="020B0604020202020204" pitchFamily="34" charset="0"/>
-              </a:rPr>
-              <a:t>p(t)</a:t>
-            </a:r>
-            <a:r>
-              <a:rPr lang="fr-FR" sz="1800" dirty="0">
-                <a:effectLst/>
-                <a:latin typeface="Arial" panose="020B0604020202020204" pitchFamily="34" charset="0"/>
-                <a:ea typeface="Arial" panose="020B0604020202020204" pitchFamily="34" charset="0"/>
-              </a:rPr>
-              <a:t> </a:t>
-            </a:r>
-            <a:endParaRPr lang="fr-FR" dirty="0"/>
-          </a:p>
-        </p:txBody>
-      </p:sp>
-      <p:sp>
-        <p:nvSpPr>
-          <p:cNvPr id="20" name="Signe de multiplication 19">
-            <a:extLst>
-              <a:ext uri="{FF2B5EF4-FFF2-40B4-BE49-F238E27FC236}">
-                <a16:creationId xmlns:a16="http://schemas.microsoft.com/office/drawing/2014/main" id="{3683F43E-BB88-9A77-7A6A-950374FBB650}"/>
-              </a:ext>
-            </a:extLst>
-          </p:cNvPr>
-          <p:cNvSpPr/>
-          <p:nvPr/>
-        </p:nvSpPr>
-        <p:spPr>
-          <a:xfrm>
-            <a:off x="3392129" y="2122567"/>
-            <a:ext cx="639097" cy="744794"/>
-          </a:xfrm>
-          <a:prstGeom prst="mathMultiply">
-            <a:avLst>
-              <a:gd name="adj1" fmla="val 17366"/>
-            </a:avLst>
-          </a:prstGeom>
-        </p:spPr>
-        <p:style>
-          <a:lnRef idx="2">
-            <a:schemeClr val="accent1">
-              <a:shade val="15000"/>
-            </a:schemeClr>
-          </a:lnRef>
-          <a:fillRef idx="1">
-            <a:schemeClr val="accent1"/>
-          </a:fillRef>
-          <a:effectRef idx="0">
-            <a:schemeClr val="accent1"/>
-          </a:effectRef>
-          <a:fontRef idx="minor">
-            <a:schemeClr val="lt1"/>
-          </a:fontRef>
-        </p:style>
-        <p:txBody>
-          <a:bodyPr rtlCol="0" anchor="ctr"/>
-          <a:lstStyle/>
-          <a:p>
-            <a:pPr algn="ctr"/>
-            <a:endParaRPr lang="fr-FR"/>
-          </a:p>
-        </p:txBody>
-      </p:sp>
       <p:pic>
         <p:nvPicPr>
-          <p:cNvPr id="21" name="image4.png">
-            <a:extLst>
-              <a:ext uri="{FF2B5EF4-FFF2-40B4-BE49-F238E27FC236}">
-                <a16:creationId xmlns:a16="http://schemas.microsoft.com/office/drawing/2014/main" id="{F449CC9F-7226-A6E5-A262-ECFCD3E55C11}"/>
+          <p:cNvPr id="23" name="image7.png">
+            <a:extLst>
+              <a:ext uri="{FF2B5EF4-FFF2-40B4-BE49-F238E27FC236}">
+                <a16:creationId xmlns:a16="http://schemas.microsoft.com/office/drawing/2014/main" id="{0A18A1F5-13D1-ACCE-0891-5B57837BAC45}"/>
               </a:ext>
             </a:extLst>
           </p:cNvPr>
@@ -6393,8 +6347,8 @@
         </p:blipFill>
         <p:spPr>
           <a:xfrm>
-            <a:off x="1034438" y="3144855"/>
-            <a:ext cx="1987550" cy="1165860"/>
+            <a:off x="1302244" y="2299195"/>
+            <a:ext cx="3854450" cy="1395730"/>
           </a:xfrm>
           <a:prstGeom prst="rect">
             <a:avLst/>
@@ -6402,72 +6356,12 @@
           <a:ln/>
         </p:spPr>
       </p:pic>
-      <p:pic>
-        <p:nvPicPr>
-          <p:cNvPr id="22" name="image2.png">
-            <a:extLst>
-              <a:ext uri="{FF2B5EF4-FFF2-40B4-BE49-F238E27FC236}">
-                <a16:creationId xmlns:a16="http://schemas.microsoft.com/office/drawing/2014/main" id="{7A2C245E-CD2E-66F0-6224-3C921E14C76F}"/>
-              </a:ext>
-            </a:extLst>
-          </p:cNvPr>
-          <p:cNvPicPr/>
-          <p:nvPr/>
-        </p:nvPicPr>
-        <p:blipFill>
-          <a:blip r:embed="rId4"/>
-          <a:srcRect/>
-          <a:stretch>
-            <a:fillRect/>
-          </a:stretch>
-        </p:blipFill>
-        <p:spPr>
-          <a:xfrm>
-            <a:off x="3839527" y="3042914"/>
-            <a:ext cx="4512945" cy="1306830"/>
-          </a:xfrm>
-          <a:prstGeom prst="rect">
-            <a:avLst/>
-          </a:prstGeom>
-          <a:ln/>
-        </p:spPr>
-      </p:pic>
-      <p:pic>
-        <p:nvPicPr>
-          <p:cNvPr id="23" name="image7.png">
-            <a:extLst>
-              <a:ext uri="{FF2B5EF4-FFF2-40B4-BE49-F238E27FC236}">
-                <a16:creationId xmlns:a16="http://schemas.microsoft.com/office/drawing/2014/main" id="{0A18A1F5-13D1-ACCE-0891-5B57837BAC45}"/>
-              </a:ext>
-            </a:extLst>
-          </p:cNvPr>
-          <p:cNvPicPr/>
-          <p:nvPr/>
-        </p:nvPicPr>
-        <p:blipFill>
-          <a:blip r:embed="rId5"/>
-          <a:srcRect/>
-          <a:stretch>
-            <a:fillRect/>
-          </a:stretch>
-        </p:blipFill>
-        <p:spPr>
-          <a:xfrm>
-            <a:off x="8058151" y="5086248"/>
-            <a:ext cx="3854450" cy="1395730"/>
-          </a:xfrm>
-          <a:prstGeom prst="rect">
-            <a:avLst/>
-          </a:prstGeom>
-          <a:ln/>
-        </p:spPr>
-      </p:pic>
       <p:sp>
         <p:nvSpPr>
-          <p:cNvPr id="24" name="ZoneTexte 23">
-            <a:extLst>
-              <a:ext uri="{FF2B5EF4-FFF2-40B4-BE49-F238E27FC236}">
-                <a16:creationId xmlns:a16="http://schemas.microsoft.com/office/drawing/2014/main" id="{D2BB8ACD-5D25-BB60-FE4B-E7F088EE366A}"/>
+          <p:cNvPr id="27" name="ZoneTexte 26">
+            <a:extLst>
+              <a:ext uri="{FF2B5EF4-FFF2-40B4-BE49-F238E27FC236}">
+                <a16:creationId xmlns:a16="http://schemas.microsoft.com/office/drawing/2014/main" id="{9D17E7CD-1E59-F5A2-A692-ED61EF2C175D}"/>
               </a:ext>
             </a:extLst>
           </p:cNvPr>
@@ -6476,8 +6370,8 @@
         </p:nvSpPr>
         <p:spPr>
           <a:xfrm>
-            <a:off x="3316956" y="4985549"/>
-            <a:ext cx="6096000" cy="369332"/>
+            <a:off x="6853084" y="2022196"/>
+            <a:ext cx="6096000" cy="276999"/>
           </a:xfrm>
           <a:prstGeom prst="rect">
             <a:avLst/>
@@ -6490,155 +6384,140 @@
           </a:bodyPr>
           <a:lstStyle/>
           <a:p>
-            <a:pPr lvl="3"/>
-            <a:r>
-              <a:rPr lang="fr-FR" b="1" dirty="0">
-                <a:solidFill>
-                  <a:srgbClr val="0070C0"/>
+            <a:r>
+              <a:rPr lang="fr-FR" sz="1200" u="sng" dirty="0">
+                <a:solidFill>
+                  <a:srgbClr val="1155CC"/>
                 </a:solidFill>
                 <a:effectLst/>
                 <a:latin typeface="Arial" panose="020B0604020202020204" pitchFamily="34" charset="0"/>
                 <a:ea typeface="Arial" panose="020B0604020202020204" pitchFamily="34" charset="0"/>
-              </a:rPr>
-              <a:t>					p(t) = </a:t>
-            </a:r>
-            <a:r>
-              <a:rPr lang="fr-FR" b="1" dirty="0" err="1">
-                <a:solidFill>
-                  <a:srgbClr val="0070C0"/>
-                </a:solidFill>
-                <a:effectLst/>
-                <a:latin typeface="Arial" panose="020B0604020202020204" pitchFamily="34" charset="0"/>
-                <a:ea typeface="Arial" panose="020B0604020202020204" pitchFamily="34" charset="0"/>
-              </a:rPr>
-              <a:t>A</a:t>
-            </a:r>
-            <a:r>
-              <a:rPr lang="fr-FR" b="1" baseline="-25000" dirty="0" err="1">
-                <a:solidFill>
-                  <a:srgbClr val="0070C0"/>
-                </a:solidFill>
-                <a:latin typeface="Arial" panose="020B0604020202020204" pitchFamily="34" charset="0"/>
-                <a:ea typeface="Arial" panose="020B0604020202020204" pitchFamily="34" charset="0"/>
-              </a:rPr>
-              <a:t>c</a:t>
-            </a:r>
-            <a:r>
-              <a:rPr lang="fr-FR" b="1" dirty="0">
-                <a:solidFill>
-                  <a:srgbClr val="0070C0"/>
-                </a:solidFill>
-                <a:effectLst/>
-                <a:latin typeface="Arial" panose="020B0604020202020204" pitchFamily="34" charset="0"/>
-                <a:ea typeface="Arial" panose="020B0604020202020204" pitchFamily="34" charset="0"/>
-              </a:rPr>
-              <a:t> . sin (</a:t>
-            </a:r>
-            <a:r>
-              <a:rPr lang="fr-FR" b="1" dirty="0" err="1">
-                <a:solidFill>
-                  <a:srgbClr val="0070C0"/>
-                </a:solidFill>
-                <a:effectLst/>
-                <a:latin typeface="Arial" panose="020B0604020202020204" pitchFamily="34" charset="0"/>
-                <a:ea typeface="Arial" panose="020B0604020202020204" pitchFamily="34" charset="0"/>
-              </a:rPr>
-              <a:t>ω</a:t>
-            </a:r>
-            <a:r>
-              <a:rPr lang="fr-FR" b="1" baseline="-25000" dirty="0" err="1">
-                <a:solidFill>
-                  <a:srgbClr val="0070C0"/>
-                </a:solidFill>
-                <a:effectLst/>
-                <a:latin typeface="Arial" panose="020B0604020202020204" pitchFamily="34" charset="0"/>
-                <a:ea typeface="Arial" panose="020B0604020202020204" pitchFamily="34" charset="0"/>
-              </a:rPr>
-              <a:t>c</a:t>
-            </a:r>
-            <a:r>
-              <a:rPr lang="fr-FR" b="1" dirty="0">
-                <a:solidFill>
-                  <a:srgbClr val="0070C0"/>
-                </a:solidFill>
-                <a:effectLst/>
-                <a:latin typeface="Arial" panose="020B0604020202020204" pitchFamily="34" charset="0"/>
-                <a:ea typeface="Arial" panose="020B0604020202020204" pitchFamily="34" charset="0"/>
-              </a:rPr>
-              <a:t> . t)</a:t>
-            </a:r>
-            <a:endParaRPr lang="fr-FR" dirty="0">
-              <a:solidFill>
-                <a:srgbClr val="0070C0"/>
-              </a:solidFill>
-            </a:endParaRPr>
-          </a:p>
-        </p:txBody>
-      </p:sp>
-      <p:sp>
-        <p:nvSpPr>
-          <p:cNvPr id="25" name="Signe de multiplication 24">
-            <a:extLst>
-              <a:ext uri="{FF2B5EF4-FFF2-40B4-BE49-F238E27FC236}">
-                <a16:creationId xmlns:a16="http://schemas.microsoft.com/office/drawing/2014/main" id="{D182780B-D8A8-FD8E-F6C0-CE26F37D6640}"/>
-              </a:ext>
-            </a:extLst>
-          </p:cNvPr>
-          <p:cNvSpPr/>
+                <a:hlinkClick r:id="rId4"/>
+              </a:rPr>
+              <a:t>http://wcours.gel.ulaval.ca/2017/a/GEL3006/default/5notes/index.chtml</a:t>
+            </a:r>
+            <a:endParaRPr lang="fr-FR" sz="1200" dirty="0"/>
+          </a:p>
+        </p:txBody>
+      </p:sp>
+      <p:cxnSp>
+        <p:nvCxnSpPr>
+          <p:cNvPr id="4" name="Connecteur droit 3"/>
+          <p:cNvCxnSpPr/>
           <p:nvPr/>
-        </p:nvSpPr>
-        <p:spPr>
-          <a:xfrm>
-            <a:off x="5952001" y="4790473"/>
-            <a:ext cx="639097" cy="744794"/>
-          </a:xfrm>
-          <a:prstGeom prst="mathMultiply">
-            <a:avLst>
-              <a:gd name="adj1" fmla="val 17366"/>
-            </a:avLst>
+        </p:nvCxnSpPr>
+        <p:spPr>
+          <a:xfrm flipH="1">
+            <a:off x="2494627" y="2473277"/>
+            <a:ext cx="1" cy="1173667"/>
+          </a:xfrm>
+          <a:prstGeom prst="line">
+            <a:avLst/>
           </a:prstGeom>
+          <a:ln w="38100">
+            <a:solidFill>
+              <a:srgbClr val="FF0000"/>
+            </a:solidFill>
+            <a:prstDash val="sysDash"/>
+          </a:ln>
         </p:spPr>
         <p:style>
-          <a:lnRef idx="2">
-            <a:schemeClr val="accent1">
-              <a:shade val="15000"/>
-            </a:schemeClr>
+          <a:lnRef idx="1">
+            <a:schemeClr val="accent1"/>
           </a:lnRef>
-          <a:fillRef idx="1">
+          <a:fillRef idx="0">
             <a:schemeClr val="accent1"/>
           </a:fillRef>
           <a:effectRef idx="0">
             <a:schemeClr val="accent1"/>
           </a:effectRef>
           <a:fontRef idx="minor">
-            <a:schemeClr val="lt1"/>
+            <a:schemeClr val="tx1"/>
           </a:fontRef>
         </p:style>
-        <p:txBody>
-          <a:bodyPr rtlCol="0" anchor="ctr"/>
-          <a:lstStyle/>
-          <a:p>
-            <a:pPr algn="ctr"/>
-            <a:endParaRPr lang="fr-FR"/>
-          </a:p>
-        </p:txBody>
-      </p:sp>
+      </p:cxnSp>
+      <p:cxnSp>
+        <p:nvCxnSpPr>
+          <p:cNvPr id="16" name="Connecteur droit 15"/>
+          <p:cNvCxnSpPr/>
+          <p:nvPr/>
+        </p:nvCxnSpPr>
+        <p:spPr>
+          <a:xfrm flipH="1">
+            <a:off x="3854390" y="2521258"/>
+            <a:ext cx="1" cy="1173667"/>
+          </a:xfrm>
+          <a:prstGeom prst="line">
+            <a:avLst/>
+          </a:prstGeom>
+          <a:ln w="38100">
+            <a:solidFill>
+              <a:srgbClr val="FF0000"/>
+            </a:solidFill>
+            <a:prstDash val="sysDash"/>
+          </a:ln>
+        </p:spPr>
+        <p:style>
+          <a:lnRef idx="1">
+            <a:schemeClr val="accent1"/>
+          </a:lnRef>
+          <a:fillRef idx="0">
+            <a:schemeClr val="accent1"/>
+          </a:fillRef>
+          <a:effectRef idx="0">
+            <a:schemeClr val="accent1"/>
+          </a:effectRef>
+          <a:fontRef idx="minor">
+            <a:schemeClr val="tx1"/>
+          </a:fontRef>
+        </p:style>
+      </p:cxnSp>
+      <p:cxnSp>
+        <p:nvCxnSpPr>
+          <p:cNvPr id="18" name="Connecteur droit 17"/>
+          <p:cNvCxnSpPr/>
+          <p:nvPr/>
+        </p:nvCxnSpPr>
+        <p:spPr>
+          <a:xfrm flipH="1">
+            <a:off x="2494627" y="2473277"/>
+            <a:ext cx="1359764" cy="0"/>
+          </a:xfrm>
+          <a:prstGeom prst="line">
+            <a:avLst/>
+          </a:prstGeom>
+          <a:ln w="38100">
+            <a:solidFill>
+              <a:srgbClr val="FF0000"/>
+            </a:solidFill>
+            <a:prstDash val="sysDash"/>
+          </a:ln>
+        </p:spPr>
+        <p:style>
+          <a:lnRef idx="1">
+            <a:schemeClr val="accent1"/>
+          </a:lnRef>
+          <a:fillRef idx="0">
+            <a:schemeClr val="accent1"/>
+          </a:fillRef>
+          <a:effectRef idx="0">
+            <a:schemeClr val="accent1"/>
+          </a:effectRef>
+          <a:fontRef idx="minor">
+            <a:schemeClr val="tx1"/>
+          </a:fontRef>
+        </p:style>
+      </p:cxnSp>
       <p:sp>
         <p:nvSpPr>
-          <p:cNvPr id="27" name="ZoneTexte 26">
-            <a:extLst>
-              <a:ext uri="{FF2B5EF4-FFF2-40B4-BE49-F238E27FC236}">
-                <a16:creationId xmlns:a16="http://schemas.microsoft.com/office/drawing/2014/main" id="{9D17E7CD-1E59-F5A2-A692-ED61EF2C175D}"/>
-              </a:ext>
-            </a:extLst>
-          </p:cNvPr>
+          <p:cNvPr id="9" name="ZoneTexte 8"/>
           <p:cNvSpPr txBox="1"/>
           <p:nvPr/>
         </p:nvSpPr>
         <p:spPr>
           <a:xfrm>
-            <a:off x="6853084" y="2022196"/>
-            <a:ext cx="6096000" cy="276999"/>
+            <a:off x="2289283" y="3780071"/>
+            <a:ext cx="410690" cy="369332"/>
           </a:xfrm>
           <a:prstGeom prst="rect">
             <a:avLst/>
@@ -6646,31 +6525,59 @@
           <a:noFill/>
         </p:spPr>
         <p:txBody>
-          <a:bodyPr wrap="square">
+          <a:bodyPr wrap="none" rtlCol="0">
             <a:spAutoFit/>
           </a:bodyPr>
           <a:lstStyle/>
           <a:p>
             <a:r>
-              <a:rPr lang="fr-FR" sz="1200" u="sng" dirty="0">
-                <a:solidFill>
-                  <a:srgbClr val="1155CC"/>
-                </a:solidFill>
-                <a:effectLst/>
-                <a:latin typeface="Arial" panose="020B0604020202020204" pitchFamily="34" charset="0"/>
-                <a:ea typeface="Arial" panose="020B0604020202020204" pitchFamily="34" charset="0"/>
-                <a:hlinkClick r:id="rId6"/>
-              </a:rPr>
-              <a:t>http://wcours.gel.ulaval.ca/2017/a/GEL3006/default/5notes/index.chtml</a:t>
-            </a:r>
-            <a:endParaRPr lang="fr-FR" sz="1200" dirty="0"/>
+              <a:rPr lang="fr-FR" dirty="0"/>
+              <a:t>-f</a:t>
+            </a:r>
+            <a:r>
+              <a:rPr lang="fr-FR" baseline="-25000" dirty="0"/>
+              <a:t>p</a:t>
+            </a:r>
+          </a:p>
+        </p:txBody>
+      </p:sp>
+      <p:sp>
+        <p:nvSpPr>
+          <p:cNvPr id="26" name="ZoneTexte 25"/>
+          <p:cNvSpPr txBox="1"/>
+          <p:nvPr/>
+        </p:nvSpPr>
+        <p:spPr>
+          <a:xfrm>
+            <a:off x="3681273" y="3780071"/>
+            <a:ext cx="333746" cy="369332"/>
+          </a:xfrm>
+          <a:prstGeom prst="rect">
+            <a:avLst/>
+          </a:prstGeom>
+          <a:noFill/>
+        </p:spPr>
+        <p:txBody>
+          <a:bodyPr wrap="none" rtlCol="0">
+            <a:spAutoFit/>
+          </a:bodyPr>
+          <a:lstStyle/>
+          <a:p>
+            <a:r>
+              <a:rPr lang="fr-FR" dirty="0"/>
+              <a:t>f</a:t>
+            </a:r>
+            <a:r>
+              <a:rPr lang="fr-FR" baseline="-25000" dirty="0"/>
+              <a:t>p</a:t>
+            </a:r>
           </a:p>
         </p:txBody>
       </p:sp>
     </p:spTree>
     <p:extLst>
       <p:ext uri="{BB962C8B-B14F-4D97-AF65-F5344CB8AC3E}">
-        <p14:creationId xmlns:p14="http://schemas.microsoft.com/office/powerpoint/2010/main" val="2707120733"/>
+        <p14:creationId xmlns:p14="http://schemas.microsoft.com/office/powerpoint/2010/main" val="492874660"/>
       </p:ext>
     </p:extLst>
   </p:cSld>
@@ -6720,7 +6627,7 @@
           <a:p>
             <a:r>
               <a:rPr lang="fr-FR" dirty="0"/>
-              <a:t>Filtrage</a:t>
+              <a:t>Rappel sur la Transformée de Fourier</a:t>
             </a:r>
           </a:p>
         </p:txBody>
@@ -6763,256 +6670,90 @@
       </p:pic>
       <p:pic>
         <p:nvPicPr>
-          <p:cNvPr id="23" name="image7.png">
-            <a:extLst>
-              <a:ext uri="{FF2B5EF4-FFF2-40B4-BE49-F238E27FC236}">
-                <a16:creationId xmlns:a16="http://schemas.microsoft.com/office/drawing/2014/main" id="{0A18A1F5-13D1-ACCE-0891-5B57837BAC45}"/>
-              </a:ext>
-            </a:extLst>
-          </p:cNvPr>
-          <p:cNvPicPr/>
+          <p:cNvPr id="2052" name="Picture 4" descr="http://lense.institutoptique.fr/wp-content/uploads/2020/04/TFaTC.png"/>
+          <p:cNvPicPr>
+            <a:picLocks noChangeAspect="1" noChangeArrowheads="1"/>
+          </p:cNvPicPr>
           <p:nvPr/>
         </p:nvPicPr>
         <p:blipFill>
-          <a:blip r:embed="rId3"/>
+          <a:blip r:embed="rId3">
+            <a:extLst>
+              <a:ext uri="{28A0092B-C50C-407E-A947-70E740481C1C}">
+                <a14:useLocalDpi xmlns:a14="http://schemas.microsoft.com/office/drawing/2010/main" val="0"/>
+              </a:ext>
+            </a:extLst>
+          </a:blip>
           <a:srcRect/>
           <a:stretch>
             <a:fillRect/>
           </a:stretch>
         </p:blipFill>
-        <p:spPr>
-          <a:xfrm>
-            <a:off x="1302244" y="2299195"/>
-            <a:ext cx="3854450" cy="1395730"/>
-          </a:xfrm>
-          <a:prstGeom prst="rect">
-            <a:avLst/>
-          </a:prstGeom>
-          <a:ln/>
-        </p:spPr>
-      </p:pic>
-      <p:sp>
-        <p:nvSpPr>
-          <p:cNvPr id="27" name="ZoneTexte 26">
-            <a:extLst>
-              <a:ext uri="{FF2B5EF4-FFF2-40B4-BE49-F238E27FC236}">
-                <a16:creationId xmlns:a16="http://schemas.microsoft.com/office/drawing/2014/main" id="{9D17E7CD-1E59-F5A2-A692-ED61EF2C175D}"/>
-              </a:ext>
-            </a:extLst>
-          </p:cNvPr>
-          <p:cNvSpPr txBox="1"/>
-          <p:nvPr/>
-        </p:nvSpPr>
-        <p:spPr>
-          <a:xfrm>
-            <a:off x="6853084" y="2022196"/>
-            <a:ext cx="6096000" cy="276999"/>
+        <p:spPr bwMode="auto">
+          <a:xfrm>
+            <a:off x="2028213" y="2160895"/>
+            <a:ext cx="7768360" cy="1798629"/>
           </a:xfrm>
           <a:prstGeom prst="rect">
             <a:avLst/>
           </a:prstGeom>
           <a:noFill/>
-        </p:spPr>
-        <p:txBody>
-          <a:bodyPr wrap="square">
-            <a:spAutoFit/>
-          </a:bodyPr>
-          <a:lstStyle/>
-          <a:p>
-            <a:r>
-              <a:rPr lang="fr-FR" sz="1200" u="sng" dirty="0">
-                <a:solidFill>
-                  <a:srgbClr val="1155CC"/>
-                </a:solidFill>
-                <a:effectLst/>
-                <a:latin typeface="Arial" panose="020B0604020202020204" pitchFamily="34" charset="0"/>
-                <a:ea typeface="Arial" panose="020B0604020202020204" pitchFamily="34" charset="0"/>
-                <a:hlinkClick r:id="rId4"/>
-              </a:rPr>
-              <a:t>http://wcours.gel.ulaval.ca/2017/a/GEL3006/default/5notes/index.chtml</a:t>
-            </a:r>
-            <a:endParaRPr lang="fr-FR" sz="1200" dirty="0"/>
-          </a:p>
-        </p:txBody>
-      </p:sp>
-      <p:cxnSp>
-        <p:nvCxnSpPr>
-          <p:cNvPr id="4" name="Connecteur droit 3"/>
-          <p:cNvCxnSpPr/>
+          <a:extLst>
+            <a:ext uri="{909E8E84-426E-40DD-AFC4-6F175D3DCCD1}">
+              <a14:hiddenFill xmlns:a14="http://schemas.microsoft.com/office/drawing/2010/main">
+                <a:solidFill>
+                  <a:srgbClr val="FFFFFF"/>
+                </a:solidFill>
+              </a14:hiddenFill>
+            </a:ext>
+          </a:extLst>
+        </p:spPr>
+      </p:pic>
+      <p:pic>
+        <p:nvPicPr>
+          <p:cNvPr id="2054" name="Picture 6" descr="http://lense.institutoptique.fr/wp-content/uploads/2020/04/TFaTD.png"/>
+          <p:cNvPicPr>
+            <a:picLocks noChangeAspect="1" noChangeArrowheads="1"/>
+          </p:cNvPicPr>
           <p:nvPr/>
-        </p:nvCxnSpPr>
-        <p:spPr>
-          <a:xfrm flipH="1">
-            <a:off x="2494627" y="2473277"/>
-            <a:ext cx="1" cy="1173667"/>
-          </a:xfrm>
-          <a:prstGeom prst="line">
-            <a:avLst/>
-          </a:prstGeom>
-          <a:ln w="38100">
-            <a:solidFill>
-              <a:srgbClr val="FF0000"/>
-            </a:solidFill>
-            <a:prstDash val="sysDash"/>
-          </a:ln>
-        </p:spPr>
-        <p:style>
-          <a:lnRef idx="1">
-            <a:schemeClr val="accent1"/>
-          </a:lnRef>
-          <a:fillRef idx="0">
-            <a:schemeClr val="accent1"/>
-          </a:fillRef>
-          <a:effectRef idx="0">
-            <a:schemeClr val="accent1"/>
-          </a:effectRef>
-          <a:fontRef idx="minor">
-            <a:schemeClr val="tx1"/>
-          </a:fontRef>
-        </p:style>
-      </p:cxnSp>
-      <p:cxnSp>
-        <p:nvCxnSpPr>
-          <p:cNvPr id="16" name="Connecteur droit 15"/>
-          <p:cNvCxnSpPr/>
-          <p:nvPr/>
-        </p:nvCxnSpPr>
-        <p:spPr>
-          <a:xfrm flipH="1">
-            <a:off x="3854390" y="2521258"/>
-            <a:ext cx="1" cy="1173667"/>
-          </a:xfrm>
-          <a:prstGeom prst="line">
-            <a:avLst/>
-          </a:prstGeom>
-          <a:ln w="38100">
-            <a:solidFill>
-              <a:srgbClr val="FF0000"/>
-            </a:solidFill>
-            <a:prstDash val="sysDash"/>
-          </a:ln>
-        </p:spPr>
-        <p:style>
-          <a:lnRef idx="1">
-            <a:schemeClr val="accent1"/>
-          </a:lnRef>
-          <a:fillRef idx="0">
-            <a:schemeClr val="accent1"/>
-          </a:fillRef>
-          <a:effectRef idx="0">
-            <a:schemeClr val="accent1"/>
-          </a:effectRef>
-          <a:fontRef idx="minor">
-            <a:schemeClr val="tx1"/>
-          </a:fontRef>
-        </p:style>
-      </p:cxnSp>
-      <p:cxnSp>
-        <p:nvCxnSpPr>
-          <p:cNvPr id="18" name="Connecteur droit 17"/>
-          <p:cNvCxnSpPr/>
-          <p:nvPr/>
-        </p:nvCxnSpPr>
-        <p:spPr>
-          <a:xfrm flipH="1">
-            <a:off x="2494627" y="2473277"/>
-            <a:ext cx="1359764" cy="0"/>
-          </a:xfrm>
-          <a:prstGeom prst="line">
-            <a:avLst/>
-          </a:prstGeom>
-          <a:ln w="38100">
-            <a:solidFill>
-              <a:srgbClr val="FF0000"/>
-            </a:solidFill>
-            <a:prstDash val="sysDash"/>
-          </a:ln>
-        </p:spPr>
-        <p:style>
-          <a:lnRef idx="1">
-            <a:schemeClr val="accent1"/>
-          </a:lnRef>
-          <a:fillRef idx="0">
-            <a:schemeClr val="accent1"/>
-          </a:fillRef>
-          <a:effectRef idx="0">
-            <a:schemeClr val="accent1"/>
-          </a:effectRef>
-          <a:fontRef idx="minor">
-            <a:schemeClr val="tx1"/>
-          </a:fontRef>
-        </p:style>
-      </p:cxnSp>
-      <p:sp>
-        <p:nvSpPr>
-          <p:cNvPr id="9" name="ZoneTexte 8"/>
-          <p:cNvSpPr txBox="1"/>
-          <p:nvPr/>
-        </p:nvSpPr>
-        <p:spPr>
-          <a:xfrm>
-            <a:off x="2289283" y="3780071"/>
-            <a:ext cx="410690" cy="369332"/>
+        </p:nvPicPr>
+        <p:blipFill>
+          <a:blip r:embed="rId4">
+            <a:extLst>
+              <a:ext uri="{28A0092B-C50C-407E-A947-70E740481C1C}">
+                <a14:useLocalDpi xmlns:a14="http://schemas.microsoft.com/office/drawing/2010/main" val="0"/>
+              </a:ext>
+            </a:extLst>
+          </a:blip>
+          <a:srcRect/>
+          <a:stretch>
+            <a:fillRect/>
+          </a:stretch>
+        </p:blipFill>
+        <p:spPr bwMode="auto">
+          <a:xfrm>
+            <a:off x="2104803" y="4369974"/>
+            <a:ext cx="7896693" cy="1939386"/>
           </a:xfrm>
           <a:prstGeom prst="rect">
             <a:avLst/>
           </a:prstGeom>
           <a:noFill/>
-        </p:spPr>
-        <p:txBody>
-          <a:bodyPr wrap="none" rtlCol="0">
-            <a:spAutoFit/>
-          </a:bodyPr>
-          <a:lstStyle/>
-          <a:p>
-            <a:r>
-              <a:rPr lang="fr-FR" dirty="0"/>
-              <a:t>-f</a:t>
-            </a:r>
-            <a:r>
-              <a:rPr lang="fr-FR" baseline="-25000" dirty="0"/>
-              <a:t>p</a:t>
-            </a:r>
-          </a:p>
-        </p:txBody>
-      </p:sp>
-      <p:sp>
-        <p:nvSpPr>
-          <p:cNvPr id="26" name="ZoneTexte 25"/>
-          <p:cNvSpPr txBox="1"/>
-          <p:nvPr/>
-        </p:nvSpPr>
-        <p:spPr>
-          <a:xfrm>
-            <a:off x="3681273" y="3780071"/>
-            <a:ext cx="333746" cy="369332"/>
-          </a:xfrm>
-          <a:prstGeom prst="rect">
-            <a:avLst/>
-          </a:prstGeom>
-          <a:noFill/>
-        </p:spPr>
-        <p:txBody>
-          <a:bodyPr wrap="none" rtlCol="0">
-            <a:spAutoFit/>
-          </a:bodyPr>
-          <a:lstStyle/>
-          <a:p>
-            <a:r>
-              <a:rPr lang="fr-FR" dirty="0"/>
-              <a:t>f</a:t>
-            </a:r>
-            <a:r>
-              <a:rPr lang="fr-FR" baseline="-25000" dirty="0"/>
-              <a:t>p</a:t>
-            </a:r>
-          </a:p>
-        </p:txBody>
-      </p:sp>
+          <a:extLst>
+            <a:ext uri="{909E8E84-426E-40DD-AFC4-6F175D3DCCD1}">
+              <a14:hiddenFill xmlns:a14="http://schemas.microsoft.com/office/drawing/2010/main">
+                <a:solidFill>
+                  <a:srgbClr val="FFFFFF"/>
+                </a:solidFill>
+              </a14:hiddenFill>
+            </a:ext>
+          </a:extLst>
+        </p:spPr>
+      </p:pic>
     </p:spTree>
     <p:extLst>
       <p:ext uri="{BB962C8B-B14F-4D97-AF65-F5344CB8AC3E}">
-        <p14:creationId xmlns:p14="http://schemas.microsoft.com/office/powerpoint/2010/main" val="492874660"/>
+        <p14:creationId xmlns:p14="http://schemas.microsoft.com/office/powerpoint/2010/main" val="918715071"/>
       </p:ext>
     </p:extLst>
   </p:cSld>
@@ -7062,7 +6803,7 @@
           <a:p>
             <a:r>
               <a:rPr lang="fr-FR" dirty="0"/>
-              <a:t>Rappel sur la Transformée de Fourier</a:t>
+              <a:t>Rappel sur la FFT</a:t>
             </a:r>
           </a:p>
         </p:txBody>
@@ -7103,9 +6844,89 @@
           </a:prstGeom>
         </p:spPr>
       </p:pic>
+      <p:sp>
+        <p:nvSpPr>
+          <p:cNvPr id="3" name="Rectangle 2"/>
+          <p:cNvSpPr/>
+          <p:nvPr/>
+        </p:nvSpPr>
+        <p:spPr>
+          <a:xfrm>
+            <a:off x="8531525" y="4048370"/>
+            <a:ext cx="3156633" cy="351378"/>
+          </a:xfrm>
+          <a:prstGeom prst="rect">
+            <a:avLst/>
+          </a:prstGeom>
+        </p:spPr>
+        <p:txBody>
+          <a:bodyPr wrap="none">
+            <a:spAutoFit/>
+          </a:bodyPr>
+          <a:lstStyle/>
+          <a:p>
+            <a:pPr lvl="1" algn="just">
+              <a:lnSpc>
+                <a:spcPct val="115000"/>
+              </a:lnSpc>
+            </a:pPr>
+            <a:r>
+              <a:rPr lang="fr-FR" sz="1600" b="1" dirty="0" err="1">
+                <a:solidFill>
+                  <a:srgbClr val="E36C0A"/>
+                </a:solidFill>
+                <a:latin typeface="Arial" panose="020B0604020202020204" pitchFamily="34" charset="0"/>
+                <a:ea typeface="Arial" panose="020B0604020202020204" pitchFamily="34" charset="0"/>
+              </a:rPr>
+              <a:t>numpy</a:t>
+            </a:r>
+            <a:r>
+              <a:rPr lang="fr-FR" sz="1600" b="1" dirty="0">
+                <a:solidFill>
+                  <a:srgbClr val="1155CC"/>
+                </a:solidFill>
+                <a:latin typeface="Arial" panose="020B0604020202020204" pitchFamily="34" charset="0"/>
+                <a:ea typeface="Arial" panose="020B0604020202020204" pitchFamily="34" charset="0"/>
+              </a:rPr>
+              <a:t>  .</a:t>
+            </a:r>
+            <a:r>
+              <a:rPr lang="fr-FR" sz="1600" b="1" dirty="0" err="1">
+                <a:solidFill>
+                  <a:srgbClr val="1155CC"/>
+                </a:solidFill>
+                <a:latin typeface="Arial" panose="020B0604020202020204" pitchFamily="34" charset="0"/>
+                <a:ea typeface="Arial" panose="020B0604020202020204" pitchFamily="34" charset="0"/>
+              </a:rPr>
+              <a:t>fft.fft</a:t>
+            </a:r>
+            <a:r>
+              <a:rPr lang="fr-FR" sz="1600" b="1" dirty="0">
+                <a:solidFill>
+                  <a:srgbClr val="1155CC"/>
+                </a:solidFill>
+                <a:latin typeface="Arial" panose="020B0604020202020204" pitchFamily="34" charset="0"/>
+                <a:ea typeface="Arial" panose="020B0604020202020204" pitchFamily="34" charset="0"/>
+              </a:rPr>
+              <a:t>    .</a:t>
+            </a:r>
+            <a:r>
+              <a:rPr lang="fr-FR" sz="1600" b="1" dirty="0" err="1">
+                <a:solidFill>
+                  <a:srgbClr val="1155CC"/>
+                </a:solidFill>
+                <a:latin typeface="Arial" panose="020B0604020202020204" pitchFamily="34" charset="0"/>
+                <a:ea typeface="Arial" panose="020B0604020202020204" pitchFamily="34" charset="0"/>
+              </a:rPr>
+              <a:t>fft.fftshift</a:t>
+            </a:r>
+            <a:endParaRPr lang="fr-FR" sz="1600" b="1" dirty="0"/>
+          </a:p>
+        </p:txBody>
+      </p:sp>
       <p:pic>
         <p:nvPicPr>
-          <p:cNvPr id="2052" name="Picture 4" descr="http://lense.institutoptique.fr/wp-content/uploads/2020/04/TFaTC.png"/>
+          <p:cNvPr id="2050" name="Picture 2"/>
           <p:cNvPicPr>
             <a:picLocks noChangeAspect="1" noChangeArrowheads="1"/>
           </p:cNvPicPr>
@@ -7126,8 +6947,72 @@
         </p:blipFill>
         <p:spPr bwMode="auto">
           <a:xfrm>
-            <a:off x="2028213" y="2160895"/>
-            <a:ext cx="7768360" cy="1798629"/>
+            <a:off x="6596003" y="4586737"/>
+            <a:ext cx="5276850" cy="876300"/>
+          </a:xfrm>
+          <a:prstGeom prst="rect">
+            <a:avLst/>
+          </a:prstGeom>
+          <a:noFill/>
+          <a:ln>
+            <a:noFill/>
+          </a:ln>
+          <a:effectLst/>
+          <a:extLst>
+            <a:ext uri="{909E8E84-426E-40DD-AFC4-6F175D3DCCD1}">
+              <a14:hiddenFill xmlns:a14="http://schemas.microsoft.com/office/drawing/2010/main">
+                <a:solidFill>
+                  <a:schemeClr val="accent1"/>
+                </a:solidFill>
+              </a14:hiddenFill>
+            </a:ext>
+            <a:ext uri="{91240B29-F687-4F45-9708-019B960494DF}">
+              <a14:hiddenLine xmlns:a14="http://schemas.microsoft.com/office/drawing/2010/main" w="9525">
+                <a:solidFill>
+                  <a:schemeClr val="tx1"/>
+                </a:solidFill>
+                <a:miter lim="800000"/>
+                <a:headEnd/>
+                <a:tailEnd/>
+              </a14:hiddenLine>
+            </a:ext>
+            <a:ext uri="{AF507438-7753-43E0-B8FC-AC1667EBCBE1}">
+              <a14:hiddenEffects xmlns:a14="http://schemas.microsoft.com/office/drawing/2010/main">
+                <a:effectLst>
+                  <a:outerShdw dist="35921" dir="2700000" algn="ctr" rotWithShape="0">
+                    <a:schemeClr val="bg2"/>
+                  </a:outerShdw>
+                </a:effectLst>
+              </a14:hiddenEffects>
+            </a:ext>
+          </a:extLst>
+        </p:spPr>
+      </p:pic>
+      <p:pic>
+        <p:nvPicPr>
+          <p:cNvPr id="3074" name="Picture 2" descr="http://lense.institutoptique.fr/wp-content/uploads/2020/04/TFD.png"/>
+          <p:cNvPicPr>
+            <a:picLocks noChangeAspect="1" noChangeArrowheads="1"/>
+          </p:cNvPicPr>
+          <p:nvPr/>
+        </p:nvPicPr>
+        <p:blipFill>
+          <a:blip r:embed="rId4">
+            <a:extLst>
+              <a:ext uri="{28A0092B-C50C-407E-A947-70E740481C1C}">
+                <a14:useLocalDpi xmlns:a14="http://schemas.microsoft.com/office/drawing/2010/main" val="0"/>
+              </a:ext>
+            </a:extLst>
+          </a:blip>
+          <a:srcRect/>
+          <a:stretch>
+            <a:fillRect/>
+          </a:stretch>
+        </p:blipFill>
+        <p:spPr bwMode="auto">
+          <a:xfrm>
+            <a:off x="923326" y="2323022"/>
+            <a:ext cx="7608199" cy="2044495"/>
           </a:xfrm>
           <a:prstGeom prst="rect">
             <a:avLst/>
@@ -7144,51 +7029,166 @@
           </a:extLst>
         </p:spPr>
       </p:pic>
-      <p:pic>
-        <p:nvPicPr>
-          <p:cNvPr id="2054" name="Picture 6" descr="http://lense.institutoptique.fr/wp-content/uploads/2020/04/TFaTD.png"/>
-          <p:cNvPicPr>
-            <a:picLocks noChangeAspect="1" noChangeArrowheads="1"/>
-          </p:cNvPicPr>
+      <p:cxnSp>
+        <p:nvCxnSpPr>
+          <p:cNvPr id="8" name="Connecteur droit 7"/>
+          <p:cNvCxnSpPr/>
           <p:nvPr/>
-        </p:nvPicPr>
-        <p:blipFill>
-          <a:blip r:embed="rId4">
-            <a:extLst>
-              <a:ext uri="{28A0092B-C50C-407E-A947-70E740481C1C}">
-                <a14:useLocalDpi xmlns:a14="http://schemas.microsoft.com/office/drawing/2010/main" val="0"/>
-              </a:ext>
-            </a:extLst>
-          </a:blip>
-          <a:srcRect/>
-          <a:stretch>
-            <a:fillRect/>
-          </a:stretch>
-        </p:blipFill>
-        <p:spPr bwMode="auto">
-          <a:xfrm>
-            <a:off x="2104803" y="4369974"/>
-            <a:ext cx="7896693" cy="1939386"/>
+        </p:nvCxnSpPr>
+        <p:spPr>
+          <a:xfrm flipH="1">
+            <a:off x="6514538" y="3461536"/>
+            <a:ext cx="1" cy="368592"/>
+          </a:xfrm>
+          <a:prstGeom prst="line">
+            <a:avLst/>
+          </a:prstGeom>
+          <a:ln w="38100">
+            <a:solidFill>
+              <a:srgbClr val="00B0F0"/>
+            </a:solidFill>
+            <a:prstDash val="sysDash"/>
+          </a:ln>
+        </p:spPr>
+        <p:style>
+          <a:lnRef idx="1">
+            <a:schemeClr val="accent1"/>
+          </a:lnRef>
+          <a:fillRef idx="0">
+            <a:schemeClr val="accent1"/>
+          </a:fillRef>
+          <a:effectRef idx="0">
+            <a:schemeClr val="accent1"/>
+          </a:effectRef>
+          <a:fontRef idx="minor">
+            <a:schemeClr val="tx1"/>
+          </a:fontRef>
+        </p:style>
+      </p:cxnSp>
+      <p:cxnSp>
+        <p:nvCxnSpPr>
+          <p:cNvPr id="10" name="Connecteur droit 9"/>
+          <p:cNvCxnSpPr/>
+          <p:nvPr/>
+        </p:nvCxnSpPr>
+        <p:spPr>
+          <a:xfrm flipH="1">
+            <a:off x="7736614" y="3429640"/>
+            <a:ext cx="1" cy="368592"/>
+          </a:xfrm>
+          <a:prstGeom prst="line">
+            <a:avLst/>
+          </a:prstGeom>
+          <a:ln w="38100">
+            <a:solidFill>
+              <a:srgbClr val="00B0F0"/>
+            </a:solidFill>
+            <a:prstDash val="sysDash"/>
+          </a:ln>
+        </p:spPr>
+        <p:style>
+          <a:lnRef idx="1">
+            <a:schemeClr val="accent1"/>
+          </a:lnRef>
+          <a:fillRef idx="0">
+            <a:schemeClr val="accent1"/>
+          </a:fillRef>
+          <a:effectRef idx="0">
+            <a:schemeClr val="accent1"/>
+          </a:effectRef>
+          <a:fontRef idx="minor">
+            <a:schemeClr val="tx1"/>
+          </a:fontRef>
+        </p:style>
+      </p:cxnSp>
+      <p:sp>
+        <p:nvSpPr>
+          <p:cNvPr id="11" name="ZoneTexte 10"/>
+          <p:cNvSpPr txBox="1"/>
+          <p:nvPr/>
+        </p:nvSpPr>
+        <p:spPr>
+          <a:xfrm>
+            <a:off x="7736615" y="3595405"/>
+            <a:ext cx="333746" cy="369332"/>
           </a:xfrm>
           <a:prstGeom prst="rect">
             <a:avLst/>
           </a:prstGeom>
           <a:noFill/>
-          <a:extLst>
-            <a:ext uri="{909E8E84-426E-40DD-AFC4-6F175D3DCCD1}">
-              <a14:hiddenFill xmlns:a14="http://schemas.microsoft.com/office/drawing/2010/main">
-                <a:solidFill>
-                  <a:srgbClr val="FFFFFF"/>
-                </a:solidFill>
-              </a14:hiddenFill>
-            </a:ext>
-          </a:extLst>
-        </p:spPr>
-      </p:pic>
+        </p:spPr>
+        <p:txBody>
+          <a:bodyPr wrap="none" rtlCol="0">
+            <a:spAutoFit/>
+          </a:bodyPr>
+          <a:lstStyle/>
+          <a:p>
+            <a:r>
+              <a:rPr lang="fr-FR" dirty="0" err="1">
+                <a:solidFill>
+                  <a:srgbClr val="0070C0"/>
+                </a:solidFill>
+              </a:rPr>
+              <a:t>f</a:t>
+            </a:r>
+            <a:r>
+              <a:rPr lang="fr-FR" baseline="-25000" dirty="0" err="1">
+                <a:solidFill>
+                  <a:srgbClr val="0070C0"/>
+                </a:solidFill>
+              </a:rPr>
+              <a:t>e</a:t>
+            </a:r>
+            <a:endParaRPr lang="fr-FR" baseline="-25000" dirty="0">
+              <a:solidFill>
+                <a:srgbClr val="0070C0"/>
+              </a:solidFill>
+            </a:endParaRPr>
+          </a:p>
+        </p:txBody>
+      </p:sp>
+      <p:sp>
+        <p:nvSpPr>
+          <p:cNvPr id="12" name="ZoneTexte 11"/>
+          <p:cNvSpPr txBox="1"/>
+          <p:nvPr/>
+        </p:nvSpPr>
+        <p:spPr>
+          <a:xfrm>
+            <a:off x="6482680" y="3620752"/>
+            <a:ext cx="312906" cy="369332"/>
+          </a:xfrm>
+          <a:prstGeom prst="rect">
+            <a:avLst/>
+          </a:prstGeom>
+          <a:noFill/>
+        </p:spPr>
+        <p:txBody>
+          <a:bodyPr wrap="none" rtlCol="0">
+            <a:spAutoFit/>
+          </a:bodyPr>
+          <a:lstStyle/>
+          <a:p>
+            <a:r>
+              <a:rPr lang="fr-FR" dirty="0">
+                <a:solidFill>
+                  <a:srgbClr val="0070C0"/>
+                </a:solidFill>
+              </a:rPr>
+              <a:t>0</a:t>
+            </a:r>
+            <a:endParaRPr lang="fr-FR" baseline="-25000" dirty="0">
+              <a:solidFill>
+                <a:srgbClr val="0070C0"/>
+              </a:solidFill>
+            </a:endParaRPr>
+          </a:p>
+        </p:txBody>
+      </p:sp>
     </p:spTree>
     <p:extLst>
       <p:ext uri="{BB962C8B-B14F-4D97-AF65-F5344CB8AC3E}">
-        <p14:creationId xmlns:p14="http://schemas.microsoft.com/office/powerpoint/2010/main" val="918715071"/>
+        <p14:creationId xmlns:p14="http://schemas.microsoft.com/office/powerpoint/2010/main" val="2339591794"/>
       </p:ext>
     </p:extLst>
   </p:cSld>
@@ -7287,7 +7287,7 @@
         </p:nvSpPr>
         <p:spPr>
           <a:xfrm>
-            <a:off x="8531525" y="4048370"/>
+            <a:off x="8483930" y="2323022"/>
             <a:ext cx="3156633" cy="351378"/>
           </a:xfrm>
           <a:prstGeom prst="rect">
@@ -7382,7 +7382,7 @@
         </p:blipFill>
         <p:spPr bwMode="auto">
           <a:xfrm>
-            <a:off x="6596003" y="4586737"/>
+            <a:off x="6548408" y="2861389"/>
             <a:ext cx="5276850" cy="876300"/>
           </a:xfrm>
           <a:prstGeom prst="rect">
@@ -7447,7 +7447,7 @@
         <p:spPr bwMode="auto">
           <a:xfrm>
             <a:off x="923326" y="2323022"/>
-            <a:ext cx="7608199" cy="2044495"/>
+            <a:ext cx="4734931" cy="1272383"/>
           </a:xfrm>
           <a:prstGeom prst="rect">
             <a:avLst/>
@@ -7464,88 +7464,16 @@
           </a:extLst>
         </p:spPr>
       </p:pic>
-      <p:cxnSp>
-        <p:nvCxnSpPr>
-          <p:cNvPr id="8" name="Connecteur droit 7"/>
-          <p:cNvCxnSpPr/>
-          <p:nvPr/>
-        </p:nvCxnSpPr>
-        <p:spPr>
-          <a:xfrm flipH="1">
-            <a:off x="6514538" y="3461536"/>
-            <a:ext cx="1" cy="368592"/>
-          </a:xfrm>
-          <a:prstGeom prst="line">
-            <a:avLst/>
-          </a:prstGeom>
-          <a:ln w="38100">
-            <a:solidFill>
-              <a:srgbClr val="00B0F0"/>
-            </a:solidFill>
-            <a:prstDash val="sysDash"/>
-          </a:ln>
-        </p:spPr>
-        <p:style>
-          <a:lnRef idx="1">
-            <a:schemeClr val="accent1"/>
-          </a:lnRef>
-          <a:fillRef idx="0">
-            <a:schemeClr val="accent1"/>
-          </a:fillRef>
-          <a:effectRef idx="0">
-            <a:schemeClr val="accent1"/>
-          </a:effectRef>
-          <a:fontRef idx="minor">
-            <a:schemeClr val="tx1"/>
-          </a:fontRef>
-        </p:style>
-      </p:cxnSp>
-      <p:cxnSp>
-        <p:nvCxnSpPr>
-          <p:cNvPr id="10" name="Connecteur droit 9"/>
-          <p:cNvCxnSpPr/>
-          <p:nvPr/>
-        </p:nvCxnSpPr>
-        <p:spPr>
-          <a:xfrm flipH="1">
-            <a:off x="7736614" y="3429640"/>
-            <a:ext cx="1" cy="368592"/>
-          </a:xfrm>
-          <a:prstGeom prst="line">
-            <a:avLst/>
-          </a:prstGeom>
-          <a:ln w="38100">
-            <a:solidFill>
-              <a:srgbClr val="00B0F0"/>
-            </a:solidFill>
-            <a:prstDash val="sysDash"/>
-          </a:ln>
-        </p:spPr>
-        <p:style>
-          <a:lnRef idx="1">
-            <a:schemeClr val="accent1"/>
-          </a:lnRef>
-          <a:fillRef idx="0">
-            <a:schemeClr val="accent1"/>
-          </a:fillRef>
-          <a:effectRef idx="0">
-            <a:schemeClr val="accent1"/>
-          </a:effectRef>
-          <a:fontRef idx="minor">
-            <a:schemeClr val="tx1"/>
-          </a:fontRef>
-        </p:style>
-      </p:cxnSp>
       <p:sp>
         <p:nvSpPr>
-          <p:cNvPr id="11" name="ZoneTexte 10"/>
+          <p:cNvPr id="7" name="ZoneTexte 6"/>
           <p:cNvSpPr txBox="1"/>
           <p:nvPr/>
         </p:nvSpPr>
         <p:spPr>
           <a:xfrm>
-            <a:off x="7736615" y="3595405"/>
-            <a:ext cx="333746" cy="369332"/>
+            <a:off x="1821149" y="3958641"/>
+            <a:ext cx="8020914" cy="1815882"/>
           </a:xfrm>
           <a:prstGeom prst="rect">
             <a:avLst/>
@@ -7559,71 +7487,141 @@
           <a:lstStyle/>
           <a:p>
             <a:r>
-              <a:rPr lang="fr-FR" dirty="0" err="1">
-                <a:solidFill>
-                  <a:srgbClr val="0070C0"/>
-                </a:solidFill>
-              </a:rPr>
-              <a:t>f</a:t>
-            </a:r>
-            <a:r>
-              <a:rPr lang="fr-FR" baseline="-25000" dirty="0" err="1">
-                <a:solidFill>
-                  <a:srgbClr val="0070C0"/>
-                </a:solidFill>
-              </a:rPr>
-              <a:t>e</a:t>
-            </a:r>
-            <a:endParaRPr lang="fr-FR" baseline="-25000" dirty="0">
-              <a:solidFill>
-                <a:srgbClr val="0070C0"/>
-              </a:solidFill>
-            </a:endParaRPr>
-          </a:p>
-        </p:txBody>
-      </p:sp>
-      <p:sp>
-        <p:nvSpPr>
-          <p:cNvPr id="12" name="ZoneTexte 11"/>
-          <p:cNvSpPr txBox="1"/>
-          <p:nvPr/>
-        </p:nvSpPr>
-        <p:spPr>
-          <a:xfrm>
-            <a:off x="6482680" y="3620752"/>
-            <a:ext cx="312906" cy="369332"/>
-          </a:xfrm>
-          <a:prstGeom prst="rect">
-            <a:avLst/>
-          </a:prstGeom>
-          <a:noFill/>
-        </p:spPr>
-        <p:txBody>
-          <a:bodyPr wrap="none" rtlCol="0">
-            <a:spAutoFit/>
-          </a:bodyPr>
-          <a:lstStyle/>
-          <a:p>
-            <a:r>
-              <a:rPr lang="fr-FR" dirty="0">
-                <a:solidFill>
-                  <a:srgbClr val="0070C0"/>
-                </a:solidFill>
-              </a:rPr>
-              <a:t>0</a:t>
-            </a:r>
-            <a:endParaRPr lang="fr-FR" baseline="-25000" dirty="0">
-              <a:solidFill>
-                <a:srgbClr val="0070C0"/>
-              </a:solidFill>
-            </a:endParaRPr>
+              <a:rPr lang="en-US" sz="1600" dirty="0"/>
+              <a:t>If </a:t>
+            </a:r>
+            <a:r>
+              <a:rPr lang="en-US" sz="1600" b="1" dirty="0"/>
+              <a:t>A = </a:t>
+            </a:r>
+            <a:r>
+              <a:rPr lang="en-US" sz="1600" b="1" dirty="0" err="1"/>
+              <a:t>fft</a:t>
+            </a:r>
+            <a:r>
+              <a:rPr lang="en-US" sz="1600" b="1" dirty="0"/>
+              <a:t>(a, n)</a:t>
+            </a:r>
+            <a:r>
+              <a:rPr lang="en-US" sz="1600" dirty="0"/>
+              <a:t>,</a:t>
+            </a:r>
+            <a:r>
+              <a:rPr lang="en-US" sz="1600" b="1" dirty="0"/>
+              <a:t> </a:t>
+            </a:r>
+            <a:r>
+              <a:rPr lang="en-US" sz="1600" dirty="0"/>
+              <a:t>then </a:t>
+            </a:r>
+            <a:r>
+              <a:rPr lang="en-US" sz="1600" b="1" dirty="0"/>
+              <a:t>A[0] </a:t>
+            </a:r>
+            <a:r>
+              <a:rPr lang="en-US" sz="1600" dirty="0"/>
+              <a:t>contains the zero-frequency term </a:t>
+            </a:r>
+          </a:p>
+          <a:p>
+            <a:r>
+              <a:rPr lang="en-US" sz="1600" dirty="0"/>
+              <a:t>	Then </a:t>
+            </a:r>
+            <a:r>
+              <a:rPr lang="en-US" sz="1600" b="1" dirty="0"/>
+              <a:t>A[1:n/2]</a:t>
+            </a:r>
+            <a:r>
+              <a:rPr lang="en-US" sz="1600" dirty="0"/>
+              <a:t> contains the positive-frequency terms, </a:t>
+            </a:r>
+          </a:p>
+          <a:p>
+            <a:r>
+              <a:rPr lang="en-US" sz="1600" dirty="0"/>
+              <a:t>	and </a:t>
+            </a:r>
+            <a:r>
+              <a:rPr lang="en-US" sz="1600" b="1" dirty="0"/>
+              <a:t>A[n/2+1:]</a:t>
+            </a:r>
+            <a:r>
+              <a:rPr lang="en-US" sz="1600" dirty="0"/>
+              <a:t> contains the negative-frequency terms</a:t>
+            </a:r>
+          </a:p>
+          <a:p>
+            <a:r>
+              <a:rPr lang="en-US" sz="1600" dirty="0"/>
+              <a:t>For an </a:t>
+            </a:r>
+            <a:r>
+              <a:rPr lang="en-US" sz="1600" b="1" dirty="0"/>
+              <a:t>even number </a:t>
+            </a:r>
+            <a:r>
+              <a:rPr lang="en-US" sz="1600" dirty="0"/>
+              <a:t>of input points, </a:t>
+            </a:r>
+            <a:r>
+              <a:rPr lang="en-US" sz="1600" b="1" dirty="0"/>
+              <a:t>A[n/2]</a:t>
+            </a:r>
+            <a:r>
+              <a:rPr lang="en-US" sz="1600" dirty="0"/>
+              <a:t> represents </a:t>
+            </a:r>
+          </a:p>
+          <a:p>
+            <a:r>
+              <a:rPr lang="en-US" sz="1600" dirty="0"/>
+              <a:t>	both positive and negative Nyquist frequency, </a:t>
+            </a:r>
+          </a:p>
+          <a:p>
+            <a:r>
+              <a:rPr lang="en-US" sz="1600" dirty="0"/>
+              <a:t>For an </a:t>
+            </a:r>
+            <a:r>
+              <a:rPr lang="en-US" sz="1600" b="1" dirty="0"/>
+              <a:t>odd number </a:t>
+            </a:r>
+            <a:r>
+              <a:rPr lang="en-US" sz="1600" dirty="0"/>
+              <a:t>of input points, </a:t>
+            </a:r>
+            <a:r>
+              <a:rPr lang="en-US" sz="1600" b="1" dirty="0"/>
+              <a:t>A[(n-1)/2]</a:t>
+            </a:r>
+            <a:r>
+              <a:rPr lang="en-US" sz="1600" dirty="0"/>
+              <a:t> contains the largest positive frequency, </a:t>
+            </a:r>
+          </a:p>
+          <a:p>
+            <a:r>
+              <a:rPr lang="en-US" sz="1600" dirty="0"/>
+              <a:t>	while </a:t>
+            </a:r>
+            <a:r>
+              <a:rPr lang="en-US" sz="1600" b="1" dirty="0"/>
+              <a:t>A[(n+1)/2] </a:t>
+            </a:r>
+            <a:r>
+              <a:rPr lang="en-US" sz="1600" dirty="0"/>
+              <a:t>contains the largest negative frequency. </a:t>
+            </a:r>
+            <a:endParaRPr lang="fr-FR" sz="1600" dirty="0"/>
           </a:p>
         </p:txBody>
       </p:sp>
     </p:spTree>
     <p:extLst>
       <p:ext uri="{BB962C8B-B14F-4D97-AF65-F5344CB8AC3E}">
-        <p14:creationId xmlns:p14="http://schemas.microsoft.com/office/powerpoint/2010/main" val="2339591794"/>
+        <p14:creationId xmlns:p14="http://schemas.microsoft.com/office/powerpoint/2010/main" val="3513499383"/>
       </p:ext>
     </p:extLst>
   </p:cSld>
@@ -7672,439 +7670,6 @@
           <a:lstStyle/>
           <a:p>
             <a:r>
-              <a:rPr lang="fr-FR" dirty="0"/>
-              <a:t>Rappel sur la FFT</a:t>
-            </a:r>
-          </a:p>
-        </p:txBody>
-      </p:sp>
-      <p:pic>
-        <p:nvPicPr>
-          <p:cNvPr id="5" name="Image 4" descr="Une image contenant texte&#10;&#10;Description générée automatiquement">
-            <a:extLst>
-              <a:ext uri="{FF2B5EF4-FFF2-40B4-BE49-F238E27FC236}">
-                <a16:creationId xmlns:a16="http://schemas.microsoft.com/office/drawing/2014/main" id="{204ADC40-1D61-539F-22ED-6B21D67FBDE6}"/>
-              </a:ext>
-            </a:extLst>
-          </p:cNvPr>
-          <p:cNvPicPr>
-            <a:picLocks noChangeAspect="1"/>
-          </p:cNvPicPr>
-          <p:nvPr/>
-        </p:nvPicPr>
-        <p:blipFill>
-          <a:blip r:embed="rId2" cstate="print">
-            <a:extLst>
-              <a:ext uri="{28A0092B-C50C-407E-A947-70E740481C1C}">
-                <a14:useLocalDpi xmlns:a14="http://schemas.microsoft.com/office/drawing/2010/main" val="0"/>
-              </a:ext>
-            </a:extLst>
-          </a:blip>
-          <a:stretch>
-            <a:fillRect/>
-          </a:stretch>
-        </p:blipFill>
-        <p:spPr>
-          <a:xfrm>
-            <a:off x="202922" y="5934456"/>
-            <a:ext cx="1825291" cy="749808"/>
-          </a:xfrm>
-          <a:prstGeom prst="rect">
-            <a:avLst/>
-          </a:prstGeom>
-        </p:spPr>
-      </p:pic>
-      <p:sp>
-        <p:nvSpPr>
-          <p:cNvPr id="3" name="Rectangle 2"/>
-          <p:cNvSpPr/>
-          <p:nvPr/>
-        </p:nvSpPr>
-        <p:spPr>
-          <a:xfrm>
-            <a:off x="8483930" y="2323022"/>
-            <a:ext cx="3156633" cy="351378"/>
-          </a:xfrm>
-          <a:prstGeom prst="rect">
-            <a:avLst/>
-          </a:prstGeom>
-        </p:spPr>
-        <p:txBody>
-          <a:bodyPr wrap="none">
-            <a:spAutoFit/>
-          </a:bodyPr>
-          <a:lstStyle/>
-          <a:p>
-            <a:pPr lvl="1" algn="just">
-              <a:lnSpc>
-                <a:spcPct val="115000"/>
-              </a:lnSpc>
-            </a:pPr>
-            <a:r>
-              <a:rPr lang="fr-FR" sz="1600" b="1" dirty="0" err="1">
-                <a:solidFill>
-                  <a:srgbClr val="E36C0A"/>
-                </a:solidFill>
-                <a:latin typeface="Arial" panose="020B0604020202020204" pitchFamily="34" charset="0"/>
-                <a:ea typeface="Arial" panose="020B0604020202020204" pitchFamily="34" charset="0"/>
-              </a:rPr>
-              <a:t>numpy</a:t>
-            </a:r>
-            <a:r>
-              <a:rPr lang="fr-FR" sz="1600" b="1" dirty="0">
-                <a:solidFill>
-                  <a:srgbClr val="1155CC"/>
-                </a:solidFill>
-                <a:latin typeface="Arial" panose="020B0604020202020204" pitchFamily="34" charset="0"/>
-                <a:ea typeface="Arial" panose="020B0604020202020204" pitchFamily="34" charset="0"/>
-              </a:rPr>
-              <a:t>  .</a:t>
-            </a:r>
-            <a:r>
-              <a:rPr lang="fr-FR" sz="1600" b="1" dirty="0" err="1">
-                <a:solidFill>
-                  <a:srgbClr val="1155CC"/>
-                </a:solidFill>
-                <a:latin typeface="Arial" panose="020B0604020202020204" pitchFamily="34" charset="0"/>
-                <a:ea typeface="Arial" panose="020B0604020202020204" pitchFamily="34" charset="0"/>
-              </a:rPr>
-              <a:t>fft.fft</a:t>
-            </a:r>
-            <a:r>
-              <a:rPr lang="fr-FR" sz="1600" b="1" dirty="0">
-                <a:solidFill>
-                  <a:srgbClr val="1155CC"/>
-                </a:solidFill>
-                <a:latin typeface="Arial" panose="020B0604020202020204" pitchFamily="34" charset="0"/>
-                <a:ea typeface="Arial" panose="020B0604020202020204" pitchFamily="34" charset="0"/>
-              </a:rPr>
-              <a:t>    .</a:t>
-            </a:r>
-            <a:r>
-              <a:rPr lang="fr-FR" sz="1600" b="1" dirty="0" err="1">
-                <a:solidFill>
-                  <a:srgbClr val="1155CC"/>
-                </a:solidFill>
-                <a:latin typeface="Arial" panose="020B0604020202020204" pitchFamily="34" charset="0"/>
-                <a:ea typeface="Arial" panose="020B0604020202020204" pitchFamily="34" charset="0"/>
-              </a:rPr>
-              <a:t>fft.fftshift</a:t>
-            </a:r>
-            <a:endParaRPr lang="fr-FR" sz="1600" b="1" dirty="0"/>
-          </a:p>
-        </p:txBody>
-      </p:sp>
-      <p:pic>
-        <p:nvPicPr>
-          <p:cNvPr id="2050" name="Picture 2"/>
-          <p:cNvPicPr>
-            <a:picLocks noChangeAspect="1" noChangeArrowheads="1"/>
-          </p:cNvPicPr>
-          <p:nvPr/>
-        </p:nvPicPr>
-        <p:blipFill>
-          <a:blip r:embed="rId3">
-            <a:extLst>
-              <a:ext uri="{28A0092B-C50C-407E-A947-70E740481C1C}">
-                <a14:useLocalDpi xmlns:a14="http://schemas.microsoft.com/office/drawing/2010/main" val="0"/>
-              </a:ext>
-            </a:extLst>
-          </a:blip>
-          <a:srcRect/>
-          <a:stretch>
-            <a:fillRect/>
-          </a:stretch>
-        </p:blipFill>
-        <p:spPr bwMode="auto">
-          <a:xfrm>
-            <a:off x="6548408" y="2861389"/>
-            <a:ext cx="5276850" cy="876300"/>
-          </a:xfrm>
-          <a:prstGeom prst="rect">
-            <a:avLst/>
-          </a:prstGeom>
-          <a:noFill/>
-          <a:ln>
-            <a:noFill/>
-          </a:ln>
-          <a:effectLst/>
-          <a:extLst>
-            <a:ext uri="{909E8E84-426E-40DD-AFC4-6F175D3DCCD1}">
-              <a14:hiddenFill xmlns:a14="http://schemas.microsoft.com/office/drawing/2010/main">
-                <a:solidFill>
-                  <a:schemeClr val="accent1"/>
-                </a:solidFill>
-              </a14:hiddenFill>
-            </a:ext>
-            <a:ext uri="{91240B29-F687-4F45-9708-019B960494DF}">
-              <a14:hiddenLine xmlns:a14="http://schemas.microsoft.com/office/drawing/2010/main" w="9525">
-                <a:solidFill>
-                  <a:schemeClr val="tx1"/>
-                </a:solidFill>
-                <a:miter lim="800000"/>
-                <a:headEnd/>
-                <a:tailEnd/>
-              </a14:hiddenLine>
-            </a:ext>
-            <a:ext uri="{AF507438-7753-43E0-B8FC-AC1667EBCBE1}">
-              <a14:hiddenEffects xmlns:a14="http://schemas.microsoft.com/office/drawing/2010/main">
-                <a:effectLst>
-                  <a:outerShdw dist="35921" dir="2700000" algn="ctr" rotWithShape="0">
-                    <a:schemeClr val="bg2"/>
-                  </a:outerShdw>
-                </a:effectLst>
-              </a14:hiddenEffects>
-            </a:ext>
-          </a:extLst>
-        </p:spPr>
-      </p:pic>
-      <p:pic>
-        <p:nvPicPr>
-          <p:cNvPr id="3074" name="Picture 2" descr="http://lense.institutoptique.fr/wp-content/uploads/2020/04/TFD.png"/>
-          <p:cNvPicPr>
-            <a:picLocks noChangeAspect="1" noChangeArrowheads="1"/>
-          </p:cNvPicPr>
-          <p:nvPr/>
-        </p:nvPicPr>
-        <p:blipFill>
-          <a:blip r:embed="rId4">
-            <a:extLst>
-              <a:ext uri="{28A0092B-C50C-407E-A947-70E740481C1C}">
-                <a14:useLocalDpi xmlns:a14="http://schemas.microsoft.com/office/drawing/2010/main" val="0"/>
-              </a:ext>
-            </a:extLst>
-          </a:blip>
-          <a:srcRect/>
-          <a:stretch>
-            <a:fillRect/>
-          </a:stretch>
-        </p:blipFill>
-        <p:spPr bwMode="auto">
-          <a:xfrm>
-            <a:off x="923326" y="2323022"/>
-            <a:ext cx="4734931" cy="1272383"/>
-          </a:xfrm>
-          <a:prstGeom prst="rect">
-            <a:avLst/>
-          </a:prstGeom>
-          <a:noFill/>
-          <a:extLst>
-            <a:ext uri="{909E8E84-426E-40DD-AFC4-6F175D3DCCD1}">
-              <a14:hiddenFill xmlns:a14="http://schemas.microsoft.com/office/drawing/2010/main">
-                <a:solidFill>
-                  <a:srgbClr val="FFFFFF"/>
-                </a:solidFill>
-              </a14:hiddenFill>
-            </a:ext>
-          </a:extLst>
-        </p:spPr>
-      </p:pic>
-      <p:sp>
-        <p:nvSpPr>
-          <p:cNvPr id="7" name="ZoneTexte 6"/>
-          <p:cNvSpPr txBox="1"/>
-          <p:nvPr/>
-        </p:nvSpPr>
-        <p:spPr>
-          <a:xfrm>
-            <a:off x="1821149" y="3958641"/>
-            <a:ext cx="8020914" cy="1815882"/>
-          </a:xfrm>
-          <a:prstGeom prst="rect">
-            <a:avLst/>
-          </a:prstGeom>
-          <a:noFill/>
-        </p:spPr>
-        <p:txBody>
-          <a:bodyPr wrap="none" rtlCol="0">
-            <a:spAutoFit/>
-          </a:bodyPr>
-          <a:lstStyle/>
-          <a:p>
-            <a:r>
-              <a:rPr lang="en-US" sz="1600" dirty="0"/>
-              <a:t>If </a:t>
-            </a:r>
-            <a:r>
-              <a:rPr lang="en-US" sz="1600" b="1" dirty="0"/>
-              <a:t>A = </a:t>
-            </a:r>
-            <a:r>
-              <a:rPr lang="en-US" sz="1600" b="1" dirty="0" err="1"/>
-              <a:t>fft</a:t>
-            </a:r>
-            <a:r>
-              <a:rPr lang="en-US" sz="1600" b="1" dirty="0"/>
-              <a:t>(a, n)</a:t>
-            </a:r>
-            <a:r>
-              <a:rPr lang="en-US" sz="1600" dirty="0"/>
-              <a:t>,</a:t>
-            </a:r>
-            <a:r>
-              <a:rPr lang="en-US" sz="1600" b="1" dirty="0"/>
-              <a:t> </a:t>
-            </a:r>
-            <a:r>
-              <a:rPr lang="en-US" sz="1600" dirty="0"/>
-              <a:t>then </a:t>
-            </a:r>
-            <a:r>
-              <a:rPr lang="en-US" sz="1600" b="1" dirty="0"/>
-              <a:t>A[0] </a:t>
-            </a:r>
-            <a:r>
-              <a:rPr lang="en-US" sz="1600" dirty="0"/>
-              <a:t>contains the zero-frequency term </a:t>
-            </a:r>
-          </a:p>
-          <a:p>
-            <a:r>
-              <a:rPr lang="en-US" sz="1600" dirty="0"/>
-              <a:t>	Then </a:t>
-            </a:r>
-            <a:r>
-              <a:rPr lang="en-US" sz="1600" b="1" dirty="0"/>
-              <a:t>A[1:n/2]</a:t>
-            </a:r>
-            <a:r>
-              <a:rPr lang="en-US" sz="1600" dirty="0"/>
-              <a:t> contains the positive-frequency terms, </a:t>
-            </a:r>
-          </a:p>
-          <a:p>
-            <a:r>
-              <a:rPr lang="en-US" sz="1600" dirty="0"/>
-              <a:t>	and </a:t>
-            </a:r>
-            <a:r>
-              <a:rPr lang="en-US" sz="1600" b="1" dirty="0"/>
-              <a:t>A[n/2+1:]</a:t>
-            </a:r>
-            <a:r>
-              <a:rPr lang="en-US" sz="1600" dirty="0"/>
-              <a:t> contains the negative-frequency terms</a:t>
-            </a:r>
-          </a:p>
-          <a:p>
-            <a:r>
-              <a:rPr lang="en-US" sz="1600" dirty="0"/>
-              <a:t>For an </a:t>
-            </a:r>
-            <a:r>
-              <a:rPr lang="en-US" sz="1600" b="1" dirty="0"/>
-              <a:t>even number </a:t>
-            </a:r>
-            <a:r>
-              <a:rPr lang="en-US" sz="1600" dirty="0"/>
-              <a:t>of input points, </a:t>
-            </a:r>
-            <a:r>
-              <a:rPr lang="en-US" sz="1600" b="1" dirty="0"/>
-              <a:t>A[n/2]</a:t>
-            </a:r>
-            <a:r>
-              <a:rPr lang="en-US" sz="1600" dirty="0"/>
-              <a:t> represents </a:t>
-            </a:r>
-          </a:p>
-          <a:p>
-            <a:r>
-              <a:rPr lang="en-US" sz="1600" dirty="0"/>
-              <a:t>	both positive and negative Nyquist frequency, </a:t>
-            </a:r>
-          </a:p>
-          <a:p>
-            <a:r>
-              <a:rPr lang="en-US" sz="1600" dirty="0"/>
-              <a:t>For an </a:t>
-            </a:r>
-            <a:r>
-              <a:rPr lang="en-US" sz="1600" b="1" dirty="0"/>
-              <a:t>odd number </a:t>
-            </a:r>
-            <a:r>
-              <a:rPr lang="en-US" sz="1600" dirty="0"/>
-              <a:t>of input points, </a:t>
-            </a:r>
-            <a:r>
-              <a:rPr lang="en-US" sz="1600" b="1" dirty="0"/>
-              <a:t>A[(n-1)/2]</a:t>
-            </a:r>
-            <a:r>
-              <a:rPr lang="en-US" sz="1600" dirty="0"/>
-              <a:t> contains the largest positive frequency, </a:t>
-            </a:r>
-          </a:p>
-          <a:p>
-            <a:r>
-              <a:rPr lang="en-US" sz="1600" dirty="0"/>
-              <a:t>	while </a:t>
-            </a:r>
-            <a:r>
-              <a:rPr lang="en-US" sz="1600" b="1" dirty="0"/>
-              <a:t>A[(n+1)/2] </a:t>
-            </a:r>
-            <a:r>
-              <a:rPr lang="en-US" sz="1600" dirty="0"/>
-              <a:t>contains the largest negative frequency. </a:t>
-            </a:r>
-            <a:endParaRPr lang="fr-FR" sz="1600" dirty="0"/>
-          </a:p>
-        </p:txBody>
-      </p:sp>
-    </p:spTree>
-    <p:extLst>
-      <p:ext uri="{BB962C8B-B14F-4D97-AF65-F5344CB8AC3E}">
-        <p14:creationId xmlns:p14="http://schemas.microsoft.com/office/powerpoint/2010/main" val="3513499383"/>
-      </p:ext>
-    </p:extLst>
-  </p:cSld>
-  <p:clrMapOvr>
-    <a:masterClrMapping/>
-  </p:clrMapOvr>
-</p:sld>
-</file>
-
-<file path=ppt/slides/slide16.xml><?xml version="1.0" encoding="utf-8"?>
-<p:sld xmlns:a="http://schemas.openxmlformats.org/drawingml/2006/main" xmlns:r="http://schemas.openxmlformats.org/officeDocument/2006/relationships" xmlns:p="http://schemas.openxmlformats.org/presentationml/2006/main">
-  <p:cSld>
-    <p:spTree>
-      <p:nvGrpSpPr>
-        <p:cNvPr id="1" name=""/>
-        <p:cNvGrpSpPr/>
-        <p:nvPr/>
-      </p:nvGrpSpPr>
-      <p:grpSpPr>
-        <a:xfrm>
-          <a:off x="0" y="0"/>
-          <a:ext cx="0" cy="0"/>
-          <a:chOff x="0" y="0"/>
-          <a:chExt cx="0" cy="0"/>
-        </a:xfrm>
-      </p:grpSpPr>
-      <p:sp>
-        <p:nvSpPr>
-          <p:cNvPr id="2" name="Titre 1">
-            <a:extLst>
-              <a:ext uri="{FF2B5EF4-FFF2-40B4-BE49-F238E27FC236}">
-                <a16:creationId xmlns:a16="http://schemas.microsoft.com/office/drawing/2014/main" id="{90162AE8-C1B0-5C56-8313-DEE494F38273}"/>
-              </a:ext>
-            </a:extLst>
-          </p:cNvPr>
-          <p:cNvSpPr>
-            <a:spLocks noGrp="1"/>
-          </p:cNvSpPr>
-          <p:nvPr>
-            <p:ph type="title"/>
-          </p:nvPr>
-        </p:nvSpPr>
-        <p:spPr/>
-        <p:txBody>
-          <a:bodyPr/>
-          <a:lstStyle/>
-          <a:p>
-            <a:r>
               <a:rPr lang="fr-FR"/>
               <a:t>Format Binaire 64</a:t>
             </a:r>
@@ -8937,7 +8502,7 @@
 </p:sld>
 </file>
 
-<file path=ppt/slides/slide17.xml><?xml version="1.0" encoding="utf-8"?>
+<file path=ppt/slides/slide16.xml><?xml version="1.0" encoding="utf-8"?>
 <p:sld xmlns:a="http://schemas.openxmlformats.org/drawingml/2006/main" xmlns:r="http://schemas.openxmlformats.org/officeDocument/2006/relationships" xmlns:p="http://schemas.openxmlformats.org/presentationml/2006/main">
   <p:cSld>
     <p:spTree>
@@ -9411,59 +8976,7 @@
           <a:p>
             <a:r>
               <a:rPr lang="fr-FR" dirty="0"/>
-              <a:t>Déroulement </a:t>
-            </a:r>
-            <a:r>
-              <a:rPr lang="fr-FR"/>
-              <a:t>du bloc 3</a:t>
-            </a:r>
-            <a:endParaRPr lang="fr-FR" dirty="0"/>
-          </a:p>
-        </p:txBody>
-      </p:sp>
-      <p:sp>
-        <p:nvSpPr>
-          <p:cNvPr id="3" name="Espace réservé du contenu 2">
-            <a:extLst>
-              <a:ext uri="{FF2B5EF4-FFF2-40B4-BE49-F238E27FC236}">
-                <a16:creationId xmlns:a16="http://schemas.microsoft.com/office/drawing/2014/main" id="{E0BBB9DE-019C-C741-F224-494739D4B752}"/>
-              </a:ext>
-            </a:extLst>
-          </p:cNvPr>
-          <p:cNvSpPr>
-            <a:spLocks noGrp="1"/>
-          </p:cNvSpPr>
-          <p:nvPr>
-            <p:ph sz="half" idx="1"/>
-          </p:nvPr>
-        </p:nvSpPr>
-        <p:spPr/>
-        <p:txBody>
-          <a:bodyPr/>
-          <a:lstStyle/>
-          <a:p>
-            <a:pPr lvl="1"/>
-            <a:endParaRPr lang="fr-FR" dirty="0"/>
-          </a:p>
-          <a:p>
-            <a:pPr lvl="1"/>
-            <a:r>
-              <a:rPr lang="fr-FR" dirty="0"/>
-              <a:t>Sur machine</a:t>
-            </a:r>
-          </a:p>
-          <a:p>
-            <a:pPr lvl="1"/>
-            <a:r>
-              <a:rPr lang="fr-FR" dirty="0"/>
-              <a:t>En binôme</a:t>
-            </a:r>
-          </a:p>
-          <a:p>
-            <a:pPr lvl="1"/>
-            <a:r>
-              <a:rPr lang="fr-FR" dirty="0"/>
-              <a:t>2 encadrant.es par séance</a:t>
+              <a:t>Déroulement du bloc AM</a:t>
             </a:r>
           </a:p>
         </p:txBody>
@@ -9504,12 +9017,275 @@
           </a:prstGeom>
         </p:spPr>
       </p:pic>
+      <p:pic>
+        <p:nvPicPr>
+          <p:cNvPr id="8" name="Picture 2" descr="https://i.stack.imgur.com/zRFh2.jpg">
+            <a:extLst>
+              <a:ext uri="{FF2B5EF4-FFF2-40B4-BE49-F238E27FC236}">
+                <a16:creationId xmlns:a16="http://schemas.microsoft.com/office/drawing/2014/main" id="{DC23EB46-F0F4-FCDF-2B8F-0806C07130A5}"/>
+              </a:ext>
+            </a:extLst>
+          </p:cNvPr>
+          <p:cNvPicPr>
+            <a:picLocks noChangeAspect="1" noChangeArrowheads="1"/>
+          </p:cNvPicPr>
+          <p:nvPr/>
+        </p:nvPicPr>
+        <p:blipFill>
+          <a:blip r:embed="rId3" cstate="print">
+            <a:extLst>
+              <a:ext uri="{28A0092B-C50C-407E-A947-70E740481C1C}">
+                <a14:useLocalDpi xmlns:a14="http://schemas.microsoft.com/office/drawing/2010/main" val="0"/>
+              </a:ext>
+            </a:extLst>
+          </a:blip>
+          <a:srcRect/>
+          <a:stretch>
+            <a:fillRect/>
+          </a:stretch>
+        </p:blipFill>
+        <p:spPr bwMode="auto">
+          <a:xfrm>
+            <a:off x="7041090" y="2872315"/>
+            <a:ext cx="1490383" cy="1100321"/>
+          </a:xfrm>
+          <a:prstGeom prst="rect">
+            <a:avLst/>
+          </a:prstGeom>
+          <a:noFill/>
+          <a:extLst>
+            <a:ext uri="{909E8E84-426E-40DD-AFC4-6F175D3DCCD1}">
+              <a14:hiddenFill xmlns:a14="http://schemas.microsoft.com/office/drawing/2010/main">
+                <a:solidFill>
+                  <a:srgbClr val="FFFFFF"/>
+                </a:solidFill>
+              </a14:hiddenFill>
+            </a:ext>
+          </a:extLst>
+        </p:spPr>
+      </p:pic>
       <p:sp>
         <p:nvSpPr>
-          <p:cNvPr id="9" name="CustomShape 3">
-            <a:extLst>
-              <a:ext uri="{FF2B5EF4-FFF2-40B4-BE49-F238E27FC236}">
-                <a16:creationId xmlns:a16="http://schemas.microsoft.com/office/drawing/2014/main" id="{7CD7374B-ED6D-6AF2-BD0B-1717C3940DB9}"/>
+          <p:cNvPr id="13" name="Espace réservé du contenu 2">
+            <a:extLst>
+              <a:ext uri="{FF2B5EF4-FFF2-40B4-BE49-F238E27FC236}">
+                <a16:creationId xmlns:a16="http://schemas.microsoft.com/office/drawing/2014/main" id="{B656B940-5854-DAE6-7917-660067C6FF5B}"/>
+              </a:ext>
+            </a:extLst>
+          </p:cNvPr>
+          <p:cNvSpPr txBox="1">
+            <a:spLocks/>
+          </p:cNvSpPr>
+          <p:nvPr/>
+        </p:nvSpPr>
+        <p:spPr>
+          <a:xfrm>
+            <a:off x="1115568" y="3319993"/>
+            <a:ext cx="4937760" cy="2646971"/>
+          </a:xfrm>
+          <a:prstGeom prst="rect">
+            <a:avLst/>
+          </a:prstGeom>
+        </p:spPr>
+        <p:txBody>
+          <a:bodyPr/>
+          <a:lstStyle>
+            <a:lvl1pPr marL="228600" indent="-228600" algn="l" defTabSz="914400" rtl="0" eaLnBrk="1" latinLnBrk="0" hangingPunct="1">
+              <a:lnSpc>
+                <a:spcPct val="110000"/>
+              </a:lnSpc>
+              <a:spcBef>
+                <a:spcPts val="1000"/>
+              </a:spcBef>
+              <a:buFont typeface="Arial" panose="020B0604020202020204" pitchFamily="34" charset="0"/>
+              <a:buChar char="•"/>
+              <a:defRPr sz="2800" kern="1200">
+                <a:solidFill>
+                  <a:schemeClr val="tx1"/>
+                </a:solidFill>
+                <a:latin typeface="+mn-lt"/>
+                <a:ea typeface="+mn-ea"/>
+                <a:cs typeface="+mn-cs"/>
+              </a:defRPr>
+            </a:lvl1pPr>
+            <a:lvl2pPr marL="685800" indent="-228600" algn="l" defTabSz="914400" rtl="0" eaLnBrk="1" latinLnBrk="0" hangingPunct="1">
+              <a:lnSpc>
+                <a:spcPct val="110000"/>
+              </a:lnSpc>
+              <a:spcBef>
+                <a:spcPts val="500"/>
+              </a:spcBef>
+              <a:buFont typeface="Arial" panose="020B0604020202020204" pitchFamily="34" charset="0"/>
+              <a:buChar char="•"/>
+              <a:defRPr sz="2400" kern="1200">
+                <a:solidFill>
+                  <a:schemeClr val="tx1"/>
+                </a:solidFill>
+                <a:latin typeface="+mn-lt"/>
+                <a:ea typeface="+mn-ea"/>
+                <a:cs typeface="+mn-cs"/>
+              </a:defRPr>
+            </a:lvl2pPr>
+            <a:lvl3pPr marL="1143000" indent="-228600" algn="l" defTabSz="914400" rtl="0" eaLnBrk="1" latinLnBrk="0" hangingPunct="1">
+              <a:lnSpc>
+                <a:spcPct val="110000"/>
+              </a:lnSpc>
+              <a:spcBef>
+                <a:spcPts val="500"/>
+              </a:spcBef>
+              <a:buFont typeface="Arial" panose="020B0604020202020204" pitchFamily="34" charset="0"/>
+              <a:buChar char="•"/>
+              <a:defRPr sz="2000" kern="1200">
+                <a:solidFill>
+                  <a:schemeClr val="tx1"/>
+                </a:solidFill>
+                <a:latin typeface="+mn-lt"/>
+                <a:ea typeface="+mn-ea"/>
+                <a:cs typeface="+mn-cs"/>
+              </a:defRPr>
+            </a:lvl3pPr>
+            <a:lvl4pPr marL="1600200" indent="-228600" algn="l" defTabSz="914400" rtl="0" eaLnBrk="1" latinLnBrk="0" hangingPunct="1">
+              <a:lnSpc>
+                <a:spcPct val="110000"/>
+              </a:lnSpc>
+              <a:spcBef>
+                <a:spcPts val="500"/>
+              </a:spcBef>
+              <a:buFont typeface="Arial" panose="020B0604020202020204" pitchFamily="34" charset="0"/>
+              <a:buChar char="•"/>
+              <a:defRPr sz="1800" kern="1200">
+                <a:solidFill>
+                  <a:schemeClr val="tx1"/>
+                </a:solidFill>
+                <a:latin typeface="+mn-lt"/>
+                <a:ea typeface="+mn-ea"/>
+                <a:cs typeface="+mn-cs"/>
+              </a:defRPr>
+            </a:lvl4pPr>
+            <a:lvl5pPr marL="2057400" indent="-228600" algn="l" defTabSz="914400" rtl="0" eaLnBrk="1" latinLnBrk="0" hangingPunct="1">
+              <a:lnSpc>
+                <a:spcPct val="110000"/>
+              </a:lnSpc>
+              <a:spcBef>
+                <a:spcPts val="500"/>
+              </a:spcBef>
+              <a:buFont typeface="Arial" panose="020B0604020202020204" pitchFamily="34" charset="0"/>
+              <a:buChar char="•"/>
+              <a:defRPr sz="1800" kern="1200">
+                <a:solidFill>
+                  <a:schemeClr val="tx1"/>
+                </a:solidFill>
+                <a:latin typeface="+mn-lt"/>
+                <a:ea typeface="+mn-ea"/>
+                <a:cs typeface="+mn-cs"/>
+              </a:defRPr>
+            </a:lvl5pPr>
+            <a:lvl6pPr marL="2514600" indent="-228600" algn="l" defTabSz="914400" rtl="0" eaLnBrk="1" latinLnBrk="0" hangingPunct="1">
+              <a:lnSpc>
+                <a:spcPct val="90000"/>
+              </a:lnSpc>
+              <a:spcBef>
+                <a:spcPts val="500"/>
+              </a:spcBef>
+              <a:buFont typeface="Arial" panose="020B0604020202020204" pitchFamily="34" charset="0"/>
+              <a:buChar char="•"/>
+              <a:defRPr sz="1800" kern="1200">
+                <a:solidFill>
+                  <a:schemeClr val="tx1"/>
+                </a:solidFill>
+                <a:latin typeface="+mn-lt"/>
+                <a:ea typeface="+mn-ea"/>
+                <a:cs typeface="+mn-cs"/>
+              </a:defRPr>
+            </a:lvl6pPr>
+            <a:lvl7pPr marL="2971800" indent="-228600" algn="l" defTabSz="914400" rtl="0" eaLnBrk="1" latinLnBrk="0" hangingPunct="1">
+              <a:lnSpc>
+                <a:spcPct val="90000"/>
+              </a:lnSpc>
+              <a:spcBef>
+                <a:spcPts val="500"/>
+              </a:spcBef>
+              <a:buFont typeface="Arial" panose="020B0604020202020204" pitchFamily="34" charset="0"/>
+              <a:buChar char="•"/>
+              <a:defRPr sz="1800" kern="1200">
+                <a:solidFill>
+                  <a:schemeClr val="tx1"/>
+                </a:solidFill>
+                <a:latin typeface="+mn-lt"/>
+                <a:ea typeface="+mn-ea"/>
+                <a:cs typeface="+mn-cs"/>
+              </a:defRPr>
+            </a:lvl7pPr>
+            <a:lvl8pPr marL="3429000" indent="-228600" algn="l" defTabSz="914400" rtl="0" eaLnBrk="1" latinLnBrk="0" hangingPunct="1">
+              <a:lnSpc>
+                <a:spcPct val="90000"/>
+              </a:lnSpc>
+              <a:spcBef>
+                <a:spcPts val="500"/>
+              </a:spcBef>
+              <a:buFont typeface="Arial" panose="020B0604020202020204" pitchFamily="34" charset="0"/>
+              <a:buChar char="•"/>
+              <a:defRPr sz="1800" kern="1200">
+                <a:solidFill>
+                  <a:schemeClr val="tx1"/>
+                </a:solidFill>
+                <a:latin typeface="+mn-lt"/>
+                <a:ea typeface="+mn-ea"/>
+                <a:cs typeface="+mn-cs"/>
+              </a:defRPr>
+            </a:lvl8pPr>
+            <a:lvl9pPr marL="3886200" indent="-228600" algn="l" defTabSz="914400" rtl="0" eaLnBrk="1" latinLnBrk="0" hangingPunct="1">
+              <a:lnSpc>
+                <a:spcPct val="90000"/>
+              </a:lnSpc>
+              <a:spcBef>
+                <a:spcPts val="500"/>
+              </a:spcBef>
+              <a:buFont typeface="Arial" panose="020B0604020202020204" pitchFamily="34" charset="0"/>
+              <a:buChar char="•"/>
+              <a:defRPr sz="1800" kern="1200">
+                <a:solidFill>
+                  <a:schemeClr val="tx1"/>
+                </a:solidFill>
+                <a:latin typeface="+mn-lt"/>
+                <a:ea typeface="+mn-ea"/>
+                <a:cs typeface="+mn-cs"/>
+              </a:defRPr>
+            </a:lvl9pPr>
+          </a:lstStyle>
+          <a:p>
+            <a:pPr lvl="1"/>
+            <a:endParaRPr lang="fr-FR" dirty="0"/>
+          </a:p>
+          <a:p>
+            <a:pPr lvl="1"/>
+            <a:r>
+              <a:rPr lang="fr-FR" dirty="0"/>
+              <a:t>Sur machine</a:t>
+            </a:r>
+          </a:p>
+          <a:p>
+            <a:pPr lvl="1"/>
+            <a:r>
+              <a:rPr lang="fr-FR" dirty="0"/>
+              <a:t>En binôme</a:t>
+            </a:r>
+          </a:p>
+          <a:p>
+            <a:pPr lvl="1"/>
+            <a:r>
+              <a:rPr lang="fr-FR" dirty="0"/>
+              <a:t>2 encadrant.es par séance</a:t>
+            </a:r>
+          </a:p>
+        </p:txBody>
+      </p:sp>
+      <p:sp>
+        <p:nvSpPr>
+          <p:cNvPr id="14" name="CustomShape 23">
+            <a:extLst>
+              <a:ext uri="{FF2B5EF4-FFF2-40B4-BE49-F238E27FC236}">
+                <a16:creationId xmlns:a16="http://schemas.microsoft.com/office/drawing/2014/main" id="{12A7023D-6FE1-7F0D-8E2F-30898AFB4280}"/>
               </a:ext>
             </a:extLst>
           </p:cNvPr>
@@ -9518,7 +9294,171 @@
         </p:nvSpPr>
         <p:spPr>
           <a:xfrm>
-            <a:off x="1115567" y="2440602"/>
+            <a:off x="6713678" y="4028555"/>
+            <a:ext cx="4554090" cy="461665"/>
+          </a:xfrm>
+          <a:prstGeom prst="rect">
+            <a:avLst/>
+          </a:prstGeom>
+          <a:solidFill>
+            <a:schemeClr val="accent2">
+              <a:lumMod val="60000"/>
+              <a:lumOff val="40000"/>
+            </a:schemeClr>
+          </a:solidFill>
+          <a:ln w="0">
+            <a:noFill/>
+          </a:ln>
+        </p:spPr>
+        <p:style>
+          <a:lnRef idx="0">
+            <a:scrgbClr r="0" g="0" b="0"/>
+          </a:lnRef>
+          <a:fillRef idx="0">
+            <a:scrgbClr r="0" g="0" b="0"/>
+          </a:fillRef>
+          <a:effectRef idx="0">
+            <a:scrgbClr r="0" g="0" b="0"/>
+          </a:effectRef>
+          <a:fontRef idx="minor"/>
+        </p:style>
+        <p:txBody>
+          <a:bodyPr wrap="square" tIns="91440" bIns="91440">
+            <a:spAutoFit/>
+          </a:bodyPr>
+          <a:lstStyle/>
+          <a:p>
+            <a:pPr algn="ctr">
+              <a:lnSpc>
+                <a:spcPct val="100000"/>
+              </a:lnSpc>
+              <a:tabLst>
+                <a:tab pos="0" algn="l"/>
+              </a:tabLst>
+            </a:pPr>
+            <a:r>
+              <a:rPr lang="fr-FR" b="1" i="1" strike="noStrike" spc="-1" dirty="0">
+                <a:solidFill>
+                  <a:srgbClr val="666666"/>
+                </a:solidFill>
+                <a:latin typeface="Trebuchet MS"/>
+                <a:ea typeface="Trebuchet MS"/>
+              </a:rPr>
+              <a:t>Bloc Laser </a:t>
+            </a:r>
+            <a:r>
+              <a:rPr lang="fr-FR" b="1" strike="noStrike" spc="-1" dirty="0">
+                <a:solidFill>
+                  <a:srgbClr val="666666"/>
+                </a:solidFill>
+                <a:latin typeface="Trebuchet MS"/>
+                <a:ea typeface="Trebuchet MS"/>
+              </a:rPr>
+              <a:t>: Traitement de données 2D</a:t>
+            </a:r>
+            <a:endParaRPr lang="fr-FR" b="0" strike="noStrike" spc="-1" dirty="0">
+              <a:latin typeface="Arial"/>
+            </a:endParaRPr>
+          </a:p>
+        </p:txBody>
+      </p:sp>
+      <p:sp>
+        <p:nvSpPr>
+          <p:cNvPr id="15" name="CustomShape 24">
+            <a:extLst>
+              <a:ext uri="{FF2B5EF4-FFF2-40B4-BE49-F238E27FC236}">
+                <a16:creationId xmlns:a16="http://schemas.microsoft.com/office/drawing/2014/main" id="{17638A84-DD1A-A9E4-E096-4A5B353A9C92}"/>
+              </a:ext>
+            </a:extLst>
+          </p:cNvPr>
+          <p:cNvSpPr/>
+          <p:nvPr/>
+        </p:nvSpPr>
+        <p:spPr>
+          <a:xfrm>
+            <a:off x="6713678" y="1803540"/>
+            <a:ext cx="4554090" cy="461665"/>
+          </a:xfrm>
+          <a:prstGeom prst="rect">
+            <a:avLst/>
+          </a:prstGeom>
+          <a:solidFill>
+            <a:schemeClr val="accent2">
+              <a:lumMod val="40000"/>
+              <a:lumOff val="60000"/>
+            </a:schemeClr>
+          </a:solidFill>
+          <a:ln w="0">
+            <a:noFill/>
+          </a:ln>
+        </p:spPr>
+        <p:style>
+          <a:lnRef idx="0">
+            <a:scrgbClr r="0" g="0" b="0"/>
+          </a:lnRef>
+          <a:fillRef idx="0">
+            <a:scrgbClr r="0" g="0" b="0"/>
+          </a:fillRef>
+          <a:effectRef idx="0">
+            <a:scrgbClr r="0" g="0" b="0"/>
+          </a:effectRef>
+          <a:fontRef idx="minor"/>
+        </p:style>
+        <p:txBody>
+          <a:bodyPr wrap="square" tIns="91440" bIns="91440">
+            <a:spAutoFit/>
+          </a:bodyPr>
+          <a:lstStyle/>
+          <a:p>
+            <a:pPr algn="ctr">
+              <a:lnSpc>
+                <a:spcPct val="100000"/>
+              </a:lnSpc>
+              <a:tabLst>
+                <a:tab pos="0" algn="l"/>
+              </a:tabLst>
+            </a:pPr>
+            <a:r>
+              <a:rPr lang="fr-FR" b="1" i="1" strike="noStrike" spc="-1" dirty="0">
+                <a:solidFill>
+                  <a:srgbClr val="666666"/>
+                </a:solidFill>
+                <a:latin typeface="Trebuchet MS"/>
+                <a:ea typeface="Trebuchet MS"/>
+              </a:rPr>
+              <a:t>Bloc AM </a:t>
+            </a:r>
+            <a:r>
+              <a:rPr lang="fr-FR" b="1" strike="noStrike" spc="-1" dirty="0">
+                <a:solidFill>
+                  <a:srgbClr val="666666"/>
+                </a:solidFill>
+                <a:latin typeface="Trebuchet MS"/>
+                <a:ea typeface="Trebuchet MS"/>
+              </a:rPr>
+              <a:t>: Traitement de données 1D</a:t>
+            </a:r>
+            <a:endParaRPr lang="fr-FR" b="0" strike="noStrike" spc="-1" dirty="0">
+              <a:latin typeface="Arial"/>
+            </a:endParaRPr>
+          </a:p>
+        </p:txBody>
+      </p:sp>
+      <p:sp>
+        <p:nvSpPr>
+          <p:cNvPr id="20" name="CustomShape 3">
+            <a:extLst>
+              <a:ext uri="{FF2B5EF4-FFF2-40B4-BE49-F238E27FC236}">
+                <a16:creationId xmlns:a16="http://schemas.microsoft.com/office/drawing/2014/main" id="{82AC2E0D-9490-7784-33A3-65CE153E0D40}"/>
+              </a:ext>
+            </a:extLst>
+          </p:cNvPr>
+          <p:cNvSpPr/>
+          <p:nvPr/>
+        </p:nvSpPr>
+        <p:spPr>
+          <a:xfrm>
+            <a:off x="1115567" y="3282571"/>
             <a:ext cx="4685465" cy="492443"/>
           </a:xfrm>
           <a:prstGeom prst="rect">
@@ -9568,7 +9508,7 @@
                 <a:latin typeface="Trebuchet MS"/>
                 <a:ea typeface="Trebuchet MS"/>
               </a:rPr>
-              <a:t>3 blocs de 4 séances (2h/séance)</a:t>
+              <a:t>2 blocs de 4 et 5 séances (2h/séance)</a:t>
             </a:r>
             <a:endParaRPr lang="fr-FR" sz="2000" b="0" strike="noStrike" spc="-1" dirty="0">
               <a:solidFill>
@@ -9581,10 +9521,1465 @@
       </p:sp>
       <p:sp>
         <p:nvSpPr>
-          <p:cNvPr id="10" name="CustomShape 3">
-            <a:extLst>
-              <a:ext uri="{FF2B5EF4-FFF2-40B4-BE49-F238E27FC236}">
-                <a16:creationId xmlns:a16="http://schemas.microsoft.com/office/drawing/2014/main" id="{C430E7A6-8A93-686A-7C4E-ED51D2B4CA5C}"/>
+          <p:cNvPr id="21" name="ZoneTexte 20">
+            <a:extLst>
+              <a:ext uri="{FF2B5EF4-FFF2-40B4-BE49-F238E27FC236}">
+                <a16:creationId xmlns:a16="http://schemas.microsoft.com/office/drawing/2014/main" id="{53F3215F-3090-7F6A-6750-94A3296EAA02}"/>
+              </a:ext>
+            </a:extLst>
+          </p:cNvPr>
+          <p:cNvSpPr txBox="1"/>
+          <p:nvPr/>
+        </p:nvSpPr>
+        <p:spPr>
+          <a:xfrm>
+            <a:off x="7300845" y="4520998"/>
+            <a:ext cx="3464226" cy="830997"/>
+          </a:xfrm>
+          <a:prstGeom prst="rect">
+            <a:avLst/>
+          </a:prstGeom>
+          <a:noFill/>
+        </p:spPr>
+        <p:txBody>
+          <a:bodyPr wrap="square">
+            <a:spAutoFit/>
+          </a:bodyPr>
+          <a:lstStyle/>
+          <a:p>
+            <a:r>
+              <a:rPr lang="fr-FR" sz="1600" b="1" i="1" dirty="0"/>
+              <a:t>Problème 2</a:t>
+            </a:r>
+            <a:r>
+              <a:rPr lang="fr-FR" sz="1600" dirty="0"/>
+              <a:t> : images d’un faisceau LASER en différents points d’un chemin optique</a:t>
+            </a:r>
+          </a:p>
+        </p:txBody>
+      </p:sp>
+      <p:sp>
+        <p:nvSpPr>
+          <p:cNvPr id="22" name="ZoneTexte 21">
+            <a:extLst>
+              <a:ext uri="{FF2B5EF4-FFF2-40B4-BE49-F238E27FC236}">
+                <a16:creationId xmlns:a16="http://schemas.microsoft.com/office/drawing/2014/main" id="{664F7306-19E9-4C40-6382-5ADA279ACFD1}"/>
+              </a:ext>
+            </a:extLst>
+          </p:cNvPr>
+          <p:cNvSpPr txBox="1"/>
+          <p:nvPr/>
+        </p:nvSpPr>
+        <p:spPr>
+          <a:xfrm>
+            <a:off x="7300845" y="2295983"/>
+            <a:ext cx="3464226" cy="584775"/>
+          </a:xfrm>
+          <a:prstGeom prst="rect">
+            <a:avLst/>
+          </a:prstGeom>
+          <a:noFill/>
+        </p:spPr>
+        <p:txBody>
+          <a:bodyPr wrap="square">
+            <a:spAutoFit/>
+          </a:bodyPr>
+          <a:lstStyle/>
+          <a:p>
+            <a:r>
+              <a:rPr lang="fr-FR" sz="1600" b="1" i="1" dirty="0"/>
+              <a:t>Problème 1</a:t>
+            </a:r>
+            <a:r>
+              <a:rPr lang="fr-FR" sz="1600" dirty="0"/>
+              <a:t> : signal modulé en amplitude / acquisition numérique</a:t>
+            </a:r>
+          </a:p>
+        </p:txBody>
+      </p:sp>
+      <p:grpSp>
+        <p:nvGrpSpPr>
+          <p:cNvPr id="23" name="Groupe 22">
+            <a:extLst>
+              <a:ext uri="{FF2B5EF4-FFF2-40B4-BE49-F238E27FC236}">
+                <a16:creationId xmlns:a16="http://schemas.microsoft.com/office/drawing/2014/main" id="{D2FEAE8A-1152-0766-3DF2-21ED48A7F8EA}"/>
+              </a:ext>
+            </a:extLst>
+          </p:cNvPr>
+          <p:cNvGrpSpPr/>
+          <p:nvPr/>
+        </p:nvGrpSpPr>
+        <p:grpSpPr>
+          <a:xfrm>
+            <a:off x="9168849" y="5606759"/>
+            <a:ext cx="1868737" cy="1215569"/>
+            <a:chOff x="2308078" y="1757542"/>
+            <a:chExt cx="4710901" cy="3759356"/>
+          </a:xfrm>
+        </p:grpSpPr>
+        <p:sp>
+          <p:nvSpPr>
+            <p:cNvPr id="24" name="Freeform 23">
+              <a:extLst>
+                <a:ext uri="{FF2B5EF4-FFF2-40B4-BE49-F238E27FC236}">
+                  <a16:creationId xmlns:a16="http://schemas.microsoft.com/office/drawing/2014/main" id="{B0F7A00B-2601-7D59-7E75-C74503439D2A}"/>
+                </a:ext>
+              </a:extLst>
+            </p:cNvPr>
+            <p:cNvSpPr>
+              <a:spLocks/>
+            </p:cNvSpPr>
+            <p:nvPr/>
+          </p:nvSpPr>
+          <p:spPr bwMode="auto">
+            <a:xfrm>
+              <a:off x="2869448" y="3129131"/>
+              <a:ext cx="3603625" cy="2198687"/>
+            </a:xfrm>
+            <a:custGeom>
+              <a:avLst/>
+              <a:gdLst>
+                <a:gd name="T0" fmla="*/ 2147483646 w 2848"/>
+                <a:gd name="T1" fmla="*/ 2147483646 h 1738"/>
+                <a:gd name="T2" fmla="*/ 2147483646 w 2848"/>
+                <a:gd name="T3" fmla="*/ 2147483646 h 1738"/>
+                <a:gd name="T4" fmla="*/ 2147483646 w 2848"/>
+                <a:gd name="T5" fmla="*/ 2147483646 h 1738"/>
+                <a:gd name="T6" fmla="*/ 2147483646 w 2848"/>
+                <a:gd name="T7" fmla="*/ 2147483646 h 1738"/>
+                <a:gd name="T8" fmla="*/ 2147483646 w 2848"/>
+                <a:gd name="T9" fmla="*/ 2147483646 h 1738"/>
+                <a:gd name="T10" fmla="*/ 2147483646 w 2848"/>
+                <a:gd name="T11" fmla="*/ 2147483646 h 1738"/>
+                <a:gd name="T12" fmla="*/ 2147483646 w 2848"/>
+                <a:gd name="T13" fmla="*/ 2147483646 h 1738"/>
+                <a:gd name="T14" fmla="*/ 2147483646 w 2848"/>
+                <a:gd name="T15" fmla="*/ 2147483646 h 1738"/>
+                <a:gd name="T16" fmla="*/ 2147483646 w 2848"/>
+                <a:gd name="T17" fmla="*/ 2147483646 h 1738"/>
+                <a:gd name="T18" fmla="*/ 2147483646 w 2848"/>
+                <a:gd name="T19" fmla="*/ 2147483646 h 1738"/>
+                <a:gd name="T20" fmla="*/ 2147483646 w 2848"/>
+                <a:gd name="T21" fmla="*/ 2147483646 h 1738"/>
+                <a:gd name="T22" fmla="*/ 2147483646 w 2848"/>
+                <a:gd name="T23" fmla="*/ 2147483646 h 1738"/>
+                <a:gd name="T24" fmla="*/ 2147483646 w 2848"/>
+                <a:gd name="T25" fmla="*/ 2147483646 h 1738"/>
+                <a:gd name="T26" fmla="*/ 2147483646 w 2848"/>
+                <a:gd name="T27" fmla="*/ 2147483646 h 1738"/>
+                <a:gd name="T28" fmla="*/ 2147483646 w 2848"/>
+                <a:gd name="T29" fmla="*/ 2147483646 h 1738"/>
+                <a:gd name="T30" fmla="*/ 2147483646 w 2848"/>
+                <a:gd name="T31" fmla="*/ 2147483646 h 1738"/>
+                <a:gd name="T32" fmla="*/ 2147483646 w 2848"/>
+                <a:gd name="T33" fmla="*/ 2147483646 h 1738"/>
+                <a:gd name="T34" fmla="*/ 2147483646 w 2848"/>
+                <a:gd name="T35" fmla="*/ 2147483646 h 1738"/>
+                <a:gd name="T36" fmla="*/ 2147483646 w 2848"/>
+                <a:gd name="T37" fmla="*/ 2147483646 h 1738"/>
+                <a:gd name="T38" fmla="*/ 2147483646 w 2848"/>
+                <a:gd name="T39" fmla="*/ 2147483646 h 1738"/>
+                <a:gd name="T40" fmla="*/ 2147483646 w 2848"/>
+                <a:gd name="T41" fmla="*/ 2147483646 h 1738"/>
+                <a:gd name="T42" fmla="*/ 2147483646 w 2848"/>
+                <a:gd name="T43" fmla="*/ 2147483646 h 1738"/>
+                <a:gd name="T44" fmla="*/ 2147483646 w 2848"/>
+                <a:gd name="T45" fmla="*/ 2147483646 h 1738"/>
+                <a:gd name="T46" fmla="*/ 2147483646 w 2848"/>
+                <a:gd name="T47" fmla="*/ 2147483646 h 1738"/>
+                <a:gd name="T48" fmla="*/ 2147483646 w 2848"/>
+                <a:gd name="T49" fmla="*/ 0 h 1738"/>
+                <a:gd name="T50" fmla="*/ 2147483646 w 2848"/>
+                <a:gd name="T51" fmla="*/ 2147483646 h 1738"/>
+                <a:gd name="T52" fmla="*/ 2147483646 w 2848"/>
+                <a:gd name="T53" fmla="*/ 2147483646 h 1738"/>
+                <a:gd name="T54" fmla="*/ 2147483646 w 2848"/>
+                <a:gd name="T55" fmla="*/ 2147483646 h 1738"/>
+                <a:gd name="T56" fmla="*/ 2147483646 w 2848"/>
+                <a:gd name="T57" fmla="*/ 2147483646 h 1738"/>
+                <a:gd name="T58" fmla="*/ 2147483646 w 2848"/>
+                <a:gd name="T59" fmla="*/ 2147483646 h 1738"/>
+                <a:gd name="T60" fmla="*/ 2147483646 w 2848"/>
+                <a:gd name="T61" fmla="*/ 2147483646 h 1738"/>
+                <a:gd name="T62" fmla="*/ 2147483646 w 2848"/>
+                <a:gd name="T63" fmla="*/ 2147483646 h 1738"/>
+                <a:gd name="T64" fmla="*/ 2147483646 w 2848"/>
+                <a:gd name="T65" fmla="*/ 2147483646 h 1738"/>
+                <a:gd name="T66" fmla="*/ 2147483646 w 2848"/>
+                <a:gd name="T67" fmla="*/ 2147483646 h 1738"/>
+                <a:gd name="T68" fmla="*/ 2147483646 w 2848"/>
+                <a:gd name="T69" fmla="*/ 2147483646 h 1738"/>
+                <a:gd name="T70" fmla="*/ 2147483646 w 2848"/>
+                <a:gd name="T71" fmla="*/ 2147483646 h 1738"/>
+                <a:gd name="T72" fmla="*/ 2147483646 w 2848"/>
+                <a:gd name="T73" fmla="*/ 2147483646 h 1738"/>
+                <a:gd name="T74" fmla="*/ 2147483646 w 2848"/>
+                <a:gd name="T75" fmla="*/ 2147483646 h 1738"/>
+                <a:gd name="T76" fmla="*/ 2147483646 w 2848"/>
+                <a:gd name="T77" fmla="*/ 2147483646 h 1738"/>
+                <a:gd name="T78" fmla="*/ 2147483646 w 2848"/>
+                <a:gd name="T79" fmla="*/ 2147483646 h 1738"/>
+                <a:gd name="T80" fmla="*/ 2147483646 w 2848"/>
+                <a:gd name="T81" fmla="*/ 2147483646 h 1738"/>
+                <a:gd name="T82" fmla="*/ 2147483646 w 2848"/>
+                <a:gd name="T83" fmla="*/ 2147483646 h 1738"/>
+                <a:gd name="T84" fmla="*/ 2147483646 w 2848"/>
+                <a:gd name="T85" fmla="*/ 2147483646 h 1738"/>
+                <a:gd name="T86" fmla="*/ 2147483646 w 2848"/>
+                <a:gd name="T87" fmla="*/ 2147483646 h 1738"/>
+                <a:gd name="T88" fmla="*/ 2147483646 w 2848"/>
+                <a:gd name="T89" fmla="*/ 2147483646 h 1738"/>
+                <a:gd name="T90" fmla="*/ 2147483646 w 2848"/>
+                <a:gd name="T91" fmla="*/ 2147483646 h 1738"/>
+                <a:gd name="T92" fmla="*/ 2147483646 w 2848"/>
+                <a:gd name="T93" fmla="*/ 2147483646 h 1738"/>
+                <a:gd name="T94" fmla="*/ 2147483646 w 2848"/>
+                <a:gd name="T95" fmla="*/ 2147483646 h 1738"/>
+                <a:gd name="T96" fmla="*/ 2147483646 w 2848"/>
+                <a:gd name="T97" fmla="*/ 2147483646 h 1738"/>
+                <a:gd name="T98" fmla="*/ 2147483646 w 2848"/>
+                <a:gd name="T99" fmla="*/ 2147483646 h 1738"/>
+                <a:gd name="T100" fmla="*/ 0 60000 65536"/>
+                <a:gd name="T101" fmla="*/ 0 60000 65536"/>
+                <a:gd name="T102" fmla="*/ 0 60000 65536"/>
+                <a:gd name="T103" fmla="*/ 0 60000 65536"/>
+                <a:gd name="T104" fmla="*/ 0 60000 65536"/>
+                <a:gd name="T105" fmla="*/ 0 60000 65536"/>
+                <a:gd name="T106" fmla="*/ 0 60000 65536"/>
+                <a:gd name="T107" fmla="*/ 0 60000 65536"/>
+                <a:gd name="T108" fmla="*/ 0 60000 65536"/>
+                <a:gd name="T109" fmla="*/ 0 60000 65536"/>
+                <a:gd name="T110" fmla="*/ 0 60000 65536"/>
+                <a:gd name="T111" fmla="*/ 0 60000 65536"/>
+                <a:gd name="T112" fmla="*/ 0 60000 65536"/>
+                <a:gd name="T113" fmla="*/ 0 60000 65536"/>
+                <a:gd name="T114" fmla="*/ 0 60000 65536"/>
+                <a:gd name="T115" fmla="*/ 0 60000 65536"/>
+                <a:gd name="T116" fmla="*/ 0 60000 65536"/>
+                <a:gd name="T117" fmla="*/ 0 60000 65536"/>
+                <a:gd name="T118" fmla="*/ 0 60000 65536"/>
+                <a:gd name="T119" fmla="*/ 0 60000 65536"/>
+                <a:gd name="T120" fmla="*/ 0 60000 65536"/>
+                <a:gd name="T121" fmla="*/ 0 60000 65536"/>
+                <a:gd name="T122" fmla="*/ 0 60000 65536"/>
+                <a:gd name="T123" fmla="*/ 0 60000 65536"/>
+                <a:gd name="T124" fmla="*/ 0 60000 65536"/>
+                <a:gd name="T125" fmla="*/ 0 60000 65536"/>
+                <a:gd name="T126" fmla="*/ 0 60000 65536"/>
+                <a:gd name="T127" fmla="*/ 0 60000 65536"/>
+                <a:gd name="T128" fmla="*/ 0 60000 65536"/>
+                <a:gd name="T129" fmla="*/ 0 60000 65536"/>
+                <a:gd name="T130" fmla="*/ 0 60000 65536"/>
+                <a:gd name="T131" fmla="*/ 0 60000 65536"/>
+                <a:gd name="T132" fmla="*/ 0 60000 65536"/>
+                <a:gd name="T133" fmla="*/ 0 60000 65536"/>
+                <a:gd name="T134" fmla="*/ 0 60000 65536"/>
+                <a:gd name="T135" fmla="*/ 0 60000 65536"/>
+                <a:gd name="T136" fmla="*/ 0 60000 65536"/>
+                <a:gd name="T137" fmla="*/ 0 60000 65536"/>
+                <a:gd name="T138" fmla="*/ 0 60000 65536"/>
+                <a:gd name="T139" fmla="*/ 0 60000 65536"/>
+                <a:gd name="T140" fmla="*/ 0 60000 65536"/>
+                <a:gd name="T141" fmla="*/ 0 60000 65536"/>
+                <a:gd name="T142" fmla="*/ 0 60000 65536"/>
+                <a:gd name="T143" fmla="*/ 0 60000 65536"/>
+                <a:gd name="T144" fmla="*/ 0 60000 65536"/>
+                <a:gd name="T145" fmla="*/ 0 60000 65536"/>
+                <a:gd name="T146" fmla="*/ 0 60000 65536"/>
+                <a:gd name="T147" fmla="*/ 0 60000 65536"/>
+                <a:gd name="T148" fmla="*/ 0 60000 65536"/>
+                <a:gd name="T149" fmla="*/ 0 60000 65536"/>
+                <a:gd name="T150" fmla="*/ 0 w 2848"/>
+                <a:gd name="T151" fmla="*/ 0 h 1738"/>
+                <a:gd name="T152" fmla="*/ 2848 w 2848"/>
+                <a:gd name="T153" fmla="*/ 1738 h 1738"/>
+              </a:gdLst>
+              <a:ahLst/>
+              <a:cxnLst>
+                <a:cxn ang="T100">
+                  <a:pos x="T0" y="T1"/>
+                </a:cxn>
+                <a:cxn ang="T101">
+                  <a:pos x="T2" y="T3"/>
+                </a:cxn>
+                <a:cxn ang="T102">
+                  <a:pos x="T4" y="T5"/>
+                </a:cxn>
+                <a:cxn ang="T103">
+                  <a:pos x="T6" y="T7"/>
+                </a:cxn>
+                <a:cxn ang="T104">
+                  <a:pos x="T8" y="T9"/>
+                </a:cxn>
+                <a:cxn ang="T105">
+                  <a:pos x="T10" y="T11"/>
+                </a:cxn>
+                <a:cxn ang="T106">
+                  <a:pos x="T12" y="T13"/>
+                </a:cxn>
+                <a:cxn ang="T107">
+                  <a:pos x="T14" y="T15"/>
+                </a:cxn>
+                <a:cxn ang="T108">
+                  <a:pos x="T16" y="T17"/>
+                </a:cxn>
+                <a:cxn ang="T109">
+                  <a:pos x="T18" y="T19"/>
+                </a:cxn>
+                <a:cxn ang="T110">
+                  <a:pos x="T20" y="T21"/>
+                </a:cxn>
+                <a:cxn ang="T111">
+                  <a:pos x="T22" y="T23"/>
+                </a:cxn>
+                <a:cxn ang="T112">
+                  <a:pos x="T24" y="T25"/>
+                </a:cxn>
+                <a:cxn ang="T113">
+                  <a:pos x="T26" y="T27"/>
+                </a:cxn>
+                <a:cxn ang="T114">
+                  <a:pos x="T28" y="T29"/>
+                </a:cxn>
+                <a:cxn ang="T115">
+                  <a:pos x="T30" y="T31"/>
+                </a:cxn>
+                <a:cxn ang="T116">
+                  <a:pos x="T32" y="T33"/>
+                </a:cxn>
+                <a:cxn ang="T117">
+                  <a:pos x="T34" y="T35"/>
+                </a:cxn>
+                <a:cxn ang="T118">
+                  <a:pos x="T36" y="T37"/>
+                </a:cxn>
+                <a:cxn ang="T119">
+                  <a:pos x="T38" y="T39"/>
+                </a:cxn>
+                <a:cxn ang="T120">
+                  <a:pos x="T40" y="T41"/>
+                </a:cxn>
+                <a:cxn ang="T121">
+                  <a:pos x="T42" y="T43"/>
+                </a:cxn>
+                <a:cxn ang="T122">
+                  <a:pos x="T44" y="T45"/>
+                </a:cxn>
+                <a:cxn ang="T123">
+                  <a:pos x="T46" y="T47"/>
+                </a:cxn>
+                <a:cxn ang="T124">
+                  <a:pos x="T48" y="T49"/>
+                </a:cxn>
+                <a:cxn ang="T125">
+                  <a:pos x="T50" y="T51"/>
+                </a:cxn>
+                <a:cxn ang="T126">
+                  <a:pos x="T52" y="T53"/>
+                </a:cxn>
+                <a:cxn ang="T127">
+                  <a:pos x="T54" y="T55"/>
+                </a:cxn>
+                <a:cxn ang="T128">
+                  <a:pos x="T56" y="T57"/>
+                </a:cxn>
+                <a:cxn ang="T129">
+                  <a:pos x="T58" y="T59"/>
+                </a:cxn>
+                <a:cxn ang="T130">
+                  <a:pos x="T60" y="T61"/>
+                </a:cxn>
+                <a:cxn ang="T131">
+                  <a:pos x="T62" y="T63"/>
+                </a:cxn>
+                <a:cxn ang="T132">
+                  <a:pos x="T64" y="T65"/>
+                </a:cxn>
+                <a:cxn ang="T133">
+                  <a:pos x="T66" y="T67"/>
+                </a:cxn>
+                <a:cxn ang="T134">
+                  <a:pos x="T68" y="T69"/>
+                </a:cxn>
+                <a:cxn ang="T135">
+                  <a:pos x="T70" y="T71"/>
+                </a:cxn>
+                <a:cxn ang="T136">
+                  <a:pos x="T72" y="T73"/>
+                </a:cxn>
+                <a:cxn ang="T137">
+                  <a:pos x="T74" y="T75"/>
+                </a:cxn>
+                <a:cxn ang="T138">
+                  <a:pos x="T76" y="T77"/>
+                </a:cxn>
+                <a:cxn ang="T139">
+                  <a:pos x="T78" y="T79"/>
+                </a:cxn>
+                <a:cxn ang="T140">
+                  <a:pos x="T80" y="T81"/>
+                </a:cxn>
+                <a:cxn ang="T141">
+                  <a:pos x="T82" y="T83"/>
+                </a:cxn>
+                <a:cxn ang="T142">
+                  <a:pos x="T84" y="T85"/>
+                </a:cxn>
+                <a:cxn ang="T143">
+                  <a:pos x="T86" y="T87"/>
+                </a:cxn>
+                <a:cxn ang="T144">
+                  <a:pos x="T88" y="T89"/>
+                </a:cxn>
+                <a:cxn ang="T145">
+                  <a:pos x="T90" y="T91"/>
+                </a:cxn>
+                <a:cxn ang="T146">
+                  <a:pos x="T92" y="T93"/>
+                </a:cxn>
+                <a:cxn ang="T147">
+                  <a:pos x="T94" y="T95"/>
+                </a:cxn>
+                <a:cxn ang="T148">
+                  <a:pos x="T96" y="T97"/>
+                </a:cxn>
+                <a:cxn ang="T149">
+                  <a:pos x="T98" y="T99"/>
+                </a:cxn>
+              </a:cxnLst>
+              <a:rect l="T150" t="T151" r="T152" b="T153"/>
+              <a:pathLst>
+                <a:path w="2848" h="1738">
+                  <a:moveTo>
+                    <a:pt x="0" y="1738"/>
+                  </a:moveTo>
+                  <a:lnTo>
+                    <a:pt x="13" y="1738"/>
+                  </a:lnTo>
+                  <a:lnTo>
+                    <a:pt x="27" y="1738"/>
+                  </a:lnTo>
+                  <a:lnTo>
+                    <a:pt x="42" y="1738"/>
+                  </a:lnTo>
+                  <a:lnTo>
+                    <a:pt x="56" y="1738"/>
+                  </a:lnTo>
+                  <a:lnTo>
+                    <a:pt x="71" y="1738"/>
+                  </a:lnTo>
+                  <a:lnTo>
+                    <a:pt x="84" y="1738"/>
+                  </a:lnTo>
+                  <a:lnTo>
+                    <a:pt x="100" y="1738"/>
+                  </a:lnTo>
+                  <a:lnTo>
+                    <a:pt x="113" y="1738"/>
+                  </a:lnTo>
+                  <a:lnTo>
+                    <a:pt x="129" y="1738"/>
+                  </a:lnTo>
+                  <a:lnTo>
+                    <a:pt x="142" y="1738"/>
+                  </a:lnTo>
+                  <a:lnTo>
+                    <a:pt x="157" y="1738"/>
+                  </a:lnTo>
+                  <a:lnTo>
+                    <a:pt x="171" y="1738"/>
+                  </a:lnTo>
+                  <a:lnTo>
+                    <a:pt x="184" y="1738"/>
+                  </a:lnTo>
+                  <a:lnTo>
+                    <a:pt x="200" y="1738"/>
+                  </a:lnTo>
+                  <a:lnTo>
+                    <a:pt x="213" y="1738"/>
+                  </a:lnTo>
+                  <a:lnTo>
+                    <a:pt x="228" y="1738"/>
+                  </a:lnTo>
+                  <a:lnTo>
+                    <a:pt x="242" y="1737"/>
+                  </a:lnTo>
+                  <a:lnTo>
+                    <a:pt x="257" y="1737"/>
+                  </a:lnTo>
+                  <a:lnTo>
+                    <a:pt x="271" y="1737"/>
+                  </a:lnTo>
+                  <a:lnTo>
+                    <a:pt x="286" y="1737"/>
+                  </a:lnTo>
+                  <a:lnTo>
+                    <a:pt x="300" y="1737"/>
+                  </a:lnTo>
+                  <a:lnTo>
+                    <a:pt x="315" y="1737"/>
+                  </a:lnTo>
+                  <a:lnTo>
+                    <a:pt x="328" y="1737"/>
+                  </a:lnTo>
+                  <a:lnTo>
+                    <a:pt x="342" y="1735"/>
+                  </a:lnTo>
+                  <a:lnTo>
+                    <a:pt x="357" y="1735"/>
+                  </a:lnTo>
+                  <a:lnTo>
+                    <a:pt x="371" y="1735"/>
+                  </a:lnTo>
+                  <a:lnTo>
+                    <a:pt x="386" y="1733"/>
+                  </a:lnTo>
+                  <a:lnTo>
+                    <a:pt x="399" y="1733"/>
+                  </a:lnTo>
+                  <a:lnTo>
+                    <a:pt x="415" y="1731"/>
+                  </a:lnTo>
+                  <a:lnTo>
+                    <a:pt x="428" y="1729"/>
+                  </a:lnTo>
+                  <a:lnTo>
+                    <a:pt x="444" y="1729"/>
+                  </a:lnTo>
+                  <a:lnTo>
+                    <a:pt x="457" y="1727"/>
+                  </a:lnTo>
+                  <a:lnTo>
+                    <a:pt x="472" y="1725"/>
+                  </a:lnTo>
+                  <a:lnTo>
+                    <a:pt x="486" y="1723"/>
+                  </a:lnTo>
+                  <a:lnTo>
+                    <a:pt x="499" y="1719"/>
+                  </a:lnTo>
+                  <a:lnTo>
+                    <a:pt x="515" y="1717"/>
+                  </a:lnTo>
+                  <a:lnTo>
+                    <a:pt x="528" y="1714"/>
+                  </a:lnTo>
+                  <a:lnTo>
+                    <a:pt x="543" y="1712"/>
+                  </a:lnTo>
+                  <a:lnTo>
+                    <a:pt x="557" y="1706"/>
+                  </a:lnTo>
+                  <a:lnTo>
+                    <a:pt x="572" y="1702"/>
+                  </a:lnTo>
+                  <a:lnTo>
+                    <a:pt x="586" y="1696"/>
+                  </a:lnTo>
+                  <a:lnTo>
+                    <a:pt x="601" y="1692"/>
+                  </a:lnTo>
+                  <a:lnTo>
+                    <a:pt x="614" y="1685"/>
+                  </a:lnTo>
+                  <a:lnTo>
+                    <a:pt x="630" y="1679"/>
+                  </a:lnTo>
+                  <a:lnTo>
+                    <a:pt x="643" y="1671"/>
+                  </a:lnTo>
+                  <a:lnTo>
+                    <a:pt x="657" y="1662"/>
+                  </a:lnTo>
+                  <a:lnTo>
+                    <a:pt x="672" y="1652"/>
+                  </a:lnTo>
+                  <a:lnTo>
+                    <a:pt x="685" y="1642"/>
+                  </a:lnTo>
+                  <a:lnTo>
+                    <a:pt x="701" y="1631"/>
+                  </a:lnTo>
+                  <a:lnTo>
+                    <a:pt x="714" y="1618"/>
+                  </a:lnTo>
+                  <a:lnTo>
+                    <a:pt x="730" y="1604"/>
+                  </a:lnTo>
+                  <a:lnTo>
+                    <a:pt x="743" y="1589"/>
+                  </a:lnTo>
+                  <a:lnTo>
+                    <a:pt x="758" y="1573"/>
+                  </a:lnTo>
+                  <a:lnTo>
+                    <a:pt x="772" y="1556"/>
+                  </a:lnTo>
+                  <a:lnTo>
+                    <a:pt x="787" y="1537"/>
+                  </a:lnTo>
+                  <a:lnTo>
+                    <a:pt x="801" y="1516"/>
+                  </a:lnTo>
+                  <a:lnTo>
+                    <a:pt x="814" y="1495"/>
+                  </a:lnTo>
+                  <a:lnTo>
+                    <a:pt x="829" y="1470"/>
+                  </a:lnTo>
+                  <a:lnTo>
+                    <a:pt x="843" y="1445"/>
+                  </a:lnTo>
+                  <a:lnTo>
+                    <a:pt x="858" y="1418"/>
+                  </a:lnTo>
+                  <a:lnTo>
+                    <a:pt x="872" y="1389"/>
+                  </a:lnTo>
+                  <a:lnTo>
+                    <a:pt x="887" y="1358"/>
+                  </a:lnTo>
+                  <a:lnTo>
+                    <a:pt x="901" y="1328"/>
+                  </a:lnTo>
+                  <a:lnTo>
+                    <a:pt x="916" y="1293"/>
+                  </a:lnTo>
+                  <a:lnTo>
+                    <a:pt x="929" y="1256"/>
+                  </a:lnTo>
+                  <a:lnTo>
+                    <a:pt x="945" y="1220"/>
+                  </a:lnTo>
+                  <a:lnTo>
+                    <a:pt x="958" y="1182"/>
+                  </a:lnTo>
+                  <a:lnTo>
+                    <a:pt x="972" y="1141"/>
+                  </a:lnTo>
+                  <a:lnTo>
+                    <a:pt x="987" y="1099"/>
+                  </a:lnTo>
+                  <a:lnTo>
+                    <a:pt x="1000" y="1057"/>
+                  </a:lnTo>
+                  <a:lnTo>
+                    <a:pt x="1016" y="1011"/>
+                  </a:lnTo>
+                  <a:lnTo>
+                    <a:pt x="1029" y="965"/>
+                  </a:lnTo>
+                  <a:lnTo>
+                    <a:pt x="1045" y="918"/>
+                  </a:lnTo>
+                  <a:lnTo>
+                    <a:pt x="1058" y="870"/>
+                  </a:lnTo>
+                  <a:lnTo>
+                    <a:pt x="1073" y="822"/>
+                  </a:lnTo>
+                  <a:lnTo>
+                    <a:pt x="1087" y="772"/>
+                  </a:lnTo>
+                  <a:lnTo>
+                    <a:pt x="1102" y="723"/>
+                  </a:lnTo>
+                  <a:lnTo>
+                    <a:pt x="1116" y="675"/>
+                  </a:lnTo>
+                  <a:lnTo>
+                    <a:pt x="1129" y="625"/>
+                  </a:lnTo>
+                  <a:lnTo>
+                    <a:pt x="1144" y="575"/>
+                  </a:lnTo>
+                  <a:lnTo>
+                    <a:pt x="1158" y="527"/>
+                  </a:lnTo>
+                  <a:lnTo>
+                    <a:pt x="1173" y="479"/>
+                  </a:lnTo>
+                  <a:lnTo>
+                    <a:pt x="1187" y="431"/>
+                  </a:lnTo>
+                  <a:lnTo>
+                    <a:pt x="1202" y="385"/>
+                  </a:lnTo>
+                  <a:lnTo>
+                    <a:pt x="1215" y="340"/>
+                  </a:lnTo>
+                  <a:lnTo>
+                    <a:pt x="1231" y="298"/>
+                  </a:lnTo>
+                  <a:lnTo>
+                    <a:pt x="1244" y="258"/>
+                  </a:lnTo>
+                  <a:lnTo>
+                    <a:pt x="1260" y="219"/>
+                  </a:lnTo>
+                  <a:lnTo>
+                    <a:pt x="1273" y="183"/>
+                  </a:lnTo>
+                  <a:lnTo>
+                    <a:pt x="1286" y="150"/>
+                  </a:lnTo>
+                  <a:lnTo>
+                    <a:pt x="1302" y="120"/>
+                  </a:lnTo>
+                  <a:lnTo>
+                    <a:pt x="1315" y="93"/>
+                  </a:lnTo>
+                  <a:lnTo>
+                    <a:pt x="1331" y="68"/>
+                  </a:lnTo>
+                  <a:lnTo>
+                    <a:pt x="1344" y="48"/>
+                  </a:lnTo>
+                  <a:lnTo>
+                    <a:pt x="1359" y="31"/>
+                  </a:lnTo>
+                  <a:lnTo>
+                    <a:pt x="1373" y="18"/>
+                  </a:lnTo>
+                  <a:lnTo>
+                    <a:pt x="1388" y="8"/>
+                  </a:lnTo>
+                  <a:lnTo>
+                    <a:pt x="1402" y="2"/>
+                  </a:lnTo>
+                  <a:lnTo>
+                    <a:pt x="1417" y="0"/>
+                  </a:lnTo>
+                  <a:lnTo>
+                    <a:pt x="1430" y="2"/>
+                  </a:lnTo>
+                  <a:lnTo>
+                    <a:pt x="1444" y="8"/>
+                  </a:lnTo>
+                  <a:lnTo>
+                    <a:pt x="1459" y="18"/>
+                  </a:lnTo>
+                  <a:lnTo>
+                    <a:pt x="1473" y="31"/>
+                  </a:lnTo>
+                  <a:lnTo>
+                    <a:pt x="1488" y="48"/>
+                  </a:lnTo>
+                  <a:lnTo>
+                    <a:pt x="1502" y="68"/>
+                  </a:lnTo>
+                  <a:lnTo>
+                    <a:pt x="1517" y="93"/>
+                  </a:lnTo>
+                  <a:lnTo>
+                    <a:pt x="1530" y="120"/>
+                  </a:lnTo>
+                  <a:lnTo>
+                    <a:pt x="1546" y="150"/>
+                  </a:lnTo>
+                  <a:lnTo>
+                    <a:pt x="1559" y="183"/>
+                  </a:lnTo>
+                  <a:lnTo>
+                    <a:pt x="1573" y="219"/>
+                  </a:lnTo>
+                  <a:lnTo>
+                    <a:pt x="1588" y="258"/>
+                  </a:lnTo>
+                  <a:lnTo>
+                    <a:pt x="1601" y="298"/>
+                  </a:lnTo>
+                  <a:lnTo>
+                    <a:pt x="1617" y="340"/>
+                  </a:lnTo>
+                  <a:lnTo>
+                    <a:pt x="1630" y="385"/>
+                  </a:lnTo>
+                  <a:lnTo>
+                    <a:pt x="1646" y="431"/>
+                  </a:lnTo>
+                  <a:lnTo>
+                    <a:pt x="1659" y="479"/>
+                  </a:lnTo>
+                  <a:lnTo>
+                    <a:pt x="1674" y="527"/>
+                  </a:lnTo>
+                  <a:lnTo>
+                    <a:pt x="1688" y="575"/>
+                  </a:lnTo>
+                  <a:lnTo>
+                    <a:pt x="1703" y="625"/>
+                  </a:lnTo>
+                  <a:lnTo>
+                    <a:pt x="1717" y="675"/>
+                  </a:lnTo>
+                  <a:lnTo>
+                    <a:pt x="1730" y="723"/>
+                  </a:lnTo>
+                  <a:lnTo>
+                    <a:pt x="1745" y="772"/>
+                  </a:lnTo>
+                  <a:lnTo>
+                    <a:pt x="1759" y="822"/>
+                  </a:lnTo>
+                  <a:lnTo>
+                    <a:pt x="1774" y="870"/>
+                  </a:lnTo>
+                  <a:lnTo>
+                    <a:pt x="1788" y="918"/>
+                  </a:lnTo>
+                  <a:lnTo>
+                    <a:pt x="1803" y="965"/>
+                  </a:lnTo>
+                  <a:lnTo>
+                    <a:pt x="1816" y="1011"/>
+                  </a:lnTo>
+                  <a:lnTo>
+                    <a:pt x="1832" y="1057"/>
+                  </a:lnTo>
+                  <a:lnTo>
+                    <a:pt x="1845" y="1099"/>
+                  </a:lnTo>
+                  <a:lnTo>
+                    <a:pt x="1861" y="1141"/>
+                  </a:lnTo>
+                  <a:lnTo>
+                    <a:pt x="1874" y="1182"/>
+                  </a:lnTo>
+                  <a:lnTo>
+                    <a:pt x="1887" y="1220"/>
+                  </a:lnTo>
+                  <a:lnTo>
+                    <a:pt x="1903" y="1256"/>
+                  </a:lnTo>
+                  <a:lnTo>
+                    <a:pt x="1916" y="1293"/>
+                  </a:lnTo>
+                  <a:lnTo>
+                    <a:pt x="1932" y="1328"/>
+                  </a:lnTo>
+                  <a:lnTo>
+                    <a:pt x="1945" y="1358"/>
+                  </a:lnTo>
+                  <a:lnTo>
+                    <a:pt x="1960" y="1389"/>
+                  </a:lnTo>
+                  <a:lnTo>
+                    <a:pt x="1974" y="1418"/>
+                  </a:lnTo>
+                  <a:lnTo>
+                    <a:pt x="1989" y="1445"/>
+                  </a:lnTo>
+                  <a:lnTo>
+                    <a:pt x="2003" y="1470"/>
+                  </a:lnTo>
+                  <a:lnTo>
+                    <a:pt x="2018" y="1495"/>
+                  </a:lnTo>
+                  <a:lnTo>
+                    <a:pt x="2032" y="1516"/>
+                  </a:lnTo>
+                  <a:lnTo>
+                    <a:pt x="2045" y="1537"/>
+                  </a:lnTo>
+                  <a:lnTo>
+                    <a:pt x="2060" y="1556"/>
+                  </a:lnTo>
+                  <a:lnTo>
+                    <a:pt x="2074" y="1573"/>
+                  </a:lnTo>
+                  <a:lnTo>
+                    <a:pt x="2089" y="1589"/>
+                  </a:lnTo>
+                  <a:lnTo>
+                    <a:pt x="2103" y="1604"/>
+                  </a:lnTo>
+                  <a:lnTo>
+                    <a:pt x="2118" y="1618"/>
+                  </a:lnTo>
+                  <a:lnTo>
+                    <a:pt x="2131" y="1631"/>
+                  </a:lnTo>
+                  <a:lnTo>
+                    <a:pt x="2147" y="1642"/>
+                  </a:lnTo>
+                  <a:lnTo>
+                    <a:pt x="2160" y="1652"/>
+                  </a:lnTo>
+                  <a:lnTo>
+                    <a:pt x="2176" y="1662"/>
+                  </a:lnTo>
+                  <a:lnTo>
+                    <a:pt x="2189" y="1671"/>
+                  </a:lnTo>
+                  <a:lnTo>
+                    <a:pt x="2202" y="1679"/>
+                  </a:lnTo>
+                  <a:lnTo>
+                    <a:pt x="2218" y="1685"/>
+                  </a:lnTo>
+                  <a:lnTo>
+                    <a:pt x="2231" y="1692"/>
+                  </a:lnTo>
+                  <a:lnTo>
+                    <a:pt x="2247" y="1696"/>
+                  </a:lnTo>
+                  <a:lnTo>
+                    <a:pt x="2260" y="1702"/>
+                  </a:lnTo>
+                  <a:lnTo>
+                    <a:pt x="2275" y="1706"/>
+                  </a:lnTo>
+                  <a:lnTo>
+                    <a:pt x="2289" y="1712"/>
+                  </a:lnTo>
+                  <a:lnTo>
+                    <a:pt x="2304" y="1714"/>
+                  </a:lnTo>
+                  <a:lnTo>
+                    <a:pt x="2318" y="1717"/>
+                  </a:lnTo>
+                  <a:lnTo>
+                    <a:pt x="2333" y="1719"/>
+                  </a:lnTo>
+                  <a:lnTo>
+                    <a:pt x="2346" y="1723"/>
+                  </a:lnTo>
+                  <a:lnTo>
+                    <a:pt x="2360" y="1725"/>
+                  </a:lnTo>
+                  <a:lnTo>
+                    <a:pt x="2375" y="1727"/>
+                  </a:lnTo>
+                  <a:lnTo>
+                    <a:pt x="2389" y="1729"/>
+                  </a:lnTo>
+                  <a:lnTo>
+                    <a:pt x="2404" y="1729"/>
+                  </a:lnTo>
+                  <a:lnTo>
+                    <a:pt x="2417" y="1731"/>
+                  </a:lnTo>
+                  <a:lnTo>
+                    <a:pt x="2433" y="1733"/>
+                  </a:lnTo>
+                  <a:lnTo>
+                    <a:pt x="2446" y="1733"/>
+                  </a:lnTo>
+                  <a:lnTo>
+                    <a:pt x="2462" y="1735"/>
+                  </a:lnTo>
+                  <a:lnTo>
+                    <a:pt x="2475" y="1735"/>
+                  </a:lnTo>
+                  <a:lnTo>
+                    <a:pt x="2490" y="1735"/>
+                  </a:lnTo>
+                  <a:lnTo>
+                    <a:pt x="2504" y="1737"/>
+                  </a:lnTo>
+                  <a:lnTo>
+                    <a:pt x="2517" y="1737"/>
+                  </a:lnTo>
+                  <a:lnTo>
+                    <a:pt x="2533" y="1737"/>
+                  </a:lnTo>
+                  <a:lnTo>
+                    <a:pt x="2546" y="1737"/>
+                  </a:lnTo>
+                  <a:lnTo>
+                    <a:pt x="2561" y="1737"/>
+                  </a:lnTo>
+                  <a:lnTo>
+                    <a:pt x="2575" y="1737"/>
+                  </a:lnTo>
+                  <a:lnTo>
+                    <a:pt x="2590" y="1737"/>
+                  </a:lnTo>
+                  <a:lnTo>
+                    <a:pt x="2604" y="1738"/>
+                  </a:lnTo>
+                  <a:lnTo>
+                    <a:pt x="2619" y="1738"/>
+                  </a:lnTo>
+                  <a:lnTo>
+                    <a:pt x="2633" y="1738"/>
+                  </a:lnTo>
+                  <a:lnTo>
+                    <a:pt x="2648" y="1738"/>
+                  </a:lnTo>
+                  <a:lnTo>
+                    <a:pt x="2661" y="1738"/>
+                  </a:lnTo>
+                  <a:lnTo>
+                    <a:pt x="2675" y="1738"/>
+                  </a:lnTo>
+                  <a:lnTo>
+                    <a:pt x="2690" y="1738"/>
+                  </a:lnTo>
+                  <a:lnTo>
+                    <a:pt x="2704" y="1738"/>
+                  </a:lnTo>
+                  <a:lnTo>
+                    <a:pt x="2719" y="1738"/>
+                  </a:lnTo>
+                  <a:lnTo>
+                    <a:pt x="2732" y="1738"/>
+                  </a:lnTo>
+                  <a:lnTo>
+                    <a:pt x="2748" y="1738"/>
+                  </a:lnTo>
+                  <a:lnTo>
+                    <a:pt x="2761" y="1738"/>
+                  </a:lnTo>
+                  <a:lnTo>
+                    <a:pt x="2777" y="1738"/>
+                  </a:lnTo>
+                  <a:lnTo>
+                    <a:pt x="2790" y="1738"/>
+                  </a:lnTo>
+                  <a:lnTo>
+                    <a:pt x="2805" y="1738"/>
+                  </a:lnTo>
+                  <a:lnTo>
+                    <a:pt x="2819" y="1738"/>
+                  </a:lnTo>
+                  <a:lnTo>
+                    <a:pt x="2832" y="1738"/>
+                  </a:lnTo>
+                  <a:lnTo>
+                    <a:pt x="2848" y="1738"/>
+                  </a:lnTo>
+                </a:path>
+              </a:pathLst>
+            </a:custGeom>
+            <a:noFill/>
+            <a:ln w="23813">
+              <a:solidFill>
+                <a:srgbClr val="000080"/>
+              </a:solidFill>
+              <a:round/>
+              <a:headEnd/>
+              <a:tailEnd/>
+            </a:ln>
+            <a:extLst>
+              <a:ext uri="{909E8E84-426E-40DD-AFC4-6F175D3DCCD1}">
+                <a14:hiddenFill xmlns:a14="http://schemas.microsoft.com/office/drawing/2010/main">
+                  <a:solidFill>
+                    <a:srgbClr val="FFFFFF"/>
+                  </a:solidFill>
+                </a14:hiddenFill>
+              </a:ext>
+            </a:extLst>
+          </p:spPr>
+          <p:txBody>
+            <a:bodyPr/>
+            <a:lstStyle/>
+            <a:p>
+              <a:endParaRPr lang="fr-FR"/>
+            </a:p>
+          </p:txBody>
+        </p:sp>
+        <p:sp>
+          <p:nvSpPr>
+            <p:cNvPr id="25" name="Line 48">
+              <a:extLst>
+                <a:ext uri="{FF2B5EF4-FFF2-40B4-BE49-F238E27FC236}">
+                  <a16:creationId xmlns:a16="http://schemas.microsoft.com/office/drawing/2014/main" id="{50F55E00-16A4-5D34-15A9-CFBCA3BF9DCD}"/>
+                </a:ext>
+              </a:extLst>
+            </p:cNvPr>
+            <p:cNvSpPr>
+              <a:spLocks noChangeShapeType="1"/>
+            </p:cNvSpPr>
+            <p:nvPr/>
+          </p:nvSpPr>
+          <p:spPr bwMode="auto">
+            <a:xfrm>
+              <a:off x="4655229" y="2871537"/>
+              <a:ext cx="0" cy="2482515"/>
+            </a:xfrm>
+            <a:prstGeom prst="line">
+              <a:avLst/>
+            </a:prstGeom>
+            <a:noFill/>
+            <a:ln w="28575">
+              <a:solidFill>
+                <a:schemeClr val="tx1"/>
+              </a:solidFill>
+              <a:round/>
+              <a:headEnd type="triangle" w="med" len="med"/>
+              <a:tailEnd/>
+            </a:ln>
+            <a:extLst>
+              <a:ext uri="{909E8E84-426E-40DD-AFC4-6F175D3DCCD1}">
+                <a14:hiddenFill xmlns:a14="http://schemas.microsoft.com/office/drawing/2010/main">
+                  <a:noFill/>
+                </a14:hiddenFill>
+              </a:ext>
+            </a:extLst>
+          </p:spPr>
+          <p:txBody>
+            <a:bodyPr wrap="none" anchor="ctr"/>
+            <a:lstStyle/>
+            <a:p>
+              <a:endParaRPr lang="fr-FR"/>
+            </a:p>
+          </p:txBody>
+        </p:sp>
+        <p:sp>
+          <p:nvSpPr>
+            <p:cNvPr id="26" name="Line 48">
+              <a:extLst>
+                <a:ext uri="{FF2B5EF4-FFF2-40B4-BE49-F238E27FC236}">
+                  <a16:creationId xmlns:a16="http://schemas.microsoft.com/office/drawing/2014/main" id="{85E4E2C0-786F-8DD0-AF3E-32A323F1372C}"/>
+                </a:ext>
+              </a:extLst>
+            </p:cNvPr>
+            <p:cNvSpPr>
+              <a:spLocks noChangeShapeType="1"/>
+            </p:cNvSpPr>
+            <p:nvPr/>
+          </p:nvSpPr>
+          <p:spPr bwMode="auto">
+            <a:xfrm rot="5400000">
+              <a:off x="4655229" y="3000886"/>
+              <a:ext cx="0" cy="4694301"/>
+            </a:xfrm>
+            <a:prstGeom prst="line">
+              <a:avLst/>
+            </a:prstGeom>
+            <a:noFill/>
+            <a:ln w="28575">
+              <a:solidFill>
+                <a:schemeClr val="tx1"/>
+              </a:solidFill>
+              <a:round/>
+              <a:headEnd type="triangle" w="med" len="med"/>
+              <a:tailEnd/>
+            </a:ln>
+            <a:extLst>
+              <a:ext uri="{909E8E84-426E-40DD-AFC4-6F175D3DCCD1}">
+                <a14:hiddenFill xmlns:a14="http://schemas.microsoft.com/office/drawing/2010/main">
+                  <a:noFill/>
+                </a14:hiddenFill>
+              </a:ext>
+            </a:extLst>
+          </p:spPr>
+          <p:txBody>
+            <a:bodyPr wrap="none" anchor="ctr"/>
+            <a:lstStyle/>
+            <a:p>
+              <a:endParaRPr lang="fr-FR"/>
+            </a:p>
+          </p:txBody>
+        </p:sp>
+        <p:cxnSp>
+          <p:nvCxnSpPr>
+            <p:cNvPr id="27" name="Connecteur droit 26">
+              <a:extLst>
+                <a:ext uri="{FF2B5EF4-FFF2-40B4-BE49-F238E27FC236}">
+                  <a16:creationId xmlns:a16="http://schemas.microsoft.com/office/drawing/2014/main" id="{C5440FC5-8C0F-95F6-2590-11E444AD767A}"/>
+                </a:ext>
+              </a:extLst>
+            </p:cNvPr>
+            <p:cNvCxnSpPr>
+              <a:cxnSpLocks/>
+            </p:cNvCxnSpPr>
+            <p:nvPr/>
+          </p:nvCxnSpPr>
+          <p:spPr>
+            <a:xfrm flipH="1">
+              <a:off x="3868485" y="5017168"/>
+              <a:ext cx="1545725" cy="1"/>
+            </a:xfrm>
+            <a:prstGeom prst="line">
+              <a:avLst/>
+            </a:prstGeom>
+            <a:ln w="38100">
+              <a:solidFill>
+                <a:srgbClr val="00B050"/>
+              </a:solidFill>
+              <a:headEnd type="triangle" w="med" len="med"/>
+              <a:tailEnd type="triangle" w="med" len="med"/>
+            </a:ln>
+            <a:effectLst/>
+          </p:spPr>
+          <p:style>
+            <a:lnRef idx="2">
+              <a:schemeClr val="accent1"/>
+            </a:lnRef>
+            <a:fillRef idx="0">
+              <a:schemeClr val="accent1"/>
+            </a:fillRef>
+            <a:effectRef idx="1">
+              <a:schemeClr val="accent1"/>
+            </a:effectRef>
+            <a:fontRef idx="minor">
+              <a:schemeClr val="tx1"/>
+            </a:fontRef>
+          </p:style>
+        </p:cxnSp>
+        <p:sp>
+          <p:nvSpPr>
+            <p:cNvPr id="28" name="ZoneTexte 27">
+              <a:extLst>
+                <a:ext uri="{FF2B5EF4-FFF2-40B4-BE49-F238E27FC236}">
+                  <a16:creationId xmlns:a16="http://schemas.microsoft.com/office/drawing/2014/main" id="{CD22A9B5-2610-5823-D4E0-3CFC7CB40C6D}"/>
+                </a:ext>
+              </a:extLst>
+            </p:cNvPr>
+            <p:cNvSpPr txBox="1"/>
+            <p:nvPr/>
+          </p:nvSpPr>
+          <p:spPr>
+            <a:xfrm>
+              <a:off x="5473256" y="2349272"/>
+              <a:ext cx="1545723" cy="1065057"/>
+            </a:xfrm>
+            <a:prstGeom prst="rect">
+              <a:avLst/>
+            </a:prstGeom>
+            <a:noFill/>
+          </p:spPr>
+          <p:txBody>
+            <a:bodyPr wrap="square" rtlCol="0">
+              <a:spAutoFit/>
+            </a:bodyPr>
+            <a:lstStyle/>
+            <a:p>
+              <a:r>
+                <a:rPr lang="el-GR" dirty="0">
+                  <a:solidFill>
+                    <a:srgbClr val="00B050"/>
+                  </a:solidFill>
+                  <a:latin typeface="Cambria Math" panose="02040503050406030204" pitchFamily="18" charset="0"/>
+                  <a:ea typeface="Cambria Math" panose="02040503050406030204" pitchFamily="18" charset="0"/>
+                </a:rPr>
+                <a:t>Ι</a:t>
+              </a:r>
+              <a:r>
+                <a:rPr lang="fr-FR" baseline="-25000" dirty="0">
+                  <a:solidFill>
+                    <a:srgbClr val="00B050"/>
+                  </a:solidFill>
+                </a:rPr>
+                <a:t>0</a:t>
+              </a:r>
+              <a:r>
+                <a:rPr lang="fr-FR" dirty="0">
+                  <a:solidFill>
+                    <a:srgbClr val="00B050"/>
+                  </a:solidFill>
+                </a:rPr>
+                <a:t>(z)</a:t>
+              </a:r>
+              <a:endParaRPr lang="fr-FR" baseline="-25000" dirty="0">
+                <a:solidFill>
+                  <a:srgbClr val="00B050"/>
+                </a:solidFill>
+              </a:endParaRPr>
+            </a:p>
+          </p:txBody>
+        </p:sp>
+        <p:sp>
+          <p:nvSpPr>
+            <p:cNvPr id="29" name="Line 48">
+              <a:extLst>
+                <a:ext uri="{FF2B5EF4-FFF2-40B4-BE49-F238E27FC236}">
+                  <a16:creationId xmlns:a16="http://schemas.microsoft.com/office/drawing/2014/main" id="{E0FAB240-5A0F-26DF-C9A0-8D03C4B7156A}"/>
+                </a:ext>
+              </a:extLst>
+            </p:cNvPr>
+            <p:cNvSpPr>
+              <a:spLocks noChangeShapeType="1"/>
+            </p:cNvSpPr>
+            <p:nvPr/>
+          </p:nvSpPr>
+          <p:spPr bwMode="auto">
+            <a:xfrm>
+              <a:off x="5381259" y="1773583"/>
+              <a:ext cx="0" cy="3576459"/>
+            </a:xfrm>
+            <a:prstGeom prst="line">
+              <a:avLst/>
+            </a:prstGeom>
+            <a:noFill/>
+            <a:ln w="19050">
+              <a:solidFill>
+                <a:schemeClr val="tx1"/>
+              </a:solidFill>
+              <a:prstDash val="sysDot"/>
+              <a:round/>
+              <a:headEnd type="none" w="med" len="med"/>
+              <a:tailEnd type="none" w="med" len="med"/>
+            </a:ln>
+            <a:extLst>
+              <a:ext uri="{909E8E84-426E-40DD-AFC4-6F175D3DCCD1}">
+                <a14:hiddenFill xmlns:a14="http://schemas.microsoft.com/office/drawing/2010/main">
+                  <a:noFill/>
+                </a14:hiddenFill>
+              </a:ext>
+            </a:extLst>
+          </p:spPr>
+          <p:txBody>
+            <a:bodyPr wrap="none" anchor="ctr"/>
+            <a:lstStyle/>
+            <a:p>
+              <a:endParaRPr lang="fr-FR" dirty="0"/>
+            </a:p>
+          </p:txBody>
+        </p:sp>
+        <p:sp>
+          <p:nvSpPr>
+            <p:cNvPr id="30" name="Line 48">
+              <a:extLst>
+                <a:ext uri="{FF2B5EF4-FFF2-40B4-BE49-F238E27FC236}">
+                  <a16:creationId xmlns:a16="http://schemas.microsoft.com/office/drawing/2014/main" id="{A166E49A-D0F5-DF6F-ABDB-DBC023453064}"/>
+                </a:ext>
+              </a:extLst>
+            </p:cNvPr>
+            <p:cNvSpPr>
+              <a:spLocks noChangeShapeType="1"/>
+            </p:cNvSpPr>
+            <p:nvPr/>
+          </p:nvSpPr>
+          <p:spPr bwMode="auto">
+            <a:xfrm>
+              <a:off x="3895085" y="1757542"/>
+              <a:ext cx="0" cy="3576458"/>
+            </a:xfrm>
+            <a:prstGeom prst="line">
+              <a:avLst/>
+            </a:prstGeom>
+            <a:noFill/>
+            <a:ln w="19050">
+              <a:solidFill>
+                <a:schemeClr val="tx1"/>
+              </a:solidFill>
+              <a:prstDash val="sysDot"/>
+              <a:round/>
+              <a:headEnd type="none" w="med" len="med"/>
+              <a:tailEnd type="none" w="med" len="med"/>
+            </a:ln>
+            <a:extLst>
+              <a:ext uri="{909E8E84-426E-40DD-AFC4-6F175D3DCCD1}">
+                <a14:hiddenFill xmlns:a14="http://schemas.microsoft.com/office/drawing/2010/main">
+                  <a:noFill/>
+                </a14:hiddenFill>
+              </a:ext>
+            </a:extLst>
+          </p:spPr>
+          <p:txBody>
+            <a:bodyPr wrap="none" anchor="ctr"/>
+            <a:lstStyle/>
+            <a:p>
+              <a:endParaRPr lang="fr-FR" dirty="0"/>
+            </a:p>
+          </p:txBody>
+        </p:sp>
+        <p:sp>
+          <p:nvSpPr>
+            <p:cNvPr id="31" name="ZoneTexte 30">
+              <a:extLst>
+                <a:ext uri="{FF2B5EF4-FFF2-40B4-BE49-F238E27FC236}">
+                  <a16:creationId xmlns:a16="http://schemas.microsoft.com/office/drawing/2014/main" id="{4342F5A5-76C7-1FD2-5EA4-0E34DC2E783B}"/>
+                </a:ext>
+              </a:extLst>
+            </p:cNvPr>
+            <p:cNvSpPr txBox="1"/>
+            <p:nvPr/>
+          </p:nvSpPr>
+          <p:spPr>
+            <a:xfrm>
+              <a:off x="3996817" y="4660231"/>
+              <a:ext cx="465689" cy="856667"/>
+            </a:xfrm>
+            <a:prstGeom prst="rect">
+              <a:avLst/>
+            </a:prstGeom>
+            <a:noFill/>
+          </p:spPr>
+          <p:txBody>
+            <a:bodyPr wrap="none" rtlCol="0">
+              <a:spAutoFit/>
+            </a:bodyPr>
+            <a:lstStyle/>
+            <a:p>
+              <a:endParaRPr lang="fr-FR" baseline="30000" dirty="0">
+                <a:solidFill>
+                  <a:srgbClr val="008000"/>
+                </a:solidFill>
+              </a:endParaRPr>
+            </a:p>
+          </p:txBody>
+        </p:sp>
+      </p:grpSp>
+      <p:pic>
+        <p:nvPicPr>
+          <p:cNvPr id="32" name="Image 31">
+            <a:extLst>
+              <a:ext uri="{FF2B5EF4-FFF2-40B4-BE49-F238E27FC236}">
+                <a16:creationId xmlns:a16="http://schemas.microsoft.com/office/drawing/2014/main" id="{CCA50F51-6A8B-74F1-FB1F-0C8445D4B3CC}"/>
+              </a:ext>
+            </a:extLst>
+          </p:cNvPr>
+          <p:cNvPicPr>
+            <a:picLocks noChangeAspect="1"/>
+          </p:cNvPicPr>
+          <p:nvPr/>
+        </p:nvPicPr>
+        <p:blipFill rotWithShape="1">
+          <a:blip r:embed="rId4"/>
+          <a:srcRect l="12242" t="12493" r="67799" b="63205"/>
+          <a:stretch/>
+        </p:blipFill>
+        <p:spPr>
+          <a:xfrm>
+            <a:off x="9736782" y="5127051"/>
+            <a:ext cx="718639" cy="747503"/>
+          </a:xfrm>
+          <a:prstGeom prst="rect">
+            <a:avLst/>
+          </a:prstGeom>
+        </p:spPr>
+      </p:pic>
+      <p:pic>
+        <p:nvPicPr>
+          <p:cNvPr id="33" name="Image 32">
+            <a:extLst>
+              <a:ext uri="{FF2B5EF4-FFF2-40B4-BE49-F238E27FC236}">
+                <a16:creationId xmlns:a16="http://schemas.microsoft.com/office/drawing/2014/main" id="{824F8897-6793-B61A-218E-8C0354C1D164}"/>
+              </a:ext>
+            </a:extLst>
+          </p:cNvPr>
+          <p:cNvPicPr>
+            <a:picLocks noChangeAspect="1"/>
+          </p:cNvPicPr>
+          <p:nvPr/>
+        </p:nvPicPr>
+        <p:blipFill>
+          <a:blip r:embed="rId5"/>
+          <a:stretch>
+            <a:fillRect/>
+          </a:stretch>
+        </p:blipFill>
+        <p:spPr>
+          <a:xfrm>
+            <a:off x="6708227" y="5410043"/>
+            <a:ext cx="2156110" cy="1113841"/>
+          </a:xfrm>
+          <a:prstGeom prst="rect">
+            <a:avLst/>
+          </a:prstGeom>
+        </p:spPr>
+      </p:pic>
+      <p:sp>
+        <p:nvSpPr>
+          <p:cNvPr id="34" name="CustomShape 3">
+            <a:extLst>
+              <a:ext uri="{FF2B5EF4-FFF2-40B4-BE49-F238E27FC236}">
+                <a16:creationId xmlns:a16="http://schemas.microsoft.com/office/drawing/2014/main" id="{3A0F96CF-5E1C-B405-2E2C-1888B6C2C35F}"/>
               </a:ext>
             </a:extLst>
           </p:cNvPr>
@@ -9593,7 +10988,7 @@
         </p:nvSpPr>
         <p:spPr>
           <a:xfrm>
-            <a:off x="1115567" y="4503069"/>
+            <a:off x="1115567" y="1737040"/>
             <a:ext cx="4685465" cy="492443"/>
           </a:xfrm>
           <a:prstGeom prst="rect">
@@ -9601,8 +10996,8 @@
           </a:prstGeom>
           <a:solidFill>
             <a:schemeClr val="tx1">
-              <a:lumMod val="50000"/>
-              <a:lumOff val="50000"/>
+              <a:lumMod val="65000"/>
+              <a:lumOff val="35000"/>
             </a:schemeClr>
           </a:solidFill>
           <a:ln w="0">
@@ -9643,7 +11038,17 @@
                 <a:latin typeface="Trebuchet MS"/>
                 <a:ea typeface="Trebuchet MS"/>
               </a:rPr>
-              <a:t>Déroulement du bloc</a:t>
+              <a:t>3 séa</a:t>
+            </a:r>
+            <a:r>
+              <a:rPr lang="fr-FR" sz="2000" b="1" spc="-1" dirty="0">
+                <a:solidFill>
+                  <a:schemeClr val="bg1"/>
+                </a:solidFill>
+                <a:latin typeface="Trebuchet MS"/>
+                <a:ea typeface="Trebuchet MS"/>
+              </a:rPr>
+              <a:t>nces introductives (2h/séance)</a:t>
             </a:r>
             <a:endParaRPr lang="fr-FR" sz="2000" b="0" strike="noStrike" spc="-1" dirty="0">
               <a:solidFill>
@@ -9651,431 +11056,6 @@
               </a:solidFill>
               <a:latin typeface="Arial"/>
             </a:endParaRPr>
-          </a:p>
-        </p:txBody>
-      </p:sp>
-      <p:sp>
-        <p:nvSpPr>
-          <p:cNvPr id="12" name="ZoneTexte 11">
-            <a:extLst>
-              <a:ext uri="{FF2B5EF4-FFF2-40B4-BE49-F238E27FC236}">
-                <a16:creationId xmlns:a16="http://schemas.microsoft.com/office/drawing/2014/main" id="{BBED6A26-211D-7C76-4C1A-96E6D0EC3C39}"/>
-              </a:ext>
-            </a:extLst>
-          </p:cNvPr>
-          <p:cNvSpPr txBox="1"/>
-          <p:nvPr/>
-        </p:nvSpPr>
-        <p:spPr>
-          <a:xfrm>
-            <a:off x="2028213" y="5064204"/>
-            <a:ext cx="3775587" cy="1107996"/>
-          </a:xfrm>
-          <a:prstGeom prst="rect">
-            <a:avLst/>
-          </a:prstGeom>
-          <a:noFill/>
-        </p:spPr>
-        <p:txBody>
-          <a:bodyPr wrap="square">
-            <a:spAutoFit/>
-          </a:bodyPr>
-          <a:lstStyle/>
-          <a:p>
-            <a:r>
-              <a:rPr lang="fr-FR" sz="1600" dirty="0"/>
-              <a:t>Séance 1 : problématique</a:t>
-            </a:r>
-          </a:p>
-          <a:p>
-            <a:r>
-              <a:rPr lang="fr-FR" sz="1600" dirty="0"/>
-              <a:t>Séance 2 : mise en œuvre numérique</a:t>
-            </a:r>
-          </a:p>
-          <a:p>
-            <a:r>
-              <a:rPr lang="fr-FR" sz="1600" dirty="0"/>
-              <a:t>Séance 3 : mise en forme des résultats</a:t>
-            </a:r>
-          </a:p>
-          <a:p>
-            <a:r>
-              <a:rPr lang="fr-FR" sz="1600" dirty="0"/>
-              <a:t>Séance 4 : évaluation</a:t>
-            </a:r>
-          </a:p>
-        </p:txBody>
-      </p:sp>
-      <p:sp>
-        <p:nvSpPr>
-          <p:cNvPr id="4" name="CustomShape 3">
-            <a:extLst>
-              <a:ext uri="{FF2B5EF4-FFF2-40B4-BE49-F238E27FC236}">
-                <a16:creationId xmlns:a16="http://schemas.microsoft.com/office/drawing/2014/main" id="{3A94DE90-31C1-2A4F-1651-1E29144A4384}"/>
-              </a:ext>
-            </a:extLst>
-          </p:cNvPr>
-          <p:cNvSpPr/>
-          <p:nvPr/>
-        </p:nvSpPr>
-        <p:spPr>
-          <a:xfrm>
-            <a:off x="6713678" y="2440601"/>
-            <a:ext cx="4051393" cy="492443"/>
-          </a:xfrm>
-          <a:prstGeom prst="rect">
-            <a:avLst/>
-          </a:prstGeom>
-          <a:solidFill>
-            <a:schemeClr val="bg1">
-              <a:lumMod val="85000"/>
-            </a:schemeClr>
-          </a:solidFill>
-          <a:ln w="0">
-            <a:noFill/>
-          </a:ln>
-        </p:spPr>
-        <p:style>
-          <a:lnRef idx="0">
-            <a:scrgbClr r="0" g="0" b="0"/>
-          </a:lnRef>
-          <a:fillRef idx="0">
-            <a:scrgbClr r="0" g="0" b="0"/>
-          </a:fillRef>
-          <a:effectRef idx="0">
-            <a:scrgbClr r="0" g="0" b="0"/>
-          </a:effectRef>
-          <a:fontRef idx="minor"/>
-        </p:style>
-        <p:txBody>
-          <a:bodyPr wrap="square" tIns="91440" bIns="91440">
-            <a:spAutoFit/>
-          </a:bodyPr>
-          <a:lstStyle/>
-          <a:p>
-            <a:pPr algn="ctr">
-              <a:lnSpc>
-                <a:spcPct val="100000"/>
-              </a:lnSpc>
-              <a:tabLst>
-                <a:tab pos="0" algn="l"/>
-              </a:tabLst>
-            </a:pPr>
-            <a:r>
-              <a:rPr lang="fr-FR" sz="2000" b="1" spc="-1" dirty="0">
-                <a:solidFill>
-                  <a:schemeClr val="bg1"/>
-                </a:solidFill>
-                <a:latin typeface="Trebuchet MS"/>
-              </a:rPr>
-              <a:t>Méthodes numériques</a:t>
-            </a:r>
-            <a:endParaRPr lang="fr-FR" sz="2000" b="0" strike="noStrike" spc="-1" dirty="0">
-              <a:solidFill>
-                <a:schemeClr val="bg1"/>
-              </a:solidFill>
-              <a:latin typeface="Arial"/>
-            </a:endParaRPr>
-          </a:p>
-        </p:txBody>
-      </p:sp>
-      <p:sp>
-        <p:nvSpPr>
-          <p:cNvPr id="11" name="CustomShape 23">
-            <a:extLst>
-              <a:ext uri="{FF2B5EF4-FFF2-40B4-BE49-F238E27FC236}">
-                <a16:creationId xmlns:a16="http://schemas.microsoft.com/office/drawing/2014/main" id="{7E46B89B-7D18-B939-D9EB-855ECE35C85C}"/>
-              </a:ext>
-            </a:extLst>
-          </p:cNvPr>
-          <p:cNvSpPr/>
-          <p:nvPr/>
-        </p:nvSpPr>
-        <p:spPr>
-          <a:xfrm>
-            <a:off x="6713678" y="3782746"/>
-            <a:ext cx="4051393" cy="492443"/>
-          </a:xfrm>
-          <a:prstGeom prst="rect">
-            <a:avLst/>
-          </a:prstGeom>
-          <a:solidFill>
-            <a:schemeClr val="bg1">
-              <a:lumMod val="85000"/>
-            </a:schemeClr>
-          </a:solidFill>
-          <a:ln w="0">
-            <a:noFill/>
-          </a:ln>
-        </p:spPr>
-        <p:style>
-          <a:lnRef idx="0">
-            <a:scrgbClr r="0" g="0" b="0"/>
-          </a:lnRef>
-          <a:fillRef idx="0">
-            <a:scrgbClr r="0" g="0" b="0"/>
-          </a:fillRef>
-          <a:effectRef idx="0">
-            <a:scrgbClr r="0" g="0" b="0"/>
-          </a:effectRef>
-          <a:fontRef idx="minor"/>
-        </p:style>
-        <p:txBody>
-          <a:bodyPr wrap="square" tIns="91440" bIns="91440">
-            <a:spAutoFit/>
-          </a:bodyPr>
-          <a:lstStyle/>
-          <a:p>
-            <a:pPr algn="ctr">
-              <a:lnSpc>
-                <a:spcPct val="100000"/>
-              </a:lnSpc>
-              <a:tabLst>
-                <a:tab pos="0" algn="l"/>
-              </a:tabLst>
-            </a:pPr>
-            <a:r>
-              <a:rPr lang="fr-FR" sz="2000" b="1" strike="noStrike" spc="-1" dirty="0">
-                <a:solidFill>
-                  <a:schemeClr val="bg1"/>
-                </a:solidFill>
-                <a:latin typeface="Trebuchet MS"/>
-                <a:ea typeface="Trebuchet MS"/>
-              </a:rPr>
-              <a:t>Traitement de données 2D</a:t>
-            </a:r>
-            <a:endParaRPr lang="fr-FR" sz="2000" b="0" strike="noStrike" spc="-1" dirty="0">
-              <a:solidFill>
-                <a:schemeClr val="bg1"/>
-              </a:solidFill>
-              <a:latin typeface="Arial"/>
-            </a:endParaRPr>
-          </a:p>
-        </p:txBody>
-      </p:sp>
-      <p:sp>
-        <p:nvSpPr>
-          <p:cNvPr id="16" name="CustomShape 24">
-            <a:extLst>
-              <a:ext uri="{FF2B5EF4-FFF2-40B4-BE49-F238E27FC236}">
-                <a16:creationId xmlns:a16="http://schemas.microsoft.com/office/drawing/2014/main" id="{7AD48AB8-D37E-1EEC-36F9-51A5A13A85F9}"/>
-              </a:ext>
-            </a:extLst>
-          </p:cNvPr>
-          <p:cNvSpPr/>
-          <p:nvPr/>
-        </p:nvSpPr>
-        <p:spPr>
-          <a:xfrm>
-            <a:off x="6713678" y="5177502"/>
-            <a:ext cx="4051393" cy="492443"/>
-          </a:xfrm>
-          <a:prstGeom prst="rect">
-            <a:avLst/>
-          </a:prstGeom>
-          <a:solidFill>
-            <a:schemeClr val="accent2">
-              <a:lumMod val="40000"/>
-              <a:lumOff val="60000"/>
-            </a:schemeClr>
-          </a:solidFill>
-          <a:ln w="0">
-            <a:noFill/>
-          </a:ln>
-        </p:spPr>
-        <p:style>
-          <a:lnRef idx="0">
-            <a:scrgbClr r="0" g="0" b="0"/>
-          </a:lnRef>
-          <a:fillRef idx="0">
-            <a:scrgbClr r="0" g="0" b="0"/>
-          </a:fillRef>
-          <a:effectRef idx="0">
-            <a:scrgbClr r="0" g="0" b="0"/>
-          </a:effectRef>
-          <a:fontRef idx="minor"/>
-        </p:style>
-        <p:txBody>
-          <a:bodyPr wrap="square" tIns="91440" bIns="91440">
-            <a:spAutoFit/>
-          </a:bodyPr>
-          <a:lstStyle/>
-          <a:p>
-            <a:pPr algn="ctr">
-              <a:lnSpc>
-                <a:spcPct val="100000"/>
-              </a:lnSpc>
-              <a:tabLst>
-                <a:tab pos="0" algn="l"/>
-              </a:tabLst>
-            </a:pPr>
-            <a:r>
-              <a:rPr lang="fr-FR" sz="2000" b="1" strike="noStrike" spc="-1" dirty="0">
-                <a:solidFill>
-                  <a:srgbClr val="666666"/>
-                </a:solidFill>
-                <a:latin typeface="Trebuchet MS"/>
-                <a:ea typeface="Trebuchet MS"/>
-              </a:rPr>
-              <a:t>Traitement de données 1D</a:t>
-            </a:r>
-            <a:endParaRPr lang="fr-FR" sz="2000" b="0" strike="noStrike" spc="-1" dirty="0">
-              <a:latin typeface="Arial"/>
-            </a:endParaRPr>
-          </a:p>
-        </p:txBody>
-      </p:sp>
-      <p:sp>
-        <p:nvSpPr>
-          <p:cNvPr id="17" name="ZoneTexte 16">
-            <a:extLst>
-              <a:ext uri="{FF2B5EF4-FFF2-40B4-BE49-F238E27FC236}">
-                <a16:creationId xmlns:a16="http://schemas.microsoft.com/office/drawing/2014/main" id="{F153AF5A-DEFB-20E9-F990-3A2BEB1E4CF1}"/>
-              </a:ext>
-            </a:extLst>
-          </p:cNvPr>
-          <p:cNvSpPr txBox="1"/>
-          <p:nvPr/>
-        </p:nvSpPr>
-        <p:spPr>
-          <a:xfrm>
-            <a:off x="7300846" y="2933044"/>
-            <a:ext cx="3464226" cy="584775"/>
-          </a:xfrm>
-          <a:prstGeom prst="rect">
-            <a:avLst/>
-          </a:prstGeom>
-          <a:noFill/>
-        </p:spPr>
-        <p:txBody>
-          <a:bodyPr wrap="square">
-            <a:spAutoFit/>
-          </a:bodyPr>
-          <a:lstStyle/>
-          <a:p>
-            <a:r>
-              <a:rPr lang="fr-FR" sz="1600" dirty="0">
-                <a:solidFill>
-                  <a:schemeClr val="bg1">
-                    <a:lumMod val="75000"/>
-                  </a:schemeClr>
-                </a:solidFill>
-              </a:rPr>
-              <a:t>Intro / Langage haut niveau</a:t>
-            </a:r>
-          </a:p>
-          <a:p>
-            <a:r>
-              <a:rPr lang="fr-FR" sz="1600" b="1" i="1" dirty="0">
-                <a:solidFill>
-                  <a:schemeClr val="bg1">
-                    <a:lumMod val="75000"/>
-                  </a:schemeClr>
-                </a:solidFill>
-              </a:rPr>
-              <a:t>Problème 1</a:t>
-            </a:r>
-            <a:r>
-              <a:rPr lang="fr-FR" sz="1600" dirty="0">
-                <a:solidFill>
-                  <a:schemeClr val="bg1">
-                    <a:lumMod val="75000"/>
-                  </a:schemeClr>
-                </a:solidFill>
-              </a:rPr>
-              <a:t> : circuit RC</a:t>
-            </a:r>
-          </a:p>
-        </p:txBody>
-      </p:sp>
-      <p:sp>
-        <p:nvSpPr>
-          <p:cNvPr id="18" name="ZoneTexte 17">
-            <a:extLst>
-              <a:ext uri="{FF2B5EF4-FFF2-40B4-BE49-F238E27FC236}">
-                <a16:creationId xmlns:a16="http://schemas.microsoft.com/office/drawing/2014/main" id="{042103D8-61DD-04BE-F714-2FA1F911610B}"/>
-              </a:ext>
-            </a:extLst>
-          </p:cNvPr>
-          <p:cNvSpPr txBox="1"/>
-          <p:nvPr/>
-        </p:nvSpPr>
-        <p:spPr>
-          <a:xfrm>
-            <a:off x="7300845" y="4275189"/>
-            <a:ext cx="3464226" cy="830997"/>
-          </a:xfrm>
-          <a:prstGeom prst="rect">
-            <a:avLst/>
-          </a:prstGeom>
-          <a:noFill/>
-        </p:spPr>
-        <p:txBody>
-          <a:bodyPr wrap="square">
-            <a:spAutoFit/>
-          </a:bodyPr>
-          <a:lstStyle/>
-          <a:p>
-            <a:r>
-              <a:rPr lang="fr-FR" sz="1600" b="1" i="1" dirty="0">
-                <a:solidFill>
-                  <a:schemeClr val="bg1">
-                    <a:lumMod val="75000"/>
-                  </a:schemeClr>
-                </a:solidFill>
-              </a:rPr>
-              <a:t>Problème 2</a:t>
-            </a:r>
-            <a:r>
-              <a:rPr lang="fr-FR" sz="1600" dirty="0">
-                <a:solidFill>
-                  <a:schemeClr val="bg1">
-                    <a:lumMod val="75000"/>
-                  </a:schemeClr>
-                </a:solidFill>
-              </a:rPr>
-              <a:t> : images d’un faisceau LASER en différents points d’un chemin optique</a:t>
-            </a:r>
-          </a:p>
-        </p:txBody>
-      </p:sp>
-      <p:sp>
-        <p:nvSpPr>
-          <p:cNvPr id="19" name="ZoneTexte 18">
-            <a:extLst>
-              <a:ext uri="{FF2B5EF4-FFF2-40B4-BE49-F238E27FC236}">
-                <a16:creationId xmlns:a16="http://schemas.microsoft.com/office/drawing/2014/main" id="{F41EF5FB-9662-2DB9-4172-AB660069D201}"/>
-              </a:ext>
-            </a:extLst>
-          </p:cNvPr>
-          <p:cNvSpPr txBox="1"/>
-          <p:nvPr/>
-        </p:nvSpPr>
-        <p:spPr>
-          <a:xfrm>
-            <a:off x="7300845" y="5669945"/>
-            <a:ext cx="3464226" cy="584775"/>
-          </a:xfrm>
-          <a:prstGeom prst="rect">
-            <a:avLst/>
-          </a:prstGeom>
-          <a:noFill/>
-        </p:spPr>
-        <p:txBody>
-          <a:bodyPr wrap="square">
-            <a:spAutoFit/>
-          </a:bodyPr>
-          <a:lstStyle/>
-          <a:p>
-            <a:r>
-              <a:rPr lang="fr-FR" sz="1600" b="1" i="1" dirty="0"/>
-              <a:t>Problème 3</a:t>
-            </a:r>
-            <a:r>
-              <a:rPr lang="fr-FR" sz="1600" dirty="0"/>
-              <a:t> : signal modulé en amplitude / acquisition numérique</a:t>
-            </a:r>
           </a:p>
         </p:txBody>
       </p:sp>
@@ -13945,7 +14925,7 @@
           <a:p>
             <a:r>
               <a:rPr lang="fr-FR" dirty="0"/>
-              <a:t>Evaluation</a:t>
+              <a:t>Quelques fonctions intéressantes</a:t>
             </a:r>
           </a:p>
         </p:txBody>
@@ -14004,115 +14984,1013 @@
         </p:nvSpPr>
         <p:spPr>
           <a:xfrm>
-            <a:off x="1115567" y="2478024"/>
-            <a:ext cx="10584820" cy="3694176"/>
+            <a:off x="1223731" y="2133895"/>
+            <a:ext cx="5265560" cy="3694176"/>
           </a:xfrm>
         </p:spPr>
         <p:txBody>
           <a:bodyPr>
-            <a:normAutofit/>
+            <a:normAutofit lnSpcReduction="10000"/>
           </a:bodyPr>
           <a:lstStyle/>
           <a:p>
-            <a:r>
-              <a:rPr lang="fr-FR" sz="2000" b="1" dirty="0"/>
-              <a:t>Auto-Evaluation du travail</a:t>
-            </a:r>
+            <a:pPr marL="342900" lvl="0" indent="-342900" algn="just">
+              <a:lnSpc>
+                <a:spcPct val="115000"/>
+              </a:lnSpc>
+              <a:buFont typeface="Arial" panose="020B0604020202020204" pitchFamily="34" charset="0"/>
+              <a:buChar char="●"/>
+            </a:pPr>
+            <a:r>
+              <a:rPr lang="fr-FR" sz="1600" b="1" u="none" strike="noStrike" dirty="0">
+                <a:effectLst/>
+                <a:latin typeface="Arial" panose="020B0604020202020204" pitchFamily="34" charset="0"/>
+                <a:ea typeface="Arial" panose="020B0604020202020204" pitchFamily="34" charset="0"/>
+              </a:rPr>
+              <a:t>lire des fichiers CSV </a:t>
+            </a:r>
+            <a:endParaRPr lang="fr-FR" sz="1600" b="1" dirty="0">
+              <a:latin typeface="Arial" panose="020B0604020202020204" pitchFamily="34" charset="0"/>
+              <a:ea typeface="Arial" panose="020B0604020202020204" pitchFamily="34" charset="0"/>
+            </a:endParaRPr>
+          </a:p>
+          <a:p>
+            <a:pPr marL="800100" lvl="1" indent="-342900" algn="just">
+              <a:lnSpc>
+                <a:spcPct val="115000"/>
+              </a:lnSpc>
+              <a:buFont typeface="Arial" panose="020B0604020202020204" pitchFamily="34" charset="0"/>
+              <a:buChar char="●"/>
+            </a:pPr>
+            <a:r>
+              <a:rPr lang="fr-FR" sz="1600" b="1" u="none" strike="noStrike" dirty="0" err="1">
+                <a:solidFill>
+                  <a:srgbClr val="E36C0A"/>
+                </a:solidFill>
+                <a:effectLst/>
+                <a:latin typeface="Arial" panose="020B0604020202020204" pitchFamily="34" charset="0"/>
+                <a:ea typeface="Arial" panose="020B0604020202020204" pitchFamily="34" charset="0"/>
+              </a:rPr>
+              <a:t>numpy</a:t>
+            </a:r>
+            <a:r>
+              <a:rPr lang="fr-FR" sz="1600" b="1" u="none" strike="noStrike" dirty="0">
+                <a:solidFill>
+                  <a:srgbClr val="E36C0A"/>
+                </a:solidFill>
+                <a:effectLst/>
+                <a:latin typeface="Arial" panose="020B0604020202020204" pitchFamily="34" charset="0"/>
+                <a:ea typeface="Arial" panose="020B0604020202020204" pitchFamily="34" charset="0"/>
+              </a:rPr>
+              <a:t> </a:t>
+            </a:r>
+            <a:r>
+              <a:rPr lang="fr-FR" sz="1600" b="1" u="none" strike="noStrike" dirty="0">
+                <a:solidFill>
+                  <a:srgbClr val="1155CC"/>
+                </a:solidFill>
+                <a:effectLst/>
+                <a:latin typeface="Arial" panose="020B0604020202020204" pitchFamily="34" charset="0"/>
+                <a:ea typeface="Arial" panose="020B0604020202020204" pitchFamily="34" charset="0"/>
+              </a:rPr>
+              <a:t>.</a:t>
+            </a:r>
+            <a:r>
+              <a:rPr lang="fr-FR" sz="1600" b="1" u="none" strike="noStrike" dirty="0" err="1">
+                <a:solidFill>
+                  <a:srgbClr val="1155CC"/>
+                </a:solidFill>
+                <a:effectLst/>
+                <a:latin typeface="Arial" panose="020B0604020202020204" pitchFamily="34" charset="0"/>
+                <a:ea typeface="Arial" panose="020B0604020202020204" pitchFamily="34" charset="0"/>
+              </a:rPr>
+              <a:t>genfromtxt</a:t>
+            </a:r>
+            <a:r>
+              <a:rPr lang="fr-FR" sz="1600" b="1" u="none" strike="noStrike" dirty="0">
+                <a:solidFill>
+                  <a:srgbClr val="1155CC"/>
+                </a:solidFill>
+                <a:effectLst/>
+                <a:latin typeface="Arial" panose="020B0604020202020204" pitchFamily="34" charset="0"/>
+                <a:ea typeface="Arial" panose="020B0604020202020204" pitchFamily="34" charset="0"/>
+              </a:rPr>
+              <a:t> </a:t>
+            </a:r>
+          </a:p>
+          <a:p>
+            <a:pPr marL="800100" lvl="1" indent="-342900" algn="just">
+              <a:lnSpc>
+                <a:spcPct val="115000"/>
+              </a:lnSpc>
+              <a:buFont typeface="Arial" panose="020B0604020202020204" pitchFamily="34" charset="0"/>
+              <a:buChar char="●"/>
+            </a:pPr>
+            <a:r>
+              <a:rPr lang="fr-FR" sz="1600" b="1" dirty="0">
+                <a:solidFill>
+                  <a:srgbClr val="E36C0A"/>
+                </a:solidFill>
+                <a:effectLst/>
+                <a:latin typeface="Arial" panose="020B0604020202020204" pitchFamily="34" charset="0"/>
+                <a:ea typeface="Arial" panose="020B0604020202020204" pitchFamily="34" charset="0"/>
+              </a:rPr>
+              <a:t>pandas </a:t>
+            </a:r>
+            <a:r>
+              <a:rPr lang="fr-FR" sz="1600" b="1" dirty="0">
+                <a:solidFill>
+                  <a:srgbClr val="1155CC"/>
+                </a:solidFill>
+                <a:effectLst/>
+                <a:latin typeface="Arial" panose="020B0604020202020204" pitchFamily="34" charset="0"/>
+                <a:ea typeface="Arial" panose="020B0604020202020204" pitchFamily="34" charset="0"/>
+              </a:rPr>
+              <a:t>.</a:t>
+            </a:r>
+            <a:r>
+              <a:rPr lang="fr-FR" sz="1600" b="1" dirty="0" err="1">
+                <a:solidFill>
+                  <a:srgbClr val="1155CC"/>
+                </a:solidFill>
+                <a:effectLst/>
+                <a:latin typeface="Arial" panose="020B0604020202020204" pitchFamily="34" charset="0"/>
+                <a:ea typeface="Arial" panose="020B0604020202020204" pitchFamily="34" charset="0"/>
+              </a:rPr>
+              <a:t>read_csv</a:t>
+            </a:r>
+            <a:r>
+              <a:rPr lang="fr-FR" sz="1600" dirty="0">
+                <a:effectLst/>
+                <a:latin typeface="Arial" panose="020B0604020202020204" pitchFamily="34" charset="0"/>
+                <a:ea typeface="Arial" panose="020B0604020202020204" pitchFamily="34" charset="0"/>
+              </a:rPr>
+              <a:t> </a:t>
+            </a:r>
+          </a:p>
+          <a:p>
+            <a:pPr marL="342900" lvl="0" indent="-342900" algn="just">
+              <a:lnSpc>
+                <a:spcPct val="115000"/>
+              </a:lnSpc>
+              <a:buFont typeface="Arial" panose="020B0604020202020204" pitchFamily="34" charset="0"/>
+              <a:buChar char="●"/>
+            </a:pPr>
+            <a:r>
+              <a:rPr lang="fr-FR" sz="1600" b="1" u="none" strike="noStrike" dirty="0">
+                <a:effectLst/>
+                <a:latin typeface="Arial" panose="020B0604020202020204" pitchFamily="34" charset="0"/>
+                <a:ea typeface="Arial" panose="020B0604020202020204" pitchFamily="34" charset="0"/>
+              </a:rPr>
+              <a:t>créer de vecteurs / matrices</a:t>
+            </a:r>
+            <a:r>
+              <a:rPr lang="fr-FR" sz="1600" u="none" strike="noStrike" dirty="0">
+                <a:effectLst/>
+                <a:latin typeface="Arial" panose="020B0604020202020204" pitchFamily="34" charset="0"/>
+                <a:ea typeface="Arial" panose="020B0604020202020204" pitchFamily="34" charset="0"/>
+              </a:rPr>
+              <a:t>	</a:t>
+            </a:r>
+          </a:p>
+          <a:p>
+            <a:pPr marL="800100" lvl="1" indent="-342900" algn="just">
+              <a:lnSpc>
+                <a:spcPct val="115000"/>
+              </a:lnSpc>
+              <a:buFont typeface="Arial" panose="020B0604020202020204" pitchFamily="34" charset="0"/>
+              <a:buChar char="●"/>
+            </a:pPr>
+            <a:r>
+              <a:rPr lang="fr-FR" sz="1600" b="1" u="none" strike="noStrike" dirty="0" err="1">
+                <a:solidFill>
+                  <a:srgbClr val="E36C0A"/>
+                </a:solidFill>
+                <a:effectLst/>
+                <a:latin typeface="Arial" panose="020B0604020202020204" pitchFamily="34" charset="0"/>
+                <a:ea typeface="Arial" panose="020B0604020202020204" pitchFamily="34" charset="0"/>
+              </a:rPr>
+              <a:t>numpy</a:t>
+            </a:r>
+            <a:r>
+              <a:rPr lang="fr-FR" sz="1600" b="1" u="none" strike="noStrike" dirty="0">
+                <a:solidFill>
+                  <a:srgbClr val="1155CC"/>
+                </a:solidFill>
+                <a:effectLst/>
+                <a:latin typeface="Arial" panose="020B0604020202020204" pitchFamily="34" charset="0"/>
+                <a:ea typeface="Arial" panose="020B0604020202020204" pitchFamily="34" charset="0"/>
+              </a:rPr>
+              <a:t>  .</a:t>
+            </a:r>
+            <a:r>
+              <a:rPr lang="fr-FR" sz="1600" b="1" u="none" strike="noStrike" dirty="0" err="1">
+                <a:solidFill>
+                  <a:srgbClr val="1155CC"/>
+                </a:solidFill>
+                <a:effectLst/>
+                <a:latin typeface="Arial" panose="020B0604020202020204" pitchFamily="34" charset="0"/>
+                <a:ea typeface="Arial" panose="020B0604020202020204" pitchFamily="34" charset="0"/>
+              </a:rPr>
+              <a:t>linspace</a:t>
+            </a:r>
+            <a:r>
+              <a:rPr lang="fr-FR" sz="1600" b="1" u="none" strike="noStrike" dirty="0">
+                <a:solidFill>
+                  <a:srgbClr val="1155CC"/>
+                </a:solidFill>
+                <a:effectLst/>
+                <a:latin typeface="Arial" panose="020B0604020202020204" pitchFamily="34" charset="0"/>
+                <a:ea typeface="Arial" panose="020B0604020202020204" pitchFamily="34" charset="0"/>
+              </a:rPr>
+              <a:t>  .</a:t>
+            </a:r>
+            <a:r>
+              <a:rPr lang="fr-FR" sz="1600" b="1" u="none" strike="noStrike" dirty="0" err="1">
+                <a:solidFill>
+                  <a:srgbClr val="1155CC"/>
+                </a:solidFill>
+                <a:effectLst/>
+                <a:latin typeface="Arial" panose="020B0604020202020204" pitchFamily="34" charset="0"/>
+                <a:ea typeface="Arial" panose="020B0604020202020204" pitchFamily="34" charset="0"/>
+              </a:rPr>
+              <a:t>logspace</a:t>
+            </a:r>
+            <a:endParaRPr lang="fr-FR" sz="1600" b="1" u="none" strike="noStrike" dirty="0">
+              <a:solidFill>
+                <a:srgbClr val="1155CC"/>
+              </a:solidFill>
+              <a:effectLst/>
+              <a:latin typeface="Arial" panose="020B0604020202020204" pitchFamily="34" charset="0"/>
+              <a:ea typeface="Arial" panose="020B0604020202020204" pitchFamily="34" charset="0"/>
+            </a:endParaRPr>
+          </a:p>
+          <a:p>
+            <a:pPr marL="800100" lvl="1" indent="-342900" algn="just">
+              <a:lnSpc>
+                <a:spcPct val="115000"/>
+              </a:lnSpc>
+              <a:buFont typeface="Arial" panose="020B0604020202020204" pitchFamily="34" charset="0"/>
+              <a:buChar char="●"/>
+            </a:pPr>
+            <a:r>
+              <a:rPr lang="fr-FR" sz="1600" b="1" dirty="0" err="1">
+                <a:solidFill>
+                  <a:srgbClr val="E36C0A"/>
+                </a:solidFill>
+                <a:effectLst/>
+                <a:latin typeface="Arial" panose="020B0604020202020204" pitchFamily="34" charset="0"/>
+                <a:ea typeface="Arial" panose="020B0604020202020204" pitchFamily="34" charset="0"/>
+              </a:rPr>
+              <a:t>numpy</a:t>
+            </a:r>
+            <a:r>
+              <a:rPr lang="fr-FR" sz="1600" b="1" dirty="0">
+                <a:solidFill>
+                  <a:srgbClr val="1155CC"/>
+                </a:solidFill>
+                <a:effectLst/>
+                <a:latin typeface="Arial" panose="020B0604020202020204" pitchFamily="34" charset="0"/>
+                <a:ea typeface="Arial" panose="020B0604020202020204" pitchFamily="34" charset="0"/>
+              </a:rPr>
+              <a:t>  .</a:t>
+            </a:r>
+            <a:r>
+              <a:rPr lang="fr-FR" sz="1600" b="1" dirty="0" err="1">
+                <a:solidFill>
+                  <a:srgbClr val="1155CC"/>
+                </a:solidFill>
+                <a:effectLst/>
+                <a:latin typeface="Arial" panose="020B0604020202020204" pitchFamily="34" charset="0"/>
+                <a:ea typeface="Arial" panose="020B0604020202020204" pitchFamily="34" charset="0"/>
+              </a:rPr>
+              <a:t>ones</a:t>
+            </a:r>
+            <a:r>
+              <a:rPr lang="fr-FR" sz="1600" b="1" dirty="0">
+                <a:solidFill>
+                  <a:srgbClr val="1155CC"/>
+                </a:solidFill>
+                <a:effectLst/>
+                <a:latin typeface="Arial" panose="020B0604020202020204" pitchFamily="34" charset="0"/>
+                <a:ea typeface="Arial" panose="020B0604020202020204" pitchFamily="34" charset="0"/>
+              </a:rPr>
+              <a:t>   .</a:t>
+            </a:r>
+            <a:r>
+              <a:rPr lang="fr-FR" sz="1600" b="1" dirty="0" err="1">
+                <a:solidFill>
+                  <a:srgbClr val="1155CC"/>
+                </a:solidFill>
+                <a:effectLst/>
+                <a:latin typeface="Arial" panose="020B0604020202020204" pitchFamily="34" charset="0"/>
+                <a:ea typeface="Arial" panose="020B0604020202020204" pitchFamily="34" charset="0"/>
+              </a:rPr>
+              <a:t>zeros</a:t>
+            </a:r>
+            <a:endParaRPr lang="fr-FR" sz="1600" b="1" dirty="0">
+              <a:solidFill>
+                <a:srgbClr val="1155CC"/>
+              </a:solidFill>
+              <a:effectLst/>
+              <a:latin typeface="Arial" panose="020B0604020202020204" pitchFamily="34" charset="0"/>
+              <a:ea typeface="Arial" panose="020B0604020202020204" pitchFamily="34" charset="0"/>
+            </a:endParaRPr>
+          </a:p>
+          <a:p>
+            <a:pPr marL="342900" indent="-342900" algn="just">
+              <a:lnSpc>
+                <a:spcPct val="115000"/>
+              </a:lnSpc>
+              <a:buFont typeface="Arial" panose="020B0604020202020204" pitchFamily="34" charset="0"/>
+              <a:buChar char="●"/>
+            </a:pPr>
+            <a:r>
+              <a:rPr lang="fr-FR" sz="1600" b="1" u="none" strike="noStrike" dirty="0">
+                <a:effectLst/>
+                <a:latin typeface="Arial" panose="020B0604020202020204" pitchFamily="34" charset="0"/>
+                <a:ea typeface="Arial" panose="020B0604020202020204" pitchFamily="34" charset="0"/>
+              </a:rPr>
+              <a:t>afficher des figures</a:t>
+            </a:r>
+            <a:r>
+              <a:rPr lang="fr-FR" sz="1600" u="none" strike="noStrike" dirty="0">
+                <a:effectLst/>
+                <a:latin typeface="Arial" panose="020B0604020202020204" pitchFamily="34" charset="0"/>
+                <a:ea typeface="Arial" panose="020B0604020202020204" pitchFamily="34" charset="0"/>
+              </a:rPr>
+              <a:t>	</a:t>
+            </a:r>
+          </a:p>
+          <a:p>
+            <a:pPr marL="800100" lvl="1" indent="-342900" algn="just">
+              <a:lnSpc>
+                <a:spcPct val="115000"/>
+              </a:lnSpc>
+              <a:buFont typeface="Arial" panose="020B0604020202020204" pitchFamily="34" charset="0"/>
+              <a:buChar char="●"/>
+            </a:pPr>
+            <a:r>
+              <a:rPr lang="fr-FR" sz="1600" b="1" u="none" strike="noStrike" dirty="0" err="1">
+                <a:solidFill>
+                  <a:srgbClr val="E36C0A"/>
+                </a:solidFill>
+                <a:effectLst/>
+                <a:latin typeface="Arial" panose="020B0604020202020204" pitchFamily="34" charset="0"/>
+                <a:ea typeface="Arial" panose="020B0604020202020204" pitchFamily="34" charset="0"/>
+              </a:rPr>
+              <a:t>pyplot</a:t>
+            </a:r>
+            <a:r>
+              <a:rPr lang="fr-FR" sz="1600" b="1" u="none" strike="noStrike" dirty="0">
+                <a:solidFill>
+                  <a:srgbClr val="1155CC"/>
+                </a:solidFill>
+                <a:effectLst/>
+                <a:latin typeface="Arial" panose="020B0604020202020204" pitchFamily="34" charset="0"/>
+                <a:ea typeface="Arial" panose="020B0604020202020204" pitchFamily="34" charset="0"/>
+              </a:rPr>
+              <a:t>  .figure  .plot  .</a:t>
+            </a:r>
+            <a:r>
+              <a:rPr lang="fr-FR" sz="1600" b="1" u="none" strike="noStrike" dirty="0" err="1">
+                <a:solidFill>
+                  <a:srgbClr val="1155CC"/>
+                </a:solidFill>
+                <a:effectLst/>
+                <a:latin typeface="Arial" panose="020B0604020202020204" pitchFamily="34" charset="0"/>
+                <a:ea typeface="Arial" panose="020B0604020202020204" pitchFamily="34" charset="0"/>
+              </a:rPr>
+              <a:t>title</a:t>
+            </a:r>
+            <a:r>
+              <a:rPr lang="fr-FR" sz="1600" b="1" u="none" strike="noStrike" dirty="0">
+                <a:solidFill>
+                  <a:srgbClr val="1155CC"/>
+                </a:solidFill>
+                <a:effectLst/>
+                <a:latin typeface="Arial" panose="020B0604020202020204" pitchFamily="34" charset="0"/>
+                <a:ea typeface="Arial" panose="020B0604020202020204" pitchFamily="34" charset="0"/>
+              </a:rPr>
+              <a:t>  </a:t>
+            </a:r>
+            <a:r>
+              <a:rPr lang="fr-FR" sz="1600" b="1" dirty="0">
+                <a:solidFill>
+                  <a:srgbClr val="1155CC"/>
+                </a:solidFill>
+                <a:effectLst/>
+                <a:latin typeface="Arial" panose="020B0604020202020204" pitchFamily="34" charset="0"/>
+                <a:ea typeface="Arial" panose="020B0604020202020204" pitchFamily="34" charset="0"/>
+              </a:rPr>
+              <a:t>.</a:t>
+            </a:r>
+            <a:r>
+              <a:rPr lang="fr-FR" sz="1600" b="1" dirty="0" err="1">
+                <a:solidFill>
+                  <a:srgbClr val="1155CC"/>
+                </a:solidFill>
+                <a:effectLst/>
+                <a:latin typeface="Arial" panose="020B0604020202020204" pitchFamily="34" charset="0"/>
+                <a:ea typeface="Arial" panose="020B0604020202020204" pitchFamily="34" charset="0"/>
+              </a:rPr>
+              <a:t>xlabel</a:t>
+            </a:r>
+            <a:r>
+              <a:rPr lang="fr-FR" sz="1600" b="1" dirty="0">
+                <a:solidFill>
+                  <a:srgbClr val="1155CC"/>
+                </a:solidFill>
+                <a:effectLst/>
+                <a:latin typeface="Arial" panose="020B0604020202020204" pitchFamily="34" charset="0"/>
+                <a:ea typeface="Arial" panose="020B0604020202020204" pitchFamily="34" charset="0"/>
+              </a:rPr>
+              <a:t> .</a:t>
+            </a:r>
+            <a:r>
+              <a:rPr lang="fr-FR" sz="1600" b="1" dirty="0" err="1">
+                <a:solidFill>
+                  <a:srgbClr val="1155CC"/>
+                </a:solidFill>
+                <a:effectLst/>
+                <a:latin typeface="Arial" panose="020B0604020202020204" pitchFamily="34" charset="0"/>
+                <a:ea typeface="Arial" panose="020B0604020202020204" pitchFamily="34" charset="0"/>
+              </a:rPr>
+              <a:t>ylabel</a:t>
+            </a:r>
+            <a:r>
+              <a:rPr lang="fr-FR" sz="1600" b="1" dirty="0">
+                <a:solidFill>
+                  <a:srgbClr val="1155CC"/>
+                </a:solidFill>
+                <a:effectLst/>
+                <a:latin typeface="Arial" panose="020B0604020202020204" pitchFamily="34" charset="0"/>
+                <a:ea typeface="Arial" panose="020B0604020202020204" pitchFamily="34" charset="0"/>
+              </a:rPr>
+              <a:t> .</a:t>
+            </a:r>
+            <a:r>
+              <a:rPr lang="fr-FR" sz="1600" b="1" dirty="0" err="1">
+                <a:solidFill>
+                  <a:srgbClr val="1155CC"/>
+                </a:solidFill>
+                <a:effectLst/>
+                <a:latin typeface="Arial" panose="020B0604020202020204" pitchFamily="34" charset="0"/>
+                <a:ea typeface="Arial" panose="020B0604020202020204" pitchFamily="34" charset="0"/>
+              </a:rPr>
+              <a:t>legend</a:t>
+            </a:r>
+            <a:r>
+              <a:rPr lang="fr-FR" sz="1600" dirty="0">
+                <a:effectLst/>
+                <a:latin typeface="Arial" panose="020B0604020202020204" pitchFamily="34" charset="0"/>
+                <a:ea typeface="Arial" panose="020B0604020202020204" pitchFamily="34" charset="0"/>
+              </a:rPr>
+              <a:t> </a:t>
+            </a:r>
+          </a:p>
+          <a:p>
+            <a:pPr marL="342900" lvl="0" indent="-342900" algn="just">
+              <a:lnSpc>
+                <a:spcPct val="115000"/>
+              </a:lnSpc>
+              <a:buFont typeface="Arial" panose="020B0604020202020204" pitchFamily="34" charset="0"/>
+              <a:buChar char="●"/>
+            </a:pPr>
+            <a:r>
+              <a:rPr lang="fr-FR" sz="1600" b="1" u="none" strike="noStrike" dirty="0">
+                <a:effectLst/>
+                <a:latin typeface="Arial" panose="020B0604020202020204" pitchFamily="34" charset="0"/>
+                <a:ea typeface="Arial" panose="020B0604020202020204" pitchFamily="34" charset="0"/>
+              </a:rPr>
+              <a:t>calculer la FFT</a:t>
+            </a:r>
+          </a:p>
+          <a:p>
+            <a:pPr marL="800100" lvl="1" indent="-342900" algn="just">
+              <a:lnSpc>
+                <a:spcPct val="115000"/>
+              </a:lnSpc>
+              <a:buFont typeface="Arial" panose="020B0604020202020204" pitchFamily="34" charset="0"/>
+              <a:buChar char="●"/>
+            </a:pPr>
+            <a:r>
+              <a:rPr lang="fr-FR" sz="1600" b="1" u="none" strike="noStrike" dirty="0" err="1">
+                <a:solidFill>
+                  <a:srgbClr val="E36C0A"/>
+                </a:solidFill>
+                <a:effectLst/>
+                <a:latin typeface="Arial" panose="020B0604020202020204" pitchFamily="34" charset="0"/>
+                <a:ea typeface="Arial" panose="020B0604020202020204" pitchFamily="34" charset="0"/>
+              </a:rPr>
+              <a:t>numpy</a:t>
+            </a:r>
+            <a:r>
+              <a:rPr lang="fr-FR" sz="1600" b="1" u="none" strike="noStrike" dirty="0">
+                <a:solidFill>
+                  <a:srgbClr val="1155CC"/>
+                </a:solidFill>
+                <a:effectLst/>
+                <a:latin typeface="Arial" panose="020B0604020202020204" pitchFamily="34" charset="0"/>
+                <a:ea typeface="Arial" panose="020B0604020202020204" pitchFamily="34" charset="0"/>
+              </a:rPr>
+              <a:t>  .</a:t>
+            </a:r>
+            <a:r>
+              <a:rPr lang="fr-FR" sz="1600" b="1" u="none" strike="noStrike" dirty="0" err="1">
+                <a:solidFill>
+                  <a:srgbClr val="1155CC"/>
+                </a:solidFill>
+                <a:effectLst/>
+                <a:latin typeface="Arial" panose="020B0604020202020204" pitchFamily="34" charset="0"/>
+                <a:ea typeface="Arial" panose="020B0604020202020204" pitchFamily="34" charset="0"/>
+              </a:rPr>
+              <a:t>fft.fft</a:t>
+            </a:r>
+            <a:r>
+              <a:rPr lang="fr-FR" sz="1600" b="1" u="none" strike="noStrike" dirty="0">
+                <a:solidFill>
+                  <a:srgbClr val="1155CC"/>
+                </a:solidFill>
+                <a:effectLst/>
+                <a:latin typeface="Arial" panose="020B0604020202020204" pitchFamily="34" charset="0"/>
+                <a:ea typeface="Arial" panose="020B0604020202020204" pitchFamily="34" charset="0"/>
+              </a:rPr>
+              <a:t>    .</a:t>
+            </a:r>
+            <a:r>
+              <a:rPr lang="fr-FR" sz="1600" b="1" u="none" strike="noStrike" dirty="0" err="1">
+                <a:solidFill>
+                  <a:srgbClr val="1155CC"/>
+                </a:solidFill>
+                <a:effectLst/>
+                <a:latin typeface="Arial" panose="020B0604020202020204" pitchFamily="34" charset="0"/>
+                <a:ea typeface="Arial" panose="020B0604020202020204" pitchFamily="34" charset="0"/>
+              </a:rPr>
+              <a:t>fft.fftshift</a:t>
+            </a:r>
+            <a:endParaRPr lang="fr-FR" sz="1600" b="1" dirty="0"/>
           </a:p>
         </p:txBody>
       </p:sp>
       <p:sp>
         <p:nvSpPr>
-          <p:cNvPr id="8" name="ZoneTexte 7">
-            <a:extLst>
-              <a:ext uri="{FF2B5EF4-FFF2-40B4-BE49-F238E27FC236}">
-                <a16:creationId xmlns:a16="http://schemas.microsoft.com/office/drawing/2014/main" id="{2F8DDC0A-7585-8CBE-9ED2-C787845E64C5}"/>
-              </a:ext>
-            </a:extLst>
-          </p:cNvPr>
-          <p:cNvSpPr txBox="1"/>
+          <p:cNvPr id="3" name="Espace réservé du contenu 6">
+            <a:extLst>
+              <a:ext uri="{FF2B5EF4-FFF2-40B4-BE49-F238E27FC236}">
+                <a16:creationId xmlns:a16="http://schemas.microsoft.com/office/drawing/2014/main" id="{8C067A9A-5B9B-23F2-8492-34670908B5B5}"/>
+              </a:ext>
+            </a:extLst>
+          </p:cNvPr>
+          <p:cNvSpPr txBox="1">
+            <a:spLocks/>
+          </p:cNvSpPr>
           <p:nvPr/>
         </p:nvSpPr>
         <p:spPr>
           <a:xfrm>
-            <a:off x="1662010" y="3144411"/>
-            <a:ext cx="6096000" cy="1015663"/>
+            <a:off x="7118555" y="2133895"/>
+            <a:ext cx="4415070" cy="3694176"/>
           </a:xfrm>
           <a:prstGeom prst="rect">
             <a:avLst/>
           </a:prstGeom>
-          <a:noFill/>
-        </p:spPr>
-        <p:txBody>
-          <a:bodyPr wrap="square">
-            <a:spAutoFit/>
+        </p:spPr>
+        <p:txBody>
+          <a:bodyPr vert="horz" lIns="91440" tIns="45720" rIns="91440" bIns="45720" rtlCol="0">
+            <a:normAutofit/>
           </a:bodyPr>
-          <a:lstStyle/>
-          <a:p>
-            <a:pPr marL="342900" indent="-342900">
+          <a:lstStyle>
+            <a:lvl1pPr marL="228600" indent="-228600" algn="l" defTabSz="914400" rtl="0" eaLnBrk="1" latinLnBrk="0" hangingPunct="1">
+              <a:lnSpc>
+                <a:spcPct val="110000"/>
+              </a:lnSpc>
+              <a:spcBef>
+                <a:spcPts val="1000"/>
+              </a:spcBef>
               <a:buFont typeface="Arial" panose="020B0604020202020204" pitchFamily="34" charset="0"/>
               <a:buChar char="•"/>
+              <a:defRPr sz="2800" kern="1200">
+                <a:solidFill>
+                  <a:schemeClr val="tx1"/>
+                </a:solidFill>
+                <a:latin typeface="+mn-lt"/>
+                <a:ea typeface="+mn-ea"/>
+                <a:cs typeface="+mn-cs"/>
+              </a:defRPr>
+            </a:lvl1pPr>
+            <a:lvl2pPr marL="685800" indent="-228600" algn="l" defTabSz="914400" rtl="0" eaLnBrk="1" latinLnBrk="0" hangingPunct="1">
+              <a:lnSpc>
+                <a:spcPct val="110000"/>
+              </a:lnSpc>
+              <a:spcBef>
+                <a:spcPts val="500"/>
+              </a:spcBef>
+              <a:buFont typeface="Arial" panose="020B0604020202020204" pitchFamily="34" charset="0"/>
+              <a:buChar char="•"/>
+              <a:defRPr sz="2400" kern="1200">
+                <a:solidFill>
+                  <a:schemeClr val="tx1"/>
+                </a:solidFill>
+                <a:latin typeface="+mn-lt"/>
+                <a:ea typeface="+mn-ea"/>
+                <a:cs typeface="+mn-cs"/>
+              </a:defRPr>
+            </a:lvl2pPr>
+            <a:lvl3pPr marL="1143000" indent="-228600" algn="l" defTabSz="914400" rtl="0" eaLnBrk="1" latinLnBrk="0" hangingPunct="1">
+              <a:lnSpc>
+                <a:spcPct val="110000"/>
+              </a:lnSpc>
+              <a:spcBef>
+                <a:spcPts val="500"/>
+              </a:spcBef>
+              <a:buFont typeface="Arial" panose="020B0604020202020204" pitchFamily="34" charset="0"/>
+              <a:buChar char="•"/>
+              <a:defRPr sz="2000" kern="1200">
+                <a:solidFill>
+                  <a:schemeClr val="tx1"/>
+                </a:solidFill>
+                <a:latin typeface="+mn-lt"/>
+                <a:ea typeface="+mn-ea"/>
+                <a:cs typeface="+mn-cs"/>
+              </a:defRPr>
+            </a:lvl3pPr>
+            <a:lvl4pPr marL="1600200" indent="-228600" algn="l" defTabSz="914400" rtl="0" eaLnBrk="1" latinLnBrk="0" hangingPunct="1">
+              <a:lnSpc>
+                <a:spcPct val="110000"/>
+              </a:lnSpc>
+              <a:spcBef>
+                <a:spcPts val="500"/>
+              </a:spcBef>
+              <a:buFont typeface="Arial" panose="020B0604020202020204" pitchFamily="34" charset="0"/>
+              <a:buChar char="•"/>
+              <a:defRPr sz="1800" kern="1200">
+                <a:solidFill>
+                  <a:schemeClr val="tx1"/>
+                </a:solidFill>
+                <a:latin typeface="+mn-lt"/>
+                <a:ea typeface="+mn-ea"/>
+                <a:cs typeface="+mn-cs"/>
+              </a:defRPr>
+            </a:lvl4pPr>
+            <a:lvl5pPr marL="2057400" indent="-228600" algn="l" defTabSz="914400" rtl="0" eaLnBrk="1" latinLnBrk="0" hangingPunct="1">
+              <a:lnSpc>
+                <a:spcPct val="110000"/>
+              </a:lnSpc>
+              <a:spcBef>
+                <a:spcPts val="500"/>
+              </a:spcBef>
+              <a:buFont typeface="Arial" panose="020B0604020202020204" pitchFamily="34" charset="0"/>
+              <a:buChar char="•"/>
+              <a:defRPr sz="1800" kern="1200">
+                <a:solidFill>
+                  <a:schemeClr val="tx1"/>
+                </a:solidFill>
+                <a:latin typeface="+mn-lt"/>
+                <a:ea typeface="+mn-ea"/>
+                <a:cs typeface="+mn-cs"/>
+              </a:defRPr>
+            </a:lvl5pPr>
+            <a:lvl6pPr marL="2514600" indent="-228600" algn="l" defTabSz="914400" rtl="0" eaLnBrk="1" latinLnBrk="0" hangingPunct="1">
+              <a:lnSpc>
+                <a:spcPct val="90000"/>
+              </a:lnSpc>
+              <a:spcBef>
+                <a:spcPts val="500"/>
+              </a:spcBef>
+              <a:buFont typeface="Arial" panose="020B0604020202020204" pitchFamily="34" charset="0"/>
+              <a:buChar char="•"/>
+              <a:defRPr sz="1800" kern="1200">
+                <a:solidFill>
+                  <a:schemeClr val="tx1"/>
+                </a:solidFill>
+                <a:latin typeface="+mn-lt"/>
+                <a:ea typeface="+mn-ea"/>
+                <a:cs typeface="+mn-cs"/>
+              </a:defRPr>
+            </a:lvl6pPr>
+            <a:lvl7pPr marL="2971800" indent="-228600" algn="l" defTabSz="914400" rtl="0" eaLnBrk="1" latinLnBrk="0" hangingPunct="1">
+              <a:lnSpc>
+                <a:spcPct val="90000"/>
+              </a:lnSpc>
+              <a:spcBef>
+                <a:spcPts val="500"/>
+              </a:spcBef>
+              <a:buFont typeface="Arial" panose="020B0604020202020204" pitchFamily="34" charset="0"/>
+              <a:buChar char="•"/>
+              <a:defRPr sz="1800" kern="1200">
+                <a:solidFill>
+                  <a:schemeClr val="tx1"/>
+                </a:solidFill>
+                <a:latin typeface="+mn-lt"/>
+                <a:ea typeface="+mn-ea"/>
+                <a:cs typeface="+mn-cs"/>
+              </a:defRPr>
+            </a:lvl7pPr>
+            <a:lvl8pPr marL="3429000" indent="-228600" algn="l" defTabSz="914400" rtl="0" eaLnBrk="1" latinLnBrk="0" hangingPunct="1">
+              <a:lnSpc>
+                <a:spcPct val="90000"/>
+              </a:lnSpc>
+              <a:spcBef>
+                <a:spcPts val="500"/>
+              </a:spcBef>
+              <a:buFont typeface="Arial" panose="020B0604020202020204" pitchFamily="34" charset="0"/>
+              <a:buChar char="•"/>
+              <a:defRPr sz="1800" kern="1200">
+                <a:solidFill>
+                  <a:schemeClr val="tx1"/>
+                </a:solidFill>
+                <a:latin typeface="+mn-lt"/>
+                <a:ea typeface="+mn-ea"/>
+                <a:cs typeface="+mn-cs"/>
+              </a:defRPr>
+            </a:lvl8pPr>
+            <a:lvl9pPr marL="3886200" indent="-228600" algn="l" defTabSz="914400" rtl="0" eaLnBrk="1" latinLnBrk="0" hangingPunct="1">
+              <a:lnSpc>
+                <a:spcPct val="90000"/>
+              </a:lnSpc>
+              <a:spcBef>
+                <a:spcPts val="500"/>
+              </a:spcBef>
+              <a:buFont typeface="Arial" panose="020B0604020202020204" pitchFamily="34" charset="0"/>
+              <a:buChar char="•"/>
+              <a:defRPr sz="1800" kern="1200">
+                <a:solidFill>
+                  <a:schemeClr val="tx1"/>
+                </a:solidFill>
+                <a:latin typeface="+mn-lt"/>
+                <a:ea typeface="+mn-ea"/>
+                <a:cs typeface="+mn-cs"/>
+              </a:defRPr>
+            </a:lvl9pPr>
+          </a:lstStyle>
+          <a:p>
+            <a:pPr marL="342900" indent="-342900" algn="just">
+              <a:lnSpc>
+                <a:spcPct val="115000"/>
+              </a:lnSpc>
+              <a:buFont typeface="Arial" panose="020B0604020202020204" pitchFamily="34" charset="0"/>
+              <a:buChar char="●"/>
             </a:pPr>
             <a:r>
-              <a:rPr lang="fr-FR" sz="2000" b="1" dirty="0"/>
-              <a:t>Evaluation en séance 4</a:t>
-            </a:r>
-          </a:p>
-          <a:p>
-            <a:pPr lvl="1"/>
-            <a:r>
-              <a:rPr lang="fr-FR" sz="2000" b="1" dirty="0"/>
-              <a:t>Par </a:t>
-            </a:r>
-            <a:r>
-              <a:rPr lang="fr-FR" sz="2000" b="1" dirty="0" err="1"/>
-              <a:t>binome</a:t>
-            </a:r>
-            <a:endParaRPr lang="fr-FR" sz="2000" b="1" dirty="0"/>
-          </a:p>
-          <a:p>
-            <a:pPr marL="342900" indent="-342900">
-              <a:buFontTx/>
-              <a:buChar char="-"/>
+              <a:rPr lang="fr-FR" sz="1600" b="1" dirty="0">
+                <a:latin typeface="Arial" panose="020B0604020202020204" pitchFamily="34" charset="0"/>
+                <a:ea typeface="Arial" panose="020B0604020202020204" pitchFamily="34" charset="0"/>
+              </a:rPr>
+              <a:t>transcodage / </a:t>
+            </a:r>
+            <a:r>
+              <a:rPr lang="fr-FR" sz="1600" b="1" dirty="0" err="1">
+                <a:latin typeface="Arial" panose="020B0604020202020204" pitchFamily="34" charset="0"/>
+                <a:ea typeface="Arial" panose="020B0604020202020204" pitchFamily="34" charset="0"/>
+              </a:rPr>
+              <a:t>Numpy</a:t>
+            </a:r>
+            <a:r>
+              <a:rPr lang="fr-FR" sz="1600" b="1" dirty="0">
+                <a:latin typeface="Arial" panose="020B0604020202020204" pitchFamily="34" charset="0"/>
+                <a:ea typeface="Arial" panose="020B0604020202020204" pitchFamily="34" charset="0"/>
+              </a:rPr>
+              <a:t> types</a:t>
+            </a:r>
+          </a:p>
+          <a:p>
+            <a:pPr marL="800100" lvl="1" indent="-342900" algn="just">
+              <a:lnSpc>
+                <a:spcPct val="115000"/>
+              </a:lnSpc>
+              <a:buFont typeface="Arial" panose="020B0604020202020204" pitchFamily="34" charset="0"/>
+              <a:buChar char="●"/>
             </a:pPr>
-            <a:endParaRPr lang="fr-FR" sz="2000" b="1" dirty="0"/>
-          </a:p>
-        </p:txBody>
-      </p:sp>
-      <p:pic>
-        <p:nvPicPr>
-          <p:cNvPr id="3" name="Image 2">
-            <a:extLst>
-              <a:ext uri="{FF2B5EF4-FFF2-40B4-BE49-F238E27FC236}">
-                <a16:creationId xmlns:a16="http://schemas.microsoft.com/office/drawing/2014/main" id="{B0EAF67F-286B-BC70-EDEC-DAF1C91012C3}"/>
-              </a:ext>
-            </a:extLst>
-          </p:cNvPr>
-          <p:cNvPicPr>
-            <a:picLocks noChangeAspect="1"/>
-          </p:cNvPicPr>
-          <p:nvPr/>
-        </p:nvPicPr>
-        <p:blipFill>
-          <a:blip r:embed="rId3"/>
-          <a:stretch>
-            <a:fillRect/>
-          </a:stretch>
-        </p:blipFill>
-        <p:spPr>
-          <a:xfrm>
-            <a:off x="6958537" y="1612490"/>
-            <a:ext cx="5030541" cy="5071774"/>
-          </a:xfrm>
-          <a:prstGeom prst="rect">
-            <a:avLst/>
-          </a:prstGeom>
-        </p:spPr>
-      </p:pic>
+            <a:r>
+              <a:rPr lang="fr-FR" sz="1600" b="1" u="none" strike="noStrike" dirty="0" err="1">
+                <a:solidFill>
+                  <a:srgbClr val="E36C0A"/>
+                </a:solidFill>
+                <a:effectLst/>
+                <a:latin typeface="Arial" panose="020B0604020202020204" pitchFamily="34" charset="0"/>
+                <a:ea typeface="Arial" panose="020B0604020202020204" pitchFamily="34" charset="0"/>
+              </a:rPr>
+              <a:t>numpy</a:t>
+            </a:r>
+            <a:r>
+              <a:rPr lang="fr-FR" sz="1600" b="1" u="none" strike="noStrike" dirty="0">
+                <a:solidFill>
+                  <a:srgbClr val="E36C0A"/>
+                </a:solidFill>
+                <a:effectLst/>
+                <a:latin typeface="Arial" panose="020B0604020202020204" pitchFamily="34" charset="0"/>
+                <a:ea typeface="Arial" panose="020B0604020202020204" pitchFamily="34" charset="0"/>
+              </a:rPr>
+              <a:t> </a:t>
+            </a:r>
+            <a:r>
+              <a:rPr lang="fr-FR" sz="1600" b="1" u="none" strike="noStrike" dirty="0">
+                <a:solidFill>
+                  <a:srgbClr val="1155CC"/>
+                </a:solidFill>
+                <a:effectLst/>
+                <a:latin typeface="Arial" panose="020B0604020202020204" pitchFamily="34" charset="0"/>
+                <a:ea typeface="Arial" panose="020B0604020202020204" pitchFamily="34" charset="0"/>
+              </a:rPr>
+              <a:t>.</a:t>
+            </a:r>
+            <a:r>
+              <a:rPr lang="fr-FR" sz="1600" b="1" u="none" strike="noStrike" dirty="0" err="1">
+                <a:solidFill>
+                  <a:srgbClr val="1155CC"/>
+                </a:solidFill>
+                <a:effectLst/>
+                <a:latin typeface="Arial" panose="020B0604020202020204" pitchFamily="34" charset="0"/>
+                <a:ea typeface="Arial" panose="020B0604020202020204" pitchFamily="34" charset="0"/>
+              </a:rPr>
+              <a:t>frombuffer</a:t>
+            </a:r>
+            <a:r>
+              <a:rPr lang="fr-FR" sz="1600" b="1" dirty="0">
+                <a:solidFill>
+                  <a:srgbClr val="1155CC"/>
+                </a:solidFill>
+                <a:latin typeface="Arial" panose="020B0604020202020204" pitchFamily="34" charset="0"/>
+                <a:ea typeface="Arial" panose="020B0604020202020204" pitchFamily="34" charset="0"/>
+              </a:rPr>
+              <a:t>  .</a:t>
+            </a:r>
+            <a:r>
+              <a:rPr lang="fr-FR" sz="1600" b="1" dirty="0" err="1">
+                <a:solidFill>
+                  <a:srgbClr val="1155CC"/>
+                </a:solidFill>
+                <a:latin typeface="Arial" panose="020B0604020202020204" pitchFamily="34" charset="0"/>
+                <a:ea typeface="Arial" panose="020B0604020202020204" pitchFamily="34" charset="0"/>
+              </a:rPr>
+              <a:t>astype</a:t>
+            </a:r>
+            <a:endParaRPr lang="fr-FR" sz="800" b="1" dirty="0">
+              <a:latin typeface="Arial" panose="020B0604020202020204" pitchFamily="34" charset="0"/>
+              <a:ea typeface="Arial" panose="020B0604020202020204" pitchFamily="34" charset="0"/>
+            </a:endParaRPr>
+          </a:p>
+          <a:p>
+            <a:pPr marL="342900" indent="-342900" algn="just">
+              <a:lnSpc>
+                <a:spcPct val="115000"/>
+              </a:lnSpc>
+              <a:buFont typeface="Arial" panose="020B0604020202020204" pitchFamily="34" charset="0"/>
+              <a:buChar char="●"/>
+            </a:pPr>
+            <a:r>
+              <a:rPr lang="fr-FR" sz="1600" b="1" dirty="0">
+                <a:latin typeface="Arial" panose="020B0604020202020204" pitchFamily="34" charset="0"/>
+                <a:ea typeface="Arial" panose="020B0604020202020204" pitchFamily="34" charset="0"/>
+              </a:rPr>
+              <a:t>encodage B64</a:t>
+            </a:r>
+          </a:p>
+          <a:p>
+            <a:pPr marL="800100" lvl="1" indent="-342900" algn="just">
+              <a:lnSpc>
+                <a:spcPct val="115000"/>
+              </a:lnSpc>
+              <a:buFont typeface="Arial" panose="020B0604020202020204" pitchFamily="34" charset="0"/>
+              <a:buChar char="●"/>
+            </a:pPr>
+            <a:r>
+              <a:rPr lang="fr-FR" sz="1600" b="1" dirty="0">
+                <a:solidFill>
+                  <a:srgbClr val="E36C0A"/>
+                </a:solidFill>
+                <a:latin typeface="Arial" panose="020B0604020202020204" pitchFamily="34" charset="0"/>
+                <a:ea typeface="Arial" panose="020B0604020202020204" pitchFamily="34" charset="0"/>
+              </a:rPr>
+              <a:t>base64 </a:t>
+            </a:r>
+            <a:r>
+              <a:rPr lang="fr-FR" sz="1600" b="1" dirty="0">
+                <a:solidFill>
+                  <a:srgbClr val="1155CC"/>
+                </a:solidFill>
+                <a:latin typeface="Arial" panose="020B0604020202020204" pitchFamily="34" charset="0"/>
+                <a:ea typeface="Arial" panose="020B0604020202020204" pitchFamily="34" charset="0"/>
+              </a:rPr>
+              <a:t>.b64encode </a:t>
+            </a:r>
+            <a:r>
+              <a:rPr lang="fr-FR" sz="1600" b="1" dirty="0">
+                <a:solidFill>
+                  <a:srgbClr val="E36C0A"/>
+                </a:solidFill>
+                <a:latin typeface="Arial" panose="020B0604020202020204" pitchFamily="34" charset="0"/>
+                <a:ea typeface="Arial" panose="020B0604020202020204" pitchFamily="34" charset="0"/>
+              </a:rPr>
+              <a:t> </a:t>
+            </a:r>
+            <a:r>
+              <a:rPr lang="fr-FR" sz="1600" b="1" dirty="0">
+                <a:solidFill>
+                  <a:srgbClr val="1155CC"/>
+                </a:solidFill>
+                <a:latin typeface="Arial" panose="020B0604020202020204" pitchFamily="34" charset="0"/>
+                <a:ea typeface="Arial" panose="020B0604020202020204" pitchFamily="34" charset="0"/>
+              </a:rPr>
+              <a:t>.b64decode </a:t>
+            </a:r>
+          </a:p>
+          <a:p>
+            <a:pPr marL="342900" indent="-342900" algn="just">
+              <a:lnSpc>
+                <a:spcPct val="115000"/>
+              </a:lnSpc>
+              <a:buFont typeface="Arial" panose="020B0604020202020204" pitchFamily="34" charset="0"/>
+              <a:buChar char="●"/>
+            </a:pPr>
+            <a:r>
+              <a:rPr lang="fr-FR" sz="1600" b="1" dirty="0">
+                <a:latin typeface="Arial" panose="020B0604020202020204" pitchFamily="34" charset="0"/>
+                <a:ea typeface="Arial" panose="020B0604020202020204" pitchFamily="34" charset="0"/>
+              </a:rPr>
+              <a:t>encodage WAV</a:t>
+            </a:r>
+            <a:r>
+              <a:rPr lang="fr-FR" sz="1600" dirty="0">
+                <a:latin typeface="Arial" panose="020B0604020202020204" pitchFamily="34" charset="0"/>
+                <a:ea typeface="Arial" panose="020B0604020202020204" pitchFamily="34" charset="0"/>
+              </a:rPr>
+              <a:t>	</a:t>
+            </a:r>
+          </a:p>
+          <a:p>
+            <a:pPr marL="800100" lvl="1" indent="-342900" algn="just">
+              <a:lnSpc>
+                <a:spcPct val="115000"/>
+              </a:lnSpc>
+              <a:buFont typeface="Arial" panose="020B0604020202020204" pitchFamily="34" charset="0"/>
+              <a:buChar char="●"/>
+            </a:pPr>
+            <a:r>
+              <a:rPr lang="en-US" sz="1600" b="1" dirty="0">
+                <a:solidFill>
+                  <a:srgbClr val="E36C0A"/>
+                </a:solidFill>
+                <a:latin typeface="Arial" panose="020B0604020202020204" pitchFamily="34" charset="0"/>
+                <a:ea typeface="Arial" panose="020B0604020202020204" pitchFamily="34" charset="0"/>
+              </a:rPr>
+              <a:t>scipy.io </a:t>
+            </a:r>
+            <a:r>
+              <a:rPr lang="fr-FR" sz="1600" b="1" dirty="0">
+                <a:solidFill>
+                  <a:srgbClr val="1155CC"/>
+                </a:solidFill>
+                <a:latin typeface="Arial" panose="020B0604020202020204" pitchFamily="34" charset="0"/>
+                <a:ea typeface="Arial" panose="020B0604020202020204" pitchFamily="34" charset="0"/>
+              </a:rPr>
+              <a:t>.</a:t>
+            </a:r>
+            <a:r>
+              <a:rPr lang="fr-FR" sz="1600" b="1" dirty="0" err="1">
+                <a:solidFill>
+                  <a:srgbClr val="1155CC"/>
+                </a:solidFill>
+                <a:latin typeface="Arial" panose="020B0604020202020204" pitchFamily="34" charset="0"/>
+                <a:ea typeface="Arial" panose="020B0604020202020204" pitchFamily="34" charset="0"/>
+              </a:rPr>
+              <a:t>wavfile.read</a:t>
+            </a:r>
+            <a:r>
+              <a:rPr lang="fr-FR" sz="1600" b="1" dirty="0">
+                <a:solidFill>
+                  <a:srgbClr val="1155CC"/>
+                </a:solidFill>
+                <a:latin typeface="Arial" panose="020B0604020202020204" pitchFamily="34" charset="0"/>
+                <a:ea typeface="Arial" panose="020B0604020202020204" pitchFamily="34" charset="0"/>
+              </a:rPr>
+              <a:t>   .</a:t>
+            </a:r>
+            <a:r>
+              <a:rPr lang="fr-FR" sz="1600" b="1" dirty="0" err="1">
+                <a:solidFill>
+                  <a:srgbClr val="1155CC"/>
+                </a:solidFill>
+                <a:latin typeface="Arial" panose="020B0604020202020204" pitchFamily="34" charset="0"/>
+                <a:ea typeface="Arial" panose="020B0604020202020204" pitchFamily="34" charset="0"/>
+              </a:rPr>
+              <a:t>write</a:t>
+            </a:r>
+            <a:endParaRPr lang="fr-FR" sz="1600" b="1" dirty="0">
+              <a:solidFill>
+                <a:srgbClr val="1155CC"/>
+              </a:solidFill>
+              <a:latin typeface="Arial" panose="020B0604020202020204" pitchFamily="34" charset="0"/>
+              <a:ea typeface="Arial" panose="020B0604020202020204" pitchFamily="34" charset="0"/>
+            </a:endParaRPr>
+          </a:p>
+        </p:txBody>
+      </p:sp>
     </p:spTree>
     <p:extLst>
       <p:ext uri="{BB962C8B-B14F-4D97-AF65-F5344CB8AC3E}">
-        <p14:creationId xmlns:p14="http://schemas.microsoft.com/office/powerpoint/2010/main" val="183049405"/>
+        <p14:creationId xmlns:p14="http://schemas.microsoft.com/office/powerpoint/2010/main" val="673778926"/>
       </p:ext>
     </p:extLst>
   </p:cSld>
@@ -14162,7 +16040,7 @@
           <a:p>
             <a:r>
               <a:rPr lang="fr-FR" dirty="0"/>
-              <a:t>Quelques fonctions intéressantes</a:t>
+              <a:t>Fichiers à analyser</a:t>
             </a:r>
           </a:p>
         </p:txBody>
@@ -14205,10 +16083,10 @@
       </p:pic>
       <p:sp>
         <p:nvSpPr>
-          <p:cNvPr id="7" name="Espace réservé du contenu 6">
-            <a:extLst>
-              <a:ext uri="{FF2B5EF4-FFF2-40B4-BE49-F238E27FC236}">
-                <a16:creationId xmlns:a16="http://schemas.microsoft.com/office/drawing/2014/main" id="{96119062-CBB4-87F4-D29F-DBE631A23655}"/>
+          <p:cNvPr id="4" name="Espace réservé du contenu 3">
+            <a:extLst>
+              <a:ext uri="{FF2B5EF4-FFF2-40B4-BE49-F238E27FC236}">
+                <a16:creationId xmlns:a16="http://schemas.microsoft.com/office/drawing/2014/main" id="{065D7787-5672-CB74-A1C6-896A93BE6AF3}"/>
               </a:ext>
             </a:extLst>
           </p:cNvPr>
@@ -14221,561 +16099,114 @@
         </p:nvSpPr>
         <p:spPr>
           <a:xfrm>
-            <a:off x="1223731" y="2133895"/>
-            <a:ext cx="5265560" cy="3694176"/>
-          </a:xfrm>
-        </p:spPr>
-        <p:txBody>
-          <a:bodyPr>
-            <a:normAutofit lnSpcReduction="10000"/>
+            <a:off x="1115567" y="2478024"/>
+            <a:ext cx="5393387" cy="3694176"/>
+          </a:xfrm>
+        </p:spPr>
+        <p:txBody>
+          <a:bodyPr/>
+          <a:lstStyle/>
+          <a:p>
+            <a:r>
+              <a:rPr lang="fr-FR" dirty="0"/>
+              <a:t>B3_data_01.csv</a:t>
+            </a:r>
+          </a:p>
+          <a:p>
+            <a:pPr lvl="1"/>
+            <a:r>
+              <a:rPr lang="fr-FR" sz="2000" dirty="0"/>
+              <a:t>Issu d’un oscilloscope </a:t>
+            </a:r>
+            <a:r>
+              <a:rPr lang="fr-FR" sz="2000" dirty="0" err="1"/>
+              <a:t>VoltCraft</a:t>
+            </a:r>
+            <a:endParaRPr lang="fr-FR" sz="2000" dirty="0"/>
+          </a:p>
+          <a:p>
+            <a:pPr lvl="1"/>
+            <a:r>
+              <a:rPr lang="fr-FR" sz="2000" dirty="0"/>
+              <a:t>Modulante sinusoïdale</a:t>
+            </a:r>
+            <a:endParaRPr lang="fr-FR" dirty="0"/>
+          </a:p>
+          <a:p>
+            <a:r>
+              <a:rPr lang="fr-FR" dirty="0"/>
+              <a:t>B3_data_02.txt</a:t>
+            </a:r>
+          </a:p>
+          <a:p>
+            <a:pPr lvl="1"/>
+            <a:r>
+              <a:rPr lang="fr-FR" sz="1800" dirty="0"/>
+              <a:t>Format de données binaire 64</a:t>
+            </a:r>
+          </a:p>
+          <a:p>
+            <a:pPr lvl="1"/>
+            <a:r>
+              <a:rPr lang="fr-FR" sz="1800" dirty="0"/>
+              <a:t>Modulante sinusoïdale</a:t>
+            </a:r>
+          </a:p>
+          <a:p>
+            <a:pPr lvl="1"/>
+            <a:r>
+              <a:rPr lang="fr-FR" sz="1800" dirty="0"/>
+              <a:t>Fichier sonore / 24 kHz / 16 bits</a:t>
+            </a:r>
+          </a:p>
+        </p:txBody>
+      </p:sp>
+      <p:sp>
+        <p:nvSpPr>
+          <p:cNvPr id="8" name="ZoneTexte 7">
+            <a:extLst>
+              <a:ext uri="{FF2B5EF4-FFF2-40B4-BE49-F238E27FC236}">
+                <a16:creationId xmlns:a16="http://schemas.microsoft.com/office/drawing/2014/main" id="{68758EE3-AB7D-E7C8-90BD-77D1155B966A}"/>
+              </a:ext>
+            </a:extLst>
+          </p:cNvPr>
+          <p:cNvSpPr txBox="1"/>
+          <p:nvPr/>
+        </p:nvSpPr>
+        <p:spPr>
+          <a:xfrm>
+            <a:off x="6195699" y="5703623"/>
+            <a:ext cx="5327705" cy="461665"/>
+          </a:xfrm>
+          <a:prstGeom prst="rect">
+            <a:avLst/>
+          </a:prstGeom>
+          <a:noFill/>
+        </p:spPr>
+        <p:txBody>
+          <a:bodyPr wrap="square">
+            <a:spAutoFit/>
           </a:bodyPr>
           <a:lstStyle/>
           <a:p>
-            <a:pPr marL="342900" lvl="0" indent="-342900" algn="just">
-              <a:lnSpc>
-                <a:spcPct val="115000"/>
-              </a:lnSpc>
-              <a:buFont typeface="Arial" panose="020B0604020202020204" pitchFamily="34" charset="0"/>
-              <a:buChar char="●"/>
-            </a:pPr>
-            <a:r>
-              <a:rPr lang="fr-FR" sz="1600" b="1" u="none" strike="noStrike" dirty="0">
-                <a:effectLst/>
-                <a:latin typeface="Arial" panose="020B0604020202020204" pitchFamily="34" charset="0"/>
-                <a:ea typeface="Arial" panose="020B0604020202020204" pitchFamily="34" charset="0"/>
-              </a:rPr>
-              <a:t>lire des fichiers CSV </a:t>
-            </a:r>
-            <a:endParaRPr lang="fr-FR" sz="1600" b="1" dirty="0">
-              <a:latin typeface="Arial" panose="020B0604020202020204" pitchFamily="34" charset="0"/>
-              <a:ea typeface="Arial" panose="020B0604020202020204" pitchFamily="34" charset="0"/>
-            </a:endParaRPr>
-          </a:p>
-          <a:p>
-            <a:pPr marL="800100" lvl="1" indent="-342900" algn="just">
-              <a:lnSpc>
-                <a:spcPct val="115000"/>
-              </a:lnSpc>
-              <a:buFont typeface="Arial" panose="020B0604020202020204" pitchFamily="34" charset="0"/>
-              <a:buChar char="●"/>
-            </a:pPr>
-            <a:r>
-              <a:rPr lang="fr-FR" sz="1600" b="1" u="none" strike="noStrike" dirty="0" err="1">
-                <a:solidFill>
-                  <a:srgbClr val="E36C0A"/>
-                </a:solidFill>
-                <a:effectLst/>
-                <a:latin typeface="Arial" panose="020B0604020202020204" pitchFamily="34" charset="0"/>
-                <a:ea typeface="Arial" panose="020B0604020202020204" pitchFamily="34" charset="0"/>
-              </a:rPr>
-              <a:t>numpy</a:t>
-            </a:r>
-            <a:r>
-              <a:rPr lang="fr-FR" sz="1600" b="1" u="none" strike="noStrike" dirty="0">
-                <a:solidFill>
-                  <a:srgbClr val="E36C0A"/>
-                </a:solidFill>
-                <a:effectLst/>
-                <a:latin typeface="Arial" panose="020B0604020202020204" pitchFamily="34" charset="0"/>
-                <a:ea typeface="Arial" panose="020B0604020202020204" pitchFamily="34" charset="0"/>
-              </a:rPr>
-              <a:t> </a:t>
-            </a:r>
-            <a:r>
-              <a:rPr lang="fr-FR" sz="1600" b="1" u="none" strike="noStrike" dirty="0">
-                <a:solidFill>
-                  <a:srgbClr val="1155CC"/>
-                </a:solidFill>
-                <a:effectLst/>
-                <a:latin typeface="Arial" panose="020B0604020202020204" pitchFamily="34" charset="0"/>
-                <a:ea typeface="Arial" panose="020B0604020202020204" pitchFamily="34" charset="0"/>
-              </a:rPr>
-              <a:t>.</a:t>
-            </a:r>
-            <a:r>
-              <a:rPr lang="fr-FR" sz="1600" b="1" u="none" strike="noStrike" dirty="0" err="1">
-                <a:solidFill>
-                  <a:srgbClr val="1155CC"/>
-                </a:solidFill>
-                <a:effectLst/>
-                <a:latin typeface="Arial" panose="020B0604020202020204" pitchFamily="34" charset="0"/>
-                <a:ea typeface="Arial" panose="020B0604020202020204" pitchFamily="34" charset="0"/>
-              </a:rPr>
-              <a:t>genfromtxt</a:t>
-            </a:r>
-            <a:r>
-              <a:rPr lang="fr-FR" sz="1600" b="1" u="none" strike="noStrike" dirty="0">
-                <a:solidFill>
-                  <a:srgbClr val="1155CC"/>
-                </a:solidFill>
-                <a:effectLst/>
-                <a:latin typeface="Arial" panose="020B0604020202020204" pitchFamily="34" charset="0"/>
-                <a:ea typeface="Arial" panose="020B0604020202020204" pitchFamily="34" charset="0"/>
-              </a:rPr>
-              <a:t> </a:t>
-            </a:r>
-          </a:p>
-          <a:p>
-            <a:pPr marL="800100" lvl="1" indent="-342900" algn="just">
-              <a:lnSpc>
-                <a:spcPct val="115000"/>
-              </a:lnSpc>
-              <a:buFont typeface="Arial" panose="020B0604020202020204" pitchFamily="34" charset="0"/>
-              <a:buChar char="●"/>
-            </a:pPr>
-            <a:r>
-              <a:rPr lang="fr-FR" sz="1600" b="1" dirty="0">
-                <a:solidFill>
-                  <a:srgbClr val="E36C0A"/>
-                </a:solidFill>
-                <a:effectLst/>
-                <a:latin typeface="Arial" panose="020B0604020202020204" pitchFamily="34" charset="0"/>
-                <a:ea typeface="Arial" panose="020B0604020202020204" pitchFamily="34" charset="0"/>
-              </a:rPr>
-              <a:t>pandas </a:t>
-            </a:r>
-            <a:r>
-              <a:rPr lang="fr-FR" sz="1600" b="1" dirty="0">
-                <a:solidFill>
-                  <a:srgbClr val="1155CC"/>
-                </a:solidFill>
-                <a:effectLst/>
-                <a:latin typeface="Arial" panose="020B0604020202020204" pitchFamily="34" charset="0"/>
-                <a:ea typeface="Arial" panose="020B0604020202020204" pitchFamily="34" charset="0"/>
-              </a:rPr>
-              <a:t>.</a:t>
-            </a:r>
-            <a:r>
-              <a:rPr lang="fr-FR" sz="1600" b="1" dirty="0" err="1">
-                <a:solidFill>
-                  <a:srgbClr val="1155CC"/>
-                </a:solidFill>
-                <a:effectLst/>
-                <a:latin typeface="Arial" panose="020B0604020202020204" pitchFamily="34" charset="0"/>
-                <a:ea typeface="Arial" panose="020B0604020202020204" pitchFamily="34" charset="0"/>
-              </a:rPr>
-              <a:t>read_csv</a:t>
-            </a:r>
-            <a:r>
-              <a:rPr lang="fr-FR" sz="1600" dirty="0">
-                <a:effectLst/>
-                <a:latin typeface="Arial" panose="020B0604020202020204" pitchFamily="34" charset="0"/>
-                <a:ea typeface="Arial" panose="020B0604020202020204" pitchFamily="34" charset="0"/>
-              </a:rPr>
-              <a:t> </a:t>
-            </a:r>
-          </a:p>
-          <a:p>
-            <a:pPr marL="342900" lvl="0" indent="-342900" algn="just">
-              <a:lnSpc>
-                <a:spcPct val="115000"/>
-              </a:lnSpc>
-              <a:buFont typeface="Arial" panose="020B0604020202020204" pitchFamily="34" charset="0"/>
-              <a:buChar char="●"/>
-            </a:pPr>
-            <a:r>
-              <a:rPr lang="fr-FR" sz="1600" b="1" u="none" strike="noStrike" dirty="0">
-                <a:effectLst/>
-                <a:latin typeface="Arial" panose="020B0604020202020204" pitchFamily="34" charset="0"/>
-                <a:ea typeface="Arial" panose="020B0604020202020204" pitchFamily="34" charset="0"/>
-              </a:rPr>
-              <a:t>créer de vecteurs / matrices</a:t>
-            </a:r>
-            <a:r>
-              <a:rPr lang="fr-FR" sz="1600" u="none" strike="noStrike" dirty="0">
-                <a:effectLst/>
-                <a:latin typeface="Arial" panose="020B0604020202020204" pitchFamily="34" charset="0"/>
-                <a:ea typeface="Arial" panose="020B0604020202020204" pitchFamily="34" charset="0"/>
-              </a:rPr>
-              <a:t>	</a:t>
-            </a:r>
-          </a:p>
-          <a:p>
-            <a:pPr marL="800100" lvl="1" indent="-342900" algn="just">
-              <a:lnSpc>
-                <a:spcPct val="115000"/>
-              </a:lnSpc>
-              <a:buFont typeface="Arial" panose="020B0604020202020204" pitchFamily="34" charset="0"/>
-              <a:buChar char="●"/>
-            </a:pPr>
-            <a:r>
-              <a:rPr lang="fr-FR" sz="1600" b="1" u="none" strike="noStrike" dirty="0" err="1">
-                <a:solidFill>
-                  <a:srgbClr val="E36C0A"/>
-                </a:solidFill>
-                <a:effectLst/>
-                <a:latin typeface="Arial" panose="020B0604020202020204" pitchFamily="34" charset="0"/>
-                <a:ea typeface="Arial" panose="020B0604020202020204" pitchFamily="34" charset="0"/>
-              </a:rPr>
-              <a:t>numpy</a:t>
-            </a:r>
-            <a:r>
-              <a:rPr lang="fr-FR" sz="1600" b="1" u="none" strike="noStrike" dirty="0">
-                <a:solidFill>
-                  <a:srgbClr val="1155CC"/>
-                </a:solidFill>
-                <a:effectLst/>
-                <a:latin typeface="Arial" panose="020B0604020202020204" pitchFamily="34" charset="0"/>
-                <a:ea typeface="Arial" panose="020B0604020202020204" pitchFamily="34" charset="0"/>
-              </a:rPr>
-              <a:t>  .</a:t>
-            </a:r>
-            <a:r>
-              <a:rPr lang="fr-FR" sz="1600" b="1" u="none" strike="noStrike" dirty="0" err="1">
-                <a:solidFill>
-                  <a:srgbClr val="1155CC"/>
-                </a:solidFill>
-                <a:effectLst/>
-                <a:latin typeface="Arial" panose="020B0604020202020204" pitchFamily="34" charset="0"/>
-                <a:ea typeface="Arial" panose="020B0604020202020204" pitchFamily="34" charset="0"/>
-              </a:rPr>
-              <a:t>linspace</a:t>
-            </a:r>
-            <a:r>
-              <a:rPr lang="fr-FR" sz="1600" b="1" u="none" strike="noStrike" dirty="0">
-                <a:solidFill>
-                  <a:srgbClr val="1155CC"/>
-                </a:solidFill>
-                <a:effectLst/>
-                <a:latin typeface="Arial" panose="020B0604020202020204" pitchFamily="34" charset="0"/>
-                <a:ea typeface="Arial" panose="020B0604020202020204" pitchFamily="34" charset="0"/>
-              </a:rPr>
-              <a:t>  .</a:t>
-            </a:r>
-            <a:r>
-              <a:rPr lang="fr-FR" sz="1600" b="1" u="none" strike="noStrike" dirty="0" err="1">
-                <a:solidFill>
-                  <a:srgbClr val="1155CC"/>
-                </a:solidFill>
-                <a:effectLst/>
-                <a:latin typeface="Arial" panose="020B0604020202020204" pitchFamily="34" charset="0"/>
-                <a:ea typeface="Arial" panose="020B0604020202020204" pitchFamily="34" charset="0"/>
-              </a:rPr>
-              <a:t>logspace</a:t>
-            </a:r>
-            <a:endParaRPr lang="fr-FR" sz="1600" b="1" u="none" strike="noStrike" dirty="0">
-              <a:solidFill>
-                <a:srgbClr val="1155CC"/>
-              </a:solidFill>
-              <a:effectLst/>
-              <a:latin typeface="Arial" panose="020B0604020202020204" pitchFamily="34" charset="0"/>
-              <a:ea typeface="Arial" panose="020B0604020202020204" pitchFamily="34" charset="0"/>
-            </a:endParaRPr>
-          </a:p>
-          <a:p>
-            <a:pPr marL="800100" lvl="1" indent="-342900" algn="just">
-              <a:lnSpc>
-                <a:spcPct val="115000"/>
-              </a:lnSpc>
-              <a:buFont typeface="Arial" panose="020B0604020202020204" pitchFamily="34" charset="0"/>
-              <a:buChar char="●"/>
-            </a:pPr>
-            <a:r>
-              <a:rPr lang="fr-FR" sz="1600" b="1" dirty="0" err="1">
-                <a:solidFill>
-                  <a:srgbClr val="E36C0A"/>
-                </a:solidFill>
-                <a:effectLst/>
-                <a:latin typeface="Arial" panose="020B0604020202020204" pitchFamily="34" charset="0"/>
-                <a:ea typeface="Arial" panose="020B0604020202020204" pitchFamily="34" charset="0"/>
-              </a:rPr>
-              <a:t>numpy</a:t>
-            </a:r>
-            <a:r>
-              <a:rPr lang="fr-FR" sz="1600" b="1" dirty="0">
-                <a:solidFill>
-                  <a:srgbClr val="1155CC"/>
-                </a:solidFill>
-                <a:effectLst/>
-                <a:latin typeface="Arial" panose="020B0604020202020204" pitchFamily="34" charset="0"/>
-                <a:ea typeface="Arial" panose="020B0604020202020204" pitchFamily="34" charset="0"/>
-              </a:rPr>
-              <a:t>  .</a:t>
-            </a:r>
-            <a:r>
-              <a:rPr lang="fr-FR" sz="1600" b="1" dirty="0" err="1">
-                <a:solidFill>
-                  <a:srgbClr val="1155CC"/>
-                </a:solidFill>
-                <a:effectLst/>
-                <a:latin typeface="Arial" panose="020B0604020202020204" pitchFamily="34" charset="0"/>
-                <a:ea typeface="Arial" panose="020B0604020202020204" pitchFamily="34" charset="0"/>
-              </a:rPr>
-              <a:t>ones</a:t>
-            </a:r>
-            <a:r>
-              <a:rPr lang="fr-FR" sz="1600" b="1" dirty="0">
-                <a:solidFill>
-                  <a:srgbClr val="1155CC"/>
-                </a:solidFill>
-                <a:effectLst/>
-                <a:latin typeface="Arial" panose="020B0604020202020204" pitchFamily="34" charset="0"/>
-                <a:ea typeface="Arial" panose="020B0604020202020204" pitchFamily="34" charset="0"/>
-              </a:rPr>
-              <a:t>   .</a:t>
-            </a:r>
-            <a:r>
-              <a:rPr lang="fr-FR" sz="1600" b="1" dirty="0" err="1">
-                <a:solidFill>
-                  <a:srgbClr val="1155CC"/>
-                </a:solidFill>
-                <a:effectLst/>
-                <a:latin typeface="Arial" panose="020B0604020202020204" pitchFamily="34" charset="0"/>
-                <a:ea typeface="Arial" panose="020B0604020202020204" pitchFamily="34" charset="0"/>
-              </a:rPr>
-              <a:t>zeros</a:t>
-            </a:r>
-            <a:endParaRPr lang="fr-FR" sz="1600" b="1" dirty="0">
-              <a:solidFill>
-                <a:srgbClr val="1155CC"/>
-              </a:solidFill>
-              <a:effectLst/>
-              <a:latin typeface="Arial" panose="020B0604020202020204" pitchFamily="34" charset="0"/>
-              <a:ea typeface="Arial" panose="020B0604020202020204" pitchFamily="34" charset="0"/>
-            </a:endParaRPr>
-          </a:p>
-          <a:p>
-            <a:pPr marL="342900" indent="-342900" algn="just">
-              <a:lnSpc>
-                <a:spcPct val="115000"/>
-              </a:lnSpc>
-              <a:buFont typeface="Arial" panose="020B0604020202020204" pitchFamily="34" charset="0"/>
-              <a:buChar char="●"/>
-            </a:pPr>
-            <a:r>
-              <a:rPr lang="fr-FR" sz="1600" b="1" u="none" strike="noStrike" dirty="0">
-                <a:effectLst/>
-                <a:latin typeface="Arial" panose="020B0604020202020204" pitchFamily="34" charset="0"/>
-                <a:ea typeface="Arial" panose="020B0604020202020204" pitchFamily="34" charset="0"/>
-              </a:rPr>
-              <a:t>afficher des figures</a:t>
-            </a:r>
-            <a:r>
-              <a:rPr lang="fr-FR" sz="1600" u="none" strike="noStrike" dirty="0">
-                <a:effectLst/>
-                <a:latin typeface="Arial" panose="020B0604020202020204" pitchFamily="34" charset="0"/>
-                <a:ea typeface="Arial" panose="020B0604020202020204" pitchFamily="34" charset="0"/>
-              </a:rPr>
-              <a:t>	</a:t>
-            </a:r>
-          </a:p>
-          <a:p>
-            <a:pPr marL="800100" lvl="1" indent="-342900" algn="just">
-              <a:lnSpc>
-                <a:spcPct val="115000"/>
-              </a:lnSpc>
-              <a:buFont typeface="Arial" panose="020B0604020202020204" pitchFamily="34" charset="0"/>
-              <a:buChar char="●"/>
-            </a:pPr>
-            <a:r>
-              <a:rPr lang="fr-FR" sz="1600" b="1" u="none" strike="noStrike" dirty="0" err="1">
-                <a:solidFill>
-                  <a:srgbClr val="E36C0A"/>
-                </a:solidFill>
-                <a:effectLst/>
-                <a:latin typeface="Arial" panose="020B0604020202020204" pitchFamily="34" charset="0"/>
-                <a:ea typeface="Arial" panose="020B0604020202020204" pitchFamily="34" charset="0"/>
-              </a:rPr>
-              <a:t>pyplot</a:t>
-            </a:r>
-            <a:r>
-              <a:rPr lang="fr-FR" sz="1600" b="1" u="none" strike="noStrike" dirty="0">
-                <a:solidFill>
-                  <a:srgbClr val="1155CC"/>
-                </a:solidFill>
-                <a:effectLst/>
-                <a:latin typeface="Arial" panose="020B0604020202020204" pitchFamily="34" charset="0"/>
-                <a:ea typeface="Arial" panose="020B0604020202020204" pitchFamily="34" charset="0"/>
-              </a:rPr>
-              <a:t>  .figure  .plot  .</a:t>
-            </a:r>
-            <a:r>
-              <a:rPr lang="fr-FR" sz="1600" b="1" u="none" strike="noStrike" dirty="0" err="1">
-                <a:solidFill>
-                  <a:srgbClr val="1155CC"/>
-                </a:solidFill>
-                <a:effectLst/>
-                <a:latin typeface="Arial" panose="020B0604020202020204" pitchFamily="34" charset="0"/>
-                <a:ea typeface="Arial" panose="020B0604020202020204" pitchFamily="34" charset="0"/>
-              </a:rPr>
-              <a:t>title</a:t>
-            </a:r>
-            <a:r>
-              <a:rPr lang="fr-FR" sz="1600" b="1" u="none" strike="noStrike" dirty="0">
-                <a:solidFill>
-                  <a:srgbClr val="1155CC"/>
-                </a:solidFill>
-                <a:effectLst/>
-                <a:latin typeface="Arial" panose="020B0604020202020204" pitchFamily="34" charset="0"/>
-                <a:ea typeface="Arial" panose="020B0604020202020204" pitchFamily="34" charset="0"/>
-              </a:rPr>
-              <a:t>  </a:t>
-            </a:r>
-            <a:r>
-              <a:rPr lang="fr-FR" sz="1600" b="1" dirty="0">
-                <a:solidFill>
-                  <a:srgbClr val="1155CC"/>
-                </a:solidFill>
-                <a:effectLst/>
-                <a:latin typeface="Arial" panose="020B0604020202020204" pitchFamily="34" charset="0"/>
-                <a:ea typeface="Arial" panose="020B0604020202020204" pitchFamily="34" charset="0"/>
-              </a:rPr>
-              <a:t>.</a:t>
-            </a:r>
-            <a:r>
-              <a:rPr lang="fr-FR" sz="1600" b="1" dirty="0" err="1">
-                <a:solidFill>
-                  <a:srgbClr val="1155CC"/>
-                </a:solidFill>
-                <a:effectLst/>
-                <a:latin typeface="Arial" panose="020B0604020202020204" pitchFamily="34" charset="0"/>
-                <a:ea typeface="Arial" panose="020B0604020202020204" pitchFamily="34" charset="0"/>
-              </a:rPr>
-              <a:t>xlabel</a:t>
-            </a:r>
-            <a:r>
-              <a:rPr lang="fr-FR" sz="1600" b="1" dirty="0">
-                <a:solidFill>
-                  <a:srgbClr val="1155CC"/>
-                </a:solidFill>
-                <a:effectLst/>
-                <a:latin typeface="Arial" panose="020B0604020202020204" pitchFamily="34" charset="0"/>
-                <a:ea typeface="Arial" panose="020B0604020202020204" pitchFamily="34" charset="0"/>
-              </a:rPr>
-              <a:t> .</a:t>
-            </a:r>
-            <a:r>
-              <a:rPr lang="fr-FR" sz="1600" b="1" dirty="0" err="1">
-                <a:solidFill>
-                  <a:srgbClr val="1155CC"/>
-                </a:solidFill>
-                <a:effectLst/>
-                <a:latin typeface="Arial" panose="020B0604020202020204" pitchFamily="34" charset="0"/>
-                <a:ea typeface="Arial" panose="020B0604020202020204" pitchFamily="34" charset="0"/>
-              </a:rPr>
-              <a:t>ylabel</a:t>
-            </a:r>
-            <a:r>
-              <a:rPr lang="fr-FR" sz="1600" b="1" dirty="0">
-                <a:solidFill>
-                  <a:srgbClr val="1155CC"/>
-                </a:solidFill>
-                <a:effectLst/>
-                <a:latin typeface="Arial" panose="020B0604020202020204" pitchFamily="34" charset="0"/>
-                <a:ea typeface="Arial" panose="020B0604020202020204" pitchFamily="34" charset="0"/>
-              </a:rPr>
-              <a:t> .</a:t>
-            </a:r>
-            <a:r>
-              <a:rPr lang="fr-FR" sz="1600" b="1" dirty="0" err="1">
-                <a:solidFill>
-                  <a:srgbClr val="1155CC"/>
-                </a:solidFill>
-                <a:effectLst/>
-                <a:latin typeface="Arial" panose="020B0604020202020204" pitchFamily="34" charset="0"/>
-                <a:ea typeface="Arial" panose="020B0604020202020204" pitchFamily="34" charset="0"/>
-              </a:rPr>
-              <a:t>legend</a:t>
-            </a:r>
-            <a:r>
-              <a:rPr lang="fr-FR" sz="1600" dirty="0">
-                <a:effectLst/>
-                <a:latin typeface="Arial" panose="020B0604020202020204" pitchFamily="34" charset="0"/>
-                <a:ea typeface="Arial" panose="020B0604020202020204" pitchFamily="34" charset="0"/>
-              </a:rPr>
-              <a:t> </a:t>
-            </a:r>
-          </a:p>
-          <a:p>
-            <a:pPr marL="342900" lvl="0" indent="-342900" algn="just">
-              <a:lnSpc>
-                <a:spcPct val="115000"/>
-              </a:lnSpc>
-              <a:buFont typeface="Arial" panose="020B0604020202020204" pitchFamily="34" charset="0"/>
-              <a:buChar char="●"/>
-            </a:pPr>
-            <a:r>
-              <a:rPr lang="fr-FR" sz="1600" b="1" u="none" strike="noStrike" dirty="0">
-                <a:effectLst/>
-                <a:latin typeface="Arial" panose="020B0604020202020204" pitchFamily="34" charset="0"/>
-                <a:ea typeface="Arial" panose="020B0604020202020204" pitchFamily="34" charset="0"/>
-              </a:rPr>
-              <a:t>calculer la FFT</a:t>
-            </a:r>
-          </a:p>
-          <a:p>
-            <a:pPr marL="800100" lvl="1" indent="-342900" algn="just">
-              <a:lnSpc>
-                <a:spcPct val="115000"/>
-              </a:lnSpc>
-              <a:buFont typeface="Arial" panose="020B0604020202020204" pitchFamily="34" charset="0"/>
-              <a:buChar char="●"/>
-            </a:pPr>
-            <a:r>
-              <a:rPr lang="fr-FR" sz="1600" b="1" u="none" strike="noStrike" dirty="0" err="1">
-                <a:solidFill>
-                  <a:srgbClr val="E36C0A"/>
-                </a:solidFill>
-                <a:effectLst/>
-                <a:latin typeface="Arial" panose="020B0604020202020204" pitchFamily="34" charset="0"/>
-                <a:ea typeface="Arial" panose="020B0604020202020204" pitchFamily="34" charset="0"/>
-              </a:rPr>
-              <a:t>numpy</a:t>
-            </a:r>
-            <a:r>
-              <a:rPr lang="fr-FR" sz="1600" b="1" u="none" strike="noStrike" dirty="0">
-                <a:solidFill>
-                  <a:srgbClr val="1155CC"/>
-                </a:solidFill>
-                <a:effectLst/>
-                <a:latin typeface="Arial" panose="020B0604020202020204" pitchFamily="34" charset="0"/>
-                <a:ea typeface="Arial" panose="020B0604020202020204" pitchFamily="34" charset="0"/>
-              </a:rPr>
-              <a:t>  .</a:t>
-            </a:r>
-            <a:r>
-              <a:rPr lang="fr-FR" sz="1600" b="1" u="none" strike="noStrike" dirty="0" err="1">
-                <a:solidFill>
-                  <a:srgbClr val="1155CC"/>
-                </a:solidFill>
-                <a:effectLst/>
-                <a:latin typeface="Arial" panose="020B0604020202020204" pitchFamily="34" charset="0"/>
-                <a:ea typeface="Arial" panose="020B0604020202020204" pitchFamily="34" charset="0"/>
-              </a:rPr>
-              <a:t>fft.fft</a:t>
-            </a:r>
-            <a:r>
-              <a:rPr lang="fr-FR" sz="1600" b="1" u="none" strike="noStrike" dirty="0">
-                <a:solidFill>
-                  <a:srgbClr val="1155CC"/>
-                </a:solidFill>
-                <a:effectLst/>
-                <a:latin typeface="Arial" panose="020B0604020202020204" pitchFamily="34" charset="0"/>
-                <a:ea typeface="Arial" panose="020B0604020202020204" pitchFamily="34" charset="0"/>
-              </a:rPr>
-              <a:t>    .</a:t>
-            </a:r>
-            <a:r>
-              <a:rPr lang="fr-FR" sz="1600" b="1" u="none" strike="noStrike" dirty="0" err="1">
-                <a:solidFill>
-                  <a:srgbClr val="1155CC"/>
-                </a:solidFill>
-                <a:effectLst/>
-                <a:latin typeface="Arial" panose="020B0604020202020204" pitchFamily="34" charset="0"/>
-                <a:ea typeface="Arial" panose="020B0604020202020204" pitchFamily="34" charset="0"/>
-              </a:rPr>
-              <a:t>fft.fftshift</a:t>
-            </a:r>
-            <a:endParaRPr lang="fr-FR" sz="1600" b="1" dirty="0"/>
+            <a:r>
+              <a:rPr lang="fr-FR" sz="2400" dirty="0">
+                <a:solidFill>
+                  <a:srgbClr val="00B0F0"/>
+                </a:solidFill>
+                <a:latin typeface="Bahnschrift SemiBold" panose="020B0502040204020203" pitchFamily="34" charset="0"/>
+              </a:rPr>
+              <a:t>http://lense.institutoptique.fr/ONIP/</a:t>
+            </a:r>
           </a:p>
         </p:txBody>
       </p:sp>
       <p:sp>
         <p:nvSpPr>
-          <p:cNvPr id="3" name="Espace réservé du contenu 6">
-            <a:extLst>
-              <a:ext uri="{FF2B5EF4-FFF2-40B4-BE49-F238E27FC236}">
-                <a16:creationId xmlns:a16="http://schemas.microsoft.com/office/drawing/2014/main" id="{8C067A9A-5B9B-23F2-8492-34670908B5B5}"/>
+          <p:cNvPr id="3" name="Espace réservé du contenu 3">
+            <a:extLst>
+              <a:ext uri="{FF2B5EF4-FFF2-40B4-BE49-F238E27FC236}">
+                <a16:creationId xmlns:a16="http://schemas.microsoft.com/office/drawing/2014/main" id="{C286C4A6-2AB7-32A2-6489-6BBE1FC69413}"/>
               </a:ext>
             </a:extLst>
           </p:cNvPr>
@@ -14786,8 +16217,8 @@
         </p:nvSpPr>
         <p:spPr>
           <a:xfrm>
-            <a:off x="7118555" y="2133895"/>
-            <a:ext cx="4415070" cy="3694176"/>
+            <a:off x="6585644" y="2478024"/>
+            <a:ext cx="4937760" cy="3694176"/>
           </a:xfrm>
           <a:prstGeom prst="rect">
             <a:avLst/>
@@ -14962,272 +16393,38 @@
             </a:lvl9pPr>
           </a:lstStyle>
           <a:p>
-            <a:pPr marL="342900" indent="-342900" algn="just">
-              <a:lnSpc>
-                <a:spcPct val="115000"/>
-              </a:lnSpc>
-              <a:buFont typeface="Arial" panose="020B0604020202020204" pitchFamily="34" charset="0"/>
-              <a:buChar char="●"/>
-            </a:pPr>
-            <a:r>
-              <a:rPr lang="fr-FR" sz="1600" b="1" dirty="0">
-                <a:latin typeface="Arial" panose="020B0604020202020204" pitchFamily="34" charset="0"/>
-                <a:ea typeface="Arial" panose="020B0604020202020204" pitchFamily="34" charset="0"/>
-              </a:rPr>
-              <a:t>transcodage / </a:t>
-            </a:r>
-            <a:r>
-              <a:rPr lang="fr-FR" sz="1600" b="1" dirty="0" err="1">
-                <a:latin typeface="Arial" panose="020B0604020202020204" pitchFamily="34" charset="0"/>
-                <a:ea typeface="Arial" panose="020B0604020202020204" pitchFamily="34" charset="0"/>
-              </a:rPr>
-              <a:t>Numpy</a:t>
-            </a:r>
-            <a:r>
-              <a:rPr lang="fr-FR" sz="1600" b="1" dirty="0">
-                <a:latin typeface="Arial" panose="020B0604020202020204" pitchFamily="34" charset="0"/>
-                <a:ea typeface="Arial" panose="020B0604020202020204" pitchFamily="34" charset="0"/>
-              </a:rPr>
-              <a:t> types</a:t>
-            </a:r>
-          </a:p>
-          <a:p>
-            <a:pPr marL="800100" lvl="1" indent="-342900" algn="just">
-              <a:lnSpc>
-                <a:spcPct val="115000"/>
-              </a:lnSpc>
-              <a:buFont typeface="Arial" panose="020B0604020202020204" pitchFamily="34" charset="0"/>
-              <a:buChar char="●"/>
-            </a:pPr>
-            <a:r>
-              <a:rPr lang="fr-FR" sz="1600" b="1" u="none" strike="noStrike" dirty="0" err="1">
-                <a:solidFill>
-                  <a:srgbClr val="E36C0A"/>
-                </a:solidFill>
-                <a:effectLst/>
-                <a:latin typeface="Arial" panose="020B0604020202020204" pitchFamily="34" charset="0"/>
-                <a:ea typeface="Arial" panose="020B0604020202020204" pitchFamily="34" charset="0"/>
-              </a:rPr>
-              <a:t>numpy</a:t>
-            </a:r>
-            <a:r>
-              <a:rPr lang="fr-FR" sz="1600" b="1" u="none" strike="noStrike" dirty="0">
-                <a:solidFill>
-                  <a:srgbClr val="E36C0A"/>
-                </a:solidFill>
-                <a:effectLst/>
-                <a:latin typeface="Arial" panose="020B0604020202020204" pitchFamily="34" charset="0"/>
-                <a:ea typeface="Arial" panose="020B0604020202020204" pitchFamily="34" charset="0"/>
-              </a:rPr>
-              <a:t> </a:t>
-            </a:r>
-            <a:r>
-              <a:rPr lang="fr-FR" sz="1600" b="1" u="none" strike="noStrike" dirty="0">
-                <a:solidFill>
-                  <a:srgbClr val="1155CC"/>
-                </a:solidFill>
-                <a:effectLst/>
-                <a:latin typeface="Arial" panose="020B0604020202020204" pitchFamily="34" charset="0"/>
-                <a:ea typeface="Arial" panose="020B0604020202020204" pitchFamily="34" charset="0"/>
-              </a:rPr>
-              <a:t>.</a:t>
-            </a:r>
-            <a:r>
-              <a:rPr lang="fr-FR" sz="1600" b="1" u="none" strike="noStrike" dirty="0" err="1">
-                <a:solidFill>
-                  <a:srgbClr val="1155CC"/>
-                </a:solidFill>
-                <a:effectLst/>
-                <a:latin typeface="Arial" panose="020B0604020202020204" pitchFamily="34" charset="0"/>
-                <a:ea typeface="Arial" panose="020B0604020202020204" pitchFamily="34" charset="0"/>
-              </a:rPr>
-              <a:t>frombuffer</a:t>
-            </a:r>
-            <a:r>
-              <a:rPr lang="fr-FR" sz="1600" b="1" dirty="0">
-                <a:solidFill>
-                  <a:srgbClr val="1155CC"/>
-                </a:solidFill>
-                <a:latin typeface="Arial" panose="020B0604020202020204" pitchFamily="34" charset="0"/>
-                <a:ea typeface="Arial" panose="020B0604020202020204" pitchFamily="34" charset="0"/>
-              </a:rPr>
-              <a:t>  .</a:t>
-            </a:r>
-            <a:r>
-              <a:rPr lang="fr-FR" sz="1600" b="1" dirty="0" err="1">
-                <a:solidFill>
-                  <a:srgbClr val="1155CC"/>
-                </a:solidFill>
-                <a:latin typeface="Arial" panose="020B0604020202020204" pitchFamily="34" charset="0"/>
-                <a:ea typeface="Arial" panose="020B0604020202020204" pitchFamily="34" charset="0"/>
-              </a:rPr>
-              <a:t>astype</a:t>
-            </a:r>
-            <a:endParaRPr lang="fr-FR" sz="800" b="1" dirty="0">
-              <a:latin typeface="Arial" panose="020B0604020202020204" pitchFamily="34" charset="0"/>
-              <a:ea typeface="Arial" panose="020B0604020202020204" pitchFamily="34" charset="0"/>
-            </a:endParaRPr>
-          </a:p>
-          <a:p>
-            <a:pPr marL="342900" indent="-342900" algn="just">
-              <a:lnSpc>
-                <a:spcPct val="115000"/>
-              </a:lnSpc>
-              <a:buFont typeface="Arial" panose="020B0604020202020204" pitchFamily="34" charset="0"/>
-              <a:buChar char="●"/>
-            </a:pPr>
-            <a:r>
-              <a:rPr lang="fr-FR" sz="1600" b="1" dirty="0">
-                <a:latin typeface="Arial" panose="020B0604020202020204" pitchFamily="34" charset="0"/>
-                <a:ea typeface="Arial" panose="020B0604020202020204" pitchFamily="34" charset="0"/>
-              </a:rPr>
-              <a:t>encodage B64</a:t>
-            </a:r>
-          </a:p>
-          <a:p>
-            <a:pPr marL="800100" lvl="1" indent="-342900" algn="just">
-              <a:lnSpc>
-                <a:spcPct val="115000"/>
-              </a:lnSpc>
-              <a:buFont typeface="Arial" panose="020B0604020202020204" pitchFamily="34" charset="0"/>
-              <a:buChar char="●"/>
-            </a:pPr>
-            <a:r>
-              <a:rPr lang="fr-FR" sz="1600" b="1" dirty="0">
-                <a:solidFill>
-                  <a:srgbClr val="E36C0A"/>
-                </a:solidFill>
-                <a:latin typeface="Arial" panose="020B0604020202020204" pitchFamily="34" charset="0"/>
-                <a:ea typeface="Arial" panose="020B0604020202020204" pitchFamily="34" charset="0"/>
-              </a:rPr>
-              <a:t>base64 </a:t>
-            </a:r>
-            <a:r>
-              <a:rPr lang="fr-FR" sz="1600" b="1" dirty="0">
-                <a:solidFill>
-                  <a:srgbClr val="1155CC"/>
-                </a:solidFill>
-                <a:latin typeface="Arial" panose="020B0604020202020204" pitchFamily="34" charset="0"/>
-                <a:ea typeface="Arial" panose="020B0604020202020204" pitchFamily="34" charset="0"/>
-              </a:rPr>
-              <a:t>.b64encode </a:t>
-            </a:r>
-            <a:r>
-              <a:rPr lang="fr-FR" sz="1600" b="1" dirty="0">
-                <a:solidFill>
-                  <a:srgbClr val="E36C0A"/>
-                </a:solidFill>
-                <a:latin typeface="Arial" panose="020B0604020202020204" pitchFamily="34" charset="0"/>
-                <a:ea typeface="Arial" panose="020B0604020202020204" pitchFamily="34" charset="0"/>
-              </a:rPr>
-              <a:t> </a:t>
-            </a:r>
-            <a:r>
-              <a:rPr lang="fr-FR" sz="1600" b="1" dirty="0">
-                <a:solidFill>
-                  <a:srgbClr val="1155CC"/>
-                </a:solidFill>
-                <a:latin typeface="Arial" panose="020B0604020202020204" pitchFamily="34" charset="0"/>
-                <a:ea typeface="Arial" panose="020B0604020202020204" pitchFamily="34" charset="0"/>
-              </a:rPr>
-              <a:t>.b64decode </a:t>
-            </a:r>
-          </a:p>
-          <a:p>
-            <a:pPr marL="342900" indent="-342900" algn="just">
-              <a:lnSpc>
-                <a:spcPct val="115000"/>
-              </a:lnSpc>
-              <a:buFont typeface="Arial" panose="020B0604020202020204" pitchFamily="34" charset="0"/>
-              <a:buChar char="●"/>
-            </a:pPr>
-            <a:r>
-              <a:rPr lang="fr-FR" sz="1600" b="1" dirty="0">
-                <a:latin typeface="Arial" panose="020B0604020202020204" pitchFamily="34" charset="0"/>
-                <a:ea typeface="Arial" panose="020B0604020202020204" pitchFamily="34" charset="0"/>
-              </a:rPr>
-              <a:t>encodage WAV</a:t>
-            </a:r>
-            <a:r>
-              <a:rPr lang="fr-FR" sz="1600" dirty="0">
-                <a:latin typeface="Arial" panose="020B0604020202020204" pitchFamily="34" charset="0"/>
-                <a:ea typeface="Arial" panose="020B0604020202020204" pitchFamily="34" charset="0"/>
-              </a:rPr>
-              <a:t>	</a:t>
-            </a:r>
-          </a:p>
-          <a:p>
-            <a:pPr marL="800100" lvl="1" indent="-342900" algn="just">
-              <a:lnSpc>
-                <a:spcPct val="115000"/>
-              </a:lnSpc>
-              <a:buFont typeface="Arial" panose="020B0604020202020204" pitchFamily="34" charset="0"/>
-              <a:buChar char="●"/>
-            </a:pPr>
-            <a:r>
-              <a:rPr lang="en-US" sz="1600" b="1" dirty="0">
-                <a:solidFill>
-                  <a:srgbClr val="E36C0A"/>
-                </a:solidFill>
-                <a:latin typeface="Arial" panose="020B0604020202020204" pitchFamily="34" charset="0"/>
-                <a:ea typeface="Arial" panose="020B0604020202020204" pitchFamily="34" charset="0"/>
-              </a:rPr>
-              <a:t>scipy.io </a:t>
-            </a:r>
-            <a:r>
-              <a:rPr lang="fr-FR" sz="1600" b="1" dirty="0">
-                <a:solidFill>
-                  <a:srgbClr val="1155CC"/>
-                </a:solidFill>
-                <a:latin typeface="Arial" panose="020B0604020202020204" pitchFamily="34" charset="0"/>
-                <a:ea typeface="Arial" panose="020B0604020202020204" pitchFamily="34" charset="0"/>
-              </a:rPr>
-              <a:t>.</a:t>
-            </a:r>
-            <a:r>
-              <a:rPr lang="fr-FR" sz="1600" b="1" dirty="0" err="1">
-                <a:solidFill>
-                  <a:srgbClr val="1155CC"/>
-                </a:solidFill>
-                <a:latin typeface="Arial" panose="020B0604020202020204" pitchFamily="34" charset="0"/>
-                <a:ea typeface="Arial" panose="020B0604020202020204" pitchFamily="34" charset="0"/>
-              </a:rPr>
-              <a:t>wavfile.read</a:t>
-            </a:r>
-            <a:r>
-              <a:rPr lang="fr-FR" sz="1600" b="1" dirty="0">
-                <a:solidFill>
-                  <a:srgbClr val="1155CC"/>
-                </a:solidFill>
-                <a:latin typeface="Arial" panose="020B0604020202020204" pitchFamily="34" charset="0"/>
-                <a:ea typeface="Arial" panose="020B0604020202020204" pitchFamily="34" charset="0"/>
-              </a:rPr>
-              <a:t>   .</a:t>
-            </a:r>
-            <a:r>
-              <a:rPr lang="fr-FR" sz="1600" b="1" dirty="0" err="1">
-                <a:solidFill>
-                  <a:srgbClr val="1155CC"/>
-                </a:solidFill>
-                <a:latin typeface="Arial" panose="020B0604020202020204" pitchFamily="34" charset="0"/>
-                <a:ea typeface="Arial" panose="020B0604020202020204" pitchFamily="34" charset="0"/>
-              </a:rPr>
-              <a:t>write</a:t>
-            </a:r>
-            <a:endParaRPr lang="fr-FR" sz="1600" b="1" dirty="0">
-              <a:solidFill>
-                <a:srgbClr val="1155CC"/>
-              </a:solidFill>
-              <a:latin typeface="Arial" panose="020B0604020202020204" pitchFamily="34" charset="0"/>
-              <a:ea typeface="Arial" panose="020B0604020202020204" pitchFamily="34" charset="0"/>
-            </a:endParaRPr>
+            <a:r>
+              <a:rPr lang="fr-FR" dirty="0"/>
+              <a:t>B3_data_03.txt</a:t>
+            </a:r>
+          </a:p>
+          <a:p>
+            <a:pPr lvl="1"/>
+            <a:r>
+              <a:rPr lang="fr-FR" sz="1800" dirty="0"/>
+              <a:t>Format de données binaire 64</a:t>
+            </a:r>
+          </a:p>
+          <a:p>
+            <a:pPr lvl="1"/>
+            <a:r>
+              <a:rPr lang="fr-FR" sz="1800" dirty="0"/>
+              <a:t>Multi-porteuses sinusoïdales</a:t>
+            </a:r>
+          </a:p>
+          <a:p>
+            <a:pPr lvl="1"/>
+            <a:r>
+              <a:rPr lang="fr-FR" sz="1800" dirty="0"/>
+              <a:t>Fichier sonore / 160 kHz / 16 bits</a:t>
+            </a:r>
           </a:p>
         </p:txBody>
       </p:sp>
     </p:spTree>
     <p:extLst>
       <p:ext uri="{BB962C8B-B14F-4D97-AF65-F5344CB8AC3E}">
-        <p14:creationId xmlns:p14="http://schemas.microsoft.com/office/powerpoint/2010/main" val="673778926"/>
+        <p14:creationId xmlns:p14="http://schemas.microsoft.com/office/powerpoint/2010/main" val="2996629881"/>
       </p:ext>
     </p:extLst>
   </p:cSld>
